--- a/model_representation.pptx
+++ b/model_representation.pptx
@@ -105,6 +105,11 @@
       </a:defRPr>
     </a:lvl9pPr>
   </p:defaultTextStyle>
+  <p:extLst>
+    <p:ext uri="{EFAFB233-063F-42B5-8137-9DF3F51BA10A}">
+      <p15:sldGuideLst xmlns:p15="http://schemas.microsoft.com/office/powerpoint/2012/main"/>
+    </p:ext>
+  </p:extLst>
 </p:presentation>
 </file>
 

--- a/model_representation.pptx
+++ b/model_representation.pptx
@@ -260,7 +260,7 @@
           <a:p>
             <a:fld id="{0C688EB7-E1EC-4125-A900-79B98438A0A3}" type="datetimeFigureOut">
               <a:rPr lang="nl-NL" smtClean="0"/>
-              <a:t>15-10-2018</a:t>
+              <a:t>16-10-2018</a:t>
             </a:fld>
             <a:endParaRPr lang="nl-NL"/>
           </a:p>
@@ -458,7 +458,7 @@
           <a:p>
             <a:fld id="{0C688EB7-E1EC-4125-A900-79B98438A0A3}" type="datetimeFigureOut">
               <a:rPr lang="nl-NL" smtClean="0"/>
-              <a:t>15-10-2018</a:t>
+              <a:t>16-10-2018</a:t>
             </a:fld>
             <a:endParaRPr lang="nl-NL"/>
           </a:p>
@@ -666,7 +666,7 @@
           <a:p>
             <a:fld id="{0C688EB7-E1EC-4125-A900-79B98438A0A3}" type="datetimeFigureOut">
               <a:rPr lang="nl-NL" smtClean="0"/>
-              <a:t>15-10-2018</a:t>
+              <a:t>16-10-2018</a:t>
             </a:fld>
             <a:endParaRPr lang="nl-NL"/>
           </a:p>
@@ -864,7 +864,7 @@
           <a:p>
             <a:fld id="{0C688EB7-E1EC-4125-A900-79B98438A0A3}" type="datetimeFigureOut">
               <a:rPr lang="nl-NL" smtClean="0"/>
-              <a:t>15-10-2018</a:t>
+              <a:t>16-10-2018</a:t>
             </a:fld>
             <a:endParaRPr lang="nl-NL"/>
           </a:p>
@@ -1139,7 +1139,7 @@
           <a:p>
             <a:fld id="{0C688EB7-E1EC-4125-A900-79B98438A0A3}" type="datetimeFigureOut">
               <a:rPr lang="nl-NL" smtClean="0"/>
-              <a:t>15-10-2018</a:t>
+              <a:t>16-10-2018</a:t>
             </a:fld>
             <a:endParaRPr lang="nl-NL"/>
           </a:p>
@@ -1404,7 +1404,7 @@
           <a:p>
             <a:fld id="{0C688EB7-E1EC-4125-A900-79B98438A0A3}" type="datetimeFigureOut">
               <a:rPr lang="nl-NL" smtClean="0"/>
-              <a:t>15-10-2018</a:t>
+              <a:t>16-10-2018</a:t>
             </a:fld>
             <a:endParaRPr lang="nl-NL"/>
           </a:p>
@@ -1816,7 +1816,7 @@
           <a:p>
             <a:fld id="{0C688EB7-E1EC-4125-A900-79B98438A0A3}" type="datetimeFigureOut">
               <a:rPr lang="nl-NL" smtClean="0"/>
-              <a:t>15-10-2018</a:t>
+              <a:t>16-10-2018</a:t>
             </a:fld>
             <a:endParaRPr lang="nl-NL"/>
           </a:p>
@@ -1957,7 +1957,7 @@
           <a:p>
             <a:fld id="{0C688EB7-E1EC-4125-A900-79B98438A0A3}" type="datetimeFigureOut">
               <a:rPr lang="nl-NL" smtClean="0"/>
-              <a:t>15-10-2018</a:t>
+              <a:t>16-10-2018</a:t>
             </a:fld>
             <a:endParaRPr lang="nl-NL"/>
           </a:p>
@@ -2070,7 +2070,7 @@
           <a:p>
             <a:fld id="{0C688EB7-E1EC-4125-A900-79B98438A0A3}" type="datetimeFigureOut">
               <a:rPr lang="nl-NL" smtClean="0"/>
-              <a:t>15-10-2018</a:t>
+              <a:t>16-10-2018</a:t>
             </a:fld>
             <a:endParaRPr lang="nl-NL"/>
           </a:p>
@@ -2381,7 +2381,7 @@
           <a:p>
             <a:fld id="{0C688EB7-E1EC-4125-A900-79B98438A0A3}" type="datetimeFigureOut">
               <a:rPr lang="nl-NL" smtClean="0"/>
-              <a:t>15-10-2018</a:t>
+              <a:t>16-10-2018</a:t>
             </a:fld>
             <a:endParaRPr lang="nl-NL"/>
           </a:p>
@@ -2669,7 +2669,7 @@
           <a:p>
             <a:fld id="{0C688EB7-E1EC-4125-A900-79B98438A0A3}" type="datetimeFigureOut">
               <a:rPr lang="nl-NL" smtClean="0"/>
-              <a:t>15-10-2018</a:t>
+              <a:t>16-10-2018</a:t>
             </a:fld>
             <a:endParaRPr lang="nl-NL"/>
           </a:p>
@@ -2910,7 +2910,7 @@
           <a:p>
             <a:fld id="{0C688EB7-E1EC-4125-A900-79B98438A0A3}" type="datetimeFigureOut">
               <a:rPr lang="nl-NL" smtClean="0"/>
-              <a:t>15-10-2018</a:t>
+              <a:t>16-10-2018</a:t>
             </a:fld>
             <a:endParaRPr lang="nl-NL"/>
           </a:p>
@@ -4242,6 +4242,77 @@
           </a:p>
         </p:txBody>
       </p:sp>
+      <p:sp>
+        <p:nvSpPr>
+          <p:cNvPr id="2" name="Tekstvak 1">
+            <a:extLst>
+              <a:ext uri="{FF2B5EF4-FFF2-40B4-BE49-F238E27FC236}">
+                <a16:creationId xmlns:a16="http://schemas.microsoft.com/office/drawing/2014/main" id="{92671585-3F0E-40F1-9D4C-DE80C738B35A}"/>
+              </a:ext>
+            </a:extLst>
+          </p:cNvPr>
+          <p:cNvSpPr txBox="1"/>
+          <p:nvPr/>
+        </p:nvSpPr>
+        <p:spPr>
+          <a:xfrm>
+            <a:off x="5972961" y="3271706"/>
+            <a:ext cx="629403" cy="369332"/>
+          </a:xfrm>
+          <a:prstGeom prst="rect">
+            <a:avLst/>
+          </a:prstGeom>
+          <a:noFill/>
+        </p:spPr>
+        <p:txBody>
+          <a:bodyPr wrap="none" rtlCol="0">
+            <a:spAutoFit/>
+          </a:bodyPr>
+          <a:lstStyle/>
+          <a:p>
+            <a:r>
+              <a:rPr lang="nl-NL" dirty="0"/>
+              <a:t>Slow</a:t>
+            </a:r>
+          </a:p>
+        </p:txBody>
+      </p:sp>
+      <p:sp>
+        <p:nvSpPr>
+          <p:cNvPr id="3" name="Tekstvak 2">
+            <a:extLst>
+              <a:ext uri="{FF2B5EF4-FFF2-40B4-BE49-F238E27FC236}">
+                <a16:creationId xmlns:a16="http://schemas.microsoft.com/office/drawing/2014/main" id="{E40E5769-136B-462E-9213-F9621A8C754A}"/>
+              </a:ext>
+            </a:extLst>
+          </p:cNvPr>
+          <p:cNvSpPr txBox="1"/>
+          <p:nvPr/>
+        </p:nvSpPr>
+        <p:spPr>
+          <a:xfrm>
+            <a:off x="6009316" y="4471876"/>
+            <a:ext cx="558999" cy="369332"/>
+          </a:xfrm>
+          <a:prstGeom prst="rect">
+            <a:avLst/>
+          </a:prstGeom>
+          <a:noFill/>
+        </p:spPr>
+        <p:txBody>
+          <a:bodyPr wrap="none" rtlCol="0">
+            <a:spAutoFit/>
+          </a:bodyPr>
+          <a:lstStyle/>
+          <a:p>
+            <a:r>
+              <a:rPr lang="nl-NL" dirty="0" err="1"/>
+              <a:t>Fast</a:t>
+            </a:r>
+            <a:endParaRPr lang="nl-NL" dirty="0"/>
+          </a:p>
+        </p:txBody>
+      </p:sp>
     </p:spTree>
     <p:extLst>
       <p:ext uri="{BB962C8B-B14F-4D97-AF65-F5344CB8AC3E}">

--- a/model_representation.pptx
+++ b/model_representation.pptx
@@ -260,7 +260,7 @@
           <a:p>
             <a:fld id="{0C688EB7-E1EC-4125-A900-79B98438A0A3}" type="datetimeFigureOut">
               <a:rPr lang="nl-NL" smtClean="0"/>
-              <a:t>16-10-2018</a:t>
+              <a:t>17-10-2018</a:t>
             </a:fld>
             <a:endParaRPr lang="nl-NL"/>
           </a:p>
@@ -458,7 +458,7 @@
           <a:p>
             <a:fld id="{0C688EB7-E1EC-4125-A900-79B98438A0A3}" type="datetimeFigureOut">
               <a:rPr lang="nl-NL" smtClean="0"/>
-              <a:t>16-10-2018</a:t>
+              <a:t>17-10-2018</a:t>
             </a:fld>
             <a:endParaRPr lang="nl-NL"/>
           </a:p>
@@ -666,7 +666,7 @@
           <a:p>
             <a:fld id="{0C688EB7-E1EC-4125-A900-79B98438A0A3}" type="datetimeFigureOut">
               <a:rPr lang="nl-NL" smtClean="0"/>
-              <a:t>16-10-2018</a:t>
+              <a:t>17-10-2018</a:t>
             </a:fld>
             <a:endParaRPr lang="nl-NL"/>
           </a:p>
@@ -864,7 +864,7 @@
           <a:p>
             <a:fld id="{0C688EB7-E1EC-4125-A900-79B98438A0A3}" type="datetimeFigureOut">
               <a:rPr lang="nl-NL" smtClean="0"/>
-              <a:t>16-10-2018</a:t>
+              <a:t>17-10-2018</a:t>
             </a:fld>
             <a:endParaRPr lang="nl-NL"/>
           </a:p>
@@ -1139,7 +1139,7 @@
           <a:p>
             <a:fld id="{0C688EB7-E1EC-4125-A900-79B98438A0A3}" type="datetimeFigureOut">
               <a:rPr lang="nl-NL" smtClean="0"/>
-              <a:t>16-10-2018</a:t>
+              <a:t>17-10-2018</a:t>
             </a:fld>
             <a:endParaRPr lang="nl-NL"/>
           </a:p>
@@ -1404,7 +1404,7 @@
           <a:p>
             <a:fld id="{0C688EB7-E1EC-4125-A900-79B98438A0A3}" type="datetimeFigureOut">
               <a:rPr lang="nl-NL" smtClean="0"/>
-              <a:t>16-10-2018</a:t>
+              <a:t>17-10-2018</a:t>
             </a:fld>
             <a:endParaRPr lang="nl-NL"/>
           </a:p>
@@ -1816,7 +1816,7 @@
           <a:p>
             <a:fld id="{0C688EB7-E1EC-4125-A900-79B98438A0A3}" type="datetimeFigureOut">
               <a:rPr lang="nl-NL" smtClean="0"/>
-              <a:t>16-10-2018</a:t>
+              <a:t>17-10-2018</a:t>
             </a:fld>
             <a:endParaRPr lang="nl-NL"/>
           </a:p>
@@ -1957,7 +1957,7 @@
           <a:p>
             <a:fld id="{0C688EB7-E1EC-4125-A900-79B98438A0A3}" type="datetimeFigureOut">
               <a:rPr lang="nl-NL" smtClean="0"/>
-              <a:t>16-10-2018</a:t>
+              <a:t>17-10-2018</a:t>
             </a:fld>
             <a:endParaRPr lang="nl-NL"/>
           </a:p>
@@ -2070,7 +2070,7 @@
           <a:p>
             <a:fld id="{0C688EB7-E1EC-4125-A900-79B98438A0A3}" type="datetimeFigureOut">
               <a:rPr lang="nl-NL" smtClean="0"/>
-              <a:t>16-10-2018</a:t>
+              <a:t>17-10-2018</a:t>
             </a:fld>
             <a:endParaRPr lang="nl-NL"/>
           </a:p>
@@ -2381,7 +2381,7 @@
           <a:p>
             <a:fld id="{0C688EB7-E1EC-4125-A900-79B98438A0A3}" type="datetimeFigureOut">
               <a:rPr lang="nl-NL" smtClean="0"/>
-              <a:t>16-10-2018</a:t>
+              <a:t>17-10-2018</a:t>
             </a:fld>
             <a:endParaRPr lang="nl-NL"/>
           </a:p>
@@ -2669,7 +2669,7 @@
           <a:p>
             <a:fld id="{0C688EB7-E1EC-4125-A900-79B98438A0A3}" type="datetimeFigureOut">
               <a:rPr lang="nl-NL" smtClean="0"/>
-              <a:t>16-10-2018</a:t>
+              <a:t>17-10-2018</a:t>
             </a:fld>
             <a:endParaRPr lang="nl-NL"/>
           </a:p>
@@ -2910,7 +2910,7 @@
           <a:p>
             <a:fld id="{0C688EB7-E1EC-4125-A900-79B98438A0A3}" type="datetimeFigureOut">
               <a:rPr lang="nl-NL" smtClean="0"/>
-              <a:t>16-10-2018</a:t>
+              <a:t>17-10-2018</a:t>
             </a:fld>
             <a:endParaRPr lang="nl-NL"/>
           </a:p>
@@ -4357,7 +4357,7 @@
         </p:nvSpPr>
         <p:spPr>
           <a:xfrm>
-            <a:off x="3187817" y="2055303"/>
+            <a:off x="3070368" y="1677798"/>
             <a:ext cx="2332139" cy="1442906"/>
           </a:xfrm>
           <a:prstGeom prst="roundRect">
@@ -4386,7 +4386,7 @@
           <a:p>
             <a:pPr algn="ctr"/>
             <a:r>
-              <a:rPr lang="el-GR" dirty="0"/>
+              <a:rPr lang="el-GR" sz="3200" dirty="0"/>
               <a:t>θ</a:t>
             </a:r>
             <a:endParaRPr lang="nl-NL" dirty="0"/>
@@ -4407,8 +4407,8 @@
         </p:nvSpPr>
         <p:spPr>
           <a:xfrm>
-            <a:off x="2273417" y="2155971"/>
-            <a:ext cx="914400" cy="478172"/>
+            <a:off x="5402505" y="1778467"/>
+            <a:ext cx="2776755" cy="478172"/>
           </a:xfrm>
           <a:prstGeom prst="rightArrow">
             <a:avLst/>
@@ -4436,9 +4436,10 @@
           <a:p>
             <a:pPr algn="ctr"/>
             <a:r>
-              <a:rPr lang="nl-NL" dirty="0"/>
-              <a:t>E</a:t>
-            </a:r>
+              <a:rPr lang="nl-NL" dirty="0" err="1"/>
+              <a:t>Melting</a:t>
+            </a:r>
+            <a:endParaRPr lang="nl-NL" dirty="0"/>
           </a:p>
         </p:txBody>
       </p:sp>
@@ -4456,8 +4457,8 @@
         </p:nvSpPr>
         <p:spPr>
           <a:xfrm>
-            <a:off x="2273417" y="2776756"/>
-            <a:ext cx="914400" cy="478172"/>
+            <a:off x="293613" y="2399251"/>
+            <a:ext cx="2776755" cy="478172"/>
           </a:xfrm>
           <a:prstGeom prst="rightArrow">
             <a:avLst/>
@@ -4485,9 +4486,510 @@
           <a:p>
             <a:pPr algn="ctr"/>
             <a:r>
+              <a:rPr lang="nl-NL" dirty="0" err="1"/>
+              <a:t>Condensation</a:t>
+            </a:r>
+            <a:endParaRPr lang="nl-NL" dirty="0"/>
+          </a:p>
+        </p:txBody>
+      </p:sp>
+      <p:sp>
+        <p:nvSpPr>
+          <p:cNvPr id="2" name="Pijl: links 1">
+            <a:extLst>
+              <a:ext uri="{FF2B5EF4-FFF2-40B4-BE49-F238E27FC236}">
+                <a16:creationId xmlns:a16="http://schemas.microsoft.com/office/drawing/2014/main" id="{6AAB492B-F60D-4EF7-999C-D27234BF2911}"/>
+              </a:ext>
+            </a:extLst>
+          </p:cNvPr>
+          <p:cNvSpPr/>
+          <p:nvPr/>
+        </p:nvSpPr>
+        <p:spPr>
+          <a:xfrm>
+            <a:off x="293613" y="1799439"/>
+            <a:ext cx="2776755" cy="478172"/>
+          </a:xfrm>
+          <a:prstGeom prst="leftArrow">
+            <a:avLst/>
+          </a:prstGeom>
+        </p:spPr>
+        <p:style>
+          <a:lnRef idx="2">
+            <a:schemeClr val="accent2">
+              <a:shade val="50000"/>
+            </a:schemeClr>
+          </a:lnRef>
+          <a:fillRef idx="1">
+            <a:schemeClr val="accent2"/>
+          </a:fillRef>
+          <a:effectRef idx="0">
+            <a:schemeClr val="accent2"/>
+          </a:effectRef>
+          <a:fontRef idx="minor">
+            <a:schemeClr val="lt1"/>
+          </a:fontRef>
+        </p:style>
+        <p:txBody>
+          <a:bodyPr rtlCol="0" anchor="ctr"/>
+          <a:lstStyle/>
+          <a:p>
+            <a:pPr algn="ctr"/>
+            <a:r>
+              <a:rPr lang="nl-NL" dirty="0" err="1"/>
+              <a:t>Evaporation</a:t>
+            </a:r>
+            <a:endParaRPr lang="nl-NL" dirty="0"/>
+          </a:p>
+        </p:txBody>
+      </p:sp>
+      <p:sp>
+        <p:nvSpPr>
+          <p:cNvPr id="6" name="Pijl: links 5">
+            <a:extLst>
+              <a:ext uri="{FF2B5EF4-FFF2-40B4-BE49-F238E27FC236}">
+                <a16:creationId xmlns:a16="http://schemas.microsoft.com/office/drawing/2014/main" id="{0C023C0F-4A02-4DB9-9FF1-EA9135286D01}"/>
+              </a:ext>
+            </a:extLst>
+          </p:cNvPr>
+          <p:cNvSpPr/>
+          <p:nvPr/>
+        </p:nvSpPr>
+        <p:spPr>
+          <a:xfrm>
+            <a:off x="5441655" y="2399251"/>
+            <a:ext cx="2737607" cy="478172"/>
+          </a:xfrm>
+          <a:prstGeom prst="leftArrow">
+            <a:avLst/>
+          </a:prstGeom>
+        </p:spPr>
+        <p:style>
+          <a:lnRef idx="2">
+            <a:schemeClr val="accent6">
+              <a:shade val="50000"/>
+            </a:schemeClr>
+          </a:lnRef>
+          <a:fillRef idx="1">
+            <a:schemeClr val="accent6"/>
+          </a:fillRef>
+          <a:effectRef idx="0">
+            <a:schemeClr val="accent6"/>
+          </a:effectRef>
+          <a:fontRef idx="minor">
+            <a:schemeClr val="lt1"/>
+          </a:fontRef>
+        </p:style>
+        <p:txBody>
+          <a:bodyPr rtlCol="0" anchor="ctr"/>
+          <a:lstStyle/>
+          <a:p>
+            <a:pPr algn="ctr"/>
+            <a:r>
+              <a:rPr lang="nl-NL" dirty="0" err="1"/>
+              <a:t>Freezing</a:t>
+            </a:r>
+            <a:r>
               <a:rPr lang="nl-NL" dirty="0"/>
-              <a:t>C</a:t>
-            </a:r>
+              <a:t> (&amp;ice </a:t>
+            </a:r>
+            <a:r>
+              <a:rPr lang="nl-NL" dirty="0" err="1"/>
+              <a:t>deposition</a:t>
+            </a:r>
+            <a:r>
+              <a:rPr lang="nl-NL" dirty="0"/>
+              <a:t>)</a:t>
+            </a:r>
+          </a:p>
+        </p:txBody>
+      </p:sp>
+      <p:sp>
+        <p:nvSpPr>
+          <p:cNvPr id="3" name="Pijl: omhoog/omlaag 2">
+            <a:extLst>
+              <a:ext uri="{FF2B5EF4-FFF2-40B4-BE49-F238E27FC236}">
+                <a16:creationId xmlns:a16="http://schemas.microsoft.com/office/drawing/2014/main" id="{71E6161D-DC1E-49E0-878E-6A3A35F786FA}"/>
+              </a:ext>
+            </a:extLst>
+          </p:cNvPr>
+          <p:cNvSpPr/>
+          <p:nvPr/>
+        </p:nvSpPr>
+        <p:spPr>
+          <a:xfrm>
+            <a:off x="3921850" y="0"/>
+            <a:ext cx="629174" cy="1677798"/>
+          </a:xfrm>
+          <a:prstGeom prst="upDownArrow">
+            <a:avLst/>
+          </a:prstGeom>
+        </p:spPr>
+        <p:style>
+          <a:lnRef idx="2">
+            <a:schemeClr val="accent1">
+              <a:shade val="50000"/>
+            </a:schemeClr>
+          </a:lnRef>
+          <a:fillRef idx="1">
+            <a:schemeClr val="accent1"/>
+          </a:fillRef>
+          <a:effectRef idx="0">
+            <a:schemeClr val="accent1"/>
+          </a:effectRef>
+          <a:fontRef idx="minor">
+            <a:schemeClr val="lt1"/>
+          </a:fontRef>
+        </p:style>
+        <p:txBody>
+          <a:bodyPr rtlCol="0" anchor="ctr"/>
+          <a:lstStyle/>
+          <a:p>
+            <a:pPr algn="ctr"/>
+            <a:r>
+              <a:rPr lang="nl-NL" dirty="0" err="1"/>
+              <a:t>Mixing</a:t>
+            </a:r>
+            <a:endParaRPr lang="nl-NL" dirty="0"/>
+          </a:p>
+        </p:txBody>
+      </p:sp>
+      <p:sp>
+        <p:nvSpPr>
+          <p:cNvPr id="8" name="Rechthoek: afgeronde hoeken 7">
+            <a:extLst>
+              <a:ext uri="{FF2B5EF4-FFF2-40B4-BE49-F238E27FC236}">
+                <a16:creationId xmlns:a16="http://schemas.microsoft.com/office/drawing/2014/main" id="{1AE5E851-36DB-4713-922A-CEAE58B1768A}"/>
+              </a:ext>
+            </a:extLst>
+          </p:cNvPr>
+          <p:cNvSpPr/>
+          <p:nvPr/>
+        </p:nvSpPr>
+        <p:spPr>
+          <a:xfrm>
+            <a:off x="3070366" y="3670183"/>
+            <a:ext cx="2332139" cy="1308683"/>
+          </a:xfrm>
+          <a:prstGeom prst="roundRect">
+            <a:avLst/>
+          </a:prstGeom>
+        </p:spPr>
+        <p:style>
+          <a:lnRef idx="2">
+            <a:schemeClr val="accent1">
+              <a:shade val="50000"/>
+            </a:schemeClr>
+          </a:lnRef>
+          <a:fillRef idx="1">
+            <a:schemeClr val="accent1"/>
+          </a:fillRef>
+          <a:effectRef idx="0">
+            <a:schemeClr val="accent1"/>
+          </a:effectRef>
+          <a:fontRef idx="minor">
+            <a:schemeClr val="lt1"/>
+          </a:fontRef>
+        </p:style>
+        <p:txBody>
+          <a:bodyPr rtlCol="0" anchor="ctr"/>
+          <a:lstStyle/>
+          <a:p>
+            <a:pPr algn="ctr"/>
+            <a:r>
+              <a:rPr lang="nl-NL" dirty="0"/>
+              <a:t>W</a:t>
+            </a:r>
+          </a:p>
+        </p:txBody>
+      </p:sp>
+      <p:sp>
+        <p:nvSpPr>
+          <p:cNvPr id="9" name="Pijl: omlaag 8">
+            <a:extLst>
+              <a:ext uri="{FF2B5EF4-FFF2-40B4-BE49-F238E27FC236}">
+                <a16:creationId xmlns:a16="http://schemas.microsoft.com/office/drawing/2014/main" id="{99661318-C7B6-4725-B4FA-157249CC6549}"/>
+              </a:ext>
+            </a:extLst>
+          </p:cNvPr>
+          <p:cNvSpPr/>
+          <p:nvPr/>
+        </p:nvSpPr>
+        <p:spPr>
+          <a:xfrm>
+            <a:off x="3921848" y="4978866"/>
+            <a:ext cx="629174" cy="1690382"/>
+          </a:xfrm>
+          <a:prstGeom prst="downArrow">
+            <a:avLst/>
+          </a:prstGeom>
+        </p:spPr>
+        <p:style>
+          <a:lnRef idx="2">
+            <a:schemeClr val="accent2">
+              <a:shade val="50000"/>
+            </a:schemeClr>
+          </a:lnRef>
+          <a:fillRef idx="1">
+            <a:schemeClr val="accent2"/>
+          </a:fillRef>
+          <a:effectRef idx="0">
+            <a:schemeClr val="accent2"/>
+          </a:effectRef>
+          <a:fontRef idx="minor">
+            <a:schemeClr val="lt1"/>
+          </a:fontRef>
+        </p:style>
+        <p:txBody>
+          <a:bodyPr rtlCol="0" anchor="ctr"/>
+          <a:lstStyle/>
+          <a:p>
+            <a:pPr algn="ctr"/>
+            <a:r>
+              <a:rPr lang="nl-NL"/>
+              <a:t>Mixing</a:t>
+            </a:r>
+            <a:endParaRPr lang="nl-NL" dirty="0"/>
+          </a:p>
+        </p:txBody>
+      </p:sp>
+      <p:sp>
+        <p:nvSpPr>
+          <p:cNvPr id="12" name="Pijl: links/rechts 11">
+            <a:extLst>
+              <a:ext uri="{FF2B5EF4-FFF2-40B4-BE49-F238E27FC236}">
+                <a16:creationId xmlns:a16="http://schemas.microsoft.com/office/drawing/2014/main" id="{4D60C98B-9917-42A0-83FD-A5F59DB5BD18}"/>
+              </a:ext>
+            </a:extLst>
+          </p:cNvPr>
+          <p:cNvSpPr/>
+          <p:nvPr/>
+        </p:nvSpPr>
+        <p:spPr>
+          <a:xfrm>
+            <a:off x="5382931" y="4085438"/>
+            <a:ext cx="2776754" cy="478172"/>
+          </a:xfrm>
+          <a:prstGeom prst="leftRightArrow">
+            <a:avLst/>
+          </a:prstGeom>
+        </p:spPr>
+        <p:style>
+          <a:lnRef idx="2">
+            <a:schemeClr val="accent1">
+              <a:shade val="50000"/>
+            </a:schemeClr>
+          </a:lnRef>
+          <a:fillRef idx="1">
+            <a:schemeClr val="accent1"/>
+          </a:fillRef>
+          <a:effectRef idx="0">
+            <a:schemeClr val="accent1"/>
+          </a:effectRef>
+          <a:fontRef idx="minor">
+            <a:schemeClr val="lt1"/>
+          </a:fontRef>
+        </p:style>
+        <p:txBody>
+          <a:bodyPr rtlCol="0" anchor="ctr"/>
+          <a:lstStyle/>
+          <a:p>
+            <a:pPr algn="ctr"/>
+            <a:endParaRPr lang="nl-NL"/>
+          </a:p>
+        </p:txBody>
+      </p:sp>
+      <p:sp>
+        <p:nvSpPr>
+          <p:cNvPr id="13" name="Tekstvak 12">
+            <a:extLst>
+              <a:ext uri="{FF2B5EF4-FFF2-40B4-BE49-F238E27FC236}">
+                <a16:creationId xmlns:a16="http://schemas.microsoft.com/office/drawing/2014/main" id="{AC47547E-73C5-4726-9813-2BCB54BBA1D4}"/>
+              </a:ext>
+            </a:extLst>
+          </p:cNvPr>
+          <p:cNvSpPr txBox="1"/>
+          <p:nvPr/>
+        </p:nvSpPr>
+        <p:spPr>
+          <a:xfrm>
+            <a:off x="5620624" y="4139858"/>
+            <a:ext cx="2214693" cy="369332"/>
+          </a:xfrm>
+          <a:prstGeom prst="rect">
+            <a:avLst/>
+          </a:prstGeom>
+          <a:noFill/>
+        </p:spPr>
+        <p:txBody>
+          <a:bodyPr wrap="square" rtlCol="0">
+            <a:spAutoFit/>
+          </a:bodyPr>
+          <a:lstStyle/>
+          <a:p>
+            <a:pPr algn="ctr"/>
+            <a:r>
+              <a:rPr lang="nl-NL" dirty="0" err="1">
+                <a:solidFill>
+                  <a:schemeClr val="bg1"/>
+                </a:solidFill>
+              </a:rPr>
+              <a:t>Buyoancy</a:t>
+            </a:r>
+            <a:endParaRPr lang="nl-NL" dirty="0">
+              <a:solidFill>
+                <a:schemeClr val="bg1"/>
+              </a:solidFill>
+            </a:endParaRPr>
+          </a:p>
+        </p:txBody>
+      </p:sp>
+      <p:sp>
+        <p:nvSpPr>
+          <p:cNvPr id="14" name="Pijl: links 13">
+            <a:extLst>
+              <a:ext uri="{FF2B5EF4-FFF2-40B4-BE49-F238E27FC236}">
+                <a16:creationId xmlns:a16="http://schemas.microsoft.com/office/drawing/2014/main" id="{18A21050-17C0-4920-AD75-4B0E254BB8F3}"/>
+              </a:ext>
+            </a:extLst>
+          </p:cNvPr>
+          <p:cNvSpPr/>
+          <p:nvPr/>
+        </p:nvSpPr>
+        <p:spPr>
+          <a:xfrm>
+            <a:off x="293611" y="4085438"/>
+            <a:ext cx="2776755" cy="478172"/>
+          </a:xfrm>
+          <a:prstGeom prst="leftArrow">
+            <a:avLst/>
+          </a:prstGeom>
+        </p:spPr>
+        <p:style>
+          <a:lnRef idx="2">
+            <a:schemeClr val="accent2">
+              <a:shade val="50000"/>
+            </a:schemeClr>
+          </a:lnRef>
+          <a:fillRef idx="1">
+            <a:schemeClr val="accent2"/>
+          </a:fillRef>
+          <a:effectRef idx="0">
+            <a:schemeClr val="accent2"/>
+          </a:effectRef>
+          <a:fontRef idx="minor">
+            <a:schemeClr val="lt1"/>
+          </a:fontRef>
+        </p:style>
+        <p:txBody>
+          <a:bodyPr rtlCol="0" anchor="ctr"/>
+          <a:lstStyle/>
+          <a:p>
+            <a:pPr algn="ctr"/>
+            <a:r>
+              <a:rPr lang="nl-NL" dirty="0"/>
+              <a:t>Cloud content</a:t>
+            </a:r>
+          </a:p>
+        </p:txBody>
+      </p:sp>
+      <p:sp>
+        <p:nvSpPr>
+          <p:cNvPr id="15" name="Rechthoek: afgeronde hoeken 14">
+            <a:extLst>
+              <a:ext uri="{FF2B5EF4-FFF2-40B4-BE49-F238E27FC236}">
+                <a16:creationId xmlns:a16="http://schemas.microsoft.com/office/drawing/2014/main" id="{AE2F06AC-316D-49E6-A27A-73317C6C6B1C}"/>
+              </a:ext>
+            </a:extLst>
+          </p:cNvPr>
+          <p:cNvSpPr/>
+          <p:nvPr/>
+        </p:nvSpPr>
+        <p:spPr>
+          <a:xfrm>
+            <a:off x="9212508" y="1677798"/>
+            <a:ext cx="2332139" cy="1442906"/>
+          </a:xfrm>
+          <a:prstGeom prst="roundRect">
+            <a:avLst/>
+          </a:prstGeom>
+        </p:spPr>
+        <p:style>
+          <a:lnRef idx="2">
+            <a:schemeClr val="accent1">
+              <a:shade val="50000"/>
+            </a:schemeClr>
+          </a:lnRef>
+          <a:fillRef idx="1">
+            <a:schemeClr val="accent1"/>
+          </a:fillRef>
+          <a:effectRef idx="0">
+            <a:schemeClr val="accent1"/>
+          </a:effectRef>
+          <a:fontRef idx="minor">
+            <a:schemeClr val="lt1"/>
+          </a:fontRef>
+        </p:style>
+        <p:txBody>
+          <a:bodyPr rtlCol="0" anchor="ctr"/>
+          <a:lstStyle/>
+          <a:p>
+            <a:pPr algn="ctr"/>
+            <a:r>
+              <a:rPr lang="nl-NL" sz="3200" dirty="0"/>
+              <a:t>Mass</a:t>
+            </a:r>
+            <a:endParaRPr lang="nl-NL" dirty="0"/>
+          </a:p>
+        </p:txBody>
+      </p:sp>
+      <p:sp>
+        <p:nvSpPr>
+          <p:cNvPr id="16" name="Pijl: omlaag 15">
+            <a:extLst>
+              <a:ext uri="{FF2B5EF4-FFF2-40B4-BE49-F238E27FC236}">
+                <a16:creationId xmlns:a16="http://schemas.microsoft.com/office/drawing/2014/main" id="{938F40A8-15E6-44FB-B5DE-8C31B1D743A5}"/>
+              </a:ext>
+            </a:extLst>
+          </p:cNvPr>
+          <p:cNvSpPr/>
+          <p:nvPr/>
+        </p:nvSpPr>
+        <p:spPr>
+          <a:xfrm>
+            <a:off x="10063990" y="16776"/>
+            <a:ext cx="629174" cy="1677799"/>
+          </a:xfrm>
+          <a:prstGeom prst="downArrow">
+            <a:avLst/>
+          </a:prstGeom>
+        </p:spPr>
+        <p:style>
+          <a:lnRef idx="2">
+            <a:schemeClr val="accent6">
+              <a:shade val="50000"/>
+            </a:schemeClr>
+          </a:lnRef>
+          <a:fillRef idx="1">
+            <a:schemeClr val="accent6"/>
+          </a:fillRef>
+          <a:effectRef idx="0">
+            <a:schemeClr val="accent6"/>
+          </a:effectRef>
+          <a:fontRef idx="minor">
+            <a:schemeClr val="lt1"/>
+          </a:fontRef>
+        </p:style>
+        <p:txBody>
+          <a:bodyPr rtlCol="0" anchor="ctr"/>
+          <a:lstStyle/>
+          <a:p>
+            <a:pPr algn="ctr"/>
+            <a:r>
+              <a:rPr lang="nl-NL"/>
+              <a:t>Mixing</a:t>
+            </a:r>
+            <a:endParaRPr lang="nl-NL" dirty="0"/>
           </a:p>
         </p:txBody>
       </p:sp>

--- a/model_representation.pptx
+++ b/model_representation.pptx
@@ -3440,7 +3440,7 @@
         </p:blipFill>
         <p:spPr>
           <a:xfrm>
-            <a:off x="7752262" y="2900707"/>
+            <a:off x="7383146" y="2640648"/>
             <a:ext cx="1769243" cy="2358991"/>
           </a:xfrm>
           <a:prstGeom prst="rect">
@@ -3760,7 +3760,7 @@
         </p:nvSpPr>
         <p:spPr>
           <a:xfrm>
-            <a:off x="453006" y="989901"/>
+            <a:off x="6329430" y="4883803"/>
             <a:ext cx="662730" cy="457432"/>
           </a:xfrm>
           <a:prstGeom prst="rightArrow">
@@ -3806,7 +3806,7 @@
         </p:nvSpPr>
         <p:spPr>
           <a:xfrm>
-            <a:off x="464845" y="1514244"/>
+            <a:off x="6341269" y="5408146"/>
             <a:ext cx="662730" cy="457432"/>
           </a:xfrm>
           <a:prstGeom prst="rightArrow">
@@ -3852,7 +3852,7 @@
         </p:nvSpPr>
         <p:spPr>
           <a:xfrm>
-            <a:off x="1224793" y="989901"/>
+            <a:off x="7101217" y="4883803"/>
             <a:ext cx="1319015" cy="1754326"/>
           </a:xfrm>
           <a:prstGeom prst="rect">
@@ -3885,12 +3885,8 @@
           </a:p>
           <a:p>
             <a:r>
-              <a:rPr lang="nl-NL" dirty="0" err="1"/>
-              <a:t>Third</a:t>
-            </a:r>
-            <a:r>
               <a:rPr lang="nl-NL" dirty="0"/>
-              <a:t> step</a:t>
+              <a:t>Third step</a:t>
             </a:r>
           </a:p>
           <a:p>
@@ -3912,7 +3908,7 @@
         </p:nvSpPr>
         <p:spPr>
           <a:xfrm>
-            <a:off x="464845" y="2061542"/>
+            <a:off x="6341269" y="5955444"/>
             <a:ext cx="662730" cy="457432"/>
           </a:xfrm>
           <a:prstGeom prst="rightArrow">
@@ -3958,8 +3954,8 @@
         </p:nvSpPr>
         <p:spPr>
           <a:xfrm>
-            <a:off x="5696125" y="3429000"/>
-            <a:ext cx="2056137" cy="396380"/>
+            <a:off x="5754849" y="3168941"/>
+            <a:ext cx="1710698" cy="396380"/>
           </a:xfrm>
           <a:prstGeom prst="rightArrow">
             <a:avLst/>
@@ -3996,14 +3992,10 @@
             </a:r>
             <a:r>
               <a:rPr lang="nl-NL" dirty="0"/>
-              <a:t>&gt; </a:t>
-            </a:r>
-            <a:r>
-              <a:rPr lang="nl-NL" dirty="0" err="1"/>
-              <a:t>W</a:t>
-            </a:r>
-            <a:r>
-              <a:rPr lang="nl-NL" sz="1200" dirty="0" err="1"/>
+              <a:t>&gt; W</a:t>
+            </a:r>
+            <a:r>
+              <a:rPr lang="nl-NL" sz="1200" dirty="0"/>
               <a:t>L.thres</a:t>
             </a:r>
             <a:endParaRPr lang="nl-NL" dirty="0"/>
@@ -4024,8 +4016,8 @@
         </p:nvSpPr>
         <p:spPr>
           <a:xfrm>
-            <a:off x="5696124" y="4636980"/>
-            <a:ext cx="2056137" cy="396380"/>
+            <a:off x="5754847" y="4376921"/>
+            <a:ext cx="1710699" cy="396380"/>
           </a:xfrm>
           <a:prstGeom prst="rightArrow">
             <a:avLst/>
@@ -4062,17 +4054,12 @@
             </a:r>
             <a:r>
               <a:rPr lang="nl-NL" dirty="0"/>
-              <a:t> &gt; </a:t>
-            </a:r>
-            <a:r>
-              <a:rPr lang="nl-NL" dirty="0" err="1"/>
-              <a:t>W</a:t>
-            </a:r>
-            <a:r>
-              <a:rPr lang="nl-NL" sz="1200" dirty="0" err="1"/>
+              <a:t> &gt; W</a:t>
+            </a:r>
+            <a:r>
+              <a:rPr lang="nl-NL" sz="1200" dirty="0"/>
               <a:t>I.thres</a:t>
             </a:r>
-            <a:endParaRPr lang="nl-NL" sz="1200" dirty="0"/>
           </a:p>
         </p:txBody>
       </p:sp>
@@ -4092,8 +4079,8 @@
         </p:nvCxnSpPr>
         <p:spPr>
           <a:xfrm>
-            <a:off x="4773336" y="2144355"/>
-            <a:ext cx="3035619" cy="0"/>
+            <a:off x="4739780" y="1761638"/>
+            <a:ext cx="1794979" cy="0"/>
           </a:xfrm>
           <a:prstGeom prst="line">
             <a:avLst/>
@@ -4185,7 +4172,7 @@
         </p:nvSpPr>
         <p:spPr>
           <a:xfrm>
-            <a:off x="7752261" y="1876200"/>
+            <a:off x="6568808" y="1507982"/>
             <a:ext cx="2834645" cy="923330"/>
           </a:xfrm>
           <a:prstGeom prst="rect">
@@ -4200,44 +4187,8 @@
           <a:lstStyle/>
           <a:p>
             <a:r>
-              <a:rPr lang="nl-NL" dirty="0" err="1"/>
-              <a:t>Parameterization</a:t>
-            </a:r>
-            <a:r>
               <a:rPr lang="nl-NL" dirty="0"/>
-              <a:t> </a:t>
-            </a:r>
-            <a:r>
-              <a:rPr lang="nl-NL" dirty="0" err="1"/>
-              <a:t>based</a:t>
-            </a:r>
-            <a:r>
-              <a:rPr lang="nl-NL" dirty="0"/>
-              <a:t> on  </a:t>
-            </a:r>
-            <a:r>
-              <a:rPr lang="nl-NL" dirty="0" err="1"/>
-              <a:t>Rotstayn</a:t>
-            </a:r>
-            <a:r>
-              <a:rPr lang="nl-NL" dirty="0"/>
-              <a:t> et al. (1999), </a:t>
-            </a:r>
-            <a:r>
-              <a:rPr lang="nl-NL" dirty="0" err="1"/>
-              <a:t>between</a:t>
-            </a:r>
-            <a:r>
-              <a:rPr lang="nl-NL" dirty="0"/>
-              <a:t> 0 </a:t>
-            </a:r>
-            <a:r>
-              <a:rPr lang="nl-NL" dirty="0" err="1"/>
-              <a:t>and</a:t>
-            </a:r>
-            <a:r>
-              <a:rPr lang="nl-NL" dirty="0"/>
-              <a:t> -38°C</a:t>
+              <a:t>Parameterization based on  Rotstayn et al. (1999), between 0 and -38°C</a:t>
             </a:r>
           </a:p>
         </p:txBody>
@@ -4256,7 +4207,7 @@
         </p:nvSpPr>
         <p:spPr>
           <a:xfrm>
-            <a:off x="5972961" y="3271706"/>
+            <a:off x="6031684" y="3011647"/>
             <a:ext cx="629403" cy="369332"/>
           </a:xfrm>
           <a:prstGeom prst="rect">
@@ -4291,7 +4242,7 @@
         </p:nvSpPr>
         <p:spPr>
           <a:xfrm>
-            <a:off x="6009316" y="4471876"/>
+            <a:off x="6068039" y="4211817"/>
             <a:ext cx="558999" cy="369332"/>
           </a:xfrm>
           <a:prstGeom prst="rect">
@@ -4306,10 +4257,61 @@
           <a:lstStyle/>
           <a:p>
             <a:r>
-              <a:rPr lang="nl-NL" dirty="0" err="1"/>
+              <a:rPr lang="nl-NL" dirty="0"/>
               <a:t>Fast</a:t>
             </a:r>
-            <a:endParaRPr lang="nl-NL" dirty="0"/>
+          </a:p>
+        </p:txBody>
+      </p:sp>
+      <p:sp>
+        <p:nvSpPr>
+          <p:cNvPr id="9" name="Rechthoek 8">
+            <a:extLst>
+              <a:ext uri="{FF2B5EF4-FFF2-40B4-BE49-F238E27FC236}">
+                <a16:creationId xmlns:a16="http://schemas.microsoft.com/office/drawing/2014/main" id="{36493298-AC88-43C1-B40B-1BCDC388973E}"/>
+              </a:ext>
+            </a:extLst>
+          </p:cNvPr>
+          <p:cNvSpPr/>
+          <p:nvPr/>
+        </p:nvSpPr>
+        <p:spPr>
+          <a:xfrm>
+            <a:off x="6517917" y="1484347"/>
+            <a:ext cx="2634472" cy="946965"/>
+          </a:xfrm>
+          <a:prstGeom prst="rect">
+            <a:avLst/>
+          </a:prstGeom>
+          <a:noFill/>
+          <a:ln w="57150">
+            <a:solidFill>
+              <a:srgbClr val="70AD47"/>
+            </a:solidFill>
+          </a:ln>
+        </p:spPr>
+        <p:style>
+          <a:lnRef idx="2">
+            <a:schemeClr val="accent6">
+              <a:shade val="50000"/>
+            </a:schemeClr>
+          </a:lnRef>
+          <a:fillRef idx="1">
+            <a:schemeClr val="accent6"/>
+          </a:fillRef>
+          <a:effectRef idx="0">
+            <a:schemeClr val="accent6"/>
+          </a:effectRef>
+          <a:fontRef idx="minor">
+            <a:schemeClr val="lt1"/>
+          </a:fontRef>
+        </p:style>
+        <p:txBody>
+          <a:bodyPr rtlCol="0" anchor="ctr"/>
+          <a:lstStyle/>
+          <a:p>
+            <a:pPr algn="ctr"/>
+            <a:endParaRPr lang="nl-NL"/>
           </a:p>
         </p:txBody>
       </p:sp>

--- a/model_representation.pptx
+++ b/model_representation.pptx
@@ -113,6 +113,58 @@
 </p:presentation>
 </file>
 
+<file path=ppt/revisionInfo.xml><?xml version="1.0" encoding="utf-8"?>
+<p1510:revInfo xmlns:a="http://schemas.openxmlformats.org/drawingml/2006/main" xmlns:r="http://schemas.openxmlformats.org/officeDocument/2006/relationships" xmlns:p1510="http://schemas.microsoft.com/office/powerpoint/2015/10/main">
+  <p1510:revLst>
+    <p1510:client id="{D6F7F26B-50BE-4B90-BBAD-94363C730E70}" v="6" dt="2018-10-18T19:04:48.577"/>
+  </p1510:revLst>
+</p1510:revInfo>
+</file>
+
+<file path=ppt/changesInfos/changesInfo1.xml><?xml version="1.0" encoding="utf-8"?>
+<pc:chgInfo xmlns:a="http://schemas.openxmlformats.org/drawingml/2006/main" xmlns:r="http://schemas.openxmlformats.org/officeDocument/2006/relationships" xmlns:ac="http://schemas.microsoft.com/office/drawing/2013/main/command" xmlns:pc="http://schemas.microsoft.com/office/powerpoint/2013/main/command">
+  <pc:docChgLst>
+    <pc:chgData name="Chenxi Qiu" userId="2835ca6ba4230f20" providerId="LiveId" clId="{D6F7F26B-50BE-4B90-BBAD-94363C730E70}"/>
+    <pc:docChg chg="addSld modSld sldOrd">
+      <pc:chgData name="Chenxi Qiu" userId="2835ca6ba4230f20" providerId="LiveId" clId="{D6F7F26B-50BE-4B90-BBAD-94363C730E70}" dt="2018-10-18T19:04:48.576" v="4" actId="207"/>
+      <pc:docMkLst>
+        <pc:docMk/>
+      </pc:docMkLst>
+      <pc:sldChg chg="modSp">
+        <pc:chgData name="Chenxi Qiu" userId="2835ca6ba4230f20" providerId="LiveId" clId="{D6F7F26B-50BE-4B90-BBAD-94363C730E70}" dt="2018-10-18T19:04:48.576" v="4" actId="207"/>
+        <pc:sldMkLst>
+          <pc:docMk/>
+          <pc:sldMk cId="4033933710" sldId="256"/>
+        </pc:sldMkLst>
+        <pc:spChg chg="mod">
+          <ac:chgData name="Chenxi Qiu" userId="2835ca6ba4230f20" providerId="LiveId" clId="{D6F7F26B-50BE-4B90-BBAD-94363C730E70}" dt="2018-10-18T19:04:33.014" v="3" actId="207"/>
+          <ac:spMkLst>
+            <pc:docMk/>
+            <pc:sldMk cId="4033933710" sldId="256"/>
+            <ac:spMk id="17" creationId="{FD66C9E8-CE61-4A3D-BEF3-E5AB1346365D}"/>
+          </ac:spMkLst>
+        </pc:spChg>
+        <pc:spChg chg="mod">
+          <ac:chgData name="Chenxi Qiu" userId="2835ca6ba4230f20" providerId="LiveId" clId="{D6F7F26B-50BE-4B90-BBAD-94363C730E70}" dt="2018-10-18T19:04:48.576" v="4" actId="207"/>
+          <ac:spMkLst>
+            <pc:docMk/>
+            <pc:sldMk cId="4033933710" sldId="256"/>
+            <ac:spMk id="18" creationId="{ED2C6FD9-B817-4B76-A364-6A37863579E3}"/>
+          </ac:spMkLst>
+        </pc:spChg>
+      </pc:sldChg>
+      <pc:sldChg chg="add ord">
+        <pc:chgData name="Chenxi Qiu" userId="2835ca6ba4230f20" providerId="LiveId" clId="{D6F7F26B-50BE-4B90-BBAD-94363C730E70}" dt="2018-10-18T19:00:20.426" v="1"/>
+        <pc:sldMkLst>
+          <pc:docMk/>
+          <pc:sldMk cId="1804464680" sldId="258"/>
+        </pc:sldMkLst>
+      </pc:sldChg>
+    </pc:docChg>
+  </pc:docChgLst>
+</pc:chgInfo>
+</file>
+
 <file path=ppt/slideLayouts/slideLayout1.xml><?xml version="1.0" encoding="utf-8"?>
 <p:sldLayout xmlns:a="http://schemas.openxmlformats.org/drawingml/2006/main" xmlns:r="http://schemas.openxmlformats.org/officeDocument/2006/relationships" xmlns:p="http://schemas.openxmlformats.org/presentationml/2006/main" type="title" preserve="1">
   <p:cSld name="Titeldia">
@@ -260,7 +312,7 @@
           <a:p>
             <a:fld id="{0C688EB7-E1EC-4125-A900-79B98438A0A3}" type="datetimeFigureOut">
               <a:rPr lang="nl-NL" smtClean="0"/>
-              <a:t>17-10-2018</a:t>
+              <a:t>18-10-2018</a:t>
             </a:fld>
             <a:endParaRPr lang="nl-NL"/>
           </a:p>
@@ -314,7 +366,7 @@
           <a:p>
             <a:fld id="{D7A273E9-B73F-4071-BCEA-AD3C272F9352}" type="slidenum">
               <a:rPr lang="nl-NL" smtClean="0"/>
-              <a:t>‹nr.›</a:t>
+              <a:t>‹#›</a:t>
             </a:fld>
             <a:endParaRPr lang="nl-NL"/>
           </a:p>
@@ -458,7 +510,7 @@
           <a:p>
             <a:fld id="{0C688EB7-E1EC-4125-A900-79B98438A0A3}" type="datetimeFigureOut">
               <a:rPr lang="nl-NL" smtClean="0"/>
-              <a:t>17-10-2018</a:t>
+              <a:t>18-10-2018</a:t>
             </a:fld>
             <a:endParaRPr lang="nl-NL"/>
           </a:p>
@@ -512,7 +564,7 @@
           <a:p>
             <a:fld id="{D7A273E9-B73F-4071-BCEA-AD3C272F9352}" type="slidenum">
               <a:rPr lang="nl-NL" smtClean="0"/>
-              <a:t>‹nr.›</a:t>
+              <a:t>‹#›</a:t>
             </a:fld>
             <a:endParaRPr lang="nl-NL"/>
           </a:p>
@@ -666,7 +718,7 @@
           <a:p>
             <a:fld id="{0C688EB7-E1EC-4125-A900-79B98438A0A3}" type="datetimeFigureOut">
               <a:rPr lang="nl-NL" smtClean="0"/>
-              <a:t>17-10-2018</a:t>
+              <a:t>18-10-2018</a:t>
             </a:fld>
             <a:endParaRPr lang="nl-NL"/>
           </a:p>
@@ -720,7 +772,7 @@
           <a:p>
             <a:fld id="{D7A273E9-B73F-4071-BCEA-AD3C272F9352}" type="slidenum">
               <a:rPr lang="nl-NL" smtClean="0"/>
-              <a:t>‹nr.›</a:t>
+              <a:t>‹#›</a:t>
             </a:fld>
             <a:endParaRPr lang="nl-NL"/>
           </a:p>
@@ -864,7 +916,7 @@
           <a:p>
             <a:fld id="{0C688EB7-E1EC-4125-A900-79B98438A0A3}" type="datetimeFigureOut">
               <a:rPr lang="nl-NL" smtClean="0"/>
-              <a:t>17-10-2018</a:t>
+              <a:t>18-10-2018</a:t>
             </a:fld>
             <a:endParaRPr lang="nl-NL"/>
           </a:p>
@@ -918,7 +970,7 @@
           <a:p>
             <a:fld id="{D7A273E9-B73F-4071-BCEA-AD3C272F9352}" type="slidenum">
               <a:rPr lang="nl-NL" smtClean="0"/>
-              <a:t>‹nr.›</a:t>
+              <a:t>‹#›</a:t>
             </a:fld>
             <a:endParaRPr lang="nl-NL"/>
           </a:p>
@@ -1139,7 +1191,7 @@
           <a:p>
             <a:fld id="{0C688EB7-E1EC-4125-A900-79B98438A0A3}" type="datetimeFigureOut">
               <a:rPr lang="nl-NL" smtClean="0"/>
-              <a:t>17-10-2018</a:t>
+              <a:t>18-10-2018</a:t>
             </a:fld>
             <a:endParaRPr lang="nl-NL"/>
           </a:p>
@@ -1193,7 +1245,7 @@
           <a:p>
             <a:fld id="{D7A273E9-B73F-4071-BCEA-AD3C272F9352}" type="slidenum">
               <a:rPr lang="nl-NL" smtClean="0"/>
-              <a:t>‹nr.›</a:t>
+              <a:t>‹#›</a:t>
             </a:fld>
             <a:endParaRPr lang="nl-NL"/>
           </a:p>
@@ -1404,7 +1456,7 @@
           <a:p>
             <a:fld id="{0C688EB7-E1EC-4125-A900-79B98438A0A3}" type="datetimeFigureOut">
               <a:rPr lang="nl-NL" smtClean="0"/>
-              <a:t>17-10-2018</a:t>
+              <a:t>18-10-2018</a:t>
             </a:fld>
             <a:endParaRPr lang="nl-NL"/>
           </a:p>
@@ -1458,7 +1510,7 @@
           <a:p>
             <a:fld id="{D7A273E9-B73F-4071-BCEA-AD3C272F9352}" type="slidenum">
               <a:rPr lang="nl-NL" smtClean="0"/>
-              <a:t>‹nr.›</a:t>
+              <a:t>‹#›</a:t>
             </a:fld>
             <a:endParaRPr lang="nl-NL"/>
           </a:p>
@@ -1816,7 +1868,7 @@
           <a:p>
             <a:fld id="{0C688EB7-E1EC-4125-A900-79B98438A0A3}" type="datetimeFigureOut">
               <a:rPr lang="nl-NL" smtClean="0"/>
-              <a:t>17-10-2018</a:t>
+              <a:t>18-10-2018</a:t>
             </a:fld>
             <a:endParaRPr lang="nl-NL"/>
           </a:p>
@@ -1870,7 +1922,7 @@
           <a:p>
             <a:fld id="{D7A273E9-B73F-4071-BCEA-AD3C272F9352}" type="slidenum">
               <a:rPr lang="nl-NL" smtClean="0"/>
-              <a:t>‹nr.›</a:t>
+              <a:t>‹#›</a:t>
             </a:fld>
             <a:endParaRPr lang="nl-NL"/>
           </a:p>
@@ -1957,7 +2009,7 @@
           <a:p>
             <a:fld id="{0C688EB7-E1EC-4125-A900-79B98438A0A3}" type="datetimeFigureOut">
               <a:rPr lang="nl-NL" smtClean="0"/>
-              <a:t>17-10-2018</a:t>
+              <a:t>18-10-2018</a:t>
             </a:fld>
             <a:endParaRPr lang="nl-NL"/>
           </a:p>
@@ -2011,7 +2063,7 @@
           <a:p>
             <a:fld id="{D7A273E9-B73F-4071-BCEA-AD3C272F9352}" type="slidenum">
               <a:rPr lang="nl-NL" smtClean="0"/>
-              <a:t>‹nr.›</a:t>
+              <a:t>‹#›</a:t>
             </a:fld>
             <a:endParaRPr lang="nl-NL"/>
           </a:p>
@@ -2070,7 +2122,7 @@
           <a:p>
             <a:fld id="{0C688EB7-E1EC-4125-A900-79B98438A0A3}" type="datetimeFigureOut">
               <a:rPr lang="nl-NL" smtClean="0"/>
-              <a:t>17-10-2018</a:t>
+              <a:t>18-10-2018</a:t>
             </a:fld>
             <a:endParaRPr lang="nl-NL"/>
           </a:p>
@@ -2124,7 +2176,7 @@
           <a:p>
             <a:fld id="{D7A273E9-B73F-4071-BCEA-AD3C272F9352}" type="slidenum">
               <a:rPr lang="nl-NL" smtClean="0"/>
-              <a:t>‹nr.›</a:t>
+              <a:t>‹#›</a:t>
             </a:fld>
             <a:endParaRPr lang="nl-NL"/>
           </a:p>
@@ -2381,7 +2433,7 @@
           <a:p>
             <a:fld id="{0C688EB7-E1EC-4125-A900-79B98438A0A3}" type="datetimeFigureOut">
               <a:rPr lang="nl-NL" smtClean="0"/>
-              <a:t>17-10-2018</a:t>
+              <a:t>18-10-2018</a:t>
             </a:fld>
             <a:endParaRPr lang="nl-NL"/>
           </a:p>
@@ -2435,7 +2487,7 @@
           <a:p>
             <a:fld id="{D7A273E9-B73F-4071-BCEA-AD3C272F9352}" type="slidenum">
               <a:rPr lang="nl-NL" smtClean="0"/>
-              <a:t>‹nr.›</a:t>
+              <a:t>‹#›</a:t>
             </a:fld>
             <a:endParaRPr lang="nl-NL"/>
           </a:p>
@@ -2669,7 +2721,7 @@
           <a:p>
             <a:fld id="{0C688EB7-E1EC-4125-A900-79B98438A0A3}" type="datetimeFigureOut">
               <a:rPr lang="nl-NL" smtClean="0"/>
-              <a:t>17-10-2018</a:t>
+              <a:t>18-10-2018</a:t>
             </a:fld>
             <a:endParaRPr lang="nl-NL"/>
           </a:p>
@@ -2723,7 +2775,7 @@
           <a:p>
             <a:fld id="{D7A273E9-B73F-4071-BCEA-AD3C272F9352}" type="slidenum">
               <a:rPr lang="nl-NL" smtClean="0"/>
-              <a:t>‹nr.›</a:t>
+              <a:t>‹#›</a:t>
             </a:fld>
             <a:endParaRPr lang="nl-NL"/>
           </a:p>
@@ -2910,7 +2962,7 @@
           <a:p>
             <a:fld id="{0C688EB7-E1EC-4125-A900-79B98438A0A3}" type="datetimeFigureOut">
               <a:rPr lang="nl-NL" smtClean="0"/>
-              <a:t>17-10-2018</a:t>
+              <a:t>18-10-2018</a:t>
             </a:fld>
             <a:endParaRPr lang="nl-NL"/>
           </a:p>
@@ -3000,7 +3052,7 @@
           <a:p>
             <a:fld id="{D7A273E9-B73F-4071-BCEA-AD3C272F9352}" type="slidenum">
               <a:rPr lang="nl-NL" smtClean="0"/>
-              <a:t>‹nr.›</a:t>
+              <a:t>‹#›</a:t>
             </a:fld>
             <a:endParaRPr lang="nl-NL"/>
           </a:p>
@@ -3341,8 +3393,8 @@
         </p:nvSpPr>
         <p:spPr>
           <a:xfrm>
-            <a:off x="3674378" y="649011"/>
-            <a:ext cx="1953144" cy="798323"/>
+            <a:off x="3472563" y="352076"/>
+            <a:ext cx="2191326" cy="912761"/>
           </a:xfrm>
           <a:prstGeom prst="roundRect">
             <a:avLst/>
@@ -3440,7 +3492,7 @@
         </p:blipFill>
         <p:spPr>
           <a:xfrm>
-            <a:off x="7383146" y="2640648"/>
+            <a:off x="7535610" y="2515084"/>
             <a:ext cx="1769243" cy="2358991"/>
           </a:xfrm>
           <a:prstGeom prst="rect">
@@ -3485,10 +3537,10 @@
       </p:pic>
       <p:sp>
         <p:nvSpPr>
-          <p:cNvPr id="16" name="Pijl: omhoog 15">
-            <a:extLst>
-              <a:ext uri="{FF2B5EF4-FFF2-40B4-BE49-F238E27FC236}">
-                <a16:creationId xmlns:a16="http://schemas.microsoft.com/office/drawing/2014/main" id="{2A474B91-C08D-44B8-B39F-845D4B8DC981}"/>
+          <p:cNvPr id="17" name="Pijl: omhoog 16">
+            <a:extLst>
+              <a:ext uri="{FF2B5EF4-FFF2-40B4-BE49-F238E27FC236}">
+                <a16:creationId xmlns:a16="http://schemas.microsoft.com/office/drawing/2014/main" id="{FD66C9E8-CE61-4A3D-BEF3-E5AB1346365D}"/>
               </a:ext>
             </a:extLst>
           </p:cNvPr>
@@ -3497,10 +3549,228 @@
         </p:nvSpPr>
         <p:spPr>
           <a:xfrm>
-            <a:off x="3359591" y="1447333"/>
-            <a:ext cx="1023456" cy="842925"/>
+            <a:off x="3450038" y="3749961"/>
+            <a:ext cx="1023456" cy="978408"/>
           </a:xfrm>
           <a:prstGeom prst="upArrow">
+            <a:avLst/>
+          </a:prstGeom>
+          <a:solidFill>
+            <a:srgbClr val="FF0000"/>
+          </a:solidFill>
+        </p:spPr>
+        <p:style>
+          <a:lnRef idx="2">
+            <a:schemeClr val="accent2">
+              <a:shade val="50000"/>
+            </a:schemeClr>
+          </a:lnRef>
+          <a:fillRef idx="1">
+            <a:schemeClr val="accent2"/>
+          </a:fillRef>
+          <a:effectRef idx="0">
+            <a:schemeClr val="accent2"/>
+          </a:effectRef>
+          <a:fontRef idx="minor">
+            <a:schemeClr val="lt1"/>
+          </a:fontRef>
+        </p:style>
+        <p:txBody>
+          <a:bodyPr rtlCol="0" anchor="ctr"/>
+          <a:lstStyle/>
+          <a:p>
+            <a:pPr algn="ctr"/>
+            <a:r>
+              <a:rPr lang="nl-NL" dirty="0"/>
+              <a:t>M</a:t>
+            </a:r>
+          </a:p>
+          <a:p>
+            <a:pPr algn="ctr"/>
+            <a:r>
+              <a:rPr lang="nl-NL" dirty="0"/>
+              <a:t>0°C</a:t>
+            </a:r>
+          </a:p>
+        </p:txBody>
+      </p:sp>
+      <p:sp>
+        <p:nvSpPr>
+          <p:cNvPr id="18" name="Pijl: omlaag 17">
+            <a:extLst>
+              <a:ext uri="{FF2B5EF4-FFF2-40B4-BE49-F238E27FC236}">
+                <a16:creationId xmlns:a16="http://schemas.microsoft.com/office/drawing/2014/main" id="{ED2C6FD9-B817-4B76-A364-6A37863579E3}"/>
+              </a:ext>
+            </a:extLst>
+          </p:cNvPr>
+          <p:cNvSpPr/>
+          <p:nvPr/>
+        </p:nvSpPr>
+        <p:spPr>
+          <a:xfrm>
+            <a:off x="4992282" y="3852653"/>
+            <a:ext cx="994094" cy="978408"/>
+          </a:xfrm>
+          <a:prstGeom prst="downArrow">
+            <a:avLst/>
+          </a:prstGeom>
+          <a:solidFill>
+            <a:srgbClr val="00B0F0"/>
+          </a:solidFill>
+          <a:ln>
+            <a:solidFill>
+              <a:srgbClr val="0070C0"/>
+            </a:solidFill>
+          </a:ln>
+        </p:spPr>
+        <p:style>
+          <a:lnRef idx="2">
+            <a:schemeClr val="accent6">
+              <a:shade val="50000"/>
+            </a:schemeClr>
+          </a:lnRef>
+          <a:fillRef idx="1">
+            <a:schemeClr val="accent6"/>
+          </a:fillRef>
+          <a:effectRef idx="0">
+            <a:schemeClr val="accent6"/>
+          </a:effectRef>
+          <a:fontRef idx="minor">
+            <a:schemeClr val="lt1"/>
+          </a:fontRef>
+        </p:style>
+        <p:txBody>
+          <a:bodyPr rtlCol="0" anchor="ctr"/>
+          <a:lstStyle/>
+          <a:p>
+            <a:pPr algn="ctr"/>
+            <a:r>
+              <a:rPr lang="nl-NL" dirty="0"/>
+              <a:t>F</a:t>
+            </a:r>
+          </a:p>
+          <a:p>
+            <a:pPr algn="ctr"/>
+            <a:r>
+              <a:rPr lang="nl-NL" dirty="0"/>
+              <a:t>-38 °C</a:t>
+            </a:r>
+          </a:p>
+        </p:txBody>
+      </p:sp>
+      <p:sp>
+        <p:nvSpPr>
+          <p:cNvPr id="23" name="Pijl: draaiend 22">
+            <a:extLst>
+              <a:ext uri="{FF2B5EF4-FFF2-40B4-BE49-F238E27FC236}">
+                <a16:creationId xmlns:a16="http://schemas.microsoft.com/office/drawing/2014/main" id="{DCEB45DD-17EC-4CF1-B10F-F2FD6079CF39}"/>
+              </a:ext>
+            </a:extLst>
+          </p:cNvPr>
+          <p:cNvSpPr/>
+          <p:nvPr/>
+        </p:nvSpPr>
+        <p:spPr>
+          <a:xfrm>
+            <a:off x="3827026" y="1283516"/>
+            <a:ext cx="1203339" cy="6184499"/>
+          </a:xfrm>
+          <a:prstGeom prst="circularArrow">
+            <a:avLst>
+              <a:gd name="adj1" fmla="val 12500"/>
+              <a:gd name="adj2" fmla="val 3121348"/>
+              <a:gd name="adj3" fmla="val 20457681"/>
+              <a:gd name="adj4" fmla="val 15650472"/>
+              <a:gd name="adj5" fmla="val 12500"/>
+            </a:avLst>
+          </a:prstGeom>
+        </p:spPr>
+        <p:style>
+          <a:lnRef idx="2">
+            <a:schemeClr val="accent6">
+              <a:shade val="50000"/>
+            </a:schemeClr>
+          </a:lnRef>
+          <a:fillRef idx="1">
+            <a:schemeClr val="accent6"/>
+          </a:fillRef>
+          <a:effectRef idx="0">
+            <a:schemeClr val="accent6"/>
+          </a:effectRef>
+          <a:fontRef idx="minor">
+            <a:schemeClr val="lt1"/>
+          </a:fontRef>
+        </p:style>
+        <p:txBody>
+          <a:bodyPr rtlCol="0" anchor="ctr"/>
+          <a:lstStyle/>
+          <a:p>
+            <a:pPr algn="ctr"/>
+            <a:endParaRPr lang="nl-NL">
+              <a:solidFill>
+                <a:schemeClr val="tx1"/>
+              </a:solidFill>
+            </a:endParaRPr>
+          </a:p>
+        </p:txBody>
+      </p:sp>
+      <p:sp>
+        <p:nvSpPr>
+          <p:cNvPr id="24" name="Tekstvak 23">
+            <a:extLst>
+              <a:ext uri="{FF2B5EF4-FFF2-40B4-BE49-F238E27FC236}">
+                <a16:creationId xmlns:a16="http://schemas.microsoft.com/office/drawing/2014/main" id="{74CA8833-2BD7-4F82-866C-D26A85596C74}"/>
+              </a:ext>
+            </a:extLst>
+          </p:cNvPr>
+          <p:cNvSpPr txBox="1"/>
+          <p:nvPr/>
+        </p:nvSpPr>
+        <p:spPr>
+          <a:xfrm>
+            <a:off x="4730229" y="3885037"/>
+            <a:ext cx="307120" cy="369332"/>
+          </a:xfrm>
+          <a:prstGeom prst="rect">
+            <a:avLst/>
+          </a:prstGeom>
+          <a:noFill/>
+        </p:spPr>
+        <p:txBody>
+          <a:bodyPr wrap="square" rtlCol="0">
+            <a:spAutoFit/>
+          </a:bodyPr>
+          <a:lstStyle/>
+          <a:p>
+            <a:r>
+              <a:rPr lang="nl-NL" dirty="0">
+                <a:solidFill>
+                  <a:schemeClr val="bg1"/>
+                </a:solidFill>
+              </a:rPr>
+              <a:t>D</a:t>
+            </a:r>
+          </a:p>
+        </p:txBody>
+      </p:sp>
+      <p:sp>
+        <p:nvSpPr>
+          <p:cNvPr id="26" name="Pijl: rechts 25">
+            <a:extLst>
+              <a:ext uri="{FF2B5EF4-FFF2-40B4-BE49-F238E27FC236}">
+                <a16:creationId xmlns:a16="http://schemas.microsoft.com/office/drawing/2014/main" id="{1F24D949-0CA9-4EC5-810C-761F6B41F560}"/>
+              </a:ext>
+            </a:extLst>
+          </p:cNvPr>
+          <p:cNvSpPr/>
+          <p:nvPr/>
+        </p:nvSpPr>
+        <p:spPr>
+          <a:xfrm>
+            <a:off x="9594212" y="4883803"/>
+            <a:ext cx="662730" cy="457432"/>
+          </a:xfrm>
+          <a:prstGeom prst="rightArrow">
             <a:avLst/>
           </a:prstGeom>
         </p:spPr>
@@ -3525,26 +3795,16 @@
           <a:lstStyle/>
           <a:p>
             <a:pPr algn="ctr"/>
-            <a:r>
-              <a:rPr lang="nl-NL" dirty="0"/>
-              <a:t>E</a:t>
-            </a:r>
-          </a:p>
-          <a:p>
-            <a:pPr algn="ctr"/>
-            <a:r>
-              <a:rPr lang="nl-NL" sz="1200" dirty="0"/>
-              <a:t>&lt;100% RH</a:t>
-            </a:r>
-          </a:p>
-        </p:txBody>
-      </p:sp>
-      <p:sp>
-        <p:nvSpPr>
-          <p:cNvPr id="17" name="Pijl: omhoog 16">
-            <a:extLst>
-              <a:ext uri="{FF2B5EF4-FFF2-40B4-BE49-F238E27FC236}">
-                <a16:creationId xmlns:a16="http://schemas.microsoft.com/office/drawing/2014/main" id="{FD66C9E8-CE61-4A3D-BEF3-E5AB1346365D}"/>
+            <a:endParaRPr lang="nl-NL"/>
+          </a:p>
+        </p:txBody>
+      </p:sp>
+      <p:sp>
+        <p:nvSpPr>
+          <p:cNvPr id="27" name="Pijl: rechts 26">
+            <a:extLst>
+              <a:ext uri="{FF2B5EF4-FFF2-40B4-BE49-F238E27FC236}">
+                <a16:creationId xmlns:a16="http://schemas.microsoft.com/office/drawing/2014/main" id="{10F9B5B7-D4FC-406C-8D76-BA1B677BAF9C}"/>
               </a:ext>
             </a:extLst>
           </p:cNvPr>
@@ -3553,10 +3813,10 @@
         </p:nvSpPr>
         <p:spPr>
           <a:xfrm>
-            <a:off x="3439487" y="3721626"/>
-            <a:ext cx="1023456" cy="978408"/>
-          </a:xfrm>
-          <a:prstGeom prst="upArrow">
+            <a:off x="9606051" y="5408146"/>
+            <a:ext cx="662730" cy="457432"/>
+          </a:xfrm>
+          <a:prstGeom prst="rightArrow">
             <a:avLst/>
           </a:prstGeom>
         </p:spPr>
@@ -3581,26 +3841,72 @@
           <a:lstStyle/>
           <a:p>
             <a:pPr algn="ctr"/>
+            <a:endParaRPr lang="nl-NL"/>
+          </a:p>
+        </p:txBody>
+      </p:sp>
+      <p:sp>
+        <p:nvSpPr>
+          <p:cNvPr id="28" name="Tekstvak 27">
+            <a:extLst>
+              <a:ext uri="{FF2B5EF4-FFF2-40B4-BE49-F238E27FC236}">
+                <a16:creationId xmlns:a16="http://schemas.microsoft.com/office/drawing/2014/main" id="{553A212E-B983-46A5-9A9C-1334F52ACD6F}"/>
+              </a:ext>
+            </a:extLst>
+          </p:cNvPr>
+          <p:cNvSpPr txBox="1"/>
+          <p:nvPr/>
+        </p:nvSpPr>
+        <p:spPr>
+          <a:xfrm>
+            <a:off x="10365999" y="4883803"/>
+            <a:ext cx="1319015" cy="1754326"/>
+          </a:xfrm>
+          <a:prstGeom prst="rect">
+            <a:avLst/>
+          </a:prstGeom>
+          <a:noFill/>
+        </p:spPr>
+        <p:txBody>
+          <a:bodyPr wrap="none" rtlCol="0">
+            <a:spAutoFit/>
+          </a:bodyPr>
+          <a:lstStyle/>
+          <a:p>
             <a:r>
               <a:rPr lang="nl-NL" dirty="0"/>
-              <a:t>M</a:t>
-            </a:r>
-          </a:p>
-          <a:p>
-            <a:pPr algn="ctr"/>
+              <a:t>First step</a:t>
+            </a:r>
+          </a:p>
+          <a:p>
+            <a:endParaRPr lang="nl-NL" dirty="0"/>
+          </a:p>
+          <a:p>
             <a:r>
               <a:rPr lang="nl-NL" dirty="0"/>
-              <a:t>0°C</a:t>
-            </a:r>
-          </a:p>
-        </p:txBody>
-      </p:sp>
-      <p:sp>
-        <p:nvSpPr>
-          <p:cNvPr id="18" name="Pijl: omlaag 17">
-            <a:extLst>
-              <a:ext uri="{FF2B5EF4-FFF2-40B4-BE49-F238E27FC236}">
-                <a16:creationId xmlns:a16="http://schemas.microsoft.com/office/drawing/2014/main" id="{ED2C6FD9-B817-4B76-A364-6A37863579E3}"/>
+              <a:t>Second step</a:t>
+            </a:r>
+          </a:p>
+          <a:p>
+            <a:endParaRPr lang="nl-NL" dirty="0"/>
+          </a:p>
+          <a:p>
+            <a:r>
+              <a:rPr lang="nl-NL" dirty="0"/>
+              <a:t>Third step</a:t>
+            </a:r>
+          </a:p>
+          <a:p>
+            <a:endParaRPr lang="nl-NL" dirty="0"/>
+          </a:p>
+        </p:txBody>
+      </p:sp>
+      <p:sp>
+        <p:nvSpPr>
+          <p:cNvPr id="29" name="Pijl: rechts 28">
+            <a:extLst>
+              <a:ext uri="{FF2B5EF4-FFF2-40B4-BE49-F238E27FC236}">
+                <a16:creationId xmlns:a16="http://schemas.microsoft.com/office/drawing/2014/main" id="{BBE118BC-0C7A-40EA-9244-A35C44D1A512}"/>
               </a:ext>
             </a:extLst>
           </p:cNvPr>
@@ -3609,12 +3915,391 @@
         </p:nvSpPr>
         <p:spPr>
           <a:xfrm>
-            <a:off x="4978867" y="3721626"/>
-            <a:ext cx="994094" cy="978408"/>
+            <a:off x="9606051" y="5955444"/>
+            <a:ext cx="662730" cy="457432"/>
+          </a:xfrm>
+          <a:prstGeom prst="rightArrow">
+            <a:avLst/>
+          </a:prstGeom>
+        </p:spPr>
+        <p:style>
+          <a:lnRef idx="2">
+            <a:schemeClr val="accent2">
+              <a:shade val="50000"/>
+            </a:schemeClr>
+          </a:lnRef>
+          <a:fillRef idx="1">
+            <a:schemeClr val="accent2"/>
+          </a:fillRef>
+          <a:effectRef idx="0">
+            <a:schemeClr val="accent2"/>
+          </a:effectRef>
+          <a:fontRef idx="minor">
+            <a:schemeClr val="lt1"/>
+          </a:fontRef>
+        </p:style>
+        <p:txBody>
+          <a:bodyPr rtlCol="0" anchor="ctr"/>
+          <a:lstStyle/>
+          <a:p>
+            <a:pPr algn="ctr"/>
+            <a:endParaRPr lang="nl-NL"/>
+          </a:p>
+        </p:txBody>
+      </p:sp>
+      <p:sp>
+        <p:nvSpPr>
+          <p:cNvPr id="30" name="Pijl: rechts 29">
+            <a:extLst>
+              <a:ext uri="{FF2B5EF4-FFF2-40B4-BE49-F238E27FC236}">
+                <a16:creationId xmlns:a16="http://schemas.microsoft.com/office/drawing/2014/main" id="{44207483-BDB9-4C2E-9627-060FECDBE526}"/>
+              </a:ext>
+            </a:extLst>
+          </p:cNvPr>
+          <p:cNvSpPr/>
+          <p:nvPr/>
+        </p:nvSpPr>
+        <p:spPr>
+          <a:xfrm>
+            <a:off x="5754849" y="3168941"/>
+            <a:ext cx="1710698" cy="396380"/>
+          </a:xfrm>
+          <a:prstGeom prst="rightArrow">
+            <a:avLst/>
+          </a:prstGeom>
+        </p:spPr>
+        <p:style>
+          <a:lnRef idx="2">
+            <a:schemeClr val="accent2">
+              <a:shade val="50000"/>
+            </a:schemeClr>
+          </a:lnRef>
+          <a:fillRef idx="1">
+            <a:schemeClr val="accent2"/>
+          </a:fillRef>
+          <a:effectRef idx="0">
+            <a:schemeClr val="accent2"/>
+          </a:effectRef>
+          <a:fontRef idx="minor">
+            <a:schemeClr val="lt1"/>
+          </a:fontRef>
+        </p:style>
+        <p:txBody>
+          <a:bodyPr rtlCol="0" anchor="ctr"/>
+          <a:lstStyle/>
+          <a:p>
+            <a:pPr algn="ctr"/>
+            <a:r>
+              <a:rPr lang="nl-NL" dirty="0"/>
+              <a:t>W</a:t>
+            </a:r>
+            <a:r>
+              <a:rPr lang="nl-NL" sz="1200" dirty="0"/>
+              <a:t>L </a:t>
+            </a:r>
+            <a:r>
+              <a:rPr lang="nl-NL" dirty="0"/>
+              <a:t>&gt; W</a:t>
+            </a:r>
+            <a:r>
+              <a:rPr lang="nl-NL" sz="1200" dirty="0"/>
+              <a:t>L.thres</a:t>
+            </a:r>
+            <a:endParaRPr lang="nl-NL" dirty="0"/>
+          </a:p>
+        </p:txBody>
+      </p:sp>
+      <p:sp>
+        <p:nvSpPr>
+          <p:cNvPr id="31" name="Pijl: rechts 30">
+            <a:extLst>
+              <a:ext uri="{FF2B5EF4-FFF2-40B4-BE49-F238E27FC236}">
+                <a16:creationId xmlns:a16="http://schemas.microsoft.com/office/drawing/2014/main" id="{CCACAB15-8593-4A65-9C74-AA32D75572E7}"/>
+              </a:ext>
+            </a:extLst>
+          </p:cNvPr>
+          <p:cNvSpPr/>
+          <p:nvPr/>
+        </p:nvSpPr>
+        <p:spPr>
+          <a:xfrm>
+            <a:off x="5754847" y="4376921"/>
+            <a:ext cx="1710699" cy="396380"/>
+          </a:xfrm>
+          <a:prstGeom prst="rightArrow">
+            <a:avLst/>
+          </a:prstGeom>
+        </p:spPr>
+        <p:style>
+          <a:lnRef idx="2">
+            <a:schemeClr val="accent2">
+              <a:shade val="50000"/>
+            </a:schemeClr>
+          </a:lnRef>
+          <a:fillRef idx="1">
+            <a:schemeClr val="accent2"/>
+          </a:fillRef>
+          <a:effectRef idx="0">
+            <a:schemeClr val="accent2"/>
+          </a:effectRef>
+          <a:fontRef idx="minor">
+            <a:schemeClr val="lt1"/>
+          </a:fontRef>
+        </p:style>
+        <p:txBody>
+          <a:bodyPr rtlCol="0" anchor="ctr"/>
+          <a:lstStyle/>
+          <a:p>
+            <a:pPr algn="ctr"/>
+            <a:r>
+              <a:rPr lang="nl-NL" dirty="0"/>
+              <a:t>W</a:t>
+            </a:r>
+            <a:r>
+              <a:rPr lang="nl-NL" sz="1200" dirty="0"/>
+              <a:t>I</a:t>
+            </a:r>
+            <a:r>
+              <a:rPr lang="nl-NL" dirty="0"/>
+              <a:t> &gt; W</a:t>
+            </a:r>
+            <a:r>
+              <a:rPr lang="nl-NL" sz="1200" dirty="0"/>
+              <a:t>I.thres</a:t>
+            </a:r>
+          </a:p>
+        </p:txBody>
+      </p:sp>
+      <p:cxnSp>
+        <p:nvCxnSpPr>
+          <p:cNvPr id="33" name="Rechte verbindingslijn 32">
+            <a:extLst>
+              <a:ext uri="{FF2B5EF4-FFF2-40B4-BE49-F238E27FC236}">
+                <a16:creationId xmlns:a16="http://schemas.microsoft.com/office/drawing/2014/main" id="{09895159-86A8-4C34-B103-0D99E8388EFA}"/>
+              </a:ext>
+            </a:extLst>
+          </p:cNvPr>
+          <p:cNvCxnSpPr>
+            <a:cxnSpLocks/>
+          </p:cNvCxnSpPr>
+          <p:nvPr/>
+        </p:nvCxnSpPr>
+        <p:spPr>
+          <a:xfrm>
+            <a:off x="4739780" y="1761638"/>
+            <a:ext cx="1794979" cy="0"/>
+          </a:xfrm>
+          <a:prstGeom prst="line">
+            <a:avLst/>
+          </a:prstGeom>
+          <a:ln w="57150"/>
+        </p:spPr>
+        <p:style>
+          <a:lnRef idx="1">
+            <a:schemeClr val="accent6"/>
+          </a:lnRef>
+          <a:fillRef idx="0">
+            <a:schemeClr val="accent6"/>
+          </a:fillRef>
+          <a:effectRef idx="0">
+            <a:schemeClr val="accent6"/>
+          </a:effectRef>
+          <a:fontRef idx="minor">
+            <a:schemeClr val="tx1"/>
+          </a:fontRef>
+        </p:style>
+      </p:cxnSp>
+      <p:sp>
+        <p:nvSpPr>
+          <p:cNvPr id="11" name="Pijl: omlaag 10">
+            <a:extLst>
+              <a:ext uri="{FF2B5EF4-FFF2-40B4-BE49-F238E27FC236}">
+                <a16:creationId xmlns:a16="http://schemas.microsoft.com/office/drawing/2014/main" id="{B06D1672-E3C9-4822-9CC6-87D1E4EF362E}"/>
+              </a:ext>
+            </a:extLst>
+          </p:cNvPr>
+          <p:cNvSpPr/>
+          <p:nvPr/>
+        </p:nvSpPr>
+        <p:spPr>
+          <a:xfrm>
+            <a:off x="4730229" y="1330351"/>
+            <a:ext cx="980479" cy="862574"/>
           </a:xfrm>
           <a:prstGeom prst="downArrow">
             <a:avLst/>
           </a:prstGeom>
+        </p:spPr>
+        <p:style>
+          <a:lnRef idx="2">
+            <a:schemeClr val="accent4">
+              <a:shade val="50000"/>
+            </a:schemeClr>
+          </a:lnRef>
+          <a:fillRef idx="1">
+            <a:schemeClr val="accent4"/>
+          </a:fillRef>
+          <a:effectRef idx="0">
+            <a:schemeClr val="accent4"/>
+          </a:effectRef>
+          <a:fontRef idx="minor">
+            <a:schemeClr val="lt1"/>
+          </a:fontRef>
+        </p:style>
+        <p:txBody>
+          <a:bodyPr rtlCol="0" anchor="ctr"/>
+          <a:lstStyle/>
+          <a:p>
+            <a:pPr algn="ctr"/>
+            <a:endParaRPr lang="nl-NL" dirty="0"/>
+          </a:p>
+          <a:p>
+            <a:pPr algn="ctr"/>
+            <a:r>
+              <a:rPr lang="nl-NL" dirty="0"/>
+              <a:t>C</a:t>
+            </a:r>
+          </a:p>
+          <a:p>
+            <a:pPr algn="ctr"/>
+            <a:r>
+              <a:rPr lang="nl-NL" sz="1200" dirty="0"/>
+              <a:t>100% RH</a:t>
+            </a:r>
+          </a:p>
+        </p:txBody>
+      </p:sp>
+      <p:sp>
+        <p:nvSpPr>
+          <p:cNvPr id="36" name="Tekstvak 35">
+            <a:extLst>
+              <a:ext uri="{FF2B5EF4-FFF2-40B4-BE49-F238E27FC236}">
+                <a16:creationId xmlns:a16="http://schemas.microsoft.com/office/drawing/2014/main" id="{01714165-5CDD-4116-8B14-4B7F4CAE0A0B}"/>
+              </a:ext>
+            </a:extLst>
+          </p:cNvPr>
+          <p:cNvSpPr txBox="1"/>
+          <p:nvPr/>
+        </p:nvSpPr>
+        <p:spPr>
+          <a:xfrm>
+            <a:off x="6568808" y="1507982"/>
+            <a:ext cx="2834645" cy="923330"/>
+          </a:xfrm>
+          <a:prstGeom prst="rect">
+            <a:avLst/>
+          </a:prstGeom>
+          <a:noFill/>
+        </p:spPr>
+        <p:txBody>
+          <a:bodyPr wrap="square" rtlCol="0">
+            <a:spAutoFit/>
+          </a:bodyPr>
+          <a:lstStyle/>
+          <a:p>
+            <a:r>
+              <a:rPr lang="nl-NL" dirty="0"/>
+              <a:t>Parameterization based on  Rotstayn et al. (1999), between 0 and -38°C</a:t>
+            </a:r>
+          </a:p>
+        </p:txBody>
+      </p:sp>
+      <p:sp>
+        <p:nvSpPr>
+          <p:cNvPr id="2" name="Tekstvak 1">
+            <a:extLst>
+              <a:ext uri="{FF2B5EF4-FFF2-40B4-BE49-F238E27FC236}">
+                <a16:creationId xmlns:a16="http://schemas.microsoft.com/office/drawing/2014/main" id="{92671585-3F0E-40F1-9D4C-DE80C738B35A}"/>
+              </a:ext>
+            </a:extLst>
+          </p:cNvPr>
+          <p:cNvSpPr txBox="1"/>
+          <p:nvPr/>
+        </p:nvSpPr>
+        <p:spPr>
+          <a:xfrm>
+            <a:off x="6292461" y="2909434"/>
+            <a:ext cx="644279" cy="369332"/>
+          </a:xfrm>
+          <a:prstGeom prst="rect">
+            <a:avLst/>
+          </a:prstGeom>
+          <a:noFill/>
+        </p:spPr>
+        <p:txBody>
+          <a:bodyPr wrap="none" rtlCol="0">
+            <a:spAutoFit/>
+          </a:bodyPr>
+          <a:lstStyle/>
+          <a:p>
+            <a:r>
+              <a:rPr lang="nl-NL" b="1" dirty="0"/>
+              <a:t>Slow</a:t>
+            </a:r>
+          </a:p>
+        </p:txBody>
+      </p:sp>
+      <p:sp>
+        <p:nvSpPr>
+          <p:cNvPr id="3" name="Tekstvak 2">
+            <a:extLst>
+              <a:ext uri="{FF2B5EF4-FFF2-40B4-BE49-F238E27FC236}">
+                <a16:creationId xmlns:a16="http://schemas.microsoft.com/office/drawing/2014/main" id="{E40E5769-136B-462E-9213-F9621A8C754A}"/>
+              </a:ext>
+            </a:extLst>
+          </p:cNvPr>
+          <p:cNvSpPr txBox="1"/>
+          <p:nvPr/>
+        </p:nvSpPr>
+        <p:spPr>
+          <a:xfrm>
+            <a:off x="6327662" y="4125344"/>
+            <a:ext cx="566950" cy="369332"/>
+          </a:xfrm>
+          <a:prstGeom prst="rect">
+            <a:avLst/>
+          </a:prstGeom>
+          <a:noFill/>
+        </p:spPr>
+        <p:txBody>
+          <a:bodyPr wrap="none" rtlCol="0">
+            <a:spAutoFit/>
+          </a:bodyPr>
+          <a:lstStyle/>
+          <a:p>
+            <a:r>
+              <a:rPr lang="nl-NL" b="1" dirty="0"/>
+              <a:t>Fast</a:t>
+            </a:r>
+          </a:p>
+        </p:txBody>
+      </p:sp>
+      <p:sp>
+        <p:nvSpPr>
+          <p:cNvPr id="9" name="Rechthoek 8">
+            <a:extLst>
+              <a:ext uri="{FF2B5EF4-FFF2-40B4-BE49-F238E27FC236}">
+                <a16:creationId xmlns:a16="http://schemas.microsoft.com/office/drawing/2014/main" id="{36493298-AC88-43C1-B40B-1BCDC388973E}"/>
+              </a:ext>
+            </a:extLst>
+          </p:cNvPr>
+          <p:cNvSpPr/>
+          <p:nvPr/>
+        </p:nvSpPr>
+        <p:spPr>
+          <a:xfrm>
+            <a:off x="6517916" y="1484347"/>
+            <a:ext cx="2675511" cy="946965"/>
+          </a:xfrm>
+          <a:prstGeom prst="rect">
+            <a:avLst/>
+          </a:prstGeom>
+          <a:noFill/>
+          <a:ln w="57150">
+            <a:solidFill>
+              <a:srgbClr val="70AD47"/>
+            </a:solidFill>
+          </a:ln>
         </p:spPr>
         <p:style>
           <a:lnRef idx="2">
@@ -3637,26 +4322,16 @@
           <a:lstStyle/>
           <a:p>
             <a:pPr algn="ctr"/>
-            <a:r>
-              <a:rPr lang="nl-NL" dirty="0"/>
-              <a:t>F</a:t>
-            </a:r>
-          </a:p>
-          <a:p>
-            <a:pPr algn="ctr"/>
-            <a:r>
-              <a:rPr lang="nl-NL" dirty="0"/>
-              <a:t>-38 °C</a:t>
-            </a:r>
-          </a:p>
-        </p:txBody>
-      </p:sp>
-      <p:sp>
-        <p:nvSpPr>
-          <p:cNvPr id="23" name="Pijl: draaiend 22">
-            <a:extLst>
-              <a:ext uri="{FF2B5EF4-FFF2-40B4-BE49-F238E27FC236}">
-                <a16:creationId xmlns:a16="http://schemas.microsoft.com/office/drawing/2014/main" id="{DCEB45DD-17EC-4CF1-B10F-F2FD6079CF39}"/>
+            <a:endParaRPr lang="nl-NL"/>
+          </a:p>
+        </p:txBody>
+      </p:sp>
+      <p:sp>
+        <p:nvSpPr>
+          <p:cNvPr id="16" name="Pijl: omhoog 15">
+            <a:extLst>
+              <a:ext uri="{FF2B5EF4-FFF2-40B4-BE49-F238E27FC236}">
+                <a16:creationId xmlns:a16="http://schemas.microsoft.com/office/drawing/2014/main" id="{2A474B91-C08D-44B8-B39F-845D4B8DC981}"/>
               </a:ext>
             </a:extLst>
           </p:cNvPr>
@@ -3665,105 +4340,10 @@
         </p:nvSpPr>
         <p:spPr>
           <a:xfrm>
-            <a:off x="4216758" y="1283516"/>
-            <a:ext cx="762108" cy="6165908"/>
-          </a:xfrm>
-          <a:prstGeom prst="circularArrow">
-            <a:avLst>
-              <a:gd name="adj1" fmla="val 12500"/>
-              <a:gd name="adj2" fmla="val 3121348"/>
-              <a:gd name="adj3" fmla="val 20457681"/>
-              <a:gd name="adj4" fmla="val 15650472"/>
-              <a:gd name="adj5" fmla="val 12500"/>
-            </a:avLst>
-          </a:prstGeom>
-        </p:spPr>
-        <p:style>
-          <a:lnRef idx="2">
-            <a:schemeClr val="accent6">
-              <a:shade val="50000"/>
-            </a:schemeClr>
-          </a:lnRef>
-          <a:fillRef idx="1">
-            <a:schemeClr val="accent6"/>
-          </a:fillRef>
-          <a:effectRef idx="0">
-            <a:schemeClr val="accent6"/>
-          </a:effectRef>
-          <a:fontRef idx="minor">
-            <a:schemeClr val="lt1"/>
-          </a:fontRef>
-        </p:style>
-        <p:txBody>
-          <a:bodyPr rtlCol="0" anchor="ctr"/>
-          <a:lstStyle/>
-          <a:p>
-            <a:pPr algn="ctr"/>
-            <a:endParaRPr lang="nl-NL">
-              <a:solidFill>
-                <a:schemeClr val="tx1"/>
-              </a:solidFill>
-            </a:endParaRPr>
-          </a:p>
-        </p:txBody>
-      </p:sp>
-      <p:sp>
-        <p:nvSpPr>
-          <p:cNvPr id="24" name="Tekstvak 23">
-            <a:extLst>
-              <a:ext uri="{FF2B5EF4-FFF2-40B4-BE49-F238E27FC236}">
-                <a16:creationId xmlns:a16="http://schemas.microsoft.com/office/drawing/2014/main" id="{74CA8833-2BD7-4F82-866C-D26A85596C74}"/>
-              </a:ext>
-            </a:extLst>
-          </p:cNvPr>
-          <p:cNvSpPr txBox="1"/>
-          <p:nvPr/>
-        </p:nvSpPr>
-        <p:spPr>
-          <a:xfrm>
-            <a:off x="4714416" y="3916729"/>
-            <a:ext cx="307120" cy="369332"/>
-          </a:xfrm>
-          <a:prstGeom prst="rect">
-            <a:avLst/>
-          </a:prstGeom>
-          <a:noFill/>
-        </p:spPr>
-        <p:txBody>
-          <a:bodyPr wrap="square" rtlCol="0">
-            <a:spAutoFit/>
-          </a:bodyPr>
-          <a:lstStyle/>
-          <a:p>
-            <a:r>
-              <a:rPr lang="nl-NL" dirty="0">
-                <a:solidFill>
-                  <a:schemeClr val="bg1"/>
-                </a:solidFill>
-              </a:rPr>
-              <a:t>D</a:t>
-            </a:r>
-          </a:p>
-        </p:txBody>
-      </p:sp>
-      <p:sp>
-        <p:nvSpPr>
-          <p:cNvPr id="26" name="Pijl: rechts 25">
-            <a:extLst>
-              <a:ext uri="{FF2B5EF4-FFF2-40B4-BE49-F238E27FC236}">
-                <a16:creationId xmlns:a16="http://schemas.microsoft.com/office/drawing/2014/main" id="{1F24D949-0CA9-4EC5-810C-761F6B41F560}"/>
-              </a:ext>
-            </a:extLst>
-          </p:cNvPr>
-          <p:cNvSpPr/>
-          <p:nvPr/>
-        </p:nvSpPr>
-        <p:spPr>
-          <a:xfrm>
-            <a:off x="6329430" y="4883803"/>
-            <a:ext cx="662730" cy="457432"/>
-          </a:xfrm>
-          <a:prstGeom prst="rightArrow">
+            <a:off x="3466271" y="1283923"/>
+            <a:ext cx="1023456" cy="842925"/>
+          </a:xfrm>
+          <a:prstGeom prst="upArrow">
             <a:avLst/>
           </a:prstGeom>
         </p:spPr>
@@ -3788,530 +4368,17 @@
           <a:lstStyle/>
           <a:p>
             <a:pPr algn="ctr"/>
-            <a:endParaRPr lang="nl-NL"/>
-          </a:p>
-        </p:txBody>
-      </p:sp>
-      <p:sp>
-        <p:nvSpPr>
-          <p:cNvPr id="27" name="Pijl: rechts 26">
-            <a:extLst>
-              <a:ext uri="{FF2B5EF4-FFF2-40B4-BE49-F238E27FC236}">
-                <a16:creationId xmlns:a16="http://schemas.microsoft.com/office/drawing/2014/main" id="{10F9B5B7-D4FC-406C-8D76-BA1B677BAF9C}"/>
-              </a:ext>
-            </a:extLst>
-          </p:cNvPr>
-          <p:cNvSpPr/>
-          <p:nvPr/>
-        </p:nvSpPr>
-        <p:spPr>
-          <a:xfrm>
-            <a:off x="6341269" y="5408146"/>
-            <a:ext cx="662730" cy="457432"/>
-          </a:xfrm>
-          <a:prstGeom prst="rightArrow">
-            <a:avLst/>
-          </a:prstGeom>
-        </p:spPr>
-        <p:style>
-          <a:lnRef idx="2">
-            <a:schemeClr val="accent6">
-              <a:shade val="50000"/>
-            </a:schemeClr>
-          </a:lnRef>
-          <a:fillRef idx="1">
-            <a:schemeClr val="accent6"/>
-          </a:fillRef>
-          <a:effectRef idx="0">
-            <a:schemeClr val="accent6"/>
-          </a:effectRef>
-          <a:fontRef idx="minor">
-            <a:schemeClr val="lt1"/>
-          </a:fontRef>
-        </p:style>
-        <p:txBody>
-          <a:bodyPr rtlCol="0" anchor="ctr"/>
-          <a:lstStyle/>
+            <a:r>
+              <a:rPr lang="nl-NL" dirty="0"/>
+              <a:t>E</a:t>
+            </a:r>
+          </a:p>
           <a:p>
             <a:pPr algn="ctr"/>
-            <a:endParaRPr lang="nl-NL"/>
-          </a:p>
-        </p:txBody>
-      </p:sp>
-      <p:sp>
-        <p:nvSpPr>
-          <p:cNvPr id="28" name="Tekstvak 27">
-            <a:extLst>
-              <a:ext uri="{FF2B5EF4-FFF2-40B4-BE49-F238E27FC236}">
-                <a16:creationId xmlns:a16="http://schemas.microsoft.com/office/drawing/2014/main" id="{553A212E-B983-46A5-9A9C-1334F52ACD6F}"/>
-              </a:ext>
-            </a:extLst>
-          </p:cNvPr>
-          <p:cNvSpPr txBox="1"/>
-          <p:nvPr/>
-        </p:nvSpPr>
-        <p:spPr>
-          <a:xfrm>
-            <a:off x="7101217" y="4883803"/>
-            <a:ext cx="1319015" cy="1754326"/>
-          </a:xfrm>
-          <a:prstGeom prst="rect">
-            <a:avLst/>
-          </a:prstGeom>
-          <a:noFill/>
-        </p:spPr>
-        <p:txBody>
-          <a:bodyPr wrap="none" rtlCol="0">
-            <a:spAutoFit/>
-          </a:bodyPr>
-          <a:lstStyle/>
-          <a:p>
-            <a:r>
-              <a:rPr lang="nl-NL" dirty="0"/>
-              <a:t>First step</a:t>
-            </a:r>
-          </a:p>
-          <a:p>
-            <a:endParaRPr lang="nl-NL" dirty="0"/>
-          </a:p>
-          <a:p>
-            <a:r>
-              <a:rPr lang="nl-NL" dirty="0"/>
-              <a:t>Second step</a:t>
-            </a:r>
-          </a:p>
-          <a:p>
-            <a:endParaRPr lang="nl-NL" dirty="0"/>
-          </a:p>
-          <a:p>
-            <a:r>
-              <a:rPr lang="nl-NL" dirty="0"/>
-              <a:t>Third step</a:t>
-            </a:r>
-          </a:p>
-          <a:p>
-            <a:endParaRPr lang="nl-NL" dirty="0"/>
-          </a:p>
-        </p:txBody>
-      </p:sp>
-      <p:sp>
-        <p:nvSpPr>
-          <p:cNvPr id="29" name="Pijl: rechts 28">
-            <a:extLst>
-              <a:ext uri="{FF2B5EF4-FFF2-40B4-BE49-F238E27FC236}">
-                <a16:creationId xmlns:a16="http://schemas.microsoft.com/office/drawing/2014/main" id="{BBE118BC-0C7A-40EA-9244-A35C44D1A512}"/>
-              </a:ext>
-            </a:extLst>
-          </p:cNvPr>
-          <p:cNvSpPr/>
-          <p:nvPr/>
-        </p:nvSpPr>
-        <p:spPr>
-          <a:xfrm>
-            <a:off x="6341269" y="5955444"/>
-            <a:ext cx="662730" cy="457432"/>
-          </a:xfrm>
-          <a:prstGeom prst="rightArrow">
-            <a:avLst/>
-          </a:prstGeom>
-        </p:spPr>
-        <p:style>
-          <a:lnRef idx="2">
-            <a:schemeClr val="accent2">
-              <a:shade val="50000"/>
-            </a:schemeClr>
-          </a:lnRef>
-          <a:fillRef idx="1">
-            <a:schemeClr val="accent2"/>
-          </a:fillRef>
-          <a:effectRef idx="0">
-            <a:schemeClr val="accent2"/>
-          </a:effectRef>
-          <a:fontRef idx="minor">
-            <a:schemeClr val="lt1"/>
-          </a:fontRef>
-        </p:style>
-        <p:txBody>
-          <a:bodyPr rtlCol="0" anchor="ctr"/>
-          <a:lstStyle/>
-          <a:p>
-            <a:pPr algn="ctr"/>
-            <a:endParaRPr lang="nl-NL"/>
-          </a:p>
-        </p:txBody>
-      </p:sp>
-      <p:sp>
-        <p:nvSpPr>
-          <p:cNvPr id="30" name="Pijl: rechts 29">
-            <a:extLst>
-              <a:ext uri="{FF2B5EF4-FFF2-40B4-BE49-F238E27FC236}">
-                <a16:creationId xmlns:a16="http://schemas.microsoft.com/office/drawing/2014/main" id="{44207483-BDB9-4C2E-9627-060FECDBE526}"/>
-              </a:ext>
-            </a:extLst>
-          </p:cNvPr>
-          <p:cNvSpPr/>
-          <p:nvPr/>
-        </p:nvSpPr>
-        <p:spPr>
-          <a:xfrm>
-            <a:off x="5754849" y="3168941"/>
-            <a:ext cx="1710698" cy="396380"/>
-          </a:xfrm>
-          <a:prstGeom prst="rightArrow">
-            <a:avLst/>
-          </a:prstGeom>
-        </p:spPr>
-        <p:style>
-          <a:lnRef idx="2">
-            <a:schemeClr val="accent2">
-              <a:shade val="50000"/>
-            </a:schemeClr>
-          </a:lnRef>
-          <a:fillRef idx="1">
-            <a:schemeClr val="accent2"/>
-          </a:fillRef>
-          <a:effectRef idx="0">
-            <a:schemeClr val="accent2"/>
-          </a:effectRef>
-          <a:fontRef idx="minor">
-            <a:schemeClr val="lt1"/>
-          </a:fontRef>
-        </p:style>
-        <p:txBody>
-          <a:bodyPr rtlCol="0" anchor="ctr"/>
-          <a:lstStyle/>
-          <a:p>
-            <a:pPr algn="ctr"/>
-            <a:r>
-              <a:rPr lang="nl-NL" dirty="0"/>
-              <a:t>W</a:t>
-            </a:r>
             <a:r>
               <a:rPr lang="nl-NL" sz="1200" dirty="0"/>
-              <a:t>L </a:t>
-            </a:r>
-            <a:r>
-              <a:rPr lang="nl-NL" dirty="0"/>
-              <a:t>&gt; W</a:t>
-            </a:r>
-            <a:r>
-              <a:rPr lang="nl-NL" sz="1200" dirty="0"/>
-              <a:t>L.thres</a:t>
-            </a:r>
-            <a:endParaRPr lang="nl-NL" dirty="0"/>
-          </a:p>
-        </p:txBody>
-      </p:sp>
-      <p:sp>
-        <p:nvSpPr>
-          <p:cNvPr id="31" name="Pijl: rechts 30">
-            <a:extLst>
-              <a:ext uri="{FF2B5EF4-FFF2-40B4-BE49-F238E27FC236}">
-                <a16:creationId xmlns:a16="http://schemas.microsoft.com/office/drawing/2014/main" id="{CCACAB15-8593-4A65-9C74-AA32D75572E7}"/>
-              </a:ext>
-            </a:extLst>
-          </p:cNvPr>
-          <p:cNvSpPr/>
-          <p:nvPr/>
-        </p:nvSpPr>
-        <p:spPr>
-          <a:xfrm>
-            <a:off x="5754847" y="4376921"/>
-            <a:ext cx="1710699" cy="396380"/>
-          </a:xfrm>
-          <a:prstGeom prst="rightArrow">
-            <a:avLst/>
-          </a:prstGeom>
-        </p:spPr>
-        <p:style>
-          <a:lnRef idx="2">
-            <a:schemeClr val="accent2">
-              <a:shade val="50000"/>
-            </a:schemeClr>
-          </a:lnRef>
-          <a:fillRef idx="1">
-            <a:schemeClr val="accent2"/>
-          </a:fillRef>
-          <a:effectRef idx="0">
-            <a:schemeClr val="accent2"/>
-          </a:effectRef>
-          <a:fontRef idx="minor">
-            <a:schemeClr val="lt1"/>
-          </a:fontRef>
-        </p:style>
-        <p:txBody>
-          <a:bodyPr rtlCol="0" anchor="ctr"/>
-          <a:lstStyle/>
-          <a:p>
-            <a:pPr algn="ctr"/>
-            <a:r>
-              <a:rPr lang="nl-NL" dirty="0"/>
-              <a:t>W</a:t>
-            </a:r>
-            <a:r>
-              <a:rPr lang="nl-NL" sz="1200" dirty="0"/>
-              <a:t>I</a:t>
-            </a:r>
-            <a:r>
-              <a:rPr lang="nl-NL" dirty="0"/>
-              <a:t> &gt; W</a:t>
-            </a:r>
-            <a:r>
-              <a:rPr lang="nl-NL" sz="1200" dirty="0"/>
-              <a:t>I.thres</a:t>
-            </a:r>
-          </a:p>
-        </p:txBody>
-      </p:sp>
-      <p:cxnSp>
-        <p:nvCxnSpPr>
-          <p:cNvPr id="33" name="Rechte verbindingslijn 32">
-            <a:extLst>
-              <a:ext uri="{FF2B5EF4-FFF2-40B4-BE49-F238E27FC236}">
-                <a16:creationId xmlns:a16="http://schemas.microsoft.com/office/drawing/2014/main" id="{09895159-86A8-4C34-B103-0D99E8388EFA}"/>
-              </a:ext>
-            </a:extLst>
-          </p:cNvPr>
-          <p:cNvCxnSpPr>
-            <a:cxnSpLocks/>
-          </p:cNvCxnSpPr>
-          <p:nvPr/>
-        </p:nvCxnSpPr>
-        <p:spPr>
-          <a:xfrm>
-            <a:off x="4739780" y="1761638"/>
-            <a:ext cx="1794979" cy="0"/>
-          </a:xfrm>
-          <a:prstGeom prst="line">
-            <a:avLst/>
-          </a:prstGeom>
-          <a:ln w="57150"/>
-        </p:spPr>
-        <p:style>
-          <a:lnRef idx="1">
-            <a:schemeClr val="accent6"/>
-          </a:lnRef>
-          <a:fillRef idx="0">
-            <a:schemeClr val="accent6"/>
-          </a:fillRef>
-          <a:effectRef idx="0">
-            <a:schemeClr val="accent6"/>
-          </a:effectRef>
-          <a:fontRef idx="minor">
-            <a:schemeClr val="tx1"/>
-          </a:fontRef>
-        </p:style>
-      </p:cxnSp>
-      <p:sp>
-        <p:nvSpPr>
-          <p:cNvPr id="11" name="Pijl: omlaag 10">
-            <a:extLst>
-              <a:ext uri="{FF2B5EF4-FFF2-40B4-BE49-F238E27FC236}">
-                <a16:creationId xmlns:a16="http://schemas.microsoft.com/office/drawing/2014/main" id="{B06D1672-E3C9-4822-9CC6-87D1E4EF362E}"/>
-              </a:ext>
-            </a:extLst>
-          </p:cNvPr>
-          <p:cNvSpPr/>
-          <p:nvPr/>
-        </p:nvSpPr>
-        <p:spPr>
-          <a:xfrm>
-            <a:off x="4859411" y="1447333"/>
-            <a:ext cx="896725" cy="842925"/>
-          </a:xfrm>
-          <a:prstGeom prst="downArrow">
-            <a:avLst/>
-          </a:prstGeom>
-        </p:spPr>
-        <p:style>
-          <a:lnRef idx="2">
-            <a:schemeClr val="accent4">
-              <a:shade val="50000"/>
-            </a:schemeClr>
-          </a:lnRef>
-          <a:fillRef idx="1">
-            <a:schemeClr val="accent4"/>
-          </a:fillRef>
-          <a:effectRef idx="0">
-            <a:schemeClr val="accent4"/>
-          </a:effectRef>
-          <a:fontRef idx="minor">
-            <a:schemeClr val="lt1"/>
-          </a:fontRef>
-        </p:style>
-        <p:txBody>
-          <a:bodyPr rtlCol="0" anchor="ctr"/>
-          <a:lstStyle/>
-          <a:p>
-            <a:pPr algn="ctr"/>
-            <a:r>
-              <a:rPr lang="nl-NL" dirty="0"/>
-              <a:t>C</a:t>
-            </a:r>
-          </a:p>
-          <a:p>
-            <a:pPr algn="ctr"/>
-            <a:r>
-              <a:rPr lang="nl-NL" sz="1200" dirty="0"/>
-              <a:t>100% RH</a:t>
-            </a:r>
-          </a:p>
-        </p:txBody>
-      </p:sp>
-      <p:sp>
-        <p:nvSpPr>
-          <p:cNvPr id="36" name="Tekstvak 35">
-            <a:extLst>
-              <a:ext uri="{FF2B5EF4-FFF2-40B4-BE49-F238E27FC236}">
-                <a16:creationId xmlns:a16="http://schemas.microsoft.com/office/drawing/2014/main" id="{01714165-5CDD-4116-8B14-4B7F4CAE0A0B}"/>
-              </a:ext>
-            </a:extLst>
-          </p:cNvPr>
-          <p:cNvSpPr txBox="1"/>
-          <p:nvPr/>
-        </p:nvSpPr>
-        <p:spPr>
-          <a:xfrm>
-            <a:off x="6568808" y="1507982"/>
-            <a:ext cx="2834645" cy="923330"/>
-          </a:xfrm>
-          <a:prstGeom prst="rect">
-            <a:avLst/>
-          </a:prstGeom>
-          <a:noFill/>
-        </p:spPr>
-        <p:txBody>
-          <a:bodyPr wrap="square" rtlCol="0">
-            <a:spAutoFit/>
-          </a:bodyPr>
-          <a:lstStyle/>
-          <a:p>
-            <a:r>
-              <a:rPr lang="nl-NL" dirty="0"/>
-              <a:t>Parameterization based on  Rotstayn et al. (1999), between 0 and -38°C</a:t>
-            </a:r>
-          </a:p>
-        </p:txBody>
-      </p:sp>
-      <p:sp>
-        <p:nvSpPr>
-          <p:cNvPr id="2" name="Tekstvak 1">
-            <a:extLst>
-              <a:ext uri="{FF2B5EF4-FFF2-40B4-BE49-F238E27FC236}">
-                <a16:creationId xmlns:a16="http://schemas.microsoft.com/office/drawing/2014/main" id="{92671585-3F0E-40F1-9D4C-DE80C738B35A}"/>
-              </a:ext>
-            </a:extLst>
-          </p:cNvPr>
-          <p:cNvSpPr txBox="1"/>
-          <p:nvPr/>
-        </p:nvSpPr>
-        <p:spPr>
-          <a:xfrm>
-            <a:off x="6031684" y="3011647"/>
-            <a:ext cx="629403" cy="369332"/>
-          </a:xfrm>
-          <a:prstGeom prst="rect">
-            <a:avLst/>
-          </a:prstGeom>
-          <a:noFill/>
-        </p:spPr>
-        <p:txBody>
-          <a:bodyPr wrap="none" rtlCol="0">
-            <a:spAutoFit/>
-          </a:bodyPr>
-          <a:lstStyle/>
-          <a:p>
-            <a:r>
-              <a:rPr lang="nl-NL" dirty="0"/>
-              <a:t>Slow</a:t>
-            </a:r>
-          </a:p>
-        </p:txBody>
-      </p:sp>
-      <p:sp>
-        <p:nvSpPr>
-          <p:cNvPr id="3" name="Tekstvak 2">
-            <a:extLst>
-              <a:ext uri="{FF2B5EF4-FFF2-40B4-BE49-F238E27FC236}">
-                <a16:creationId xmlns:a16="http://schemas.microsoft.com/office/drawing/2014/main" id="{E40E5769-136B-462E-9213-F9621A8C754A}"/>
-              </a:ext>
-            </a:extLst>
-          </p:cNvPr>
-          <p:cNvSpPr txBox="1"/>
-          <p:nvPr/>
-        </p:nvSpPr>
-        <p:spPr>
-          <a:xfrm>
-            <a:off x="6068039" y="4211817"/>
-            <a:ext cx="558999" cy="369332"/>
-          </a:xfrm>
-          <a:prstGeom prst="rect">
-            <a:avLst/>
-          </a:prstGeom>
-          <a:noFill/>
-        </p:spPr>
-        <p:txBody>
-          <a:bodyPr wrap="none" rtlCol="0">
-            <a:spAutoFit/>
-          </a:bodyPr>
-          <a:lstStyle/>
-          <a:p>
-            <a:r>
-              <a:rPr lang="nl-NL" dirty="0"/>
-              <a:t>Fast</a:t>
-            </a:r>
-          </a:p>
-        </p:txBody>
-      </p:sp>
-      <p:sp>
-        <p:nvSpPr>
-          <p:cNvPr id="9" name="Rechthoek 8">
-            <a:extLst>
-              <a:ext uri="{FF2B5EF4-FFF2-40B4-BE49-F238E27FC236}">
-                <a16:creationId xmlns:a16="http://schemas.microsoft.com/office/drawing/2014/main" id="{36493298-AC88-43C1-B40B-1BCDC388973E}"/>
-              </a:ext>
-            </a:extLst>
-          </p:cNvPr>
-          <p:cNvSpPr/>
-          <p:nvPr/>
-        </p:nvSpPr>
-        <p:spPr>
-          <a:xfrm>
-            <a:off x="6517917" y="1484347"/>
-            <a:ext cx="2634472" cy="946965"/>
-          </a:xfrm>
-          <a:prstGeom prst="rect">
-            <a:avLst/>
-          </a:prstGeom>
-          <a:noFill/>
-          <a:ln w="57150">
-            <a:solidFill>
-              <a:srgbClr val="70AD47"/>
-            </a:solidFill>
-          </a:ln>
-        </p:spPr>
-        <p:style>
-          <a:lnRef idx="2">
-            <a:schemeClr val="accent6">
-              <a:shade val="50000"/>
-            </a:schemeClr>
-          </a:lnRef>
-          <a:fillRef idx="1">
-            <a:schemeClr val="accent6"/>
-          </a:fillRef>
-          <a:effectRef idx="0">
-            <a:schemeClr val="accent6"/>
-          </a:effectRef>
-          <a:fontRef idx="minor">
-            <a:schemeClr val="lt1"/>
-          </a:fontRef>
-        </p:style>
-        <p:txBody>
-          <a:bodyPr rtlCol="0" anchor="ctr"/>
-          <a:lstStyle/>
-          <a:p>
-            <a:pPr algn="ctr"/>
-            <a:endParaRPr lang="nl-NL"/>
+              <a:t>&lt;100% RH</a:t>
+            </a:r>
           </a:p>
         </p:txBody>
       </p:sp>
@@ -4409,7 +4476,7 @@
         </p:nvSpPr>
         <p:spPr>
           <a:xfrm>
-            <a:off x="5402505" y="1778467"/>
+            <a:off x="5919130" y="1799439"/>
             <a:ext cx="2776755" cy="478172"/>
           </a:xfrm>
           <a:prstGeom prst="rightArrow">
@@ -4438,10 +4505,9 @@
           <a:p>
             <a:pPr algn="ctr"/>
             <a:r>
-              <a:rPr lang="nl-NL" dirty="0" err="1"/>
+              <a:rPr lang="nl-NL" dirty="0"/>
               <a:t>Melting</a:t>
             </a:r>
-            <a:endParaRPr lang="nl-NL" dirty="0"/>
           </a:p>
         </p:txBody>
       </p:sp>
@@ -4488,10 +4554,9 @@
           <a:p>
             <a:pPr algn="ctr"/>
             <a:r>
-              <a:rPr lang="nl-NL" dirty="0" err="1"/>
+              <a:rPr lang="nl-NL" dirty="0"/>
               <a:t>Condensation</a:t>
             </a:r>
-            <a:endParaRPr lang="nl-NL" dirty="0"/>
           </a:p>
         </p:txBody>
       </p:sp>
@@ -4538,10 +4603,9 @@
           <a:p>
             <a:pPr algn="ctr"/>
             <a:r>
-              <a:rPr lang="nl-NL" dirty="0" err="1"/>
+              <a:rPr lang="nl-NL" dirty="0"/>
               <a:t>Evaporation</a:t>
             </a:r>
-            <a:endParaRPr lang="nl-NL" dirty="0"/>
           </a:p>
         </p:txBody>
       </p:sp>
@@ -4559,7 +4623,7 @@
         </p:nvSpPr>
         <p:spPr>
           <a:xfrm>
-            <a:off x="5441655" y="2399251"/>
+            <a:off x="5938703" y="2427875"/>
             <a:ext cx="2737607" cy="478172"/>
           </a:xfrm>
           <a:prstGeom prst="leftArrow">
@@ -4588,20 +4652,8 @@
           <a:p>
             <a:pPr algn="ctr"/>
             <a:r>
-              <a:rPr lang="nl-NL" dirty="0" err="1"/>
-              <a:t>Freezing</a:t>
-            </a:r>
-            <a:r>
               <a:rPr lang="nl-NL" dirty="0"/>
-              <a:t> (&amp;ice </a:t>
-            </a:r>
-            <a:r>
-              <a:rPr lang="nl-NL" dirty="0" err="1"/>
-              <a:t>deposition</a:t>
-            </a:r>
-            <a:r>
-              <a:rPr lang="nl-NL" dirty="0"/>
-              <a:t>)</a:t>
+              <a:t>Freezing (&amp;ice deposition)</a:t>
             </a:r>
           </a:p>
         </p:txBody>
@@ -4621,7 +4673,7 @@
         <p:spPr>
           <a:xfrm>
             <a:off x="3921850" y="0"/>
-            <a:ext cx="629174" cy="1677798"/>
+            <a:ext cx="526582" cy="1677798"/>
           </a:xfrm>
           <a:prstGeom prst="upDownArrow">
             <a:avLst/>
@@ -4773,7 +4825,10 @@
             <a:ext cx="2776754" cy="478172"/>
           </a:xfrm>
           <a:prstGeom prst="leftRightArrow">
-            <a:avLst/>
+            <a:avLst>
+              <a:gd name="adj1" fmla="val 53485"/>
+              <a:gd name="adj2" fmla="val 50000"/>
+            </a:avLst>
           </a:prstGeom>
         </p:spPr>
         <p:style>
@@ -4831,18 +4886,13 @@
           <a:p>
             <a:pPr algn="ctr"/>
             <a:r>
-              <a:rPr lang="nl-NL" dirty="0" err="1">
+              <a:rPr lang="nl-NL" dirty="0">
                 <a:solidFill>
                   <a:schemeClr val="bg1"/>
                 </a:solidFill>
               </a:rPr>
-              <a:t>Buyoancy</a:t>
-            </a:r>
-            <a:endParaRPr lang="nl-NL" dirty="0">
-              <a:solidFill>
-                <a:schemeClr val="bg1"/>
-              </a:solidFill>
-            </a:endParaRPr>
+              <a:t>Buoyancy</a:t>
+            </a:r>
           </a:p>
         </p:txBody>
       </p:sp>

--- a/model_representation.pptx
+++ b/model_representation.pptx
@@ -312,7 +312,7 @@
           <a:p>
             <a:fld id="{0C688EB7-E1EC-4125-A900-79B98438A0A3}" type="datetimeFigureOut">
               <a:rPr lang="nl-NL" smtClean="0"/>
-              <a:t>18-10-2018</a:t>
+              <a:t>19-10-2018</a:t>
             </a:fld>
             <a:endParaRPr lang="nl-NL"/>
           </a:p>
@@ -366,7 +366,7 @@
           <a:p>
             <a:fld id="{D7A273E9-B73F-4071-BCEA-AD3C272F9352}" type="slidenum">
               <a:rPr lang="nl-NL" smtClean="0"/>
-              <a:t>‹#›</a:t>
+              <a:t>‹nr.›</a:t>
             </a:fld>
             <a:endParaRPr lang="nl-NL"/>
           </a:p>
@@ -510,7 +510,7 @@
           <a:p>
             <a:fld id="{0C688EB7-E1EC-4125-A900-79B98438A0A3}" type="datetimeFigureOut">
               <a:rPr lang="nl-NL" smtClean="0"/>
-              <a:t>18-10-2018</a:t>
+              <a:t>19-10-2018</a:t>
             </a:fld>
             <a:endParaRPr lang="nl-NL"/>
           </a:p>
@@ -564,7 +564,7 @@
           <a:p>
             <a:fld id="{D7A273E9-B73F-4071-BCEA-AD3C272F9352}" type="slidenum">
               <a:rPr lang="nl-NL" smtClean="0"/>
-              <a:t>‹#›</a:t>
+              <a:t>‹nr.›</a:t>
             </a:fld>
             <a:endParaRPr lang="nl-NL"/>
           </a:p>
@@ -718,7 +718,7 @@
           <a:p>
             <a:fld id="{0C688EB7-E1EC-4125-A900-79B98438A0A3}" type="datetimeFigureOut">
               <a:rPr lang="nl-NL" smtClean="0"/>
-              <a:t>18-10-2018</a:t>
+              <a:t>19-10-2018</a:t>
             </a:fld>
             <a:endParaRPr lang="nl-NL"/>
           </a:p>
@@ -772,7 +772,7 @@
           <a:p>
             <a:fld id="{D7A273E9-B73F-4071-BCEA-AD3C272F9352}" type="slidenum">
               <a:rPr lang="nl-NL" smtClean="0"/>
-              <a:t>‹#›</a:t>
+              <a:t>‹nr.›</a:t>
             </a:fld>
             <a:endParaRPr lang="nl-NL"/>
           </a:p>
@@ -916,7 +916,7 @@
           <a:p>
             <a:fld id="{0C688EB7-E1EC-4125-A900-79B98438A0A3}" type="datetimeFigureOut">
               <a:rPr lang="nl-NL" smtClean="0"/>
-              <a:t>18-10-2018</a:t>
+              <a:t>19-10-2018</a:t>
             </a:fld>
             <a:endParaRPr lang="nl-NL"/>
           </a:p>
@@ -970,7 +970,7 @@
           <a:p>
             <a:fld id="{D7A273E9-B73F-4071-BCEA-AD3C272F9352}" type="slidenum">
               <a:rPr lang="nl-NL" smtClean="0"/>
-              <a:t>‹#›</a:t>
+              <a:t>‹nr.›</a:t>
             </a:fld>
             <a:endParaRPr lang="nl-NL"/>
           </a:p>
@@ -1191,7 +1191,7 @@
           <a:p>
             <a:fld id="{0C688EB7-E1EC-4125-A900-79B98438A0A3}" type="datetimeFigureOut">
               <a:rPr lang="nl-NL" smtClean="0"/>
-              <a:t>18-10-2018</a:t>
+              <a:t>19-10-2018</a:t>
             </a:fld>
             <a:endParaRPr lang="nl-NL"/>
           </a:p>
@@ -1245,7 +1245,7 @@
           <a:p>
             <a:fld id="{D7A273E9-B73F-4071-BCEA-AD3C272F9352}" type="slidenum">
               <a:rPr lang="nl-NL" smtClean="0"/>
-              <a:t>‹#›</a:t>
+              <a:t>‹nr.›</a:t>
             </a:fld>
             <a:endParaRPr lang="nl-NL"/>
           </a:p>
@@ -1456,7 +1456,7 @@
           <a:p>
             <a:fld id="{0C688EB7-E1EC-4125-A900-79B98438A0A3}" type="datetimeFigureOut">
               <a:rPr lang="nl-NL" smtClean="0"/>
-              <a:t>18-10-2018</a:t>
+              <a:t>19-10-2018</a:t>
             </a:fld>
             <a:endParaRPr lang="nl-NL"/>
           </a:p>
@@ -1510,7 +1510,7 @@
           <a:p>
             <a:fld id="{D7A273E9-B73F-4071-BCEA-AD3C272F9352}" type="slidenum">
               <a:rPr lang="nl-NL" smtClean="0"/>
-              <a:t>‹#›</a:t>
+              <a:t>‹nr.›</a:t>
             </a:fld>
             <a:endParaRPr lang="nl-NL"/>
           </a:p>
@@ -1868,7 +1868,7 @@
           <a:p>
             <a:fld id="{0C688EB7-E1EC-4125-A900-79B98438A0A3}" type="datetimeFigureOut">
               <a:rPr lang="nl-NL" smtClean="0"/>
-              <a:t>18-10-2018</a:t>
+              <a:t>19-10-2018</a:t>
             </a:fld>
             <a:endParaRPr lang="nl-NL"/>
           </a:p>
@@ -1922,7 +1922,7 @@
           <a:p>
             <a:fld id="{D7A273E9-B73F-4071-BCEA-AD3C272F9352}" type="slidenum">
               <a:rPr lang="nl-NL" smtClean="0"/>
-              <a:t>‹#›</a:t>
+              <a:t>‹nr.›</a:t>
             </a:fld>
             <a:endParaRPr lang="nl-NL"/>
           </a:p>
@@ -2009,7 +2009,7 @@
           <a:p>
             <a:fld id="{0C688EB7-E1EC-4125-A900-79B98438A0A3}" type="datetimeFigureOut">
               <a:rPr lang="nl-NL" smtClean="0"/>
-              <a:t>18-10-2018</a:t>
+              <a:t>19-10-2018</a:t>
             </a:fld>
             <a:endParaRPr lang="nl-NL"/>
           </a:p>
@@ -2063,7 +2063,7 @@
           <a:p>
             <a:fld id="{D7A273E9-B73F-4071-BCEA-AD3C272F9352}" type="slidenum">
               <a:rPr lang="nl-NL" smtClean="0"/>
-              <a:t>‹#›</a:t>
+              <a:t>‹nr.›</a:t>
             </a:fld>
             <a:endParaRPr lang="nl-NL"/>
           </a:p>
@@ -2122,7 +2122,7 @@
           <a:p>
             <a:fld id="{0C688EB7-E1EC-4125-A900-79B98438A0A3}" type="datetimeFigureOut">
               <a:rPr lang="nl-NL" smtClean="0"/>
-              <a:t>18-10-2018</a:t>
+              <a:t>19-10-2018</a:t>
             </a:fld>
             <a:endParaRPr lang="nl-NL"/>
           </a:p>
@@ -2176,7 +2176,7 @@
           <a:p>
             <a:fld id="{D7A273E9-B73F-4071-BCEA-AD3C272F9352}" type="slidenum">
               <a:rPr lang="nl-NL" smtClean="0"/>
-              <a:t>‹#›</a:t>
+              <a:t>‹nr.›</a:t>
             </a:fld>
             <a:endParaRPr lang="nl-NL"/>
           </a:p>
@@ -2433,7 +2433,7 @@
           <a:p>
             <a:fld id="{0C688EB7-E1EC-4125-A900-79B98438A0A3}" type="datetimeFigureOut">
               <a:rPr lang="nl-NL" smtClean="0"/>
-              <a:t>18-10-2018</a:t>
+              <a:t>19-10-2018</a:t>
             </a:fld>
             <a:endParaRPr lang="nl-NL"/>
           </a:p>
@@ -2487,7 +2487,7 @@
           <a:p>
             <a:fld id="{D7A273E9-B73F-4071-BCEA-AD3C272F9352}" type="slidenum">
               <a:rPr lang="nl-NL" smtClean="0"/>
-              <a:t>‹#›</a:t>
+              <a:t>‹nr.›</a:t>
             </a:fld>
             <a:endParaRPr lang="nl-NL"/>
           </a:p>
@@ -2721,7 +2721,7 @@
           <a:p>
             <a:fld id="{0C688EB7-E1EC-4125-A900-79B98438A0A3}" type="datetimeFigureOut">
               <a:rPr lang="nl-NL" smtClean="0"/>
-              <a:t>18-10-2018</a:t>
+              <a:t>19-10-2018</a:t>
             </a:fld>
             <a:endParaRPr lang="nl-NL"/>
           </a:p>
@@ -2775,7 +2775,7 @@
           <a:p>
             <a:fld id="{D7A273E9-B73F-4071-BCEA-AD3C272F9352}" type="slidenum">
               <a:rPr lang="nl-NL" smtClean="0"/>
-              <a:t>‹#›</a:t>
+              <a:t>‹nr.›</a:t>
             </a:fld>
             <a:endParaRPr lang="nl-NL"/>
           </a:p>
@@ -2962,7 +2962,7 @@
           <a:p>
             <a:fld id="{0C688EB7-E1EC-4125-A900-79B98438A0A3}" type="datetimeFigureOut">
               <a:rPr lang="nl-NL" smtClean="0"/>
-              <a:t>18-10-2018</a:t>
+              <a:t>19-10-2018</a:t>
             </a:fld>
             <a:endParaRPr lang="nl-NL"/>
           </a:p>
@@ -3052,7 +3052,7 @@
           <a:p>
             <a:fld id="{D7A273E9-B73F-4071-BCEA-AD3C272F9352}" type="slidenum">
               <a:rPr lang="nl-NL" smtClean="0"/>
-              <a:t>‹#›</a:t>
+              <a:t>‹nr.›</a:t>
             </a:fld>
             <a:endParaRPr lang="nl-NL"/>
           </a:p>
@@ -3556,8 +3556,13 @@
             <a:avLst/>
           </a:prstGeom>
           <a:solidFill>
-            <a:srgbClr val="FF0000"/>
+            <a:srgbClr val="70AD47"/>
           </a:solidFill>
+          <a:ln>
+            <a:solidFill>
+              <a:srgbClr val="507E32"/>
+            </a:solidFill>
+          </a:ln>
         </p:spPr>
         <p:style>
           <a:lnRef idx="2">
@@ -3608,18 +3613,18 @@
         </p:nvSpPr>
         <p:spPr>
           <a:xfrm>
-            <a:off x="4992282" y="3852653"/>
+            <a:off x="5036559" y="3749961"/>
             <a:ext cx="994094" cy="978408"/>
           </a:xfrm>
           <a:prstGeom prst="downArrow">
             <a:avLst/>
           </a:prstGeom>
           <a:solidFill>
-            <a:srgbClr val="00B0F0"/>
+            <a:srgbClr val="70AD47"/>
           </a:solidFill>
           <a:ln>
             <a:solidFill>
-              <a:srgbClr val="0070C0"/>
+              <a:srgbClr val="507E32"/>
             </a:solidFill>
           </a:ln>
         </p:spPr>
@@ -3672,8 +3677,8 @@
         </p:nvSpPr>
         <p:spPr>
           <a:xfrm>
-            <a:off x="3827026" y="1283516"/>
-            <a:ext cx="1203339" cy="6184499"/>
+            <a:off x="3990975" y="1283516"/>
+            <a:ext cx="1039390" cy="6184499"/>
           </a:xfrm>
           <a:prstGeom prst="circularArrow">
             <a:avLst>
@@ -3767,7 +3772,7 @@
         </p:nvSpPr>
         <p:spPr>
           <a:xfrm>
-            <a:off x="9594212" y="4883803"/>
+            <a:off x="6700007" y="4883803"/>
             <a:ext cx="662730" cy="457432"/>
           </a:xfrm>
           <a:prstGeom prst="rightArrow">
@@ -3813,7 +3818,7 @@
         </p:nvSpPr>
         <p:spPr>
           <a:xfrm>
-            <a:off x="9606051" y="5408146"/>
+            <a:off x="6711846" y="5408146"/>
             <a:ext cx="662730" cy="457432"/>
           </a:xfrm>
           <a:prstGeom prst="rightArrow">
@@ -3859,7 +3864,7 @@
         </p:nvSpPr>
         <p:spPr>
           <a:xfrm>
-            <a:off x="10365999" y="4883803"/>
+            <a:off x="7471794" y="4883803"/>
             <a:ext cx="1319015" cy="1754326"/>
           </a:xfrm>
           <a:prstGeom prst="rect">
@@ -3915,7 +3920,7 @@
         </p:nvSpPr>
         <p:spPr>
           <a:xfrm>
-            <a:off x="9606051" y="5955444"/>
+            <a:off x="6711846" y="5955444"/>
             <a:ext cx="662730" cy="457432"/>
           </a:xfrm>
           <a:prstGeom prst="rightArrow">
@@ -4081,13 +4086,14 @@
           </p:cNvPr>
           <p:cNvCxnSpPr>
             <a:cxnSpLocks/>
+            <a:endCxn id="9" idx="1"/>
           </p:cNvCxnSpPr>
           <p:nvPr/>
         </p:nvCxnSpPr>
         <p:spPr>
           <a:xfrm>
-            <a:off x="4739780" y="1761638"/>
-            <a:ext cx="1794979" cy="0"/>
+            <a:off x="4729348" y="1933523"/>
+            <a:ext cx="1788568" cy="24307"/>
           </a:xfrm>
           <a:prstGeom prst="line">
             <a:avLst/>
@@ -4123,8 +4129,8 @@
         </p:nvSpPr>
         <p:spPr>
           <a:xfrm>
-            <a:off x="4730229" y="1330351"/>
-            <a:ext cx="980479" cy="862574"/>
+            <a:off x="4730229" y="1283516"/>
+            <a:ext cx="980479" cy="1006325"/>
           </a:xfrm>
           <a:prstGeom prst="downArrow">
             <a:avLst/>
@@ -4199,7 +4205,7 @@
           <a:p>
             <a:r>
               <a:rPr lang="nl-NL" dirty="0"/>
-              <a:t>Parameterization based on  Rotstayn et al. (1999), between 0 and -38°C</a:t>
+              <a:t>Parameterization based on  Rotstayn et al. (2000), between 0 and -38°C</a:t>
             </a:r>
           </a:p>
         </p:txBody>
@@ -4340,8 +4346,8 @@
         </p:nvSpPr>
         <p:spPr>
           <a:xfrm>
-            <a:off x="3466271" y="1283923"/>
-            <a:ext cx="1023456" cy="842925"/>
+            <a:off x="3372465" y="1283925"/>
+            <a:ext cx="1023456" cy="1006334"/>
           </a:xfrm>
           <a:prstGeom prst="upArrow">
             <a:avLst/>

--- a/model_representation.pptx
+++ b/model_representation.pptx
@@ -5,8 +5,27 @@
     <p:sldMasterId id="2147483648" r:id="rId1"/>
   </p:sldMasterIdLst>
   <p:sldIdLst>
-    <p:sldId id="256" r:id="rId2"/>
-    <p:sldId id="257" r:id="rId3"/>
+    <p:sldId id="276" r:id="rId2"/>
+    <p:sldId id="258" r:id="rId3"/>
+    <p:sldId id="257" r:id="rId4"/>
+    <p:sldId id="256" r:id="rId5"/>
+    <p:sldId id="259" r:id="rId6"/>
+    <p:sldId id="261" r:id="rId7"/>
+    <p:sldId id="263" r:id="rId8"/>
+    <p:sldId id="260" r:id="rId9"/>
+    <p:sldId id="262" r:id="rId10"/>
+    <p:sldId id="267" r:id="rId11"/>
+    <p:sldId id="269" r:id="rId12"/>
+    <p:sldId id="265" r:id="rId13"/>
+    <p:sldId id="264" r:id="rId14"/>
+    <p:sldId id="266" r:id="rId15"/>
+    <p:sldId id="268" r:id="rId16"/>
+    <p:sldId id="270" r:id="rId17"/>
+    <p:sldId id="275" r:id="rId18"/>
+    <p:sldId id="271" r:id="rId19"/>
+    <p:sldId id="272" r:id="rId20"/>
+    <p:sldId id="273" r:id="rId21"/>
+    <p:sldId id="274" r:id="rId22"/>
   </p:sldIdLst>
   <p:sldSz cx="12192000" cy="6858000"/>
   <p:notesSz cx="6858000" cy="9144000"/>
@@ -312,7 +331,7 @@
           <a:p>
             <a:fld id="{0C688EB7-E1EC-4125-A900-79B98438A0A3}" type="datetimeFigureOut">
               <a:rPr lang="nl-NL" smtClean="0"/>
-              <a:t>19-10-2018</a:t>
+              <a:t>25-10-2018</a:t>
             </a:fld>
             <a:endParaRPr lang="nl-NL"/>
           </a:p>
@@ -510,7 +529,7 @@
           <a:p>
             <a:fld id="{0C688EB7-E1EC-4125-A900-79B98438A0A3}" type="datetimeFigureOut">
               <a:rPr lang="nl-NL" smtClean="0"/>
-              <a:t>19-10-2018</a:t>
+              <a:t>25-10-2018</a:t>
             </a:fld>
             <a:endParaRPr lang="nl-NL"/>
           </a:p>
@@ -718,7 +737,7 @@
           <a:p>
             <a:fld id="{0C688EB7-E1EC-4125-A900-79B98438A0A3}" type="datetimeFigureOut">
               <a:rPr lang="nl-NL" smtClean="0"/>
-              <a:t>19-10-2018</a:t>
+              <a:t>25-10-2018</a:t>
             </a:fld>
             <a:endParaRPr lang="nl-NL"/>
           </a:p>
@@ -916,7 +935,7 @@
           <a:p>
             <a:fld id="{0C688EB7-E1EC-4125-A900-79B98438A0A3}" type="datetimeFigureOut">
               <a:rPr lang="nl-NL" smtClean="0"/>
-              <a:t>19-10-2018</a:t>
+              <a:t>25-10-2018</a:t>
             </a:fld>
             <a:endParaRPr lang="nl-NL"/>
           </a:p>
@@ -1191,7 +1210,7 @@
           <a:p>
             <a:fld id="{0C688EB7-E1EC-4125-A900-79B98438A0A3}" type="datetimeFigureOut">
               <a:rPr lang="nl-NL" smtClean="0"/>
-              <a:t>19-10-2018</a:t>
+              <a:t>25-10-2018</a:t>
             </a:fld>
             <a:endParaRPr lang="nl-NL"/>
           </a:p>
@@ -1456,7 +1475,7 @@
           <a:p>
             <a:fld id="{0C688EB7-E1EC-4125-A900-79B98438A0A3}" type="datetimeFigureOut">
               <a:rPr lang="nl-NL" smtClean="0"/>
-              <a:t>19-10-2018</a:t>
+              <a:t>25-10-2018</a:t>
             </a:fld>
             <a:endParaRPr lang="nl-NL"/>
           </a:p>
@@ -1868,7 +1887,7 @@
           <a:p>
             <a:fld id="{0C688EB7-E1EC-4125-A900-79B98438A0A3}" type="datetimeFigureOut">
               <a:rPr lang="nl-NL" smtClean="0"/>
-              <a:t>19-10-2018</a:t>
+              <a:t>25-10-2018</a:t>
             </a:fld>
             <a:endParaRPr lang="nl-NL"/>
           </a:p>
@@ -2009,7 +2028,7 @@
           <a:p>
             <a:fld id="{0C688EB7-E1EC-4125-A900-79B98438A0A3}" type="datetimeFigureOut">
               <a:rPr lang="nl-NL" smtClean="0"/>
-              <a:t>19-10-2018</a:t>
+              <a:t>25-10-2018</a:t>
             </a:fld>
             <a:endParaRPr lang="nl-NL"/>
           </a:p>
@@ -2122,7 +2141,7 @@
           <a:p>
             <a:fld id="{0C688EB7-E1EC-4125-A900-79B98438A0A3}" type="datetimeFigureOut">
               <a:rPr lang="nl-NL" smtClean="0"/>
-              <a:t>19-10-2018</a:t>
+              <a:t>25-10-2018</a:t>
             </a:fld>
             <a:endParaRPr lang="nl-NL"/>
           </a:p>
@@ -2433,7 +2452,7 @@
           <a:p>
             <a:fld id="{0C688EB7-E1EC-4125-A900-79B98438A0A3}" type="datetimeFigureOut">
               <a:rPr lang="nl-NL" smtClean="0"/>
-              <a:t>19-10-2018</a:t>
+              <a:t>25-10-2018</a:t>
             </a:fld>
             <a:endParaRPr lang="nl-NL"/>
           </a:p>
@@ -2721,7 +2740,7 @@
           <a:p>
             <a:fld id="{0C688EB7-E1EC-4125-A900-79B98438A0A3}" type="datetimeFigureOut">
               <a:rPr lang="nl-NL" smtClean="0"/>
-              <a:t>19-10-2018</a:t>
+              <a:t>25-10-2018</a:t>
             </a:fld>
             <a:endParaRPr lang="nl-NL"/>
           </a:p>
@@ -2962,7 +2981,7 @@
           <a:p>
             <a:fld id="{0C688EB7-E1EC-4125-A900-79B98438A0A3}" type="datetimeFigureOut">
               <a:rPr lang="nl-NL" smtClean="0"/>
-              <a:t>19-10-2018</a:t>
+              <a:t>25-10-2018</a:t>
             </a:fld>
             <a:endParaRPr lang="nl-NL"/>
           </a:p>
@@ -3381,10 +3400,687 @@
       </p:grpSpPr>
       <p:sp>
         <p:nvSpPr>
-          <p:cNvPr id="4" name="Rechthoek: afgeronde hoeken 3">
-            <a:extLst>
-              <a:ext uri="{FF2B5EF4-FFF2-40B4-BE49-F238E27FC236}">
-                <a16:creationId xmlns:a16="http://schemas.microsoft.com/office/drawing/2014/main" id="{55924BAB-0FA9-4485-98C4-471C28D50C04}"/>
+          <p:cNvPr id="4" name="Titel 3">
+            <a:extLst>
+              <a:ext uri="{FF2B5EF4-FFF2-40B4-BE49-F238E27FC236}">
+                <a16:creationId xmlns:a16="http://schemas.microsoft.com/office/drawing/2014/main" id="{17D46264-6571-474A-8EC6-116F049ADAAA}"/>
+              </a:ext>
+            </a:extLst>
+          </p:cNvPr>
+          <p:cNvSpPr>
+            <a:spLocks noGrp="1"/>
+          </p:cNvSpPr>
+          <p:nvPr>
+            <p:ph type="ctrTitle"/>
+          </p:nvPr>
+        </p:nvSpPr>
+        <p:spPr/>
+        <p:txBody>
+          <a:bodyPr/>
+          <a:lstStyle/>
+          <a:p>
+            <a:r>
+              <a:rPr lang="nl-NL" dirty="0"/>
+              <a:t>Cloud: </a:t>
+            </a:r>
+            <a:r>
+              <a:rPr lang="nl-NL" dirty="0" err="1"/>
+              <a:t>parcel</a:t>
+            </a:r>
+            <a:r>
+              <a:rPr lang="nl-NL" dirty="0"/>
+              <a:t>? Model?</a:t>
+            </a:r>
+          </a:p>
+        </p:txBody>
+      </p:sp>
+      <p:sp>
+        <p:nvSpPr>
+          <p:cNvPr id="5" name="Ondertitel 4">
+            <a:extLst>
+              <a:ext uri="{FF2B5EF4-FFF2-40B4-BE49-F238E27FC236}">
+                <a16:creationId xmlns:a16="http://schemas.microsoft.com/office/drawing/2014/main" id="{93231001-78FE-4E28-9860-BED0460E98B1}"/>
+              </a:ext>
+            </a:extLst>
+          </p:cNvPr>
+          <p:cNvSpPr>
+            <a:spLocks noGrp="1"/>
+          </p:cNvSpPr>
+          <p:nvPr>
+            <p:ph type="subTitle" idx="1"/>
+          </p:nvPr>
+        </p:nvSpPr>
+        <p:spPr/>
+        <p:txBody>
+          <a:bodyPr/>
+          <a:lstStyle/>
+          <a:p>
+            <a:r>
+              <a:rPr lang="nl-NL" dirty="0" err="1"/>
+              <a:t>By</a:t>
+            </a:r>
+            <a:r>
+              <a:rPr lang="nl-NL" dirty="0"/>
+              <a:t> </a:t>
+            </a:r>
+            <a:r>
+              <a:rPr lang="nl-NL" dirty="0" err="1"/>
+              <a:t>Chenxi</a:t>
+            </a:r>
+            <a:r>
+              <a:rPr lang="nl-NL" dirty="0"/>
+              <a:t> </a:t>
+            </a:r>
+            <a:r>
+              <a:rPr lang="nl-NL" dirty="0" err="1"/>
+              <a:t>Qiu</a:t>
+            </a:r>
+            <a:r>
+              <a:rPr lang="nl-NL" dirty="0"/>
+              <a:t> &amp; Edward Groot</a:t>
+            </a:r>
+          </a:p>
+        </p:txBody>
+      </p:sp>
+    </p:spTree>
+    <p:extLst>
+      <p:ext uri="{BB962C8B-B14F-4D97-AF65-F5344CB8AC3E}">
+        <p14:creationId xmlns:p14="http://schemas.microsoft.com/office/powerpoint/2010/main" val="2368175818"/>
+      </p:ext>
+    </p:extLst>
+  </p:cSld>
+  <p:clrMapOvr>
+    <a:masterClrMapping/>
+  </p:clrMapOvr>
+</p:sld>
+</file>
+
+<file path=ppt/slides/slide10.xml><?xml version="1.0" encoding="utf-8"?>
+<p:sld xmlns:a="http://schemas.openxmlformats.org/drawingml/2006/main" xmlns:r="http://schemas.openxmlformats.org/officeDocument/2006/relationships" xmlns:p="http://schemas.openxmlformats.org/presentationml/2006/main">
+  <p:cSld>
+    <p:spTree>
+      <p:nvGrpSpPr>
+        <p:cNvPr id="1" name=""/>
+        <p:cNvGrpSpPr/>
+        <p:nvPr/>
+      </p:nvGrpSpPr>
+      <p:grpSpPr>
+        <a:xfrm>
+          <a:off x="0" y="0"/>
+          <a:ext cx="0" cy="0"/>
+          <a:chOff x="0" y="0"/>
+          <a:chExt cx="0" cy="0"/>
+        </a:xfrm>
+      </p:grpSpPr>
+      <mc:AlternateContent xmlns:mc="http://schemas.openxmlformats.org/markup-compatibility/2006" xmlns:a14="http://schemas.microsoft.com/office/drawing/2010/main">
+        <mc:Choice Requires="a14">
+          <p:sp>
+            <p:nvSpPr>
+              <p:cNvPr id="2" name="Titel 1">
+                <a:extLst>
+                  <a:ext uri="{FF2B5EF4-FFF2-40B4-BE49-F238E27FC236}">
+                    <a16:creationId xmlns:a16="http://schemas.microsoft.com/office/drawing/2014/main" id="{52DF2836-4722-48AC-A323-791646F1BD2C}"/>
+                  </a:ext>
+                </a:extLst>
+              </p:cNvPr>
+              <p:cNvSpPr>
+                <a:spLocks noGrp="1"/>
+              </p:cNvSpPr>
+              <p:nvPr>
+                <p:ph type="title"/>
+              </p:nvPr>
+            </p:nvSpPr>
+            <p:spPr/>
+            <p:txBody>
+              <a:bodyPr/>
+              <a:lstStyle/>
+              <a:p>
+                <a:r>
+                  <a:rPr lang="nl-NL" dirty="0"/>
+                  <a:t>Full </a:t>
+                </a:r>
+                <a:r>
+                  <a:rPr lang="nl-NL" dirty="0" err="1"/>
+                  <a:t>entrainment</a:t>
+                </a:r>
+                <a:r>
+                  <a:rPr lang="nl-NL" dirty="0"/>
+                  <a:t>, </a:t>
+                </a:r>
+                <a14:m>
+                  <m:oMath xmlns:m="http://schemas.openxmlformats.org/officeDocument/2006/math">
+                    <m:r>
+                      <a:rPr lang="nl-NL" i="1">
+                        <a:latin typeface="Cambria Math" panose="02040503050406030204" pitchFamily="18" charset="0"/>
+                        <a:ea typeface="Cambria Math" panose="02040503050406030204" pitchFamily="18" charset="0"/>
+                      </a:rPr>
+                      <m:t>𝜇</m:t>
+                    </m:r>
+                    <m:r>
+                      <a:rPr lang="nl-NL" i="1">
+                        <a:latin typeface="Cambria Math" panose="02040503050406030204" pitchFamily="18" charset="0"/>
+                        <a:ea typeface="Cambria Math" panose="02040503050406030204" pitchFamily="18" charset="0"/>
+                      </a:rPr>
+                      <m:t>= </m:t>
+                    </m:r>
+                    <m:sSub>
+                      <m:sSubPr>
+                        <m:ctrlPr>
+                          <a:rPr lang="nl-NL" i="1">
+                            <a:latin typeface="Cambria Math" panose="02040503050406030204" pitchFamily="18" charset="0"/>
+                            <a:ea typeface="Cambria Math" panose="02040503050406030204" pitchFamily="18" charset="0"/>
+                          </a:rPr>
+                        </m:ctrlPr>
+                      </m:sSubPr>
+                      <m:e>
+                        <m:r>
+                          <a:rPr lang="nl-NL" i="1">
+                            <a:latin typeface="Cambria Math" panose="02040503050406030204" pitchFamily="18" charset="0"/>
+                            <a:ea typeface="Cambria Math" panose="02040503050406030204" pitchFamily="18" charset="0"/>
+                          </a:rPr>
+                          <m:t>𝜇</m:t>
+                        </m:r>
+                      </m:e>
+                      <m:sub>
+                        <m:r>
+                          <a:rPr lang="nl-NL" i="1">
+                            <a:latin typeface="Cambria Math" panose="02040503050406030204" pitchFamily="18" charset="0"/>
+                            <a:ea typeface="Cambria Math" panose="02040503050406030204" pitchFamily="18" charset="0"/>
+                          </a:rPr>
+                          <m:t>0</m:t>
+                        </m:r>
+                      </m:sub>
+                    </m:sSub>
+                    <m:r>
+                      <a:rPr lang="nl-NL" i="1">
+                        <a:latin typeface="Cambria Math" panose="02040503050406030204" pitchFamily="18" charset="0"/>
+                        <a:ea typeface="Cambria Math" panose="02040503050406030204" pitchFamily="18" charset="0"/>
+                      </a:rPr>
+                      <m:t>+</m:t>
+                    </m:r>
+                    <m:f>
+                      <m:fPr>
+                        <m:ctrlPr>
+                          <a:rPr lang="nl-NL" i="1">
+                            <a:latin typeface="Cambria Math" panose="02040503050406030204" pitchFamily="18" charset="0"/>
+                            <a:ea typeface="Cambria Math" panose="02040503050406030204" pitchFamily="18" charset="0"/>
+                          </a:rPr>
+                        </m:ctrlPr>
+                      </m:fPr>
+                      <m:num>
+                        <m:sSub>
+                          <m:sSubPr>
+                            <m:ctrlPr>
+                              <a:rPr lang="nl-NL" i="1">
+                                <a:latin typeface="Cambria Math" panose="02040503050406030204" pitchFamily="18" charset="0"/>
+                                <a:ea typeface="Cambria Math" panose="02040503050406030204" pitchFamily="18" charset="0"/>
+                              </a:rPr>
+                            </m:ctrlPr>
+                          </m:sSubPr>
+                          <m:e>
+                            <m:r>
+                              <a:rPr lang="nl-NL" i="1">
+                                <a:latin typeface="Cambria Math" panose="02040503050406030204" pitchFamily="18" charset="0"/>
+                                <a:ea typeface="Cambria Math" panose="02040503050406030204" pitchFamily="18" charset="0"/>
+                              </a:rPr>
+                              <m:t>𝐶</m:t>
+                            </m:r>
+                          </m:e>
+                          <m:sub>
+                            <m:r>
+                              <a:rPr lang="nl-NL" i="1">
+                                <a:latin typeface="Cambria Math" panose="02040503050406030204" pitchFamily="18" charset="0"/>
+                                <a:ea typeface="Cambria Math" panose="02040503050406030204" pitchFamily="18" charset="0"/>
+                              </a:rPr>
+                              <m:t>𝑖𝑛𝑣</m:t>
+                            </m:r>
+                            <m:r>
+                              <a:rPr lang="nl-NL" i="1">
+                                <a:latin typeface="Cambria Math" panose="02040503050406030204" pitchFamily="18" charset="0"/>
+                                <a:ea typeface="Cambria Math" panose="02040503050406030204" pitchFamily="18" charset="0"/>
+                              </a:rPr>
+                              <m:t>,</m:t>
+                            </m:r>
+                            <m:r>
+                              <a:rPr lang="nl-NL" i="1">
+                                <a:latin typeface="Cambria Math" panose="02040503050406030204" pitchFamily="18" charset="0"/>
+                                <a:ea typeface="Cambria Math" panose="02040503050406030204" pitchFamily="18" charset="0"/>
+                              </a:rPr>
+                              <m:t>𝑟</m:t>
+                            </m:r>
+                          </m:sub>
+                        </m:sSub>
+                      </m:num>
+                      <m:den>
+                        <m:sSub>
+                          <m:sSubPr>
+                            <m:ctrlPr>
+                              <a:rPr lang="nl-NL" i="1">
+                                <a:latin typeface="Cambria Math" panose="02040503050406030204" pitchFamily="18" charset="0"/>
+                                <a:ea typeface="Cambria Math" panose="02040503050406030204" pitchFamily="18" charset="0"/>
+                              </a:rPr>
+                            </m:ctrlPr>
+                          </m:sSubPr>
+                          <m:e>
+                            <m:r>
+                              <a:rPr lang="nl-NL" i="1">
+                                <a:latin typeface="Cambria Math" panose="02040503050406030204" pitchFamily="18" charset="0"/>
+                                <a:ea typeface="Cambria Math" panose="02040503050406030204" pitchFamily="18" charset="0"/>
+                              </a:rPr>
+                              <m:t>𝑅</m:t>
+                            </m:r>
+                          </m:e>
+                          <m:sub>
+                            <m:r>
+                              <a:rPr lang="nl-NL" i="1">
+                                <a:latin typeface="Cambria Math" panose="02040503050406030204" pitchFamily="18" charset="0"/>
+                                <a:ea typeface="Cambria Math" panose="02040503050406030204" pitchFamily="18" charset="0"/>
+                              </a:rPr>
+                              <m:t>𝑒𝑞</m:t>
+                            </m:r>
+                          </m:sub>
+                        </m:sSub>
+                      </m:den>
+                    </m:f>
+                  </m:oMath>
+                </a14:m>
+                <a:endParaRPr lang="nl-NL" dirty="0"/>
+              </a:p>
+            </p:txBody>
+          </p:sp>
+        </mc:Choice>
+        <mc:Fallback xmlns="">
+          <p:sp>
+            <p:nvSpPr>
+              <p:cNvPr id="2" name="Titel 1">
+                <a:extLst>
+                  <a:ext uri="{FF2B5EF4-FFF2-40B4-BE49-F238E27FC236}">
+                    <a16:creationId xmlns:a16="http://schemas.microsoft.com/office/drawing/2014/main" id="{52DF2836-4722-48AC-A323-791646F1BD2C}"/>
+                  </a:ext>
+                </a:extLst>
+              </p:cNvPr>
+              <p:cNvSpPr>
+                <a:spLocks noGrp="1" noRot="1" noChangeAspect="1" noMove="1" noResize="1" noEditPoints="1" noAdjustHandles="1" noChangeArrowheads="1" noChangeShapeType="1" noTextEdit="1"/>
+              </p:cNvSpPr>
+              <p:nvPr>
+                <p:ph type="title"/>
+              </p:nvPr>
+            </p:nvSpPr>
+            <p:spPr>
+              <a:blipFill>
+                <a:blip r:embed="rId2"/>
+                <a:stretch>
+                  <a:fillRect l="-2377"/>
+                </a:stretch>
+              </a:blipFill>
+            </p:spPr>
+            <p:txBody>
+              <a:bodyPr/>
+              <a:lstStyle/>
+              <a:p>
+                <a:r>
+                  <a:rPr lang="nl-NL">
+                    <a:noFill/>
+                  </a:rPr>
+                  <a:t> </a:t>
+                </a:r>
+              </a:p>
+            </p:txBody>
+          </p:sp>
+        </mc:Fallback>
+      </mc:AlternateContent>
+      <p:pic>
+        <p:nvPicPr>
+          <p:cNvPr id="5" name="Afbeelding 4">
+            <a:extLst>
+              <a:ext uri="{FF2B5EF4-FFF2-40B4-BE49-F238E27FC236}">
+                <a16:creationId xmlns:a16="http://schemas.microsoft.com/office/drawing/2014/main" id="{4E943FAC-E543-45DB-8A1C-D2B46CF4C697}"/>
+              </a:ext>
+            </a:extLst>
+          </p:cNvPr>
+          <p:cNvPicPr/>
+          <p:nvPr/>
+        </p:nvPicPr>
+        <p:blipFill>
+          <a:blip r:embed="rId3"/>
+          <a:stretch>
+            <a:fillRect/>
+          </a:stretch>
+        </p:blipFill>
+        <p:spPr>
+          <a:xfrm>
+            <a:off x="336000" y="1604465"/>
+            <a:ext cx="5760000" cy="3852000"/>
+          </a:xfrm>
+          <a:prstGeom prst="rect">
+            <a:avLst/>
+          </a:prstGeom>
+        </p:spPr>
+      </p:pic>
+      <p:pic>
+        <p:nvPicPr>
+          <p:cNvPr id="6" name="Tijdelijke aanduiding voor inhoud 5">
+            <a:extLst>
+              <a:ext uri="{FF2B5EF4-FFF2-40B4-BE49-F238E27FC236}">
+                <a16:creationId xmlns:a16="http://schemas.microsoft.com/office/drawing/2014/main" id="{38CDDC82-3F49-473A-9F15-F393257083B7}"/>
+              </a:ext>
+            </a:extLst>
+          </p:cNvPr>
+          <p:cNvPicPr>
+            <a:picLocks noGrp="1"/>
+          </p:cNvPicPr>
+          <p:nvPr>
+            <p:ph idx="1"/>
+          </p:nvPr>
+        </p:nvPicPr>
+        <p:blipFill>
+          <a:blip r:embed="rId4"/>
+          <a:stretch>
+            <a:fillRect/>
+          </a:stretch>
+        </p:blipFill>
+        <p:spPr>
+          <a:xfrm>
+            <a:off x="6218756" y="1604465"/>
+            <a:ext cx="5760000" cy="3960000"/>
+          </a:xfrm>
+          <a:prstGeom prst="rect">
+            <a:avLst/>
+          </a:prstGeom>
+        </p:spPr>
+      </p:pic>
+      <p:sp>
+        <p:nvSpPr>
+          <p:cNvPr id="7" name="Tekstvak 6">
+            <a:extLst>
+              <a:ext uri="{FF2B5EF4-FFF2-40B4-BE49-F238E27FC236}">
+                <a16:creationId xmlns:a16="http://schemas.microsoft.com/office/drawing/2014/main" id="{6D2E32AD-49B9-4E12-AF17-D22B6FDAE4B3}"/>
+              </a:ext>
+            </a:extLst>
+          </p:cNvPr>
+          <p:cNvSpPr txBox="1"/>
+          <p:nvPr/>
+        </p:nvSpPr>
+        <p:spPr>
+          <a:xfrm>
+            <a:off x="838200" y="5728995"/>
+            <a:ext cx="11140556" cy="542136"/>
+          </a:xfrm>
+          <a:prstGeom prst="rect">
+            <a:avLst/>
+          </a:prstGeom>
+          <a:noFill/>
+        </p:spPr>
+        <p:txBody>
+          <a:bodyPr wrap="square" rtlCol="0">
+            <a:spAutoFit/>
+          </a:bodyPr>
+          <a:lstStyle/>
+          <a:p>
+            <a:r>
+              <a:rPr lang="nl-NL" sz="2800" dirty="0" err="1"/>
+              <a:t>Very</a:t>
+            </a:r>
+            <a:r>
+              <a:rPr lang="nl-NL" sz="2800" dirty="0"/>
+              <a:t> </a:t>
+            </a:r>
+            <a:r>
+              <a:rPr lang="nl-NL" sz="2800" dirty="0" err="1"/>
+              <a:t>sensitive</a:t>
+            </a:r>
+            <a:r>
+              <a:rPr lang="nl-NL" sz="2800" dirty="0"/>
+              <a:t>!</a:t>
+            </a:r>
+          </a:p>
+        </p:txBody>
+      </p:sp>
+    </p:spTree>
+    <p:extLst>
+      <p:ext uri="{BB962C8B-B14F-4D97-AF65-F5344CB8AC3E}">
+        <p14:creationId xmlns:p14="http://schemas.microsoft.com/office/powerpoint/2010/main" val="498134754"/>
+      </p:ext>
+    </p:extLst>
+  </p:cSld>
+  <p:clrMapOvr>
+    <a:masterClrMapping/>
+  </p:clrMapOvr>
+</p:sld>
+</file>
+
+<file path=ppt/slides/slide11.xml><?xml version="1.0" encoding="utf-8"?>
+<p:sld xmlns:a="http://schemas.openxmlformats.org/drawingml/2006/main" xmlns:r="http://schemas.openxmlformats.org/officeDocument/2006/relationships" xmlns:p="http://schemas.openxmlformats.org/presentationml/2006/main">
+  <p:cSld>
+    <p:spTree>
+      <p:nvGrpSpPr>
+        <p:cNvPr id="1" name=""/>
+        <p:cNvGrpSpPr/>
+        <p:nvPr/>
+      </p:nvGrpSpPr>
+      <p:grpSpPr>
+        <a:xfrm>
+          <a:off x="0" y="0"/>
+          <a:ext cx="0" cy="0"/>
+          <a:chOff x="0" y="0"/>
+          <a:chExt cx="0" cy="0"/>
+        </a:xfrm>
+      </p:grpSpPr>
+      <p:sp>
+        <p:nvSpPr>
+          <p:cNvPr id="2" name="Titel 1">
+            <a:extLst>
+              <a:ext uri="{FF2B5EF4-FFF2-40B4-BE49-F238E27FC236}">
+                <a16:creationId xmlns:a16="http://schemas.microsoft.com/office/drawing/2014/main" id="{C30A2BF0-D171-442A-86B0-ED917923F2CE}"/>
+              </a:ext>
+            </a:extLst>
+          </p:cNvPr>
+          <p:cNvSpPr>
+            <a:spLocks noGrp="1"/>
+          </p:cNvSpPr>
+          <p:nvPr>
+            <p:ph type="title"/>
+          </p:nvPr>
+        </p:nvSpPr>
+        <p:spPr/>
+        <p:txBody>
+          <a:bodyPr/>
+          <a:lstStyle/>
+          <a:p>
+            <a:r>
+              <a:rPr lang="nl-NL" dirty="0" err="1"/>
+              <a:t>Very</a:t>
+            </a:r>
+            <a:r>
+              <a:rPr lang="nl-NL" dirty="0"/>
+              <a:t> </a:t>
+            </a:r>
+            <a:r>
+              <a:rPr lang="nl-NL" dirty="0" err="1"/>
+              <a:t>sensitive</a:t>
+            </a:r>
+            <a:endParaRPr lang="nl-NL" dirty="0"/>
+          </a:p>
+        </p:txBody>
+      </p:sp>
+      <p:sp>
+        <p:nvSpPr>
+          <p:cNvPr id="3" name="Tijdelijke aanduiding voor inhoud 2">
+            <a:extLst>
+              <a:ext uri="{FF2B5EF4-FFF2-40B4-BE49-F238E27FC236}">
+                <a16:creationId xmlns:a16="http://schemas.microsoft.com/office/drawing/2014/main" id="{6D740059-EDED-4EF1-A387-A561A842C986}"/>
+              </a:ext>
+            </a:extLst>
+          </p:cNvPr>
+          <p:cNvSpPr>
+            <a:spLocks noGrp="1"/>
+          </p:cNvSpPr>
+          <p:nvPr>
+            <p:ph idx="1"/>
+          </p:nvPr>
+        </p:nvSpPr>
+        <p:spPr/>
+        <p:txBody>
+          <a:bodyPr/>
+          <a:lstStyle/>
+          <a:p>
+            <a:r>
+              <a:rPr lang="nl-NL" dirty="0"/>
+              <a:t>Both momentum </a:t>
+            </a:r>
+            <a:r>
+              <a:rPr lang="nl-NL" dirty="0" err="1"/>
+              <a:t>eq</a:t>
+            </a:r>
+            <a:r>
+              <a:rPr lang="nl-NL" dirty="0"/>
+              <a:t>.</a:t>
+            </a:r>
+          </a:p>
+          <a:p>
+            <a:r>
+              <a:rPr lang="nl-NL" dirty="0" err="1"/>
+              <a:t>And</a:t>
+            </a:r>
+            <a:r>
+              <a:rPr lang="nl-NL" dirty="0"/>
+              <a:t> </a:t>
+            </a:r>
+            <a:r>
+              <a:rPr lang="nl-NL" dirty="0" err="1"/>
+              <a:t>phase</a:t>
+            </a:r>
+            <a:r>
+              <a:rPr lang="nl-NL" dirty="0"/>
+              <a:t> of </a:t>
+            </a:r>
+            <a:r>
+              <a:rPr lang="nl-NL" dirty="0" err="1"/>
+              <a:t>cloud</a:t>
+            </a:r>
+            <a:r>
+              <a:rPr lang="nl-NL" dirty="0"/>
+              <a:t> content</a:t>
+            </a:r>
+          </a:p>
+          <a:p>
+            <a:r>
+              <a:rPr lang="nl-NL" dirty="0"/>
+              <a:t>Minor changes </a:t>
+            </a:r>
+          </a:p>
+          <a:p>
+            <a:pPr marL="0" indent="0">
+              <a:buNone/>
+            </a:pPr>
+            <a:r>
+              <a:rPr lang="nl-NL" dirty="0"/>
+              <a:t>(</a:t>
+            </a:r>
+            <a:r>
+              <a:rPr lang="nl-NL" dirty="0" err="1"/>
+              <a:t>including</a:t>
+            </a:r>
+            <a:r>
+              <a:rPr lang="nl-NL" dirty="0"/>
+              <a:t> time step)</a:t>
+            </a:r>
+          </a:p>
+          <a:p>
+            <a:pPr marL="0" indent="0">
+              <a:buNone/>
+            </a:pPr>
+            <a:r>
+              <a:rPr lang="nl-NL" dirty="0"/>
+              <a:t>lead </a:t>
+            </a:r>
+            <a:r>
+              <a:rPr lang="nl-NL" dirty="0" err="1"/>
+              <a:t>to</a:t>
+            </a:r>
+            <a:r>
+              <a:rPr lang="nl-NL" dirty="0"/>
+              <a:t> </a:t>
+            </a:r>
+            <a:r>
+              <a:rPr lang="nl-NL" dirty="0" err="1"/>
+              <a:t>very</a:t>
+            </a:r>
+            <a:r>
+              <a:rPr lang="nl-NL" dirty="0"/>
+              <a:t> different </a:t>
+            </a:r>
+            <a:r>
+              <a:rPr lang="nl-NL" dirty="0" err="1"/>
+              <a:t>results</a:t>
+            </a:r>
+            <a:endParaRPr lang="nl-NL" dirty="0"/>
+          </a:p>
+        </p:txBody>
+      </p:sp>
+      <p:pic>
+        <p:nvPicPr>
+          <p:cNvPr id="4" name="Afbeelding 3">
+            <a:extLst>
+              <a:ext uri="{FF2B5EF4-FFF2-40B4-BE49-F238E27FC236}">
+                <a16:creationId xmlns:a16="http://schemas.microsoft.com/office/drawing/2014/main" id="{0EC66C04-7755-43BD-96C2-450A2EDE068C}"/>
+              </a:ext>
+            </a:extLst>
+          </p:cNvPr>
+          <p:cNvPicPr>
+            <a:picLocks noChangeAspect="1"/>
+          </p:cNvPicPr>
+          <p:nvPr/>
+        </p:nvPicPr>
+        <p:blipFill>
+          <a:blip r:embed="rId2"/>
+          <a:stretch>
+            <a:fillRect/>
+          </a:stretch>
+        </p:blipFill>
+        <p:spPr>
+          <a:xfrm>
+            <a:off x="4758639" y="1382195"/>
+            <a:ext cx="7106812" cy="1011897"/>
+          </a:xfrm>
+          <a:prstGeom prst="rect">
+            <a:avLst/>
+          </a:prstGeom>
+        </p:spPr>
+      </p:pic>
+      <p:pic>
+        <p:nvPicPr>
+          <p:cNvPr id="5" name="Afbeelding 4">
+            <a:extLst>
+              <a:ext uri="{FF2B5EF4-FFF2-40B4-BE49-F238E27FC236}">
+                <a16:creationId xmlns:a16="http://schemas.microsoft.com/office/drawing/2014/main" id="{992710F3-33ED-48D1-AF48-34B4C379076F}"/>
+              </a:ext>
+            </a:extLst>
+          </p:cNvPr>
+          <p:cNvPicPr/>
+          <p:nvPr/>
+        </p:nvPicPr>
+        <p:blipFill rotWithShape="1">
+          <a:blip r:embed="rId3"/>
+          <a:srcRect l="72796" t="47366" r="12309" b="9396"/>
+          <a:stretch/>
+        </p:blipFill>
+        <p:spPr>
+          <a:xfrm>
+            <a:off x="5645793" y="2824741"/>
+            <a:ext cx="1812023" cy="2593910"/>
+          </a:xfrm>
+          <a:prstGeom prst="rect">
+            <a:avLst/>
+          </a:prstGeom>
+        </p:spPr>
+      </p:pic>
+      <p:sp>
+        <p:nvSpPr>
+          <p:cNvPr id="6" name="Pijl: omhoog 5">
+            <a:extLst>
+              <a:ext uri="{FF2B5EF4-FFF2-40B4-BE49-F238E27FC236}">
+                <a16:creationId xmlns:a16="http://schemas.microsoft.com/office/drawing/2014/main" id="{AFA81E3D-3AC4-4623-9FAE-E2B5C35269FC}"/>
               </a:ext>
             </a:extLst>
           </p:cNvPr>
@@ -3392,25 +4088,25 @@
           <p:nvPr/>
         </p:nvSpPr>
         <p:spPr>
-          <a:xfrm>
-            <a:off x="3472563" y="352076"/>
-            <a:ext cx="2191326" cy="912761"/>
-          </a:xfrm>
-          <a:prstGeom prst="roundRect">
+          <a:xfrm rot="10800000">
+            <a:off x="6301502" y="2529029"/>
+            <a:ext cx="363894" cy="680119"/>
+          </a:xfrm>
+          <a:prstGeom prst="upArrow">
             <a:avLst/>
           </a:prstGeom>
         </p:spPr>
         <p:style>
           <a:lnRef idx="2">
-            <a:schemeClr val="accent5">
+            <a:schemeClr val="accent1">
               <a:shade val="50000"/>
             </a:schemeClr>
           </a:lnRef>
           <a:fillRef idx="1">
-            <a:schemeClr val="accent5"/>
+            <a:schemeClr val="accent1"/>
           </a:fillRef>
           <a:effectRef idx="0">
-            <a:schemeClr val="accent5"/>
+            <a:schemeClr val="accent1"/>
           </a:effectRef>
           <a:fontRef idx="minor">
             <a:schemeClr val="lt1"/>
@@ -3421,19 +4117,2228 @@
           <a:lstStyle/>
           <a:p>
             <a:pPr algn="ctr"/>
-            <a:r>
-              <a:rPr lang="nl-NL" dirty="0"/>
-              <a:t>VAPOR</a:t>
-            </a:r>
-          </a:p>
-        </p:txBody>
-      </p:sp>
+            <a:endParaRPr lang="nl-NL"/>
+          </a:p>
+        </p:txBody>
+      </p:sp>
+      <p:cxnSp>
+        <p:nvCxnSpPr>
+          <p:cNvPr id="8" name="Rechte verbindingslijn met pijl 7">
+            <a:extLst>
+              <a:ext uri="{FF2B5EF4-FFF2-40B4-BE49-F238E27FC236}">
+                <a16:creationId xmlns:a16="http://schemas.microsoft.com/office/drawing/2014/main" id="{2A33DD2B-1897-4275-9608-4995BC90D0E2}"/>
+              </a:ext>
+            </a:extLst>
+          </p:cNvPr>
+          <p:cNvCxnSpPr/>
+          <p:nvPr/>
+        </p:nvCxnSpPr>
+        <p:spPr>
+          <a:xfrm>
+            <a:off x="6665396" y="4555222"/>
+            <a:ext cx="293615" cy="0"/>
+          </a:xfrm>
+          <a:prstGeom prst="straightConnector1">
+            <a:avLst/>
+          </a:prstGeom>
+          <a:ln>
+            <a:headEnd type="triangle"/>
+            <a:tailEnd type="triangle"/>
+          </a:ln>
+        </p:spPr>
+        <p:style>
+          <a:lnRef idx="1">
+            <a:schemeClr val="accent1"/>
+          </a:lnRef>
+          <a:fillRef idx="0">
+            <a:schemeClr val="accent1"/>
+          </a:fillRef>
+          <a:effectRef idx="0">
+            <a:schemeClr val="accent1"/>
+          </a:effectRef>
+          <a:fontRef idx="minor">
+            <a:schemeClr val="tx1"/>
+          </a:fontRef>
+        </p:style>
+      </p:cxnSp>
+      <p:pic>
+        <p:nvPicPr>
+          <p:cNvPr id="9" name="Tijdelijke aanduiding voor inhoud 5">
+            <a:extLst>
+              <a:ext uri="{FF2B5EF4-FFF2-40B4-BE49-F238E27FC236}">
+                <a16:creationId xmlns:a16="http://schemas.microsoft.com/office/drawing/2014/main" id="{C0156D51-3251-4ADF-9B69-56DBA67AD654}"/>
+              </a:ext>
+            </a:extLst>
+          </p:cNvPr>
+          <p:cNvPicPr>
+            <a:picLocks/>
+          </p:cNvPicPr>
+          <p:nvPr/>
+        </p:nvPicPr>
+        <p:blipFill rotWithShape="1">
+          <a:blip r:embed="rId4"/>
+          <a:srcRect l="9239" t="46073" r="33178" b="794"/>
+          <a:stretch/>
+        </p:blipFill>
+        <p:spPr>
+          <a:xfrm>
+            <a:off x="7894558" y="3164800"/>
+            <a:ext cx="3316812" cy="2104054"/>
+          </a:xfrm>
+          <a:prstGeom prst="rect">
+            <a:avLst/>
+          </a:prstGeom>
+        </p:spPr>
+      </p:pic>
+      <p:sp>
+        <p:nvSpPr>
+          <p:cNvPr id="10" name="Pijl: omhoog 9">
+            <a:extLst>
+              <a:ext uri="{FF2B5EF4-FFF2-40B4-BE49-F238E27FC236}">
+                <a16:creationId xmlns:a16="http://schemas.microsoft.com/office/drawing/2014/main" id="{B5F237F3-3C3B-4A71-B6E6-B180BCC1BEEC}"/>
+              </a:ext>
+            </a:extLst>
+          </p:cNvPr>
+          <p:cNvSpPr/>
+          <p:nvPr/>
+        </p:nvSpPr>
+        <p:spPr>
+          <a:xfrm rot="7557376">
+            <a:off x="8245268" y="2143039"/>
+            <a:ext cx="363895" cy="1253238"/>
+          </a:xfrm>
+          <a:prstGeom prst="upArrow">
+            <a:avLst/>
+          </a:prstGeom>
+        </p:spPr>
+        <p:style>
+          <a:lnRef idx="2">
+            <a:schemeClr val="accent1">
+              <a:shade val="50000"/>
+            </a:schemeClr>
+          </a:lnRef>
+          <a:fillRef idx="1">
+            <a:schemeClr val="accent1"/>
+          </a:fillRef>
+          <a:effectRef idx="0">
+            <a:schemeClr val="accent1"/>
+          </a:effectRef>
+          <a:fontRef idx="minor">
+            <a:schemeClr val="lt1"/>
+          </a:fontRef>
+        </p:style>
+        <p:txBody>
+          <a:bodyPr rtlCol="0" anchor="ctr"/>
+          <a:lstStyle/>
+          <a:p>
+            <a:pPr algn="ctr"/>
+            <a:endParaRPr lang="nl-NL"/>
+          </a:p>
+        </p:txBody>
+      </p:sp>
+      <p:sp>
+        <p:nvSpPr>
+          <p:cNvPr id="11" name="Pijl: omhoog 10">
+            <a:extLst>
+              <a:ext uri="{FF2B5EF4-FFF2-40B4-BE49-F238E27FC236}">
+                <a16:creationId xmlns:a16="http://schemas.microsoft.com/office/drawing/2014/main" id="{87DF0450-2F43-49E7-9E73-327B56865C31}"/>
+              </a:ext>
+            </a:extLst>
+          </p:cNvPr>
+          <p:cNvSpPr/>
+          <p:nvPr/>
+        </p:nvSpPr>
+        <p:spPr>
+          <a:xfrm rot="11769117">
+            <a:off x="8130098" y="2235445"/>
+            <a:ext cx="363895" cy="832529"/>
+          </a:xfrm>
+          <a:prstGeom prst="upArrow">
+            <a:avLst/>
+          </a:prstGeom>
+        </p:spPr>
+        <p:style>
+          <a:lnRef idx="2">
+            <a:schemeClr val="accent1">
+              <a:shade val="50000"/>
+            </a:schemeClr>
+          </a:lnRef>
+          <a:fillRef idx="1">
+            <a:schemeClr val="accent1"/>
+          </a:fillRef>
+          <a:effectRef idx="0">
+            <a:schemeClr val="accent1"/>
+          </a:effectRef>
+          <a:fontRef idx="minor">
+            <a:schemeClr val="lt1"/>
+          </a:fontRef>
+        </p:style>
+        <p:txBody>
+          <a:bodyPr rtlCol="0" anchor="ctr"/>
+          <a:lstStyle/>
+          <a:p>
+            <a:pPr algn="ctr"/>
+            <a:endParaRPr lang="nl-NL"/>
+          </a:p>
+        </p:txBody>
+      </p:sp>
+      <p:cxnSp>
+        <p:nvCxnSpPr>
+          <p:cNvPr id="13" name="Rechte verbindingslijn 12">
+            <a:extLst>
+              <a:ext uri="{FF2B5EF4-FFF2-40B4-BE49-F238E27FC236}">
+                <a16:creationId xmlns:a16="http://schemas.microsoft.com/office/drawing/2014/main" id="{36DD5938-1DA3-4CF4-A12F-28BECE8EFC21}"/>
+              </a:ext>
+            </a:extLst>
+          </p:cNvPr>
+          <p:cNvCxnSpPr>
+            <a:cxnSpLocks/>
+          </p:cNvCxnSpPr>
+          <p:nvPr/>
+        </p:nvCxnSpPr>
+        <p:spPr>
+          <a:xfrm>
+            <a:off x="7813155" y="3590488"/>
+            <a:ext cx="3514473" cy="0"/>
+          </a:xfrm>
+          <a:prstGeom prst="line">
+            <a:avLst/>
+          </a:prstGeom>
+          <a:ln w="28575"/>
+        </p:spPr>
+        <p:style>
+          <a:lnRef idx="1">
+            <a:schemeClr val="accent1"/>
+          </a:lnRef>
+          <a:fillRef idx="0">
+            <a:schemeClr val="accent1"/>
+          </a:fillRef>
+          <a:effectRef idx="0">
+            <a:schemeClr val="accent1"/>
+          </a:effectRef>
+          <a:fontRef idx="minor">
+            <a:schemeClr val="tx1"/>
+          </a:fontRef>
+        </p:style>
+      </p:cxnSp>
+      <p:sp>
+        <p:nvSpPr>
+          <p:cNvPr id="16" name="Tekstvak 15">
+            <a:extLst>
+              <a:ext uri="{FF2B5EF4-FFF2-40B4-BE49-F238E27FC236}">
+                <a16:creationId xmlns:a16="http://schemas.microsoft.com/office/drawing/2014/main" id="{E2563CCE-62A2-4336-888E-48A8DE3FFDE7}"/>
+              </a:ext>
+            </a:extLst>
+          </p:cNvPr>
+          <p:cNvSpPr txBox="1"/>
+          <p:nvPr/>
+        </p:nvSpPr>
+        <p:spPr>
+          <a:xfrm>
+            <a:off x="11327628" y="3344266"/>
+            <a:ext cx="776175" cy="492443"/>
+          </a:xfrm>
+          <a:prstGeom prst="rect">
+            <a:avLst/>
+          </a:prstGeom>
+          <a:noFill/>
+        </p:spPr>
+        <p:txBody>
+          <a:bodyPr wrap="none" rtlCol="0">
+            <a:spAutoFit/>
+          </a:bodyPr>
+          <a:lstStyle/>
+          <a:p>
+            <a:r>
+              <a:rPr lang="nl-NL" sz="2600" dirty="0" err="1"/>
+              <a:t>T</a:t>
+            </a:r>
+            <a:r>
+              <a:rPr lang="nl-NL" dirty="0" err="1"/>
+              <a:t>melt</a:t>
+            </a:r>
+            <a:endParaRPr lang="nl-NL" dirty="0"/>
+          </a:p>
+        </p:txBody>
+      </p:sp>
+      <p:sp>
+        <p:nvSpPr>
+          <p:cNvPr id="17" name="Ovaal 16">
+            <a:extLst>
+              <a:ext uri="{FF2B5EF4-FFF2-40B4-BE49-F238E27FC236}">
+                <a16:creationId xmlns:a16="http://schemas.microsoft.com/office/drawing/2014/main" id="{1028F5FC-AA39-4E73-9E44-79550EC3C9FD}"/>
+              </a:ext>
+            </a:extLst>
+          </p:cNvPr>
+          <p:cNvSpPr/>
+          <p:nvPr/>
+        </p:nvSpPr>
+        <p:spPr>
+          <a:xfrm>
+            <a:off x="6241409" y="4127383"/>
+            <a:ext cx="234892" cy="184558"/>
+          </a:xfrm>
+          <a:prstGeom prst="ellipse">
+            <a:avLst/>
+          </a:prstGeom>
+          <a:noFill/>
+          <a:ln>
+            <a:solidFill>
+              <a:srgbClr val="C00000"/>
+            </a:solidFill>
+          </a:ln>
+        </p:spPr>
+        <p:style>
+          <a:lnRef idx="2">
+            <a:schemeClr val="accent1">
+              <a:shade val="50000"/>
+            </a:schemeClr>
+          </a:lnRef>
+          <a:fillRef idx="1">
+            <a:schemeClr val="accent1"/>
+          </a:fillRef>
+          <a:effectRef idx="0">
+            <a:schemeClr val="accent1"/>
+          </a:effectRef>
+          <a:fontRef idx="minor">
+            <a:schemeClr val="lt1"/>
+          </a:fontRef>
+        </p:style>
+        <p:txBody>
+          <a:bodyPr rtlCol="0" anchor="ctr"/>
+          <a:lstStyle/>
+          <a:p>
+            <a:pPr algn="ctr"/>
+            <a:endParaRPr lang="nl-NL"/>
+          </a:p>
+        </p:txBody>
+      </p:sp>
+    </p:spTree>
+    <p:extLst>
+      <p:ext uri="{BB962C8B-B14F-4D97-AF65-F5344CB8AC3E}">
+        <p14:creationId xmlns:p14="http://schemas.microsoft.com/office/powerpoint/2010/main" val="1490326692"/>
+      </p:ext>
+    </p:extLst>
+  </p:cSld>
+  <p:clrMapOvr>
+    <a:masterClrMapping/>
+  </p:clrMapOvr>
+</p:sld>
+</file>
+
+<file path=ppt/slides/slide12.xml><?xml version="1.0" encoding="utf-8"?>
+<p:sld xmlns:a="http://schemas.openxmlformats.org/drawingml/2006/main" xmlns:r="http://schemas.openxmlformats.org/officeDocument/2006/relationships" xmlns:p="http://schemas.openxmlformats.org/presentationml/2006/main">
+  <p:cSld>
+    <p:spTree>
+      <p:nvGrpSpPr>
+        <p:cNvPr id="1" name=""/>
+        <p:cNvGrpSpPr/>
+        <p:nvPr/>
+      </p:nvGrpSpPr>
+      <p:grpSpPr>
+        <a:xfrm>
+          <a:off x="0" y="0"/>
+          <a:ext cx="0" cy="0"/>
+          <a:chOff x="0" y="0"/>
+          <a:chExt cx="0" cy="0"/>
+        </a:xfrm>
+      </p:grpSpPr>
+      <p:sp>
+        <p:nvSpPr>
+          <p:cNvPr id="2" name="Titel 1">
+            <a:extLst>
+              <a:ext uri="{FF2B5EF4-FFF2-40B4-BE49-F238E27FC236}">
+                <a16:creationId xmlns:a16="http://schemas.microsoft.com/office/drawing/2014/main" id="{2D189C51-19ED-46C5-8803-29295A53B8E0}"/>
+              </a:ext>
+            </a:extLst>
+          </p:cNvPr>
+          <p:cNvSpPr>
+            <a:spLocks noGrp="1"/>
+          </p:cNvSpPr>
+          <p:nvPr>
+            <p:ph type="title"/>
+          </p:nvPr>
+        </p:nvSpPr>
+        <p:spPr/>
+        <p:txBody>
+          <a:bodyPr/>
+          <a:lstStyle/>
+          <a:p>
+            <a:r>
+              <a:rPr lang="nl-NL" dirty="0"/>
+              <a:t>Change of </a:t>
+            </a:r>
+            <a:r>
+              <a:rPr lang="el-GR" dirty="0"/>
+              <a:t>μ</a:t>
+            </a:r>
+            <a:r>
+              <a:rPr lang="nl-NL" sz="2600" dirty="0"/>
+              <a:t>0 </a:t>
+            </a:r>
+            <a:r>
+              <a:rPr lang="nl-NL" dirty="0"/>
+              <a:t> </a:t>
+            </a:r>
+            <a:r>
+              <a:rPr lang="nl-NL" dirty="0" err="1"/>
+              <a:t>to</a:t>
+            </a:r>
+            <a:r>
+              <a:rPr lang="nl-NL" dirty="0"/>
+              <a:t> 0</a:t>
+            </a:r>
+          </a:p>
+        </p:txBody>
+      </p:sp>
+      <p:sp>
+        <p:nvSpPr>
+          <p:cNvPr id="3" name="Tijdelijke aanduiding voor inhoud 2">
+            <a:extLst>
+              <a:ext uri="{FF2B5EF4-FFF2-40B4-BE49-F238E27FC236}">
+                <a16:creationId xmlns:a16="http://schemas.microsoft.com/office/drawing/2014/main" id="{B1B40810-3A24-4A63-978C-29F519980016}"/>
+              </a:ext>
+            </a:extLst>
+          </p:cNvPr>
+          <p:cNvSpPr>
+            <a:spLocks noGrp="1"/>
+          </p:cNvSpPr>
+          <p:nvPr>
+            <p:ph idx="1"/>
+          </p:nvPr>
+        </p:nvSpPr>
+        <p:spPr/>
+        <p:txBody>
+          <a:bodyPr>
+            <a:normAutofit lnSpcReduction="10000"/>
+          </a:bodyPr>
+          <a:lstStyle/>
+          <a:p>
+            <a:endParaRPr lang="nl-NL" dirty="0"/>
+          </a:p>
+          <a:p>
+            <a:endParaRPr lang="nl-NL" dirty="0"/>
+          </a:p>
+          <a:p>
+            <a:endParaRPr lang="nl-NL" dirty="0"/>
+          </a:p>
+          <a:p>
+            <a:endParaRPr lang="nl-NL" dirty="0"/>
+          </a:p>
+          <a:p>
+            <a:endParaRPr lang="nl-NL" dirty="0"/>
+          </a:p>
+          <a:p>
+            <a:endParaRPr lang="nl-NL" dirty="0"/>
+          </a:p>
+          <a:p>
+            <a:endParaRPr lang="nl-NL" dirty="0"/>
+          </a:p>
+          <a:p>
+            <a:endParaRPr lang="nl-NL" dirty="0"/>
+          </a:p>
+          <a:p>
+            <a:r>
+              <a:rPr lang="nl-NL" dirty="0" err="1"/>
+              <a:t>Mean</a:t>
+            </a:r>
+            <a:r>
+              <a:rPr lang="nl-NL" dirty="0"/>
+              <a:t> </a:t>
+            </a:r>
+            <a:r>
+              <a:rPr lang="nl-NL" dirty="0" err="1"/>
+              <a:t>areal</a:t>
+            </a:r>
+            <a:r>
+              <a:rPr lang="nl-NL" dirty="0"/>
+              <a:t> </a:t>
+            </a:r>
+            <a:r>
+              <a:rPr lang="nl-NL" dirty="0" err="1"/>
+              <a:t>precipitation</a:t>
+            </a:r>
+            <a:r>
+              <a:rPr lang="nl-NL" dirty="0"/>
+              <a:t> of 4.6 mm</a:t>
+            </a:r>
+          </a:p>
+        </p:txBody>
+      </p:sp>
+      <p:pic>
+        <p:nvPicPr>
+          <p:cNvPr id="4" name="Afbeelding 3">
+            <a:extLst>
+              <a:ext uri="{FF2B5EF4-FFF2-40B4-BE49-F238E27FC236}">
+                <a16:creationId xmlns:a16="http://schemas.microsoft.com/office/drawing/2014/main" id="{EAF75F50-8052-4A06-B831-EAE9BC2E0E73}"/>
+              </a:ext>
+            </a:extLst>
+          </p:cNvPr>
+          <p:cNvPicPr/>
+          <p:nvPr/>
+        </p:nvPicPr>
+        <p:blipFill>
+          <a:blip r:embed="rId2"/>
+          <a:stretch>
+            <a:fillRect/>
+          </a:stretch>
+        </p:blipFill>
+        <p:spPr>
+          <a:xfrm>
+            <a:off x="336000" y="1690688"/>
+            <a:ext cx="5760000" cy="3852000"/>
+          </a:xfrm>
+          <a:prstGeom prst="rect">
+            <a:avLst/>
+          </a:prstGeom>
+        </p:spPr>
+      </p:pic>
+      <p:pic>
+        <p:nvPicPr>
+          <p:cNvPr id="5" name="Afbeelding 4">
+            <a:extLst>
+              <a:ext uri="{FF2B5EF4-FFF2-40B4-BE49-F238E27FC236}">
+                <a16:creationId xmlns:a16="http://schemas.microsoft.com/office/drawing/2014/main" id="{9656B44B-CD01-484A-B085-1BA94A3D220C}"/>
+              </a:ext>
+            </a:extLst>
+          </p:cNvPr>
+          <p:cNvPicPr/>
+          <p:nvPr/>
+        </p:nvPicPr>
+        <p:blipFill>
+          <a:blip r:embed="rId3"/>
+          <a:stretch>
+            <a:fillRect/>
+          </a:stretch>
+        </p:blipFill>
+        <p:spPr>
+          <a:xfrm>
+            <a:off x="6319997" y="1553888"/>
+            <a:ext cx="5760000" cy="3988800"/>
+          </a:xfrm>
+          <a:prstGeom prst="rect">
+            <a:avLst/>
+          </a:prstGeom>
+        </p:spPr>
+      </p:pic>
+      <p:pic>
+        <p:nvPicPr>
+          <p:cNvPr id="7" name="Afbeelding 6">
+            <a:extLst>
+              <a:ext uri="{FF2B5EF4-FFF2-40B4-BE49-F238E27FC236}">
+                <a16:creationId xmlns:a16="http://schemas.microsoft.com/office/drawing/2014/main" id="{15B7FC0C-1D58-4D22-8E79-9C15B5F7D890}"/>
+              </a:ext>
+            </a:extLst>
+          </p:cNvPr>
+          <p:cNvPicPr/>
+          <p:nvPr/>
+        </p:nvPicPr>
+        <p:blipFill>
+          <a:blip r:embed="rId4"/>
+          <a:stretch>
+            <a:fillRect/>
+          </a:stretch>
+        </p:blipFill>
+        <p:spPr>
+          <a:xfrm>
+            <a:off x="606588" y="3548288"/>
+            <a:ext cx="2880000" cy="1926000"/>
+          </a:xfrm>
+          <a:prstGeom prst="rect">
+            <a:avLst/>
+          </a:prstGeom>
+        </p:spPr>
+      </p:pic>
+      <p:pic>
+        <p:nvPicPr>
+          <p:cNvPr id="8" name="Tijdelijke aanduiding voor inhoud 5">
+            <a:extLst>
+              <a:ext uri="{FF2B5EF4-FFF2-40B4-BE49-F238E27FC236}">
+                <a16:creationId xmlns:a16="http://schemas.microsoft.com/office/drawing/2014/main" id="{76DF2B51-21B8-4617-8842-6B24391A03A8}"/>
+              </a:ext>
+            </a:extLst>
+          </p:cNvPr>
+          <p:cNvPicPr>
+            <a:picLocks/>
+          </p:cNvPicPr>
+          <p:nvPr/>
+        </p:nvPicPr>
+        <p:blipFill>
+          <a:blip r:embed="rId5"/>
+          <a:stretch>
+            <a:fillRect/>
+          </a:stretch>
+        </p:blipFill>
+        <p:spPr>
+          <a:xfrm>
+            <a:off x="9092585" y="4001294"/>
+            <a:ext cx="2880000" cy="1980000"/>
+          </a:xfrm>
+          <a:prstGeom prst="rect">
+            <a:avLst/>
+          </a:prstGeom>
+        </p:spPr>
+      </p:pic>
+    </p:spTree>
+    <p:extLst>
+      <p:ext uri="{BB962C8B-B14F-4D97-AF65-F5344CB8AC3E}">
+        <p14:creationId xmlns:p14="http://schemas.microsoft.com/office/powerpoint/2010/main" val="2949677860"/>
+      </p:ext>
+    </p:extLst>
+  </p:cSld>
+  <p:clrMapOvr>
+    <a:masterClrMapping/>
+  </p:clrMapOvr>
+</p:sld>
+</file>
+
+<file path=ppt/slides/slide13.xml><?xml version="1.0" encoding="utf-8"?>
+<p:sld xmlns:a="http://schemas.openxmlformats.org/drawingml/2006/main" xmlns:r="http://schemas.openxmlformats.org/officeDocument/2006/relationships" xmlns:p="http://schemas.openxmlformats.org/presentationml/2006/main">
+  <p:cSld>
+    <p:spTree>
+      <p:nvGrpSpPr>
+        <p:cNvPr id="1" name=""/>
+        <p:cNvGrpSpPr/>
+        <p:nvPr/>
+      </p:nvGrpSpPr>
+      <p:grpSpPr>
+        <a:xfrm>
+          <a:off x="0" y="0"/>
+          <a:ext cx="0" cy="0"/>
+          <a:chOff x="0" y="0"/>
+          <a:chExt cx="0" cy="0"/>
+        </a:xfrm>
+      </p:grpSpPr>
+      <p:sp>
+        <p:nvSpPr>
+          <p:cNvPr id="2" name="Titel 1">
+            <a:extLst>
+              <a:ext uri="{FF2B5EF4-FFF2-40B4-BE49-F238E27FC236}">
+                <a16:creationId xmlns:a16="http://schemas.microsoft.com/office/drawing/2014/main" id="{71FE3FC6-EB6F-4E3C-98CB-F89F3B8E6DF1}"/>
+              </a:ext>
+            </a:extLst>
+          </p:cNvPr>
+          <p:cNvSpPr>
+            <a:spLocks noGrp="1"/>
+          </p:cNvSpPr>
+          <p:nvPr>
+            <p:ph type="title"/>
+          </p:nvPr>
+        </p:nvSpPr>
+        <p:spPr/>
+        <p:txBody>
+          <a:bodyPr/>
+          <a:lstStyle/>
+          <a:p>
+            <a:r>
+              <a:rPr lang="nl-NL" dirty="0"/>
+              <a:t>Change of </a:t>
+            </a:r>
+            <a:r>
+              <a:rPr lang="el-GR" dirty="0"/>
+              <a:t>μ</a:t>
+            </a:r>
+            <a:r>
+              <a:rPr lang="nl-NL" sz="2600" dirty="0"/>
+              <a:t>0 </a:t>
+            </a:r>
+            <a:r>
+              <a:rPr lang="nl-NL" dirty="0"/>
+              <a:t> </a:t>
+            </a:r>
+            <a:r>
+              <a:rPr lang="nl-NL" dirty="0" err="1"/>
+              <a:t>to</a:t>
+            </a:r>
+            <a:r>
+              <a:rPr lang="nl-NL" dirty="0"/>
+              <a:t> 1e-5</a:t>
+            </a:r>
+          </a:p>
+        </p:txBody>
+      </p:sp>
+      <p:sp>
+        <p:nvSpPr>
+          <p:cNvPr id="3" name="Tijdelijke aanduiding voor inhoud 2">
+            <a:extLst>
+              <a:ext uri="{FF2B5EF4-FFF2-40B4-BE49-F238E27FC236}">
+                <a16:creationId xmlns:a16="http://schemas.microsoft.com/office/drawing/2014/main" id="{41EB87CF-042D-4048-805A-290F24147F64}"/>
+              </a:ext>
+            </a:extLst>
+          </p:cNvPr>
+          <p:cNvSpPr>
+            <a:spLocks noGrp="1"/>
+          </p:cNvSpPr>
+          <p:nvPr>
+            <p:ph idx="1"/>
+          </p:nvPr>
+        </p:nvSpPr>
+        <p:spPr>
+          <a:xfrm>
+            <a:off x="838200" y="1825624"/>
+            <a:ext cx="10515600" cy="5154015"/>
+          </a:xfrm>
+        </p:spPr>
+        <p:txBody>
+          <a:bodyPr>
+            <a:normAutofit/>
+          </a:bodyPr>
+          <a:lstStyle/>
+          <a:p>
+            <a:endParaRPr lang="nl-NL" dirty="0"/>
+          </a:p>
+          <a:p>
+            <a:endParaRPr lang="nl-NL" dirty="0"/>
+          </a:p>
+          <a:p>
+            <a:endParaRPr lang="nl-NL" dirty="0"/>
+          </a:p>
+          <a:p>
+            <a:endParaRPr lang="nl-NL" dirty="0"/>
+          </a:p>
+          <a:p>
+            <a:endParaRPr lang="nl-NL" dirty="0"/>
+          </a:p>
+          <a:p>
+            <a:endParaRPr lang="nl-NL" dirty="0"/>
+          </a:p>
+          <a:p>
+            <a:endParaRPr lang="nl-NL" dirty="0"/>
+          </a:p>
+          <a:p>
+            <a:endParaRPr lang="nl-NL" dirty="0"/>
+          </a:p>
+          <a:p>
+            <a:r>
+              <a:rPr lang="nl-NL" dirty="0" err="1"/>
+              <a:t>Mean</a:t>
+            </a:r>
+            <a:r>
+              <a:rPr lang="nl-NL" dirty="0"/>
+              <a:t> </a:t>
+            </a:r>
+            <a:r>
+              <a:rPr lang="nl-NL" dirty="0" err="1"/>
+              <a:t>areal</a:t>
+            </a:r>
+            <a:r>
+              <a:rPr lang="nl-NL" dirty="0"/>
+              <a:t> </a:t>
+            </a:r>
+            <a:r>
+              <a:rPr lang="nl-NL" dirty="0" err="1"/>
+              <a:t>precipitation</a:t>
+            </a:r>
+            <a:r>
+              <a:rPr lang="nl-NL" dirty="0"/>
+              <a:t> of 7.2 mm</a:t>
+            </a:r>
+          </a:p>
+          <a:p>
+            <a:r>
+              <a:rPr lang="nl-NL" dirty="0"/>
+              <a:t> We </a:t>
+            </a:r>
+            <a:r>
+              <a:rPr lang="nl-NL" dirty="0" err="1"/>
+              <a:t>did</a:t>
+            </a:r>
+            <a:r>
+              <a:rPr lang="nl-NL" dirty="0"/>
+              <a:t> more </a:t>
+            </a:r>
+            <a:r>
+              <a:rPr lang="nl-NL" dirty="0" err="1"/>
+              <a:t>experiments</a:t>
+            </a:r>
+            <a:endParaRPr lang="nl-NL" dirty="0"/>
+          </a:p>
+        </p:txBody>
+      </p:sp>
+      <p:pic>
+        <p:nvPicPr>
+          <p:cNvPr id="4" name="Afbeelding 3">
+            <a:extLst>
+              <a:ext uri="{FF2B5EF4-FFF2-40B4-BE49-F238E27FC236}">
+                <a16:creationId xmlns:a16="http://schemas.microsoft.com/office/drawing/2014/main" id="{CE255F90-22ED-4731-B51A-39AB676CF850}"/>
+              </a:ext>
+            </a:extLst>
+          </p:cNvPr>
+          <p:cNvPicPr/>
+          <p:nvPr/>
+        </p:nvPicPr>
+        <p:blipFill>
+          <a:blip r:embed="rId2"/>
+          <a:stretch>
+            <a:fillRect/>
+          </a:stretch>
+        </p:blipFill>
+        <p:spPr>
+          <a:xfrm>
+            <a:off x="270686" y="1503000"/>
+            <a:ext cx="5760000" cy="3852000"/>
+          </a:xfrm>
+          <a:prstGeom prst="rect">
+            <a:avLst/>
+          </a:prstGeom>
+        </p:spPr>
+      </p:pic>
+      <p:pic>
+        <p:nvPicPr>
+          <p:cNvPr id="5" name="Afbeelding 4">
+            <a:extLst>
+              <a:ext uri="{FF2B5EF4-FFF2-40B4-BE49-F238E27FC236}">
+                <a16:creationId xmlns:a16="http://schemas.microsoft.com/office/drawing/2014/main" id="{15C02C3D-37EB-4870-8951-6C6DEABFE7B4}"/>
+              </a:ext>
+            </a:extLst>
+          </p:cNvPr>
+          <p:cNvPicPr/>
+          <p:nvPr/>
+        </p:nvPicPr>
+        <p:blipFill>
+          <a:blip r:embed="rId3"/>
+          <a:stretch>
+            <a:fillRect/>
+          </a:stretch>
+        </p:blipFill>
+        <p:spPr>
+          <a:xfrm>
+            <a:off x="6161316" y="1169396"/>
+            <a:ext cx="5760000" cy="3988800"/>
+          </a:xfrm>
+          <a:prstGeom prst="rect">
+            <a:avLst/>
+          </a:prstGeom>
+        </p:spPr>
+      </p:pic>
       <p:pic>
         <p:nvPicPr>
           <p:cNvPr id="6" name="Afbeelding 5">
             <a:extLst>
               <a:ext uri="{FF2B5EF4-FFF2-40B4-BE49-F238E27FC236}">
-                <a16:creationId xmlns:a16="http://schemas.microsoft.com/office/drawing/2014/main" id="{05B0DED5-0658-411A-9E12-8D124AAFF21C}"/>
+                <a16:creationId xmlns:a16="http://schemas.microsoft.com/office/drawing/2014/main" id="{3020E1D4-FA2F-47FC-9FD7-0841AC71101D}"/>
+              </a:ext>
+            </a:extLst>
+          </p:cNvPr>
+          <p:cNvPicPr/>
+          <p:nvPr/>
+        </p:nvPicPr>
+        <p:blipFill>
+          <a:blip r:embed="rId4"/>
+          <a:stretch>
+            <a:fillRect/>
+          </a:stretch>
+        </p:blipFill>
+        <p:spPr>
+          <a:xfrm>
+            <a:off x="503952" y="3278320"/>
+            <a:ext cx="2880000" cy="1926000"/>
+          </a:xfrm>
+          <a:prstGeom prst="rect">
+            <a:avLst/>
+          </a:prstGeom>
+        </p:spPr>
+      </p:pic>
+      <p:pic>
+        <p:nvPicPr>
+          <p:cNvPr id="7" name="Tijdelijke aanduiding voor inhoud 5">
+            <a:extLst>
+              <a:ext uri="{FF2B5EF4-FFF2-40B4-BE49-F238E27FC236}">
+                <a16:creationId xmlns:a16="http://schemas.microsoft.com/office/drawing/2014/main" id="{D37410DD-007F-41F2-96AE-001F6420FF09}"/>
+              </a:ext>
+            </a:extLst>
+          </p:cNvPr>
+          <p:cNvPicPr>
+            <a:picLocks/>
+          </p:cNvPicPr>
+          <p:nvPr/>
+        </p:nvPicPr>
+        <p:blipFill>
+          <a:blip r:embed="rId5"/>
+          <a:stretch>
+            <a:fillRect/>
+          </a:stretch>
+        </p:blipFill>
+        <p:spPr>
+          <a:xfrm>
+            <a:off x="9312000" y="4214320"/>
+            <a:ext cx="2880000" cy="1980000"/>
+          </a:xfrm>
+          <a:prstGeom prst="rect">
+            <a:avLst/>
+          </a:prstGeom>
+        </p:spPr>
+      </p:pic>
+    </p:spTree>
+    <p:extLst>
+      <p:ext uri="{BB962C8B-B14F-4D97-AF65-F5344CB8AC3E}">
+        <p14:creationId xmlns:p14="http://schemas.microsoft.com/office/powerpoint/2010/main" val="3026533807"/>
+      </p:ext>
+    </p:extLst>
+  </p:cSld>
+  <p:clrMapOvr>
+    <a:masterClrMapping/>
+  </p:clrMapOvr>
+</p:sld>
+</file>
+
+<file path=ppt/slides/slide14.xml><?xml version="1.0" encoding="utf-8"?>
+<p:sld xmlns:a="http://schemas.openxmlformats.org/drawingml/2006/main" xmlns:r="http://schemas.openxmlformats.org/officeDocument/2006/relationships" xmlns:p="http://schemas.openxmlformats.org/presentationml/2006/main">
+  <p:cSld>
+    <p:spTree>
+      <p:nvGrpSpPr>
+        <p:cNvPr id="1" name=""/>
+        <p:cNvGrpSpPr/>
+        <p:nvPr/>
+      </p:nvGrpSpPr>
+      <p:grpSpPr>
+        <a:xfrm>
+          <a:off x="0" y="0"/>
+          <a:ext cx="0" cy="0"/>
+          <a:chOff x="0" y="0"/>
+          <a:chExt cx="0" cy="0"/>
+        </a:xfrm>
+      </p:grpSpPr>
+      <p:sp>
+        <p:nvSpPr>
+          <p:cNvPr id="2" name="Titel 1">
+            <a:extLst>
+              <a:ext uri="{FF2B5EF4-FFF2-40B4-BE49-F238E27FC236}">
+                <a16:creationId xmlns:a16="http://schemas.microsoft.com/office/drawing/2014/main" id="{67F7D614-4360-4620-8CBB-EE41AA2C436D}"/>
+              </a:ext>
+            </a:extLst>
+          </p:cNvPr>
+          <p:cNvSpPr>
+            <a:spLocks noGrp="1"/>
+          </p:cNvSpPr>
+          <p:nvPr>
+            <p:ph type="title"/>
+          </p:nvPr>
+        </p:nvSpPr>
+        <p:spPr/>
+        <p:txBody>
+          <a:bodyPr/>
+          <a:lstStyle/>
+          <a:p>
+            <a:r>
+              <a:rPr lang="nl-NL" dirty="0"/>
+              <a:t>Change </a:t>
+            </a:r>
+            <a:r>
+              <a:rPr lang="nl-NL" dirty="0" err="1"/>
+              <a:t>initial</a:t>
+            </a:r>
+            <a:r>
+              <a:rPr lang="nl-NL" dirty="0"/>
+              <a:t> </a:t>
+            </a:r>
+            <a:r>
+              <a:rPr lang="nl-NL" dirty="0" err="1"/>
+              <a:t>R</a:t>
+            </a:r>
+            <a:r>
+              <a:rPr lang="nl-NL" sz="2600" dirty="0" err="1"/>
+              <a:t>eq</a:t>
+            </a:r>
+            <a:endParaRPr lang="nl-NL" dirty="0"/>
+          </a:p>
+        </p:txBody>
+      </p:sp>
+      <p:sp>
+        <p:nvSpPr>
+          <p:cNvPr id="3" name="Tijdelijke aanduiding voor inhoud 2">
+            <a:extLst>
+              <a:ext uri="{FF2B5EF4-FFF2-40B4-BE49-F238E27FC236}">
+                <a16:creationId xmlns:a16="http://schemas.microsoft.com/office/drawing/2014/main" id="{2DB53B14-C8BF-4AE2-BE07-01E99411C59B}"/>
+              </a:ext>
+            </a:extLst>
+          </p:cNvPr>
+          <p:cNvSpPr>
+            <a:spLocks noGrp="1"/>
+          </p:cNvSpPr>
+          <p:nvPr>
+            <p:ph idx="1"/>
+          </p:nvPr>
+        </p:nvSpPr>
+        <p:spPr/>
+        <p:txBody>
+          <a:bodyPr/>
+          <a:lstStyle/>
+          <a:p>
+            <a:r>
+              <a:rPr lang="nl-NL" dirty="0"/>
+              <a:t>Reference </a:t>
+            </a:r>
+            <a:r>
+              <a:rPr lang="nl-NL" dirty="0" err="1"/>
+              <a:t>value</a:t>
+            </a:r>
+            <a:r>
+              <a:rPr lang="nl-NL" dirty="0"/>
+              <a:t>: 2500 m; </a:t>
+            </a:r>
+            <a:r>
+              <a:rPr lang="nl-NL" dirty="0" err="1"/>
+              <a:t>reasonable</a:t>
+            </a:r>
+            <a:r>
+              <a:rPr lang="nl-NL" dirty="0"/>
+              <a:t> </a:t>
+            </a:r>
+            <a:r>
+              <a:rPr lang="nl-NL" dirty="0" err="1"/>
+              <a:t>values</a:t>
+            </a:r>
+            <a:r>
+              <a:rPr lang="nl-NL" dirty="0"/>
+              <a:t> 300-5000 m</a:t>
+            </a:r>
+          </a:p>
+          <a:p>
+            <a:r>
+              <a:rPr lang="nl-NL" dirty="0"/>
+              <a:t>No </a:t>
+            </a:r>
+            <a:r>
+              <a:rPr lang="nl-NL" dirty="0" err="1"/>
+              <a:t>cloud</a:t>
+            </a:r>
+            <a:r>
+              <a:rPr lang="nl-NL" dirty="0"/>
+              <a:t> at 10 m </a:t>
+            </a:r>
+            <a:r>
+              <a:rPr lang="nl-NL" dirty="0" err="1"/>
+              <a:t>and</a:t>
+            </a:r>
+            <a:r>
+              <a:rPr lang="nl-NL" dirty="0"/>
+              <a:t> </a:t>
+            </a:r>
+            <a:r>
+              <a:rPr lang="nl-NL" dirty="0" err="1"/>
+              <a:t>negligible</a:t>
+            </a:r>
+            <a:r>
+              <a:rPr lang="nl-NL" dirty="0"/>
+              <a:t> at 100 m</a:t>
+            </a:r>
+          </a:p>
+          <a:p>
+            <a:r>
+              <a:rPr lang="nl-NL" dirty="0"/>
+              <a:t>At 500 m: </a:t>
+            </a:r>
+            <a:r>
+              <a:rPr lang="nl-NL" dirty="0" err="1"/>
+              <a:t>cloud</a:t>
+            </a:r>
+            <a:r>
+              <a:rPr lang="nl-NL" dirty="0"/>
+              <a:t> </a:t>
+            </a:r>
+            <a:r>
+              <a:rPr lang="nl-NL" dirty="0" err="1"/>
+              <a:t>with</a:t>
+            </a:r>
+            <a:r>
+              <a:rPr lang="nl-NL" dirty="0"/>
+              <a:t> </a:t>
+            </a:r>
+            <a:r>
+              <a:rPr lang="nl-NL" dirty="0" err="1"/>
+              <a:t>negligble</a:t>
+            </a:r>
+            <a:r>
+              <a:rPr lang="nl-NL" dirty="0"/>
+              <a:t> ice content, </a:t>
+            </a:r>
+            <a:r>
+              <a:rPr lang="nl-NL" dirty="0" err="1"/>
+              <a:t>very</a:t>
+            </a:r>
+            <a:r>
+              <a:rPr lang="nl-NL" dirty="0"/>
+              <a:t> </a:t>
+            </a:r>
+            <a:r>
+              <a:rPr lang="nl-NL" dirty="0" err="1"/>
+              <a:t>little</a:t>
+            </a:r>
+            <a:r>
+              <a:rPr lang="nl-NL" dirty="0"/>
+              <a:t> </a:t>
+            </a:r>
+            <a:r>
+              <a:rPr lang="nl-NL" dirty="0" err="1"/>
+              <a:t>precipitation</a:t>
+            </a:r>
+            <a:r>
+              <a:rPr lang="nl-NL" dirty="0"/>
+              <a:t> (&lt;0.1 mm)</a:t>
+            </a:r>
+          </a:p>
+          <a:p>
+            <a:r>
+              <a:rPr lang="nl-NL" dirty="0"/>
+              <a:t>But </a:t>
+            </a:r>
+            <a:r>
+              <a:rPr lang="nl-NL" dirty="0" err="1"/>
+              <a:t>cloud</a:t>
+            </a:r>
+            <a:r>
+              <a:rPr lang="nl-NL" dirty="0"/>
+              <a:t> has </a:t>
+            </a:r>
+            <a:r>
+              <a:rPr lang="nl-NL" dirty="0" err="1"/>
+              <a:t>relevance</a:t>
+            </a:r>
+            <a:r>
+              <a:rPr lang="nl-NL" dirty="0"/>
+              <a:t> </a:t>
+            </a:r>
+            <a:r>
+              <a:rPr lang="nl-NL" dirty="0" err="1"/>
+              <a:t>for</a:t>
+            </a:r>
+            <a:r>
+              <a:rPr lang="nl-NL" dirty="0"/>
+              <a:t> </a:t>
+            </a:r>
+            <a:r>
+              <a:rPr lang="nl-NL" dirty="0" err="1"/>
+              <a:t>environmental</a:t>
+            </a:r>
+            <a:r>
+              <a:rPr lang="nl-NL" dirty="0"/>
+              <a:t> </a:t>
+            </a:r>
+            <a:r>
+              <a:rPr lang="nl-NL" dirty="0" err="1"/>
+              <a:t>moisture</a:t>
+            </a:r>
+            <a:r>
+              <a:rPr lang="nl-NL" dirty="0"/>
+              <a:t> at </a:t>
+            </a:r>
+            <a:r>
+              <a:rPr lang="nl-NL" dirty="0" err="1"/>
+              <a:t>z</a:t>
+            </a:r>
+            <a:r>
+              <a:rPr lang="nl-NL" dirty="0"/>
+              <a:t> = 2.5-3 km</a:t>
+            </a:r>
+          </a:p>
+          <a:p>
+            <a:r>
+              <a:rPr lang="nl-NL" dirty="0" err="1"/>
+              <a:t>With</a:t>
+            </a:r>
+            <a:r>
+              <a:rPr lang="nl-NL" dirty="0"/>
+              <a:t> 2500 m: </a:t>
+            </a:r>
+            <a:r>
+              <a:rPr lang="nl-NL" dirty="0" err="1"/>
+              <a:t>result</a:t>
+            </a:r>
+            <a:r>
+              <a:rPr lang="nl-NL" dirty="0"/>
+              <a:t> </a:t>
+            </a:r>
+            <a:r>
+              <a:rPr lang="nl-NL" dirty="0" err="1"/>
+              <a:t>already</a:t>
+            </a:r>
+            <a:r>
+              <a:rPr lang="nl-NL" dirty="0"/>
+              <a:t> </a:t>
+            </a:r>
+            <a:r>
+              <a:rPr lang="nl-NL" dirty="0" err="1"/>
+              <a:t>shown</a:t>
+            </a:r>
+            <a:r>
+              <a:rPr lang="nl-NL" dirty="0"/>
+              <a:t> as “full </a:t>
+            </a:r>
+            <a:r>
+              <a:rPr lang="nl-NL" dirty="0" err="1"/>
+              <a:t>entrainment</a:t>
+            </a:r>
+            <a:r>
+              <a:rPr lang="nl-NL" dirty="0"/>
+              <a:t>”</a:t>
+            </a:r>
+          </a:p>
+          <a:p>
+            <a:endParaRPr lang="nl-NL" dirty="0"/>
+          </a:p>
+        </p:txBody>
+      </p:sp>
+    </p:spTree>
+    <p:extLst>
+      <p:ext uri="{BB962C8B-B14F-4D97-AF65-F5344CB8AC3E}">
+        <p14:creationId xmlns:p14="http://schemas.microsoft.com/office/powerpoint/2010/main" val="2757331206"/>
+      </p:ext>
+    </p:extLst>
+  </p:cSld>
+  <p:clrMapOvr>
+    <a:masterClrMapping/>
+  </p:clrMapOvr>
+</p:sld>
+</file>
+
+<file path=ppt/slides/slide15.xml><?xml version="1.0" encoding="utf-8"?>
+<p:sld xmlns:a="http://schemas.openxmlformats.org/drawingml/2006/main" xmlns:r="http://schemas.openxmlformats.org/officeDocument/2006/relationships" xmlns:p="http://schemas.openxmlformats.org/presentationml/2006/main">
+  <p:cSld>
+    <p:spTree>
+      <p:nvGrpSpPr>
+        <p:cNvPr id="1" name=""/>
+        <p:cNvGrpSpPr/>
+        <p:nvPr/>
+      </p:nvGrpSpPr>
+      <p:grpSpPr>
+        <a:xfrm>
+          <a:off x="0" y="0"/>
+          <a:ext cx="0" cy="0"/>
+          <a:chOff x="0" y="0"/>
+          <a:chExt cx="0" cy="0"/>
+        </a:xfrm>
+      </p:grpSpPr>
+      <p:sp>
+        <p:nvSpPr>
+          <p:cNvPr id="2" name="Titel 1">
+            <a:extLst>
+              <a:ext uri="{FF2B5EF4-FFF2-40B4-BE49-F238E27FC236}">
+                <a16:creationId xmlns:a16="http://schemas.microsoft.com/office/drawing/2014/main" id="{EEAAD8F9-61D4-43C3-B4D3-66D44DA9AA23}"/>
+              </a:ext>
+            </a:extLst>
+          </p:cNvPr>
+          <p:cNvSpPr>
+            <a:spLocks noGrp="1"/>
+          </p:cNvSpPr>
+          <p:nvPr>
+            <p:ph type="title"/>
+          </p:nvPr>
+        </p:nvSpPr>
+        <p:spPr/>
+        <p:txBody>
+          <a:bodyPr/>
+          <a:lstStyle/>
+          <a:p>
+            <a:r>
+              <a:rPr lang="nl-NL" dirty="0"/>
+              <a:t>Change </a:t>
+            </a:r>
+            <a:r>
+              <a:rPr lang="nl-NL" dirty="0" err="1"/>
+              <a:t>initial</a:t>
+            </a:r>
+            <a:r>
+              <a:rPr lang="nl-NL" dirty="0"/>
+              <a:t> </a:t>
+            </a:r>
+            <a:r>
+              <a:rPr lang="nl-NL" dirty="0" err="1"/>
+              <a:t>R</a:t>
+            </a:r>
+            <a:r>
+              <a:rPr lang="nl-NL" sz="2600" dirty="0" err="1"/>
+              <a:t>eq</a:t>
+            </a:r>
+            <a:r>
+              <a:rPr lang="nl-NL" dirty="0"/>
+              <a:t>: 5000 m</a:t>
+            </a:r>
+          </a:p>
+        </p:txBody>
+      </p:sp>
+      <p:pic>
+        <p:nvPicPr>
+          <p:cNvPr id="4" name="Picture 82">
+            <a:extLst>
+              <a:ext uri="{FF2B5EF4-FFF2-40B4-BE49-F238E27FC236}">
+                <a16:creationId xmlns:a16="http://schemas.microsoft.com/office/drawing/2014/main" id="{64930577-2CA1-45A5-BB69-23BC06EA2413}"/>
+              </a:ext>
+            </a:extLst>
+          </p:cNvPr>
+          <p:cNvPicPr/>
+          <p:nvPr/>
+        </p:nvPicPr>
+        <p:blipFill>
+          <a:blip r:embed="rId2"/>
+          <a:stretch>
+            <a:fillRect/>
+          </a:stretch>
+        </p:blipFill>
+        <p:spPr>
+          <a:xfrm>
+            <a:off x="336000" y="1564981"/>
+            <a:ext cx="5760000" cy="3852000"/>
+          </a:xfrm>
+          <a:prstGeom prst="rect">
+            <a:avLst/>
+          </a:prstGeom>
+        </p:spPr>
+      </p:pic>
+      <p:pic>
+        <p:nvPicPr>
+          <p:cNvPr id="5" name="Picture 84">
+            <a:extLst>
+              <a:ext uri="{FF2B5EF4-FFF2-40B4-BE49-F238E27FC236}">
+                <a16:creationId xmlns:a16="http://schemas.microsoft.com/office/drawing/2014/main" id="{473A4B01-D491-45C3-909F-B4DA547666B2}"/>
+              </a:ext>
+            </a:extLst>
+          </p:cNvPr>
+          <p:cNvPicPr>
+            <a:picLocks noGrp="1"/>
+          </p:cNvPicPr>
+          <p:nvPr>
+            <p:ph idx="1"/>
+          </p:nvPr>
+        </p:nvPicPr>
+        <p:blipFill>
+          <a:blip r:embed="rId3"/>
+          <a:stretch>
+            <a:fillRect/>
+          </a:stretch>
+        </p:blipFill>
+        <p:spPr>
+          <a:xfrm>
+            <a:off x="6096000" y="1441019"/>
+            <a:ext cx="5760000" cy="3988800"/>
+          </a:xfrm>
+          <a:prstGeom prst="rect">
+            <a:avLst/>
+          </a:prstGeom>
+        </p:spPr>
+      </p:pic>
+      <p:pic>
+        <p:nvPicPr>
+          <p:cNvPr id="6" name="Afbeelding 5">
+            <a:extLst>
+              <a:ext uri="{FF2B5EF4-FFF2-40B4-BE49-F238E27FC236}">
+                <a16:creationId xmlns:a16="http://schemas.microsoft.com/office/drawing/2014/main" id="{D3154F41-6541-4B02-960E-4149A5AE443B}"/>
+              </a:ext>
+            </a:extLst>
+          </p:cNvPr>
+          <p:cNvPicPr/>
+          <p:nvPr/>
+        </p:nvPicPr>
+        <p:blipFill>
+          <a:blip r:embed="rId4"/>
+          <a:stretch>
+            <a:fillRect/>
+          </a:stretch>
+        </p:blipFill>
+        <p:spPr>
+          <a:xfrm>
+            <a:off x="606588" y="3548288"/>
+            <a:ext cx="2880000" cy="1926000"/>
+          </a:xfrm>
+          <a:prstGeom prst="rect">
+            <a:avLst/>
+          </a:prstGeom>
+        </p:spPr>
+      </p:pic>
+      <p:pic>
+        <p:nvPicPr>
+          <p:cNvPr id="7" name="Tijdelijke aanduiding voor inhoud 5">
+            <a:extLst>
+              <a:ext uri="{FF2B5EF4-FFF2-40B4-BE49-F238E27FC236}">
+                <a16:creationId xmlns:a16="http://schemas.microsoft.com/office/drawing/2014/main" id="{9ED4FBC5-F708-484E-8F47-D287F81ED8CA}"/>
+              </a:ext>
+            </a:extLst>
+          </p:cNvPr>
+          <p:cNvPicPr>
+            <a:picLocks/>
+          </p:cNvPicPr>
+          <p:nvPr/>
+        </p:nvPicPr>
+        <p:blipFill>
+          <a:blip r:embed="rId5"/>
+          <a:stretch>
+            <a:fillRect/>
+          </a:stretch>
+        </p:blipFill>
+        <p:spPr>
+          <a:xfrm>
+            <a:off x="9745728" y="3021579"/>
+            <a:ext cx="2880000" cy="1980000"/>
+          </a:xfrm>
+          <a:prstGeom prst="rect">
+            <a:avLst/>
+          </a:prstGeom>
+        </p:spPr>
+      </p:pic>
+      <p:sp>
+        <p:nvSpPr>
+          <p:cNvPr id="8" name="Tekstvak 7">
+            <a:extLst>
+              <a:ext uri="{FF2B5EF4-FFF2-40B4-BE49-F238E27FC236}">
+                <a16:creationId xmlns:a16="http://schemas.microsoft.com/office/drawing/2014/main" id="{F34F0CB6-650B-4FD5-ACDE-568F38B132F9}"/>
+              </a:ext>
+            </a:extLst>
+          </p:cNvPr>
+          <p:cNvSpPr txBox="1"/>
+          <p:nvPr/>
+        </p:nvSpPr>
+        <p:spPr>
+          <a:xfrm>
+            <a:off x="838200" y="5701004"/>
+            <a:ext cx="5238998" cy="492443"/>
+          </a:xfrm>
+          <a:prstGeom prst="rect">
+            <a:avLst/>
+          </a:prstGeom>
+          <a:noFill/>
+        </p:spPr>
+        <p:txBody>
+          <a:bodyPr wrap="none" rtlCol="0">
+            <a:spAutoFit/>
+          </a:bodyPr>
+          <a:lstStyle/>
+          <a:p>
+            <a:r>
+              <a:rPr lang="nl-NL" sz="2600" dirty="0" err="1"/>
+              <a:t>Mean</a:t>
+            </a:r>
+            <a:r>
+              <a:rPr lang="nl-NL" sz="2600" dirty="0"/>
+              <a:t> </a:t>
+            </a:r>
+            <a:r>
+              <a:rPr lang="nl-NL" sz="2600" dirty="0" err="1"/>
+              <a:t>areal</a:t>
+            </a:r>
+            <a:r>
+              <a:rPr lang="nl-NL" sz="2600" dirty="0"/>
+              <a:t> </a:t>
+            </a:r>
+            <a:r>
+              <a:rPr lang="nl-NL" sz="2600" dirty="0" err="1"/>
+              <a:t>precipitation</a:t>
+            </a:r>
+            <a:r>
+              <a:rPr lang="nl-NL" sz="2600" dirty="0"/>
+              <a:t> is 13.5 mm. </a:t>
+            </a:r>
+          </a:p>
+        </p:txBody>
+      </p:sp>
+    </p:spTree>
+    <p:extLst>
+      <p:ext uri="{BB962C8B-B14F-4D97-AF65-F5344CB8AC3E}">
+        <p14:creationId xmlns:p14="http://schemas.microsoft.com/office/powerpoint/2010/main" val="1509727704"/>
+      </p:ext>
+    </p:extLst>
+  </p:cSld>
+  <p:clrMapOvr>
+    <a:masterClrMapping/>
+  </p:clrMapOvr>
+</p:sld>
+</file>
+
+<file path=ppt/slides/slide16.xml><?xml version="1.0" encoding="utf-8"?>
+<p:sld xmlns:a="http://schemas.openxmlformats.org/drawingml/2006/main" xmlns:r="http://schemas.openxmlformats.org/officeDocument/2006/relationships" xmlns:p="http://schemas.openxmlformats.org/presentationml/2006/main">
+  <p:cSld>
+    <p:spTree>
+      <p:nvGrpSpPr>
+        <p:cNvPr id="1" name=""/>
+        <p:cNvGrpSpPr/>
+        <p:nvPr/>
+      </p:nvGrpSpPr>
+      <p:grpSpPr>
+        <a:xfrm>
+          <a:off x="0" y="0"/>
+          <a:ext cx="0" cy="0"/>
+          <a:chOff x="0" y="0"/>
+          <a:chExt cx="0" cy="0"/>
+        </a:xfrm>
+      </p:grpSpPr>
+      <p:sp>
+        <p:nvSpPr>
+          <p:cNvPr id="2" name="Titel 1">
+            <a:extLst>
+              <a:ext uri="{FF2B5EF4-FFF2-40B4-BE49-F238E27FC236}">
+                <a16:creationId xmlns:a16="http://schemas.microsoft.com/office/drawing/2014/main" id="{9ED9DDA9-E5EA-448A-9FA9-23122FCC83F3}"/>
+              </a:ext>
+            </a:extLst>
+          </p:cNvPr>
+          <p:cNvSpPr>
+            <a:spLocks noGrp="1"/>
+          </p:cNvSpPr>
+          <p:nvPr>
+            <p:ph type="title"/>
+          </p:nvPr>
+        </p:nvSpPr>
+        <p:spPr/>
+        <p:txBody>
+          <a:bodyPr/>
+          <a:lstStyle/>
+          <a:p>
+            <a:r>
+              <a:rPr lang="nl-NL" dirty="0" err="1"/>
+              <a:t>Sensitivity</a:t>
+            </a:r>
+            <a:r>
+              <a:rPr lang="nl-NL" dirty="0"/>
+              <a:t> </a:t>
+            </a:r>
+            <a:r>
+              <a:rPr lang="nl-NL" dirty="0" err="1"/>
+              <a:t>cloud</a:t>
+            </a:r>
+            <a:r>
+              <a:rPr lang="nl-NL" dirty="0"/>
+              <a:t> water </a:t>
+            </a:r>
+            <a:r>
+              <a:rPr lang="nl-NL" dirty="0" err="1"/>
+              <a:t>to</a:t>
+            </a:r>
+            <a:r>
+              <a:rPr lang="nl-NL" dirty="0"/>
+              <a:t> ice </a:t>
+            </a:r>
+            <a:r>
+              <a:rPr lang="nl-NL" dirty="0" err="1"/>
+              <a:t>conversion</a:t>
+            </a:r>
+            <a:endParaRPr lang="nl-NL" dirty="0"/>
+          </a:p>
+        </p:txBody>
+      </p:sp>
+      <p:sp>
+        <p:nvSpPr>
+          <p:cNvPr id="3" name="Tijdelijke aanduiding voor inhoud 2">
+            <a:extLst>
+              <a:ext uri="{FF2B5EF4-FFF2-40B4-BE49-F238E27FC236}">
+                <a16:creationId xmlns:a16="http://schemas.microsoft.com/office/drawing/2014/main" id="{765281AA-9F0C-4F28-9024-D59857D940C3}"/>
+              </a:ext>
+            </a:extLst>
+          </p:cNvPr>
+          <p:cNvSpPr>
+            <a:spLocks noGrp="1"/>
+          </p:cNvSpPr>
+          <p:nvPr>
+            <p:ph idx="1"/>
+          </p:nvPr>
+        </p:nvSpPr>
+        <p:spPr/>
+        <p:txBody>
+          <a:bodyPr/>
+          <a:lstStyle/>
+          <a:p>
+            <a:r>
+              <a:rPr lang="nl-NL" dirty="0" err="1"/>
+              <a:t>If</a:t>
+            </a:r>
+            <a:r>
+              <a:rPr lang="nl-NL" dirty="0"/>
+              <a:t> we set </a:t>
+            </a:r>
+            <a:r>
+              <a:rPr lang="nl-NL" dirty="0" err="1"/>
+              <a:t>the</a:t>
+            </a:r>
+            <a:r>
+              <a:rPr lang="nl-NL" dirty="0"/>
+              <a:t> ice </a:t>
+            </a:r>
+            <a:r>
+              <a:rPr lang="nl-NL" dirty="0" err="1"/>
+              <a:t>initiation</a:t>
+            </a:r>
+            <a:r>
+              <a:rPr lang="nl-NL" dirty="0"/>
+              <a:t> </a:t>
+            </a:r>
+            <a:r>
+              <a:rPr lang="nl-NL" dirty="0" err="1"/>
+              <a:t>lower</a:t>
+            </a:r>
+            <a:r>
+              <a:rPr lang="nl-NL" dirty="0"/>
+              <a:t>, no ice is </a:t>
+            </a:r>
+            <a:r>
+              <a:rPr lang="nl-NL" dirty="0" err="1"/>
+              <a:t>initiated</a:t>
+            </a:r>
+            <a:r>
+              <a:rPr lang="nl-NL" dirty="0"/>
+              <a:t> </a:t>
+            </a:r>
+            <a:r>
+              <a:rPr lang="nl-NL" dirty="0" err="1"/>
+              <a:t>and</a:t>
+            </a:r>
+            <a:r>
+              <a:rPr lang="nl-NL" dirty="0"/>
+              <a:t> </a:t>
+            </a:r>
+            <a:r>
+              <a:rPr lang="nl-NL" dirty="0" err="1"/>
+              <a:t>less</a:t>
+            </a:r>
+            <a:r>
+              <a:rPr lang="nl-NL" dirty="0"/>
+              <a:t> (</a:t>
+            </a:r>
+            <a:r>
+              <a:rPr lang="nl-NL" dirty="0" err="1"/>
+              <a:t>only</a:t>
+            </a:r>
+            <a:r>
+              <a:rPr lang="nl-NL" dirty="0"/>
+              <a:t> “warm”) </a:t>
+            </a:r>
+            <a:r>
+              <a:rPr lang="nl-NL" dirty="0" err="1"/>
+              <a:t>precipitation</a:t>
+            </a:r>
+            <a:r>
+              <a:rPr lang="nl-NL" dirty="0"/>
+              <a:t> </a:t>
+            </a:r>
+            <a:r>
+              <a:rPr lang="nl-NL" dirty="0" err="1"/>
+              <a:t>can</a:t>
+            </a:r>
+            <a:r>
+              <a:rPr lang="nl-NL" dirty="0"/>
+              <a:t> </a:t>
+            </a:r>
+            <a:r>
+              <a:rPr lang="nl-NL" dirty="0" err="1"/>
+              <a:t>be</a:t>
+            </a:r>
+            <a:r>
+              <a:rPr lang="nl-NL" dirty="0"/>
+              <a:t> </a:t>
+            </a:r>
+            <a:r>
+              <a:rPr lang="nl-NL" dirty="0" err="1"/>
+              <a:t>produced</a:t>
+            </a:r>
+            <a:endParaRPr lang="nl-NL" dirty="0"/>
+          </a:p>
+          <a:p>
+            <a:r>
+              <a:rPr lang="nl-NL" dirty="0"/>
+              <a:t>At </a:t>
+            </a:r>
+            <a:r>
+              <a:rPr lang="nl-NL" dirty="0" err="1"/>
+              <a:t>superfast</a:t>
+            </a:r>
+            <a:r>
+              <a:rPr lang="nl-NL" dirty="0"/>
+              <a:t> </a:t>
+            </a:r>
+            <a:r>
+              <a:rPr lang="nl-NL" dirty="0" err="1"/>
+              <a:t>rate</a:t>
+            </a:r>
+            <a:r>
+              <a:rPr lang="nl-NL" dirty="0"/>
+              <a:t> (</a:t>
+            </a:r>
+            <a:r>
+              <a:rPr lang="nl-NL" dirty="0" err="1"/>
+              <a:t>mean</a:t>
+            </a:r>
+            <a:r>
+              <a:rPr lang="nl-NL" dirty="0"/>
+              <a:t> </a:t>
+            </a:r>
+            <a:r>
+              <a:rPr lang="nl-NL" dirty="0" err="1"/>
+              <a:t>precipitation</a:t>
+            </a:r>
+            <a:r>
+              <a:rPr lang="nl-NL" dirty="0"/>
+              <a:t> 3.7 mm): 100% ice at 260 K</a:t>
+            </a:r>
+          </a:p>
+          <a:p>
+            <a:r>
+              <a:rPr lang="nl-NL" dirty="0"/>
+              <a:t>Heat of </a:t>
+            </a:r>
+            <a:r>
+              <a:rPr lang="nl-NL" dirty="0" err="1"/>
+              <a:t>fusion</a:t>
+            </a:r>
+            <a:r>
+              <a:rPr lang="nl-NL" dirty="0"/>
+              <a:t> </a:t>
+            </a:r>
+            <a:r>
+              <a:rPr lang="nl-NL" dirty="0" err="1"/>
+              <a:t>may</a:t>
+            </a:r>
+            <a:r>
+              <a:rPr lang="nl-NL" dirty="0"/>
+              <a:t> </a:t>
+            </a:r>
+            <a:r>
+              <a:rPr lang="nl-NL" dirty="0" err="1"/>
+              <a:t>be</a:t>
+            </a:r>
+            <a:r>
+              <a:rPr lang="nl-NL" dirty="0"/>
+              <a:t> important </a:t>
+            </a:r>
+            <a:r>
+              <a:rPr lang="nl-NL" dirty="0" err="1"/>
+              <a:t>buoyancy</a:t>
+            </a:r>
+            <a:r>
+              <a:rPr lang="nl-NL" dirty="0"/>
+              <a:t> push, </a:t>
+            </a:r>
+            <a:r>
+              <a:rPr lang="nl-NL" dirty="0" err="1"/>
+              <a:t>although</a:t>
+            </a:r>
+            <a:r>
+              <a:rPr lang="nl-NL" dirty="0"/>
+              <a:t> small (&lt; 2K)</a:t>
+            </a:r>
+          </a:p>
+          <a:p>
+            <a:pPr marL="0" indent="0">
+              <a:buNone/>
+            </a:pPr>
+            <a:endParaRPr lang="nl-NL" dirty="0"/>
+          </a:p>
+          <a:p>
+            <a:endParaRPr lang="nl-NL" dirty="0"/>
+          </a:p>
+        </p:txBody>
+      </p:sp>
+      <p:pic>
+        <p:nvPicPr>
+          <p:cNvPr id="4" name="Picture 118">
+            <a:extLst>
+              <a:ext uri="{FF2B5EF4-FFF2-40B4-BE49-F238E27FC236}">
+                <a16:creationId xmlns:a16="http://schemas.microsoft.com/office/drawing/2014/main" id="{EAD8210E-6AB0-408E-B09D-BED60AB86C02}"/>
+              </a:ext>
+            </a:extLst>
+          </p:cNvPr>
+          <p:cNvPicPr/>
+          <p:nvPr/>
+        </p:nvPicPr>
+        <p:blipFill>
+          <a:blip r:embed="rId2"/>
+          <a:stretch>
+            <a:fillRect/>
+          </a:stretch>
+        </p:blipFill>
+        <p:spPr>
+          <a:xfrm>
+            <a:off x="838200" y="4001294"/>
+            <a:ext cx="4320000" cy="2880000"/>
+          </a:xfrm>
+          <a:prstGeom prst="rect">
+            <a:avLst/>
+          </a:prstGeom>
+        </p:spPr>
+      </p:pic>
+      <p:pic>
+        <p:nvPicPr>
+          <p:cNvPr id="5" name="Picture 120">
+            <a:extLst>
+              <a:ext uri="{FF2B5EF4-FFF2-40B4-BE49-F238E27FC236}">
+                <a16:creationId xmlns:a16="http://schemas.microsoft.com/office/drawing/2014/main" id="{B073DEED-F9BB-4776-8C12-8CF2F439DE00}"/>
+              </a:ext>
+            </a:extLst>
+          </p:cNvPr>
+          <p:cNvPicPr/>
+          <p:nvPr/>
+        </p:nvPicPr>
+        <p:blipFill>
+          <a:blip r:embed="rId3"/>
+          <a:stretch>
+            <a:fillRect/>
+          </a:stretch>
+        </p:blipFill>
+        <p:spPr>
+          <a:xfrm>
+            <a:off x="6189307" y="3978000"/>
+            <a:ext cx="4320000" cy="2880000"/>
+          </a:xfrm>
+          <a:prstGeom prst="rect">
+            <a:avLst/>
+          </a:prstGeom>
+        </p:spPr>
+      </p:pic>
+    </p:spTree>
+    <p:extLst>
+      <p:ext uri="{BB962C8B-B14F-4D97-AF65-F5344CB8AC3E}">
+        <p14:creationId xmlns:p14="http://schemas.microsoft.com/office/powerpoint/2010/main" val="2170552943"/>
+      </p:ext>
+    </p:extLst>
+  </p:cSld>
+  <p:clrMapOvr>
+    <a:masterClrMapping/>
+  </p:clrMapOvr>
+</p:sld>
+</file>
+
+<file path=ppt/slides/slide17.xml><?xml version="1.0" encoding="utf-8"?>
+<p:sld xmlns:a="http://schemas.openxmlformats.org/drawingml/2006/main" xmlns:r="http://schemas.openxmlformats.org/officeDocument/2006/relationships" xmlns:p="http://schemas.openxmlformats.org/presentationml/2006/main">
+  <p:cSld>
+    <p:spTree>
+      <p:nvGrpSpPr>
+        <p:cNvPr id="1" name=""/>
+        <p:cNvGrpSpPr/>
+        <p:nvPr/>
+      </p:nvGrpSpPr>
+      <p:grpSpPr>
+        <a:xfrm>
+          <a:off x="0" y="0"/>
+          <a:ext cx="0" cy="0"/>
+          <a:chOff x="0" y="0"/>
+          <a:chExt cx="0" cy="0"/>
+        </a:xfrm>
+      </p:grpSpPr>
+      <p:sp>
+        <p:nvSpPr>
+          <p:cNvPr id="2" name="Titel 1">
+            <a:extLst>
+              <a:ext uri="{FF2B5EF4-FFF2-40B4-BE49-F238E27FC236}">
+                <a16:creationId xmlns:a16="http://schemas.microsoft.com/office/drawing/2014/main" id="{6DCAF950-99E1-47B5-9898-05B147DEE735}"/>
+              </a:ext>
+            </a:extLst>
+          </p:cNvPr>
+          <p:cNvSpPr>
+            <a:spLocks noGrp="1"/>
+          </p:cNvSpPr>
+          <p:nvPr>
+            <p:ph type="title"/>
+          </p:nvPr>
+        </p:nvSpPr>
+        <p:spPr/>
+        <p:txBody>
+          <a:bodyPr/>
+          <a:lstStyle/>
+          <a:p>
+            <a:r>
+              <a:rPr lang="nl-NL" dirty="0" err="1"/>
+              <a:t>Sensitivity</a:t>
+            </a:r>
+            <a:r>
+              <a:rPr lang="nl-NL" dirty="0"/>
+              <a:t> </a:t>
+            </a:r>
+            <a:r>
+              <a:rPr lang="nl-NL" dirty="0" err="1"/>
+              <a:t>upper</a:t>
+            </a:r>
+            <a:r>
+              <a:rPr lang="nl-NL" dirty="0"/>
+              <a:t> air </a:t>
+            </a:r>
+            <a:r>
+              <a:rPr lang="nl-NL" dirty="0" err="1"/>
+              <a:t>moisture</a:t>
+            </a:r>
+            <a:endParaRPr lang="nl-NL" dirty="0"/>
+          </a:p>
+        </p:txBody>
+      </p:sp>
+      <p:sp>
+        <p:nvSpPr>
+          <p:cNvPr id="3" name="Tijdelijke aanduiding voor inhoud 2">
+            <a:extLst>
+              <a:ext uri="{FF2B5EF4-FFF2-40B4-BE49-F238E27FC236}">
+                <a16:creationId xmlns:a16="http://schemas.microsoft.com/office/drawing/2014/main" id="{CDE801D1-F5F6-4361-8352-F56FC52557D9}"/>
+              </a:ext>
+            </a:extLst>
+          </p:cNvPr>
+          <p:cNvSpPr>
+            <a:spLocks noGrp="1"/>
+          </p:cNvSpPr>
+          <p:nvPr>
+            <p:ph idx="1"/>
+          </p:nvPr>
+        </p:nvSpPr>
+        <p:spPr/>
+        <p:txBody>
+          <a:bodyPr/>
+          <a:lstStyle/>
+          <a:p>
+            <a:r>
+              <a:rPr lang="nl-NL" dirty="0" err="1"/>
+              <a:t>Reduction</a:t>
+            </a:r>
+            <a:r>
+              <a:rPr lang="nl-NL" dirty="0"/>
+              <a:t> of </a:t>
+            </a:r>
+            <a:r>
+              <a:rPr lang="nl-NL" dirty="0" err="1"/>
+              <a:t>moisture</a:t>
+            </a:r>
+            <a:r>
+              <a:rPr lang="nl-NL" dirty="0"/>
+              <a:t> </a:t>
+            </a:r>
+            <a:r>
+              <a:rPr lang="nl-NL" dirty="0" err="1"/>
+              <a:t>above</a:t>
+            </a:r>
+            <a:r>
+              <a:rPr lang="nl-NL" dirty="0"/>
+              <a:t> 2 km</a:t>
+            </a:r>
+          </a:p>
+        </p:txBody>
+      </p:sp>
+      <p:graphicFrame>
+        <p:nvGraphicFramePr>
+          <p:cNvPr id="6" name="Tabel 5">
+            <a:extLst>
+              <a:ext uri="{FF2B5EF4-FFF2-40B4-BE49-F238E27FC236}">
+                <a16:creationId xmlns:a16="http://schemas.microsoft.com/office/drawing/2014/main" id="{161E4587-CBCD-4AE6-BD42-E45192328BE7}"/>
+              </a:ext>
+            </a:extLst>
+          </p:cNvPr>
+          <p:cNvGraphicFramePr>
+            <a:graphicFrameLocks noGrp="1"/>
+          </p:cNvGraphicFramePr>
+          <p:nvPr>
+            <p:extLst>
+              <p:ext uri="{D42A27DB-BD31-4B8C-83A1-F6EECF244321}">
+                <p14:modId xmlns:p14="http://schemas.microsoft.com/office/powerpoint/2010/main" val="984786309"/>
+              </p:ext>
+            </p:extLst>
+          </p:nvPr>
+        </p:nvGraphicFramePr>
+        <p:xfrm>
+          <a:off x="1135356" y="2646120"/>
+          <a:ext cx="4430944" cy="1764894"/>
+        </p:xfrm>
+        <a:graphic>
+          <a:graphicData uri="http://schemas.openxmlformats.org/drawingml/2006/table">
+            <a:tbl>
+              <a:tblPr firstRow="1" bandRow="1">
+                <a:tableStyleId>{5C22544A-7EE6-4342-B048-85BDC9FD1C3A}</a:tableStyleId>
+              </a:tblPr>
+              <a:tblGrid>
+                <a:gridCol w="2215472">
+                  <a:extLst>
+                    <a:ext uri="{9D8B030D-6E8A-4147-A177-3AD203B41FA5}">
+                      <a16:colId xmlns:a16="http://schemas.microsoft.com/office/drawing/2014/main" val="2606592587"/>
+                    </a:ext>
+                  </a:extLst>
+                </a:gridCol>
+                <a:gridCol w="2215472">
+                  <a:extLst>
+                    <a:ext uri="{9D8B030D-6E8A-4147-A177-3AD203B41FA5}">
+                      <a16:colId xmlns:a16="http://schemas.microsoft.com/office/drawing/2014/main" val="3718566810"/>
+                    </a:ext>
+                  </a:extLst>
+                </a:gridCol>
+              </a:tblGrid>
+              <a:tr h="374938">
+                <a:tc>
+                  <a:txBody>
+                    <a:bodyPr/>
+                    <a:lstStyle/>
+                    <a:p>
+                      <a:r>
+                        <a:rPr lang="nl-NL" dirty="0" err="1"/>
+                        <a:t>Reduction</a:t>
+                      </a:r>
+                      <a:endParaRPr lang="nl-NL" dirty="0"/>
+                    </a:p>
+                  </a:txBody>
+                  <a:tcPr/>
+                </a:tc>
+                <a:tc>
+                  <a:txBody>
+                    <a:bodyPr/>
+                    <a:lstStyle/>
+                    <a:p>
+                      <a:r>
+                        <a:rPr lang="nl-NL" dirty="0" err="1"/>
+                        <a:t>Precipitation</a:t>
+                      </a:r>
+                      <a:r>
+                        <a:rPr lang="nl-NL" dirty="0"/>
+                        <a:t> </a:t>
+                      </a:r>
+                      <a:r>
+                        <a:rPr lang="nl-NL" dirty="0" err="1"/>
+                        <a:t>reduction</a:t>
+                      </a:r>
+                      <a:endParaRPr lang="nl-NL" dirty="0"/>
+                    </a:p>
+                  </a:txBody>
+                  <a:tcPr/>
+                </a:tc>
+                <a:extLst>
+                  <a:ext uri="{0D108BD9-81ED-4DB2-BD59-A6C34878D82A}">
+                    <a16:rowId xmlns:a16="http://schemas.microsoft.com/office/drawing/2014/main" val="884382512"/>
+                  </a:ext>
+                </a:extLst>
+              </a:tr>
+              <a:tr h="374938">
+                <a:tc>
+                  <a:txBody>
+                    <a:bodyPr/>
+                    <a:lstStyle/>
+                    <a:p>
+                      <a:r>
+                        <a:rPr lang="nl-NL" dirty="0"/>
+                        <a:t>5%</a:t>
+                      </a:r>
+                    </a:p>
+                  </a:txBody>
+                  <a:tcPr/>
+                </a:tc>
+                <a:tc>
+                  <a:txBody>
+                    <a:bodyPr/>
+                    <a:lstStyle/>
+                    <a:p>
+                      <a:r>
+                        <a:rPr lang="nl-NL" dirty="0"/>
+                        <a:t>49%</a:t>
+                      </a:r>
+                    </a:p>
+                  </a:txBody>
+                  <a:tcPr/>
+                </a:tc>
+                <a:extLst>
+                  <a:ext uri="{0D108BD9-81ED-4DB2-BD59-A6C34878D82A}">
+                    <a16:rowId xmlns:a16="http://schemas.microsoft.com/office/drawing/2014/main" val="2944857273"/>
+                  </a:ext>
+                </a:extLst>
+              </a:tr>
+              <a:tr h="374938">
+                <a:tc>
+                  <a:txBody>
+                    <a:bodyPr/>
+                    <a:lstStyle/>
+                    <a:p>
+                      <a:r>
+                        <a:rPr lang="nl-NL" dirty="0"/>
+                        <a:t>25%</a:t>
+                      </a:r>
+                    </a:p>
+                  </a:txBody>
+                  <a:tcPr/>
+                </a:tc>
+                <a:tc>
+                  <a:txBody>
+                    <a:bodyPr/>
+                    <a:lstStyle/>
+                    <a:p>
+                      <a:r>
+                        <a:rPr lang="nl-NL" dirty="0"/>
+                        <a:t>83%</a:t>
+                      </a:r>
+                    </a:p>
+                  </a:txBody>
+                  <a:tcPr/>
+                </a:tc>
+                <a:extLst>
+                  <a:ext uri="{0D108BD9-81ED-4DB2-BD59-A6C34878D82A}">
+                    <a16:rowId xmlns:a16="http://schemas.microsoft.com/office/drawing/2014/main" val="1125544013"/>
+                  </a:ext>
+                </a:extLst>
+              </a:tr>
+              <a:tr h="374938">
+                <a:tc>
+                  <a:txBody>
+                    <a:bodyPr/>
+                    <a:lstStyle/>
+                    <a:p>
+                      <a:r>
+                        <a:rPr lang="nl-NL" dirty="0"/>
+                        <a:t>50%</a:t>
+                      </a:r>
+                    </a:p>
+                  </a:txBody>
+                  <a:tcPr/>
+                </a:tc>
+                <a:tc>
+                  <a:txBody>
+                    <a:bodyPr/>
+                    <a:lstStyle/>
+                    <a:p>
+                      <a:r>
+                        <a:rPr lang="nl-NL" dirty="0"/>
+                        <a:t>90%</a:t>
+                      </a:r>
+                    </a:p>
+                  </a:txBody>
+                  <a:tcPr/>
+                </a:tc>
+                <a:extLst>
+                  <a:ext uri="{0D108BD9-81ED-4DB2-BD59-A6C34878D82A}">
+                    <a16:rowId xmlns:a16="http://schemas.microsoft.com/office/drawing/2014/main" val="3431542153"/>
+                  </a:ext>
+                </a:extLst>
+              </a:tr>
+            </a:tbl>
+          </a:graphicData>
+        </a:graphic>
+      </p:graphicFrame>
+    </p:spTree>
+    <p:extLst>
+      <p:ext uri="{BB962C8B-B14F-4D97-AF65-F5344CB8AC3E}">
+        <p14:creationId xmlns:p14="http://schemas.microsoft.com/office/powerpoint/2010/main" val="2064736489"/>
+      </p:ext>
+    </p:extLst>
+  </p:cSld>
+  <p:clrMapOvr>
+    <a:masterClrMapping/>
+  </p:clrMapOvr>
+</p:sld>
+</file>
+
+<file path=ppt/slides/slide18.xml><?xml version="1.0" encoding="utf-8"?>
+<p:sld xmlns:a="http://schemas.openxmlformats.org/drawingml/2006/main" xmlns:r="http://schemas.openxmlformats.org/officeDocument/2006/relationships" xmlns:p="http://schemas.openxmlformats.org/presentationml/2006/main">
+  <p:cSld>
+    <p:spTree>
+      <p:nvGrpSpPr>
+        <p:cNvPr id="1" name=""/>
+        <p:cNvGrpSpPr/>
+        <p:nvPr/>
+      </p:nvGrpSpPr>
+      <p:grpSpPr>
+        <a:xfrm>
+          <a:off x="0" y="0"/>
+          <a:ext cx="0" cy="0"/>
+          <a:chOff x="0" y="0"/>
+          <a:chExt cx="0" cy="0"/>
+        </a:xfrm>
+      </p:grpSpPr>
+      <p:sp>
+        <p:nvSpPr>
+          <p:cNvPr id="2" name="Titel 1">
+            <a:extLst>
+              <a:ext uri="{FF2B5EF4-FFF2-40B4-BE49-F238E27FC236}">
+                <a16:creationId xmlns:a16="http://schemas.microsoft.com/office/drawing/2014/main" id="{45B6F5DD-6FD3-4E8C-A745-02251B4F3641}"/>
+              </a:ext>
+            </a:extLst>
+          </p:cNvPr>
+          <p:cNvSpPr>
+            <a:spLocks noGrp="1"/>
+          </p:cNvSpPr>
+          <p:nvPr>
+            <p:ph type="title"/>
+          </p:nvPr>
+        </p:nvSpPr>
+        <p:spPr/>
+        <p:txBody>
+          <a:bodyPr/>
+          <a:lstStyle/>
+          <a:p>
+            <a:r>
+              <a:rPr lang="nl-NL" dirty="0" err="1"/>
+              <a:t>Discussion</a:t>
+            </a:r>
+            <a:endParaRPr lang="nl-NL" dirty="0"/>
+          </a:p>
+        </p:txBody>
+      </p:sp>
+      <p:sp>
+        <p:nvSpPr>
+          <p:cNvPr id="3" name="Tijdelijke aanduiding voor inhoud 2">
+            <a:extLst>
+              <a:ext uri="{FF2B5EF4-FFF2-40B4-BE49-F238E27FC236}">
+                <a16:creationId xmlns:a16="http://schemas.microsoft.com/office/drawing/2014/main" id="{6D9C6D3A-87E7-4946-8583-E1F25941B8D2}"/>
+              </a:ext>
+            </a:extLst>
+          </p:cNvPr>
+          <p:cNvSpPr>
+            <a:spLocks noGrp="1"/>
+          </p:cNvSpPr>
+          <p:nvPr>
+            <p:ph idx="1"/>
+          </p:nvPr>
+        </p:nvSpPr>
+        <p:spPr/>
+        <p:txBody>
+          <a:bodyPr/>
+          <a:lstStyle/>
+          <a:p>
+            <a:r>
+              <a:rPr lang="nl-NL" dirty="0" err="1"/>
+              <a:t>Horizontal</a:t>
+            </a:r>
+            <a:r>
+              <a:rPr lang="nl-NL" dirty="0"/>
+              <a:t> </a:t>
+            </a:r>
+            <a:r>
+              <a:rPr lang="nl-NL" dirty="0" err="1"/>
+              <a:t>dynamics</a:t>
+            </a:r>
+            <a:r>
+              <a:rPr lang="nl-NL" dirty="0"/>
+              <a:t> </a:t>
+            </a:r>
+            <a:r>
+              <a:rPr lang="nl-NL" dirty="0" err="1"/>
+              <a:t>excluded</a:t>
+            </a:r>
+            <a:r>
+              <a:rPr lang="nl-NL" dirty="0"/>
+              <a:t> in </a:t>
+            </a:r>
+            <a:r>
+              <a:rPr lang="nl-NL" dirty="0" err="1"/>
+              <a:t>parcel</a:t>
+            </a:r>
+            <a:r>
+              <a:rPr lang="nl-NL" dirty="0"/>
+              <a:t> model, but </a:t>
+            </a:r>
+            <a:r>
+              <a:rPr lang="nl-NL" dirty="0" err="1"/>
+              <a:t>essential</a:t>
+            </a:r>
+            <a:r>
+              <a:rPr lang="nl-NL" dirty="0"/>
+              <a:t> as “</a:t>
+            </a:r>
+            <a:r>
+              <a:rPr lang="nl-NL" dirty="0" err="1"/>
+              <a:t>sorting</a:t>
+            </a:r>
+            <a:r>
+              <a:rPr lang="nl-NL" dirty="0"/>
+              <a:t> </a:t>
+            </a:r>
+            <a:r>
+              <a:rPr lang="nl-NL" dirty="0" err="1"/>
+              <a:t>mechanism</a:t>
+            </a:r>
+            <a:r>
+              <a:rPr lang="nl-NL" dirty="0"/>
+              <a:t>”</a:t>
+            </a:r>
+          </a:p>
+        </p:txBody>
+      </p:sp>
+      <p:pic>
+        <p:nvPicPr>
+          <p:cNvPr id="5" name="Afbeelding 4">
+            <a:extLst>
+              <a:ext uri="{FF2B5EF4-FFF2-40B4-BE49-F238E27FC236}">
+                <a16:creationId xmlns:a16="http://schemas.microsoft.com/office/drawing/2014/main" id="{5FCC45E5-4BF8-45B8-81CA-E6D24A8832AD}"/>
               </a:ext>
             </a:extLst>
           </p:cNvPr>
@@ -3456,20 +6361,66 @@
         </p:blipFill>
         <p:spPr>
           <a:xfrm>
-            <a:off x="3674378" y="4418647"/>
-            <a:ext cx="1953144" cy="2219482"/>
+            <a:off x="447384" y="2862886"/>
+            <a:ext cx="5725886" cy="3817257"/>
           </a:xfrm>
           <a:prstGeom prst="rect">
             <a:avLst/>
           </a:prstGeom>
         </p:spPr>
       </p:pic>
+      <p:sp>
+        <p:nvSpPr>
+          <p:cNvPr id="7" name="Pijl: omhoog 6">
+            <a:extLst>
+              <a:ext uri="{FF2B5EF4-FFF2-40B4-BE49-F238E27FC236}">
+                <a16:creationId xmlns:a16="http://schemas.microsoft.com/office/drawing/2014/main" id="{B2A059C3-7F6C-4800-AD2B-5F783CA8F8F1}"/>
+              </a:ext>
+            </a:extLst>
+          </p:cNvPr>
+          <p:cNvSpPr/>
+          <p:nvPr/>
+        </p:nvSpPr>
+        <p:spPr>
+          <a:xfrm>
+            <a:off x="1669001" y="4466504"/>
+            <a:ext cx="656947" cy="1308033"/>
+          </a:xfrm>
+          <a:prstGeom prst="upArrow">
+            <a:avLst/>
+          </a:prstGeom>
+        </p:spPr>
+        <p:style>
+          <a:lnRef idx="2">
+            <a:schemeClr val="accent1">
+              <a:shade val="50000"/>
+            </a:schemeClr>
+          </a:lnRef>
+          <a:fillRef idx="1">
+            <a:schemeClr val="accent1"/>
+          </a:fillRef>
+          <a:effectRef idx="0">
+            <a:schemeClr val="accent1"/>
+          </a:effectRef>
+          <a:fontRef idx="minor">
+            <a:schemeClr val="lt1"/>
+          </a:fontRef>
+        </p:style>
+        <p:txBody>
+          <a:bodyPr rtlCol="0" anchor="ctr"/>
+          <a:lstStyle/>
+          <a:p>
+            <a:pPr algn="ctr"/>
+            <a:endParaRPr lang="nl-NL"/>
+          </a:p>
+        </p:txBody>
+      </p:sp>
       <p:pic>
         <p:nvPicPr>
-          <p:cNvPr id="8" name="Afbeelding 7">
-            <a:extLst>
-              <a:ext uri="{FF2B5EF4-FFF2-40B4-BE49-F238E27FC236}">
-                <a16:creationId xmlns:a16="http://schemas.microsoft.com/office/drawing/2014/main" id="{9458A9A3-9F0D-4B77-8D05-5D1B5034C378}"/>
+          <p:cNvPr id="9" name="Afbeelding 8">
+            <a:extLst>
+              <a:ext uri="{FF2B5EF4-FFF2-40B4-BE49-F238E27FC236}">
+                <a16:creationId xmlns:a16="http://schemas.microsoft.com/office/drawing/2014/main" id="{71CA6A9D-E94B-4825-B5DA-2185C8375013}"/>
               </a:ext>
             </a:extLst>
           </p:cNvPr>
@@ -3492,20 +6443,438 @@
         </p:blipFill>
         <p:spPr>
           <a:xfrm>
-            <a:off x="7535610" y="2515084"/>
-            <a:ext cx="1769243" cy="2358991"/>
+            <a:off x="6267979" y="3579143"/>
+            <a:ext cx="5719233" cy="2732757"/>
           </a:xfrm>
           <a:prstGeom prst="rect">
             <a:avLst/>
           </a:prstGeom>
         </p:spPr>
       </p:pic>
+      <p:sp>
+        <p:nvSpPr>
+          <p:cNvPr id="10" name="Pijl: omlaag 9">
+            <a:extLst>
+              <a:ext uri="{FF2B5EF4-FFF2-40B4-BE49-F238E27FC236}">
+                <a16:creationId xmlns:a16="http://schemas.microsoft.com/office/drawing/2014/main" id="{FE5D7AB6-79B2-4190-A343-8D3B159F4C53}"/>
+              </a:ext>
+            </a:extLst>
+          </p:cNvPr>
+          <p:cNvSpPr/>
+          <p:nvPr/>
+        </p:nvSpPr>
+        <p:spPr>
+          <a:xfrm>
+            <a:off x="3156749" y="4664982"/>
+            <a:ext cx="172377" cy="413045"/>
+          </a:xfrm>
+          <a:prstGeom prst="downArrow">
+            <a:avLst/>
+          </a:prstGeom>
+        </p:spPr>
+        <p:style>
+          <a:lnRef idx="2">
+            <a:schemeClr val="accent1">
+              <a:shade val="50000"/>
+            </a:schemeClr>
+          </a:lnRef>
+          <a:fillRef idx="1">
+            <a:schemeClr val="accent1"/>
+          </a:fillRef>
+          <a:effectRef idx="0">
+            <a:schemeClr val="accent1"/>
+          </a:effectRef>
+          <a:fontRef idx="minor">
+            <a:schemeClr val="lt1"/>
+          </a:fontRef>
+        </p:style>
+        <p:txBody>
+          <a:bodyPr rtlCol="0" anchor="ctr"/>
+          <a:lstStyle/>
+          <a:p>
+            <a:pPr algn="ctr"/>
+            <a:endParaRPr lang="nl-NL"/>
+          </a:p>
+        </p:txBody>
+      </p:sp>
+    </p:spTree>
+    <p:extLst>
+      <p:ext uri="{BB962C8B-B14F-4D97-AF65-F5344CB8AC3E}">
+        <p14:creationId xmlns:p14="http://schemas.microsoft.com/office/powerpoint/2010/main" val="3588643027"/>
+      </p:ext>
+    </p:extLst>
+  </p:cSld>
+  <p:clrMapOvr>
+    <a:masterClrMapping/>
+  </p:clrMapOvr>
+</p:sld>
+</file>
+
+<file path=ppt/slides/slide19.xml><?xml version="1.0" encoding="utf-8"?>
+<p:sld xmlns:a="http://schemas.openxmlformats.org/drawingml/2006/main" xmlns:r="http://schemas.openxmlformats.org/officeDocument/2006/relationships" xmlns:p="http://schemas.openxmlformats.org/presentationml/2006/main">
+  <p:cSld>
+    <p:spTree>
+      <p:nvGrpSpPr>
+        <p:cNvPr id="1" name=""/>
+        <p:cNvGrpSpPr/>
+        <p:nvPr/>
+      </p:nvGrpSpPr>
+      <p:grpSpPr>
+        <a:xfrm>
+          <a:off x="0" y="0"/>
+          <a:ext cx="0" cy="0"/>
+          <a:chOff x="0" y="0"/>
+          <a:chExt cx="0" cy="0"/>
+        </a:xfrm>
+      </p:grpSpPr>
+      <p:sp>
+        <p:nvSpPr>
+          <p:cNvPr id="2" name="Titel 1">
+            <a:extLst>
+              <a:ext uri="{FF2B5EF4-FFF2-40B4-BE49-F238E27FC236}">
+                <a16:creationId xmlns:a16="http://schemas.microsoft.com/office/drawing/2014/main" id="{45B6F5DD-6FD3-4E8C-A745-02251B4F3641}"/>
+              </a:ext>
+            </a:extLst>
+          </p:cNvPr>
+          <p:cNvSpPr>
+            <a:spLocks noGrp="1"/>
+          </p:cNvSpPr>
+          <p:nvPr>
+            <p:ph type="title"/>
+          </p:nvPr>
+        </p:nvSpPr>
+        <p:spPr/>
+        <p:txBody>
+          <a:bodyPr/>
+          <a:lstStyle/>
+          <a:p>
+            <a:r>
+              <a:rPr lang="nl-NL" dirty="0" err="1"/>
+              <a:t>Discussion</a:t>
+            </a:r>
+            <a:endParaRPr lang="nl-NL" dirty="0"/>
+          </a:p>
+        </p:txBody>
+      </p:sp>
+      <p:sp>
+        <p:nvSpPr>
+          <p:cNvPr id="3" name="Tijdelijke aanduiding voor inhoud 2">
+            <a:extLst>
+              <a:ext uri="{FF2B5EF4-FFF2-40B4-BE49-F238E27FC236}">
+                <a16:creationId xmlns:a16="http://schemas.microsoft.com/office/drawing/2014/main" id="{6D9C6D3A-87E7-4946-8583-E1F25941B8D2}"/>
+              </a:ext>
+            </a:extLst>
+          </p:cNvPr>
+          <p:cNvSpPr>
+            <a:spLocks noGrp="1"/>
+          </p:cNvSpPr>
+          <p:nvPr>
+            <p:ph idx="1"/>
+          </p:nvPr>
+        </p:nvSpPr>
+        <p:spPr/>
+        <p:txBody>
+          <a:bodyPr/>
+          <a:lstStyle/>
+          <a:p>
+            <a:r>
+              <a:rPr lang="nl-NL" dirty="0"/>
+              <a:t>No </a:t>
+            </a:r>
+            <a:r>
+              <a:rPr lang="nl-NL" dirty="0" err="1"/>
+              <a:t>oscillatory</a:t>
+            </a:r>
+            <a:r>
+              <a:rPr lang="nl-NL" dirty="0"/>
+              <a:t> </a:t>
+            </a:r>
+            <a:r>
+              <a:rPr lang="nl-NL" dirty="0" err="1"/>
+              <a:t>behavior</a:t>
+            </a:r>
+            <a:r>
+              <a:rPr lang="nl-NL" dirty="0"/>
+              <a:t> in </a:t>
+            </a:r>
+            <a:r>
+              <a:rPr lang="nl-NL" dirty="0" err="1"/>
+              <a:t>reality</a:t>
+            </a:r>
+            <a:r>
+              <a:rPr lang="nl-NL" dirty="0"/>
+              <a:t>, but </a:t>
+            </a:r>
+            <a:r>
+              <a:rPr lang="nl-NL" dirty="0" err="1"/>
+              <a:t>either</a:t>
+            </a:r>
+            <a:r>
+              <a:rPr lang="nl-NL" dirty="0"/>
+              <a:t> </a:t>
+            </a:r>
+            <a:r>
+              <a:rPr lang="nl-NL" dirty="0" err="1"/>
+              <a:t>dissipation</a:t>
+            </a:r>
+            <a:r>
+              <a:rPr lang="nl-NL" dirty="0"/>
+              <a:t> or </a:t>
+            </a:r>
+            <a:r>
+              <a:rPr lang="nl-NL" dirty="0" err="1"/>
+              <a:t>persistance</a:t>
+            </a:r>
+            <a:r>
+              <a:rPr lang="nl-NL" dirty="0"/>
+              <a:t> </a:t>
+            </a:r>
+            <a:r>
+              <a:rPr lang="nl-NL" dirty="0" err="1"/>
+              <a:t>due</a:t>
+            </a:r>
+            <a:r>
+              <a:rPr lang="nl-NL" dirty="0"/>
+              <a:t> </a:t>
+            </a:r>
+            <a:r>
+              <a:rPr lang="nl-NL" dirty="0" err="1"/>
+              <a:t>to</a:t>
+            </a:r>
+            <a:r>
+              <a:rPr lang="nl-NL" dirty="0"/>
+              <a:t> </a:t>
+            </a:r>
+            <a:r>
+              <a:rPr lang="nl-NL" dirty="0" err="1"/>
+              <a:t>role</a:t>
+            </a:r>
+            <a:r>
+              <a:rPr lang="nl-NL" dirty="0"/>
+              <a:t> of </a:t>
+            </a:r>
+            <a:r>
+              <a:rPr lang="nl-NL" dirty="0" err="1"/>
+              <a:t>horizontal</a:t>
+            </a:r>
+            <a:r>
+              <a:rPr lang="nl-NL" dirty="0"/>
+              <a:t> </a:t>
+            </a:r>
+            <a:r>
+              <a:rPr lang="nl-NL" dirty="0" err="1"/>
+              <a:t>dynamics</a:t>
+            </a:r>
+            <a:endParaRPr lang="nl-NL" dirty="0"/>
+          </a:p>
+          <a:p>
+            <a:r>
+              <a:rPr lang="nl-NL" dirty="0"/>
+              <a:t>In </a:t>
+            </a:r>
+            <a:r>
+              <a:rPr lang="nl-NL" dirty="0" err="1"/>
+              <a:t>this</a:t>
+            </a:r>
+            <a:r>
+              <a:rPr lang="nl-NL" dirty="0"/>
+              <a:t> model, </a:t>
+            </a:r>
+            <a:r>
+              <a:rPr lang="nl-NL" dirty="0" err="1"/>
+              <a:t>condensed</a:t>
+            </a:r>
+            <a:r>
+              <a:rPr lang="nl-NL" dirty="0"/>
+              <a:t> water or ice is </a:t>
+            </a:r>
+            <a:r>
+              <a:rPr lang="nl-NL" dirty="0" err="1"/>
+              <a:t>either</a:t>
+            </a:r>
+            <a:r>
+              <a:rPr lang="nl-NL" dirty="0"/>
+              <a:t> </a:t>
+            </a:r>
+            <a:r>
+              <a:rPr lang="nl-NL" dirty="0" err="1"/>
+              <a:t>inside</a:t>
+            </a:r>
+            <a:r>
+              <a:rPr lang="nl-NL" dirty="0"/>
+              <a:t> or </a:t>
+            </a:r>
+            <a:r>
+              <a:rPr lang="nl-NL" dirty="0" err="1"/>
+              <a:t>outside</a:t>
+            </a:r>
+            <a:r>
+              <a:rPr lang="nl-NL" dirty="0"/>
+              <a:t> </a:t>
+            </a:r>
+            <a:r>
+              <a:rPr lang="nl-NL" dirty="0" err="1"/>
+              <a:t>the</a:t>
+            </a:r>
+            <a:r>
+              <a:rPr lang="nl-NL" dirty="0"/>
+              <a:t> </a:t>
+            </a:r>
+            <a:r>
+              <a:rPr lang="nl-NL" dirty="0" err="1"/>
+              <a:t>parcel</a:t>
+            </a:r>
+            <a:r>
+              <a:rPr lang="nl-NL" dirty="0"/>
+              <a:t> but does </a:t>
+            </a:r>
+            <a:r>
+              <a:rPr lang="nl-NL" dirty="0" err="1"/>
+              <a:t>not</a:t>
+            </a:r>
+            <a:r>
+              <a:rPr lang="nl-NL" dirty="0"/>
+              <a:t> go </a:t>
+            </a:r>
+            <a:r>
+              <a:rPr lang="nl-NL" dirty="0" err="1"/>
+              <a:t>somewhere</a:t>
+            </a:r>
+            <a:endParaRPr lang="nl-NL" dirty="0"/>
+          </a:p>
+          <a:p>
+            <a:pPr marL="0" indent="0">
+              <a:buNone/>
+            </a:pPr>
+            <a:r>
+              <a:rPr lang="nl-NL" dirty="0">
+                <a:sym typeface="Wingdings" panose="05000000000000000000" pitchFamily="2" charset="2"/>
+              </a:rPr>
+              <a:t> </a:t>
+            </a:r>
+            <a:r>
+              <a:rPr lang="nl-NL" dirty="0" err="1"/>
+              <a:t>Interaction</a:t>
+            </a:r>
+            <a:r>
+              <a:rPr lang="nl-NL" dirty="0"/>
+              <a:t> </a:t>
+            </a:r>
+            <a:r>
+              <a:rPr lang="nl-NL" dirty="0" err="1"/>
+              <a:t>parcel</a:t>
+            </a:r>
+            <a:r>
+              <a:rPr lang="nl-NL" dirty="0"/>
+              <a:t> &amp; </a:t>
+            </a:r>
+            <a:r>
+              <a:rPr lang="nl-NL" dirty="0" err="1"/>
+              <a:t>cloud</a:t>
+            </a:r>
+            <a:r>
+              <a:rPr lang="nl-NL" dirty="0"/>
+              <a:t> content</a:t>
+            </a:r>
+          </a:p>
+          <a:p>
+            <a:r>
+              <a:rPr lang="nl-NL" dirty="0" err="1"/>
+              <a:t>Limitation</a:t>
+            </a:r>
+            <a:r>
+              <a:rPr lang="nl-NL" dirty="0"/>
+              <a:t> of </a:t>
+            </a:r>
+            <a:r>
+              <a:rPr lang="nl-NL" dirty="0" err="1"/>
+              <a:t>parcel</a:t>
+            </a:r>
+            <a:r>
+              <a:rPr lang="nl-NL" dirty="0"/>
+              <a:t> model</a:t>
+            </a:r>
+          </a:p>
+          <a:p>
+            <a:r>
+              <a:rPr lang="nl-NL" dirty="0" err="1"/>
+              <a:t>Also</a:t>
+            </a:r>
+            <a:r>
+              <a:rPr lang="nl-NL" dirty="0"/>
+              <a:t>, </a:t>
+            </a:r>
+            <a:r>
+              <a:rPr lang="nl-NL" dirty="0" err="1"/>
+              <a:t>the</a:t>
+            </a:r>
+            <a:r>
+              <a:rPr lang="nl-NL" dirty="0"/>
+              <a:t> </a:t>
+            </a:r>
+            <a:r>
+              <a:rPr lang="nl-NL" dirty="0" err="1"/>
+              <a:t>parameterizations</a:t>
+            </a:r>
+            <a:r>
+              <a:rPr lang="nl-NL" dirty="0"/>
+              <a:t> (</a:t>
+            </a:r>
+            <a:r>
+              <a:rPr lang="nl-NL" dirty="0" err="1"/>
+              <a:t>foremost</a:t>
+            </a:r>
+            <a:r>
+              <a:rPr lang="nl-NL" dirty="0"/>
+              <a:t> </a:t>
+            </a:r>
+            <a:r>
+              <a:rPr lang="nl-NL" dirty="0" err="1"/>
+              <a:t>conversion</a:t>
+            </a:r>
+            <a:r>
+              <a:rPr lang="nl-NL" dirty="0"/>
+              <a:t> </a:t>
+            </a:r>
+            <a:r>
+              <a:rPr lang="nl-NL" dirty="0" err="1"/>
+              <a:t>to</a:t>
+            </a:r>
+            <a:r>
+              <a:rPr lang="nl-NL" dirty="0"/>
+              <a:t> ice) are </a:t>
+            </a:r>
+            <a:r>
+              <a:rPr lang="nl-NL" dirty="0" err="1"/>
+              <a:t>hugely</a:t>
+            </a:r>
+            <a:r>
+              <a:rPr lang="nl-NL" dirty="0"/>
+              <a:t> </a:t>
+            </a:r>
+            <a:r>
+              <a:rPr lang="nl-NL" dirty="0" err="1"/>
+              <a:t>simplified</a:t>
+            </a:r>
+            <a:endParaRPr lang="nl-NL" dirty="0"/>
+          </a:p>
+          <a:p>
+            <a:pPr marL="0" indent="0">
+              <a:buNone/>
+            </a:pPr>
+            <a:r>
+              <a:rPr lang="nl-NL" dirty="0"/>
+              <a:t>  </a:t>
+            </a:r>
+          </a:p>
+        </p:txBody>
+      </p:sp>
       <p:pic>
         <p:nvPicPr>
-          <p:cNvPr id="10" name="Afbeelding 9">
-            <a:extLst>
-              <a:ext uri="{FF2B5EF4-FFF2-40B4-BE49-F238E27FC236}">
-                <a16:creationId xmlns:a16="http://schemas.microsoft.com/office/drawing/2014/main" id="{B9E9F5F6-B8AB-4C4A-B4BC-FBFA84DA668A}"/>
+          <p:cNvPr id="4" name="Afbeelding 3">
+            <a:extLst>
+              <a:ext uri="{FF2B5EF4-FFF2-40B4-BE49-F238E27FC236}">
+                <a16:creationId xmlns:a16="http://schemas.microsoft.com/office/drawing/2014/main" id="{A06AA666-8894-44D4-A001-C0B322650B46}"/>
               </a:ext>
             </a:extLst>
           </p:cNvPr>
@@ -3515,883 +6884,53 @@
           <p:nvPr/>
         </p:nvPicPr>
         <p:blipFill rotWithShape="1">
-          <a:blip r:embed="rId4">
-            <a:extLst>
-              <a:ext uri="{28A0092B-C50C-407E-A947-70E740481C1C}">
-                <a14:useLocalDpi xmlns:a14="http://schemas.microsoft.com/office/drawing/2010/main" val="0"/>
-              </a:ext>
-            </a:extLst>
-          </a:blip>
-          <a:srcRect l="3071" t="48083" r="51977" b="8187"/>
+          <a:blip r:embed="rId2"/>
+          <a:srcRect l="9458" t="42583" r="53131" b="12679"/>
           <a:stretch/>
         </p:blipFill>
         <p:spPr>
           <a:xfrm>
-            <a:off x="3674378" y="2290259"/>
-            <a:ext cx="1953144" cy="1431367"/>
+            <a:off x="9506082" y="4720058"/>
+            <a:ext cx="2155372" cy="1772817"/>
           </a:xfrm>
           <a:prstGeom prst="rect">
             <a:avLst/>
           </a:prstGeom>
         </p:spPr>
       </p:pic>
-      <p:sp>
-        <p:nvSpPr>
-          <p:cNvPr id="17" name="Pijl: omhoog 16">
-            <a:extLst>
-              <a:ext uri="{FF2B5EF4-FFF2-40B4-BE49-F238E27FC236}">
-                <a16:creationId xmlns:a16="http://schemas.microsoft.com/office/drawing/2014/main" id="{FD66C9E8-CE61-4A3D-BEF3-E5AB1346365D}"/>
-              </a:ext>
-            </a:extLst>
-          </p:cNvPr>
-          <p:cNvSpPr/>
+      <p:pic>
+        <p:nvPicPr>
+          <p:cNvPr id="11" name="Afbeelding 10">
+            <a:extLst>
+              <a:ext uri="{FF2B5EF4-FFF2-40B4-BE49-F238E27FC236}">
+                <a16:creationId xmlns:a16="http://schemas.microsoft.com/office/drawing/2014/main" id="{EB731639-ED07-4680-9DF7-7C12EB41D58A}"/>
+              </a:ext>
+            </a:extLst>
+          </p:cNvPr>
+          <p:cNvPicPr>
+            <a:picLocks noChangeAspect="1"/>
+          </p:cNvPicPr>
           <p:nvPr/>
-        </p:nvSpPr>
+        </p:nvPicPr>
+        <p:blipFill rotWithShape="1">
+          <a:blip r:embed="rId3"/>
+          <a:srcRect l="27291" t="3372" r="30328" b="-800"/>
+          <a:stretch/>
+        </p:blipFill>
         <p:spPr>
           <a:xfrm>
-            <a:off x="3450038" y="3749961"/>
-            <a:ext cx="1023456" cy="978408"/>
-          </a:xfrm>
-          <a:prstGeom prst="upArrow">
-            <a:avLst/>
-          </a:prstGeom>
-          <a:solidFill>
-            <a:srgbClr val="70AD47"/>
-          </a:solidFill>
-          <a:ln>
-            <a:solidFill>
-              <a:srgbClr val="507E32"/>
-            </a:solidFill>
-          </a:ln>
-        </p:spPr>
-        <p:style>
-          <a:lnRef idx="2">
-            <a:schemeClr val="accent2">
-              <a:shade val="50000"/>
-            </a:schemeClr>
-          </a:lnRef>
-          <a:fillRef idx="1">
-            <a:schemeClr val="accent2"/>
-          </a:fillRef>
-          <a:effectRef idx="0">
-            <a:schemeClr val="accent2"/>
-          </a:effectRef>
-          <a:fontRef idx="minor">
-            <a:schemeClr val="lt1"/>
-          </a:fontRef>
-        </p:style>
-        <p:txBody>
-          <a:bodyPr rtlCol="0" anchor="ctr"/>
-          <a:lstStyle/>
-          <a:p>
-            <a:pPr algn="ctr"/>
-            <a:r>
-              <a:rPr lang="nl-NL" dirty="0"/>
-              <a:t>M</a:t>
-            </a:r>
-          </a:p>
-          <a:p>
-            <a:pPr algn="ctr"/>
-            <a:r>
-              <a:rPr lang="nl-NL" dirty="0"/>
-              <a:t>0°C</a:t>
-            </a:r>
-          </a:p>
-        </p:txBody>
-      </p:sp>
-      <p:sp>
-        <p:nvSpPr>
-          <p:cNvPr id="18" name="Pijl: omlaag 17">
-            <a:extLst>
-              <a:ext uri="{FF2B5EF4-FFF2-40B4-BE49-F238E27FC236}">
-                <a16:creationId xmlns:a16="http://schemas.microsoft.com/office/drawing/2014/main" id="{ED2C6FD9-B817-4B76-A364-6A37863579E3}"/>
-              </a:ext>
-            </a:extLst>
-          </p:cNvPr>
-          <p:cNvSpPr/>
-          <p:nvPr/>
-        </p:nvSpPr>
-        <p:spPr>
-          <a:xfrm>
-            <a:off x="5036559" y="3749961"/>
-            <a:ext cx="994094" cy="978408"/>
-          </a:xfrm>
-          <a:prstGeom prst="downArrow">
-            <a:avLst/>
-          </a:prstGeom>
-          <a:solidFill>
-            <a:srgbClr val="70AD47"/>
-          </a:solidFill>
-          <a:ln>
-            <a:solidFill>
-              <a:srgbClr val="507E32"/>
-            </a:solidFill>
-          </a:ln>
-        </p:spPr>
-        <p:style>
-          <a:lnRef idx="2">
-            <a:schemeClr val="accent6">
-              <a:shade val="50000"/>
-            </a:schemeClr>
-          </a:lnRef>
-          <a:fillRef idx="1">
-            <a:schemeClr val="accent6"/>
-          </a:fillRef>
-          <a:effectRef idx="0">
-            <a:schemeClr val="accent6"/>
-          </a:effectRef>
-          <a:fontRef idx="minor">
-            <a:schemeClr val="lt1"/>
-          </a:fontRef>
-        </p:style>
-        <p:txBody>
-          <a:bodyPr rtlCol="0" anchor="ctr"/>
-          <a:lstStyle/>
-          <a:p>
-            <a:pPr algn="ctr"/>
-            <a:r>
-              <a:rPr lang="nl-NL" dirty="0"/>
-              <a:t>F</a:t>
-            </a:r>
-          </a:p>
-          <a:p>
-            <a:pPr algn="ctr"/>
-            <a:r>
-              <a:rPr lang="nl-NL" dirty="0"/>
-              <a:t>-38 °C</a:t>
-            </a:r>
-          </a:p>
-        </p:txBody>
-      </p:sp>
-      <p:sp>
-        <p:nvSpPr>
-          <p:cNvPr id="23" name="Pijl: draaiend 22">
-            <a:extLst>
-              <a:ext uri="{FF2B5EF4-FFF2-40B4-BE49-F238E27FC236}">
-                <a16:creationId xmlns:a16="http://schemas.microsoft.com/office/drawing/2014/main" id="{DCEB45DD-17EC-4CF1-B10F-F2FD6079CF39}"/>
-              </a:ext>
-            </a:extLst>
-          </p:cNvPr>
-          <p:cNvSpPr/>
-          <p:nvPr/>
-        </p:nvSpPr>
-        <p:spPr>
-          <a:xfrm>
-            <a:off x="3990975" y="1283516"/>
-            <a:ext cx="1039390" cy="6184499"/>
-          </a:xfrm>
-          <a:prstGeom prst="circularArrow">
-            <a:avLst>
-              <a:gd name="adj1" fmla="val 12500"/>
-              <a:gd name="adj2" fmla="val 3121348"/>
-              <a:gd name="adj3" fmla="val 20457681"/>
-              <a:gd name="adj4" fmla="val 15650472"/>
-              <a:gd name="adj5" fmla="val 12500"/>
-            </a:avLst>
-          </a:prstGeom>
-        </p:spPr>
-        <p:style>
-          <a:lnRef idx="2">
-            <a:schemeClr val="accent6">
-              <a:shade val="50000"/>
-            </a:schemeClr>
-          </a:lnRef>
-          <a:fillRef idx="1">
-            <a:schemeClr val="accent6"/>
-          </a:fillRef>
-          <a:effectRef idx="0">
-            <a:schemeClr val="accent6"/>
-          </a:effectRef>
-          <a:fontRef idx="minor">
-            <a:schemeClr val="lt1"/>
-          </a:fontRef>
-        </p:style>
-        <p:txBody>
-          <a:bodyPr rtlCol="0" anchor="ctr"/>
-          <a:lstStyle/>
-          <a:p>
-            <a:pPr algn="ctr"/>
-            <a:endParaRPr lang="nl-NL">
-              <a:solidFill>
-                <a:schemeClr val="tx1"/>
-              </a:solidFill>
-            </a:endParaRPr>
-          </a:p>
-        </p:txBody>
-      </p:sp>
-      <p:sp>
-        <p:nvSpPr>
-          <p:cNvPr id="24" name="Tekstvak 23">
-            <a:extLst>
-              <a:ext uri="{FF2B5EF4-FFF2-40B4-BE49-F238E27FC236}">
-                <a16:creationId xmlns:a16="http://schemas.microsoft.com/office/drawing/2014/main" id="{74CA8833-2BD7-4F82-866C-D26A85596C74}"/>
-              </a:ext>
-            </a:extLst>
-          </p:cNvPr>
-          <p:cNvSpPr txBox="1"/>
-          <p:nvPr/>
-        </p:nvSpPr>
-        <p:spPr>
-          <a:xfrm>
-            <a:off x="4730229" y="3885037"/>
-            <a:ext cx="307120" cy="369332"/>
+            <a:off x="6932645" y="1097666"/>
+            <a:ext cx="1931437" cy="632192"/>
           </a:xfrm>
           <a:prstGeom prst="rect">
             <a:avLst/>
           </a:prstGeom>
-          <a:noFill/>
-        </p:spPr>
-        <p:txBody>
-          <a:bodyPr wrap="square" rtlCol="0">
-            <a:spAutoFit/>
-          </a:bodyPr>
-          <a:lstStyle/>
-          <a:p>
-            <a:r>
-              <a:rPr lang="nl-NL" dirty="0">
-                <a:solidFill>
-                  <a:schemeClr val="bg1"/>
-                </a:solidFill>
-              </a:rPr>
-              <a:t>D</a:t>
-            </a:r>
-          </a:p>
-        </p:txBody>
-      </p:sp>
-      <p:sp>
-        <p:nvSpPr>
-          <p:cNvPr id="26" name="Pijl: rechts 25">
-            <a:extLst>
-              <a:ext uri="{FF2B5EF4-FFF2-40B4-BE49-F238E27FC236}">
-                <a16:creationId xmlns:a16="http://schemas.microsoft.com/office/drawing/2014/main" id="{1F24D949-0CA9-4EC5-810C-761F6B41F560}"/>
-              </a:ext>
-            </a:extLst>
-          </p:cNvPr>
-          <p:cNvSpPr/>
-          <p:nvPr/>
-        </p:nvSpPr>
-        <p:spPr>
-          <a:xfrm>
-            <a:off x="6700007" y="4883803"/>
-            <a:ext cx="662730" cy="457432"/>
-          </a:xfrm>
-          <a:prstGeom prst="rightArrow">
-            <a:avLst/>
-          </a:prstGeom>
-        </p:spPr>
-        <p:style>
-          <a:lnRef idx="2">
-            <a:schemeClr val="accent4">
-              <a:shade val="50000"/>
-            </a:schemeClr>
-          </a:lnRef>
-          <a:fillRef idx="1">
-            <a:schemeClr val="accent4"/>
-          </a:fillRef>
-          <a:effectRef idx="0">
-            <a:schemeClr val="accent4"/>
-          </a:effectRef>
-          <a:fontRef idx="minor">
-            <a:schemeClr val="lt1"/>
-          </a:fontRef>
-        </p:style>
-        <p:txBody>
-          <a:bodyPr rtlCol="0" anchor="ctr"/>
-          <a:lstStyle/>
-          <a:p>
-            <a:pPr algn="ctr"/>
-            <a:endParaRPr lang="nl-NL"/>
-          </a:p>
-        </p:txBody>
-      </p:sp>
-      <p:sp>
-        <p:nvSpPr>
-          <p:cNvPr id="27" name="Pijl: rechts 26">
-            <a:extLst>
-              <a:ext uri="{FF2B5EF4-FFF2-40B4-BE49-F238E27FC236}">
-                <a16:creationId xmlns:a16="http://schemas.microsoft.com/office/drawing/2014/main" id="{10F9B5B7-D4FC-406C-8D76-BA1B677BAF9C}"/>
-              </a:ext>
-            </a:extLst>
-          </p:cNvPr>
-          <p:cNvSpPr/>
-          <p:nvPr/>
-        </p:nvSpPr>
-        <p:spPr>
-          <a:xfrm>
-            <a:off x="6711846" y="5408146"/>
-            <a:ext cx="662730" cy="457432"/>
-          </a:xfrm>
-          <a:prstGeom prst="rightArrow">
-            <a:avLst/>
-          </a:prstGeom>
-        </p:spPr>
-        <p:style>
-          <a:lnRef idx="2">
-            <a:schemeClr val="accent6">
-              <a:shade val="50000"/>
-            </a:schemeClr>
-          </a:lnRef>
-          <a:fillRef idx="1">
-            <a:schemeClr val="accent6"/>
-          </a:fillRef>
-          <a:effectRef idx="0">
-            <a:schemeClr val="accent6"/>
-          </a:effectRef>
-          <a:fontRef idx="minor">
-            <a:schemeClr val="lt1"/>
-          </a:fontRef>
-        </p:style>
-        <p:txBody>
-          <a:bodyPr rtlCol="0" anchor="ctr"/>
-          <a:lstStyle/>
-          <a:p>
-            <a:pPr algn="ctr"/>
-            <a:endParaRPr lang="nl-NL"/>
-          </a:p>
-        </p:txBody>
-      </p:sp>
-      <p:sp>
-        <p:nvSpPr>
-          <p:cNvPr id="28" name="Tekstvak 27">
-            <a:extLst>
-              <a:ext uri="{FF2B5EF4-FFF2-40B4-BE49-F238E27FC236}">
-                <a16:creationId xmlns:a16="http://schemas.microsoft.com/office/drawing/2014/main" id="{553A212E-B983-46A5-9A9C-1334F52ACD6F}"/>
-              </a:ext>
-            </a:extLst>
-          </p:cNvPr>
-          <p:cNvSpPr txBox="1"/>
-          <p:nvPr/>
-        </p:nvSpPr>
-        <p:spPr>
-          <a:xfrm>
-            <a:off x="7471794" y="4883803"/>
-            <a:ext cx="1319015" cy="1754326"/>
-          </a:xfrm>
-          <a:prstGeom prst="rect">
-            <a:avLst/>
-          </a:prstGeom>
-          <a:noFill/>
-        </p:spPr>
-        <p:txBody>
-          <a:bodyPr wrap="none" rtlCol="0">
-            <a:spAutoFit/>
-          </a:bodyPr>
-          <a:lstStyle/>
-          <a:p>
-            <a:r>
-              <a:rPr lang="nl-NL" dirty="0"/>
-              <a:t>First step</a:t>
-            </a:r>
-          </a:p>
-          <a:p>
-            <a:endParaRPr lang="nl-NL" dirty="0"/>
-          </a:p>
-          <a:p>
-            <a:r>
-              <a:rPr lang="nl-NL" dirty="0"/>
-              <a:t>Second step</a:t>
-            </a:r>
-          </a:p>
-          <a:p>
-            <a:endParaRPr lang="nl-NL" dirty="0"/>
-          </a:p>
-          <a:p>
-            <a:r>
-              <a:rPr lang="nl-NL" dirty="0"/>
-              <a:t>Third step</a:t>
-            </a:r>
-          </a:p>
-          <a:p>
-            <a:endParaRPr lang="nl-NL" dirty="0"/>
-          </a:p>
-        </p:txBody>
-      </p:sp>
-      <p:sp>
-        <p:nvSpPr>
-          <p:cNvPr id="29" name="Pijl: rechts 28">
-            <a:extLst>
-              <a:ext uri="{FF2B5EF4-FFF2-40B4-BE49-F238E27FC236}">
-                <a16:creationId xmlns:a16="http://schemas.microsoft.com/office/drawing/2014/main" id="{BBE118BC-0C7A-40EA-9244-A35C44D1A512}"/>
-              </a:ext>
-            </a:extLst>
-          </p:cNvPr>
-          <p:cNvSpPr/>
-          <p:nvPr/>
-        </p:nvSpPr>
-        <p:spPr>
-          <a:xfrm>
-            <a:off x="6711846" y="5955444"/>
-            <a:ext cx="662730" cy="457432"/>
-          </a:xfrm>
-          <a:prstGeom prst="rightArrow">
-            <a:avLst/>
-          </a:prstGeom>
-        </p:spPr>
-        <p:style>
-          <a:lnRef idx="2">
-            <a:schemeClr val="accent2">
-              <a:shade val="50000"/>
-            </a:schemeClr>
-          </a:lnRef>
-          <a:fillRef idx="1">
-            <a:schemeClr val="accent2"/>
-          </a:fillRef>
-          <a:effectRef idx="0">
-            <a:schemeClr val="accent2"/>
-          </a:effectRef>
-          <a:fontRef idx="minor">
-            <a:schemeClr val="lt1"/>
-          </a:fontRef>
-        </p:style>
-        <p:txBody>
-          <a:bodyPr rtlCol="0" anchor="ctr"/>
-          <a:lstStyle/>
-          <a:p>
-            <a:pPr algn="ctr"/>
-            <a:endParaRPr lang="nl-NL"/>
-          </a:p>
-        </p:txBody>
-      </p:sp>
-      <p:sp>
-        <p:nvSpPr>
-          <p:cNvPr id="30" name="Pijl: rechts 29">
-            <a:extLst>
-              <a:ext uri="{FF2B5EF4-FFF2-40B4-BE49-F238E27FC236}">
-                <a16:creationId xmlns:a16="http://schemas.microsoft.com/office/drawing/2014/main" id="{44207483-BDB9-4C2E-9627-060FECDBE526}"/>
-              </a:ext>
-            </a:extLst>
-          </p:cNvPr>
-          <p:cNvSpPr/>
-          <p:nvPr/>
-        </p:nvSpPr>
-        <p:spPr>
-          <a:xfrm>
-            <a:off x="5754849" y="3168941"/>
-            <a:ext cx="1710698" cy="396380"/>
-          </a:xfrm>
-          <a:prstGeom prst="rightArrow">
-            <a:avLst/>
-          </a:prstGeom>
-        </p:spPr>
-        <p:style>
-          <a:lnRef idx="2">
-            <a:schemeClr val="accent2">
-              <a:shade val="50000"/>
-            </a:schemeClr>
-          </a:lnRef>
-          <a:fillRef idx="1">
-            <a:schemeClr val="accent2"/>
-          </a:fillRef>
-          <a:effectRef idx="0">
-            <a:schemeClr val="accent2"/>
-          </a:effectRef>
-          <a:fontRef idx="minor">
-            <a:schemeClr val="lt1"/>
-          </a:fontRef>
-        </p:style>
-        <p:txBody>
-          <a:bodyPr rtlCol="0" anchor="ctr"/>
-          <a:lstStyle/>
-          <a:p>
-            <a:pPr algn="ctr"/>
-            <a:r>
-              <a:rPr lang="nl-NL" dirty="0"/>
-              <a:t>W</a:t>
-            </a:r>
-            <a:r>
-              <a:rPr lang="nl-NL" sz="1200" dirty="0"/>
-              <a:t>L </a:t>
-            </a:r>
-            <a:r>
-              <a:rPr lang="nl-NL" dirty="0"/>
-              <a:t>&gt; W</a:t>
-            </a:r>
-            <a:r>
-              <a:rPr lang="nl-NL" sz="1200" dirty="0"/>
-              <a:t>L.thres</a:t>
-            </a:r>
-            <a:endParaRPr lang="nl-NL" dirty="0"/>
-          </a:p>
-        </p:txBody>
-      </p:sp>
-      <p:sp>
-        <p:nvSpPr>
-          <p:cNvPr id="31" name="Pijl: rechts 30">
-            <a:extLst>
-              <a:ext uri="{FF2B5EF4-FFF2-40B4-BE49-F238E27FC236}">
-                <a16:creationId xmlns:a16="http://schemas.microsoft.com/office/drawing/2014/main" id="{CCACAB15-8593-4A65-9C74-AA32D75572E7}"/>
-              </a:ext>
-            </a:extLst>
-          </p:cNvPr>
-          <p:cNvSpPr/>
-          <p:nvPr/>
-        </p:nvSpPr>
-        <p:spPr>
-          <a:xfrm>
-            <a:off x="5754847" y="4376921"/>
-            <a:ext cx="1710699" cy="396380"/>
-          </a:xfrm>
-          <a:prstGeom prst="rightArrow">
-            <a:avLst/>
-          </a:prstGeom>
-        </p:spPr>
-        <p:style>
-          <a:lnRef idx="2">
-            <a:schemeClr val="accent2">
-              <a:shade val="50000"/>
-            </a:schemeClr>
-          </a:lnRef>
-          <a:fillRef idx="1">
-            <a:schemeClr val="accent2"/>
-          </a:fillRef>
-          <a:effectRef idx="0">
-            <a:schemeClr val="accent2"/>
-          </a:effectRef>
-          <a:fontRef idx="minor">
-            <a:schemeClr val="lt1"/>
-          </a:fontRef>
-        </p:style>
-        <p:txBody>
-          <a:bodyPr rtlCol="0" anchor="ctr"/>
-          <a:lstStyle/>
-          <a:p>
-            <a:pPr algn="ctr"/>
-            <a:r>
-              <a:rPr lang="nl-NL" dirty="0"/>
-              <a:t>W</a:t>
-            </a:r>
-            <a:r>
-              <a:rPr lang="nl-NL" sz="1200" dirty="0"/>
-              <a:t>I</a:t>
-            </a:r>
-            <a:r>
-              <a:rPr lang="nl-NL" dirty="0"/>
-              <a:t> &gt; W</a:t>
-            </a:r>
-            <a:r>
-              <a:rPr lang="nl-NL" sz="1200" dirty="0"/>
-              <a:t>I.thres</a:t>
-            </a:r>
-          </a:p>
-        </p:txBody>
-      </p:sp>
-      <p:cxnSp>
-        <p:nvCxnSpPr>
-          <p:cNvPr id="33" name="Rechte verbindingslijn 32">
-            <a:extLst>
-              <a:ext uri="{FF2B5EF4-FFF2-40B4-BE49-F238E27FC236}">
-                <a16:creationId xmlns:a16="http://schemas.microsoft.com/office/drawing/2014/main" id="{09895159-86A8-4C34-B103-0D99E8388EFA}"/>
-              </a:ext>
-            </a:extLst>
-          </p:cNvPr>
-          <p:cNvCxnSpPr>
-            <a:cxnSpLocks/>
-            <a:endCxn id="9" idx="1"/>
-          </p:cNvCxnSpPr>
-          <p:nvPr/>
-        </p:nvCxnSpPr>
-        <p:spPr>
-          <a:xfrm>
-            <a:off x="4729348" y="1933523"/>
-            <a:ext cx="1788568" cy="24307"/>
-          </a:xfrm>
-          <a:prstGeom prst="line">
-            <a:avLst/>
-          </a:prstGeom>
-          <a:ln w="57150"/>
-        </p:spPr>
-        <p:style>
-          <a:lnRef idx="1">
-            <a:schemeClr val="accent6"/>
-          </a:lnRef>
-          <a:fillRef idx="0">
-            <a:schemeClr val="accent6"/>
-          </a:fillRef>
-          <a:effectRef idx="0">
-            <a:schemeClr val="accent6"/>
-          </a:effectRef>
-          <a:fontRef idx="minor">
-            <a:schemeClr val="tx1"/>
-          </a:fontRef>
-        </p:style>
-      </p:cxnSp>
-      <p:sp>
-        <p:nvSpPr>
-          <p:cNvPr id="11" name="Pijl: omlaag 10">
-            <a:extLst>
-              <a:ext uri="{FF2B5EF4-FFF2-40B4-BE49-F238E27FC236}">
-                <a16:creationId xmlns:a16="http://schemas.microsoft.com/office/drawing/2014/main" id="{B06D1672-E3C9-4822-9CC6-87D1E4EF362E}"/>
-              </a:ext>
-            </a:extLst>
-          </p:cNvPr>
-          <p:cNvSpPr/>
-          <p:nvPr/>
-        </p:nvSpPr>
-        <p:spPr>
-          <a:xfrm>
-            <a:off x="4730229" y="1283516"/>
-            <a:ext cx="980479" cy="1006325"/>
-          </a:xfrm>
-          <a:prstGeom prst="downArrow">
-            <a:avLst/>
-          </a:prstGeom>
-        </p:spPr>
-        <p:style>
-          <a:lnRef idx="2">
-            <a:schemeClr val="accent4">
-              <a:shade val="50000"/>
-            </a:schemeClr>
-          </a:lnRef>
-          <a:fillRef idx="1">
-            <a:schemeClr val="accent4"/>
-          </a:fillRef>
-          <a:effectRef idx="0">
-            <a:schemeClr val="accent4"/>
-          </a:effectRef>
-          <a:fontRef idx="minor">
-            <a:schemeClr val="lt1"/>
-          </a:fontRef>
-        </p:style>
-        <p:txBody>
-          <a:bodyPr rtlCol="0" anchor="ctr"/>
-          <a:lstStyle/>
-          <a:p>
-            <a:pPr algn="ctr"/>
-            <a:endParaRPr lang="nl-NL" dirty="0"/>
-          </a:p>
-          <a:p>
-            <a:pPr algn="ctr"/>
-            <a:r>
-              <a:rPr lang="nl-NL" dirty="0"/>
-              <a:t>C</a:t>
-            </a:r>
-          </a:p>
-          <a:p>
-            <a:pPr algn="ctr"/>
-            <a:r>
-              <a:rPr lang="nl-NL" sz="1200" dirty="0"/>
-              <a:t>100% RH</a:t>
-            </a:r>
-          </a:p>
-        </p:txBody>
-      </p:sp>
-      <p:sp>
-        <p:nvSpPr>
-          <p:cNvPr id="36" name="Tekstvak 35">
-            <a:extLst>
-              <a:ext uri="{FF2B5EF4-FFF2-40B4-BE49-F238E27FC236}">
-                <a16:creationId xmlns:a16="http://schemas.microsoft.com/office/drawing/2014/main" id="{01714165-5CDD-4116-8B14-4B7F4CAE0A0B}"/>
-              </a:ext>
-            </a:extLst>
-          </p:cNvPr>
-          <p:cNvSpPr txBox="1"/>
-          <p:nvPr/>
-        </p:nvSpPr>
-        <p:spPr>
-          <a:xfrm>
-            <a:off x="6568808" y="1507982"/>
-            <a:ext cx="2834645" cy="923330"/>
-          </a:xfrm>
-          <a:prstGeom prst="rect">
-            <a:avLst/>
-          </a:prstGeom>
-          <a:noFill/>
-        </p:spPr>
-        <p:txBody>
-          <a:bodyPr wrap="square" rtlCol="0">
-            <a:spAutoFit/>
-          </a:bodyPr>
-          <a:lstStyle/>
-          <a:p>
-            <a:r>
-              <a:rPr lang="nl-NL" dirty="0"/>
-              <a:t>Parameterization based on  Rotstayn et al. (2000), between 0 and -38°C</a:t>
-            </a:r>
-          </a:p>
-        </p:txBody>
-      </p:sp>
-      <p:sp>
-        <p:nvSpPr>
-          <p:cNvPr id="2" name="Tekstvak 1">
-            <a:extLst>
-              <a:ext uri="{FF2B5EF4-FFF2-40B4-BE49-F238E27FC236}">
-                <a16:creationId xmlns:a16="http://schemas.microsoft.com/office/drawing/2014/main" id="{92671585-3F0E-40F1-9D4C-DE80C738B35A}"/>
-              </a:ext>
-            </a:extLst>
-          </p:cNvPr>
-          <p:cNvSpPr txBox="1"/>
-          <p:nvPr/>
-        </p:nvSpPr>
-        <p:spPr>
-          <a:xfrm>
-            <a:off x="6292461" y="2909434"/>
-            <a:ext cx="644279" cy="369332"/>
-          </a:xfrm>
-          <a:prstGeom prst="rect">
-            <a:avLst/>
-          </a:prstGeom>
-          <a:noFill/>
-        </p:spPr>
-        <p:txBody>
-          <a:bodyPr wrap="none" rtlCol="0">
-            <a:spAutoFit/>
-          </a:bodyPr>
-          <a:lstStyle/>
-          <a:p>
-            <a:r>
-              <a:rPr lang="nl-NL" b="1" dirty="0"/>
-              <a:t>Slow</a:t>
-            </a:r>
-          </a:p>
-        </p:txBody>
-      </p:sp>
-      <p:sp>
-        <p:nvSpPr>
-          <p:cNvPr id="3" name="Tekstvak 2">
-            <a:extLst>
-              <a:ext uri="{FF2B5EF4-FFF2-40B4-BE49-F238E27FC236}">
-                <a16:creationId xmlns:a16="http://schemas.microsoft.com/office/drawing/2014/main" id="{E40E5769-136B-462E-9213-F9621A8C754A}"/>
-              </a:ext>
-            </a:extLst>
-          </p:cNvPr>
-          <p:cNvSpPr txBox="1"/>
-          <p:nvPr/>
-        </p:nvSpPr>
-        <p:spPr>
-          <a:xfrm>
-            <a:off x="6327662" y="4125344"/>
-            <a:ext cx="566950" cy="369332"/>
-          </a:xfrm>
-          <a:prstGeom prst="rect">
-            <a:avLst/>
-          </a:prstGeom>
-          <a:noFill/>
-        </p:spPr>
-        <p:txBody>
-          <a:bodyPr wrap="none" rtlCol="0">
-            <a:spAutoFit/>
-          </a:bodyPr>
-          <a:lstStyle/>
-          <a:p>
-            <a:r>
-              <a:rPr lang="nl-NL" b="1" dirty="0"/>
-              <a:t>Fast</a:t>
-            </a:r>
-          </a:p>
-        </p:txBody>
-      </p:sp>
-      <p:sp>
-        <p:nvSpPr>
-          <p:cNvPr id="9" name="Rechthoek 8">
-            <a:extLst>
-              <a:ext uri="{FF2B5EF4-FFF2-40B4-BE49-F238E27FC236}">
-                <a16:creationId xmlns:a16="http://schemas.microsoft.com/office/drawing/2014/main" id="{36493298-AC88-43C1-B40B-1BCDC388973E}"/>
-              </a:ext>
-            </a:extLst>
-          </p:cNvPr>
-          <p:cNvSpPr/>
-          <p:nvPr/>
-        </p:nvSpPr>
-        <p:spPr>
-          <a:xfrm>
-            <a:off x="6517916" y="1484347"/>
-            <a:ext cx="2675511" cy="946965"/>
-          </a:xfrm>
-          <a:prstGeom prst="rect">
-            <a:avLst/>
-          </a:prstGeom>
-          <a:noFill/>
-          <a:ln w="57150">
-            <a:solidFill>
-              <a:srgbClr val="70AD47"/>
-            </a:solidFill>
-          </a:ln>
-        </p:spPr>
-        <p:style>
-          <a:lnRef idx="2">
-            <a:schemeClr val="accent6">
-              <a:shade val="50000"/>
-            </a:schemeClr>
-          </a:lnRef>
-          <a:fillRef idx="1">
-            <a:schemeClr val="accent6"/>
-          </a:fillRef>
-          <a:effectRef idx="0">
-            <a:schemeClr val="accent6"/>
-          </a:effectRef>
-          <a:fontRef idx="minor">
-            <a:schemeClr val="lt1"/>
-          </a:fontRef>
-        </p:style>
-        <p:txBody>
-          <a:bodyPr rtlCol="0" anchor="ctr"/>
-          <a:lstStyle/>
-          <a:p>
-            <a:pPr algn="ctr"/>
-            <a:endParaRPr lang="nl-NL"/>
-          </a:p>
-        </p:txBody>
-      </p:sp>
-      <p:sp>
-        <p:nvSpPr>
-          <p:cNvPr id="16" name="Pijl: omhoog 15">
-            <a:extLst>
-              <a:ext uri="{FF2B5EF4-FFF2-40B4-BE49-F238E27FC236}">
-                <a16:creationId xmlns:a16="http://schemas.microsoft.com/office/drawing/2014/main" id="{2A474B91-C08D-44B8-B39F-845D4B8DC981}"/>
-              </a:ext>
-            </a:extLst>
-          </p:cNvPr>
-          <p:cNvSpPr/>
-          <p:nvPr/>
-        </p:nvSpPr>
-        <p:spPr>
-          <a:xfrm>
-            <a:off x="3372465" y="1283925"/>
-            <a:ext cx="1023456" cy="1006334"/>
-          </a:xfrm>
-          <a:prstGeom prst="upArrow">
-            <a:avLst/>
-          </a:prstGeom>
-        </p:spPr>
-        <p:style>
-          <a:lnRef idx="2">
-            <a:schemeClr val="accent4">
-              <a:shade val="50000"/>
-            </a:schemeClr>
-          </a:lnRef>
-          <a:fillRef idx="1">
-            <a:schemeClr val="accent4"/>
-          </a:fillRef>
-          <a:effectRef idx="0">
-            <a:schemeClr val="accent4"/>
-          </a:effectRef>
-          <a:fontRef idx="minor">
-            <a:schemeClr val="lt1"/>
-          </a:fontRef>
-        </p:style>
-        <p:txBody>
-          <a:bodyPr rtlCol="0" anchor="ctr"/>
-          <a:lstStyle/>
-          <a:p>
-            <a:pPr algn="ctr"/>
-            <a:r>
-              <a:rPr lang="nl-NL" dirty="0"/>
-              <a:t>E</a:t>
-            </a:r>
-          </a:p>
-          <a:p>
-            <a:pPr algn="ctr"/>
-            <a:r>
-              <a:rPr lang="nl-NL" sz="1200" dirty="0"/>
-              <a:t>&lt;100% RH</a:t>
-            </a:r>
-          </a:p>
-        </p:txBody>
-      </p:sp>
+        </p:spPr>
+      </p:pic>
     </p:spTree>
     <p:extLst>
       <p:ext uri="{BB962C8B-B14F-4D97-AF65-F5344CB8AC3E}">
-        <p14:creationId xmlns:p14="http://schemas.microsoft.com/office/powerpoint/2010/main" val="4033933710"/>
+        <p14:creationId xmlns:p14="http://schemas.microsoft.com/office/powerpoint/2010/main" val="3755501204"/>
       </p:ext>
     </p:extLst>
   </p:cSld>
@@ -4420,6 +6959,287 @@
       </p:grpSpPr>
       <p:sp>
         <p:nvSpPr>
+          <p:cNvPr id="2" name="Titel 1">
+            <a:extLst>
+              <a:ext uri="{FF2B5EF4-FFF2-40B4-BE49-F238E27FC236}">
+                <a16:creationId xmlns:a16="http://schemas.microsoft.com/office/drawing/2014/main" id="{FCDAC088-5F0F-4B9A-B186-E1573BA54E28}"/>
+              </a:ext>
+            </a:extLst>
+          </p:cNvPr>
+          <p:cNvSpPr>
+            <a:spLocks noGrp="1"/>
+          </p:cNvSpPr>
+          <p:nvPr>
+            <p:ph type="title"/>
+          </p:nvPr>
+        </p:nvSpPr>
+        <p:spPr/>
+        <p:txBody>
+          <a:bodyPr/>
+          <a:lstStyle/>
+          <a:p>
+            <a:r>
+              <a:rPr lang="nl-NL" dirty="0"/>
+              <a:t>Content</a:t>
+            </a:r>
+          </a:p>
+        </p:txBody>
+      </p:sp>
+      <p:sp>
+        <p:nvSpPr>
+          <p:cNvPr id="3" name="Tijdelijke aanduiding voor inhoud 2">
+            <a:extLst>
+              <a:ext uri="{FF2B5EF4-FFF2-40B4-BE49-F238E27FC236}">
+                <a16:creationId xmlns:a16="http://schemas.microsoft.com/office/drawing/2014/main" id="{7E6A6F12-7725-4578-8DE2-659D27C4CD03}"/>
+              </a:ext>
+            </a:extLst>
+          </p:cNvPr>
+          <p:cNvSpPr>
+            <a:spLocks noGrp="1"/>
+          </p:cNvSpPr>
+          <p:nvPr>
+            <p:ph idx="1"/>
+          </p:nvPr>
+        </p:nvSpPr>
+        <p:spPr/>
+        <p:txBody>
+          <a:bodyPr/>
+          <a:lstStyle/>
+          <a:p>
+            <a:r>
+              <a:rPr lang="nl-NL" dirty="0"/>
+              <a:t>The content</a:t>
+            </a:r>
+          </a:p>
+        </p:txBody>
+      </p:sp>
+    </p:spTree>
+    <p:extLst>
+      <p:ext uri="{BB962C8B-B14F-4D97-AF65-F5344CB8AC3E}">
+        <p14:creationId xmlns:p14="http://schemas.microsoft.com/office/powerpoint/2010/main" val="2219289896"/>
+      </p:ext>
+    </p:extLst>
+  </p:cSld>
+  <p:clrMapOvr>
+    <a:masterClrMapping/>
+  </p:clrMapOvr>
+</p:sld>
+</file>
+
+<file path=ppt/slides/slide20.xml><?xml version="1.0" encoding="utf-8"?>
+<p:sld xmlns:a="http://schemas.openxmlformats.org/drawingml/2006/main" xmlns:r="http://schemas.openxmlformats.org/officeDocument/2006/relationships" xmlns:p="http://schemas.openxmlformats.org/presentationml/2006/main">
+  <p:cSld>
+    <p:spTree>
+      <p:nvGrpSpPr>
+        <p:cNvPr id="1" name=""/>
+        <p:cNvGrpSpPr/>
+        <p:nvPr/>
+      </p:nvGrpSpPr>
+      <p:grpSpPr>
+        <a:xfrm>
+          <a:off x="0" y="0"/>
+          <a:ext cx="0" cy="0"/>
+          <a:chOff x="0" y="0"/>
+          <a:chExt cx="0" cy="0"/>
+        </a:xfrm>
+      </p:grpSpPr>
+      <p:sp>
+        <p:nvSpPr>
+          <p:cNvPr id="2" name="Titel 1">
+            <a:extLst>
+              <a:ext uri="{FF2B5EF4-FFF2-40B4-BE49-F238E27FC236}">
+                <a16:creationId xmlns:a16="http://schemas.microsoft.com/office/drawing/2014/main" id="{C5337177-A056-4861-8DC4-BC3D644ED9A8}"/>
+              </a:ext>
+            </a:extLst>
+          </p:cNvPr>
+          <p:cNvSpPr>
+            <a:spLocks noGrp="1"/>
+          </p:cNvSpPr>
+          <p:nvPr>
+            <p:ph type="title"/>
+          </p:nvPr>
+        </p:nvSpPr>
+        <p:spPr/>
+        <p:txBody>
+          <a:bodyPr/>
+          <a:lstStyle/>
+          <a:p>
+            <a:r>
+              <a:rPr lang="nl-NL" dirty="0" err="1"/>
+              <a:t>Conclusion</a:t>
+            </a:r>
+            <a:endParaRPr lang="nl-NL" dirty="0"/>
+          </a:p>
+        </p:txBody>
+      </p:sp>
+      <p:sp>
+        <p:nvSpPr>
+          <p:cNvPr id="3" name="Tijdelijke aanduiding voor inhoud 2">
+            <a:extLst>
+              <a:ext uri="{FF2B5EF4-FFF2-40B4-BE49-F238E27FC236}">
+                <a16:creationId xmlns:a16="http://schemas.microsoft.com/office/drawing/2014/main" id="{EAE007F0-E954-4FFA-97EE-0C8C43667615}"/>
+              </a:ext>
+            </a:extLst>
+          </p:cNvPr>
+          <p:cNvSpPr>
+            <a:spLocks noGrp="1"/>
+          </p:cNvSpPr>
+          <p:nvPr>
+            <p:ph idx="1"/>
+          </p:nvPr>
+        </p:nvSpPr>
+        <p:spPr/>
+        <p:txBody>
+          <a:bodyPr/>
+          <a:lstStyle/>
+          <a:p>
+            <a:endParaRPr lang="nl-NL"/>
+          </a:p>
+        </p:txBody>
+      </p:sp>
+    </p:spTree>
+    <p:extLst>
+      <p:ext uri="{BB962C8B-B14F-4D97-AF65-F5344CB8AC3E}">
+        <p14:creationId xmlns:p14="http://schemas.microsoft.com/office/powerpoint/2010/main" val="3965779813"/>
+      </p:ext>
+    </p:extLst>
+  </p:cSld>
+  <p:clrMapOvr>
+    <a:masterClrMapping/>
+  </p:clrMapOvr>
+</p:sld>
+</file>
+
+<file path=ppt/slides/slide21.xml><?xml version="1.0" encoding="utf-8"?>
+<p:sld xmlns:a="http://schemas.openxmlformats.org/drawingml/2006/main" xmlns:r="http://schemas.openxmlformats.org/officeDocument/2006/relationships" xmlns:p="http://schemas.openxmlformats.org/presentationml/2006/main">
+  <p:cSld>
+    <p:spTree>
+      <p:nvGrpSpPr>
+        <p:cNvPr id="1" name=""/>
+        <p:cNvGrpSpPr/>
+        <p:nvPr/>
+      </p:nvGrpSpPr>
+      <p:grpSpPr>
+        <a:xfrm>
+          <a:off x="0" y="0"/>
+          <a:ext cx="0" cy="0"/>
+          <a:chOff x="0" y="0"/>
+          <a:chExt cx="0" cy="0"/>
+        </a:xfrm>
+      </p:grpSpPr>
+      <p:sp>
+        <p:nvSpPr>
+          <p:cNvPr id="2" name="Titel 1">
+            <a:extLst>
+              <a:ext uri="{FF2B5EF4-FFF2-40B4-BE49-F238E27FC236}">
+                <a16:creationId xmlns:a16="http://schemas.microsoft.com/office/drawing/2014/main" id="{1444FB4A-BFFA-49D1-9E2C-095DBFCEF58C}"/>
+              </a:ext>
+            </a:extLst>
+          </p:cNvPr>
+          <p:cNvSpPr>
+            <a:spLocks noGrp="1"/>
+          </p:cNvSpPr>
+          <p:nvPr>
+            <p:ph type="title"/>
+          </p:nvPr>
+        </p:nvSpPr>
+        <p:spPr/>
+        <p:txBody>
+          <a:bodyPr/>
+          <a:lstStyle/>
+          <a:p>
+            <a:r>
+              <a:rPr lang="nl-NL" dirty="0" err="1"/>
+              <a:t>Thank</a:t>
+            </a:r>
+            <a:r>
+              <a:rPr lang="nl-NL" dirty="0"/>
+              <a:t> </a:t>
+            </a:r>
+            <a:r>
+              <a:rPr lang="nl-NL" dirty="0" err="1"/>
+              <a:t>you</a:t>
+            </a:r>
+            <a:r>
+              <a:rPr lang="nl-NL" dirty="0"/>
+              <a:t> </a:t>
+            </a:r>
+            <a:r>
+              <a:rPr lang="nl-NL" dirty="0" err="1"/>
+              <a:t>for</a:t>
+            </a:r>
+            <a:r>
+              <a:rPr lang="nl-NL" dirty="0"/>
+              <a:t> </a:t>
+            </a:r>
+            <a:r>
+              <a:rPr lang="nl-NL" dirty="0" err="1"/>
+              <a:t>your</a:t>
+            </a:r>
+            <a:r>
+              <a:rPr lang="nl-NL" dirty="0"/>
+              <a:t> attention</a:t>
+            </a:r>
+          </a:p>
+        </p:txBody>
+      </p:sp>
+      <p:sp>
+        <p:nvSpPr>
+          <p:cNvPr id="3" name="Tijdelijke aanduiding voor inhoud 2">
+            <a:extLst>
+              <a:ext uri="{FF2B5EF4-FFF2-40B4-BE49-F238E27FC236}">
+                <a16:creationId xmlns:a16="http://schemas.microsoft.com/office/drawing/2014/main" id="{A36DD05A-90C0-4BC3-9E8B-D6AB724B2796}"/>
+              </a:ext>
+            </a:extLst>
+          </p:cNvPr>
+          <p:cNvSpPr>
+            <a:spLocks noGrp="1"/>
+          </p:cNvSpPr>
+          <p:nvPr>
+            <p:ph idx="1"/>
+          </p:nvPr>
+        </p:nvSpPr>
+        <p:spPr/>
+        <p:txBody>
+          <a:bodyPr/>
+          <a:lstStyle/>
+          <a:p>
+            <a:endParaRPr lang="nl-NL" dirty="0"/>
+          </a:p>
+        </p:txBody>
+      </p:sp>
+    </p:spTree>
+    <p:extLst>
+      <p:ext uri="{BB962C8B-B14F-4D97-AF65-F5344CB8AC3E}">
+        <p14:creationId xmlns:p14="http://schemas.microsoft.com/office/powerpoint/2010/main" val="1817863864"/>
+      </p:ext>
+    </p:extLst>
+  </p:cSld>
+  <p:clrMapOvr>
+    <a:masterClrMapping/>
+  </p:clrMapOvr>
+</p:sld>
+</file>
+
+<file path=ppt/slides/slide3.xml><?xml version="1.0" encoding="utf-8"?>
+<p:sld xmlns:a="http://schemas.openxmlformats.org/drawingml/2006/main" xmlns:r="http://schemas.openxmlformats.org/officeDocument/2006/relationships" xmlns:p="http://schemas.openxmlformats.org/presentationml/2006/main">
+  <p:cSld>
+    <p:spTree>
+      <p:nvGrpSpPr>
+        <p:cNvPr id="1" name=""/>
+        <p:cNvGrpSpPr/>
+        <p:nvPr/>
+      </p:nvGrpSpPr>
+      <p:grpSpPr>
+        <a:xfrm>
+          <a:off x="0" y="0"/>
+          <a:ext cx="0" cy="0"/>
+          <a:chOff x="0" y="0"/>
+          <a:chExt cx="0" cy="0"/>
+        </a:xfrm>
+      </p:grpSpPr>
+      <p:sp>
+        <p:nvSpPr>
           <p:cNvPr id="4" name="Rechthoek: afgeronde hoeken 3">
             <a:extLst>
               <a:ext uri="{FF2B5EF4-FFF2-40B4-BE49-F238E27FC236}">
@@ -4432,7 +7252,7 @@
         </p:nvSpPr>
         <p:spPr>
           <a:xfrm>
-            <a:off x="3070368" y="1677798"/>
+            <a:off x="3070368" y="5025009"/>
             <a:ext cx="2332139" cy="1442906"/>
           </a:xfrm>
           <a:prstGeom prst="roundRect">
@@ -4482,7 +7302,7 @@
         </p:nvSpPr>
         <p:spPr>
           <a:xfrm>
-            <a:off x="5919130" y="1799439"/>
+            <a:off x="5402507" y="5146650"/>
             <a:ext cx="2776755" cy="478172"/>
           </a:xfrm>
           <a:prstGeom prst="rightArrow">
@@ -4531,7 +7351,7 @@
         </p:nvSpPr>
         <p:spPr>
           <a:xfrm>
-            <a:off x="293613" y="2399251"/>
+            <a:off x="293613" y="5746462"/>
             <a:ext cx="2776755" cy="478172"/>
           </a:xfrm>
           <a:prstGeom prst="rightArrow">
@@ -4580,7 +7400,7 @@
         </p:nvSpPr>
         <p:spPr>
           <a:xfrm>
-            <a:off x="293613" y="1799439"/>
+            <a:off x="293613" y="5146650"/>
             <a:ext cx="2776755" cy="478172"/>
           </a:xfrm>
           <a:prstGeom prst="leftArrow">
@@ -4629,7 +7449,7 @@
         </p:nvSpPr>
         <p:spPr>
           <a:xfrm>
-            <a:off x="5938703" y="2427875"/>
+            <a:off x="5402507" y="5746462"/>
             <a:ext cx="2737607" cy="478172"/>
           </a:xfrm>
           <a:prstGeom prst="leftArrow">
@@ -4678,7 +7498,7 @@
         </p:nvSpPr>
         <p:spPr>
           <a:xfrm>
-            <a:off x="3921850" y="0"/>
+            <a:off x="3921850" y="3347211"/>
             <a:ext cx="526582" cy="1677798"/>
           </a:xfrm>
           <a:prstGeom prst="upDownArrow">
@@ -4728,7 +7548,7 @@
         </p:nvSpPr>
         <p:spPr>
           <a:xfrm>
-            <a:off x="3070366" y="3670183"/>
+            <a:off x="8256964" y="1980782"/>
             <a:ext cx="2332139" cy="1308683"/>
           </a:xfrm>
           <a:prstGeom prst="roundRect">
@@ -4765,10 +7585,10 @@
       </p:sp>
       <p:sp>
         <p:nvSpPr>
-          <p:cNvPr id="9" name="Pijl: omlaag 8">
-            <a:extLst>
-              <a:ext uri="{FF2B5EF4-FFF2-40B4-BE49-F238E27FC236}">
-                <a16:creationId xmlns:a16="http://schemas.microsoft.com/office/drawing/2014/main" id="{99661318-C7B6-4725-B4FA-157249CC6549}"/>
+          <p:cNvPr id="12" name="Pijl: links/rechts 11">
+            <a:extLst>
+              <a:ext uri="{FF2B5EF4-FFF2-40B4-BE49-F238E27FC236}">
+                <a16:creationId xmlns:a16="http://schemas.microsoft.com/office/drawing/2014/main" id="{4D60C98B-9917-42A0-83FD-A5F59DB5BD18}"/>
               </a:ext>
             </a:extLst>
           </p:cNvPr>
@@ -4777,10 +7597,107 @@
         </p:nvSpPr>
         <p:spPr>
           <a:xfrm>
-            <a:off x="3921848" y="4978866"/>
-            <a:ext cx="629174" cy="1690382"/>
-          </a:xfrm>
-          <a:prstGeom prst="downArrow">
+            <a:off x="10628252" y="2387647"/>
+            <a:ext cx="1563748" cy="486561"/>
+          </a:xfrm>
+          <a:prstGeom prst="leftRightArrow">
+            <a:avLst>
+              <a:gd name="adj1" fmla="val 53485"/>
+              <a:gd name="adj2" fmla="val 50000"/>
+            </a:avLst>
+          </a:prstGeom>
+        </p:spPr>
+        <p:style>
+          <a:lnRef idx="2">
+            <a:schemeClr val="accent1">
+              <a:shade val="50000"/>
+            </a:schemeClr>
+          </a:lnRef>
+          <a:fillRef idx="1">
+            <a:schemeClr val="accent1"/>
+          </a:fillRef>
+          <a:effectRef idx="0">
+            <a:schemeClr val="accent1"/>
+          </a:effectRef>
+          <a:fontRef idx="minor">
+            <a:schemeClr val="lt1"/>
+          </a:fontRef>
+        </p:style>
+        <p:txBody>
+          <a:bodyPr rtlCol="0" anchor="ctr"/>
+          <a:lstStyle/>
+          <a:p>
+            <a:pPr algn="ctr"/>
+            <a:endParaRPr lang="nl-NL"/>
+          </a:p>
+        </p:txBody>
+      </p:sp>
+      <p:sp>
+        <p:nvSpPr>
+          <p:cNvPr id="13" name="Tekstvak 12">
+            <a:extLst>
+              <a:ext uri="{FF2B5EF4-FFF2-40B4-BE49-F238E27FC236}">
+                <a16:creationId xmlns:a16="http://schemas.microsoft.com/office/drawing/2014/main" id="{AC47547E-73C5-4726-9813-2BCB54BBA1D4}"/>
+              </a:ext>
+            </a:extLst>
+          </p:cNvPr>
+          <p:cNvSpPr txBox="1"/>
+          <p:nvPr/>
+        </p:nvSpPr>
+        <p:spPr>
+          <a:xfrm>
+            <a:off x="10784850" y="2396037"/>
+            <a:ext cx="1162171" cy="646331"/>
+          </a:xfrm>
+          <a:prstGeom prst="rect">
+            <a:avLst/>
+          </a:prstGeom>
+          <a:noFill/>
+        </p:spPr>
+        <p:txBody>
+          <a:bodyPr wrap="square" rtlCol="0">
+            <a:spAutoFit/>
+          </a:bodyPr>
+          <a:lstStyle/>
+          <a:p>
+            <a:pPr algn="ctr"/>
+            <a:r>
+              <a:rPr lang="nl-NL" dirty="0" err="1">
+                <a:solidFill>
+                  <a:schemeClr val="bg1"/>
+                </a:solidFill>
+              </a:rPr>
+              <a:t>Buoyancy</a:t>
+            </a:r>
+            <a:r>
+              <a:rPr lang="nl-NL" dirty="0">
+                <a:solidFill>
+                  <a:schemeClr val="bg1"/>
+                </a:solidFill>
+              </a:rPr>
+              <a:t>*</a:t>
+            </a:r>
+          </a:p>
+        </p:txBody>
+      </p:sp>
+      <p:sp>
+        <p:nvSpPr>
+          <p:cNvPr id="14" name="Pijl: links 13">
+            <a:extLst>
+              <a:ext uri="{FF2B5EF4-FFF2-40B4-BE49-F238E27FC236}">
+                <a16:creationId xmlns:a16="http://schemas.microsoft.com/office/drawing/2014/main" id="{18A21050-17C0-4920-AD75-4B0E254BB8F3}"/>
+              </a:ext>
+            </a:extLst>
+          </p:cNvPr>
+          <p:cNvSpPr/>
+          <p:nvPr/>
+        </p:nvSpPr>
+        <p:spPr>
+          <a:xfrm>
+            <a:off x="5480209" y="2396037"/>
+            <a:ext cx="2776755" cy="478172"/>
+          </a:xfrm>
+          <a:prstGeom prst="leftArrow">
             <a:avLst/>
           </a:prstGeom>
         </p:spPr>
@@ -4806,19 +7723,18 @@
           <a:p>
             <a:pPr algn="ctr"/>
             <a:r>
-              <a:rPr lang="nl-NL"/>
-              <a:t>Mixing</a:t>
-            </a:r>
-            <a:endParaRPr lang="nl-NL" dirty="0"/>
-          </a:p>
-        </p:txBody>
-      </p:sp>
-      <p:sp>
-        <p:nvSpPr>
-          <p:cNvPr id="12" name="Pijl: links/rechts 11">
-            <a:extLst>
-              <a:ext uri="{FF2B5EF4-FFF2-40B4-BE49-F238E27FC236}">
-                <a16:creationId xmlns:a16="http://schemas.microsoft.com/office/drawing/2014/main" id="{4D60C98B-9917-42A0-83FD-A5F59DB5BD18}"/>
+              <a:rPr lang="nl-NL" dirty="0"/>
+              <a:t>Cloud content</a:t>
+            </a:r>
+          </a:p>
+        </p:txBody>
+      </p:sp>
+      <p:sp>
+        <p:nvSpPr>
+          <p:cNvPr id="15" name="Rechthoek: afgeronde hoeken 14">
+            <a:extLst>
+              <a:ext uri="{FF2B5EF4-FFF2-40B4-BE49-F238E27FC236}">
+                <a16:creationId xmlns:a16="http://schemas.microsoft.com/office/drawing/2014/main" id="{AE2F06AC-316D-49E6-A27A-73317C6C6B1C}"/>
               </a:ext>
             </a:extLst>
           </p:cNvPr>
@@ -4827,14 +7743,11 @@
         </p:nvSpPr>
         <p:spPr>
           <a:xfrm>
-            <a:off x="5382931" y="4085438"/>
-            <a:ext cx="2776754" cy="478172"/>
-          </a:xfrm>
-          <a:prstGeom prst="leftRightArrow">
-            <a:avLst>
-              <a:gd name="adj1" fmla="val 53485"/>
-              <a:gd name="adj2" fmla="val 50000"/>
-            </a:avLst>
+            <a:off x="9653727" y="5353155"/>
+            <a:ext cx="2332139" cy="1442906"/>
+          </a:xfrm>
+          <a:prstGeom prst="roundRect">
+            <a:avLst/>
           </a:prstGeom>
         </p:spPr>
         <p:style>
@@ -4858,56 +7771,70 @@
           <a:lstStyle/>
           <a:p>
             <a:pPr algn="ctr"/>
-            <a:endParaRPr lang="nl-NL"/>
-          </a:p>
-        </p:txBody>
-      </p:sp>
-      <p:sp>
-        <p:nvSpPr>
-          <p:cNvPr id="13" name="Tekstvak 12">
-            <a:extLst>
-              <a:ext uri="{FF2B5EF4-FFF2-40B4-BE49-F238E27FC236}">
-                <a16:creationId xmlns:a16="http://schemas.microsoft.com/office/drawing/2014/main" id="{AC47547E-73C5-4726-9813-2BCB54BBA1D4}"/>
-              </a:ext>
-            </a:extLst>
-          </p:cNvPr>
-          <p:cNvSpPr txBox="1"/>
+            <a:r>
+              <a:rPr lang="nl-NL" sz="3200" dirty="0"/>
+              <a:t>Mass</a:t>
+            </a:r>
+            <a:endParaRPr lang="nl-NL" dirty="0"/>
+          </a:p>
+        </p:txBody>
+      </p:sp>
+      <p:sp>
+        <p:nvSpPr>
+          <p:cNvPr id="16" name="Pijl: omlaag 15">
+            <a:extLst>
+              <a:ext uri="{FF2B5EF4-FFF2-40B4-BE49-F238E27FC236}">
+                <a16:creationId xmlns:a16="http://schemas.microsoft.com/office/drawing/2014/main" id="{938F40A8-15E6-44FB-B5DE-8C31B1D743A5}"/>
+              </a:ext>
+            </a:extLst>
+          </p:cNvPr>
+          <p:cNvSpPr/>
           <p:nvPr/>
         </p:nvSpPr>
         <p:spPr>
           <a:xfrm>
-            <a:off x="5620624" y="4139858"/>
-            <a:ext cx="2214693" cy="369332"/>
-          </a:xfrm>
-          <a:prstGeom prst="rect">
+            <a:off x="10505209" y="3692133"/>
+            <a:ext cx="629174" cy="1677799"/>
+          </a:xfrm>
+          <a:prstGeom prst="downArrow">
             <a:avLst/>
           </a:prstGeom>
-          <a:noFill/>
-        </p:spPr>
-        <p:txBody>
-          <a:bodyPr wrap="square" rtlCol="0">
-            <a:spAutoFit/>
-          </a:bodyPr>
+        </p:spPr>
+        <p:style>
+          <a:lnRef idx="2">
+            <a:schemeClr val="accent6">
+              <a:shade val="50000"/>
+            </a:schemeClr>
+          </a:lnRef>
+          <a:fillRef idx="1">
+            <a:schemeClr val="accent6"/>
+          </a:fillRef>
+          <a:effectRef idx="0">
+            <a:schemeClr val="accent6"/>
+          </a:effectRef>
+          <a:fontRef idx="minor">
+            <a:schemeClr val="lt1"/>
+          </a:fontRef>
+        </p:style>
+        <p:txBody>
+          <a:bodyPr rtlCol="0" anchor="ctr"/>
           <a:lstStyle/>
           <a:p>
             <a:pPr algn="ctr"/>
             <a:r>
-              <a:rPr lang="nl-NL" dirty="0">
-                <a:solidFill>
-                  <a:schemeClr val="bg1"/>
-                </a:solidFill>
-              </a:rPr>
-              <a:t>Buoyancy</a:t>
-            </a:r>
-          </a:p>
-        </p:txBody>
-      </p:sp>
-      <p:sp>
-        <p:nvSpPr>
-          <p:cNvPr id="14" name="Pijl: links 13">
-            <a:extLst>
-              <a:ext uri="{FF2B5EF4-FFF2-40B4-BE49-F238E27FC236}">
-                <a16:creationId xmlns:a16="http://schemas.microsoft.com/office/drawing/2014/main" id="{18A21050-17C0-4920-AD75-4B0E254BB8F3}"/>
+              <a:rPr lang="nl-NL" dirty="0" err="1"/>
+              <a:t>Mixing</a:t>
+            </a:r>
+            <a:endParaRPr lang="nl-NL" dirty="0"/>
+          </a:p>
+        </p:txBody>
+      </p:sp>
+      <p:sp>
+        <p:nvSpPr>
+          <p:cNvPr id="10" name="Pijl: omhoog 9">
+            <a:extLst>
+              <a:ext uri="{FF2B5EF4-FFF2-40B4-BE49-F238E27FC236}">
+                <a16:creationId xmlns:a16="http://schemas.microsoft.com/office/drawing/2014/main" id="{C30C6287-9427-4088-B17B-E6F90DFCAE11}"/>
               </a:ext>
             </a:extLst>
           </p:cNvPr>
@@ -4916,10 +7843,10 @@
         </p:nvSpPr>
         <p:spPr>
           <a:xfrm>
-            <a:off x="293611" y="4085438"/>
-            <a:ext cx="2776755" cy="478172"/>
-          </a:xfrm>
-          <a:prstGeom prst="leftArrow">
+            <a:off x="9024553" y="269431"/>
+            <a:ext cx="629174" cy="1711351"/>
+          </a:xfrm>
+          <a:prstGeom prst="upArrow">
             <a:avLst/>
           </a:prstGeom>
         </p:spPr>
@@ -4945,18 +7872,19 @@
           <a:p>
             <a:pPr algn="ctr"/>
             <a:r>
-              <a:rPr lang="nl-NL" dirty="0"/>
-              <a:t>Cloud content</a:t>
-            </a:r>
-          </a:p>
-        </p:txBody>
-      </p:sp>
-      <p:sp>
-        <p:nvSpPr>
-          <p:cNvPr id="15" name="Rechthoek: afgeronde hoeken 14">
-            <a:extLst>
-              <a:ext uri="{FF2B5EF4-FFF2-40B4-BE49-F238E27FC236}">
-                <a16:creationId xmlns:a16="http://schemas.microsoft.com/office/drawing/2014/main" id="{AE2F06AC-316D-49E6-A27A-73317C6C6B1C}"/>
+              <a:rPr lang="nl-NL"/>
+              <a:t>Mixing</a:t>
+            </a:r>
+            <a:endParaRPr lang="nl-NL" dirty="0"/>
+          </a:p>
+        </p:txBody>
+      </p:sp>
+      <p:sp>
+        <p:nvSpPr>
+          <p:cNvPr id="17" name="Rechthoek 16">
+            <a:extLst>
+              <a:ext uri="{FF2B5EF4-FFF2-40B4-BE49-F238E27FC236}">
+                <a16:creationId xmlns:a16="http://schemas.microsoft.com/office/drawing/2014/main" id="{63ADA734-2949-4935-B355-46417E631D2E}"/>
               </a:ext>
             </a:extLst>
           </p:cNvPr>
@@ -4965,12 +7893,1163 @@
         </p:nvSpPr>
         <p:spPr>
           <a:xfrm>
-            <a:off x="9212508" y="1677798"/>
-            <a:ext cx="2332139" cy="1442906"/>
+            <a:off x="930764" y="586847"/>
+            <a:ext cx="6946497" cy="1200329"/>
+          </a:xfrm>
+          <a:prstGeom prst="rect">
+            <a:avLst/>
+          </a:prstGeom>
+        </p:spPr>
+        <p:txBody>
+          <a:bodyPr wrap="square">
+            <a:spAutoFit/>
+          </a:bodyPr>
+          <a:lstStyle/>
+          <a:p>
+            <a:r>
+              <a:rPr lang="nl-NL" sz="3600" dirty="0"/>
+              <a:t>Model: </a:t>
+            </a:r>
+            <a:r>
+              <a:rPr lang="nl-NL" sz="3600" dirty="0" err="1"/>
+              <a:t>dynamic</a:t>
+            </a:r>
+            <a:r>
+              <a:rPr lang="nl-NL" sz="3600" dirty="0"/>
+              <a:t> </a:t>
+            </a:r>
+            <a:r>
+              <a:rPr lang="nl-NL" sz="3600" dirty="0" err="1"/>
+              <a:t>equations</a:t>
+            </a:r>
+            <a:r>
+              <a:rPr lang="nl-NL" sz="3600" dirty="0"/>
+              <a:t> – sources/</a:t>
+            </a:r>
+            <a:r>
+              <a:rPr lang="nl-NL" sz="3600" dirty="0" err="1"/>
+              <a:t>sinks</a:t>
+            </a:r>
+            <a:endParaRPr lang="nl-NL" sz="3600" dirty="0"/>
+          </a:p>
+        </p:txBody>
+      </p:sp>
+    </p:spTree>
+    <p:extLst>
+      <p:ext uri="{BB962C8B-B14F-4D97-AF65-F5344CB8AC3E}">
+        <p14:creationId xmlns:p14="http://schemas.microsoft.com/office/powerpoint/2010/main" val="1065078538"/>
+      </p:ext>
+    </p:extLst>
+  </p:cSld>
+  <p:clrMapOvr>
+    <a:masterClrMapping/>
+  </p:clrMapOvr>
+</p:sld>
+</file>
+
+<file path=ppt/slides/slide4.xml><?xml version="1.0" encoding="utf-8"?>
+<p:sld xmlns:a="http://schemas.openxmlformats.org/drawingml/2006/main" xmlns:r="http://schemas.openxmlformats.org/officeDocument/2006/relationships" xmlns:p="http://schemas.openxmlformats.org/presentationml/2006/main">
+  <p:cSld>
+    <p:spTree>
+      <p:nvGrpSpPr>
+        <p:cNvPr id="1" name=""/>
+        <p:cNvGrpSpPr/>
+        <p:nvPr/>
+      </p:nvGrpSpPr>
+      <p:grpSpPr>
+        <a:xfrm>
+          <a:off x="0" y="0"/>
+          <a:ext cx="0" cy="0"/>
+          <a:chOff x="0" y="0"/>
+          <a:chExt cx="0" cy="0"/>
+        </a:xfrm>
+      </p:grpSpPr>
+      <p:sp>
+        <p:nvSpPr>
+          <p:cNvPr id="4" name="Rechthoek: afgeronde hoeken 3">
+            <a:extLst>
+              <a:ext uri="{FF2B5EF4-FFF2-40B4-BE49-F238E27FC236}">
+                <a16:creationId xmlns:a16="http://schemas.microsoft.com/office/drawing/2014/main" id="{55924BAB-0FA9-4485-98C4-471C28D50C04}"/>
+              </a:ext>
+            </a:extLst>
+          </p:cNvPr>
+          <p:cNvSpPr/>
+          <p:nvPr/>
+        </p:nvSpPr>
+        <p:spPr>
+          <a:xfrm>
+            <a:off x="3472563" y="830249"/>
+            <a:ext cx="2191326" cy="912761"/>
           </a:xfrm>
           <a:prstGeom prst="roundRect">
             <a:avLst/>
           </a:prstGeom>
+        </p:spPr>
+        <p:style>
+          <a:lnRef idx="2">
+            <a:schemeClr val="accent5">
+              <a:shade val="50000"/>
+            </a:schemeClr>
+          </a:lnRef>
+          <a:fillRef idx="1">
+            <a:schemeClr val="accent5"/>
+          </a:fillRef>
+          <a:effectRef idx="0">
+            <a:schemeClr val="accent5"/>
+          </a:effectRef>
+          <a:fontRef idx="minor">
+            <a:schemeClr val="lt1"/>
+          </a:fontRef>
+        </p:style>
+        <p:txBody>
+          <a:bodyPr rtlCol="0" anchor="ctr"/>
+          <a:lstStyle/>
+          <a:p>
+            <a:pPr algn="ctr"/>
+            <a:r>
+              <a:rPr lang="nl-NL" dirty="0"/>
+              <a:t>VAPOR</a:t>
+            </a:r>
+          </a:p>
+        </p:txBody>
+      </p:sp>
+      <p:pic>
+        <p:nvPicPr>
+          <p:cNvPr id="6" name="Afbeelding 5">
+            <a:extLst>
+              <a:ext uri="{FF2B5EF4-FFF2-40B4-BE49-F238E27FC236}">
+                <a16:creationId xmlns:a16="http://schemas.microsoft.com/office/drawing/2014/main" id="{05B0DED5-0658-411A-9E12-8D124AAFF21C}"/>
+              </a:ext>
+            </a:extLst>
+          </p:cNvPr>
+          <p:cNvPicPr>
+            <a:picLocks noChangeAspect="1"/>
+          </p:cNvPicPr>
+          <p:nvPr/>
+        </p:nvPicPr>
+        <p:blipFill>
+          <a:blip r:embed="rId2">
+            <a:extLst>
+              <a:ext uri="{28A0092B-C50C-407E-A947-70E740481C1C}">
+                <a14:useLocalDpi xmlns:a14="http://schemas.microsoft.com/office/drawing/2010/main" val="0"/>
+              </a:ext>
+            </a:extLst>
+          </a:blip>
+          <a:stretch>
+            <a:fillRect/>
+          </a:stretch>
+        </p:blipFill>
+        <p:spPr>
+          <a:xfrm>
+            <a:off x="3674378" y="4896820"/>
+            <a:ext cx="1953144" cy="2219482"/>
+          </a:xfrm>
+          <a:prstGeom prst="rect">
+            <a:avLst/>
+          </a:prstGeom>
+        </p:spPr>
+      </p:pic>
+      <p:pic>
+        <p:nvPicPr>
+          <p:cNvPr id="8" name="Afbeelding 7">
+            <a:extLst>
+              <a:ext uri="{FF2B5EF4-FFF2-40B4-BE49-F238E27FC236}">
+                <a16:creationId xmlns:a16="http://schemas.microsoft.com/office/drawing/2014/main" id="{9458A9A3-9F0D-4B77-8D05-5D1B5034C378}"/>
+              </a:ext>
+            </a:extLst>
+          </p:cNvPr>
+          <p:cNvPicPr>
+            <a:picLocks noChangeAspect="1"/>
+          </p:cNvPicPr>
+          <p:nvPr/>
+        </p:nvPicPr>
+        <p:blipFill>
+          <a:blip r:embed="rId3">
+            <a:extLst>
+              <a:ext uri="{28A0092B-C50C-407E-A947-70E740481C1C}">
+                <a14:useLocalDpi xmlns:a14="http://schemas.microsoft.com/office/drawing/2010/main" val="0"/>
+              </a:ext>
+            </a:extLst>
+          </a:blip>
+          <a:stretch>
+            <a:fillRect/>
+          </a:stretch>
+        </p:blipFill>
+        <p:spPr>
+          <a:xfrm>
+            <a:off x="7535610" y="2993257"/>
+            <a:ext cx="1769243" cy="2358991"/>
+          </a:xfrm>
+          <a:prstGeom prst="rect">
+            <a:avLst/>
+          </a:prstGeom>
+        </p:spPr>
+      </p:pic>
+      <p:pic>
+        <p:nvPicPr>
+          <p:cNvPr id="10" name="Afbeelding 9">
+            <a:extLst>
+              <a:ext uri="{FF2B5EF4-FFF2-40B4-BE49-F238E27FC236}">
+                <a16:creationId xmlns:a16="http://schemas.microsoft.com/office/drawing/2014/main" id="{B9E9F5F6-B8AB-4C4A-B4BC-FBFA84DA668A}"/>
+              </a:ext>
+            </a:extLst>
+          </p:cNvPr>
+          <p:cNvPicPr>
+            <a:picLocks noChangeAspect="1"/>
+          </p:cNvPicPr>
+          <p:nvPr/>
+        </p:nvPicPr>
+        <p:blipFill rotWithShape="1">
+          <a:blip r:embed="rId4">
+            <a:extLst>
+              <a:ext uri="{28A0092B-C50C-407E-A947-70E740481C1C}">
+                <a14:useLocalDpi xmlns:a14="http://schemas.microsoft.com/office/drawing/2010/main" val="0"/>
+              </a:ext>
+            </a:extLst>
+          </a:blip>
+          <a:srcRect l="3071" t="48083" r="51977" b="8187"/>
+          <a:stretch/>
+        </p:blipFill>
+        <p:spPr>
+          <a:xfrm>
+            <a:off x="3674378" y="2768432"/>
+            <a:ext cx="1953144" cy="1431367"/>
+          </a:xfrm>
+          <a:prstGeom prst="rect">
+            <a:avLst/>
+          </a:prstGeom>
+        </p:spPr>
+      </p:pic>
+      <p:sp>
+        <p:nvSpPr>
+          <p:cNvPr id="17" name="Pijl: omhoog 16">
+            <a:extLst>
+              <a:ext uri="{FF2B5EF4-FFF2-40B4-BE49-F238E27FC236}">
+                <a16:creationId xmlns:a16="http://schemas.microsoft.com/office/drawing/2014/main" id="{FD66C9E8-CE61-4A3D-BEF3-E5AB1346365D}"/>
+              </a:ext>
+            </a:extLst>
+          </p:cNvPr>
+          <p:cNvSpPr/>
+          <p:nvPr/>
+        </p:nvSpPr>
+        <p:spPr>
+          <a:xfrm>
+            <a:off x="3450038" y="4228134"/>
+            <a:ext cx="1023456" cy="978408"/>
+          </a:xfrm>
+          <a:prstGeom prst="upArrow">
+            <a:avLst/>
+          </a:prstGeom>
+          <a:solidFill>
+            <a:srgbClr val="70AD47"/>
+          </a:solidFill>
+          <a:ln>
+            <a:solidFill>
+              <a:srgbClr val="507E32"/>
+            </a:solidFill>
+          </a:ln>
+        </p:spPr>
+        <p:style>
+          <a:lnRef idx="2">
+            <a:schemeClr val="accent2">
+              <a:shade val="50000"/>
+            </a:schemeClr>
+          </a:lnRef>
+          <a:fillRef idx="1">
+            <a:schemeClr val="accent2"/>
+          </a:fillRef>
+          <a:effectRef idx="0">
+            <a:schemeClr val="accent2"/>
+          </a:effectRef>
+          <a:fontRef idx="minor">
+            <a:schemeClr val="lt1"/>
+          </a:fontRef>
+        </p:style>
+        <p:txBody>
+          <a:bodyPr rtlCol="0" anchor="ctr"/>
+          <a:lstStyle/>
+          <a:p>
+            <a:pPr algn="ctr"/>
+            <a:r>
+              <a:rPr lang="nl-NL" dirty="0"/>
+              <a:t>M</a:t>
+            </a:r>
+          </a:p>
+          <a:p>
+            <a:pPr algn="ctr"/>
+            <a:r>
+              <a:rPr lang="nl-NL" dirty="0"/>
+              <a:t>0°C</a:t>
+            </a:r>
+          </a:p>
+        </p:txBody>
+      </p:sp>
+      <p:sp>
+        <p:nvSpPr>
+          <p:cNvPr id="18" name="Pijl: omlaag 17">
+            <a:extLst>
+              <a:ext uri="{FF2B5EF4-FFF2-40B4-BE49-F238E27FC236}">
+                <a16:creationId xmlns:a16="http://schemas.microsoft.com/office/drawing/2014/main" id="{ED2C6FD9-B817-4B76-A364-6A37863579E3}"/>
+              </a:ext>
+            </a:extLst>
+          </p:cNvPr>
+          <p:cNvSpPr/>
+          <p:nvPr/>
+        </p:nvSpPr>
+        <p:spPr>
+          <a:xfrm>
+            <a:off x="5036559" y="4228134"/>
+            <a:ext cx="994094" cy="978408"/>
+          </a:xfrm>
+          <a:prstGeom prst="downArrow">
+            <a:avLst/>
+          </a:prstGeom>
+          <a:solidFill>
+            <a:srgbClr val="70AD47"/>
+          </a:solidFill>
+          <a:ln>
+            <a:solidFill>
+              <a:srgbClr val="507E32"/>
+            </a:solidFill>
+          </a:ln>
+        </p:spPr>
+        <p:style>
+          <a:lnRef idx="2">
+            <a:schemeClr val="accent6">
+              <a:shade val="50000"/>
+            </a:schemeClr>
+          </a:lnRef>
+          <a:fillRef idx="1">
+            <a:schemeClr val="accent6"/>
+          </a:fillRef>
+          <a:effectRef idx="0">
+            <a:schemeClr val="accent6"/>
+          </a:effectRef>
+          <a:fontRef idx="minor">
+            <a:schemeClr val="lt1"/>
+          </a:fontRef>
+        </p:style>
+        <p:txBody>
+          <a:bodyPr rtlCol="0" anchor="ctr"/>
+          <a:lstStyle/>
+          <a:p>
+            <a:pPr algn="ctr"/>
+            <a:r>
+              <a:rPr lang="nl-NL" dirty="0"/>
+              <a:t>F</a:t>
+            </a:r>
+          </a:p>
+          <a:p>
+            <a:pPr algn="ctr"/>
+            <a:r>
+              <a:rPr lang="nl-NL" dirty="0"/>
+              <a:t>-38 °C</a:t>
+            </a:r>
+          </a:p>
+        </p:txBody>
+      </p:sp>
+      <p:sp>
+        <p:nvSpPr>
+          <p:cNvPr id="23" name="Pijl: draaiend 22">
+            <a:extLst>
+              <a:ext uri="{FF2B5EF4-FFF2-40B4-BE49-F238E27FC236}">
+                <a16:creationId xmlns:a16="http://schemas.microsoft.com/office/drawing/2014/main" id="{DCEB45DD-17EC-4CF1-B10F-F2FD6079CF39}"/>
+              </a:ext>
+            </a:extLst>
+          </p:cNvPr>
+          <p:cNvSpPr/>
+          <p:nvPr/>
+        </p:nvSpPr>
+        <p:spPr>
+          <a:xfrm>
+            <a:off x="3990975" y="1761689"/>
+            <a:ext cx="1039390" cy="6184499"/>
+          </a:xfrm>
+          <a:prstGeom prst="circularArrow">
+            <a:avLst>
+              <a:gd name="adj1" fmla="val 12500"/>
+              <a:gd name="adj2" fmla="val 3121348"/>
+              <a:gd name="adj3" fmla="val 20457681"/>
+              <a:gd name="adj4" fmla="val 15650472"/>
+              <a:gd name="adj5" fmla="val 12500"/>
+            </a:avLst>
+          </a:prstGeom>
+        </p:spPr>
+        <p:style>
+          <a:lnRef idx="2">
+            <a:schemeClr val="accent6">
+              <a:shade val="50000"/>
+            </a:schemeClr>
+          </a:lnRef>
+          <a:fillRef idx="1">
+            <a:schemeClr val="accent6"/>
+          </a:fillRef>
+          <a:effectRef idx="0">
+            <a:schemeClr val="accent6"/>
+          </a:effectRef>
+          <a:fontRef idx="minor">
+            <a:schemeClr val="lt1"/>
+          </a:fontRef>
+        </p:style>
+        <p:txBody>
+          <a:bodyPr rtlCol="0" anchor="ctr"/>
+          <a:lstStyle/>
+          <a:p>
+            <a:pPr algn="ctr"/>
+            <a:endParaRPr lang="nl-NL">
+              <a:solidFill>
+                <a:schemeClr val="tx1"/>
+              </a:solidFill>
+            </a:endParaRPr>
+          </a:p>
+        </p:txBody>
+      </p:sp>
+      <p:sp>
+        <p:nvSpPr>
+          <p:cNvPr id="24" name="Tekstvak 23">
+            <a:extLst>
+              <a:ext uri="{FF2B5EF4-FFF2-40B4-BE49-F238E27FC236}">
+                <a16:creationId xmlns:a16="http://schemas.microsoft.com/office/drawing/2014/main" id="{74CA8833-2BD7-4F82-866C-D26A85596C74}"/>
+              </a:ext>
+            </a:extLst>
+          </p:cNvPr>
+          <p:cNvSpPr txBox="1"/>
+          <p:nvPr/>
+        </p:nvSpPr>
+        <p:spPr>
+          <a:xfrm>
+            <a:off x="4730229" y="4363210"/>
+            <a:ext cx="307120" cy="369332"/>
+          </a:xfrm>
+          <a:prstGeom prst="rect">
+            <a:avLst/>
+          </a:prstGeom>
+          <a:noFill/>
+        </p:spPr>
+        <p:txBody>
+          <a:bodyPr wrap="square" rtlCol="0">
+            <a:spAutoFit/>
+          </a:bodyPr>
+          <a:lstStyle/>
+          <a:p>
+            <a:r>
+              <a:rPr lang="nl-NL" dirty="0">
+                <a:solidFill>
+                  <a:schemeClr val="bg1"/>
+                </a:solidFill>
+              </a:rPr>
+              <a:t>D</a:t>
+            </a:r>
+          </a:p>
+        </p:txBody>
+      </p:sp>
+      <p:sp>
+        <p:nvSpPr>
+          <p:cNvPr id="26" name="Pijl: rechts 25">
+            <a:extLst>
+              <a:ext uri="{FF2B5EF4-FFF2-40B4-BE49-F238E27FC236}">
+                <a16:creationId xmlns:a16="http://schemas.microsoft.com/office/drawing/2014/main" id="{1F24D949-0CA9-4EC5-810C-761F6B41F560}"/>
+              </a:ext>
+            </a:extLst>
+          </p:cNvPr>
+          <p:cNvSpPr/>
+          <p:nvPr/>
+        </p:nvSpPr>
+        <p:spPr>
+          <a:xfrm>
+            <a:off x="6700007" y="5361976"/>
+            <a:ext cx="662730" cy="457432"/>
+          </a:xfrm>
+          <a:prstGeom prst="rightArrow">
+            <a:avLst/>
+          </a:prstGeom>
+        </p:spPr>
+        <p:style>
+          <a:lnRef idx="2">
+            <a:schemeClr val="accent4">
+              <a:shade val="50000"/>
+            </a:schemeClr>
+          </a:lnRef>
+          <a:fillRef idx="1">
+            <a:schemeClr val="accent4"/>
+          </a:fillRef>
+          <a:effectRef idx="0">
+            <a:schemeClr val="accent4"/>
+          </a:effectRef>
+          <a:fontRef idx="minor">
+            <a:schemeClr val="lt1"/>
+          </a:fontRef>
+        </p:style>
+        <p:txBody>
+          <a:bodyPr rtlCol="0" anchor="ctr"/>
+          <a:lstStyle/>
+          <a:p>
+            <a:pPr algn="ctr"/>
+            <a:endParaRPr lang="nl-NL"/>
+          </a:p>
+        </p:txBody>
+      </p:sp>
+      <p:sp>
+        <p:nvSpPr>
+          <p:cNvPr id="27" name="Pijl: rechts 26">
+            <a:extLst>
+              <a:ext uri="{FF2B5EF4-FFF2-40B4-BE49-F238E27FC236}">
+                <a16:creationId xmlns:a16="http://schemas.microsoft.com/office/drawing/2014/main" id="{10F9B5B7-D4FC-406C-8D76-BA1B677BAF9C}"/>
+              </a:ext>
+            </a:extLst>
+          </p:cNvPr>
+          <p:cNvSpPr/>
+          <p:nvPr/>
+        </p:nvSpPr>
+        <p:spPr>
+          <a:xfrm>
+            <a:off x="6711846" y="5886319"/>
+            <a:ext cx="662730" cy="457432"/>
+          </a:xfrm>
+          <a:prstGeom prst="rightArrow">
+            <a:avLst/>
+          </a:prstGeom>
+        </p:spPr>
+        <p:style>
+          <a:lnRef idx="2">
+            <a:schemeClr val="accent6">
+              <a:shade val="50000"/>
+            </a:schemeClr>
+          </a:lnRef>
+          <a:fillRef idx="1">
+            <a:schemeClr val="accent6"/>
+          </a:fillRef>
+          <a:effectRef idx="0">
+            <a:schemeClr val="accent6"/>
+          </a:effectRef>
+          <a:fontRef idx="minor">
+            <a:schemeClr val="lt1"/>
+          </a:fontRef>
+        </p:style>
+        <p:txBody>
+          <a:bodyPr rtlCol="0" anchor="ctr"/>
+          <a:lstStyle/>
+          <a:p>
+            <a:pPr algn="ctr"/>
+            <a:endParaRPr lang="nl-NL"/>
+          </a:p>
+        </p:txBody>
+      </p:sp>
+      <p:sp>
+        <p:nvSpPr>
+          <p:cNvPr id="28" name="Tekstvak 27">
+            <a:extLst>
+              <a:ext uri="{FF2B5EF4-FFF2-40B4-BE49-F238E27FC236}">
+                <a16:creationId xmlns:a16="http://schemas.microsoft.com/office/drawing/2014/main" id="{553A212E-B983-46A5-9A9C-1334F52ACD6F}"/>
+              </a:ext>
+            </a:extLst>
+          </p:cNvPr>
+          <p:cNvSpPr txBox="1"/>
+          <p:nvPr/>
+        </p:nvSpPr>
+        <p:spPr>
+          <a:xfrm>
+            <a:off x="7471794" y="5361976"/>
+            <a:ext cx="1319015" cy="1754326"/>
+          </a:xfrm>
+          <a:prstGeom prst="rect">
+            <a:avLst/>
+          </a:prstGeom>
+          <a:noFill/>
+        </p:spPr>
+        <p:txBody>
+          <a:bodyPr wrap="none" rtlCol="0">
+            <a:spAutoFit/>
+          </a:bodyPr>
+          <a:lstStyle/>
+          <a:p>
+            <a:r>
+              <a:rPr lang="nl-NL" dirty="0"/>
+              <a:t>First step</a:t>
+            </a:r>
+          </a:p>
+          <a:p>
+            <a:endParaRPr lang="nl-NL" dirty="0"/>
+          </a:p>
+          <a:p>
+            <a:r>
+              <a:rPr lang="nl-NL" dirty="0"/>
+              <a:t>Second step</a:t>
+            </a:r>
+          </a:p>
+          <a:p>
+            <a:endParaRPr lang="nl-NL" dirty="0"/>
+          </a:p>
+          <a:p>
+            <a:r>
+              <a:rPr lang="nl-NL" dirty="0"/>
+              <a:t>Third step</a:t>
+            </a:r>
+          </a:p>
+          <a:p>
+            <a:endParaRPr lang="nl-NL" dirty="0"/>
+          </a:p>
+        </p:txBody>
+      </p:sp>
+      <p:sp>
+        <p:nvSpPr>
+          <p:cNvPr id="29" name="Pijl: rechts 28">
+            <a:extLst>
+              <a:ext uri="{FF2B5EF4-FFF2-40B4-BE49-F238E27FC236}">
+                <a16:creationId xmlns:a16="http://schemas.microsoft.com/office/drawing/2014/main" id="{BBE118BC-0C7A-40EA-9244-A35C44D1A512}"/>
+              </a:ext>
+            </a:extLst>
+          </p:cNvPr>
+          <p:cNvSpPr/>
+          <p:nvPr/>
+        </p:nvSpPr>
+        <p:spPr>
+          <a:xfrm>
+            <a:off x="6711846" y="6433617"/>
+            <a:ext cx="662730" cy="457432"/>
+          </a:xfrm>
+          <a:prstGeom prst="rightArrow">
+            <a:avLst/>
+          </a:prstGeom>
+        </p:spPr>
+        <p:style>
+          <a:lnRef idx="2">
+            <a:schemeClr val="accent2">
+              <a:shade val="50000"/>
+            </a:schemeClr>
+          </a:lnRef>
+          <a:fillRef idx="1">
+            <a:schemeClr val="accent2"/>
+          </a:fillRef>
+          <a:effectRef idx="0">
+            <a:schemeClr val="accent2"/>
+          </a:effectRef>
+          <a:fontRef idx="minor">
+            <a:schemeClr val="lt1"/>
+          </a:fontRef>
+        </p:style>
+        <p:txBody>
+          <a:bodyPr rtlCol="0" anchor="ctr"/>
+          <a:lstStyle/>
+          <a:p>
+            <a:pPr algn="ctr"/>
+            <a:endParaRPr lang="nl-NL"/>
+          </a:p>
+        </p:txBody>
+      </p:sp>
+      <p:sp>
+        <p:nvSpPr>
+          <p:cNvPr id="30" name="Pijl: rechts 29">
+            <a:extLst>
+              <a:ext uri="{FF2B5EF4-FFF2-40B4-BE49-F238E27FC236}">
+                <a16:creationId xmlns:a16="http://schemas.microsoft.com/office/drawing/2014/main" id="{44207483-BDB9-4C2E-9627-060FECDBE526}"/>
+              </a:ext>
+            </a:extLst>
+          </p:cNvPr>
+          <p:cNvSpPr/>
+          <p:nvPr/>
+        </p:nvSpPr>
+        <p:spPr>
+          <a:xfrm>
+            <a:off x="5754849" y="3647114"/>
+            <a:ext cx="1710698" cy="396380"/>
+          </a:xfrm>
+          <a:prstGeom prst="rightArrow">
+            <a:avLst/>
+          </a:prstGeom>
+        </p:spPr>
+        <p:style>
+          <a:lnRef idx="2">
+            <a:schemeClr val="accent2">
+              <a:shade val="50000"/>
+            </a:schemeClr>
+          </a:lnRef>
+          <a:fillRef idx="1">
+            <a:schemeClr val="accent2"/>
+          </a:fillRef>
+          <a:effectRef idx="0">
+            <a:schemeClr val="accent2"/>
+          </a:effectRef>
+          <a:fontRef idx="minor">
+            <a:schemeClr val="lt1"/>
+          </a:fontRef>
+        </p:style>
+        <p:txBody>
+          <a:bodyPr rtlCol="0" anchor="ctr"/>
+          <a:lstStyle/>
+          <a:p>
+            <a:pPr algn="ctr"/>
+            <a:r>
+              <a:rPr lang="nl-NL" dirty="0"/>
+              <a:t>W</a:t>
+            </a:r>
+            <a:r>
+              <a:rPr lang="nl-NL" sz="1200" dirty="0"/>
+              <a:t>L </a:t>
+            </a:r>
+            <a:r>
+              <a:rPr lang="nl-NL" dirty="0"/>
+              <a:t>&gt; W</a:t>
+            </a:r>
+            <a:r>
+              <a:rPr lang="nl-NL" sz="1200" dirty="0"/>
+              <a:t>L.thres</a:t>
+            </a:r>
+            <a:endParaRPr lang="nl-NL" dirty="0"/>
+          </a:p>
+        </p:txBody>
+      </p:sp>
+      <p:sp>
+        <p:nvSpPr>
+          <p:cNvPr id="31" name="Pijl: rechts 30">
+            <a:extLst>
+              <a:ext uri="{FF2B5EF4-FFF2-40B4-BE49-F238E27FC236}">
+                <a16:creationId xmlns:a16="http://schemas.microsoft.com/office/drawing/2014/main" id="{CCACAB15-8593-4A65-9C74-AA32D75572E7}"/>
+              </a:ext>
+            </a:extLst>
+          </p:cNvPr>
+          <p:cNvSpPr/>
+          <p:nvPr/>
+        </p:nvSpPr>
+        <p:spPr>
+          <a:xfrm>
+            <a:off x="5754847" y="4855094"/>
+            <a:ext cx="1710699" cy="396380"/>
+          </a:xfrm>
+          <a:prstGeom prst="rightArrow">
+            <a:avLst/>
+          </a:prstGeom>
+        </p:spPr>
+        <p:style>
+          <a:lnRef idx="2">
+            <a:schemeClr val="accent2">
+              <a:shade val="50000"/>
+            </a:schemeClr>
+          </a:lnRef>
+          <a:fillRef idx="1">
+            <a:schemeClr val="accent2"/>
+          </a:fillRef>
+          <a:effectRef idx="0">
+            <a:schemeClr val="accent2"/>
+          </a:effectRef>
+          <a:fontRef idx="minor">
+            <a:schemeClr val="lt1"/>
+          </a:fontRef>
+        </p:style>
+        <p:txBody>
+          <a:bodyPr rtlCol="0" anchor="ctr"/>
+          <a:lstStyle/>
+          <a:p>
+            <a:pPr algn="ctr"/>
+            <a:r>
+              <a:rPr lang="nl-NL" dirty="0"/>
+              <a:t>W</a:t>
+            </a:r>
+            <a:r>
+              <a:rPr lang="nl-NL" sz="1200" dirty="0"/>
+              <a:t>I</a:t>
+            </a:r>
+            <a:r>
+              <a:rPr lang="nl-NL" dirty="0"/>
+              <a:t> &gt; W</a:t>
+            </a:r>
+            <a:r>
+              <a:rPr lang="nl-NL" sz="1200" dirty="0"/>
+              <a:t>I.thres</a:t>
+            </a:r>
+          </a:p>
+        </p:txBody>
+      </p:sp>
+      <p:cxnSp>
+        <p:nvCxnSpPr>
+          <p:cNvPr id="33" name="Rechte verbindingslijn 32">
+            <a:extLst>
+              <a:ext uri="{FF2B5EF4-FFF2-40B4-BE49-F238E27FC236}">
+                <a16:creationId xmlns:a16="http://schemas.microsoft.com/office/drawing/2014/main" id="{09895159-86A8-4C34-B103-0D99E8388EFA}"/>
+              </a:ext>
+            </a:extLst>
+          </p:cNvPr>
+          <p:cNvCxnSpPr>
+            <a:cxnSpLocks/>
+            <a:endCxn id="9" idx="1"/>
+          </p:cNvCxnSpPr>
+          <p:nvPr/>
+        </p:nvCxnSpPr>
+        <p:spPr>
+          <a:xfrm>
+            <a:off x="4729348" y="2411696"/>
+            <a:ext cx="1788568" cy="24307"/>
+          </a:xfrm>
+          <a:prstGeom prst="line">
+            <a:avLst/>
+          </a:prstGeom>
+          <a:ln w="57150"/>
+        </p:spPr>
+        <p:style>
+          <a:lnRef idx="1">
+            <a:schemeClr val="accent6"/>
+          </a:lnRef>
+          <a:fillRef idx="0">
+            <a:schemeClr val="accent6"/>
+          </a:fillRef>
+          <a:effectRef idx="0">
+            <a:schemeClr val="accent6"/>
+          </a:effectRef>
+          <a:fontRef idx="minor">
+            <a:schemeClr val="tx1"/>
+          </a:fontRef>
+        </p:style>
+      </p:cxnSp>
+      <p:sp>
+        <p:nvSpPr>
+          <p:cNvPr id="11" name="Pijl: omlaag 10">
+            <a:extLst>
+              <a:ext uri="{FF2B5EF4-FFF2-40B4-BE49-F238E27FC236}">
+                <a16:creationId xmlns:a16="http://schemas.microsoft.com/office/drawing/2014/main" id="{B06D1672-E3C9-4822-9CC6-87D1E4EF362E}"/>
+              </a:ext>
+            </a:extLst>
+          </p:cNvPr>
+          <p:cNvSpPr/>
+          <p:nvPr/>
+        </p:nvSpPr>
+        <p:spPr>
+          <a:xfrm>
+            <a:off x="4730229" y="1761689"/>
+            <a:ext cx="980479" cy="1006325"/>
+          </a:xfrm>
+          <a:prstGeom prst="downArrow">
+            <a:avLst/>
+          </a:prstGeom>
+        </p:spPr>
+        <p:style>
+          <a:lnRef idx="2">
+            <a:schemeClr val="accent4">
+              <a:shade val="50000"/>
+            </a:schemeClr>
+          </a:lnRef>
+          <a:fillRef idx="1">
+            <a:schemeClr val="accent4"/>
+          </a:fillRef>
+          <a:effectRef idx="0">
+            <a:schemeClr val="accent4"/>
+          </a:effectRef>
+          <a:fontRef idx="minor">
+            <a:schemeClr val="lt1"/>
+          </a:fontRef>
+        </p:style>
+        <p:txBody>
+          <a:bodyPr rtlCol="0" anchor="ctr"/>
+          <a:lstStyle/>
+          <a:p>
+            <a:pPr algn="ctr"/>
+            <a:endParaRPr lang="nl-NL" dirty="0"/>
+          </a:p>
+          <a:p>
+            <a:pPr algn="ctr"/>
+            <a:r>
+              <a:rPr lang="nl-NL" dirty="0"/>
+              <a:t>C</a:t>
+            </a:r>
+          </a:p>
+          <a:p>
+            <a:pPr algn="ctr"/>
+            <a:r>
+              <a:rPr lang="nl-NL" sz="1200" dirty="0"/>
+              <a:t>100% RH</a:t>
+            </a:r>
+          </a:p>
+        </p:txBody>
+      </p:sp>
+      <p:sp>
+        <p:nvSpPr>
+          <p:cNvPr id="36" name="Tekstvak 35">
+            <a:extLst>
+              <a:ext uri="{FF2B5EF4-FFF2-40B4-BE49-F238E27FC236}">
+                <a16:creationId xmlns:a16="http://schemas.microsoft.com/office/drawing/2014/main" id="{01714165-5CDD-4116-8B14-4B7F4CAE0A0B}"/>
+              </a:ext>
+            </a:extLst>
+          </p:cNvPr>
+          <p:cNvSpPr txBox="1"/>
+          <p:nvPr/>
+        </p:nvSpPr>
+        <p:spPr>
+          <a:xfrm>
+            <a:off x="6568808" y="1986155"/>
+            <a:ext cx="2834645" cy="923330"/>
+          </a:xfrm>
+          <a:prstGeom prst="rect">
+            <a:avLst/>
+          </a:prstGeom>
+          <a:noFill/>
+        </p:spPr>
+        <p:txBody>
+          <a:bodyPr wrap="square" rtlCol="0">
+            <a:spAutoFit/>
+          </a:bodyPr>
+          <a:lstStyle/>
+          <a:p>
+            <a:r>
+              <a:rPr lang="nl-NL" dirty="0"/>
+              <a:t>Parameterization based on  Rotstayn et al. (2000), between 0 and -38°C</a:t>
+            </a:r>
+          </a:p>
+        </p:txBody>
+      </p:sp>
+      <p:sp>
+        <p:nvSpPr>
+          <p:cNvPr id="2" name="Tekstvak 1">
+            <a:extLst>
+              <a:ext uri="{FF2B5EF4-FFF2-40B4-BE49-F238E27FC236}">
+                <a16:creationId xmlns:a16="http://schemas.microsoft.com/office/drawing/2014/main" id="{92671585-3F0E-40F1-9D4C-DE80C738B35A}"/>
+              </a:ext>
+            </a:extLst>
+          </p:cNvPr>
+          <p:cNvSpPr txBox="1"/>
+          <p:nvPr/>
+        </p:nvSpPr>
+        <p:spPr>
+          <a:xfrm>
+            <a:off x="6292461" y="3387607"/>
+            <a:ext cx="644279" cy="369332"/>
+          </a:xfrm>
+          <a:prstGeom prst="rect">
+            <a:avLst/>
+          </a:prstGeom>
+          <a:noFill/>
+        </p:spPr>
+        <p:txBody>
+          <a:bodyPr wrap="none" rtlCol="0">
+            <a:spAutoFit/>
+          </a:bodyPr>
+          <a:lstStyle/>
+          <a:p>
+            <a:r>
+              <a:rPr lang="nl-NL" b="1" dirty="0"/>
+              <a:t>Slow</a:t>
+            </a:r>
+          </a:p>
+        </p:txBody>
+      </p:sp>
+      <p:sp>
+        <p:nvSpPr>
+          <p:cNvPr id="3" name="Tekstvak 2">
+            <a:extLst>
+              <a:ext uri="{FF2B5EF4-FFF2-40B4-BE49-F238E27FC236}">
+                <a16:creationId xmlns:a16="http://schemas.microsoft.com/office/drawing/2014/main" id="{E40E5769-136B-462E-9213-F9621A8C754A}"/>
+              </a:ext>
+            </a:extLst>
+          </p:cNvPr>
+          <p:cNvSpPr txBox="1"/>
+          <p:nvPr/>
+        </p:nvSpPr>
+        <p:spPr>
+          <a:xfrm>
+            <a:off x="6327662" y="4603517"/>
+            <a:ext cx="566950" cy="369332"/>
+          </a:xfrm>
+          <a:prstGeom prst="rect">
+            <a:avLst/>
+          </a:prstGeom>
+          <a:noFill/>
+        </p:spPr>
+        <p:txBody>
+          <a:bodyPr wrap="none" rtlCol="0">
+            <a:spAutoFit/>
+          </a:bodyPr>
+          <a:lstStyle/>
+          <a:p>
+            <a:r>
+              <a:rPr lang="nl-NL" b="1" dirty="0"/>
+              <a:t>Fast</a:t>
+            </a:r>
+          </a:p>
+        </p:txBody>
+      </p:sp>
+      <p:sp>
+        <p:nvSpPr>
+          <p:cNvPr id="9" name="Rechthoek 8">
+            <a:extLst>
+              <a:ext uri="{FF2B5EF4-FFF2-40B4-BE49-F238E27FC236}">
+                <a16:creationId xmlns:a16="http://schemas.microsoft.com/office/drawing/2014/main" id="{36493298-AC88-43C1-B40B-1BCDC388973E}"/>
+              </a:ext>
+            </a:extLst>
+          </p:cNvPr>
+          <p:cNvSpPr/>
+          <p:nvPr/>
+        </p:nvSpPr>
+        <p:spPr>
+          <a:xfrm>
+            <a:off x="6517916" y="1962520"/>
+            <a:ext cx="2675511" cy="946965"/>
+          </a:xfrm>
+          <a:prstGeom prst="rect">
+            <a:avLst/>
+          </a:prstGeom>
+          <a:noFill/>
+          <a:ln w="57150">
+            <a:solidFill>
+              <a:srgbClr val="70AD47"/>
+            </a:solidFill>
+          </a:ln>
+        </p:spPr>
+        <p:style>
+          <a:lnRef idx="2">
+            <a:schemeClr val="accent6">
+              <a:shade val="50000"/>
+            </a:schemeClr>
+          </a:lnRef>
+          <a:fillRef idx="1">
+            <a:schemeClr val="accent6"/>
+          </a:fillRef>
+          <a:effectRef idx="0">
+            <a:schemeClr val="accent6"/>
+          </a:effectRef>
+          <a:fontRef idx="minor">
+            <a:schemeClr val="lt1"/>
+          </a:fontRef>
+        </p:style>
+        <p:txBody>
+          <a:bodyPr rtlCol="0" anchor="ctr"/>
+          <a:lstStyle/>
+          <a:p>
+            <a:pPr algn="ctr"/>
+            <a:endParaRPr lang="nl-NL"/>
+          </a:p>
+        </p:txBody>
+      </p:sp>
+      <p:sp>
+        <p:nvSpPr>
+          <p:cNvPr id="16" name="Pijl: omhoog 15">
+            <a:extLst>
+              <a:ext uri="{FF2B5EF4-FFF2-40B4-BE49-F238E27FC236}">
+                <a16:creationId xmlns:a16="http://schemas.microsoft.com/office/drawing/2014/main" id="{2A474B91-C08D-44B8-B39F-845D4B8DC981}"/>
+              </a:ext>
+            </a:extLst>
+          </p:cNvPr>
+          <p:cNvSpPr/>
+          <p:nvPr/>
+        </p:nvSpPr>
+        <p:spPr>
+          <a:xfrm>
+            <a:off x="3372465" y="1762098"/>
+            <a:ext cx="1023456" cy="1006334"/>
+          </a:xfrm>
+          <a:prstGeom prst="upArrow">
+            <a:avLst/>
+          </a:prstGeom>
+        </p:spPr>
+        <p:style>
+          <a:lnRef idx="2">
+            <a:schemeClr val="accent4">
+              <a:shade val="50000"/>
+            </a:schemeClr>
+          </a:lnRef>
+          <a:fillRef idx="1">
+            <a:schemeClr val="accent4"/>
+          </a:fillRef>
+          <a:effectRef idx="0">
+            <a:schemeClr val="accent4"/>
+          </a:effectRef>
+          <a:fontRef idx="minor">
+            <a:schemeClr val="lt1"/>
+          </a:fontRef>
+        </p:style>
+        <p:txBody>
+          <a:bodyPr rtlCol="0" anchor="ctr"/>
+          <a:lstStyle/>
+          <a:p>
+            <a:pPr algn="ctr"/>
+            <a:r>
+              <a:rPr lang="nl-NL" dirty="0"/>
+              <a:t>E</a:t>
+            </a:r>
+          </a:p>
+          <a:p>
+            <a:pPr algn="ctr"/>
+            <a:r>
+              <a:rPr lang="nl-NL" sz="1200" dirty="0"/>
+              <a:t>&lt;100% RH</a:t>
+            </a:r>
+          </a:p>
+        </p:txBody>
+      </p:sp>
+      <p:sp>
+        <p:nvSpPr>
+          <p:cNvPr id="7" name="Rechthoek 6">
+            <a:extLst>
+              <a:ext uri="{FF2B5EF4-FFF2-40B4-BE49-F238E27FC236}">
+                <a16:creationId xmlns:a16="http://schemas.microsoft.com/office/drawing/2014/main" id="{77D07DDE-ACDE-46A4-9A31-FCFC9B677BB1}"/>
+              </a:ext>
+            </a:extLst>
+          </p:cNvPr>
+          <p:cNvSpPr/>
+          <p:nvPr/>
+        </p:nvSpPr>
+        <p:spPr>
+          <a:xfrm>
+            <a:off x="2221180" y="243209"/>
+            <a:ext cx="6838930" cy="646331"/>
+          </a:xfrm>
+          <a:prstGeom prst="rect">
+            <a:avLst/>
+          </a:prstGeom>
+        </p:spPr>
+        <p:txBody>
+          <a:bodyPr wrap="square">
+            <a:spAutoFit/>
+          </a:bodyPr>
+          <a:lstStyle/>
+          <a:p>
+            <a:r>
+              <a:rPr lang="nl-NL" sz="3600" dirty="0"/>
+              <a:t>Model: </a:t>
+            </a:r>
+            <a:r>
+              <a:rPr lang="nl-NL" sz="3600" dirty="0" err="1"/>
+              <a:t>moisture</a:t>
+            </a:r>
+            <a:r>
+              <a:rPr lang="nl-NL" sz="3600" dirty="0"/>
+              <a:t> &amp; </a:t>
+            </a:r>
+            <a:r>
+              <a:rPr lang="nl-NL" sz="3600" dirty="0" err="1"/>
+              <a:t>cloud</a:t>
+            </a:r>
+            <a:r>
+              <a:rPr lang="nl-NL" sz="3600" dirty="0"/>
+              <a:t> </a:t>
+            </a:r>
+            <a:r>
+              <a:rPr lang="nl-NL" sz="3600" dirty="0" err="1"/>
+              <a:t>processes</a:t>
+            </a:r>
+            <a:endParaRPr lang="nl-NL" sz="3600" dirty="0"/>
+          </a:p>
+        </p:txBody>
+      </p:sp>
+      <p:sp>
+        <p:nvSpPr>
+          <p:cNvPr id="12" name="Rechthoek 11">
+            <a:extLst>
+              <a:ext uri="{FF2B5EF4-FFF2-40B4-BE49-F238E27FC236}">
+                <a16:creationId xmlns:a16="http://schemas.microsoft.com/office/drawing/2014/main" id="{42F8514A-99C4-407D-A6DE-DC24FE985F6C}"/>
+              </a:ext>
+            </a:extLst>
+          </p:cNvPr>
+          <p:cNvSpPr/>
+          <p:nvPr/>
+        </p:nvSpPr>
+        <p:spPr>
+          <a:xfrm>
+            <a:off x="5944119" y="3019986"/>
+            <a:ext cx="5271963" cy="2341989"/>
+          </a:xfrm>
+          <a:prstGeom prst="rect">
+            <a:avLst/>
+          </a:prstGeom>
+          <a:noFill/>
+          <a:ln w="76200"/>
         </p:spPr>
         <p:style>
           <a:lnRef idx="2">
@@ -4993,20 +9072,992 @@
           <a:lstStyle/>
           <a:p>
             <a:pPr algn="ctr"/>
-            <a:r>
-              <a:rPr lang="nl-NL" sz="3200" dirty="0"/>
-              <a:t>Mass</a:t>
+            <a:endParaRPr lang="nl-NL">
+              <a:ln w="76200">
+                <a:solidFill>
+                  <a:schemeClr val="tx1"/>
+                </a:solidFill>
+              </a:ln>
+              <a:noFill/>
+            </a:endParaRPr>
+          </a:p>
+        </p:txBody>
+      </p:sp>
+      <p:sp>
+        <p:nvSpPr>
+          <p:cNvPr id="13" name="Tekstvak 12">
+            <a:extLst>
+              <a:ext uri="{FF2B5EF4-FFF2-40B4-BE49-F238E27FC236}">
+                <a16:creationId xmlns:a16="http://schemas.microsoft.com/office/drawing/2014/main" id="{4B0E3270-0458-4101-8D49-991A0B5D4D48}"/>
+              </a:ext>
+            </a:extLst>
+          </p:cNvPr>
+          <p:cNvSpPr txBox="1"/>
+          <p:nvPr/>
+        </p:nvSpPr>
+        <p:spPr>
+          <a:xfrm>
+            <a:off x="9080677" y="3296873"/>
+            <a:ext cx="2035301" cy="477054"/>
+          </a:xfrm>
+          <a:prstGeom prst="rect">
+            <a:avLst/>
+          </a:prstGeom>
+          <a:noFill/>
+        </p:spPr>
+        <p:txBody>
+          <a:bodyPr wrap="none" rtlCol="0">
+            <a:spAutoFit/>
+          </a:bodyPr>
+          <a:lstStyle/>
+          <a:p>
+            <a:r>
+              <a:rPr lang="nl-NL" sz="2500" b="1" dirty="0" err="1"/>
+              <a:t>Leaves</a:t>
+            </a:r>
+            <a:r>
+              <a:rPr lang="nl-NL" sz="2500" b="1" dirty="0"/>
+              <a:t> </a:t>
+            </a:r>
+            <a:r>
+              <a:rPr lang="nl-NL" sz="2500" b="1" dirty="0" err="1"/>
+              <a:t>parcel</a:t>
+            </a:r>
+            <a:r>
+              <a:rPr lang="nl-NL" sz="2500" b="1" dirty="0"/>
+              <a:t> </a:t>
+            </a:r>
+          </a:p>
+        </p:txBody>
+      </p:sp>
+    </p:spTree>
+    <p:extLst>
+      <p:ext uri="{BB962C8B-B14F-4D97-AF65-F5344CB8AC3E}">
+        <p14:creationId xmlns:p14="http://schemas.microsoft.com/office/powerpoint/2010/main" val="4033933710"/>
+      </p:ext>
+    </p:extLst>
+  </p:cSld>
+  <p:clrMapOvr>
+    <a:masterClrMapping/>
+  </p:clrMapOvr>
+</p:sld>
+</file>
+
+<file path=ppt/slides/slide5.xml><?xml version="1.0" encoding="utf-8"?>
+<p:sld xmlns:a="http://schemas.openxmlformats.org/drawingml/2006/main" xmlns:r="http://schemas.openxmlformats.org/officeDocument/2006/relationships" xmlns:p="http://schemas.openxmlformats.org/presentationml/2006/main">
+  <p:cSld>
+    <p:spTree>
+      <p:nvGrpSpPr>
+        <p:cNvPr id="1" name=""/>
+        <p:cNvGrpSpPr/>
+        <p:nvPr/>
+      </p:nvGrpSpPr>
+      <p:grpSpPr>
+        <a:xfrm>
+          <a:off x="0" y="0"/>
+          <a:ext cx="0" cy="0"/>
+          <a:chOff x="0" y="0"/>
+          <a:chExt cx="0" cy="0"/>
+        </a:xfrm>
+      </p:grpSpPr>
+      <p:sp>
+        <p:nvSpPr>
+          <p:cNvPr id="2" name="Titel 1">
+            <a:extLst>
+              <a:ext uri="{FF2B5EF4-FFF2-40B4-BE49-F238E27FC236}">
+                <a16:creationId xmlns:a16="http://schemas.microsoft.com/office/drawing/2014/main" id="{34AE73A3-1355-4E2C-A227-766E984F06C9}"/>
+              </a:ext>
+            </a:extLst>
+          </p:cNvPr>
+          <p:cNvSpPr>
+            <a:spLocks noGrp="1"/>
+          </p:cNvSpPr>
+          <p:nvPr>
+            <p:ph type="title"/>
+          </p:nvPr>
+        </p:nvSpPr>
+        <p:spPr/>
+        <p:txBody>
+          <a:bodyPr/>
+          <a:lstStyle/>
+          <a:p>
+            <a:r>
+              <a:rPr lang="nl-NL" dirty="0" err="1"/>
+              <a:t>Dynamic</a:t>
+            </a:r>
+            <a:r>
+              <a:rPr lang="nl-NL" dirty="0"/>
+              <a:t> </a:t>
+            </a:r>
+            <a:r>
+              <a:rPr lang="nl-NL" dirty="0" err="1"/>
+              <a:t>entrainment</a:t>
             </a:r>
             <a:endParaRPr lang="nl-NL" dirty="0"/>
           </a:p>
         </p:txBody>
       </p:sp>
-      <p:sp>
-        <p:nvSpPr>
-          <p:cNvPr id="16" name="Pijl: omlaag 15">
-            <a:extLst>
-              <a:ext uri="{FF2B5EF4-FFF2-40B4-BE49-F238E27FC236}">
-                <a16:creationId xmlns:a16="http://schemas.microsoft.com/office/drawing/2014/main" id="{938F40A8-15E6-44FB-B5DE-8C31B1D743A5}"/>
+      <mc:AlternateContent xmlns:mc="http://schemas.openxmlformats.org/markup-compatibility/2006" xmlns:a14="http://schemas.microsoft.com/office/drawing/2010/main">
+        <mc:Choice Requires="a14">
+          <p:sp>
+            <p:nvSpPr>
+              <p:cNvPr id="3" name="Tijdelijke aanduiding voor inhoud 2">
+                <a:extLst>
+                  <a:ext uri="{FF2B5EF4-FFF2-40B4-BE49-F238E27FC236}">
+                    <a16:creationId xmlns:a16="http://schemas.microsoft.com/office/drawing/2014/main" id="{AB40E63D-2D32-4E3C-8092-04ACA0186E38}"/>
+                  </a:ext>
+                </a:extLst>
+              </p:cNvPr>
+              <p:cNvSpPr>
+                <a:spLocks noGrp="1"/>
+              </p:cNvSpPr>
+              <p:nvPr>
+                <p:ph idx="1"/>
+              </p:nvPr>
+            </p:nvSpPr>
+            <p:spPr/>
+            <p:txBody>
+              <a:bodyPr/>
+              <a:lstStyle/>
+              <a:p>
+                <a:r>
+                  <a:rPr lang="nl-NL" dirty="0"/>
+                  <a:t>Environmental air is </a:t>
+                </a:r>
+                <a:r>
+                  <a:rPr lang="nl-NL" dirty="0" err="1"/>
+                  <a:t>trapped</a:t>
+                </a:r>
+                <a:r>
+                  <a:rPr lang="nl-NL" dirty="0"/>
+                  <a:t> </a:t>
+                </a:r>
+                <a:r>
+                  <a:rPr lang="nl-NL" dirty="0" err="1"/>
+                  <a:t>by</a:t>
+                </a:r>
+                <a:r>
+                  <a:rPr lang="nl-NL" dirty="0"/>
+                  <a:t> </a:t>
+                </a:r>
+                <a:r>
+                  <a:rPr lang="nl-NL" dirty="0" err="1"/>
+                  <a:t>the</a:t>
+                </a:r>
+                <a:r>
+                  <a:rPr lang="nl-NL" dirty="0"/>
+                  <a:t> </a:t>
+                </a:r>
+                <a:r>
+                  <a:rPr lang="nl-NL" dirty="0" err="1"/>
+                  <a:t>convective</a:t>
+                </a:r>
+                <a:r>
+                  <a:rPr lang="nl-NL" dirty="0"/>
+                  <a:t> </a:t>
+                </a:r>
+                <a:r>
+                  <a:rPr lang="nl-NL" dirty="0" err="1"/>
+                  <a:t>cloud</a:t>
+                </a:r>
+                <a:r>
+                  <a:rPr lang="nl-NL" dirty="0"/>
+                  <a:t>; (</a:t>
+                </a:r>
+                <a:r>
+                  <a:rPr lang="nl-NL" dirty="0" err="1"/>
+                  <a:t>vertical</a:t>
+                </a:r>
+                <a:r>
+                  <a:rPr lang="nl-NL" dirty="0"/>
+                  <a:t>) </a:t>
+                </a:r>
+                <a:r>
+                  <a:rPr lang="nl-NL" dirty="0" err="1"/>
+                  <a:t>length</a:t>
+                </a:r>
+                <a:r>
+                  <a:rPr lang="nl-NL" dirty="0"/>
+                  <a:t> </a:t>
+                </a:r>
+                <a:r>
+                  <a:rPr lang="nl-NL" dirty="0" err="1"/>
+                  <a:t>scale</a:t>
+                </a:r>
+                <a:r>
+                  <a:rPr lang="nl-NL" dirty="0"/>
+                  <a:t> of </a:t>
+                </a:r>
+                <a:r>
+                  <a:rPr lang="nl-NL" dirty="0" err="1"/>
+                  <a:t>this</a:t>
+                </a:r>
+                <a:r>
+                  <a:rPr lang="nl-NL" dirty="0"/>
+                  <a:t> </a:t>
+                </a:r>
+                <a:r>
+                  <a:rPr lang="nl-NL" dirty="0" err="1"/>
+                  <a:t>process</a:t>
+                </a:r>
+                <a:r>
+                  <a:rPr lang="nl-NL" dirty="0"/>
+                  <a:t> </a:t>
+                </a:r>
+                <a:r>
+                  <a:rPr lang="nl-NL" dirty="0" err="1"/>
+                  <a:t>depends</a:t>
+                </a:r>
+                <a:r>
+                  <a:rPr lang="nl-NL" dirty="0"/>
+                  <a:t> on </a:t>
+                </a:r>
+                <a:r>
+                  <a:rPr lang="nl-NL" dirty="0" err="1"/>
+                  <a:t>the</a:t>
+                </a:r>
+                <a:r>
+                  <a:rPr lang="nl-NL" dirty="0"/>
+                  <a:t> </a:t>
+                </a:r>
+                <a:r>
+                  <a:rPr lang="nl-NL" dirty="0" err="1"/>
+                  <a:t>parcel</a:t>
+                </a:r>
+                <a:r>
+                  <a:rPr lang="nl-NL" dirty="0"/>
+                  <a:t> </a:t>
+                </a:r>
+                <a:r>
+                  <a:rPr lang="nl-NL" dirty="0" err="1"/>
+                  <a:t>size</a:t>
+                </a:r>
+                <a:endParaRPr lang="nl-NL" dirty="0"/>
+              </a:p>
+              <a:p>
+                <a14:m>
+                  <m:oMath xmlns:m="http://schemas.openxmlformats.org/officeDocument/2006/math">
+                    <m:r>
+                      <a:rPr lang="nl-NL" i="1" smtClean="0">
+                        <a:latin typeface="Cambria Math" panose="02040503050406030204" pitchFamily="18" charset="0"/>
+                        <a:ea typeface="Cambria Math" panose="02040503050406030204" pitchFamily="18" charset="0"/>
+                      </a:rPr>
+                      <m:t>𝜇</m:t>
+                    </m:r>
+                    <m:r>
+                      <a:rPr lang="nl-NL" b="0" i="1" smtClean="0">
+                        <a:latin typeface="Cambria Math" panose="02040503050406030204" pitchFamily="18" charset="0"/>
+                        <a:ea typeface="Cambria Math" panose="02040503050406030204" pitchFamily="18" charset="0"/>
+                      </a:rPr>
+                      <m:t>= </m:t>
+                    </m:r>
+                    <m:sSub>
+                      <m:sSubPr>
+                        <m:ctrlPr>
+                          <a:rPr lang="nl-NL" b="0" i="1" smtClean="0">
+                            <a:latin typeface="Cambria Math" panose="02040503050406030204" pitchFamily="18" charset="0"/>
+                            <a:ea typeface="Cambria Math" panose="02040503050406030204" pitchFamily="18" charset="0"/>
+                          </a:rPr>
+                        </m:ctrlPr>
+                      </m:sSubPr>
+                      <m:e>
+                        <m:r>
+                          <a:rPr lang="nl-NL" i="1">
+                            <a:latin typeface="Cambria Math" panose="02040503050406030204" pitchFamily="18" charset="0"/>
+                            <a:ea typeface="Cambria Math" panose="02040503050406030204" pitchFamily="18" charset="0"/>
+                          </a:rPr>
+                          <m:t>𝜇</m:t>
+                        </m:r>
+                      </m:e>
+                      <m:sub>
+                        <m:r>
+                          <a:rPr lang="nl-NL" b="0" i="1" smtClean="0">
+                            <a:latin typeface="Cambria Math" panose="02040503050406030204" pitchFamily="18" charset="0"/>
+                            <a:ea typeface="Cambria Math" panose="02040503050406030204" pitchFamily="18" charset="0"/>
+                          </a:rPr>
+                          <m:t>0</m:t>
+                        </m:r>
+                      </m:sub>
+                    </m:sSub>
+                    <m:r>
+                      <a:rPr lang="nl-NL" b="0" i="1" smtClean="0">
+                        <a:latin typeface="Cambria Math" panose="02040503050406030204" pitchFamily="18" charset="0"/>
+                        <a:ea typeface="Cambria Math" panose="02040503050406030204" pitchFamily="18" charset="0"/>
+                      </a:rPr>
+                      <m:t>+</m:t>
+                    </m:r>
+                    <m:f>
+                      <m:fPr>
+                        <m:ctrlPr>
+                          <a:rPr lang="nl-NL" b="0" i="1" smtClean="0">
+                            <a:latin typeface="Cambria Math" panose="02040503050406030204" pitchFamily="18" charset="0"/>
+                            <a:ea typeface="Cambria Math" panose="02040503050406030204" pitchFamily="18" charset="0"/>
+                          </a:rPr>
+                        </m:ctrlPr>
+                      </m:fPr>
+                      <m:num>
+                        <m:sSub>
+                          <m:sSubPr>
+                            <m:ctrlPr>
+                              <a:rPr lang="nl-NL" b="0" i="1" smtClean="0">
+                                <a:latin typeface="Cambria Math" panose="02040503050406030204" pitchFamily="18" charset="0"/>
+                                <a:ea typeface="Cambria Math" panose="02040503050406030204" pitchFamily="18" charset="0"/>
+                              </a:rPr>
+                            </m:ctrlPr>
+                          </m:sSubPr>
+                          <m:e>
+                            <m:r>
+                              <a:rPr lang="nl-NL" i="1">
+                                <a:latin typeface="Cambria Math" panose="02040503050406030204" pitchFamily="18" charset="0"/>
+                                <a:ea typeface="Cambria Math" panose="02040503050406030204" pitchFamily="18" charset="0"/>
+                              </a:rPr>
+                              <m:t>𝐶</m:t>
+                            </m:r>
+                          </m:e>
+                          <m:sub>
+                            <m:r>
+                              <a:rPr lang="nl-NL" b="0" i="1" smtClean="0">
+                                <a:latin typeface="Cambria Math" panose="02040503050406030204" pitchFamily="18" charset="0"/>
+                                <a:ea typeface="Cambria Math" panose="02040503050406030204" pitchFamily="18" charset="0"/>
+                              </a:rPr>
+                              <m:t>𝑖𝑛𝑣</m:t>
+                            </m:r>
+                            <m:r>
+                              <a:rPr lang="nl-NL" b="0" i="1" smtClean="0">
+                                <a:latin typeface="Cambria Math" panose="02040503050406030204" pitchFamily="18" charset="0"/>
+                                <a:ea typeface="Cambria Math" panose="02040503050406030204" pitchFamily="18" charset="0"/>
+                              </a:rPr>
+                              <m:t>,</m:t>
+                            </m:r>
+                            <m:r>
+                              <a:rPr lang="nl-NL" b="0" i="1" smtClean="0">
+                                <a:latin typeface="Cambria Math" panose="02040503050406030204" pitchFamily="18" charset="0"/>
+                                <a:ea typeface="Cambria Math" panose="02040503050406030204" pitchFamily="18" charset="0"/>
+                              </a:rPr>
+                              <m:t>𝑟</m:t>
+                            </m:r>
+                          </m:sub>
+                        </m:sSub>
+                      </m:num>
+                      <m:den>
+                        <m:sSub>
+                          <m:sSubPr>
+                            <m:ctrlPr>
+                              <a:rPr lang="nl-NL" b="0" i="1" smtClean="0">
+                                <a:latin typeface="Cambria Math" panose="02040503050406030204" pitchFamily="18" charset="0"/>
+                                <a:ea typeface="Cambria Math" panose="02040503050406030204" pitchFamily="18" charset="0"/>
+                              </a:rPr>
+                            </m:ctrlPr>
+                          </m:sSubPr>
+                          <m:e>
+                            <m:r>
+                              <a:rPr lang="nl-NL" i="1">
+                                <a:latin typeface="Cambria Math" panose="02040503050406030204" pitchFamily="18" charset="0"/>
+                                <a:ea typeface="Cambria Math" panose="02040503050406030204" pitchFamily="18" charset="0"/>
+                              </a:rPr>
+                              <m:t>𝑅</m:t>
+                            </m:r>
+                          </m:e>
+                          <m:sub>
+                            <m:r>
+                              <a:rPr lang="nl-NL" b="0" i="1" smtClean="0">
+                                <a:latin typeface="Cambria Math" panose="02040503050406030204" pitchFamily="18" charset="0"/>
+                                <a:ea typeface="Cambria Math" panose="02040503050406030204" pitchFamily="18" charset="0"/>
+                              </a:rPr>
+                              <m:t>𝑒𝑞</m:t>
+                            </m:r>
+                          </m:sub>
+                        </m:sSub>
+                      </m:den>
+                    </m:f>
+                  </m:oMath>
+                </a14:m>
+                <a:r>
+                  <a:rPr lang="nl-NL" dirty="0"/>
+                  <a:t>; </a:t>
+                </a:r>
+                <a14:m>
+                  <m:oMath xmlns:m="http://schemas.openxmlformats.org/officeDocument/2006/math">
+                    <m:sSub>
+                      <m:sSubPr>
+                        <m:ctrlPr>
+                          <a:rPr lang="nl-NL" b="0" i="1" smtClean="0">
+                            <a:latin typeface="Cambria Math" panose="02040503050406030204" pitchFamily="18" charset="0"/>
+                          </a:rPr>
+                        </m:ctrlPr>
+                      </m:sSubPr>
+                      <m:e>
+                        <m:r>
+                          <a:rPr lang="nl-NL" i="1">
+                            <a:latin typeface="Cambria Math" panose="02040503050406030204" pitchFamily="18" charset="0"/>
+                          </a:rPr>
+                          <m:t>𝑅</m:t>
+                        </m:r>
+                      </m:e>
+                      <m:sub>
+                        <m:r>
+                          <a:rPr lang="nl-NL" b="0" i="1" smtClean="0">
+                            <a:latin typeface="Cambria Math" panose="02040503050406030204" pitchFamily="18" charset="0"/>
+                          </a:rPr>
+                          <m:t>𝑒𝑞</m:t>
+                        </m:r>
+                      </m:sub>
+                    </m:sSub>
+                    <m:d>
+                      <m:dPr>
+                        <m:ctrlPr>
+                          <a:rPr lang="nl-NL" b="0" i="1" smtClean="0">
+                            <a:latin typeface="Cambria Math" panose="02040503050406030204" pitchFamily="18" charset="0"/>
+                          </a:rPr>
+                        </m:ctrlPr>
+                      </m:dPr>
+                      <m:e>
+                        <m:sSub>
+                          <m:sSubPr>
+                            <m:ctrlPr>
+                              <a:rPr lang="nl-NL" b="0" i="1" smtClean="0">
+                                <a:latin typeface="Cambria Math" panose="02040503050406030204" pitchFamily="18" charset="0"/>
+                              </a:rPr>
+                            </m:ctrlPr>
+                          </m:sSubPr>
+                          <m:e>
+                            <m:r>
+                              <a:rPr lang="nl-NL" i="1">
+                                <a:latin typeface="Cambria Math" panose="02040503050406030204" pitchFamily="18" charset="0"/>
+                              </a:rPr>
+                              <m:t>𝑀</m:t>
+                            </m:r>
+                          </m:e>
+                          <m:sub>
+                            <m:r>
+                              <a:rPr lang="nl-NL" b="0" i="1" smtClean="0">
+                                <a:latin typeface="Cambria Math" panose="02040503050406030204" pitchFamily="18" charset="0"/>
+                              </a:rPr>
+                              <m:t>𝑝</m:t>
+                            </m:r>
+                          </m:sub>
+                        </m:sSub>
+                      </m:e>
+                    </m:d>
+                  </m:oMath>
+                </a14:m>
+                <a:r>
+                  <a:rPr lang="nl-NL" dirty="0"/>
+                  <a:t> “equivalent radius”, </a:t>
+                </a:r>
+                <a:r>
+                  <a:rPr lang="nl-NL" dirty="0" err="1"/>
+                  <a:t>assuming</a:t>
+                </a:r>
+                <a:r>
+                  <a:rPr lang="nl-NL" dirty="0"/>
+                  <a:t> CP is </a:t>
+                </a:r>
+                <a:r>
+                  <a:rPr lang="nl-NL" dirty="0" err="1"/>
+                  <a:t>spherical</a:t>
+                </a:r>
+                <a:endParaRPr lang="nl-NL" dirty="0"/>
+              </a:p>
+              <a:p>
+                <a:r>
+                  <a:rPr lang="nl-NL" dirty="0" err="1"/>
+                  <a:t>Conservation</a:t>
+                </a:r>
+                <a:r>
+                  <a:rPr lang="nl-NL" dirty="0"/>
+                  <a:t> (of water) check </a:t>
+                </a:r>
+                <a:r>
+                  <a:rPr lang="nl-NL" dirty="0" err="1"/>
+                  <a:t>if</a:t>
+                </a:r>
+                <a:r>
+                  <a:rPr lang="nl-NL" dirty="0"/>
+                  <a:t> </a:t>
+                </a:r>
+                <a:r>
+                  <a:rPr lang="el-GR" dirty="0"/>
+                  <a:t>μ</a:t>
+                </a:r>
+                <a:r>
+                  <a:rPr lang="nl-NL" dirty="0"/>
+                  <a:t> set </a:t>
+                </a:r>
+                <a:r>
+                  <a:rPr lang="nl-NL" dirty="0" err="1"/>
+                  <a:t>to</a:t>
+                </a:r>
+                <a:r>
+                  <a:rPr lang="nl-NL" dirty="0"/>
+                  <a:t> 0</a:t>
+                </a:r>
+              </a:p>
+              <a:p>
+                <a:r>
+                  <a:rPr lang="nl-NL" dirty="0" err="1"/>
+                  <a:t>Many</a:t>
+                </a:r>
+                <a:r>
+                  <a:rPr lang="nl-NL" dirty="0"/>
+                  <a:t> </a:t>
+                </a:r>
+                <a:r>
+                  <a:rPr lang="nl-NL" dirty="0" err="1"/>
+                  <a:t>other</a:t>
+                </a:r>
+                <a:r>
+                  <a:rPr lang="nl-NL" dirty="0"/>
+                  <a:t> parameters are </a:t>
+                </a:r>
+                <a:r>
+                  <a:rPr lang="nl-NL" dirty="0" err="1"/>
+                  <a:t>also</a:t>
+                </a:r>
+                <a:r>
+                  <a:rPr lang="nl-NL" dirty="0"/>
+                  <a:t> set </a:t>
+                </a:r>
+                <a:r>
+                  <a:rPr lang="nl-NL" dirty="0" err="1"/>
+                  <a:t>to</a:t>
+                </a:r>
+                <a:r>
+                  <a:rPr lang="nl-NL" dirty="0"/>
+                  <a:t> a </a:t>
+                </a:r>
+                <a:r>
+                  <a:rPr lang="nl-NL" dirty="0" err="1"/>
+                  <a:t>reference</a:t>
+                </a:r>
+                <a:r>
+                  <a:rPr lang="nl-NL" dirty="0"/>
+                  <a:t> </a:t>
+                </a:r>
+                <a:r>
+                  <a:rPr lang="nl-NL" dirty="0" err="1"/>
+                  <a:t>value</a:t>
+                </a:r>
+                <a:r>
+                  <a:rPr lang="nl-NL" dirty="0"/>
+                  <a:t>, e.g. </a:t>
+                </a:r>
+                <a:r>
+                  <a:rPr lang="nl-NL" dirty="0" err="1"/>
+                  <a:t>initial</a:t>
+                </a:r>
+                <a:r>
+                  <a:rPr lang="nl-NL" dirty="0"/>
+                  <a:t> </a:t>
+                </a:r>
+                <a14:m>
+                  <m:oMath xmlns:m="http://schemas.openxmlformats.org/officeDocument/2006/math">
+                    <m:sSub>
+                      <m:sSubPr>
+                        <m:ctrlPr>
+                          <a:rPr lang="nl-NL" i="1" dirty="0" smtClean="0">
+                            <a:latin typeface="Cambria Math" panose="02040503050406030204" pitchFamily="18" charset="0"/>
+                          </a:rPr>
+                        </m:ctrlPr>
+                      </m:sSubPr>
+                      <m:e>
+                        <m:r>
+                          <a:rPr lang="nl-NL" i="1" dirty="0">
+                            <a:latin typeface="Cambria Math" panose="02040503050406030204" pitchFamily="18" charset="0"/>
+                          </a:rPr>
+                          <m:t>𝑅</m:t>
+                        </m:r>
+                      </m:e>
+                      <m:sub>
+                        <m:r>
+                          <a:rPr lang="nl-NL" b="0" i="1" dirty="0" smtClean="0">
+                            <a:latin typeface="Cambria Math" panose="02040503050406030204" pitchFamily="18" charset="0"/>
+                          </a:rPr>
+                          <m:t>𝑒𝑞</m:t>
+                        </m:r>
+                      </m:sub>
+                    </m:sSub>
+                    <m:r>
+                      <a:rPr lang="nl-NL" b="0" i="1" dirty="0" smtClean="0">
+                        <a:latin typeface="Cambria Math" panose="02040503050406030204" pitchFamily="18" charset="0"/>
+                      </a:rPr>
+                      <m:t>=2500 </m:t>
+                    </m:r>
+                    <m:r>
+                      <a:rPr lang="nl-NL" b="0" i="1" dirty="0" smtClean="0">
+                        <a:latin typeface="Cambria Math" panose="02040503050406030204" pitchFamily="18" charset="0"/>
+                      </a:rPr>
+                      <m:t>𝑚</m:t>
+                    </m:r>
+                  </m:oMath>
+                </a14:m>
+                <a:r>
+                  <a:rPr lang="nl-NL" dirty="0"/>
+                  <a:t> </a:t>
+                </a:r>
+                <a:r>
+                  <a:rPr lang="nl-NL" dirty="0" err="1"/>
+                  <a:t>and</a:t>
+                </a:r>
+                <a:r>
+                  <a:rPr lang="nl-NL" dirty="0"/>
+                  <a:t> </a:t>
+                </a:r>
+                <a:r>
+                  <a:rPr lang="nl-NL" dirty="0" err="1"/>
+                  <a:t>then</a:t>
+                </a:r>
+                <a:r>
+                  <a:rPr lang="nl-NL" dirty="0"/>
+                  <a:t> </a:t>
+                </a:r>
+                <a:r>
+                  <a:rPr lang="nl-NL" dirty="0" err="1"/>
+                  <a:t>varied</a:t>
+                </a:r>
+                <a:endParaRPr lang="nl-NL" dirty="0"/>
+              </a:p>
+            </p:txBody>
+          </p:sp>
+        </mc:Choice>
+        <mc:Fallback xmlns="">
+          <p:sp>
+            <p:nvSpPr>
+              <p:cNvPr id="3" name="Tijdelijke aanduiding voor inhoud 2">
+                <a:extLst>
+                  <a:ext uri="{FF2B5EF4-FFF2-40B4-BE49-F238E27FC236}">
+                    <a16:creationId xmlns:a16="http://schemas.microsoft.com/office/drawing/2014/main" id="{AB40E63D-2D32-4E3C-8092-04ACA0186E38}"/>
+                  </a:ext>
+                </a:extLst>
+              </p:cNvPr>
+              <p:cNvSpPr>
+                <a:spLocks noGrp="1" noRot="1" noChangeAspect="1" noMove="1" noResize="1" noEditPoints="1" noAdjustHandles="1" noChangeArrowheads="1" noChangeShapeType="1" noTextEdit="1"/>
+              </p:cNvSpPr>
+              <p:nvPr>
+                <p:ph idx="1"/>
+              </p:nvPr>
+            </p:nvSpPr>
+            <p:spPr>
+              <a:blipFill>
+                <a:blip r:embed="rId2"/>
+                <a:stretch>
+                  <a:fillRect l="-1043" t="-2241" r="-58"/>
+                </a:stretch>
+              </a:blipFill>
+            </p:spPr>
+            <p:txBody>
+              <a:bodyPr/>
+              <a:lstStyle/>
+              <a:p>
+                <a:r>
+                  <a:rPr lang="nl-NL">
+                    <a:noFill/>
+                  </a:rPr>
+                  <a:t> </a:t>
+                </a:r>
+              </a:p>
+            </p:txBody>
+          </p:sp>
+        </mc:Fallback>
+      </mc:AlternateContent>
+    </p:spTree>
+    <p:extLst>
+      <p:ext uri="{BB962C8B-B14F-4D97-AF65-F5344CB8AC3E}">
+        <p14:creationId xmlns:p14="http://schemas.microsoft.com/office/powerpoint/2010/main" val="87831035"/>
+      </p:ext>
+    </p:extLst>
+  </p:cSld>
+  <p:clrMapOvr>
+    <a:masterClrMapping/>
+  </p:clrMapOvr>
+</p:sld>
+</file>
+
+<file path=ppt/slides/slide6.xml><?xml version="1.0" encoding="utf-8"?>
+<p:sld xmlns:a="http://schemas.openxmlformats.org/drawingml/2006/main" xmlns:r="http://schemas.openxmlformats.org/officeDocument/2006/relationships" xmlns:p="http://schemas.openxmlformats.org/presentationml/2006/main">
+  <p:cSld>
+    <p:spTree>
+      <p:nvGrpSpPr>
+        <p:cNvPr id="1" name=""/>
+        <p:cNvGrpSpPr/>
+        <p:nvPr/>
+      </p:nvGrpSpPr>
+      <p:grpSpPr>
+        <a:xfrm>
+          <a:off x="0" y="0"/>
+          <a:ext cx="0" cy="0"/>
+          <a:chOff x="0" y="0"/>
+          <a:chExt cx="0" cy="0"/>
+        </a:xfrm>
+      </p:grpSpPr>
+      <p:sp>
+        <p:nvSpPr>
+          <p:cNvPr id="2" name="Titel 1">
+            <a:extLst>
+              <a:ext uri="{FF2B5EF4-FFF2-40B4-BE49-F238E27FC236}">
+                <a16:creationId xmlns:a16="http://schemas.microsoft.com/office/drawing/2014/main" id="{4CEBF99B-0EE7-4ED7-A299-44BAB844E234}"/>
+              </a:ext>
+            </a:extLst>
+          </p:cNvPr>
+          <p:cNvSpPr>
+            <a:spLocks noGrp="1"/>
+          </p:cNvSpPr>
+          <p:nvPr>
+            <p:ph type="title"/>
+          </p:nvPr>
+        </p:nvSpPr>
+        <p:spPr/>
+        <p:txBody>
+          <a:bodyPr/>
+          <a:lstStyle/>
+          <a:p>
+            <a:r>
+              <a:rPr lang="nl-NL" dirty="0" err="1"/>
+              <a:t>Environmental</a:t>
+            </a:r>
+            <a:r>
+              <a:rPr lang="nl-NL" dirty="0"/>
+              <a:t> profile + </a:t>
+            </a:r>
+            <a:r>
+              <a:rPr lang="nl-NL" dirty="0" err="1"/>
+              <a:t>assumptions</a:t>
+            </a:r>
+            <a:endParaRPr lang="nl-NL" dirty="0"/>
+          </a:p>
+        </p:txBody>
+      </p:sp>
+      <p:sp>
+        <p:nvSpPr>
+          <p:cNvPr id="3" name="Tijdelijke aanduiding voor inhoud 2">
+            <a:extLst>
+              <a:ext uri="{FF2B5EF4-FFF2-40B4-BE49-F238E27FC236}">
+                <a16:creationId xmlns:a16="http://schemas.microsoft.com/office/drawing/2014/main" id="{23BE1E43-A2B5-419B-8121-31D74063B53D}"/>
+              </a:ext>
+            </a:extLst>
+          </p:cNvPr>
+          <p:cNvSpPr>
+            <a:spLocks noGrp="1"/>
+          </p:cNvSpPr>
+          <p:nvPr>
+            <p:ph idx="1"/>
+          </p:nvPr>
+        </p:nvSpPr>
+        <p:spPr/>
+        <p:txBody>
+          <a:bodyPr/>
+          <a:lstStyle/>
+          <a:p>
+            <a:r>
+              <a:rPr lang="nl-NL" dirty="0" err="1"/>
+              <a:t>Observations</a:t>
+            </a:r>
+            <a:r>
+              <a:rPr lang="nl-NL" dirty="0"/>
+              <a:t> of August 26th 2010 12 UTC/GMT in Essen (Germany)</a:t>
+            </a:r>
+          </a:p>
+          <a:p>
+            <a:r>
+              <a:rPr lang="nl-NL" dirty="0" err="1"/>
+              <a:t>Slightly</a:t>
+            </a:r>
+            <a:r>
+              <a:rPr lang="nl-NL" dirty="0"/>
+              <a:t> </a:t>
+            </a:r>
+            <a:r>
+              <a:rPr lang="nl-NL" dirty="0" err="1"/>
+              <a:t>modified</a:t>
+            </a:r>
+            <a:r>
+              <a:rPr lang="nl-NL" dirty="0"/>
+              <a:t>, </a:t>
+            </a:r>
+            <a:r>
+              <a:rPr lang="nl-NL" dirty="0" err="1"/>
+              <a:t>assuming</a:t>
+            </a:r>
+            <a:r>
+              <a:rPr lang="nl-NL" dirty="0"/>
+              <a:t> </a:t>
+            </a:r>
+            <a:r>
+              <a:rPr lang="nl-NL" dirty="0" err="1"/>
+              <a:t>enriched</a:t>
+            </a:r>
+            <a:r>
+              <a:rPr lang="nl-NL" dirty="0"/>
+              <a:t> </a:t>
+            </a:r>
+            <a:r>
+              <a:rPr lang="nl-NL" dirty="0" err="1"/>
+              <a:t>moisture</a:t>
+            </a:r>
+            <a:r>
+              <a:rPr lang="nl-NL" dirty="0"/>
+              <a:t> at ±3 km</a:t>
+            </a:r>
+          </a:p>
+          <a:p>
+            <a:r>
+              <a:rPr lang="nl-NL" dirty="0" err="1"/>
+              <a:t>Classical</a:t>
+            </a:r>
+            <a:r>
+              <a:rPr lang="nl-NL" dirty="0"/>
+              <a:t> “</a:t>
+            </a:r>
+            <a:r>
+              <a:rPr lang="nl-NL" dirty="0" err="1"/>
+              <a:t>surface</a:t>
+            </a:r>
+            <a:r>
+              <a:rPr lang="nl-NL" dirty="0"/>
+              <a:t> </a:t>
+            </a:r>
+            <a:r>
+              <a:rPr lang="nl-NL" dirty="0" err="1"/>
+              <a:t>based</a:t>
+            </a:r>
+            <a:r>
+              <a:rPr lang="nl-NL" dirty="0"/>
+              <a:t>” </a:t>
+            </a:r>
+            <a:r>
+              <a:rPr lang="nl-NL" dirty="0" err="1"/>
+              <a:t>convection</a:t>
+            </a:r>
+            <a:r>
+              <a:rPr lang="nl-NL" dirty="0"/>
+              <a:t> </a:t>
+            </a:r>
+          </a:p>
+          <a:p>
+            <a:r>
+              <a:rPr lang="nl-NL" dirty="0" err="1"/>
+              <a:t>Linear</a:t>
+            </a:r>
+            <a:r>
+              <a:rPr lang="nl-NL" dirty="0"/>
+              <a:t> </a:t>
+            </a:r>
+            <a:r>
+              <a:rPr lang="nl-NL" dirty="0" err="1"/>
+              <a:t>interpolations</a:t>
+            </a:r>
+            <a:r>
+              <a:rPr lang="nl-NL" dirty="0"/>
+              <a:t> </a:t>
+            </a:r>
+            <a:r>
+              <a:rPr lang="nl-NL" dirty="0" err="1"/>
+              <a:t>between</a:t>
+            </a:r>
+            <a:r>
+              <a:rPr lang="nl-NL" dirty="0"/>
+              <a:t> </a:t>
+            </a:r>
+            <a:r>
+              <a:rPr lang="nl-NL" dirty="0" err="1"/>
+              <a:t>nearest</a:t>
+            </a:r>
+            <a:r>
+              <a:rPr lang="nl-NL" dirty="0"/>
+              <a:t> levels</a:t>
+            </a:r>
+          </a:p>
+          <a:p>
+            <a:r>
+              <a:rPr lang="nl-NL" dirty="0" err="1"/>
+              <a:t>Initial</a:t>
+            </a:r>
+            <a:r>
+              <a:rPr lang="nl-NL" dirty="0"/>
+              <a:t> small </a:t>
+            </a:r>
+            <a:r>
+              <a:rPr lang="nl-NL" dirty="0" err="1"/>
+              <a:t>disturbance</a:t>
+            </a:r>
+            <a:r>
+              <a:rPr lang="nl-NL" dirty="0"/>
+              <a:t> T &amp; water </a:t>
+            </a:r>
+            <a:r>
+              <a:rPr lang="nl-NL" dirty="0" err="1"/>
+              <a:t>vapor</a:t>
+            </a:r>
+            <a:endParaRPr lang="nl-NL" dirty="0"/>
+          </a:p>
+          <a:p>
+            <a:pPr marL="0" indent="0">
+              <a:buNone/>
+            </a:pPr>
+            <a:endParaRPr lang="nl-NL" dirty="0"/>
+          </a:p>
+          <a:p>
+            <a:r>
+              <a:rPr lang="nl-NL" dirty="0" err="1"/>
+              <a:t>Convective</a:t>
+            </a:r>
+            <a:r>
+              <a:rPr lang="nl-NL" dirty="0"/>
+              <a:t> </a:t>
+            </a:r>
+            <a:r>
+              <a:rPr lang="nl-NL" dirty="0" err="1"/>
+              <a:t>rain</a:t>
+            </a:r>
+            <a:r>
+              <a:rPr lang="nl-NL" dirty="0"/>
+              <a:t> event in Gelderland &amp; Overijssel</a:t>
+            </a:r>
+          </a:p>
+        </p:txBody>
+      </p:sp>
+      <p:pic>
+        <p:nvPicPr>
+          <p:cNvPr id="5" name="Afbeelding 4">
+            <a:extLst>
+              <a:ext uri="{FF2B5EF4-FFF2-40B4-BE49-F238E27FC236}">
+                <a16:creationId xmlns:a16="http://schemas.microsoft.com/office/drawing/2014/main" id="{F07841E8-E7E6-47E5-A4A8-E5802F4CC294}"/>
+              </a:ext>
+            </a:extLst>
+          </p:cNvPr>
+          <p:cNvPicPr>
+            <a:picLocks noChangeAspect="1"/>
+          </p:cNvPicPr>
+          <p:nvPr/>
+        </p:nvPicPr>
+        <p:blipFill>
+          <a:blip r:embed="rId2">
+            <a:extLst>
+              <a:ext uri="{28A0092B-C50C-407E-A947-70E740481C1C}">
+                <a14:useLocalDpi xmlns:a14="http://schemas.microsoft.com/office/drawing/2010/main" val="0"/>
+              </a:ext>
+            </a:extLst>
+          </a:blip>
+          <a:stretch>
+            <a:fillRect/>
+          </a:stretch>
+        </p:blipFill>
+        <p:spPr>
+          <a:xfrm>
+            <a:off x="8238931" y="2704168"/>
+            <a:ext cx="3599962" cy="3925523"/>
+          </a:xfrm>
+          <a:prstGeom prst="rect">
+            <a:avLst/>
+          </a:prstGeom>
+        </p:spPr>
+      </p:pic>
+      <p:sp>
+        <p:nvSpPr>
+          <p:cNvPr id="6" name="Pijl: rechts 5">
+            <a:extLst>
+              <a:ext uri="{FF2B5EF4-FFF2-40B4-BE49-F238E27FC236}">
+                <a16:creationId xmlns:a16="http://schemas.microsoft.com/office/drawing/2014/main" id="{F558856C-789B-4568-B99C-5803EC82BEF1}"/>
               </a:ext>
             </a:extLst>
           </p:cNvPr>
@@ -5014,25 +10065,25 @@
           <p:nvPr/>
         </p:nvSpPr>
         <p:spPr>
-          <a:xfrm>
-            <a:off x="10063990" y="16776"/>
-            <a:ext cx="629174" cy="1677799"/>
-          </a:xfrm>
-          <a:prstGeom prst="downArrow">
+          <a:xfrm rot="21279874">
+            <a:off x="8125663" y="4787380"/>
+            <a:ext cx="2608976" cy="391886"/>
+          </a:xfrm>
+          <a:prstGeom prst="rightArrow">
             <a:avLst/>
           </a:prstGeom>
         </p:spPr>
         <p:style>
           <a:lnRef idx="2">
-            <a:schemeClr val="accent6">
+            <a:schemeClr val="accent1">
               <a:shade val="50000"/>
             </a:schemeClr>
           </a:lnRef>
           <a:fillRef idx="1">
-            <a:schemeClr val="accent6"/>
+            <a:schemeClr val="accent1"/>
           </a:fillRef>
           <a:effectRef idx="0">
-            <a:schemeClr val="accent6"/>
+            <a:schemeClr val="accent1"/>
           </a:effectRef>
           <a:fontRef idx="minor">
             <a:schemeClr val="lt1"/>
@@ -5043,18 +10094,1876 @@
           <a:lstStyle/>
           <a:p>
             <a:pPr algn="ctr"/>
-            <a:r>
-              <a:rPr lang="nl-NL"/>
-              <a:t>Mixing</a:t>
-            </a:r>
-            <a:endParaRPr lang="nl-NL" dirty="0"/>
+            <a:endParaRPr lang="nl-NL"/>
           </a:p>
         </p:txBody>
       </p:sp>
     </p:spTree>
     <p:extLst>
       <p:ext uri="{BB962C8B-B14F-4D97-AF65-F5344CB8AC3E}">
-        <p14:creationId xmlns:p14="http://schemas.microsoft.com/office/powerpoint/2010/main" val="1065078538"/>
+        <p14:creationId xmlns:p14="http://schemas.microsoft.com/office/powerpoint/2010/main" val="1683733063"/>
+      </p:ext>
+    </p:extLst>
+  </p:cSld>
+  <p:clrMapOvr>
+    <a:masterClrMapping/>
+  </p:clrMapOvr>
+</p:sld>
+</file>
+
+<file path=ppt/slides/slide7.xml><?xml version="1.0" encoding="utf-8"?>
+<p:sld xmlns:a="http://schemas.openxmlformats.org/drawingml/2006/main" xmlns:r="http://schemas.openxmlformats.org/officeDocument/2006/relationships" xmlns:p="http://schemas.openxmlformats.org/presentationml/2006/main">
+  <p:cSld>
+    <p:spTree>
+      <p:nvGrpSpPr>
+        <p:cNvPr id="1" name=""/>
+        <p:cNvGrpSpPr/>
+        <p:nvPr/>
+      </p:nvGrpSpPr>
+      <p:grpSpPr>
+        <a:xfrm>
+          <a:off x="0" y="0"/>
+          <a:ext cx="0" cy="0"/>
+          <a:chOff x="0" y="0"/>
+          <a:chExt cx="0" cy="0"/>
+        </a:xfrm>
+      </p:grpSpPr>
+      <p:pic>
+        <p:nvPicPr>
+          <p:cNvPr id="20" name="Afbeelding 19">
+            <a:extLst>
+              <a:ext uri="{FF2B5EF4-FFF2-40B4-BE49-F238E27FC236}">
+                <a16:creationId xmlns:a16="http://schemas.microsoft.com/office/drawing/2014/main" id="{28E9F2D1-5409-44A3-8CA2-449374425D85}"/>
+              </a:ext>
+            </a:extLst>
+          </p:cNvPr>
+          <p:cNvPicPr/>
+          <p:nvPr/>
+        </p:nvPicPr>
+        <p:blipFill>
+          <a:blip r:embed="rId2"/>
+          <a:stretch>
+            <a:fillRect/>
+          </a:stretch>
+        </p:blipFill>
+        <p:spPr>
+          <a:xfrm>
+            <a:off x="6250597" y="1207920"/>
+            <a:ext cx="5760000" cy="3988800"/>
+          </a:xfrm>
+          <a:prstGeom prst="rect">
+            <a:avLst/>
+          </a:prstGeom>
+        </p:spPr>
+      </p:pic>
+      <p:pic>
+        <p:nvPicPr>
+          <p:cNvPr id="18" name="Afbeelding 17">
+            <a:extLst>
+              <a:ext uri="{FF2B5EF4-FFF2-40B4-BE49-F238E27FC236}">
+                <a16:creationId xmlns:a16="http://schemas.microsoft.com/office/drawing/2014/main" id="{7600410A-5D56-4841-8991-9A64AEB73E5A}"/>
+              </a:ext>
+            </a:extLst>
+          </p:cNvPr>
+          <p:cNvPicPr/>
+          <p:nvPr/>
+        </p:nvPicPr>
+        <p:blipFill>
+          <a:blip r:embed="rId3"/>
+          <a:stretch>
+            <a:fillRect/>
+          </a:stretch>
+        </p:blipFill>
+        <p:spPr>
+          <a:xfrm>
+            <a:off x="475584" y="1346921"/>
+            <a:ext cx="5760000" cy="3852000"/>
+          </a:xfrm>
+          <a:prstGeom prst="rect">
+            <a:avLst/>
+          </a:prstGeom>
+        </p:spPr>
+      </p:pic>
+      <p:sp>
+        <p:nvSpPr>
+          <p:cNvPr id="2" name="Titel 1">
+            <a:extLst>
+              <a:ext uri="{FF2B5EF4-FFF2-40B4-BE49-F238E27FC236}">
+                <a16:creationId xmlns:a16="http://schemas.microsoft.com/office/drawing/2014/main" id="{161AFC62-FD0A-4F8D-A092-71BC83987BE7}"/>
+              </a:ext>
+            </a:extLst>
+          </p:cNvPr>
+          <p:cNvSpPr>
+            <a:spLocks noGrp="1"/>
+          </p:cNvSpPr>
+          <p:nvPr>
+            <p:ph type="title"/>
+          </p:nvPr>
+        </p:nvSpPr>
+        <p:spPr/>
+        <p:txBody>
+          <a:bodyPr/>
+          <a:lstStyle/>
+          <a:p>
+            <a:r>
+              <a:rPr lang="nl-NL" dirty="0"/>
+              <a:t>No </a:t>
+            </a:r>
+            <a:r>
+              <a:rPr lang="nl-NL" dirty="0" err="1"/>
+              <a:t>entrainment</a:t>
+            </a:r>
+            <a:endParaRPr lang="nl-NL" dirty="0"/>
+          </a:p>
+        </p:txBody>
+      </p:sp>
+      <p:sp>
+        <p:nvSpPr>
+          <p:cNvPr id="3" name="Tijdelijke aanduiding voor inhoud 2">
+            <a:extLst>
+              <a:ext uri="{FF2B5EF4-FFF2-40B4-BE49-F238E27FC236}">
+                <a16:creationId xmlns:a16="http://schemas.microsoft.com/office/drawing/2014/main" id="{B51360E9-C1C5-4FD5-9D70-A385221D70E9}"/>
+              </a:ext>
+            </a:extLst>
+          </p:cNvPr>
+          <p:cNvSpPr>
+            <a:spLocks noGrp="1"/>
+          </p:cNvSpPr>
+          <p:nvPr>
+            <p:ph idx="1"/>
+          </p:nvPr>
+        </p:nvSpPr>
+        <p:spPr/>
+        <p:txBody>
+          <a:bodyPr/>
+          <a:lstStyle/>
+          <a:p>
+            <a:endParaRPr lang="nl-NL" dirty="0"/>
+          </a:p>
+          <a:p>
+            <a:endParaRPr lang="nl-NL" dirty="0"/>
+          </a:p>
+          <a:p>
+            <a:endParaRPr lang="nl-NL" dirty="0"/>
+          </a:p>
+          <a:p>
+            <a:endParaRPr lang="nl-NL" dirty="0"/>
+          </a:p>
+          <a:p>
+            <a:endParaRPr lang="nl-NL" dirty="0"/>
+          </a:p>
+          <a:p>
+            <a:endParaRPr lang="nl-NL" dirty="0"/>
+          </a:p>
+          <a:p>
+            <a:endParaRPr lang="nl-NL" dirty="0"/>
+          </a:p>
+          <a:p>
+            <a:r>
+              <a:rPr lang="nl-NL" dirty="0" err="1"/>
+              <a:t>Mean</a:t>
+            </a:r>
+            <a:r>
+              <a:rPr lang="nl-NL" dirty="0"/>
+              <a:t> </a:t>
+            </a:r>
+            <a:r>
+              <a:rPr lang="nl-NL" dirty="0" err="1"/>
+              <a:t>precipitation</a:t>
+            </a:r>
+            <a:r>
+              <a:rPr lang="nl-NL" dirty="0"/>
+              <a:t> over </a:t>
+            </a:r>
+            <a:r>
+              <a:rPr lang="nl-NL" dirty="0" err="1"/>
+              <a:t>the</a:t>
+            </a:r>
+            <a:r>
+              <a:rPr lang="nl-NL" dirty="0"/>
+              <a:t> </a:t>
+            </a:r>
+            <a:r>
+              <a:rPr lang="nl-NL" dirty="0" err="1"/>
+              <a:t>final</a:t>
+            </a:r>
+            <a:r>
+              <a:rPr lang="nl-NL" dirty="0"/>
+              <a:t> area of </a:t>
+            </a:r>
+            <a:r>
+              <a:rPr lang="nl-NL" dirty="0" err="1"/>
+              <a:t>the</a:t>
+            </a:r>
+            <a:r>
+              <a:rPr lang="nl-NL" dirty="0"/>
+              <a:t> </a:t>
+            </a:r>
+            <a:r>
+              <a:rPr lang="nl-NL" dirty="0" err="1"/>
+              <a:t>parcel</a:t>
+            </a:r>
+            <a:r>
+              <a:rPr lang="nl-NL" dirty="0"/>
+              <a:t>: 6.9 mm</a:t>
+            </a:r>
+          </a:p>
+        </p:txBody>
+      </p:sp>
+      <p:cxnSp>
+        <p:nvCxnSpPr>
+          <p:cNvPr id="7" name="Rechte verbindingslijn met pijl 6">
+            <a:extLst>
+              <a:ext uri="{FF2B5EF4-FFF2-40B4-BE49-F238E27FC236}">
+                <a16:creationId xmlns:a16="http://schemas.microsoft.com/office/drawing/2014/main" id="{D4C08364-174B-44CC-86D6-42AB72A82B14}"/>
+              </a:ext>
+            </a:extLst>
+          </p:cNvPr>
+          <p:cNvCxnSpPr>
+            <a:cxnSpLocks/>
+          </p:cNvCxnSpPr>
+          <p:nvPr/>
+        </p:nvCxnSpPr>
+        <p:spPr>
+          <a:xfrm flipV="1">
+            <a:off x="1657425" y="3229761"/>
+            <a:ext cx="1337445" cy="440167"/>
+          </a:xfrm>
+          <a:prstGeom prst="straightConnector1">
+            <a:avLst/>
+          </a:prstGeom>
+          <a:ln w="57150">
+            <a:tailEnd type="triangle"/>
+          </a:ln>
+        </p:spPr>
+        <p:style>
+          <a:lnRef idx="1">
+            <a:schemeClr val="accent1"/>
+          </a:lnRef>
+          <a:fillRef idx="0">
+            <a:schemeClr val="accent1"/>
+          </a:fillRef>
+          <a:effectRef idx="0">
+            <a:schemeClr val="accent1"/>
+          </a:effectRef>
+          <a:fontRef idx="minor">
+            <a:schemeClr val="tx1"/>
+          </a:fontRef>
+        </p:style>
+      </p:cxnSp>
+      <p:sp>
+        <p:nvSpPr>
+          <p:cNvPr id="10" name="Tekstvak 9">
+            <a:extLst>
+              <a:ext uri="{FF2B5EF4-FFF2-40B4-BE49-F238E27FC236}">
+                <a16:creationId xmlns:a16="http://schemas.microsoft.com/office/drawing/2014/main" id="{5DB66DD8-E646-45B4-A504-92053FBAA8E0}"/>
+              </a:ext>
+            </a:extLst>
+          </p:cNvPr>
+          <p:cNvSpPr txBox="1"/>
+          <p:nvPr/>
+        </p:nvSpPr>
+        <p:spPr>
+          <a:xfrm rot="20536432">
+            <a:off x="1614231" y="3088255"/>
+            <a:ext cx="1117614" cy="369332"/>
+          </a:xfrm>
+          <a:prstGeom prst="rect">
+            <a:avLst/>
+          </a:prstGeom>
+          <a:noFill/>
+        </p:spPr>
+        <p:txBody>
+          <a:bodyPr wrap="none" rtlCol="0">
+            <a:spAutoFit/>
+          </a:bodyPr>
+          <a:lstStyle/>
+          <a:p>
+            <a:r>
+              <a:rPr lang="nl-NL" dirty="0" err="1"/>
+              <a:t>isotherms</a:t>
+            </a:r>
+            <a:endParaRPr lang="nl-NL" dirty="0"/>
+          </a:p>
+        </p:txBody>
+      </p:sp>
+      <p:cxnSp>
+        <p:nvCxnSpPr>
+          <p:cNvPr id="12" name="Rechte verbindingslijn met pijl 11">
+            <a:extLst>
+              <a:ext uri="{FF2B5EF4-FFF2-40B4-BE49-F238E27FC236}">
+                <a16:creationId xmlns:a16="http://schemas.microsoft.com/office/drawing/2014/main" id="{E1F51107-6225-416E-881B-B4B75B3F9ACD}"/>
+              </a:ext>
+            </a:extLst>
+          </p:cNvPr>
+          <p:cNvCxnSpPr/>
+          <p:nvPr/>
+        </p:nvCxnSpPr>
+        <p:spPr>
+          <a:xfrm flipV="1">
+            <a:off x="1291905" y="2600587"/>
+            <a:ext cx="0" cy="1069341"/>
+          </a:xfrm>
+          <a:prstGeom prst="straightConnector1">
+            <a:avLst/>
+          </a:prstGeom>
+          <a:ln w="38100">
+            <a:tailEnd type="triangle"/>
+          </a:ln>
+        </p:spPr>
+        <p:style>
+          <a:lnRef idx="1">
+            <a:schemeClr val="accent1"/>
+          </a:lnRef>
+          <a:fillRef idx="0">
+            <a:schemeClr val="accent1"/>
+          </a:fillRef>
+          <a:effectRef idx="0">
+            <a:schemeClr val="accent1"/>
+          </a:effectRef>
+          <a:fontRef idx="minor">
+            <a:schemeClr val="tx1"/>
+          </a:fontRef>
+        </p:style>
+      </p:cxnSp>
+      <p:sp>
+        <p:nvSpPr>
+          <p:cNvPr id="13" name="Tekstvak 12">
+            <a:extLst>
+              <a:ext uri="{FF2B5EF4-FFF2-40B4-BE49-F238E27FC236}">
+                <a16:creationId xmlns:a16="http://schemas.microsoft.com/office/drawing/2014/main" id="{90AE1338-8324-4FE0-B499-55F66D4BF283}"/>
+              </a:ext>
+            </a:extLst>
+          </p:cNvPr>
+          <p:cNvSpPr txBox="1"/>
+          <p:nvPr/>
+        </p:nvSpPr>
+        <p:spPr>
+          <a:xfrm rot="16200000">
+            <a:off x="1064682" y="3175559"/>
+            <a:ext cx="670376" cy="369332"/>
+          </a:xfrm>
+          <a:prstGeom prst="rect">
+            <a:avLst/>
+          </a:prstGeom>
+          <a:noFill/>
+        </p:spPr>
+        <p:txBody>
+          <a:bodyPr wrap="none" rtlCol="0">
+            <a:spAutoFit/>
+          </a:bodyPr>
+          <a:lstStyle/>
+          <a:p>
+            <a:r>
+              <a:rPr lang="nl-NL" dirty="0"/>
+              <a:t>Z (m)</a:t>
+            </a:r>
+          </a:p>
+        </p:txBody>
+      </p:sp>
+      <p:cxnSp>
+        <p:nvCxnSpPr>
+          <p:cNvPr id="16" name="Rechte verbindingslijn met pijl 15">
+            <a:extLst>
+              <a:ext uri="{FF2B5EF4-FFF2-40B4-BE49-F238E27FC236}">
+                <a16:creationId xmlns:a16="http://schemas.microsoft.com/office/drawing/2014/main" id="{4516B7C9-70F2-44C0-99FB-9B50B4ED2D65}"/>
+              </a:ext>
+            </a:extLst>
+          </p:cNvPr>
+          <p:cNvCxnSpPr>
+            <a:cxnSpLocks/>
+          </p:cNvCxnSpPr>
+          <p:nvPr/>
+        </p:nvCxnSpPr>
+        <p:spPr>
+          <a:xfrm flipV="1">
+            <a:off x="2902591" y="4471333"/>
+            <a:ext cx="880844" cy="276836"/>
+          </a:xfrm>
+          <a:prstGeom prst="straightConnector1">
+            <a:avLst/>
+          </a:prstGeom>
+          <a:ln w="38100">
+            <a:tailEnd type="triangle"/>
+          </a:ln>
+        </p:spPr>
+        <p:style>
+          <a:lnRef idx="1">
+            <a:schemeClr val="accent1"/>
+          </a:lnRef>
+          <a:fillRef idx="0">
+            <a:schemeClr val="accent1"/>
+          </a:fillRef>
+          <a:effectRef idx="0">
+            <a:schemeClr val="accent1"/>
+          </a:effectRef>
+          <a:fontRef idx="minor">
+            <a:schemeClr val="tx1"/>
+          </a:fontRef>
+        </p:style>
+      </p:cxnSp>
+      <p:sp>
+        <p:nvSpPr>
+          <p:cNvPr id="19" name="Tekstvak 18">
+            <a:extLst>
+              <a:ext uri="{FF2B5EF4-FFF2-40B4-BE49-F238E27FC236}">
+                <a16:creationId xmlns:a16="http://schemas.microsoft.com/office/drawing/2014/main" id="{8F930C24-6994-45E2-8199-4B6439C5D1B8}"/>
+              </a:ext>
+            </a:extLst>
+          </p:cNvPr>
+          <p:cNvSpPr txBox="1"/>
+          <p:nvPr/>
+        </p:nvSpPr>
+        <p:spPr>
+          <a:xfrm rot="20453860">
+            <a:off x="3028249" y="4425084"/>
+            <a:ext cx="556563" cy="369332"/>
+          </a:xfrm>
+          <a:prstGeom prst="rect">
+            <a:avLst/>
+          </a:prstGeom>
+          <a:noFill/>
+        </p:spPr>
+        <p:txBody>
+          <a:bodyPr wrap="none" rtlCol="0">
+            <a:spAutoFit/>
+          </a:bodyPr>
+          <a:lstStyle/>
+          <a:p>
+            <a:r>
+              <a:rPr lang="nl-NL" dirty="0"/>
+              <a:t>0 °C</a:t>
+            </a:r>
+          </a:p>
+        </p:txBody>
+      </p:sp>
+      <p:cxnSp>
+        <p:nvCxnSpPr>
+          <p:cNvPr id="21" name="Rechte verbindingslijn met pijl 20">
+            <a:extLst>
+              <a:ext uri="{FF2B5EF4-FFF2-40B4-BE49-F238E27FC236}">
+                <a16:creationId xmlns:a16="http://schemas.microsoft.com/office/drawing/2014/main" id="{FCD07487-9DB9-490A-BDFF-6BA641D59E0B}"/>
+              </a:ext>
+            </a:extLst>
+          </p:cNvPr>
+          <p:cNvCxnSpPr>
+            <a:cxnSpLocks/>
+          </p:cNvCxnSpPr>
+          <p:nvPr/>
+        </p:nvCxnSpPr>
+        <p:spPr>
+          <a:xfrm>
+            <a:off x="7180976" y="1699261"/>
+            <a:ext cx="1141930" cy="286749"/>
+          </a:xfrm>
+          <a:prstGeom prst="straightConnector1">
+            <a:avLst/>
+          </a:prstGeom>
+          <a:ln w="38100">
+            <a:tailEnd type="triangle"/>
+          </a:ln>
+        </p:spPr>
+        <p:style>
+          <a:lnRef idx="1">
+            <a:schemeClr val="accent1"/>
+          </a:lnRef>
+          <a:fillRef idx="0">
+            <a:schemeClr val="accent1"/>
+          </a:fillRef>
+          <a:effectRef idx="0">
+            <a:schemeClr val="accent1"/>
+          </a:effectRef>
+          <a:fontRef idx="minor">
+            <a:schemeClr val="tx1"/>
+          </a:fontRef>
+        </p:style>
+      </p:cxnSp>
+      <p:sp>
+        <p:nvSpPr>
+          <p:cNvPr id="23" name="Tekstvak 22">
+            <a:extLst>
+              <a:ext uri="{FF2B5EF4-FFF2-40B4-BE49-F238E27FC236}">
+                <a16:creationId xmlns:a16="http://schemas.microsoft.com/office/drawing/2014/main" id="{EEA09009-03DE-4775-8EC4-2A99CA15D182}"/>
+              </a:ext>
+            </a:extLst>
+          </p:cNvPr>
+          <p:cNvSpPr txBox="1"/>
+          <p:nvPr/>
+        </p:nvSpPr>
+        <p:spPr>
+          <a:xfrm rot="806772">
+            <a:off x="7634873" y="1564590"/>
+            <a:ext cx="614271" cy="369332"/>
+          </a:xfrm>
+          <a:prstGeom prst="rect">
+            <a:avLst/>
+          </a:prstGeom>
+          <a:noFill/>
+        </p:spPr>
+        <p:txBody>
+          <a:bodyPr wrap="none" rtlCol="0">
+            <a:spAutoFit/>
+          </a:bodyPr>
+          <a:lstStyle/>
+          <a:p>
+            <a:r>
+              <a:rPr lang="nl-NL" dirty="0"/>
+              <a:t>time</a:t>
+            </a:r>
+          </a:p>
+        </p:txBody>
+      </p:sp>
+      <p:cxnSp>
+        <p:nvCxnSpPr>
+          <p:cNvPr id="26" name="Rechte verbindingslijn met pijl 25">
+            <a:extLst>
+              <a:ext uri="{FF2B5EF4-FFF2-40B4-BE49-F238E27FC236}">
+                <a16:creationId xmlns:a16="http://schemas.microsoft.com/office/drawing/2014/main" id="{0FB85C4A-D1D6-42BD-B9F1-9B2FE89F2432}"/>
+              </a:ext>
+            </a:extLst>
+          </p:cNvPr>
+          <p:cNvCxnSpPr>
+            <a:cxnSpLocks/>
+          </p:cNvCxnSpPr>
+          <p:nvPr/>
+        </p:nvCxnSpPr>
+        <p:spPr>
+          <a:xfrm>
+            <a:off x="10403633" y="2533483"/>
+            <a:ext cx="496462" cy="219048"/>
+          </a:xfrm>
+          <a:prstGeom prst="straightConnector1">
+            <a:avLst/>
+          </a:prstGeom>
+          <a:ln w="38100">
+            <a:tailEnd type="triangle"/>
+          </a:ln>
+        </p:spPr>
+        <p:style>
+          <a:lnRef idx="1">
+            <a:schemeClr val="accent1"/>
+          </a:lnRef>
+          <a:fillRef idx="0">
+            <a:schemeClr val="accent1"/>
+          </a:fillRef>
+          <a:effectRef idx="0">
+            <a:schemeClr val="accent1"/>
+          </a:effectRef>
+          <a:fontRef idx="minor">
+            <a:schemeClr val="tx1"/>
+          </a:fontRef>
+        </p:style>
+      </p:cxnSp>
+      <p:cxnSp>
+        <p:nvCxnSpPr>
+          <p:cNvPr id="28" name="Rechte verbindingslijn met pijl 27">
+            <a:extLst>
+              <a:ext uri="{FF2B5EF4-FFF2-40B4-BE49-F238E27FC236}">
+                <a16:creationId xmlns:a16="http://schemas.microsoft.com/office/drawing/2014/main" id="{65BDB741-4717-49A8-A230-F18F74E7905F}"/>
+              </a:ext>
+            </a:extLst>
+          </p:cNvPr>
+          <p:cNvCxnSpPr>
+            <a:cxnSpLocks/>
+          </p:cNvCxnSpPr>
+          <p:nvPr/>
+        </p:nvCxnSpPr>
+        <p:spPr>
+          <a:xfrm flipH="1">
+            <a:off x="8850385" y="3135257"/>
+            <a:ext cx="1684190" cy="15931"/>
+          </a:xfrm>
+          <a:prstGeom prst="straightConnector1">
+            <a:avLst/>
+          </a:prstGeom>
+          <a:ln w="38100">
+            <a:tailEnd type="triangle"/>
+          </a:ln>
+        </p:spPr>
+        <p:style>
+          <a:lnRef idx="1">
+            <a:schemeClr val="accent1"/>
+          </a:lnRef>
+          <a:fillRef idx="0">
+            <a:schemeClr val="accent1"/>
+          </a:fillRef>
+          <a:effectRef idx="0">
+            <a:schemeClr val="accent1"/>
+          </a:effectRef>
+          <a:fontRef idx="minor">
+            <a:schemeClr val="tx1"/>
+          </a:fontRef>
+        </p:style>
+      </p:cxnSp>
+      <p:cxnSp>
+        <p:nvCxnSpPr>
+          <p:cNvPr id="30" name="Rechte verbindingslijn met pijl 29">
+            <a:extLst>
+              <a:ext uri="{FF2B5EF4-FFF2-40B4-BE49-F238E27FC236}">
+                <a16:creationId xmlns:a16="http://schemas.microsoft.com/office/drawing/2014/main" id="{2CAFA677-30B3-4909-846E-1B9ECF7B1BFB}"/>
+              </a:ext>
+            </a:extLst>
+          </p:cNvPr>
+          <p:cNvCxnSpPr/>
+          <p:nvPr/>
+        </p:nvCxnSpPr>
+        <p:spPr>
+          <a:xfrm>
+            <a:off x="6883682" y="2827263"/>
+            <a:ext cx="226503" cy="199239"/>
+          </a:xfrm>
+          <a:prstGeom prst="straightConnector1">
+            <a:avLst/>
+          </a:prstGeom>
+          <a:ln w="38100">
+            <a:tailEnd type="triangle"/>
+          </a:ln>
+        </p:spPr>
+        <p:style>
+          <a:lnRef idx="1">
+            <a:schemeClr val="accent2"/>
+          </a:lnRef>
+          <a:fillRef idx="0">
+            <a:schemeClr val="accent2"/>
+          </a:fillRef>
+          <a:effectRef idx="0">
+            <a:schemeClr val="accent2"/>
+          </a:effectRef>
+          <a:fontRef idx="minor">
+            <a:schemeClr val="tx1"/>
+          </a:fontRef>
+        </p:style>
+      </p:cxnSp>
+      <p:cxnSp>
+        <p:nvCxnSpPr>
+          <p:cNvPr id="31" name="Rechte verbindingslijn met pijl 30">
+            <a:extLst>
+              <a:ext uri="{FF2B5EF4-FFF2-40B4-BE49-F238E27FC236}">
+                <a16:creationId xmlns:a16="http://schemas.microsoft.com/office/drawing/2014/main" id="{F2FE7503-3AFE-4A4F-9041-6B539030A169}"/>
+              </a:ext>
+            </a:extLst>
+          </p:cNvPr>
+          <p:cNvCxnSpPr>
+            <a:cxnSpLocks/>
+          </p:cNvCxnSpPr>
+          <p:nvPr/>
+        </p:nvCxnSpPr>
+        <p:spPr>
+          <a:xfrm flipH="1">
+            <a:off x="9825135" y="3533914"/>
+            <a:ext cx="429208" cy="467380"/>
+          </a:xfrm>
+          <a:prstGeom prst="straightConnector1">
+            <a:avLst/>
+          </a:prstGeom>
+          <a:ln w="38100">
+            <a:tailEnd type="triangle"/>
+          </a:ln>
+        </p:spPr>
+        <p:style>
+          <a:lnRef idx="1">
+            <a:schemeClr val="accent2"/>
+          </a:lnRef>
+          <a:fillRef idx="0">
+            <a:schemeClr val="accent2"/>
+          </a:fillRef>
+          <a:effectRef idx="0">
+            <a:schemeClr val="accent2"/>
+          </a:effectRef>
+          <a:fontRef idx="minor">
+            <a:schemeClr val="tx1"/>
+          </a:fontRef>
+        </p:style>
+      </p:cxnSp>
+    </p:spTree>
+    <p:extLst>
+      <p:ext uri="{BB962C8B-B14F-4D97-AF65-F5344CB8AC3E}">
+        <p14:creationId xmlns:p14="http://schemas.microsoft.com/office/powerpoint/2010/main" val="1764634708"/>
+      </p:ext>
+    </p:extLst>
+  </p:cSld>
+  <p:clrMapOvr>
+    <a:masterClrMapping/>
+  </p:clrMapOvr>
+</p:sld>
+</file>
+
+<file path=ppt/slides/slide8.xml><?xml version="1.0" encoding="utf-8"?>
+<p:sld xmlns:a="http://schemas.openxmlformats.org/drawingml/2006/main" xmlns:r="http://schemas.openxmlformats.org/officeDocument/2006/relationships" xmlns:p="http://schemas.openxmlformats.org/presentationml/2006/main">
+  <p:cSld>
+    <p:spTree>
+      <p:nvGrpSpPr>
+        <p:cNvPr id="1" name=""/>
+        <p:cNvGrpSpPr/>
+        <p:nvPr/>
+      </p:nvGrpSpPr>
+      <p:grpSpPr>
+        <a:xfrm>
+          <a:off x="0" y="0"/>
+          <a:ext cx="0" cy="0"/>
+          <a:chOff x="0" y="0"/>
+          <a:chExt cx="0" cy="0"/>
+        </a:xfrm>
+      </p:grpSpPr>
+      <p:pic>
+        <p:nvPicPr>
+          <p:cNvPr id="35" name="Afbeelding 34">
+            <a:extLst>
+              <a:ext uri="{FF2B5EF4-FFF2-40B4-BE49-F238E27FC236}">
+                <a16:creationId xmlns:a16="http://schemas.microsoft.com/office/drawing/2014/main" id="{793871C7-6CBD-47AA-958C-FD0F33D4F7A1}"/>
+              </a:ext>
+            </a:extLst>
+          </p:cNvPr>
+          <p:cNvPicPr/>
+          <p:nvPr/>
+        </p:nvPicPr>
+        <p:blipFill>
+          <a:blip r:embed="rId2"/>
+          <a:stretch>
+            <a:fillRect/>
+          </a:stretch>
+        </p:blipFill>
+        <p:spPr>
+          <a:xfrm>
+            <a:off x="458943" y="1332057"/>
+            <a:ext cx="5760000" cy="3852000"/>
+          </a:xfrm>
+          <a:prstGeom prst="rect">
+            <a:avLst/>
+          </a:prstGeom>
+        </p:spPr>
+      </p:pic>
+      <p:sp>
+        <p:nvSpPr>
+          <p:cNvPr id="2" name="Titel 1">
+            <a:extLst>
+              <a:ext uri="{FF2B5EF4-FFF2-40B4-BE49-F238E27FC236}">
+                <a16:creationId xmlns:a16="http://schemas.microsoft.com/office/drawing/2014/main" id="{161AFC62-FD0A-4F8D-A092-71BC83987BE7}"/>
+              </a:ext>
+            </a:extLst>
+          </p:cNvPr>
+          <p:cNvSpPr>
+            <a:spLocks noGrp="1"/>
+          </p:cNvSpPr>
+          <p:nvPr>
+            <p:ph type="title"/>
+          </p:nvPr>
+        </p:nvSpPr>
+        <p:spPr/>
+        <p:txBody>
+          <a:bodyPr/>
+          <a:lstStyle/>
+          <a:p>
+            <a:r>
+              <a:rPr lang="nl-NL" dirty="0"/>
+              <a:t>Constant </a:t>
+            </a:r>
+            <a:r>
+              <a:rPr lang="nl-NL" dirty="0" err="1"/>
+              <a:t>entrainment</a:t>
+            </a:r>
+            <a:r>
+              <a:rPr lang="nl-NL" dirty="0"/>
+              <a:t>, </a:t>
+            </a:r>
+            <a:r>
+              <a:rPr lang="el-GR" dirty="0"/>
+              <a:t>μ</a:t>
+            </a:r>
+            <a:r>
+              <a:rPr lang="nl-NL" sz="2600" dirty="0"/>
+              <a:t>0</a:t>
+            </a:r>
+            <a:endParaRPr lang="nl-NL" dirty="0"/>
+          </a:p>
+        </p:txBody>
+      </p:sp>
+      <p:sp>
+        <p:nvSpPr>
+          <p:cNvPr id="3" name="Tijdelijke aanduiding voor inhoud 2">
+            <a:extLst>
+              <a:ext uri="{FF2B5EF4-FFF2-40B4-BE49-F238E27FC236}">
+                <a16:creationId xmlns:a16="http://schemas.microsoft.com/office/drawing/2014/main" id="{B51360E9-C1C5-4FD5-9D70-A385221D70E9}"/>
+              </a:ext>
+            </a:extLst>
+          </p:cNvPr>
+          <p:cNvSpPr>
+            <a:spLocks noGrp="1"/>
+          </p:cNvSpPr>
+          <p:nvPr>
+            <p:ph idx="1"/>
+          </p:nvPr>
+        </p:nvSpPr>
+        <p:spPr/>
+        <p:txBody>
+          <a:bodyPr/>
+          <a:lstStyle/>
+          <a:p>
+            <a:endParaRPr lang="nl-NL" dirty="0"/>
+          </a:p>
+          <a:p>
+            <a:endParaRPr lang="nl-NL" dirty="0"/>
+          </a:p>
+          <a:p>
+            <a:endParaRPr lang="nl-NL" dirty="0"/>
+          </a:p>
+          <a:p>
+            <a:endParaRPr lang="nl-NL" dirty="0"/>
+          </a:p>
+          <a:p>
+            <a:endParaRPr lang="nl-NL" dirty="0"/>
+          </a:p>
+          <a:p>
+            <a:endParaRPr lang="nl-NL" dirty="0"/>
+          </a:p>
+          <a:p>
+            <a:endParaRPr lang="nl-NL" dirty="0"/>
+          </a:p>
+          <a:p>
+            <a:r>
+              <a:rPr lang="nl-NL" dirty="0" err="1"/>
+              <a:t>Mean</a:t>
+            </a:r>
+            <a:r>
+              <a:rPr lang="nl-NL" dirty="0"/>
+              <a:t> </a:t>
+            </a:r>
+            <a:r>
+              <a:rPr lang="nl-NL" dirty="0" err="1"/>
+              <a:t>precipitation</a:t>
+            </a:r>
+            <a:r>
+              <a:rPr lang="nl-NL" dirty="0"/>
+              <a:t> over </a:t>
+            </a:r>
+            <a:r>
+              <a:rPr lang="nl-NL" dirty="0" err="1"/>
+              <a:t>the</a:t>
+            </a:r>
+            <a:r>
+              <a:rPr lang="nl-NL" dirty="0"/>
+              <a:t> </a:t>
+            </a:r>
+            <a:r>
+              <a:rPr lang="nl-NL" dirty="0" err="1"/>
+              <a:t>final</a:t>
+            </a:r>
+            <a:r>
+              <a:rPr lang="nl-NL" dirty="0"/>
+              <a:t> area of </a:t>
+            </a:r>
+            <a:r>
+              <a:rPr lang="nl-NL" dirty="0" err="1"/>
+              <a:t>the</a:t>
+            </a:r>
+            <a:r>
+              <a:rPr lang="nl-NL" dirty="0"/>
+              <a:t> </a:t>
+            </a:r>
+            <a:r>
+              <a:rPr lang="nl-NL" dirty="0" err="1"/>
+              <a:t>parcel</a:t>
+            </a:r>
+            <a:r>
+              <a:rPr lang="nl-NL" dirty="0"/>
+              <a:t>: 3.6 mm</a:t>
+            </a:r>
+          </a:p>
+        </p:txBody>
+      </p:sp>
+      <p:pic>
+        <p:nvPicPr>
+          <p:cNvPr id="5" name="Afbeelding 4">
+            <a:extLst>
+              <a:ext uri="{FF2B5EF4-FFF2-40B4-BE49-F238E27FC236}">
+                <a16:creationId xmlns:a16="http://schemas.microsoft.com/office/drawing/2014/main" id="{35C2A99D-3E03-4580-AD6D-B6FB9FDFC581}"/>
+              </a:ext>
+            </a:extLst>
+          </p:cNvPr>
+          <p:cNvPicPr/>
+          <p:nvPr/>
+        </p:nvPicPr>
+        <p:blipFill>
+          <a:blip r:embed="rId3"/>
+          <a:stretch>
+            <a:fillRect/>
+          </a:stretch>
+        </p:blipFill>
+        <p:spPr>
+          <a:xfrm>
+            <a:off x="6292006" y="1305813"/>
+            <a:ext cx="5760000" cy="3988800"/>
+          </a:xfrm>
+          <a:prstGeom prst="rect">
+            <a:avLst/>
+          </a:prstGeom>
+        </p:spPr>
+      </p:pic>
+      <p:cxnSp>
+        <p:nvCxnSpPr>
+          <p:cNvPr id="7" name="Rechte verbindingslijn met pijl 6">
+            <a:extLst>
+              <a:ext uri="{FF2B5EF4-FFF2-40B4-BE49-F238E27FC236}">
+                <a16:creationId xmlns:a16="http://schemas.microsoft.com/office/drawing/2014/main" id="{D4C08364-174B-44CC-86D6-42AB72A82B14}"/>
+              </a:ext>
+            </a:extLst>
+          </p:cNvPr>
+          <p:cNvCxnSpPr>
+            <a:cxnSpLocks/>
+          </p:cNvCxnSpPr>
+          <p:nvPr/>
+        </p:nvCxnSpPr>
+        <p:spPr>
+          <a:xfrm flipV="1">
+            <a:off x="1657425" y="3229761"/>
+            <a:ext cx="1337445" cy="440167"/>
+          </a:xfrm>
+          <a:prstGeom prst="straightConnector1">
+            <a:avLst/>
+          </a:prstGeom>
+          <a:ln w="57150">
+            <a:tailEnd type="triangle"/>
+          </a:ln>
+        </p:spPr>
+        <p:style>
+          <a:lnRef idx="1">
+            <a:schemeClr val="accent1"/>
+          </a:lnRef>
+          <a:fillRef idx="0">
+            <a:schemeClr val="accent1"/>
+          </a:fillRef>
+          <a:effectRef idx="0">
+            <a:schemeClr val="accent1"/>
+          </a:effectRef>
+          <a:fontRef idx="minor">
+            <a:schemeClr val="tx1"/>
+          </a:fontRef>
+        </p:style>
+      </p:cxnSp>
+      <p:sp>
+        <p:nvSpPr>
+          <p:cNvPr id="10" name="Tekstvak 9">
+            <a:extLst>
+              <a:ext uri="{FF2B5EF4-FFF2-40B4-BE49-F238E27FC236}">
+                <a16:creationId xmlns:a16="http://schemas.microsoft.com/office/drawing/2014/main" id="{5DB66DD8-E646-45B4-A504-92053FBAA8E0}"/>
+              </a:ext>
+            </a:extLst>
+          </p:cNvPr>
+          <p:cNvSpPr txBox="1"/>
+          <p:nvPr/>
+        </p:nvSpPr>
+        <p:spPr>
+          <a:xfrm rot="20536432">
+            <a:off x="1614231" y="3088255"/>
+            <a:ext cx="1117614" cy="369332"/>
+          </a:xfrm>
+          <a:prstGeom prst="rect">
+            <a:avLst/>
+          </a:prstGeom>
+          <a:noFill/>
+        </p:spPr>
+        <p:txBody>
+          <a:bodyPr wrap="none" rtlCol="0">
+            <a:spAutoFit/>
+          </a:bodyPr>
+          <a:lstStyle/>
+          <a:p>
+            <a:r>
+              <a:rPr lang="nl-NL" dirty="0" err="1"/>
+              <a:t>isotherms</a:t>
+            </a:r>
+            <a:endParaRPr lang="nl-NL" dirty="0"/>
+          </a:p>
+        </p:txBody>
+      </p:sp>
+      <p:cxnSp>
+        <p:nvCxnSpPr>
+          <p:cNvPr id="12" name="Rechte verbindingslijn met pijl 11">
+            <a:extLst>
+              <a:ext uri="{FF2B5EF4-FFF2-40B4-BE49-F238E27FC236}">
+                <a16:creationId xmlns:a16="http://schemas.microsoft.com/office/drawing/2014/main" id="{E1F51107-6225-416E-881B-B4B75B3F9ACD}"/>
+              </a:ext>
+            </a:extLst>
+          </p:cNvPr>
+          <p:cNvCxnSpPr/>
+          <p:nvPr/>
+        </p:nvCxnSpPr>
+        <p:spPr>
+          <a:xfrm flipV="1">
+            <a:off x="1291905" y="2600587"/>
+            <a:ext cx="0" cy="1069341"/>
+          </a:xfrm>
+          <a:prstGeom prst="straightConnector1">
+            <a:avLst/>
+          </a:prstGeom>
+          <a:ln w="38100">
+            <a:tailEnd type="triangle"/>
+          </a:ln>
+        </p:spPr>
+        <p:style>
+          <a:lnRef idx="1">
+            <a:schemeClr val="accent1"/>
+          </a:lnRef>
+          <a:fillRef idx="0">
+            <a:schemeClr val="accent1"/>
+          </a:fillRef>
+          <a:effectRef idx="0">
+            <a:schemeClr val="accent1"/>
+          </a:effectRef>
+          <a:fontRef idx="minor">
+            <a:schemeClr val="tx1"/>
+          </a:fontRef>
+        </p:style>
+      </p:cxnSp>
+      <p:sp>
+        <p:nvSpPr>
+          <p:cNvPr id="13" name="Tekstvak 12">
+            <a:extLst>
+              <a:ext uri="{FF2B5EF4-FFF2-40B4-BE49-F238E27FC236}">
+                <a16:creationId xmlns:a16="http://schemas.microsoft.com/office/drawing/2014/main" id="{90AE1338-8324-4FE0-B499-55F66D4BF283}"/>
+              </a:ext>
+            </a:extLst>
+          </p:cNvPr>
+          <p:cNvSpPr txBox="1"/>
+          <p:nvPr/>
+        </p:nvSpPr>
+        <p:spPr>
+          <a:xfrm rot="16200000">
+            <a:off x="1064682" y="3175559"/>
+            <a:ext cx="670376" cy="369332"/>
+          </a:xfrm>
+          <a:prstGeom prst="rect">
+            <a:avLst/>
+          </a:prstGeom>
+          <a:noFill/>
+        </p:spPr>
+        <p:txBody>
+          <a:bodyPr wrap="none" rtlCol="0">
+            <a:spAutoFit/>
+          </a:bodyPr>
+          <a:lstStyle/>
+          <a:p>
+            <a:r>
+              <a:rPr lang="nl-NL" dirty="0"/>
+              <a:t>Z (m)</a:t>
+            </a:r>
+          </a:p>
+        </p:txBody>
+      </p:sp>
+      <p:cxnSp>
+        <p:nvCxnSpPr>
+          <p:cNvPr id="16" name="Rechte verbindingslijn met pijl 15">
+            <a:extLst>
+              <a:ext uri="{FF2B5EF4-FFF2-40B4-BE49-F238E27FC236}">
+                <a16:creationId xmlns:a16="http://schemas.microsoft.com/office/drawing/2014/main" id="{4516B7C9-70F2-44C0-99FB-9B50B4ED2D65}"/>
+              </a:ext>
+            </a:extLst>
+          </p:cNvPr>
+          <p:cNvCxnSpPr>
+            <a:cxnSpLocks/>
+          </p:cNvCxnSpPr>
+          <p:nvPr/>
+        </p:nvCxnSpPr>
+        <p:spPr>
+          <a:xfrm flipV="1">
+            <a:off x="2902591" y="4471333"/>
+            <a:ext cx="880844" cy="276836"/>
+          </a:xfrm>
+          <a:prstGeom prst="straightConnector1">
+            <a:avLst/>
+          </a:prstGeom>
+          <a:ln w="38100">
+            <a:tailEnd type="triangle"/>
+          </a:ln>
+        </p:spPr>
+        <p:style>
+          <a:lnRef idx="1">
+            <a:schemeClr val="accent1"/>
+          </a:lnRef>
+          <a:fillRef idx="0">
+            <a:schemeClr val="accent1"/>
+          </a:fillRef>
+          <a:effectRef idx="0">
+            <a:schemeClr val="accent1"/>
+          </a:effectRef>
+          <a:fontRef idx="minor">
+            <a:schemeClr val="tx1"/>
+          </a:fontRef>
+        </p:style>
+      </p:cxnSp>
+      <p:sp>
+        <p:nvSpPr>
+          <p:cNvPr id="19" name="Tekstvak 18">
+            <a:extLst>
+              <a:ext uri="{FF2B5EF4-FFF2-40B4-BE49-F238E27FC236}">
+                <a16:creationId xmlns:a16="http://schemas.microsoft.com/office/drawing/2014/main" id="{8F930C24-6994-45E2-8199-4B6439C5D1B8}"/>
+              </a:ext>
+            </a:extLst>
+          </p:cNvPr>
+          <p:cNvSpPr txBox="1"/>
+          <p:nvPr/>
+        </p:nvSpPr>
+        <p:spPr>
+          <a:xfrm rot="20453860">
+            <a:off x="3028249" y="4425084"/>
+            <a:ext cx="556563" cy="369332"/>
+          </a:xfrm>
+          <a:prstGeom prst="rect">
+            <a:avLst/>
+          </a:prstGeom>
+          <a:noFill/>
+        </p:spPr>
+        <p:txBody>
+          <a:bodyPr wrap="none" rtlCol="0">
+            <a:spAutoFit/>
+          </a:bodyPr>
+          <a:lstStyle/>
+          <a:p>
+            <a:r>
+              <a:rPr lang="nl-NL" dirty="0"/>
+              <a:t>0 °C</a:t>
+            </a:r>
+          </a:p>
+        </p:txBody>
+      </p:sp>
+      <p:cxnSp>
+        <p:nvCxnSpPr>
+          <p:cNvPr id="21" name="Rechte verbindingslijn met pijl 20">
+            <a:extLst>
+              <a:ext uri="{FF2B5EF4-FFF2-40B4-BE49-F238E27FC236}">
+                <a16:creationId xmlns:a16="http://schemas.microsoft.com/office/drawing/2014/main" id="{FCD07487-9DB9-490A-BDFF-6BA641D59E0B}"/>
+              </a:ext>
+            </a:extLst>
+          </p:cNvPr>
+          <p:cNvCxnSpPr>
+            <a:cxnSpLocks/>
+          </p:cNvCxnSpPr>
+          <p:nvPr/>
+        </p:nvCxnSpPr>
+        <p:spPr>
+          <a:xfrm>
+            <a:off x="7180976" y="1699261"/>
+            <a:ext cx="1107347" cy="389598"/>
+          </a:xfrm>
+          <a:prstGeom prst="straightConnector1">
+            <a:avLst/>
+          </a:prstGeom>
+          <a:ln w="38100">
+            <a:tailEnd type="triangle"/>
+          </a:ln>
+        </p:spPr>
+        <p:style>
+          <a:lnRef idx="1">
+            <a:schemeClr val="accent1"/>
+          </a:lnRef>
+          <a:fillRef idx="0">
+            <a:schemeClr val="accent1"/>
+          </a:fillRef>
+          <a:effectRef idx="0">
+            <a:schemeClr val="accent1"/>
+          </a:effectRef>
+          <a:fontRef idx="minor">
+            <a:schemeClr val="tx1"/>
+          </a:fontRef>
+        </p:style>
+      </p:cxnSp>
+      <p:sp>
+        <p:nvSpPr>
+          <p:cNvPr id="23" name="Tekstvak 22">
+            <a:extLst>
+              <a:ext uri="{FF2B5EF4-FFF2-40B4-BE49-F238E27FC236}">
+                <a16:creationId xmlns:a16="http://schemas.microsoft.com/office/drawing/2014/main" id="{EEA09009-03DE-4775-8EC4-2A99CA15D182}"/>
+              </a:ext>
+            </a:extLst>
+          </p:cNvPr>
+          <p:cNvSpPr txBox="1"/>
+          <p:nvPr/>
+        </p:nvSpPr>
+        <p:spPr>
+          <a:xfrm rot="1364707">
+            <a:off x="7541703" y="1632386"/>
+            <a:ext cx="614271" cy="369332"/>
+          </a:xfrm>
+          <a:prstGeom prst="rect">
+            <a:avLst/>
+          </a:prstGeom>
+          <a:noFill/>
+        </p:spPr>
+        <p:txBody>
+          <a:bodyPr wrap="none" rtlCol="0">
+            <a:spAutoFit/>
+          </a:bodyPr>
+          <a:lstStyle/>
+          <a:p>
+            <a:r>
+              <a:rPr lang="nl-NL" dirty="0"/>
+              <a:t>time</a:t>
+            </a:r>
+          </a:p>
+        </p:txBody>
+      </p:sp>
+      <p:cxnSp>
+        <p:nvCxnSpPr>
+          <p:cNvPr id="26" name="Rechte verbindingslijn met pijl 25">
+            <a:extLst>
+              <a:ext uri="{FF2B5EF4-FFF2-40B4-BE49-F238E27FC236}">
+                <a16:creationId xmlns:a16="http://schemas.microsoft.com/office/drawing/2014/main" id="{0FB85C4A-D1D6-42BD-B9F1-9B2FE89F2432}"/>
+              </a:ext>
+            </a:extLst>
+          </p:cNvPr>
+          <p:cNvCxnSpPr/>
+          <p:nvPr/>
+        </p:nvCxnSpPr>
+        <p:spPr>
+          <a:xfrm>
+            <a:off x="9815119" y="2801923"/>
+            <a:ext cx="461395" cy="427838"/>
+          </a:xfrm>
+          <a:prstGeom prst="straightConnector1">
+            <a:avLst/>
+          </a:prstGeom>
+          <a:ln w="38100">
+            <a:tailEnd type="triangle"/>
+          </a:ln>
+        </p:spPr>
+        <p:style>
+          <a:lnRef idx="1">
+            <a:schemeClr val="accent1"/>
+          </a:lnRef>
+          <a:fillRef idx="0">
+            <a:schemeClr val="accent1"/>
+          </a:fillRef>
+          <a:effectRef idx="0">
+            <a:schemeClr val="accent1"/>
+          </a:effectRef>
+          <a:fontRef idx="minor">
+            <a:schemeClr val="tx1"/>
+          </a:fontRef>
+        </p:style>
+      </p:cxnSp>
+      <p:cxnSp>
+        <p:nvCxnSpPr>
+          <p:cNvPr id="28" name="Rechte verbindingslijn met pijl 27">
+            <a:extLst>
+              <a:ext uri="{FF2B5EF4-FFF2-40B4-BE49-F238E27FC236}">
+                <a16:creationId xmlns:a16="http://schemas.microsoft.com/office/drawing/2014/main" id="{65BDB741-4717-49A8-A230-F18F74E7905F}"/>
+              </a:ext>
+            </a:extLst>
+          </p:cNvPr>
+          <p:cNvCxnSpPr/>
+          <p:nvPr/>
+        </p:nvCxnSpPr>
+        <p:spPr>
+          <a:xfrm flipH="1" flipV="1">
+            <a:off x="8850385" y="3151188"/>
+            <a:ext cx="553674" cy="204408"/>
+          </a:xfrm>
+          <a:prstGeom prst="straightConnector1">
+            <a:avLst/>
+          </a:prstGeom>
+          <a:ln w="38100">
+            <a:tailEnd type="triangle"/>
+          </a:ln>
+        </p:spPr>
+        <p:style>
+          <a:lnRef idx="1">
+            <a:schemeClr val="accent1"/>
+          </a:lnRef>
+          <a:fillRef idx="0">
+            <a:schemeClr val="accent1"/>
+          </a:fillRef>
+          <a:effectRef idx="0">
+            <a:schemeClr val="accent1"/>
+          </a:effectRef>
+          <a:fontRef idx="minor">
+            <a:schemeClr val="tx1"/>
+          </a:fontRef>
+        </p:style>
+      </p:cxnSp>
+      <p:cxnSp>
+        <p:nvCxnSpPr>
+          <p:cNvPr id="30" name="Rechte verbindingslijn met pijl 29">
+            <a:extLst>
+              <a:ext uri="{FF2B5EF4-FFF2-40B4-BE49-F238E27FC236}">
+                <a16:creationId xmlns:a16="http://schemas.microsoft.com/office/drawing/2014/main" id="{2CAFA677-30B3-4909-846E-1B9ECF7B1BFB}"/>
+              </a:ext>
+            </a:extLst>
+          </p:cNvPr>
+          <p:cNvCxnSpPr/>
+          <p:nvPr/>
+        </p:nvCxnSpPr>
+        <p:spPr>
+          <a:xfrm>
+            <a:off x="6954473" y="3229761"/>
+            <a:ext cx="226503" cy="199239"/>
+          </a:xfrm>
+          <a:prstGeom prst="straightConnector1">
+            <a:avLst/>
+          </a:prstGeom>
+          <a:ln w="38100">
+            <a:tailEnd type="triangle"/>
+          </a:ln>
+        </p:spPr>
+        <p:style>
+          <a:lnRef idx="1">
+            <a:schemeClr val="accent2"/>
+          </a:lnRef>
+          <a:fillRef idx="0">
+            <a:schemeClr val="accent2"/>
+          </a:fillRef>
+          <a:effectRef idx="0">
+            <a:schemeClr val="accent2"/>
+          </a:effectRef>
+          <a:fontRef idx="minor">
+            <a:schemeClr val="tx1"/>
+          </a:fontRef>
+        </p:style>
+      </p:cxnSp>
+      <p:cxnSp>
+        <p:nvCxnSpPr>
+          <p:cNvPr id="31" name="Rechte verbindingslijn met pijl 30">
+            <a:extLst>
+              <a:ext uri="{FF2B5EF4-FFF2-40B4-BE49-F238E27FC236}">
+                <a16:creationId xmlns:a16="http://schemas.microsoft.com/office/drawing/2014/main" id="{F2FE7503-3AFE-4A4F-9041-6B539030A169}"/>
+              </a:ext>
+            </a:extLst>
+          </p:cNvPr>
+          <p:cNvCxnSpPr>
+            <a:cxnSpLocks/>
+          </p:cNvCxnSpPr>
+          <p:nvPr/>
+        </p:nvCxnSpPr>
+        <p:spPr>
+          <a:xfrm>
+            <a:off x="8816829" y="3490642"/>
+            <a:ext cx="151002" cy="510652"/>
+          </a:xfrm>
+          <a:prstGeom prst="straightConnector1">
+            <a:avLst/>
+          </a:prstGeom>
+          <a:ln w="38100">
+            <a:tailEnd type="triangle"/>
+          </a:ln>
+        </p:spPr>
+        <p:style>
+          <a:lnRef idx="1">
+            <a:schemeClr val="accent2"/>
+          </a:lnRef>
+          <a:fillRef idx="0">
+            <a:schemeClr val="accent2"/>
+          </a:fillRef>
+          <a:effectRef idx="0">
+            <a:schemeClr val="accent2"/>
+          </a:effectRef>
+          <a:fontRef idx="minor">
+            <a:schemeClr val="tx1"/>
+          </a:fontRef>
+        </p:style>
+      </p:cxnSp>
+    </p:spTree>
+    <p:extLst>
+      <p:ext uri="{BB962C8B-B14F-4D97-AF65-F5344CB8AC3E}">
+        <p14:creationId xmlns:p14="http://schemas.microsoft.com/office/powerpoint/2010/main" val="920279632"/>
+      </p:ext>
+    </p:extLst>
+  </p:cSld>
+  <p:clrMapOvr>
+    <a:masterClrMapping/>
+  </p:clrMapOvr>
+</p:sld>
+</file>
+
+<file path=ppt/slides/slide9.xml><?xml version="1.0" encoding="utf-8"?>
+<p:sld xmlns:a="http://schemas.openxmlformats.org/drawingml/2006/main" xmlns:r="http://schemas.openxmlformats.org/officeDocument/2006/relationships" xmlns:p="http://schemas.openxmlformats.org/presentationml/2006/main">
+  <p:cSld>
+    <p:spTree>
+      <p:nvGrpSpPr>
+        <p:cNvPr id="1" name=""/>
+        <p:cNvGrpSpPr/>
+        <p:nvPr/>
+      </p:nvGrpSpPr>
+      <p:grpSpPr>
+        <a:xfrm>
+          <a:off x="0" y="0"/>
+          <a:ext cx="0" cy="0"/>
+          <a:chOff x="0" y="0"/>
+          <a:chExt cx="0" cy="0"/>
+        </a:xfrm>
+      </p:grpSpPr>
+      <mc:AlternateContent xmlns:mc="http://schemas.openxmlformats.org/markup-compatibility/2006" xmlns:a14="http://schemas.microsoft.com/office/drawing/2010/main">
+        <mc:Choice Requires="a14">
+          <p:sp>
+            <p:nvSpPr>
+              <p:cNvPr id="2" name="Titel 1">
+                <a:extLst>
+                  <a:ext uri="{FF2B5EF4-FFF2-40B4-BE49-F238E27FC236}">
+                    <a16:creationId xmlns:a16="http://schemas.microsoft.com/office/drawing/2014/main" id="{52DF2836-4722-48AC-A323-791646F1BD2C}"/>
+                  </a:ext>
+                </a:extLst>
+              </p:cNvPr>
+              <p:cNvSpPr>
+                <a:spLocks noGrp="1"/>
+              </p:cNvSpPr>
+              <p:nvPr>
+                <p:ph type="title"/>
+              </p:nvPr>
+            </p:nvSpPr>
+            <p:spPr/>
+            <p:txBody>
+              <a:bodyPr/>
+              <a:lstStyle/>
+              <a:p>
+                <a:r>
+                  <a:rPr lang="nl-NL" dirty="0"/>
+                  <a:t>Full </a:t>
+                </a:r>
+                <a:r>
+                  <a:rPr lang="nl-NL" dirty="0" err="1"/>
+                  <a:t>entrainment</a:t>
+                </a:r>
+                <a:r>
+                  <a:rPr lang="nl-NL" dirty="0"/>
+                  <a:t>, </a:t>
+                </a:r>
+                <a14:m>
+                  <m:oMath xmlns:m="http://schemas.openxmlformats.org/officeDocument/2006/math">
+                    <m:r>
+                      <a:rPr lang="nl-NL" i="1">
+                        <a:latin typeface="Cambria Math" panose="02040503050406030204" pitchFamily="18" charset="0"/>
+                        <a:ea typeface="Cambria Math" panose="02040503050406030204" pitchFamily="18" charset="0"/>
+                      </a:rPr>
+                      <m:t>𝜇</m:t>
+                    </m:r>
+                    <m:r>
+                      <a:rPr lang="nl-NL" i="1">
+                        <a:latin typeface="Cambria Math" panose="02040503050406030204" pitchFamily="18" charset="0"/>
+                        <a:ea typeface="Cambria Math" panose="02040503050406030204" pitchFamily="18" charset="0"/>
+                      </a:rPr>
+                      <m:t>= </m:t>
+                    </m:r>
+                    <m:sSub>
+                      <m:sSubPr>
+                        <m:ctrlPr>
+                          <a:rPr lang="nl-NL" i="1">
+                            <a:latin typeface="Cambria Math" panose="02040503050406030204" pitchFamily="18" charset="0"/>
+                            <a:ea typeface="Cambria Math" panose="02040503050406030204" pitchFamily="18" charset="0"/>
+                          </a:rPr>
+                        </m:ctrlPr>
+                      </m:sSubPr>
+                      <m:e>
+                        <m:r>
+                          <a:rPr lang="nl-NL" i="1">
+                            <a:latin typeface="Cambria Math" panose="02040503050406030204" pitchFamily="18" charset="0"/>
+                            <a:ea typeface="Cambria Math" panose="02040503050406030204" pitchFamily="18" charset="0"/>
+                          </a:rPr>
+                          <m:t>𝜇</m:t>
+                        </m:r>
+                      </m:e>
+                      <m:sub>
+                        <m:r>
+                          <a:rPr lang="nl-NL" i="1">
+                            <a:latin typeface="Cambria Math" panose="02040503050406030204" pitchFamily="18" charset="0"/>
+                            <a:ea typeface="Cambria Math" panose="02040503050406030204" pitchFamily="18" charset="0"/>
+                          </a:rPr>
+                          <m:t>0</m:t>
+                        </m:r>
+                      </m:sub>
+                    </m:sSub>
+                    <m:r>
+                      <a:rPr lang="nl-NL" i="1">
+                        <a:latin typeface="Cambria Math" panose="02040503050406030204" pitchFamily="18" charset="0"/>
+                        <a:ea typeface="Cambria Math" panose="02040503050406030204" pitchFamily="18" charset="0"/>
+                      </a:rPr>
+                      <m:t>+</m:t>
+                    </m:r>
+                    <m:f>
+                      <m:fPr>
+                        <m:ctrlPr>
+                          <a:rPr lang="nl-NL" i="1">
+                            <a:latin typeface="Cambria Math" panose="02040503050406030204" pitchFamily="18" charset="0"/>
+                            <a:ea typeface="Cambria Math" panose="02040503050406030204" pitchFamily="18" charset="0"/>
+                          </a:rPr>
+                        </m:ctrlPr>
+                      </m:fPr>
+                      <m:num>
+                        <m:sSub>
+                          <m:sSubPr>
+                            <m:ctrlPr>
+                              <a:rPr lang="nl-NL" i="1">
+                                <a:latin typeface="Cambria Math" panose="02040503050406030204" pitchFamily="18" charset="0"/>
+                                <a:ea typeface="Cambria Math" panose="02040503050406030204" pitchFamily="18" charset="0"/>
+                              </a:rPr>
+                            </m:ctrlPr>
+                          </m:sSubPr>
+                          <m:e>
+                            <m:r>
+                              <a:rPr lang="nl-NL" i="1">
+                                <a:latin typeface="Cambria Math" panose="02040503050406030204" pitchFamily="18" charset="0"/>
+                                <a:ea typeface="Cambria Math" panose="02040503050406030204" pitchFamily="18" charset="0"/>
+                              </a:rPr>
+                              <m:t>𝐶</m:t>
+                            </m:r>
+                          </m:e>
+                          <m:sub>
+                            <m:r>
+                              <a:rPr lang="nl-NL" i="1">
+                                <a:latin typeface="Cambria Math" panose="02040503050406030204" pitchFamily="18" charset="0"/>
+                                <a:ea typeface="Cambria Math" panose="02040503050406030204" pitchFamily="18" charset="0"/>
+                              </a:rPr>
+                              <m:t>𝑖𝑛𝑣</m:t>
+                            </m:r>
+                            <m:r>
+                              <a:rPr lang="nl-NL" i="1">
+                                <a:latin typeface="Cambria Math" panose="02040503050406030204" pitchFamily="18" charset="0"/>
+                                <a:ea typeface="Cambria Math" panose="02040503050406030204" pitchFamily="18" charset="0"/>
+                              </a:rPr>
+                              <m:t>,</m:t>
+                            </m:r>
+                            <m:r>
+                              <a:rPr lang="nl-NL" i="1">
+                                <a:latin typeface="Cambria Math" panose="02040503050406030204" pitchFamily="18" charset="0"/>
+                                <a:ea typeface="Cambria Math" panose="02040503050406030204" pitchFamily="18" charset="0"/>
+                              </a:rPr>
+                              <m:t>𝑟</m:t>
+                            </m:r>
+                          </m:sub>
+                        </m:sSub>
+                      </m:num>
+                      <m:den>
+                        <m:sSub>
+                          <m:sSubPr>
+                            <m:ctrlPr>
+                              <a:rPr lang="nl-NL" i="1">
+                                <a:latin typeface="Cambria Math" panose="02040503050406030204" pitchFamily="18" charset="0"/>
+                                <a:ea typeface="Cambria Math" panose="02040503050406030204" pitchFamily="18" charset="0"/>
+                              </a:rPr>
+                            </m:ctrlPr>
+                          </m:sSubPr>
+                          <m:e>
+                            <m:r>
+                              <a:rPr lang="nl-NL" i="1">
+                                <a:latin typeface="Cambria Math" panose="02040503050406030204" pitchFamily="18" charset="0"/>
+                                <a:ea typeface="Cambria Math" panose="02040503050406030204" pitchFamily="18" charset="0"/>
+                              </a:rPr>
+                              <m:t>𝑅</m:t>
+                            </m:r>
+                          </m:e>
+                          <m:sub>
+                            <m:r>
+                              <a:rPr lang="nl-NL" i="1">
+                                <a:latin typeface="Cambria Math" panose="02040503050406030204" pitchFamily="18" charset="0"/>
+                                <a:ea typeface="Cambria Math" panose="02040503050406030204" pitchFamily="18" charset="0"/>
+                              </a:rPr>
+                              <m:t>𝑒𝑞</m:t>
+                            </m:r>
+                          </m:sub>
+                        </m:sSub>
+                      </m:den>
+                    </m:f>
+                  </m:oMath>
+                </a14:m>
+                <a:endParaRPr lang="nl-NL" dirty="0"/>
+              </a:p>
+            </p:txBody>
+          </p:sp>
+        </mc:Choice>
+        <mc:Fallback xmlns="">
+          <p:sp>
+            <p:nvSpPr>
+              <p:cNvPr id="2" name="Titel 1">
+                <a:extLst>
+                  <a:ext uri="{FF2B5EF4-FFF2-40B4-BE49-F238E27FC236}">
+                    <a16:creationId xmlns:a16="http://schemas.microsoft.com/office/drawing/2014/main" id="{52DF2836-4722-48AC-A323-791646F1BD2C}"/>
+                  </a:ext>
+                </a:extLst>
+              </p:cNvPr>
+              <p:cNvSpPr>
+                <a:spLocks noGrp="1" noRot="1" noChangeAspect="1" noMove="1" noResize="1" noEditPoints="1" noAdjustHandles="1" noChangeArrowheads="1" noChangeShapeType="1" noTextEdit="1"/>
+              </p:cNvSpPr>
+              <p:nvPr>
+                <p:ph type="title"/>
+              </p:nvPr>
+            </p:nvSpPr>
+            <p:spPr>
+              <a:blipFill>
+                <a:blip r:embed="rId2"/>
+                <a:stretch>
+                  <a:fillRect l="-2377"/>
+                </a:stretch>
+              </a:blipFill>
+            </p:spPr>
+            <p:txBody>
+              <a:bodyPr/>
+              <a:lstStyle/>
+              <a:p>
+                <a:r>
+                  <a:rPr lang="nl-NL">
+                    <a:noFill/>
+                  </a:rPr>
+                  <a:t> </a:t>
+                </a:r>
+              </a:p>
+            </p:txBody>
+          </p:sp>
+        </mc:Fallback>
+      </mc:AlternateContent>
+      <p:pic>
+        <p:nvPicPr>
+          <p:cNvPr id="5" name="Afbeelding 4">
+            <a:extLst>
+              <a:ext uri="{FF2B5EF4-FFF2-40B4-BE49-F238E27FC236}">
+                <a16:creationId xmlns:a16="http://schemas.microsoft.com/office/drawing/2014/main" id="{4E943FAC-E543-45DB-8A1C-D2B46CF4C697}"/>
+              </a:ext>
+            </a:extLst>
+          </p:cNvPr>
+          <p:cNvPicPr/>
+          <p:nvPr/>
+        </p:nvPicPr>
+        <p:blipFill>
+          <a:blip r:embed="rId3"/>
+          <a:stretch>
+            <a:fillRect/>
+          </a:stretch>
+        </p:blipFill>
+        <p:spPr>
+          <a:xfrm>
+            <a:off x="336000" y="1604465"/>
+            <a:ext cx="5760000" cy="3852000"/>
+          </a:xfrm>
+          <a:prstGeom prst="rect">
+            <a:avLst/>
+          </a:prstGeom>
+        </p:spPr>
+      </p:pic>
+      <p:pic>
+        <p:nvPicPr>
+          <p:cNvPr id="6" name="Tijdelijke aanduiding voor inhoud 5">
+            <a:extLst>
+              <a:ext uri="{FF2B5EF4-FFF2-40B4-BE49-F238E27FC236}">
+                <a16:creationId xmlns:a16="http://schemas.microsoft.com/office/drawing/2014/main" id="{38CDDC82-3F49-473A-9F15-F393257083B7}"/>
+              </a:ext>
+            </a:extLst>
+          </p:cNvPr>
+          <p:cNvPicPr>
+            <a:picLocks noGrp="1"/>
+          </p:cNvPicPr>
+          <p:nvPr>
+            <p:ph idx="1"/>
+          </p:nvPr>
+        </p:nvPicPr>
+        <p:blipFill>
+          <a:blip r:embed="rId4"/>
+          <a:stretch>
+            <a:fillRect/>
+          </a:stretch>
+        </p:blipFill>
+        <p:spPr>
+          <a:xfrm>
+            <a:off x="6218756" y="1604465"/>
+            <a:ext cx="5760000" cy="3960000"/>
+          </a:xfrm>
+          <a:prstGeom prst="rect">
+            <a:avLst/>
+          </a:prstGeom>
+        </p:spPr>
+      </p:pic>
+      <mc:AlternateContent xmlns:mc="http://schemas.openxmlformats.org/markup-compatibility/2006" xmlns:a14="http://schemas.microsoft.com/office/drawing/2010/main">
+        <mc:Choice Requires="a14">
+          <p:sp>
+            <p:nvSpPr>
+              <p:cNvPr id="7" name="Tekstvak 6">
+                <a:extLst>
+                  <a:ext uri="{FF2B5EF4-FFF2-40B4-BE49-F238E27FC236}">
+                    <a16:creationId xmlns:a16="http://schemas.microsoft.com/office/drawing/2014/main" id="{6D2E32AD-49B9-4E12-AF17-D22B6FDAE4B3}"/>
+                  </a:ext>
+                </a:extLst>
+              </p:cNvPr>
+              <p:cNvSpPr txBox="1"/>
+              <p:nvPr/>
+            </p:nvSpPr>
+            <p:spPr>
+              <a:xfrm>
+                <a:off x="838200" y="5728995"/>
+                <a:ext cx="11140556" cy="542136"/>
+              </a:xfrm>
+              <a:prstGeom prst="rect">
+                <a:avLst/>
+              </a:prstGeom>
+              <a:noFill/>
+            </p:spPr>
+            <p:txBody>
+              <a:bodyPr wrap="square" rtlCol="0">
+                <a:spAutoFit/>
+              </a:bodyPr>
+              <a:lstStyle/>
+              <a:p>
+                <a:r>
+                  <a:rPr lang="nl-NL" sz="2800" dirty="0"/>
+                  <a:t>Reference run - </a:t>
+                </a:r>
+                <a14:m>
+                  <m:oMath xmlns:m="http://schemas.openxmlformats.org/officeDocument/2006/math">
+                    <m:sSub>
+                      <m:sSubPr>
+                        <m:ctrlPr>
+                          <a:rPr lang="nl-NL" sz="2800" i="1">
+                            <a:latin typeface="Cambria Math" panose="02040503050406030204" pitchFamily="18" charset="0"/>
+                            <a:ea typeface="Cambria Math" panose="02040503050406030204" pitchFamily="18" charset="0"/>
+                          </a:rPr>
+                        </m:ctrlPr>
+                      </m:sSubPr>
+                      <m:e>
+                        <m:r>
+                          <a:rPr lang="nl-NL" sz="2800" i="1">
+                            <a:latin typeface="Cambria Math" panose="02040503050406030204" pitchFamily="18" charset="0"/>
+                            <a:ea typeface="Cambria Math" panose="02040503050406030204" pitchFamily="18" charset="0"/>
+                          </a:rPr>
+                          <m:t>𝜇</m:t>
+                        </m:r>
+                      </m:e>
+                      <m:sub>
+                        <m:r>
+                          <a:rPr lang="nl-NL" sz="2800" i="1">
+                            <a:latin typeface="Cambria Math" panose="02040503050406030204" pitchFamily="18" charset="0"/>
+                            <a:ea typeface="Cambria Math" panose="02040503050406030204" pitchFamily="18" charset="0"/>
+                          </a:rPr>
+                          <m:t>0</m:t>
+                        </m:r>
+                      </m:sub>
+                    </m:sSub>
+                  </m:oMath>
+                </a14:m>
+                <a:r>
+                  <a:rPr lang="nl-NL" sz="2800" dirty="0"/>
+                  <a:t> = 5e-5 &amp; </a:t>
+                </a:r>
+                <a14:m>
+                  <m:oMath xmlns:m="http://schemas.openxmlformats.org/officeDocument/2006/math">
+                    <m:sSub>
+                      <m:sSubPr>
+                        <m:ctrlPr>
+                          <a:rPr lang="nl-NL" sz="2800" i="1">
+                            <a:latin typeface="Cambria Math" panose="02040503050406030204" pitchFamily="18" charset="0"/>
+                            <a:ea typeface="Cambria Math" panose="02040503050406030204" pitchFamily="18" charset="0"/>
+                          </a:rPr>
+                        </m:ctrlPr>
+                      </m:sSubPr>
+                      <m:e>
+                        <m:r>
+                          <a:rPr lang="nl-NL" sz="2800" i="1">
+                            <a:latin typeface="Cambria Math" panose="02040503050406030204" pitchFamily="18" charset="0"/>
+                            <a:ea typeface="Cambria Math" panose="02040503050406030204" pitchFamily="18" charset="0"/>
+                          </a:rPr>
+                          <m:t>𝐶</m:t>
+                        </m:r>
+                      </m:e>
+                      <m:sub>
+                        <m:r>
+                          <a:rPr lang="nl-NL" sz="2800" i="1">
+                            <a:latin typeface="Cambria Math" panose="02040503050406030204" pitchFamily="18" charset="0"/>
+                            <a:ea typeface="Cambria Math" panose="02040503050406030204" pitchFamily="18" charset="0"/>
+                          </a:rPr>
+                          <m:t>𝑖𝑛𝑣</m:t>
+                        </m:r>
+                        <m:r>
+                          <a:rPr lang="nl-NL" sz="2800" i="1">
+                            <a:latin typeface="Cambria Math" panose="02040503050406030204" pitchFamily="18" charset="0"/>
+                            <a:ea typeface="Cambria Math" panose="02040503050406030204" pitchFamily="18" charset="0"/>
+                          </a:rPr>
+                          <m:t>,</m:t>
+                        </m:r>
+                        <m:r>
+                          <a:rPr lang="nl-NL" sz="2800" i="1">
+                            <a:latin typeface="Cambria Math" panose="02040503050406030204" pitchFamily="18" charset="0"/>
+                            <a:ea typeface="Cambria Math" panose="02040503050406030204" pitchFamily="18" charset="0"/>
+                          </a:rPr>
+                          <m:t>𝑟</m:t>
+                        </m:r>
+                      </m:sub>
+                    </m:sSub>
+                  </m:oMath>
+                </a14:m>
+                <a:r>
+                  <a:rPr lang="nl-NL" sz="2800" dirty="0"/>
+                  <a:t> = 0.16:  1.8 mm </a:t>
+                </a:r>
+                <a:r>
+                  <a:rPr lang="nl-NL" sz="2800" dirty="0" err="1"/>
+                  <a:t>areal</a:t>
+                </a:r>
+                <a:r>
+                  <a:rPr lang="nl-NL" sz="2800" dirty="0"/>
+                  <a:t> </a:t>
+                </a:r>
+                <a:r>
+                  <a:rPr lang="nl-NL" sz="2800" dirty="0" err="1"/>
+                  <a:t>mean</a:t>
+                </a:r>
+                <a:r>
+                  <a:rPr lang="nl-NL" sz="2800" dirty="0"/>
+                  <a:t> </a:t>
+                </a:r>
+                <a:r>
+                  <a:rPr lang="nl-NL" sz="2800" dirty="0" err="1"/>
+                  <a:t>precipitation</a:t>
+                </a:r>
+                <a:r>
+                  <a:rPr lang="nl-NL" sz="2800" dirty="0"/>
+                  <a:t> </a:t>
+                </a:r>
+              </a:p>
+            </p:txBody>
+          </p:sp>
+        </mc:Choice>
+        <mc:Fallback xmlns="">
+          <p:sp>
+            <p:nvSpPr>
+              <p:cNvPr id="7" name="Tekstvak 6">
+                <a:extLst>
+                  <a:ext uri="{FF2B5EF4-FFF2-40B4-BE49-F238E27FC236}">
+                    <a16:creationId xmlns:a16="http://schemas.microsoft.com/office/drawing/2014/main" id="{6D2E32AD-49B9-4E12-AF17-D22B6FDAE4B3}"/>
+                  </a:ext>
+                </a:extLst>
+              </p:cNvPr>
+              <p:cNvSpPr txBox="1">
+                <a:spLocks noRot="1" noChangeAspect="1" noMove="1" noResize="1" noEditPoints="1" noAdjustHandles="1" noChangeArrowheads="1" noChangeShapeType="1" noTextEdit="1"/>
+              </p:cNvSpPr>
+              <p:nvPr/>
+            </p:nvSpPr>
+            <p:spPr>
+              <a:xfrm>
+                <a:off x="838200" y="5728995"/>
+                <a:ext cx="11140556" cy="542136"/>
+              </a:xfrm>
+              <a:prstGeom prst="rect">
+                <a:avLst/>
+              </a:prstGeom>
+              <a:blipFill>
+                <a:blip r:embed="rId5"/>
+                <a:stretch>
+                  <a:fillRect l="-1149" t="-11236" b="-28090"/>
+                </a:stretch>
+              </a:blipFill>
+            </p:spPr>
+            <p:txBody>
+              <a:bodyPr/>
+              <a:lstStyle/>
+              <a:p>
+                <a:r>
+                  <a:rPr lang="nl-NL">
+                    <a:noFill/>
+                  </a:rPr>
+                  <a:t> </a:t>
+                </a:r>
+              </a:p>
+            </p:txBody>
+          </p:sp>
+        </mc:Fallback>
+      </mc:AlternateContent>
+    </p:spTree>
+    <p:extLst>
+      <p:ext uri="{BB962C8B-B14F-4D97-AF65-F5344CB8AC3E}">
+        <p14:creationId xmlns:p14="http://schemas.microsoft.com/office/powerpoint/2010/main" val="1335460164"/>
       </p:ext>
     </p:extLst>
   </p:cSld>

--- a/model_representation.pptx
+++ b/model_representation.pptx
@@ -4,6 +4,9 @@
   <p:sldMasterIdLst>
     <p:sldMasterId id="2147483648" r:id="rId1"/>
   </p:sldMasterIdLst>
+  <p:notesMasterIdLst>
+    <p:notesMasterId r:id="rId23"/>
+  </p:notesMasterIdLst>
   <p:sldIdLst>
     <p:sldId id="276" r:id="rId2"/>
     <p:sldId id="258" r:id="rId3"/>
@@ -182,6 +185,439 @@
     </pc:docChg>
   </pc:docChgLst>
 </pc:chgInfo>
+</file>
+
+<file path=ppt/notesMasters/notesMaster1.xml><?xml version="1.0" encoding="utf-8"?>
+<p:notesMaster xmlns:a="http://schemas.openxmlformats.org/drawingml/2006/main" xmlns:r="http://schemas.openxmlformats.org/officeDocument/2006/relationships" xmlns:p="http://schemas.openxmlformats.org/presentationml/2006/main">
+  <p:cSld>
+    <p:bg>
+      <p:bgRef idx="1001">
+        <a:schemeClr val="bg1"/>
+      </p:bgRef>
+    </p:bg>
+    <p:spTree>
+      <p:nvGrpSpPr>
+        <p:cNvPr id="1" name=""/>
+        <p:cNvGrpSpPr/>
+        <p:nvPr/>
+      </p:nvGrpSpPr>
+      <p:grpSpPr>
+        <a:xfrm>
+          <a:off x="0" y="0"/>
+          <a:ext cx="0" cy="0"/>
+          <a:chOff x="0" y="0"/>
+          <a:chExt cx="0" cy="0"/>
+        </a:xfrm>
+      </p:grpSpPr>
+      <p:sp>
+        <p:nvSpPr>
+          <p:cNvPr id="2" name="Tijdelijke aanduiding voor koptekst 1"/>
+          <p:cNvSpPr>
+            <a:spLocks noGrp="1"/>
+          </p:cNvSpPr>
+          <p:nvPr>
+            <p:ph type="hdr" sz="quarter"/>
+          </p:nvPr>
+        </p:nvSpPr>
+        <p:spPr>
+          <a:xfrm>
+            <a:off x="0" y="0"/>
+            <a:ext cx="2971800" cy="458788"/>
+          </a:xfrm>
+          <a:prstGeom prst="rect">
+            <a:avLst/>
+          </a:prstGeom>
+        </p:spPr>
+        <p:txBody>
+          <a:bodyPr vert="horz" lIns="91440" tIns="45720" rIns="91440" bIns="45720" rtlCol="0"/>
+          <a:lstStyle>
+            <a:lvl1pPr algn="l">
+              <a:defRPr sz="1200"/>
+            </a:lvl1pPr>
+          </a:lstStyle>
+          <a:p>
+            <a:endParaRPr lang="nl-NL"/>
+          </a:p>
+        </p:txBody>
+      </p:sp>
+      <p:sp>
+        <p:nvSpPr>
+          <p:cNvPr id="3" name="Tijdelijke aanduiding voor datum 2"/>
+          <p:cNvSpPr>
+            <a:spLocks noGrp="1"/>
+          </p:cNvSpPr>
+          <p:nvPr>
+            <p:ph type="dt" idx="1"/>
+          </p:nvPr>
+        </p:nvSpPr>
+        <p:spPr>
+          <a:xfrm>
+            <a:off x="3884613" y="0"/>
+            <a:ext cx="2971800" cy="458788"/>
+          </a:xfrm>
+          <a:prstGeom prst="rect">
+            <a:avLst/>
+          </a:prstGeom>
+        </p:spPr>
+        <p:txBody>
+          <a:bodyPr vert="horz" lIns="91440" tIns="45720" rIns="91440" bIns="45720" rtlCol="0"/>
+          <a:lstStyle>
+            <a:lvl1pPr algn="r">
+              <a:defRPr sz="1200"/>
+            </a:lvl1pPr>
+          </a:lstStyle>
+          <a:p>
+            <a:fld id="{973E3E9A-BAE1-435A-92E7-1B19A7E89171}" type="datetimeFigureOut">
+              <a:rPr lang="nl-NL" smtClean="0"/>
+              <a:t>25-10-2018</a:t>
+            </a:fld>
+            <a:endParaRPr lang="nl-NL"/>
+          </a:p>
+        </p:txBody>
+      </p:sp>
+      <p:sp>
+        <p:nvSpPr>
+          <p:cNvPr id="4" name="Tijdelijke aanduiding voor dia-afbeelding 3"/>
+          <p:cNvSpPr>
+            <a:spLocks noGrp="1" noRot="1" noChangeAspect="1"/>
+          </p:cNvSpPr>
+          <p:nvPr>
+            <p:ph type="sldImg" idx="2"/>
+          </p:nvPr>
+        </p:nvSpPr>
+        <p:spPr>
+          <a:xfrm>
+            <a:off x="685800" y="1143000"/>
+            <a:ext cx="5486400" cy="3086100"/>
+          </a:xfrm>
+          <a:prstGeom prst="rect">
+            <a:avLst/>
+          </a:prstGeom>
+          <a:noFill/>
+          <a:ln w="12700">
+            <a:solidFill>
+              <a:prstClr val="black"/>
+            </a:solidFill>
+          </a:ln>
+        </p:spPr>
+        <p:txBody>
+          <a:bodyPr vert="horz" lIns="91440" tIns="45720" rIns="91440" bIns="45720" rtlCol="0" anchor="ctr"/>
+          <a:lstStyle/>
+          <a:p>
+            <a:endParaRPr lang="nl-NL"/>
+          </a:p>
+        </p:txBody>
+      </p:sp>
+      <p:sp>
+        <p:nvSpPr>
+          <p:cNvPr id="5" name="Tijdelijke aanduiding voor notities 4"/>
+          <p:cNvSpPr>
+            <a:spLocks noGrp="1"/>
+          </p:cNvSpPr>
+          <p:nvPr>
+            <p:ph type="body" sz="quarter" idx="3"/>
+          </p:nvPr>
+        </p:nvSpPr>
+        <p:spPr>
+          <a:xfrm>
+            <a:off x="685800" y="4400550"/>
+            <a:ext cx="5486400" cy="3600450"/>
+          </a:xfrm>
+          <a:prstGeom prst="rect">
+            <a:avLst/>
+          </a:prstGeom>
+        </p:spPr>
+        <p:txBody>
+          <a:bodyPr vert="horz" lIns="91440" tIns="45720" rIns="91440" bIns="45720" rtlCol="0"/>
+          <a:lstStyle/>
+          <a:p>
+            <a:pPr lvl="0"/>
+            <a:r>
+              <a:rPr lang="nl-NL"/>
+              <a:t>Tekststijl van het model bewerken</a:t>
+            </a:r>
+          </a:p>
+          <a:p>
+            <a:pPr lvl="1"/>
+            <a:r>
+              <a:rPr lang="nl-NL"/>
+              <a:t>Tweede niveau</a:t>
+            </a:r>
+          </a:p>
+          <a:p>
+            <a:pPr lvl="2"/>
+            <a:r>
+              <a:rPr lang="nl-NL"/>
+              <a:t>Derde niveau</a:t>
+            </a:r>
+          </a:p>
+          <a:p>
+            <a:pPr lvl="3"/>
+            <a:r>
+              <a:rPr lang="nl-NL"/>
+              <a:t>Vierde niveau</a:t>
+            </a:r>
+          </a:p>
+          <a:p>
+            <a:pPr lvl="4"/>
+            <a:r>
+              <a:rPr lang="nl-NL"/>
+              <a:t>Vijfde niveau</a:t>
+            </a:r>
+          </a:p>
+        </p:txBody>
+      </p:sp>
+      <p:sp>
+        <p:nvSpPr>
+          <p:cNvPr id="6" name="Tijdelijke aanduiding voor voettekst 5"/>
+          <p:cNvSpPr>
+            <a:spLocks noGrp="1"/>
+          </p:cNvSpPr>
+          <p:nvPr>
+            <p:ph type="ftr" sz="quarter" idx="4"/>
+          </p:nvPr>
+        </p:nvSpPr>
+        <p:spPr>
+          <a:xfrm>
+            <a:off x="0" y="8685213"/>
+            <a:ext cx="2971800" cy="458787"/>
+          </a:xfrm>
+          <a:prstGeom prst="rect">
+            <a:avLst/>
+          </a:prstGeom>
+        </p:spPr>
+        <p:txBody>
+          <a:bodyPr vert="horz" lIns="91440" tIns="45720" rIns="91440" bIns="45720" rtlCol="0" anchor="b"/>
+          <a:lstStyle>
+            <a:lvl1pPr algn="l">
+              <a:defRPr sz="1200"/>
+            </a:lvl1pPr>
+          </a:lstStyle>
+          <a:p>
+            <a:endParaRPr lang="nl-NL"/>
+          </a:p>
+        </p:txBody>
+      </p:sp>
+      <p:sp>
+        <p:nvSpPr>
+          <p:cNvPr id="7" name="Tijdelijke aanduiding voor dianummer 6"/>
+          <p:cNvSpPr>
+            <a:spLocks noGrp="1"/>
+          </p:cNvSpPr>
+          <p:nvPr>
+            <p:ph type="sldNum" sz="quarter" idx="5"/>
+          </p:nvPr>
+        </p:nvSpPr>
+        <p:spPr>
+          <a:xfrm>
+            <a:off x="3884613" y="8685213"/>
+            <a:ext cx="2971800" cy="458787"/>
+          </a:xfrm>
+          <a:prstGeom prst="rect">
+            <a:avLst/>
+          </a:prstGeom>
+        </p:spPr>
+        <p:txBody>
+          <a:bodyPr vert="horz" lIns="91440" tIns="45720" rIns="91440" bIns="45720" rtlCol="0" anchor="b"/>
+          <a:lstStyle>
+            <a:lvl1pPr algn="r">
+              <a:defRPr sz="1200"/>
+            </a:lvl1pPr>
+          </a:lstStyle>
+          <a:p>
+            <a:fld id="{98E3D734-B365-4FFE-9B0E-36405F1FAB16}" type="slidenum">
+              <a:rPr lang="nl-NL" smtClean="0"/>
+              <a:t>‹nr.›</a:t>
+            </a:fld>
+            <a:endParaRPr lang="nl-NL"/>
+          </a:p>
+        </p:txBody>
+      </p:sp>
+    </p:spTree>
+    <p:extLst>
+      <p:ext uri="{BB962C8B-B14F-4D97-AF65-F5344CB8AC3E}">
+        <p14:creationId xmlns:p14="http://schemas.microsoft.com/office/powerpoint/2010/main" val="2047233962"/>
+      </p:ext>
+    </p:extLst>
+  </p:cSld>
+  <p:clrMap bg1="lt1" tx1="dk1" bg2="lt2" tx2="dk2" accent1="accent1" accent2="accent2" accent3="accent3" accent4="accent4" accent5="accent5" accent6="accent6" hlink="hlink" folHlink="folHlink"/>
+  <p:notesStyle>
+    <a:lvl1pPr marL="0" algn="l" defTabSz="914400" rtl="0" eaLnBrk="1" latinLnBrk="0" hangingPunct="1">
+      <a:defRPr sz="1200" kern="1200">
+        <a:solidFill>
+          <a:schemeClr val="tx1"/>
+        </a:solidFill>
+        <a:latin typeface="+mn-lt"/>
+        <a:ea typeface="+mn-ea"/>
+        <a:cs typeface="+mn-cs"/>
+      </a:defRPr>
+    </a:lvl1pPr>
+    <a:lvl2pPr marL="457200" algn="l" defTabSz="914400" rtl="0" eaLnBrk="1" latinLnBrk="0" hangingPunct="1">
+      <a:defRPr sz="1200" kern="1200">
+        <a:solidFill>
+          <a:schemeClr val="tx1"/>
+        </a:solidFill>
+        <a:latin typeface="+mn-lt"/>
+        <a:ea typeface="+mn-ea"/>
+        <a:cs typeface="+mn-cs"/>
+      </a:defRPr>
+    </a:lvl2pPr>
+    <a:lvl3pPr marL="914400" algn="l" defTabSz="914400" rtl="0" eaLnBrk="1" latinLnBrk="0" hangingPunct="1">
+      <a:defRPr sz="1200" kern="1200">
+        <a:solidFill>
+          <a:schemeClr val="tx1"/>
+        </a:solidFill>
+        <a:latin typeface="+mn-lt"/>
+        <a:ea typeface="+mn-ea"/>
+        <a:cs typeface="+mn-cs"/>
+      </a:defRPr>
+    </a:lvl3pPr>
+    <a:lvl4pPr marL="1371600" algn="l" defTabSz="914400" rtl="0" eaLnBrk="1" latinLnBrk="0" hangingPunct="1">
+      <a:defRPr sz="1200" kern="1200">
+        <a:solidFill>
+          <a:schemeClr val="tx1"/>
+        </a:solidFill>
+        <a:latin typeface="+mn-lt"/>
+        <a:ea typeface="+mn-ea"/>
+        <a:cs typeface="+mn-cs"/>
+      </a:defRPr>
+    </a:lvl4pPr>
+    <a:lvl5pPr marL="1828800" algn="l" defTabSz="914400" rtl="0" eaLnBrk="1" latinLnBrk="0" hangingPunct="1">
+      <a:defRPr sz="1200" kern="1200">
+        <a:solidFill>
+          <a:schemeClr val="tx1"/>
+        </a:solidFill>
+        <a:latin typeface="+mn-lt"/>
+        <a:ea typeface="+mn-ea"/>
+        <a:cs typeface="+mn-cs"/>
+      </a:defRPr>
+    </a:lvl5pPr>
+    <a:lvl6pPr marL="2286000" algn="l" defTabSz="914400" rtl="0" eaLnBrk="1" latinLnBrk="0" hangingPunct="1">
+      <a:defRPr sz="1200" kern="1200">
+        <a:solidFill>
+          <a:schemeClr val="tx1"/>
+        </a:solidFill>
+        <a:latin typeface="+mn-lt"/>
+        <a:ea typeface="+mn-ea"/>
+        <a:cs typeface="+mn-cs"/>
+      </a:defRPr>
+    </a:lvl6pPr>
+    <a:lvl7pPr marL="2743200" algn="l" defTabSz="914400" rtl="0" eaLnBrk="1" latinLnBrk="0" hangingPunct="1">
+      <a:defRPr sz="1200" kern="1200">
+        <a:solidFill>
+          <a:schemeClr val="tx1"/>
+        </a:solidFill>
+        <a:latin typeface="+mn-lt"/>
+        <a:ea typeface="+mn-ea"/>
+        <a:cs typeface="+mn-cs"/>
+      </a:defRPr>
+    </a:lvl7pPr>
+    <a:lvl8pPr marL="3200400" algn="l" defTabSz="914400" rtl="0" eaLnBrk="1" latinLnBrk="0" hangingPunct="1">
+      <a:defRPr sz="1200" kern="1200">
+        <a:solidFill>
+          <a:schemeClr val="tx1"/>
+        </a:solidFill>
+        <a:latin typeface="+mn-lt"/>
+        <a:ea typeface="+mn-ea"/>
+        <a:cs typeface="+mn-cs"/>
+      </a:defRPr>
+    </a:lvl8pPr>
+    <a:lvl9pPr marL="3657600" algn="l" defTabSz="914400" rtl="0" eaLnBrk="1" latinLnBrk="0" hangingPunct="1">
+      <a:defRPr sz="1200" kern="1200">
+        <a:solidFill>
+          <a:schemeClr val="tx1"/>
+        </a:solidFill>
+        <a:latin typeface="+mn-lt"/>
+        <a:ea typeface="+mn-ea"/>
+        <a:cs typeface="+mn-cs"/>
+      </a:defRPr>
+    </a:lvl9pPr>
+  </p:notesStyle>
+</p:notesMaster>
+</file>
+
+<file path=ppt/notesSlides/notesSlide1.xml><?xml version="1.0" encoding="utf-8"?>
+<p:notes xmlns:a="http://schemas.openxmlformats.org/drawingml/2006/main" xmlns:r="http://schemas.openxmlformats.org/officeDocument/2006/relationships" xmlns:p="http://schemas.openxmlformats.org/presentationml/2006/main">
+  <p:cSld>
+    <p:spTree>
+      <p:nvGrpSpPr>
+        <p:cNvPr id="1" name=""/>
+        <p:cNvGrpSpPr/>
+        <p:nvPr/>
+      </p:nvGrpSpPr>
+      <p:grpSpPr>
+        <a:xfrm>
+          <a:off x="0" y="0"/>
+          <a:ext cx="0" cy="0"/>
+          <a:chOff x="0" y="0"/>
+          <a:chExt cx="0" cy="0"/>
+        </a:xfrm>
+      </p:grpSpPr>
+      <p:sp>
+        <p:nvSpPr>
+          <p:cNvPr id="2" name="Tijdelijke aanduiding voor dia-afbeelding 1"/>
+          <p:cNvSpPr>
+            <a:spLocks noGrp="1" noRot="1" noChangeAspect="1"/>
+          </p:cNvSpPr>
+          <p:nvPr>
+            <p:ph type="sldImg"/>
+          </p:nvPr>
+        </p:nvSpPr>
+        <p:spPr/>
+      </p:sp>
+      <p:sp>
+        <p:nvSpPr>
+          <p:cNvPr id="3" name="Tijdelijke aanduiding voor notities 2"/>
+          <p:cNvSpPr>
+            <a:spLocks noGrp="1"/>
+          </p:cNvSpPr>
+          <p:nvPr>
+            <p:ph type="body" idx="1"/>
+          </p:nvPr>
+        </p:nvSpPr>
+        <p:spPr/>
+        <p:txBody>
+          <a:bodyPr/>
+          <a:lstStyle/>
+          <a:p>
+            <a:endParaRPr lang="nl-NL" dirty="0"/>
+          </a:p>
+        </p:txBody>
+      </p:sp>
+      <p:sp>
+        <p:nvSpPr>
+          <p:cNvPr id="4" name="Tijdelijke aanduiding voor dianummer 3"/>
+          <p:cNvSpPr>
+            <a:spLocks noGrp="1"/>
+          </p:cNvSpPr>
+          <p:nvPr>
+            <p:ph type="sldNum" sz="quarter" idx="5"/>
+          </p:nvPr>
+        </p:nvSpPr>
+        <p:spPr/>
+        <p:txBody>
+          <a:bodyPr/>
+          <a:lstStyle/>
+          <a:p>
+            <a:fld id="{98E3D734-B365-4FFE-9B0E-36405F1FAB16}" type="slidenum">
+              <a:rPr lang="nl-NL" smtClean="0"/>
+              <a:t>19</a:t>
+            </a:fld>
+            <a:endParaRPr lang="nl-NL"/>
+          </a:p>
+        </p:txBody>
+      </p:sp>
+    </p:spTree>
+    <p:extLst>
+      <p:ext uri="{BB962C8B-B14F-4D97-AF65-F5344CB8AC3E}">
+        <p14:creationId xmlns:p14="http://schemas.microsoft.com/office/powerpoint/2010/main" val="3100334893"/>
+      </p:ext>
+    </p:extLst>
+  </p:cSld>
+  <p:clrMapOvr>
+    <a:masterClrMapping/>
+  </p:clrMapOvr>
+</p:notes>
 </file>
 
 <file path=ppt/slideLayouts/slideLayout1.xml><?xml version="1.0" encoding="utf-8"?>
@@ -6574,7 +7010,9 @@
         </p:nvSpPr>
         <p:spPr/>
         <p:txBody>
-          <a:bodyPr/>
+          <a:bodyPr>
+            <a:normAutofit fontScale="92500" lnSpcReduction="20000"/>
+          </a:bodyPr>
           <a:lstStyle/>
           <a:p>
             <a:r>
@@ -6741,128 +7179,187 @@
               <a:t>somewhere</a:t>
             </a:r>
             <a:endParaRPr lang="nl-NL" dirty="0"/>
+          </a:p>
+          <a:p>
+            <a:pPr>
+              <a:buFont typeface="Wingdings" panose="05000000000000000000" pitchFamily="2" charset="2"/>
+              <a:buChar char="à"/>
+            </a:pPr>
+            <a:r>
+              <a:rPr lang="nl-NL" dirty="0" err="1"/>
+              <a:t>Interaction</a:t>
+            </a:r>
+            <a:r>
+              <a:rPr lang="nl-NL" dirty="0"/>
+              <a:t> </a:t>
+            </a:r>
+            <a:r>
+              <a:rPr lang="nl-NL" dirty="0" err="1"/>
+              <a:t>parcel</a:t>
+            </a:r>
+            <a:r>
+              <a:rPr lang="nl-NL" dirty="0"/>
+              <a:t> &amp; </a:t>
+            </a:r>
+            <a:r>
+              <a:rPr lang="nl-NL" dirty="0" err="1"/>
+              <a:t>cloud</a:t>
+            </a:r>
+            <a:r>
+              <a:rPr lang="nl-NL" dirty="0"/>
+              <a:t> content</a:t>
+            </a:r>
+          </a:p>
+          <a:p>
+            <a:r>
+              <a:rPr lang="nl-NL" dirty="0" err="1"/>
+              <a:t>Limitation</a:t>
+            </a:r>
+            <a:r>
+              <a:rPr lang="nl-NL" dirty="0"/>
+              <a:t> of </a:t>
+            </a:r>
+            <a:r>
+              <a:rPr lang="nl-NL" dirty="0" err="1"/>
+              <a:t>parcel</a:t>
+            </a:r>
+            <a:r>
+              <a:rPr lang="nl-NL" dirty="0"/>
+              <a:t> model</a:t>
+            </a:r>
+          </a:p>
+          <a:p>
+            <a:r>
+              <a:rPr lang="nl-NL" dirty="0"/>
+              <a:t>Over-</a:t>
+            </a:r>
+            <a:r>
+              <a:rPr lang="nl-NL" dirty="0" err="1"/>
+              <a:t>sensitivity</a:t>
+            </a:r>
+            <a:r>
+              <a:rPr lang="nl-NL" dirty="0"/>
+              <a:t> of mixed </a:t>
+            </a:r>
+            <a:r>
+              <a:rPr lang="nl-NL" dirty="0" err="1"/>
+              <a:t>clouds</a:t>
+            </a:r>
+            <a:r>
+              <a:rPr lang="nl-NL" dirty="0"/>
+              <a:t> </a:t>
+            </a:r>
+            <a:r>
+              <a:rPr lang="nl-NL" dirty="0" err="1"/>
+              <a:t>for</a:t>
+            </a:r>
+            <a:r>
+              <a:rPr lang="nl-NL" dirty="0"/>
+              <a:t> 260-273 K </a:t>
+            </a:r>
+            <a:r>
+              <a:rPr lang="nl-NL" dirty="0" err="1"/>
+              <a:t>temperature</a:t>
+            </a:r>
+            <a:r>
+              <a:rPr lang="nl-NL" dirty="0"/>
+              <a:t>?</a:t>
+            </a:r>
+          </a:p>
+          <a:p>
+            <a:r>
+              <a:rPr lang="nl-NL" dirty="0"/>
+              <a:t>But in </a:t>
+            </a:r>
+            <a:r>
+              <a:rPr lang="nl-NL" dirty="0" err="1"/>
+              <a:t>general</a:t>
+            </a:r>
+            <a:r>
+              <a:rPr lang="nl-NL" dirty="0"/>
+              <a:t> </a:t>
+            </a:r>
+            <a:r>
+              <a:rPr lang="nl-NL" dirty="0" err="1"/>
+              <a:t>the</a:t>
+            </a:r>
+            <a:r>
+              <a:rPr lang="nl-NL" dirty="0"/>
+              <a:t> </a:t>
+            </a:r>
+            <a:r>
+              <a:rPr lang="nl-NL" dirty="0" err="1"/>
+              <a:t>parameterizations</a:t>
+            </a:r>
+            <a:r>
+              <a:rPr lang="nl-NL" dirty="0"/>
+              <a:t> (</a:t>
+            </a:r>
+            <a:r>
+              <a:rPr lang="nl-NL" dirty="0" err="1"/>
+              <a:t>foremost</a:t>
+            </a:r>
+            <a:r>
+              <a:rPr lang="nl-NL" dirty="0"/>
+              <a:t> </a:t>
+            </a:r>
+            <a:r>
+              <a:rPr lang="nl-NL" dirty="0" err="1"/>
+              <a:t>conversion</a:t>
+            </a:r>
+            <a:r>
+              <a:rPr lang="nl-NL" dirty="0"/>
+              <a:t> </a:t>
+            </a:r>
+            <a:r>
+              <a:rPr lang="nl-NL" dirty="0" err="1"/>
+              <a:t>to</a:t>
+            </a:r>
+            <a:r>
+              <a:rPr lang="nl-NL" dirty="0"/>
+              <a:t> ice) are </a:t>
+            </a:r>
+            <a:r>
+              <a:rPr lang="nl-NL" dirty="0" err="1"/>
+              <a:t>hugely</a:t>
+            </a:r>
+            <a:r>
+              <a:rPr lang="nl-NL" dirty="0"/>
+              <a:t> </a:t>
+            </a:r>
+            <a:r>
+              <a:rPr lang="nl-NL" dirty="0" err="1"/>
+              <a:t>simplified</a:t>
+            </a:r>
+            <a:endParaRPr lang="nl-NL" dirty="0"/>
+          </a:p>
+          <a:p>
+            <a:r>
+              <a:rPr lang="nl-NL" dirty="0"/>
+              <a:t>No </a:t>
+            </a:r>
+            <a:r>
+              <a:rPr lang="nl-NL" dirty="0" err="1"/>
+              <a:t>sublimation</a:t>
+            </a:r>
+            <a:r>
+              <a:rPr lang="nl-NL" dirty="0"/>
+              <a:t>/</a:t>
+            </a:r>
+            <a:r>
+              <a:rPr lang="nl-NL" dirty="0" err="1"/>
+              <a:t>riming</a:t>
+            </a:r>
+            <a:r>
+              <a:rPr lang="nl-NL" dirty="0"/>
+              <a:t> (via liquid water)</a:t>
+            </a:r>
           </a:p>
           <a:p>
             <a:pPr marL="0" indent="0">
               <a:buNone/>
             </a:pPr>
             <a:r>
-              <a:rPr lang="nl-NL" dirty="0">
-                <a:sym typeface="Wingdings" panose="05000000000000000000" pitchFamily="2" charset="2"/>
-              </a:rPr>
-              <a:t> </a:t>
-            </a:r>
-            <a:r>
-              <a:rPr lang="nl-NL" dirty="0" err="1"/>
-              <a:t>Interaction</a:t>
-            </a:r>
-            <a:r>
-              <a:rPr lang="nl-NL" dirty="0"/>
-              <a:t> </a:t>
-            </a:r>
-            <a:r>
-              <a:rPr lang="nl-NL" dirty="0" err="1"/>
-              <a:t>parcel</a:t>
-            </a:r>
-            <a:r>
-              <a:rPr lang="nl-NL" dirty="0"/>
-              <a:t> &amp; </a:t>
-            </a:r>
-            <a:r>
-              <a:rPr lang="nl-NL" dirty="0" err="1"/>
-              <a:t>cloud</a:t>
-            </a:r>
-            <a:r>
-              <a:rPr lang="nl-NL" dirty="0"/>
-              <a:t> content</a:t>
-            </a:r>
-          </a:p>
-          <a:p>
-            <a:r>
-              <a:rPr lang="nl-NL" dirty="0" err="1"/>
-              <a:t>Limitation</a:t>
-            </a:r>
-            <a:r>
-              <a:rPr lang="nl-NL" dirty="0"/>
-              <a:t> of </a:t>
-            </a:r>
-            <a:r>
-              <a:rPr lang="nl-NL" dirty="0" err="1"/>
-              <a:t>parcel</a:t>
-            </a:r>
-            <a:r>
-              <a:rPr lang="nl-NL" dirty="0"/>
-              <a:t> model</a:t>
-            </a:r>
-          </a:p>
-          <a:p>
-            <a:r>
-              <a:rPr lang="nl-NL" dirty="0" err="1"/>
-              <a:t>Also</a:t>
-            </a:r>
-            <a:r>
-              <a:rPr lang="nl-NL" dirty="0"/>
-              <a:t>, </a:t>
-            </a:r>
-            <a:r>
-              <a:rPr lang="nl-NL" dirty="0" err="1"/>
-              <a:t>the</a:t>
-            </a:r>
-            <a:r>
-              <a:rPr lang="nl-NL" dirty="0"/>
-              <a:t> </a:t>
-            </a:r>
-            <a:r>
-              <a:rPr lang="nl-NL" dirty="0" err="1"/>
-              <a:t>parameterizations</a:t>
-            </a:r>
-            <a:r>
-              <a:rPr lang="nl-NL" dirty="0"/>
-              <a:t> (</a:t>
-            </a:r>
-            <a:r>
-              <a:rPr lang="nl-NL" dirty="0" err="1"/>
-              <a:t>foremost</a:t>
-            </a:r>
-            <a:r>
-              <a:rPr lang="nl-NL" dirty="0"/>
-              <a:t> </a:t>
-            </a:r>
-            <a:r>
-              <a:rPr lang="nl-NL" dirty="0" err="1"/>
-              <a:t>conversion</a:t>
-            </a:r>
-            <a:r>
-              <a:rPr lang="nl-NL" dirty="0"/>
-              <a:t> </a:t>
-            </a:r>
-            <a:r>
-              <a:rPr lang="nl-NL" dirty="0" err="1"/>
-              <a:t>to</a:t>
-            </a:r>
-            <a:r>
-              <a:rPr lang="nl-NL" dirty="0"/>
-              <a:t> ice) are </a:t>
-            </a:r>
-            <a:r>
-              <a:rPr lang="nl-NL" dirty="0" err="1"/>
-              <a:t>hugely</a:t>
-            </a:r>
-            <a:r>
-              <a:rPr lang="nl-NL" dirty="0"/>
-              <a:t> </a:t>
-            </a:r>
-            <a:r>
-              <a:rPr lang="nl-NL" dirty="0" err="1"/>
-              <a:t>simplified</a:t>
-            </a:r>
-            <a:endParaRPr lang="nl-NL" dirty="0"/>
-          </a:p>
-          <a:p>
-            <a:pPr marL="0" indent="0">
-              <a:buNone/>
-            </a:pPr>
-            <a:r>
               <a:rPr lang="nl-NL" dirty="0"/>
               <a:t>  </a:t>
             </a:r>
@@ -6875,35 +7372,6 @@
             <a:extLst>
               <a:ext uri="{FF2B5EF4-FFF2-40B4-BE49-F238E27FC236}">
                 <a16:creationId xmlns:a16="http://schemas.microsoft.com/office/drawing/2014/main" id="{A06AA666-8894-44D4-A001-C0B322650B46}"/>
-              </a:ext>
-            </a:extLst>
-          </p:cNvPr>
-          <p:cNvPicPr>
-            <a:picLocks noChangeAspect="1"/>
-          </p:cNvPicPr>
-          <p:nvPr/>
-        </p:nvPicPr>
-        <p:blipFill rotWithShape="1">
-          <a:blip r:embed="rId2"/>
-          <a:srcRect l="9458" t="42583" r="53131" b="12679"/>
-          <a:stretch/>
-        </p:blipFill>
-        <p:spPr>
-          <a:xfrm>
-            <a:off x="9506082" y="4720058"/>
-            <a:ext cx="2155372" cy="1772817"/>
-          </a:xfrm>
-          <a:prstGeom prst="rect">
-            <a:avLst/>
-          </a:prstGeom>
-        </p:spPr>
-      </p:pic>
-      <p:pic>
-        <p:nvPicPr>
-          <p:cNvPr id="11" name="Afbeelding 10">
-            <a:extLst>
-              <a:ext uri="{FF2B5EF4-FFF2-40B4-BE49-F238E27FC236}">
-                <a16:creationId xmlns:a16="http://schemas.microsoft.com/office/drawing/2014/main" id="{EB731639-ED07-4680-9DF7-7C12EB41D58A}"/>
               </a:ext>
             </a:extLst>
           </p:cNvPr>
@@ -6914,6 +7382,35 @@
         </p:nvPicPr>
         <p:blipFill rotWithShape="1">
           <a:blip r:embed="rId3"/>
+          <a:srcRect l="9458" t="42583" r="53131" b="12679"/>
+          <a:stretch/>
+        </p:blipFill>
+        <p:spPr>
+          <a:xfrm>
+            <a:off x="9506082" y="4720058"/>
+            <a:ext cx="2155372" cy="1772817"/>
+          </a:xfrm>
+          <a:prstGeom prst="rect">
+            <a:avLst/>
+          </a:prstGeom>
+        </p:spPr>
+      </p:pic>
+      <p:pic>
+        <p:nvPicPr>
+          <p:cNvPr id="11" name="Afbeelding 10">
+            <a:extLst>
+              <a:ext uri="{FF2B5EF4-FFF2-40B4-BE49-F238E27FC236}">
+                <a16:creationId xmlns:a16="http://schemas.microsoft.com/office/drawing/2014/main" id="{EB731639-ED07-4680-9DF7-7C12EB41D58A}"/>
+              </a:ext>
+            </a:extLst>
+          </p:cNvPr>
+          <p:cNvPicPr>
+            <a:picLocks noChangeAspect="1"/>
+          </p:cNvPicPr>
+          <p:nvPr/>
+        </p:nvPicPr>
+        <p:blipFill rotWithShape="1">
+          <a:blip r:embed="rId4"/>
           <a:srcRect l="27291" t="3372" r="30328" b="-800"/>
           <a:stretch/>
         </p:blipFill>
@@ -12266,4 +12763,299 @@
     </a:ext>
   </a:extLst>
 </a:theme>
+</file>
+
+<file path=ppt/theme/theme2.xml><?xml version="1.0" encoding="utf-8"?>
+<a:theme xmlns:a="http://schemas.openxmlformats.org/drawingml/2006/main" name="Kantoorthema">
+  <a:themeElements>
+    <a:clrScheme name="Office">
+      <a:dk1>
+        <a:sysClr val="windowText" lastClr="000000"/>
+      </a:dk1>
+      <a:lt1>
+        <a:sysClr val="window" lastClr="FFFFFF"/>
+      </a:lt1>
+      <a:dk2>
+        <a:srgbClr val="44546A"/>
+      </a:dk2>
+      <a:lt2>
+        <a:srgbClr val="E7E6E6"/>
+      </a:lt2>
+      <a:accent1>
+        <a:srgbClr val="4472C4"/>
+      </a:accent1>
+      <a:accent2>
+        <a:srgbClr val="ED7D31"/>
+      </a:accent2>
+      <a:accent3>
+        <a:srgbClr val="A5A5A5"/>
+      </a:accent3>
+      <a:accent4>
+        <a:srgbClr val="FFC000"/>
+      </a:accent4>
+      <a:accent5>
+        <a:srgbClr val="5B9BD5"/>
+      </a:accent5>
+      <a:accent6>
+        <a:srgbClr val="70AD47"/>
+      </a:accent6>
+      <a:hlink>
+        <a:srgbClr val="0563C1"/>
+      </a:hlink>
+      <a:folHlink>
+        <a:srgbClr val="954F72"/>
+      </a:folHlink>
+    </a:clrScheme>
+    <a:fontScheme name="Office">
+      <a:majorFont>
+        <a:latin typeface="Calibri Light" panose="020F0302020204030204"/>
+        <a:ea typeface=""/>
+        <a:cs typeface=""/>
+        <a:font script="Jpan" typeface="游ゴシック Light"/>
+        <a:font script="Hang" typeface="맑은 고딕"/>
+        <a:font script="Hans" typeface="等线 Light"/>
+        <a:font script="Hant" typeface="新細明體"/>
+        <a:font script="Arab" typeface="Times New Roman"/>
+        <a:font script="Hebr" typeface="Times New Roman"/>
+        <a:font script="Thai" typeface="Angsana New"/>
+        <a:font script="Ethi" typeface="Nyala"/>
+        <a:font script="Beng" typeface="Vrinda"/>
+        <a:font script="Gujr" typeface="Shruti"/>
+        <a:font script="Khmr" typeface="MoolBoran"/>
+        <a:font script="Knda" typeface="Tunga"/>
+        <a:font script="Guru" typeface="Raavi"/>
+        <a:font script="Cans" typeface="Euphemia"/>
+        <a:font script="Cher" typeface="Plantagenet Cherokee"/>
+        <a:font script="Yiii" typeface="Microsoft Yi Baiti"/>
+        <a:font script="Tibt" typeface="Microsoft Himalaya"/>
+        <a:font script="Thaa" typeface="MV Boli"/>
+        <a:font script="Deva" typeface="Mangal"/>
+        <a:font script="Telu" typeface="Gautami"/>
+        <a:font script="Taml" typeface="Latha"/>
+        <a:font script="Syrc" typeface="Estrangelo Edessa"/>
+        <a:font script="Orya" typeface="Kalinga"/>
+        <a:font script="Mlym" typeface="Kartika"/>
+        <a:font script="Laoo" typeface="DokChampa"/>
+        <a:font script="Sinh" typeface="Iskoola Pota"/>
+        <a:font script="Mong" typeface="Mongolian Baiti"/>
+        <a:font script="Viet" typeface="Times New Roman"/>
+        <a:font script="Uigh" typeface="Microsoft Uighur"/>
+        <a:font script="Geor" typeface="Sylfaen"/>
+        <a:font script="Armn" typeface="Arial"/>
+        <a:font script="Bugi" typeface="Leelawadee UI"/>
+        <a:font script="Bopo" typeface="Microsoft JhengHei"/>
+        <a:font script="Java" typeface="Javanese Text"/>
+        <a:font script="Lisu" typeface="Segoe UI"/>
+        <a:font script="Mymr" typeface="Myanmar Text"/>
+        <a:font script="Nkoo" typeface="Ebrima"/>
+        <a:font script="Olck" typeface="Nirmala UI"/>
+        <a:font script="Osma" typeface="Ebrima"/>
+        <a:font script="Phag" typeface="Phagspa"/>
+        <a:font script="Syrn" typeface="Estrangelo Edessa"/>
+        <a:font script="Syrj" typeface="Estrangelo Edessa"/>
+        <a:font script="Syre" typeface="Estrangelo Edessa"/>
+        <a:font script="Sora" typeface="Nirmala UI"/>
+        <a:font script="Tale" typeface="Microsoft Tai Le"/>
+        <a:font script="Talu" typeface="Microsoft New Tai Lue"/>
+        <a:font script="Tfng" typeface="Ebrima"/>
+      </a:majorFont>
+      <a:minorFont>
+        <a:latin typeface="Calibri" panose="020F0502020204030204"/>
+        <a:ea typeface=""/>
+        <a:cs typeface=""/>
+        <a:font script="Jpan" typeface="游ゴシック"/>
+        <a:font script="Hang" typeface="맑은 고딕"/>
+        <a:font script="Hans" typeface="等线"/>
+        <a:font script="Hant" typeface="新細明體"/>
+        <a:font script="Arab" typeface="Arial"/>
+        <a:font script="Hebr" typeface="Arial"/>
+        <a:font script="Thai" typeface="Cordia New"/>
+        <a:font script="Ethi" typeface="Nyala"/>
+        <a:font script="Beng" typeface="Vrinda"/>
+        <a:font script="Gujr" typeface="Shruti"/>
+        <a:font script="Khmr" typeface="DaunPenh"/>
+        <a:font script="Knda" typeface="Tunga"/>
+        <a:font script="Guru" typeface="Raavi"/>
+        <a:font script="Cans" typeface="Euphemia"/>
+        <a:font script="Cher" typeface="Plantagenet Cherokee"/>
+        <a:font script="Yiii" typeface="Microsoft Yi Baiti"/>
+        <a:font script="Tibt" typeface="Microsoft Himalaya"/>
+        <a:font script="Thaa" typeface="MV Boli"/>
+        <a:font script="Deva" typeface="Mangal"/>
+        <a:font script="Telu" typeface="Gautami"/>
+        <a:font script="Taml" typeface="Latha"/>
+        <a:font script="Syrc" typeface="Estrangelo Edessa"/>
+        <a:font script="Orya" typeface="Kalinga"/>
+        <a:font script="Mlym" typeface="Kartika"/>
+        <a:font script="Laoo" typeface="DokChampa"/>
+        <a:font script="Sinh" typeface="Iskoola Pota"/>
+        <a:font script="Mong" typeface="Mongolian Baiti"/>
+        <a:font script="Viet" typeface="Arial"/>
+        <a:font script="Uigh" typeface="Microsoft Uighur"/>
+        <a:font script="Geor" typeface="Sylfaen"/>
+        <a:font script="Armn" typeface="Arial"/>
+        <a:font script="Bugi" typeface="Leelawadee UI"/>
+        <a:font script="Bopo" typeface="Microsoft JhengHei"/>
+        <a:font script="Java" typeface="Javanese Text"/>
+        <a:font script="Lisu" typeface="Segoe UI"/>
+        <a:font script="Mymr" typeface="Myanmar Text"/>
+        <a:font script="Nkoo" typeface="Ebrima"/>
+        <a:font script="Olck" typeface="Nirmala UI"/>
+        <a:font script="Osma" typeface="Ebrima"/>
+        <a:font script="Phag" typeface="Phagspa"/>
+        <a:font script="Syrn" typeface="Estrangelo Edessa"/>
+        <a:font script="Syrj" typeface="Estrangelo Edessa"/>
+        <a:font script="Syre" typeface="Estrangelo Edessa"/>
+        <a:font script="Sora" typeface="Nirmala UI"/>
+        <a:font script="Tale" typeface="Microsoft Tai Le"/>
+        <a:font script="Talu" typeface="Microsoft New Tai Lue"/>
+        <a:font script="Tfng" typeface="Ebrima"/>
+      </a:minorFont>
+    </a:fontScheme>
+    <a:fmtScheme name="Office">
+      <a:fillStyleLst>
+        <a:solidFill>
+          <a:schemeClr val="phClr"/>
+        </a:solidFill>
+        <a:gradFill rotWithShape="1">
+          <a:gsLst>
+            <a:gs pos="0">
+              <a:schemeClr val="phClr">
+                <a:lumMod val="110000"/>
+                <a:satMod val="105000"/>
+                <a:tint val="67000"/>
+              </a:schemeClr>
+            </a:gs>
+            <a:gs pos="50000">
+              <a:schemeClr val="phClr">
+                <a:lumMod val="105000"/>
+                <a:satMod val="103000"/>
+                <a:tint val="73000"/>
+              </a:schemeClr>
+            </a:gs>
+            <a:gs pos="100000">
+              <a:schemeClr val="phClr">
+                <a:lumMod val="105000"/>
+                <a:satMod val="109000"/>
+                <a:tint val="81000"/>
+              </a:schemeClr>
+            </a:gs>
+          </a:gsLst>
+          <a:lin ang="5400000" scaled="0"/>
+        </a:gradFill>
+        <a:gradFill rotWithShape="1">
+          <a:gsLst>
+            <a:gs pos="0">
+              <a:schemeClr val="phClr">
+                <a:satMod val="103000"/>
+                <a:lumMod val="102000"/>
+                <a:tint val="94000"/>
+              </a:schemeClr>
+            </a:gs>
+            <a:gs pos="50000">
+              <a:schemeClr val="phClr">
+                <a:satMod val="110000"/>
+                <a:lumMod val="100000"/>
+                <a:shade val="100000"/>
+              </a:schemeClr>
+            </a:gs>
+            <a:gs pos="100000">
+              <a:schemeClr val="phClr">
+                <a:lumMod val="99000"/>
+                <a:satMod val="120000"/>
+                <a:shade val="78000"/>
+              </a:schemeClr>
+            </a:gs>
+          </a:gsLst>
+          <a:lin ang="5400000" scaled="0"/>
+        </a:gradFill>
+      </a:fillStyleLst>
+      <a:lnStyleLst>
+        <a:ln w="6350" cap="flat" cmpd="sng" algn="ctr">
+          <a:solidFill>
+            <a:schemeClr val="phClr"/>
+          </a:solidFill>
+          <a:prstDash val="solid"/>
+          <a:miter lim="800000"/>
+        </a:ln>
+        <a:ln w="12700" cap="flat" cmpd="sng" algn="ctr">
+          <a:solidFill>
+            <a:schemeClr val="phClr"/>
+          </a:solidFill>
+          <a:prstDash val="solid"/>
+          <a:miter lim="800000"/>
+        </a:ln>
+        <a:ln w="19050" cap="flat" cmpd="sng" algn="ctr">
+          <a:solidFill>
+            <a:schemeClr val="phClr"/>
+          </a:solidFill>
+          <a:prstDash val="solid"/>
+          <a:miter lim="800000"/>
+        </a:ln>
+      </a:lnStyleLst>
+      <a:effectStyleLst>
+        <a:effectStyle>
+          <a:effectLst/>
+        </a:effectStyle>
+        <a:effectStyle>
+          <a:effectLst/>
+        </a:effectStyle>
+        <a:effectStyle>
+          <a:effectLst>
+            <a:outerShdw blurRad="57150" dist="19050" dir="5400000" algn="ctr" rotWithShape="0">
+              <a:srgbClr val="000000">
+                <a:alpha val="63000"/>
+              </a:srgbClr>
+            </a:outerShdw>
+          </a:effectLst>
+        </a:effectStyle>
+      </a:effectStyleLst>
+      <a:bgFillStyleLst>
+        <a:solidFill>
+          <a:schemeClr val="phClr"/>
+        </a:solidFill>
+        <a:solidFill>
+          <a:schemeClr val="phClr">
+            <a:tint val="95000"/>
+            <a:satMod val="170000"/>
+          </a:schemeClr>
+        </a:solidFill>
+        <a:gradFill rotWithShape="1">
+          <a:gsLst>
+            <a:gs pos="0">
+              <a:schemeClr val="phClr">
+                <a:tint val="93000"/>
+                <a:satMod val="150000"/>
+                <a:shade val="98000"/>
+                <a:lumMod val="102000"/>
+              </a:schemeClr>
+            </a:gs>
+            <a:gs pos="50000">
+              <a:schemeClr val="phClr">
+                <a:tint val="98000"/>
+                <a:satMod val="130000"/>
+                <a:shade val="90000"/>
+                <a:lumMod val="103000"/>
+              </a:schemeClr>
+            </a:gs>
+            <a:gs pos="100000">
+              <a:schemeClr val="phClr">
+                <a:shade val="63000"/>
+                <a:satMod val="120000"/>
+              </a:schemeClr>
+            </a:gs>
+          </a:gsLst>
+          <a:lin ang="5400000" scaled="0"/>
+        </a:gradFill>
+      </a:bgFillStyleLst>
+    </a:fmtScheme>
+  </a:themeElements>
+  <a:objectDefaults/>
+  <a:extraClrSchemeLst/>
+  <a:extLst>
+    <a:ext uri="{05A4C25C-085E-4340-85A3-A5531E510DB2}">
+      <thm15:themeFamily xmlns:thm15="http://schemas.microsoft.com/office/thememl/2012/main" name="Office Theme" id="{62F939B6-93AF-4DB8-9C6B-D6C7DFDC589F}" vid="{4A3C46E8-61CC-4603-A589-7422A47A8E4A}"/>
+    </a:ext>
+  </a:extLst>
+</a:theme>
 </file>
--- a/model_representation.pptx
+++ b/model_representation.pptx
@@ -269,7 +269,7 @@
           <a:p>
             <a:fld id="{973E3E9A-BAE1-435A-92E7-1B19A7E89171}" type="datetimeFigureOut">
               <a:rPr lang="nl-NL" smtClean="0"/>
-              <a:t>25-10-2018</a:t>
+              <a:t>26-10-2018</a:t>
             </a:fld>
             <a:endParaRPr lang="nl-NL"/>
           </a:p>
@@ -427,7 +427,7 @@
           <a:p>
             <a:fld id="{98E3D734-B365-4FFE-9B0E-36405F1FAB16}" type="slidenum">
               <a:rPr lang="nl-NL" smtClean="0"/>
-              <a:t>‹nr.›</a:t>
+              <a:t>‹#›</a:t>
             </a:fld>
             <a:endParaRPr lang="nl-NL"/>
           </a:p>
@@ -767,7 +767,7 @@
           <a:p>
             <a:fld id="{0C688EB7-E1EC-4125-A900-79B98438A0A3}" type="datetimeFigureOut">
               <a:rPr lang="nl-NL" smtClean="0"/>
-              <a:t>25-10-2018</a:t>
+              <a:t>26-10-2018</a:t>
             </a:fld>
             <a:endParaRPr lang="nl-NL"/>
           </a:p>
@@ -821,7 +821,7 @@
           <a:p>
             <a:fld id="{D7A273E9-B73F-4071-BCEA-AD3C272F9352}" type="slidenum">
               <a:rPr lang="nl-NL" smtClean="0"/>
-              <a:t>‹nr.›</a:t>
+              <a:t>‹#›</a:t>
             </a:fld>
             <a:endParaRPr lang="nl-NL"/>
           </a:p>
@@ -965,7 +965,7 @@
           <a:p>
             <a:fld id="{0C688EB7-E1EC-4125-A900-79B98438A0A3}" type="datetimeFigureOut">
               <a:rPr lang="nl-NL" smtClean="0"/>
-              <a:t>25-10-2018</a:t>
+              <a:t>26-10-2018</a:t>
             </a:fld>
             <a:endParaRPr lang="nl-NL"/>
           </a:p>
@@ -1019,7 +1019,7 @@
           <a:p>
             <a:fld id="{D7A273E9-B73F-4071-BCEA-AD3C272F9352}" type="slidenum">
               <a:rPr lang="nl-NL" smtClean="0"/>
-              <a:t>‹nr.›</a:t>
+              <a:t>‹#›</a:t>
             </a:fld>
             <a:endParaRPr lang="nl-NL"/>
           </a:p>
@@ -1173,7 +1173,7 @@
           <a:p>
             <a:fld id="{0C688EB7-E1EC-4125-A900-79B98438A0A3}" type="datetimeFigureOut">
               <a:rPr lang="nl-NL" smtClean="0"/>
-              <a:t>25-10-2018</a:t>
+              <a:t>26-10-2018</a:t>
             </a:fld>
             <a:endParaRPr lang="nl-NL"/>
           </a:p>
@@ -1227,7 +1227,7 @@
           <a:p>
             <a:fld id="{D7A273E9-B73F-4071-BCEA-AD3C272F9352}" type="slidenum">
               <a:rPr lang="nl-NL" smtClean="0"/>
-              <a:t>‹nr.›</a:t>
+              <a:t>‹#›</a:t>
             </a:fld>
             <a:endParaRPr lang="nl-NL"/>
           </a:p>
@@ -1371,7 +1371,7 @@
           <a:p>
             <a:fld id="{0C688EB7-E1EC-4125-A900-79B98438A0A3}" type="datetimeFigureOut">
               <a:rPr lang="nl-NL" smtClean="0"/>
-              <a:t>25-10-2018</a:t>
+              <a:t>26-10-2018</a:t>
             </a:fld>
             <a:endParaRPr lang="nl-NL"/>
           </a:p>
@@ -1425,7 +1425,7 @@
           <a:p>
             <a:fld id="{D7A273E9-B73F-4071-BCEA-AD3C272F9352}" type="slidenum">
               <a:rPr lang="nl-NL" smtClean="0"/>
-              <a:t>‹nr.›</a:t>
+              <a:t>‹#›</a:t>
             </a:fld>
             <a:endParaRPr lang="nl-NL"/>
           </a:p>
@@ -1646,7 +1646,7 @@
           <a:p>
             <a:fld id="{0C688EB7-E1EC-4125-A900-79B98438A0A3}" type="datetimeFigureOut">
               <a:rPr lang="nl-NL" smtClean="0"/>
-              <a:t>25-10-2018</a:t>
+              <a:t>26-10-2018</a:t>
             </a:fld>
             <a:endParaRPr lang="nl-NL"/>
           </a:p>
@@ -1700,7 +1700,7 @@
           <a:p>
             <a:fld id="{D7A273E9-B73F-4071-BCEA-AD3C272F9352}" type="slidenum">
               <a:rPr lang="nl-NL" smtClean="0"/>
-              <a:t>‹nr.›</a:t>
+              <a:t>‹#›</a:t>
             </a:fld>
             <a:endParaRPr lang="nl-NL"/>
           </a:p>
@@ -1911,7 +1911,7 @@
           <a:p>
             <a:fld id="{0C688EB7-E1EC-4125-A900-79B98438A0A3}" type="datetimeFigureOut">
               <a:rPr lang="nl-NL" smtClean="0"/>
-              <a:t>25-10-2018</a:t>
+              <a:t>26-10-2018</a:t>
             </a:fld>
             <a:endParaRPr lang="nl-NL"/>
           </a:p>
@@ -1965,7 +1965,7 @@
           <a:p>
             <a:fld id="{D7A273E9-B73F-4071-BCEA-AD3C272F9352}" type="slidenum">
               <a:rPr lang="nl-NL" smtClean="0"/>
-              <a:t>‹nr.›</a:t>
+              <a:t>‹#›</a:t>
             </a:fld>
             <a:endParaRPr lang="nl-NL"/>
           </a:p>
@@ -2323,7 +2323,7 @@
           <a:p>
             <a:fld id="{0C688EB7-E1EC-4125-A900-79B98438A0A3}" type="datetimeFigureOut">
               <a:rPr lang="nl-NL" smtClean="0"/>
-              <a:t>25-10-2018</a:t>
+              <a:t>26-10-2018</a:t>
             </a:fld>
             <a:endParaRPr lang="nl-NL"/>
           </a:p>
@@ -2377,7 +2377,7 @@
           <a:p>
             <a:fld id="{D7A273E9-B73F-4071-BCEA-AD3C272F9352}" type="slidenum">
               <a:rPr lang="nl-NL" smtClean="0"/>
-              <a:t>‹nr.›</a:t>
+              <a:t>‹#›</a:t>
             </a:fld>
             <a:endParaRPr lang="nl-NL"/>
           </a:p>
@@ -2464,7 +2464,7 @@
           <a:p>
             <a:fld id="{0C688EB7-E1EC-4125-A900-79B98438A0A3}" type="datetimeFigureOut">
               <a:rPr lang="nl-NL" smtClean="0"/>
-              <a:t>25-10-2018</a:t>
+              <a:t>26-10-2018</a:t>
             </a:fld>
             <a:endParaRPr lang="nl-NL"/>
           </a:p>
@@ -2518,7 +2518,7 @@
           <a:p>
             <a:fld id="{D7A273E9-B73F-4071-BCEA-AD3C272F9352}" type="slidenum">
               <a:rPr lang="nl-NL" smtClean="0"/>
-              <a:t>‹nr.›</a:t>
+              <a:t>‹#›</a:t>
             </a:fld>
             <a:endParaRPr lang="nl-NL"/>
           </a:p>
@@ -2577,7 +2577,7 @@
           <a:p>
             <a:fld id="{0C688EB7-E1EC-4125-A900-79B98438A0A3}" type="datetimeFigureOut">
               <a:rPr lang="nl-NL" smtClean="0"/>
-              <a:t>25-10-2018</a:t>
+              <a:t>26-10-2018</a:t>
             </a:fld>
             <a:endParaRPr lang="nl-NL"/>
           </a:p>
@@ -2631,7 +2631,7 @@
           <a:p>
             <a:fld id="{D7A273E9-B73F-4071-BCEA-AD3C272F9352}" type="slidenum">
               <a:rPr lang="nl-NL" smtClean="0"/>
-              <a:t>‹nr.›</a:t>
+              <a:t>‹#›</a:t>
             </a:fld>
             <a:endParaRPr lang="nl-NL"/>
           </a:p>
@@ -2888,7 +2888,7 @@
           <a:p>
             <a:fld id="{0C688EB7-E1EC-4125-A900-79B98438A0A3}" type="datetimeFigureOut">
               <a:rPr lang="nl-NL" smtClean="0"/>
-              <a:t>25-10-2018</a:t>
+              <a:t>26-10-2018</a:t>
             </a:fld>
             <a:endParaRPr lang="nl-NL"/>
           </a:p>
@@ -2942,7 +2942,7 @@
           <a:p>
             <a:fld id="{D7A273E9-B73F-4071-BCEA-AD3C272F9352}" type="slidenum">
               <a:rPr lang="nl-NL" smtClean="0"/>
-              <a:t>‹nr.›</a:t>
+              <a:t>‹#›</a:t>
             </a:fld>
             <a:endParaRPr lang="nl-NL"/>
           </a:p>
@@ -3176,7 +3176,7 @@
           <a:p>
             <a:fld id="{0C688EB7-E1EC-4125-A900-79B98438A0A3}" type="datetimeFigureOut">
               <a:rPr lang="nl-NL" smtClean="0"/>
-              <a:t>25-10-2018</a:t>
+              <a:t>26-10-2018</a:t>
             </a:fld>
             <a:endParaRPr lang="nl-NL"/>
           </a:p>
@@ -3230,7 +3230,7 @@
           <a:p>
             <a:fld id="{D7A273E9-B73F-4071-BCEA-AD3C272F9352}" type="slidenum">
               <a:rPr lang="nl-NL" smtClean="0"/>
-              <a:t>‹nr.›</a:t>
+              <a:t>‹#›</a:t>
             </a:fld>
             <a:endParaRPr lang="nl-NL"/>
           </a:p>
@@ -3417,7 +3417,7 @@
           <a:p>
             <a:fld id="{0C688EB7-E1EC-4125-A900-79B98438A0A3}" type="datetimeFigureOut">
               <a:rPr lang="nl-NL" smtClean="0"/>
-              <a:t>25-10-2018</a:t>
+              <a:t>26-10-2018</a:t>
             </a:fld>
             <a:endParaRPr lang="nl-NL"/>
           </a:p>
@@ -3507,7 +3507,7 @@
           <a:p>
             <a:fld id="{D7A273E9-B73F-4071-BCEA-AD3C272F9352}" type="slidenum">
               <a:rPr lang="nl-NL" smtClean="0"/>
-              <a:t>‹nr.›</a:t>
+              <a:t>‹#›</a:t>
             </a:fld>
             <a:endParaRPr lang="nl-NL"/>
           </a:p>
@@ -10340,9 +10340,16 @@
             <p:ph idx="1"/>
           </p:nvPr>
         </p:nvSpPr>
-        <p:spPr/>
-        <p:txBody>
-          <a:bodyPr/>
+        <p:spPr>
+          <a:xfrm>
+            <a:off x="838200" y="1825625"/>
+            <a:ext cx="6702083" cy="4351338"/>
+          </a:xfrm>
+        </p:spPr>
+        <p:txBody>
+          <a:bodyPr>
+            <a:normAutofit fontScale="92500" lnSpcReduction="10000"/>
+          </a:bodyPr>
           <a:lstStyle/>
           <a:p>
             <a:r>
@@ -10432,36 +10439,16 @@
           </a:p>
           <a:p>
             <a:r>
-              <a:rPr lang="nl-NL" dirty="0" err="1"/>
-              <a:t>Linear</a:t>
-            </a:r>
-            <a:r>
-              <a:rPr lang="nl-NL" dirty="0"/>
-              <a:t> </a:t>
-            </a:r>
-            <a:r>
-              <a:rPr lang="nl-NL" dirty="0" err="1"/>
+              <a:rPr lang="nl-NL" dirty="0"/>
+              <a:t>Linear </a:t>
+            </a:r>
+            <a:r>
+              <a:rPr lang="en-GB" dirty="0"/>
               <a:t>interpolations</a:t>
             </a:r>
             <a:r>
               <a:rPr lang="nl-NL" dirty="0"/>
-              <a:t> </a:t>
-            </a:r>
-            <a:r>
-              <a:rPr lang="nl-NL" dirty="0" err="1"/>
-              <a:t>between</a:t>
-            </a:r>
-            <a:r>
-              <a:rPr lang="nl-NL" dirty="0"/>
-              <a:t> </a:t>
-            </a:r>
-            <a:r>
-              <a:rPr lang="nl-NL" dirty="0" err="1"/>
-              <a:t>nearest</a:t>
-            </a:r>
-            <a:r>
-              <a:rPr lang="nl-NL" dirty="0"/>
-              <a:t> levels</a:t>
+              <a:t> between nearest levels</a:t>
             </a:r>
           </a:p>
           <a:p>
@@ -10541,8 +10528,8 @@
         </p:blipFill>
         <p:spPr>
           <a:xfrm>
-            <a:off x="8238931" y="2704168"/>
-            <a:ext cx="3599962" cy="3925523"/>
+            <a:off x="7662156" y="1599261"/>
+            <a:ext cx="4405644" cy="4804066"/>
           </a:xfrm>
           <a:prstGeom prst="rect">
             <a:avLst/>
@@ -10562,9 +10549,9 @@
           <p:nvPr/>
         </p:nvSpPr>
         <p:spPr>
-          <a:xfrm rot="21279874">
-            <a:off x="8125663" y="4787380"/>
-            <a:ext cx="2608976" cy="391886"/>
+          <a:xfrm rot="20695542">
+            <a:off x="7212782" y="4484874"/>
+            <a:ext cx="3770679" cy="391886"/>
           </a:xfrm>
           <a:prstGeom prst="rightArrow">
             <a:avLst/>
@@ -10591,7 +10578,7 @@
           <a:lstStyle/>
           <a:p>
             <a:pPr algn="ctr"/>
-            <a:endParaRPr lang="nl-NL"/>
+            <a:endParaRPr lang="nl-NL" dirty="0"/>
           </a:p>
         </p:txBody>
       </p:sp>

--- a/model_representation.pptx
+++ b/model_representation.pptx
@@ -5,7 +5,7 @@
     <p:sldMasterId id="2147483648" r:id="rId1"/>
   </p:sldMasterIdLst>
   <p:notesMasterIdLst>
-    <p:notesMasterId r:id="rId23"/>
+    <p:notesMasterId r:id="rId22"/>
   </p:notesMasterIdLst>
   <p:sldIdLst>
     <p:sldId id="276" r:id="rId2"/>
@@ -17,18 +17,17 @@
     <p:sldId id="263" r:id="rId8"/>
     <p:sldId id="260" r:id="rId9"/>
     <p:sldId id="262" r:id="rId10"/>
-    <p:sldId id="267" r:id="rId11"/>
-    <p:sldId id="269" r:id="rId12"/>
-    <p:sldId id="265" r:id="rId13"/>
-    <p:sldId id="264" r:id="rId14"/>
-    <p:sldId id="266" r:id="rId15"/>
-    <p:sldId id="268" r:id="rId16"/>
-    <p:sldId id="270" r:id="rId17"/>
-    <p:sldId id="275" r:id="rId18"/>
-    <p:sldId id="271" r:id="rId19"/>
-    <p:sldId id="272" r:id="rId20"/>
-    <p:sldId id="273" r:id="rId21"/>
-    <p:sldId id="274" r:id="rId22"/>
+    <p:sldId id="269" r:id="rId11"/>
+    <p:sldId id="265" r:id="rId12"/>
+    <p:sldId id="264" r:id="rId13"/>
+    <p:sldId id="266" r:id="rId14"/>
+    <p:sldId id="268" r:id="rId15"/>
+    <p:sldId id="270" r:id="rId16"/>
+    <p:sldId id="275" r:id="rId17"/>
+    <p:sldId id="271" r:id="rId18"/>
+    <p:sldId id="272" r:id="rId19"/>
+    <p:sldId id="273" r:id="rId20"/>
+    <p:sldId id="274" r:id="rId21"/>
   </p:sldIdLst>
   <p:sldSz cx="12192000" cy="6858000"/>
   <p:notesSz cx="6858000" cy="9144000"/>
@@ -555,6 +554,90 @@
       </p:grpSpPr>
       <p:sp>
         <p:nvSpPr>
+          <p:cNvPr id="2" name="Slide Image Placeholder 1"/>
+          <p:cNvSpPr>
+            <a:spLocks noGrp="1" noRot="1" noChangeAspect="1"/>
+          </p:cNvSpPr>
+          <p:nvPr>
+            <p:ph type="sldImg"/>
+          </p:nvPr>
+        </p:nvSpPr>
+        <p:spPr/>
+      </p:sp>
+      <p:sp>
+        <p:nvSpPr>
+          <p:cNvPr id="3" name="Notes Placeholder 2"/>
+          <p:cNvSpPr>
+            <a:spLocks noGrp="1"/>
+          </p:cNvSpPr>
+          <p:nvPr>
+            <p:ph type="body" idx="1"/>
+          </p:nvPr>
+        </p:nvSpPr>
+        <p:spPr/>
+        <p:txBody>
+          <a:bodyPr/>
+          <a:lstStyle/>
+          <a:p>
+            <a:endParaRPr lang="en-GB" dirty="0"/>
+          </a:p>
+        </p:txBody>
+      </p:sp>
+      <p:sp>
+        <p:nvSpPr>
+          <p:cNvPr id="4" name="Slide Number Placeholder 3"/>
+          <p:cNvSpPr>
+            <a:spLocks noGrp="1"/>
+          </p:cNvSpPr>
+          <p:nvPr>
+            <p:ph type="sldNum" sz="quarter" idx="5"/>
+          </p:nvPr>
+        </p:nvSpPr>
+        <p:spPr/>
+        <p:txBody>
+          <a:bodyPr/>
+          <a:lstStyle/>
+          <a:p>
+            <a:fld id="{98E3D734-B365-4FFE-9B0E-36405F1FAB16}" type="slidenum">
+              <a:rPr lang="nl-NL" smtClean="0"/>
+              <a:t>9</a:t>
+            </a:fld>
+            <a:endParaRPr lang="nl-NL"/>
+          </a:p>
+        </p:txBody>
+      </p:sp>
+    </p:spTree>
+    <p:extLst>
+      <p:ext uri="{BB962C8B-B14F-4D97-AF65-F5344CB8AC3E}">
+        <p14:creationId xmlns:p14="http://schemas.microsoft.com/office/powerpoint/2010/main" val="2135143551"/>
+      </p:ext>
+    </p:extLst>
+  </p:cSld>
+  <p:clrMapOvr>
+    <a:masterClrMapping/>
+  </p:clrMapOvr>
+</p:notes>
+</file>
+
+<file path=ppt/notesSlides/notesSlide2.xml><?xml version="1.0" encoding="utf-8"?>
+<p:notes xmlns:a="http://schemas.openxmlformats.org/drawingml/2006/main" xmlns:r="http://schemas.openxmlformats.org/officeDocument/2006/relationships" xmlns:p="http://schemas.openxmlformats.org/presentationml/2006/main">
+  <p:cSld>
+    <p:spTree>
+      <p:nvGrpSpPr>
+        <p:cNvPr id="1" name=""/>
+        <p:cNvGrpSpPr/>
+        <p:nvPr/>
+      </p:nvGrpSpPr>
+      <p:grpSpPr>
+        <a:xfrm>
+          <a:off x="0" y="0"/>
+          <a:ext cx="0" cy="0"/>
+          <a:chOff x="0" y="0"/>
+          <a:chExt cx="0" cy="0"/>
+        </a:xfrm>
+      </p:grpSpPr>
+      <p:sp>
+        <p:nvSpPr>
           <p:cNvPr id="2" name="Tijdelijke aanduiding voor dia-afbeelding 1"/>
           <p:cNvSpPr>
             <a:spLocks noGrp="1" noRot="1" noChangeAspect="1"/>
@@ -601,7 +684,7 @@
           <a:p>
             <a:fld id="{98E3D734-B365-4FFE-9B0E-36405F1FAB16}" type="slidenum">
               <a:rPr lang="nl-NL" smtClean="0"/>
-              <a:t>19</a:t>
+              <a:t>18</a:t>
             </a:fld>
             <a:endParaRPr lang="nl-NL"/>
           </a:p>
@@ -3948,14 +4031,51 @@
           <a:chExt cx="0" cy="0"/>
         </a:xfrm>
       </p:grpSpPr>
-      <mc:AlternateContent xmlns:mc="http://schemas.openxmlformats.org/markup-compatibility/2006" xmlns:a14="http://schemas.microsoft.com/office/drawing/2010/main">
-        <mc:Choice Requires="a14">
+      <p:sp>
+        <p:nvSpPr>
+          <p:cNvPr id="2" name="Titel 1">
+            <a:extLst>
+              <a:ext uri="{FF2B5EF4-FFF2-40B4-BE49-F238E27FC236}">
+                <a16:creationId xmlns:a16="http://schemas.microsoft.com/office/drawing/2014/main" id="{C30A2BF0-D171-442A-86B0-ED917923F2CE}"/>
+              </a:ext>
+            </a:extLst>
+          </p:cNvPr>
+          <p:cNvSpPr>
+            <a:spLocks noGrp="1"/>
+          </p:cNvSpPr>
+          <p:nvPr>
+            <p:ph type="title"/>
+          </p:nvPr>
+        </p:nvSpPr>
+        <p:spPr/>
+        <p:txBody>
+          <a:bodyPr/>
+          <a:lstStyle/>
+          <a:p>
+            <a:r>
+              <a:rPr lang="nl-NL" dirty="0" err="1"/>
+              <a:t>Very</a:t>
+            </a:r>
+            <a:r>
+              <a:rPr lang="nl-NL" dirty="0"/>
+              <a:t> </a:t>
+            </a:r>
+            <a:r>
+              <a:rPr lang="nl-NL" dirty="0" err="1"/>
+              <a:t>sensitive</a:t>
+            </a:r>
+            <a:endParaRPr lang="nl-NL" dirty="0"/>
+          </a:p>
+        </p:txBody>
+      </p:sp>
+      <mc:AlternateContent xmlns:mc="http://schemas.openxmlformats.org/markup-compatibility/2006">
+        <mc:Choice xmlns:a14="http://schemas.microsoft.com/office/drawing/2010/main" Requires="a14">
           <p:sp>
             <p:nvSpPr>
-              <p:cNvPr id="2" name="Titel 1">
+              <p:cNvPr id="3" name="Tijdelijke aanduiding voor inhoud 2">
                 <a:extLst>
                   <a:ext uri="{FF2B5EF4-FFF2-40B4-BE49-F238E27FC236}">
-                    <a16:creationId xmlns:a16="http://schemas.microsoft.com/office/drawing/2014/main" id="{52DF2836-4722-48AC-A323-791646F1BD2C}"/>
+                    <a16:creationId xmlns:a16="http://schemas.microsoft.com/office/drawing/2014/main" id="{6D740059-EDED-4EF1-A387-A561A842C986}"/>
                   </a:ext>
                 </a:extLst>
               </p:cNvPr>
@@ -3963,7 +4083,7 @@
                 <a:spLocks noGrp="1"/>
               </p:cNvSpPr>
               <p:nvPr>
-                <p:ph type="title"/>
+                <p:ph idx="1"/>
               </p:nvPr>
             </p:nvSpPr>
             <p:spPr/>
@@ -3973,165 +4093,414 @@
               <a:p>
                 <a:r>
                   <a:rPr lang="nl-NL" dirty="0"/>
-                  <a:t>Full </a:t>
+                  <a:t>Both momentum eq.</a:t>
                 </a:r>
-                <a:r>
-                  <a:rPr lang="nl-NL" dirty="0" err="1"/>
-                  <a:t>entrainment</a:t>
-                </a:r>
-                <a:r>
-                  <a:rPr lang="nl-NL" dirty="0"/>
-                  <a:t>, </a:t>
-                </a:r>
+              </a:p>
+              <a:p>
                 <a14:m>
                   <m:oMath xmlns:m="http://schemas.openxmlformats.org/officeDocument/2006/math">
+                    <m:f>
+                      <m:fPr>
+                        <m:ctrlPr>
+                          <a:rPr lang="nl-NL" i="1" smtClean="0">
+                            <a:latin typeface="Cambria Math" panose="02040503050406030204" pitchFamily="18" charset="0"/>
+                          </a:rPr>
+                        </m:ctrlPr>
+                      </m:fPr>
+                      <m:num>
+                        <m:r>
+                          <a:rPr lang="en-US" b="0" i="1" smtClean="0">
+                            <a:latin typeface="Cambria Math" panose="02040503050406030204" pitchFamily="18" charset="0"/>
+                          </a:rPr>
+                          <m:t>𝑑𝑊</m:t>
+                        </m:r>
+                      </m:num>
+                      <m:den>
+                        <m:r>
+                          <a:rPr lang="en-US" b="0" i="1" smtClean="0">
+                            <a:latin typeface="Cambria Math" panose="02040503050406030204" pitchFamily="18" charset="0"/>
+                          </a:rPr>
+                          <m:t>𝑑𝑡</m:t>
+                        </m:r>
+                      </m:den>
+                    </m:f>
                     <m:r>
-                      <a:rPr lang="nl-NL" i="1">
+                      <a:rPr lang="en-US" b="0" i="1" smtClean="0">
                         <a:latin typeface="Cambria Math" panose="02040503050406030204" pitchFamily="18" charset="0"/>
-                        <a:ea typeface="Cambria Math" panose="02040503050406030204" pitchFamily="18" charset="0"/>
                       </a:rPr>
-                      <m:t>𝜇</m:t>
+                      <m:t>=</m:t>
                     </m:r>
-                    <m:r>
-                      <a:rPr lang="nl-NL" i="1">
-                        <a:latin typeface="Cambria Math" panose="02040503050406030204" pitchFamily="18" charset="0"/>
-                        <a:ea typeface="Cambria Math" panose="02040503050406030204" pitchFamily="18" charset="0"/>
-                      </a:rPr>
-                      <m:t>= </m:t>
-                    </m:r>
-                    <m:sSub>
-                      <m:sSubPr>
+                    <m:f>
+                      <m:fPr>
                         <m:ctrlPr>
-                          <a:rPr lang="nl-NL" i="1">
+                          <a:rPr lang="en-US" b="0" i="1" smtClean="0">
+                            <a:latin typeface="Cambria Math" panose="02040503050406030204" pitchFamily="18" charset="0"/>
+                          </a:rPr>
+                        </m:ctrlPr>
+                      </m:fPr>
+                      <m:num>
+                        <m:r>
+                          <a:rPr lang="en-US" b="0" i="1" smtClean="0">
+                            <a:latin typeface="Cambria Math" panose="02040503050406030204" pitchFamily="18" charset="0"/>
+                          </a:rPr>
+                          <m:t>𝑔</m:t>
+                        </m:r>
+                      </m:num>
+                      <m:den>
+                        <m:r>
+                          <a:rPr lang="en-US" b="0" i="1" smtClean="0">
+                            <a:latin typeface="Cambria Math" panose="02040503050406030204" pitchFamily="18" charset="0"/>
+                          </a:rPr>
+                          <m:t>1+</m:t>
+                        </m:r>
+                        <m:r>
+                          <a:rPr lang="en-US" b="0" i="1" smtClean="0">
                             <a:latin typeface="Cambria Math" panose="02040503050406030204" pitchFamily="18" charset="0"/>
                             <a:ea typeface="Cambria Math" panose="02040503050406030204" pitchFamily="18" charset="0"/>
                           </a:rPr>
+                          <m:t>𝛾</m:t>
+                        </m:r>
+                      </m:den>
+                    </m:f>
+                    <m:d>
+                      <m:dPr>
+                        <m:ctrlPr>
+                          <a:rPr lang="en-US" b="0" i="1" smtClean="0">
+                            <a:latin typeface="Cambria Math" panose="02040503050406030204" pitchFamily="18" charset="0"/>
+                          </a:rPr>
                         </m:ctrlPr>
-                      </m:sSubPr>
+                      </m:dPr>
                       <m:e>
+                        <m:f>
+                          <m:fPr>
+                            <m:ctrlPr>
+                              <a:rPr lang="en-US" b="0" i="1" smtClean="0">
+                                <a:latin typeface="Cambria Math" panose="02040503050406030204" pitchFamily="18" charset="0"/>
+                              </a:rPr>
+                            </m:ctrlPr>
+                          </m:fPr>
+                          <m:num>
+                            <m:sSub>
+                              <m:sSubPr>
+                                <m:ctrlPr>
+                                  <a:rPr lang="en-US" b="0" i="1" smtClean="0">
+                                    <a:latin typeface="Cambria Math" panose="02040503050406030204" pitchFamily="18" charset="0"/>
+                                  </a:rPr>
+                                </m:ctrlPr>
+                              </m:sSubPr>
+                              <m:e>
+                                <m:r>
+                                  <a:rPr lang="en-US" b="0" i="1" smtClean="0">
+                                    <a:latin typeface="Cambria Math" panose="02040503050406030204" pitchFamily="18" charset="0"/>
+                                  </a:rPr>
+                                  <m:t>𝑇</m:t>
+                                </m:r>
+                              </m:e>
+                              <m:sub>
+                                <m:r>
+                                  <a:rPr lang="en-US" b="0" i="1" smtClean="0">
+                                    <a:latin typeface="Cambria Math" panose="02040503050406030204" pitchFamily="18" charset="0"/>
+                                  </a:rPr>
+                                  <m:t>𝑣</m:t>
+                                </m:r>
+                              </m:sub>
+                            </m:sSub>
+                            <m:r>
+                              <a:rPr lang="en-US" b="0" i="1" smtClean="0">
+                                <a:latin typeface="Cambria Math" panose="02040503050406030204" pitchFamily="18" charset="0"/>
+                              </a:rPr>
+                              <m:t>−</m:t>
+                            </m:r>
+                            <m:sSubSup>
+                              <m:sSubSupPr>
+                                <m:ctrlPr>
+                                  <a:rPr lang="en-US" i="1">
+                                    <a:latin typeface="Cambria Math" panose="02040503050406030204" pitchFamily="18" charset="0"/>
+                                  </a:rPr>
+                                </m:ctrlPr>
+                              </m:sSubSupPr>
+                              <m:e>
+                                <m:r>
+                                  <a:rPr lang="en-US" i="1">
+                                    <a:latin typeface="Cambria Math" panose="02040503050406030204" pitchFamily="18" charset="0"/>
+                                  </a:rPr>
+                                  <m:t>𝑇</m:t>
+                                </m:r>
+                              </m:e>
+                              <m:sub>
+                                <m:r>
+                                  <a:rPr lang="en-US" i="1">
+                                    <a:latin typeface="Cambria Math" panose="02040503050406030204" pitchFamily="18" charset="0"/>
+                                  </a:rPr>
+                                  <m:t>𝑣</m:t>
+                                </m:r>
+                              </m:sub>
+                              <m:sup>
+                                <m:r>
+                                  <a:rPr lang="en-US" i="1">
+                                    <a:latin typeface="Cambria Math" panose="02040503050406030204" pitchFamily="18" charset="0"/>
+                                  </a:rPr>
+                                  <m:t>′</m:t>
+                                </m:r>
+                              </m:sup>
+                            </m:sSubSup>
+                          </m:num>
+                          <m:den>
+                            <m:sSubSup>
+                              <m:sSubSupPr>
+                                <m:ctrlPr>
+                                  <a:rPr lang="en-US" b="0" i="1" smtClean="0">
+                                    <a:latin typeface="Cambria Math" panose="02040503050406030204" pitchFamily="18" charset="0"/>
+                                  </a:rPr>
+                                </m:ctrlPr>
+                              </m:sSubSupPr>
+                              <m:e>
+                                <m:r>
+                                  <a:rPr lang="en-US" b="0" i="1" smtClean="0">
+                                    <a:latin typeface="Cambria Math" panose="02040503050406030204" pitchFamily="18" charset="0"/>
+                                  </a:rPr>
+                                  <m:t>𝑇</m:t>
+                                </m:r>
+                              </m:e>
+                              <m:sub>
+                                <m:r>
+                                  <a:rPr lang="en-US" b="0" i="1" smtClean="0">
+                                    <a:latin typeface="Cambria Math" panose="02040503050406030204" pitchFamily="18" charset="0"/>
+                                  </a:rPr>
+                                  <m:t>𝑣</m:t>
+                                </m:r>
+                              </m:sub>
+                              <m:sup>
+                                <m:r>
+                                  <a:rPr lang="en-US" b="0" i="1" smtClean="0">
+                                    <a:latin typeface="Cambria Math" panose="02040503050406030204" pitchFamily="18" charset="0"/>
+                                  </a:rPr>
+                                  <m:t>′</m:t>
+                                </m:r>
+                              </m:sup>
+                            </m:sSubSup>
+                          </m:den>
+                        </m:f>
                         <m:r>
-                          <a:rPr lang="nl-NL" i="1">
+                          <a:rPr lang="en-US" b="0" i="1" smtClean="0">
+                            <a:latin typeface="Cambria Math" panose="02040503050406030204" pitchFamily="18" charset="0"/>
+                          </a:rPr>
+                          <m:t>−</m:t>
+                        </m:r>
+                        <m:sSub>
+                          <m:sSubPr>
+                            <m:ctrlPr>
+                              <a:rPr lang="en-US" b="0" i="1" smtClean="0">
+                                <a:latin typeface="Cambria Math" panose="02040503050406030204" pitchFamily="18" charset="0"/>
+                              </a:rPr>
+                            </m:ctrlPr>
+                          </m:sSubPr>
+                          <m:e>
+                            <m:r>
+                              <a:rPr lang="en-US" b="0" i="1" smtClean="0">
+                                <a:latin typeface="Cambria Math" panose="02040503050406030204" pitchFamily="18" charset="0"/>
+                              </a:rPr>
+                              <m:t>𝑤</m:t>
+                            </m:r>
+                          </m:e>
+                          <m:sub>
+                            <m:r>
+                              <a:rPr lang="en-US" b="0" i="1" smtClean="0">
+                                <a:latin typeface="Cambria Math" panose="02040503050406030204" pitchFamily="18" charset="0"/>
+                              </a:rPr>
+                              <m:t>𝐿</m:t>
+                            </m:r>
+                          </m:sub>
+                        </m:sSub>
+                        <m:r>
+                          <a:rPr lang="en-US" b="0" i="1" smtClean="0">
+                            <a:latin typeface="Cambria Math" panose="02040503050406030204" pitchFamily="18" charset="0"/>
+                          </a:rPr>
+                          <m:t>−</m:t>
+                        </m:r>
+                        <m:sSub>
+                          <m:sSubPr>
+                            <m:ctrlPr>
+                              <a:rPr lang="en-US" b="0" i="1" smtClean="0">
+                                <a:latin typeface="Cambria Math" panose="02040503050406030204" pitchFamily="18" charset="0"/>
+                              </a:rPr>
+                            </m:ctrlPr>
+                          </m:sSubPr>
+                          <m:e>
+                            <m:r>
+                              <a:rPr lang="en-US" b="0" i="1" smtClean="0">
+                                <a:latin typeface="Cambria Math" panose="02040503050406030204" pitchFamily="18" charset="0"/>
+                              </a:rPr>
+                              <m:t>𝑤</m:t>
+                            </m:r>
+                          </m:e>
+                          <m:sub>
+                            <m:r>
+                              <a:rPr lang="en-US" b="0" i="1" smtClean="0">
+                                <a:latin typeface="Cambria Math" panose="02040503050406030204" pitchFamily="18" charset="0"/>
+                              </a:rPr>
+                              <m:t>𝐼</m:t>
+                            </m:r>
+                          </m:sub>
+                        </m:sSub>
+                      </m:e>
+                    </m:d>
+                    <m:r>
+                      <a:rPr lang="en-US" b="0" i="1" smtClean="0">
+                        <a:latin typeface="Cambria Math" panose="02040503050406030204" pitchFamily="18" charset="0"/>
+                      </a:rPr>
+                      <m:t>−</m:t>
+                    </m:r>
+                    <m:f>
+                      <m:fPr>
+                        <m:ctrlPr>
+                          <a:rPr lang="en-US" b="0" i="1" smtClean="0">
+                            <a:latin typeface="Cambria Math" panose="02040503050406030204" pitchFamily="18" charset="0"/>
+                          </a:rPr>
+                        </m:ctrlPr>
+                      </m:fPr>
+                      <m:num>
+                        <m:r>
+                          <a:rPr lang="en-US" b="0" i="1" smtClean="0">
                             <a:latin typeface="Cambria Math" panose="02040503050406030204" pitchFamily="18" charset="0"/>
                             <a:ea typeface="Cambria Math" panose="02040503050406030204" pitchFamily="18" charset="0"/>
                           </a:rPr>
                           <m:t>𝜇</m:t>
                         </m:r>
-                      </m:e>
-                      <m:sub>
+                      </m:num>
+                      <m:den>
                         <m:r>
-                          <a:rPr lang="nl-NL" i="1">
+                          <a:rPr lang="en-US" b="0" i="1" smtClean="0">
+                            <a:latin typeface="Cambria Math" panose="02040503050406030204" pitchFamily="18" charset="0"/>
+                          </a:rPr>
+                          <m:t>1+</m:t>
+                        </m:r>
+                        <m:r>
+                          <a:rPr lang="en-US" b="0" i="1" smtClean="0">
                             <a:latin typeface="Cambria Math" panose="02040503050406030204" pitchFamily="18" charset="0"/>
                             <a:ea typeface="Cambria Math" panose="02040503050406030204" pitchFamily="18" charset="0"/>
                           </a:rPr>
-                          <m:t>0</m:t>
+                          <m:t>𝛾</m:t>
                         </m:r>
-                      </m:sub>
-                    </m:sSub>
-                    <m:r>
-                      <a:rPr lang="nl-NL" i="1">
-                        <a:latin typeface="Cambria Math" panose="02040503050406030204" pitchFamily="18" charset="0"/>
-                        <a:ea typeface="Cambria Math" panose="02040503050406030204" pitchFamily="18" charset="0"/>
-                      </a:rPr>
-                      <m:t>+</m:t>
-                    </m:r>
-                    <m:f>
-                      <m:fPr>
-                        <m:ctrlPr>
-                          <a:rPr lang="nl-NL" i="1">
-                            <a:latin typeface="Cambria Math" panose="02040503050406030204" pitchFamily="18" charset="0"/>
-                            <a:ea typeface="Cambria Math" panose="02040503050406030204" pitchFamily="18" charset="0"/>
-                          </a:rPr>
-                        </m:ctrlPr>
-                      </m:fPr>
-                      <m:num>
-                        <m:sSub>
-                          <m:sSubPr>
-                            <m:ctrlPr>
-                              <a:rPr lang="nl-NL" i="1">
-                                <a:latin typeface="Cambria Math" panose="02040503050406030204" pitchFamily="18" charset="0"/>
-                                <a:ea typeface="Cambria Math" panose="02040503050406030204" pitchFamily="18" charset="0"/>
-                              </a:rPr>
-                            </m:ctrlPr>
-                          </m:sSubPr>
-                          <m:e>
-                            <m:r>
-                              <a:rPr lang="nl-NL" i="1">
-                                <a:latin typeface="Cambria Math" panose="02040503050406030204" pitchFamily="18" charset="0"/>
-                                <a:ea typeface="Cambria Math" panose="02040503050406030204" pitchFamily="18" charset="0"/>
-                              </a:rPr>
-                              <m:t>𝐶</m:t>
-                            </m:r>
-                          </m:e>
-                          <m:sub>
-                            <m:r>
-                              <a:rPr lang="nl-NL" i="1">
-                                <a:latin typeface="Cambria Math" panose="02040503050406030204" pitchFamily="18" charset="0"/>
-                                <a:ea typeface="Cambria Math" panose="02040503050406030204" pitchFamily="18" charset="0"/>
-                              </a:rPr>
-                              <m:t>𝑖𝑛𝑣</m:t>
-                            </m:r>
-                            <m:r>
-                              <a:rPr lang="nl-NL" i="1">
-                                <a:latin typeface="Cambria Math" panose="02040503050406030204" pitchFamily="18" charset="0"/>
-                                <a:ea typeface="Cambria Math" panose="02040503050406030204" pitchFamily="18" charset="0"/>
-                              </a:rPr>
-                              <m:t>,</m:t>
-                            </m:r>
-                            <m:r>
-                              <a:rPr lang="nl-NL" i="1">
-                                <a:latin typeface="Cambria Math" panose="02040503050406030204" pitchFamily="18" charset="0"/>
-                                <a:ea typeface="Cambria Math" panose="02040503050406030204" pitchFamily="18" charset="0"/>
-                              </a:rPr>
-                              <m:t>𝑟</m:t>
-                            </m:r>
-                          </m:sub>
-                        </m:sSub>
-                      </m:num>
-                      <m:den>
-                        <m:sSub>
-                          <m:sSubPr>
-                            <m:ctrlPr>
-                              <a:rPr lang="nl-NL" i="1">
-                                <a:latin typeface="Cambria Math" panose="02040503050406030204" pitchFamily="18" charset="0"/>
-                                <a:ea typeface="Cambria Math" panose="02040503050406030204" pitchFamily="18" charset="0"/>
-                              </a:rPr>
-                            </m:ctrlPr>
-                          </m:sSubPr>
-                          <m:e>
-                            <m:r>
-                              <a:rPr lang="nl-NL" i="1">
-                                <a:latin typeface="Cambria Math" panose="02040503050406030204" pitchFamily="18" charset="0"/>
-                                <a:ea typeface="Cambria Math" panose="02040503050406030204" pitchFamily="18" charset="0"/>
-                              </a:rPr>
-                              <m:t>𝑅</m:t>
-                            </m:r>
-                          </m:e>
-                          <m:sub>
-                            <m:r>
-                              <a:rPr lang="nl-NL" i="1">
-                                <a:latin typeface="Cambria Math" panose="02040503050406030204" pitchFamily="18" charset="0"/>
-                                <a:ea typeface="Cambria Math" panose="02040503050406030204" pitchFamily="18" charset="0"/>
-                              </a:rPr>
-                              <m:t>𝑒𝑞</m:t>
-                            </m:r>
-                          </m:sub>
-                        </m:sSub>
                       </m:den>
                     </m:f>
+                    <m:r>
+                      <a:rPr lang="en-US" b="0" i="1" smtClean="0">
+                        <a:latin typeface="Cambria Math" panose="02040503050406030204" pitchFamily="18" charset="0"/>
+                      </a:rPr>
+                      <m:t>|</m:t>
+                    </m:r>
+                    <m:r>
+                      <a:rPr lang="en-US" b="0" i="1" smtClean="0">
+                        <a:latin typeface="Cambria Math" panose="02040503050406030204" pitchFamily="18" charset="0"/>
+                      </a:rPr>
+                      <m:t>𝑊</m:t>
+                    </m:r>
+                    <m:r>
+                      <a:rPr lang="en-US" b="0" i="1" smtClean="0">
+                        <a:latin typeface="Cambria Math" panose="02040503050406030204" pitchFamily="18" charset="0"/>
+                      </a:rPr>
+                      <m:t>|</m:t>
+                    </m:r>
+                    <m:r>
+                      <a:rPr lang="en-US" b="0" i="1" smtClean="0">
+                        <a:latin typeface="Cambria Math" panose="02040503050406030204" pitchFamily="18" charset="0"/>
+                      </a:rPr>
+                      <m:t>𝑊</m:t>
+                    </m:r>
                   </m:oMath>
                 </a14:m>
+                <a:endParaRPr lang="nl-NL" dirty="0"/>
+              </a:p>
+              <a:p>
+                <a:r>
+                  <a:rPr lang="nl-NL" dirty="0" err="1"/>
+                  <a:t>And</a:t>
+                </a:r>
+                <a:r>
+                  <a:rPr lang="nl-NL" dirty="0"/>
+                  <a:t> </a:t>
+                </a:r>
+                <a:r>
+                  <a:rPr lang="nl-NL" dirty="0" err="1"/>
+                  <a:t>phase</a:t>
+                </a:r>
+                <a:r>
+                  <a:rPr lang="nl-NL" dirty="0"/>
+                  <a:t> of </a:t>
+                </a:r>
+                <a:r>
+                  <a:rPr lang="nl-NL" dirty="0" err="1"/>
+                  <a:t>cloud</a:t>
+                </a:r>
+                <a:r>
+                  <a:rPr lang="nl-NL" dirty="0"/>
+                  <a:t> content</a:t>
+                </a:r>
+              </a:p>
+              <a:p>
+                <a:r>
+                  <a:rPr lang="nl-NL" dirty="0"/>
+                  <a:t>Minor changes </a:t>
+                </a:r>
+              </a:p>
+              <a:p>
+                <a:pPr marL="0" indent="0">
+                  <a:buNone/>
+                </a:pPr>
+                <a:r>
+                  <a:rPr lang="nl-NL" dirty="0"/>
+                  <a:t>(</a:t>
+                </a:r>
+                <a:r>
+                  <a:rPr lang="nl-NL" dirty="0" err="1"/>
+                  <a:t>including</a:t>
+                </a:r>
+                <a:r>
+                  <a:rPr lang="nl-NL" dirty="0"/>
+                  <a:t> time step)</a:t>
+                </a:r>
+              </a:p>
+              <a:p>
+                <a:pPr marL="0" indent="0">
+                  <a:buNone/>
+                </a:pPr>
+                <a:r>
+                  <a:rPr lang="nl-NL" dirty="0"/>
+                  <a:t>lead </a:t>
+                </a:r>
+                <a:r>
+                  <a:rPr lang="nl-NL" dirty="0" err="1"/>
+                  <a:t>to</a:t>
+                </a:r>
+                <a:r>
+                  <a:rPr lang="nl-NL" dirty="0"/>
+                  <a:t> </a:t>
+                </a:r>
+                <a:r>
+                  <a:rPr lang="nl-NL" dirty="0" err="1"/>
+                  <a:t>very</a:t>
+                </a:r>
+                <a:r>
+                  <a:rPr lang="nl-NL" dirty="0"/>
+                  <a:t> different </a:t>
+                </a:r>
+                <a:r>
+                  <a:rPr lang="nl-NL" dirty="0" err="1"/>
+                  <a:t>results</a:t>
+                </a:r>
                 <a:endParaRPr lang="nl-NL" dirty="0"/>
               </a:p>
             </p:txBody>
           </p:sp>
         </mc:Choice>
-        <mc:Fallback xmlns="">
+        <mc:Fallback>
           <p:sp>
             <p:nvSpPr>
-              <p:cNvPr id="2" name="Titel 1">
+              <p:cNvPr id="3" name="Tijdelijke aanduiding voor inhoud 2">
                 <a:extLst>
                   <a:ext uri="{FF2B5EF4-FFF2-40B4-BE49-F238E27FC236}">
-                    <a16:creationId xmlns:a16="http://schemas.microsoft.com/office/drawing/2014/main" id="{52DF2836-4722-48AC-A323-791646F1BD2C}"/>
+                    <a16:creationId xmlns:a16="http://schemas.microsoft.com/office/drawing/2014/main" id="{6D740059-EDED-4EF1-A387-A561A842C986}"/>
                   </a:ext>
                 </a:extLst>
               </p:cNvPr>
@@ -4139,14 +4508,14 @@
                 <a:spLocks noGrp="1" noRot="1" noChangeAspect="1" noMove="1" noResize="1" noEditPoints="1" noAdjustHandles="1" noChangeArrowheads="1" noChangeShapeType="1" noTextEdit="1"/>
               </p:cNvSpPr>
               <p:nvPr>
-                <p:ph type="title"/>
+                <p:ph idx="1"/>
               </p:nvPr>
             </p:nvSpPr>
             <p:spPr>
               <a:blipFill>
                 <a:blip r:embed="rId2"/>
                 <a:stretch>
-                  <a:fillRect l="-2377"/>
+                  <a:fillRect l="-1217" t="-2241"/>
                 </a:stretch>
               </a:blipFill>
             </p:spPr>
@@ -4155,7 +4524,7 @@
               <a:lstStyle/>
               <a:p>
                 <a:r>
-                  <a:rPr lang="nl-NL">
+                  <a:rPr lang="en-GB">
                     <a:noFill/>
                   </a:rPr>
                   <a:t> </a:t>
@@ -4170,325 +4539,6 @@
           <p:cNvPr id="5" name="Afbeelding 4">
             <a:extLst>
               <a:ext uri="{FF2B5EF4-FFF2-40B4-BE49-F238E27FC236}">
-                <a16:creationId xmlns:a16="http://schemas.microsoft.com/office/drawing/2014/main" id="{4E943FAC-E543-45DB-8A1C-D2B46CF4C697}"/>
-              </a:ext>
-            </a:extLst>
-          </p:cNvPr>
-          <p:cNvPicPr/>
-          <p:nvPr/>
-        </p:nvPicPr>
-        <p:blipFill>
-          <a:blip r:embed="rId3"/>
-          <a:stretch>
-            <a:fillRect/>
-          </a:stretch>
-        </p:blipFill>
-        <p:spPr>
-          <a:xfrm>
-            <a:off x="336000" y="1604465"/>
-            <a:ext cx="5760000" cy="3852000"/>
-          </a:xfrm>
-          <a:prstGeom prst="rect">
-            <a:avLst/>
-          </a:prstGeom>
-        </p:spPr>
-      </p:pic>
-      <p:pic>
-        <p:nvPicPr>
-          <p:cNvPr id="6" name="Tijdelijke aanduiding voor inhoud 5">
-            <a:extLst>
-              <a:ext uri="{FF2B5EF4-FFF2-40B4-BE49-F238E27FC236}">
-                <a16:creationId xmlns:a16="http://schemas.microsoft.com/office/drawing/2014/main" id="{38CDDC82-3F49-473A-9F15-F393257083B7}"/>
-              </a:ext>
-            </a:extLst>
-          </p:cNvPr>
-          <p:cNvPicPr>
-            <a:picLocks noGrp="1"/>
-          </p:cNvPicPr>
-          <p:nvPr>
-            <p:ph idx="1"/>
-          </p:nvPr>
-        </p:nvPicPr>
-        <p:blipFill>
-          <a:blip r:embed="rId4"/>
-          <a:stretch>
-            <a:fillRect/>
-          </a:stretch>
-        </p:blipFill>
-        <p:spPr>
-          <a:xfrm>
-            <a:off x="6218756" y="1604465"/>
-            <a:ext cx="5760000" cy="3960000"/>
-          </a:xfrm>
-          <a:prstGeom prst="rect">
-            <a:avLst/>
-          </a:prstGeom>
-        </p:spPr>
-      </p:pic>
-      <p:sp>
-        <p:nvSpPr>
-          <p:cNvPr id="7" name="Tekstvak 6">
-            <a:extLst>
-              <a:ext uri="{FF2B5EF4-FFF2-40B4-BE49-F238E27FC236}">
-                <a16:creationId xmlns:a16="http://schemas.microsoft.com/office/drawing/2014/main" id="{6D2E32AD-49B9-4E12-AF17-D22B6FDAE4B3}"/>
-              </a:ext>
-            </a:extLst>
-          </p:cNvPr>
-          <p:cNvSpPr txBox="1"/>
-          <p:nvPr/>
-        </p:nvSpPr>
-        <p:spPr>
-          <a:xfrm>
-            <a:off x="838200" y="5728995"/>
-            <a:ext cx="11140556" cy="542136"/>
-          </a:xfrm>
-          <a:prstGeom prst="rect">
-            <a:avLst/>
-          </a:prstGeom>
-          <a:noFill/>
-        </p:spPr>
-        <p:txBody>
-          <a:bodyPr wrap="square" rtlCol="0">
-            <a:spAutoFit/>
-          </a:bodyPr>
-          <a:lstStyle/>
-          <a:p>
-            <a:r>
-              <a:rPr lang="nl-NL" sz="2800" dirty="0" err="1"/>
-              <a:t>Very</a:t>
-            </a:r>
-            <a:r>
-              <a:rPr lang="nl-NL" sz="2800" dirty="0"/>
-              <a:t> </a:t>
-            </a:r>
-            <a:r>
-              <a:rPr lang="nl-NL" sz="2800" dirty="0" err="1"/>
-              <a:t>sensitive</a:t>
-            </a:r>
-            <a:r>
-              <a:rPr lang="nl-NL" sz="2800" dirty="0"/>
-              <a:t>!</a:t>
-            </a:r>
-          </a:p>
-        </p:txBody>
-      </p:sp>
-    </p:spTree>
-    <p:extLst>
-      <p:ext uri="{BB962C8B-B14F-4D97-AF65-F5344CB8AC3E}">
-        <p14:creationId xmlns:p14="http://schemas.microsoft.com/office/powerpoint/2010/main" val="498134754"/>
-      </p:ext>
-    </p:extLst>
-  </p:cSld>
-  <p:clrMapOvr>
-    <a:masterClrMapping/>
-  </p:clrMapOvr>
-</p:sld>
-</file>
-
-<file path=ppt/slides/slide11.xml><?xml version="1.0" encoding="utf-8"?>
-<p:sld xmlns:a="http://schemas.openxmlformats.org/drawingml/2006/main" xmlns:r="http://schemas.openxmlformats.org/officeDocument/2006/relationships" xmlns:p="http://schemas.openxmlformats.org/presentationml/2006/main">
-  <p:cSld>
-    <p:spTree>
-      <p:nvGrpSpPr>
-        <p:cNvPr id="1" name=""/>
-        <p:cNvGrpSpPr/>
-        <p:nvPr/>
-      </p:nvGrpSpPr>
-      <p:grpSpPr>
-        <a:xfrm>
-          <a:off x="0" y="0"/>
-          <a:ext cx="0" cy="0"/>
-          <a:chOff x="0" y="0"/>
-          <a:chExt cx="0" cy="0"/>
-        </a:xfrm>
-      </p:grpSpPr>
-      <p:sp>
-        <p:nvSpPr>
-          <p:cNvPr id="2" name="Titel 1">
-            <a:extLst>
-              <a:ext uri="{FF2B5EF4-FFF2-40B4-BE49-F238E27FC236}">
-                <a16:creationId xmlns:a16="http://schemas.microsoft.com/office/drawing/2014/main" id="{C30A2BF0-D171-442A-86B0-ED917923F2CE}"/>
-              </a:ext>
-            </a:extLst>
-          </p:cNvPr>
-          <p:cNvSpPr>
-            <a:spLocks noGrp="1"/>
-          </p:cNvSpPr>
-          <p:nvPr>
-            <p:ph type="title"/>
-          </p:nvPr>
-        </p:nvSpPr>
-        <p:spPr/>
-        <p:txBody>
-          <a:bodyPr/>
-          <a:lstStyle/>
-          <a:p>
-            <a:r>
-              <a:rPr lang="nl-NL" dirty="0" err="1"/>
-              <a:t>Very</a:t>
-            </a:r>
-            <a:r>
-              <a:rPr lang="nl-NL" dirty="0"/>
-              <a:t> </a:t>
-            </a:r>
-            <a:r>
-              <a:rPr lang="nl-NL" dirty="0" err="1"/>
-              <a:t>sensitive</a:t>
-            </a:r>
-            <a:endParaRPr lang="nl-NL" dirty="0"/>
-          </a:p>
-        </p:txBody>
-      </p:sp>
-      <p:sp>
-        <p:nvSpPr>
-          <p:cNvPr id="3" name="Tijdelijke aanduiding voor inhoud 2">
-            <a:extLst>
-              <a:ext uri="{FF2B5EF4-FFF2-40B4-BE49-F238E27FC236}">
-                <a16:creationId xmlns:a16="http://schemas.microsoft.com/office/drawing/2014/main" id="{6D740059-EDED-4EF1-A387-A561A842C986}"/>
-              </a:ext>
-            </a:extLst>
-          </p:cNvPr>
-          <p:cNvSpPr>
-            <a:spLocks noGrp="1"/>
-          </p:cNvSpPr>
-          <p:nvPr>
-            <p:ph idx="1"/>
-          </p:nvPr>
-        </p:nvSpPr>
-        <p:spPr/>
-        <p:txBody>
-          <a:bodyPr/>
-          <a:lstStyle/>
-          <a:p>
-            <a:r>
-              <a:rPr lang="nl-NL" dirty="0"/>
-              <a:t>Both momentum </a:t>
-            </a:r>
-            <a:r>
-              <a:rPr lang="nl-NL" dirty="0" err="1"/>
-              <a:t>eq</a:t>
-            </a:r>
-            <a:r>
-              <a:rPr lang="nl-NL" dirty="0"/>
-              <a:t>.</a:t>
-            </a:r>
-          </a:p>
-          <a:p>
-            <a:r>
-              <a:rPr lang="nl-NL" dirty="0" err="1"/>
-              <a:t>And</a:t>
-            </a:r>
-            <a:r>
-              <a:rPr lang="nl-NL" dirty="0"/>
-              <a:t> </a:t>
-            </a:r>
-            <a:r>
-              <a:rPr lang="nl-NL" dirty="0" err="1"/>
-              <a:t>phase</a:t>
-            </a:r>
-            <a:r>
-              <a:rPr lang="nl-NL" dirty="0"/>
-              <a:t> of </a:t>
-            </a:r>
-            <a:r>
-              <a:rPr lang="nl-NL" dirty="0" err="1"/>
-              <a:t>cloud</a:t>
-            </a:r>
-            <a:r>
-              <a:rPr lang="nl-NL" dirty="0"/>
-              <a:t> content</a:t>
-            </a:r>
-          </a:p>
-          <a:p>
-            <a:r>
-              <a:rPr lang="nl-NL" dirty="0"/>
-              <a:t>Minor changes </a:t>
-            </a:r>
-          </a:p>
-          <a:p>
-            <a:pPr marL="0" indent="0">
-              <a:buNone/>
-            </a:pPr>
-            <a:r>
-              <a:rPr lang="nl-NL" dirty="0"/>
-              <a:t>(</a:t>
-            </a:r>
-            <a:r>
-              <a:rPr lang="nl-NL" dirty="0" err="1"/>
-              <a:t>including</a:t>
-            </a:r>
-            <a:r>
-              <a:rPr lang="nl-NL" dirty="0"/>
-              <a:t> time step)</a:t>
-            </a:r>
-          </a:p>
-          <a:p>
-            <a:pPr marL="0" indent="0">
-              <a:buNone/>
-            </a:pPr>
-            <a:r>
-              <a:rPr lang="nl-NL" dirty="0"/>
-              <a:t>lead </a:t>
-            </a:r>
-            <a:r>
-              <a:rPr lang="nl-NL" dirty="0" err="1"/>
-              <a:t>to</a:t>
-            </a:r>
-            <a:r>
-              <a:rPr lang="nl-NL" dirty="0"/>
-              <a:t> </a:t>
-            </a:r>
-            <a:r>
-              <a:rPr lang="nl-NL" dirty="0" err="1"/>
-              <a:t>very</a:t>
-            </a:r>
-            <a:r>
-              <a:rPr lang="nl-NL" dirty="0"/>
-              <a:t> different </a:t>
-            </a:r>
-            <a:r>
-              <a:rPr lang="nl-NL" dirty="0" err="1"/>
-              <a:t>results</a:t>
-            </a:r>
-            <a:endParaRPr lang="nl-NL" dirty="0"/>
-          </a:p>
-        </p:txBody>
-      </p:sp>
-      <p:pic>
-        <p:nvPicPr>
-          <p:cNvPr id="4" name="Afbeelding 3">
-            <a:extLst>
-              <a:ext uri="{FF2B5EF4-FFF2-40B4-BE49-F238E27FC236}">
-                <a16:creationId xmlns:a16="http://schemas.microsoft.com/office/drawing/2014/main" id="{0EC66C04-7755-43BD-96C2-450A2EDE068C}"/>
-              </a:ext>
-            </a:extLst>
-          </p:cNvPr>
-          <p:cNvPicPr>
-            <a:picLocks noChangeAspect="1"/>
-          </p:cNvPicPr>
-          <p:nvPr/>
-        </p:nvPicPr>
-        <p:blipFill>
-          <a:blip r:embed="rId2"/>
-          <a:stretch>
-            <a:fillRect/>
-          </a:stretch>
-        </p:blipFill>
-        <p:spPr>
-          <a:xfrm>
-            <a:off x="4758639" y="1382195"/>
-            <a:ext cx="7106812" cy="1011897"/>
-          </a:xfrm>
-          <a:prstGeom prst="rect">
-            <a:avLst/>
-          </a:prstGeom>
-        </p:spPr>
-      </p:pic>
-      <p:pic>
-        <p:nvPicPr>
-          <p:cNvPr id="5" name="Afbeelding 4">
-            <a:extLst>
-              <a:ext uri="{FF2B5EF4-FFF2-40B4-BE49-F238E27FC236}">
                 <a16:creationId xmlns:a16="http://schemas.microsoft.com/office/drawing/2014/main" id="{992710F3-33ED-48D1-AF48-34B4C379076F}"/>
               </a:ext>
             </a:extLst>
@@ -4503,7 +4553,7 @@
         </p:blipFill>
         <p:spPr>
           <a:xfrm>
-            <a:off x="5645793" y="2824741"/>
+            <a:off x="5759384" y="3836709"/>
             <a:ext cx="1812023" cy="2593910"/>
           </a:xfrm>
           <a:prstGeom prst="rect">
@@ -4525,7 +4575,7 @@
         </p:nvSpPr>
         <p:spPr>
           <a:xfrm rot="10800000">
-            <a:off x="6301502" y="2529029"/>
+            <a:off x="6630256" y="4311941"/>
             <a:ext cx="363894" cy="680119"/>
           </a:xfrm>
           <a:prstGeom prst="upArrow">
@@ -4618,7 +4668,7 @@
         </p:blipFill>
         <p:spPr>
           <a:xfrm>
-            <a:off x="7894558" y="3164800"/>
+            <a:off x="7865023" y="4731360"/>
             <a:ext cx="3316812" cy="2104054"/>
           </a:xfrm>
           <a:prstGeom prst="rect">
@@ -4640,7 +4690,7 @@
         </p:nvSpPr>
         <p:spPr>
           <a:xfrm rot="7557376">
-            <a:off x="8245268" y="2143039"/>
+            <a:off x="8696877" y="3354347"/>
             <a:ext cx="363895" cy="1253238"/>
           </a:xfrm>
           <a:prstGeom prst="upArrow">
@@ -4686,7 +4736,7 @@
         </p:nvSpPr>
         <p:spPr>
           <a:xfrm rot="11769117">
-            <a:off x="8130098" y="2235445"/>
+            <a:off x="8696876" y="3629464"/>
             <a:ext cx="363895" cy="832529"/>
           </a:xfrm>
           <a:prstGeom prst="upArrow">
@@ -4734,7 +4784,7 @@
         </p:nvCxnSpPr>
         <p:spPr>
           <a:xfrm>
-            <a:off x="7813155" y="3590488"/>
+            <a:off x="8201242" y="4219662"/>
             <a:ext cx="3514473" cy="0"/>
           </a:xfrm>
           <a:prstGeom prst="line">
@@ -4862,7 +4912,7 @@
 </p:sld>
 </file>
 
-<file path=ppt/slides/slide12.xml><?xml version="1.0" encoding="utf-8"?>
+<file path=ppt/slides/slide11.xml><?xml version="1.0" encoding="utf-8"?>
 <p:sld xmlns:a="http://schemas.openxmlformats.org/drawingml/2006/main" xmlns:r="http://schemas.openxmlformats.org/officeDocument/2006/relationships" xmlns:p="http://schemas.openxmlformats.org/presentationml/2006/main">
   <p:cSld>
     <p:spTree>
@@ -5077,7 +5127,7 @@
         </p:blipFill>
         <p:spPr>
           <a:xfrm>
-            <a:off x="606588" y="3548288"/>
+            <a:off x="-160606" y="3429000"/>
             <a:ext cx="2880000" cy="1926000"/>
           </a:xfrm>
           <a:prstGeom prst="rect">
@@ -5107,7 +5157,7 @@
         </p:blipFill>
         <p:spPr>
           <a:xfrm>
-            <a:off x="9092585" y="4001294"/>
+            <a:off x="6487594" y="3429000"/>
             <a:ext cx="2880000" cy="1980000"/>
           </a:xfrm>
           <a:prstGeom prst="rect">
@@ -5128,7 +5178,7 @@
 </p:sld>
 </file>
 
-<file path=ppt/slides/slide13.xml><?xml version="1.0" encoding="utf-8"?>
+<file path=ppt/slides/slide12.xml><?xml version="1.0" encoding="utf-8"?>
 <p:sld xmlns:a="http://schemas.openxmlformats.org/drawingml/2006/main" xmlns:r="http://schemas.openxmlformats.org/officeDocument/2006/relationships" xmlns:p="http://schemas.openxmlformats.org/presentationml/2006/main">
   <p:cSld>
     <p:spTree>
@@ -5418,7 +5468,7 @@
 </p:sld>
 </file>
 
-<file path=ppt/slides/slide14.xml><?xml version="1.0" encoding="utf-8"?>
+<file path=ppt/slides/slide13.xml><?xml version="1.0" encoding="utf-8"?>
 <p:sld xmlns:a="http://schemas.openxmlformats.org/drawingml/2006/main" xmlns:r="http://schemas.openxmlformats.org/officeDocument/2006/relationships" xmlns:p="http://schemas.openxmlformats.org/presentationml/2006/main">
   <p:cSld>
     <p:spTree>
@@ -5728,7 +5778,7 @@
 </p:sld>
 </file>
 
-<file path=ppt/slides/slide15.xml><?xml version="1.0" encoding="utf-8"?>
+<file path=ppt/slides/slide14.xml><?xml version="1.0" encoding="utf-8"?>
 <p:sld xmlns:a="http://schemas.openxmlformats.org/drawingml/2006/main" xmlns:r="http://schemas.openxmlformats.org/officeDocument/2006/relationships" xmlns:p="http://schemas.openxmlformats.org/presentationml/2006/main">
   <p:cSld>
     <p:spTree>
@@ -5979,7 +6029,7 @@
 </p:sld>
 </file>
 
-<file path=ppt/slides/slide16.xml><?xml version="1.0" encoding="utf-8"?>
+<file path=ppt/slides/slide15.xml><?xml version="1.0" encoding="utf-8"?>
 <p:sld xmlns:a="http://schemas.openxmlformats.org/drawingml/2006/main" xmlns:r="http://schemas.openxmlformats.org/officeDocument/2006/relationships" xmlns:p="http://schemas.openxmlformats.org/presentationml/2006/main">
   <p:cSld>
     <p:spTree>
@@ -6328,7 +6378,7 @@
 </p:sld>
 </file>
 
-<file path=ppt/slides/slide17.xml><?xml version="1.0" encoding="utf-8"?>
+<file path=ppt/slides/slide16.xml><?xml version="1.0" encoding="utf-8"?>
 <p:sld xmlns:a="http://schemas.openxmlformats.org/drawingml/2006/main" xmlns:r="http://schemas.openxmlformats.org/officeDocument/2006/relationships" xmlns:p="http://schemas.openxmlformats.org/presentationml/2006/main">
   <p:cSld>
     <p:spTree>
@@ -6643,7 +6693,7 @@
 </p:sld>
 </file>
 
-<file path=ppt/slides/slide18.xml><?xml version="1.0" encoding="utf-8"?>
+<file path=ppt/slides/slide17.xml><?xml version="1.0" encoding="utf-8"?>
 <p:sld xmlns:a="http://schemas.openxmlformats.org/drawingml/2006/main" xmlns:r="http://schemas.openxmlformats.org/officeDocument/2006/relationships" xmlns:p="http://schemas.openxmlformats.org/presentationml/2006/main">
   <p:cSld>
     <p:spTree>
@@ -6771,10 +6821,10 @@
       </p:sp>
       <p:pic>
         <p:nvPicPr>
-          <p:cNvPr id="5" name="Afbeelding 4">
-            <a:extLst>
-              <a:ext uri="{FF2B5EF4-FFF2-40B4-BE49-F238E27FC236}">
-                <a16:creationId xmlns:a16="http://schemas.microsoft.com/office/drawing/2014/main" id="{5FCC45E5-4BF8-45B8-81CA-E6D24A8832AD}"/>
+          <p:cNvPr id="9" name="Afbeelding 8">
+            <a:extLst>
+              <a:ext uri="{FF2B5EF4-FFF2-40B4-BE49-F238E27FC236}">
+                <a16:creationId xmlns:a16="http://schemas.microsoft.com/office/drawing/2014/main" id="{71CA6A9D-E94B-4825-B5DA-2185C8375013}"/>
               </a:ext>
             </a:extLst>
           </p:cNvPr>
@@ -6785,88 +6835,6 @@
         </p:nvPicPr>
         <p:blipFill>
           <a:blip r:embed="rId2">
-            <a:extLst>
-              <a:ext uri="{28A0092B-C50C-407E-A947-70E740481C1C}">
-                <a14:useLocalDpi xmlns:a14="http://schemas.microsoft.com/office/drawing/2010/main" val="0"/>
-              </a:ext>
-            </a:extLst>
-          </a:blip>
-          <a:stretch>
-            <a:fillRect/>
-          </a:stretch>
-        </p:blipFill>
-        <p:spPr>
-          <a:xfrm>
-            <a:off x="447384" y="2862886"/>
-            <a:ext cx="5725886" cy="3817257"/>
-          </a:xfrm>
-          <a:prstGeom prst="rect">
-            <a:avLst/>
-          </a:prstGeom>
-        </p:spPr>
-      </p:pic>
-      <p:sp>
-        <p:nvSpPr>
-          <p:cNvPr id="7" name="Pijl: omhoog 6">
-            <a:extLst>
-              <a:ext uri="{FF2B5EF4-FFF2-40B4-BE49-F238E27FC236}">
-                <a16:creationId xmlns:a16="http://schemas.microsoft.com/office/drawing/2014/main" id="{B2A059C3-7F6C-4800-AD2B-5F783CA8F8F1}"/>
-              </a:ext>
-            </a:extLst>
-          </p:cNvPr>
-          <p:cNvSpPr/>
-          <p:nvPr/>
-        </p:nvSpPr>
-        <p:spPr>
-          <a:xfrm>
-            <a:off x="1669001" y="4466504"/>
-            <a:ext cx="656947" cy="1308033"/>
-          </a:xfrm>
-          <a:prstGeom prst="upArrow">
-            <a:avLst/>
-          </a:prstGeom>
-        </p:spPr>
-        <p:style>
-          <a:lnRef idx="2">
-            <a:schemeClr val="accent1">
-              <a:shade val="50000"/>
-            </a:schemeClr>
-          </a:lnRef>
-          <a:fillRef idx="1">
-            <a:schemeClr val="accent1"/>
-          </a:fillRef>
-          <a:effectRef idx="0">
-            <a:schemeClr val="accent1"/>
-          </a:effectRef>
-          <a:fontRef idx="minor">
-            <a:schemeClr val="lt1"/>
-          </a:fontRef>
-        </p:style>
-        <p:txBody>
-          <a:bodyPr rtlCol="0" anchor="ctr"/>
-          <a:lstStyle/>
-          <a:p>
-            <a:pPr algn="ctr"/>
-            <a:endParaRPr lang="nl-NL"/>
-          </a:p>
-        </p:txBody>
-      </p:sp>
-      <p:pic>
-        <p:nvPicPr>
-          <p:cNvPr id="9" name="Afbeelding 8">
-            <a:extLst>
-              <a:ext uri="{FF2B5EF4-FFF2-40B4-BE49-F238E27FC236}">
-                <a16:creationId xmlns:a16="http://schemas.microsoft.com/office/drawing/2014/main" id="{71CA6A9D-E94B-4825-B5DA-2185C8375013}"/>
-              </a:ext>
-            </a:extLst>
-          </p:cNvPr>
-          <p:cNvPicPr>
-            <a:picLocks noChangeAspect="1"/>
-          </p:cNvPicPr>
-          <p:nvPr/>
-        </p:nvPicPr>
-        <p:blipFill>
-          <a:blip r:embed="rId3">
             <a:extLst>
               <a:ext uri="{28A0092B-C50C-407E-A947-70E740481C1C}">
                 <a14:useLocalDpi xmlns:a14="http://schemas.microsoft.com/office/drawing/2010/main" val="0"/>
@@ -6887,52 +6855,175 @@
           </a:prstGeom>
         </p:spPr>
       </p:pic>
-      <p:sp>
-        <p:nvSpPr>
-          <p:cNvPr id="10" name="Pijl: omlaag 9">
-            <a:extLst>
-              <a:ext uri="{FF2B5EF4-FFF2-40B4-BE49-F238E27FC236}">
-                <a16:creationId xmlns:a16="http://schemas.microsoft.com/office/drawing/2014/main" id="{FE5D7AB6-79B2-4190-A343-8D3B159F4C53}"/>
-              </a:ext>
-            </a:extLst>
-          </p:cNvPr>
-          <p:cNvSpPr/>
+      <p:grpSp>
+        <p:nvGrpSpPr>
+          <p:cNvPr id="4" name="Group 3">
+            <a:extLst>
+              <a:ext uri="{FF2B5EF4-FFF2-40B4-BE49-F238E27FC236}">
+                <a16:creationId xmlns:a16="http://schemas.microsoft.com/office/drawing/2014/main" id="{AB61189F-C93B-4CAA-86FC-2A7C9AF094F7}"/>
+              </a:ext>
+            </a:extLst>
+          </p:cNvPr>
+          <p:cNvGrpSpPr/>
           <p:nvPr/>
-        </p:nvSpPr>
-        <p:spPr>
+        </p:nvGrpSpPr>
+        <p:grpSpPr>
           <a:xfrm>
-            <a:off x="3156749" y="4664982"/>
-            <a:ext cx="172377" cy="413045"/>
+            <a:off x="447384" y="2862886"/>
+            <a:ext cx="5725886" cy="3817257"/>
+            <a:chOff x="447384" y="2862886"/>
+            <a:chExt cx="5725886" cy="3817257"/>
           </a:xfrm>
-          <a:prstGeom prst="downArrow">
-            <a:avLst/>
-          </a:prstGeom>
-        </p:spPr>
-        <p:style>
-          <a:lnRef idx="2">
-            <a:schemeClr val="accent1">
-              <a:shade val="50000"/>
-            </a:schemeClr>
-          </a:lnRef>
-          <a:fillRef idx="1">
-            <a:schemeClr val="accent1"/>
-          </a:fillRef>
-          <a:effectRef idx="0">
-            <a:schemeClr val="accent1"/>
-          </a:effectRef>
-          <a:fontRef idx="minor">
-            <a:schemeClr val="lt1"/>
-          </a:fontRef>
-        </p:style>
-        <p:txBody>
-          <a:bodyPr rtlCol="0" anchor="ctr"/>
-          <a:lstStyle/>
-          <a:p>
-            <a:pPr algn="ctr"/>
-            <a:endParaRPr lang="nl-NL"/>
-          </a:p>
-        </p:txBody>
-      </p:sp>
+        </p:grpSpPr>
+        <p:pic>
+          <p:nvPicPr>
+            <p:cNvPr id="5" name="Afbeelding 4">
+              <a:extLst>
+                <a:ext uri="{FF2B5EF4-FFF2-40B4-BE49-F238E27FC236}">
+                  <a16:creationId xmlns:a16="http://schemas.microsoft.com/office/drawing/2014/main" id="{5FCC45E5-4BF8-45B8-81CA-E6D24A8832AD}"/>
+                </a:ext>
+              </a:extLst>
+            </p:cNvPr>
+            <p:cNvPicPr>
+              <a:picLocks noChangeAspect="1"/>
+            </p:cNvPicPr>
+            <p:nvPr/>
+          </p:nvPicPr>
+          <p:blipFill>
+            <a:blip r:embed="rId3">
+              <a:extLst>
+                <a:ext uri="{28A0092B-C50C-407E-A947-70E740481C1C}">
+                  <a14:useLocalDpi xmlns:a14="http://schemas.microsoft.com/office/drawing/2010/main" val="0"/>
+                </a:ext>
+              </a:extLst>
+            </a:blip>
+            <a:stretch>
+              <a:fillRect/>
+            </a:stretch>
+          </p:blipFill>
+          <p:spPr>
+            <a:xfrm>
+              <a:off x="447384" y="2862886"/>
+              <a:ext cx="5725886" cy="3817257"/>
+            </a:xfrm>
+            <a:prstGeom prst="rect">
+              <a:avLst/>
+            </a:prstGeom>
+          </p:spPr>
+        </p:pic>
+        <p:sp>
+          <p:nvSpPr>
+            <p:cNvPr id="7" name="Pijl: omhoog 6">
+              <a:extLst>
+                <a:ext uri="{FF2B5EF4-FFF2-40B4-BE49-F238E27FC236}">
+                  <a16:creationId xmlns:a16="http://schemas.microsoft.com/office/drawing/2014/main" id="{B2A059C3-7F6C-4800-AD2B-5F783CA8F8F1}"/>
+                </a:ext>
+              </a:extLst>
+            </p:cNvPr>
+            <p:cNvSpPr/>
+            <p:nvPr/>
+          </p:nvSpPr>
+          <p:spPr>
+            <a:xfrm>
+              <a:off x="1669001" y="4466504"/>
+              <a:ext cx="656947" cy="1308033"/>
+            </a:xfrm>
+            <a:prstGeom prst="upArrow">
+              <a:avLst/>
+            </a:prstGeom>
+            <a:solidFill>
+              <a:srgbClr val="00B050"/>
+            </a:solidFill>
+            <a:ln>
+              <a:solidFill>
+                <a:srgbClr val="00B050"/>
+              </a:solidFill>
+            </a:ln>
+          </p:spPr>
+          <p:style>
+            <a:lnRef idx="2">
+              <a:schemeClr val="accent1">
+                <a:shade val="50000"/>
+              </a:schemeClr>
+            </a:lnRef>
+            <a:fillRef idx="1">
+              <a:schemeClr val="accent1"/>
+            </a:fillRef>
+            <a:effectRef idx="0">
+              <a:schemeClr val="accent1"/>
+            </a:effectRef>
+            <a:fontRef idx="minor">
+              <a:schemeClr val="lt1"/>
+            </a:fontRef>
+          </p:style>
+          <p:txBody>
+            <a:bodyPr rtlCol="0" anchor="ctr"/>
+            <a:lstStyle/>
+            <a:p>
+              <a:pPr algn="ctr"/>
+              <a:endParaRPr lang="nl-NL" dirty="0">
+                <a:solidFill>
+                  <a:srgbClr val="FFFF00"/>
+                </a:solidFill>
+              </a:endParaRPr>
+            </a:p>
+          </p:txBody>
+        </p:sp>
+        <p:sp>
+          <p:nvSpPr>
+            <p:cNvPr id="10" name="Pijl: omlaag 9">
+              <a:extLst>
+                <a:ext uri="{FF2B5EF4-FFF2-40B4-BE49-F238E27FC236}">
+                  <a16:creationId xmlns:a16="http://schemas.microsoft.com/office/drawing/2014/main" id="{FE5D7AB6-79B2-4190-A343-8D3B159F4C53}"/>
+                </a:ext>
+              </a:extLst>
+            </p:cNvPr>
+            <p:cNvSpPr/>
+            <p:nvPr/>
+          </p:nvSpPr>
+          <p:spPr>
+            <a:xfrm>
+              <a:off x="3156749" y="4664982"/>
+              <a:ext cx="172377" cy="413045"/>
+            </a:xfrm>
+            <a:prstGeom prst="downArrow">
+              <a:avLst/>
+            </a:prstGeom>
+            <a:solidFill>
+              <a:srgbClr val="00B050"/>
+            </a:solidFill>
+            <a:ln>
+              <a:solidFill>
+                <a:srgbClr val="00B050"/>
+              </a:solidFill>
+            </a:ln>
+          </p:spPr>
+          <p:style>
+            <a:lnRef idx="2">
+              <a:schemeClr val="accent1">
+                <a:shade val="50000"/>
+              </a:schemeClr>
+            </a:lnRef>
+            <a:fillRef idx="1">
+              <a:schemeClr val="accent1"/>
+            </a:fillRef>
+            <a:effectRef idx="0">
+              <a:schemeClr val="accent1"/>
+            </a:effectRef>
+            <a:fontRef idx="minor">
+              <a:schemeClr val="lt1"/>
+            </a:fontRef>
+          </p:style>
+          <p:txBody>
+            <a:bodyPr rtlCol="0" anchor="ctr"/>
+            <a:lstStyle/>
+            <a:p>
+              <a:pPr algn="ctr"/>
+              <a:endParaRPr lang="nl-NL"/>
+            </a:p>
+          </p:txBody>
+        </p:sp>
+      </p:grpSp>
     </p:spTree>
     <p:extLst>
       <p:ext uri="{BB962C8B-B14F-4D97-AF65-F5344CB8AC3E}">
@@ -6946,7 +7037,7 @@
 </p:sld>
 </file>
 
-<file path=ppt/slides/slide19.xml><?xml version="1.0" encoding="utf-8"?>
+<file path=ppt/slides/slide18.xml><?xml version="1.0" encoding="utf-8"?>
 <p:sld xmlns:a="http://schemas.openxmlformats.org/drawingml/2006/main" xmlns:r="http://schemas.openxmlformats.org/officeDocument/2006/relationships" xmlns:p="http://schemas.openxmlformats.org/presentationml/2006/main">
   <p:cSld>
     <p:spTree>
@@ -7437,6 +7528,90 @@
 </p:sld>
 </file>
 
+<file path=ppt/slides/slide19.xml><?xml version="1.0" encoding="utf-8"?>
+<p:sld xmlns:a="http://schemas.openxmlformats.org/drawingml/2006/main" xmlns:r="http://schemas.openxmlformats.org/officeDocument/2006/relationships" xmlns:p="http://schemas.openxmlformats.org/presentationml/2006/main">
+  <p:cSld>
+    <p:spTree>
+      <p:nvGrpSpPr>
+        <p:cNvPr id="1" name=""/>
+        <p:cNvGrpSpPr/>
+        <p:nvPr/>
+      </p:nvGrpSpPr>
+      <p:grpSpPr>
+        <a:xfrm>
+          <a:off x="0" y="0"/>
+          <a:ext cx="0" cy="0"/>
+          <a:chOff x="0" y="0"/>
+          <a:chExt cx="0" cy="0"/>
+        </a:xfrm>
+      </p:grpSpPr>
+      <p:sp>
+        <p:nvSpPr>
+          <p:cNvPr id="2" name="Titel 1">
+            <a:extLst>
+              <a:ext uri="{FF2B5EF4-FFF2-40B4-BE49-F238E27FC236}">
+                <a16:creationId xmlns:a16="http://schemas.microsoft.com/office/drawing/2014/main" id="{C5337177-A056-4861-8DC4-BC3D644ED9A8}"/>
+              </a:ext>
+            </a:extLst>
+          </p:cNvPr>
+          <p:cNvSpPr>
+            <a:spLocks noGrp="1"/>
+          </p:cNvSpPr>
+          <p:nvPr>
+            <p:ph type="title"/>
+          </p:nvPr>
+        </p:nvSpPr>
+        <p:spPr/>
+        <p:txBody>
+          <a:bodyPr/>
+          <a:lstStyle/>
+          <a:p>
+            <a:r>
+              <a:rPr lang="nl-NL" dirty="0" err="1"/>
+              <a:t>Conclusion</a:t>
+            </a:r>
+            <a:endParaRPr lang="nl-NL" dirty="0"/>
+          </a:p>
+        </p:txBody>
+      </p:sp>
+      <p:sp>
+        <p:nvSpPr>
+          <p:cNvPr id="3" name="Tijdelijke aanduiding voor inhoud 2">
+            <a:extLst>
+              <a:ext uri="{FF2B5EF4-FFF2-40B4-BE49-F238E27FC236}">
+                <a16:creationId xmlns:a16="http://schemas.microsoft.com/office/drawing/2014/main" id="{EAE007F0-E954-4FFA-97EE-0C8C43667615}"/>
+              </a:ext>
+            </a:extLst>
+          </p:cNvPr>
+          <p:cNvSpPr>
+            <a:spLocks noGrp="1"/>
+          </p:cNvSpPr>
+          <p:nvPr>
+            <p:ph idx="1"/>
+          </p:nvPr>
+        </p:nvSpPr>
+        <p:spPr/>
+        <p:txBody>
+          <a:bodyPr/>
+          <a:lstStyle/>
+          <a:p>
+            <a:endParaRPr lang="nl-NL"/>
+          </a:p>
+        </p:txBody>
+      </p:sp>
+    </p:spTree>
+    <p:extLst>
+      <p:ext uri="{BB962C8B-B14F-4D97-AF65-F5344CB8AC3E}">
+        <p14:creationId xmlns:p14="http://schemas.microsoft.com/office/powerpoint/2010/main" val="3965779813"/>
+      </p:ext>
+    </p:extLst>
+  </p:cSld>
+  <p:clrMapOvr>
+    <a:masterClrMapping/>
+  </p:clrMapOvr>
+</p:sld>
+</file>
+
 <file path=ppt/slides/slide2.xml><?xml version="1.0" encoding="utf-8"?>
 <p:sld xmlns:a="http://schemas.openxmlformats.org/drawingml/2006/main" xmlns:r="http://schemas.openxmlformats.org/officeDocument/2006/relationships" xmlns:p="http://schemas.openxmlformats.org/presentationml/2006/main">
   <p:cSld>
@@ -7545,90 +7720,6 @@
           <p:cNvPr id="2" name="Titel 1">
             <a:extLst>
               <a:ext uri="{FF2B5EF4-FFF2-40B4-BE49-F238E27FC236}">
-                <a16:creationId xmlns:a16="http://schemas.microsoft.com/office/drawing/2014/main" id="{C5337177-A056-4861-8DC4-BC3D644ED9A8}"/>
-              </a:ext>
-            </a:extLst>
-          </p:cNvPr>
-          <p:cNvSpPr>
-            <a:spLocks noGrp="1"/>
-          </p:cNvSpPr>
-          <p:nvPr>
-            <p:ph type="title"/>
-          </p:nvPr>
-        </p:nvSpPr>
-        <p:spPr/>
-        <p:txBody>
-          <a:bodyPr/>
-          <a:lstStyle/>
-          <a:p>
-            <a:r>
-              <a:rPr lang="nl-NL" dirty="0" err="1"/>
-              <a:t>Conclusion</a:t>
-            </a:r>
-            <a:endParaRPr lang="nl-NL" dirty="0"/>
-          </a:p>
-        </p:txBody>
-      </p:sp>
-      <p:sp>
-        <p:nvSpPr>
-          <p:cNvPr id="3" name="Tijdelijke aanduiding voor inhoud 2">
-            <a:extLst>
-              <a:ext uri="{FF2B5EF4-FFF2-40B4-BE49-F238E27FC236}">
-                <a16:creationId xmlns:a16="http://schemas.microsoft.com/office/drawing/2014/main" id="{EAE007F0-E954-4FFA-97EE-0C8C43667615}"/>
-              </a:ext>
-            </a:extLst>
-          </p:cNvPr>
-          <p:cNvSpPr>
-            <a:spLocks noGrp="1"/>
-          </p:cNvSpPr>
-          <p:nvPr>
-            <p:ph idx="1"/>
-          </p:nvPr>
-        </p:nvSpPr>
-        <p:spPr/>
-        <p:txBody>
-          <a:bodyPr/>
-          <a:lstStyle/>
-          <a:p>
-            <a:endParaRPr lang="nl-NL"/>
-          </a:p>
-        </p:txBody>
-      </p:sp>
-    </p:spTree>
-    <p:extLst>
-      <p:ext uri="{BB962C8B-B14F-4D97-AF65-F5344CB8AC3E}">
-        <p14:creationId xmlns:p14="http://schemas.microsoft.com/office/powerpoint/2010/main" val="3965779813"/>
-      </p:ext>
-    </p:extLst>
-  </p:cSld>
-  <p:clrMapOvr>
-    <a:masterClrMapping/>
-  </p:clrMapOvr>
-</p:sld>
-</file>
-
-<file path=ppt/slides/slide21.xml><?xml version="1.0" encoding="utf-8"?>
-<p:sld xmlns:a="http://schemas.openxmlformats.org/drawingml/2006/main" xmlns:r="http://schemas.openxmlformats.org/officeDocument/2006/relationships" xmlns:p="http://schemas.openxmlformats.org/presentationml/2006/main">
-  <p:cSld>
-    <p:spTree>
-      <p:nvGrpSpPr>
-        <p:cNvPr id="1" name=""/>
-        <p:cNvGrpSpPr/>
-        <p:nvPr/>
-      </p:nvGrpSpPr>
-      <p:grpSpPr>
-        <a:xfrm>
-          <a:off x="0" y="0"/>
-          <a:ext cx="0" cy="0"/>
-          <a:chOff x="0" y="0"/>
-          <a:chExt cx="0" cy="0"/>
-        </a:xfrm>
-      </p:grpSpPr>
-      <p:sp>
-        <p:nvSpPr>
-          <p:cNvPr id="2" name="Titel 1">
-            <a:extLst>
-              <a:ext uri="{FF2B5EF4-FFF2-40B4-BE49-F238E27FC236}">
                 <a16:creationId xmlns:a16="http://schemas.microsoft.com/office/drawing/2014/main" id="{1444FB4A-BFFA-49D1-9E2C-095DBFCEF58C}"/>
               </a:ext>
             </a:extLst>
@@ -8369,10 +8460,9 @@
           <a:p>
             <a:pPr algn="ctr"/>
             <a:r>
-              <a:rPr lang="nl-NL"/>
+              <a:rPr lang="nl-NL" dirty="0"/>
               <a:t>Mixing</a:t>
             </a:r>
-            <a:endParaRPr lang="nl-NL" dirty="0"/>
           </a:p>
         </p:txBody>
       </p:sp>
@@ -8815,7 +8905,7 @@
         </p:nvSpPr>
         <p:spPr>
           <a:xfrm>
-            <a:off x="4730229" y="4363210"/>
+            <a:off x="4739550" y="4348006"/>
             <a:ext cx="307120" cy="369332"/>
           </a:xfrm>
           <a:prstGeom prst="rect">
@@ -9594,7 +9684,7 @@
         </p:nvSpPr>
         <p:spPr>
           <a:xfrm>
-            <a:off x="9080677" y="3296873"/>
+            <a:off x="9193427" y="3606777"/>
             <a:ext cx="2035301" cy="477054"/>
           </a:xfrm>
           <a:prstGeom prst="rect">
@@ -10353,12 +10443,8 @@
           <a:lstStyle/>
           <a:p>
             <a:r>
-              <a:rPr lang="nl-NL" dirty="0" err="1"/>
-              <a:t>Observations</a:t>
-            </a:r>
-            <a:r>
-              <a:rPr lang="nl-NL" dirty="0"/>
-              <a:t> of August 26th 2010 12 UTC/GMT in Essen (Germany)</a:t>
+              <a:rPr lang="nl-NL" dirty="0"/>
+              <a:t>Observations of August 26th 2010 12 UTC/GMT in Essen, Germany</a:t>
             </a:r>
           </a:p>
           <a:p>
@@ -10612,62 +10698,6 @@
           <a:chExt cx="0" cy="0"/>
         </a:xfrm>
       </p:grpSpPr>
-      <p:pic>
-        <p:nvPicPr>
-          <p:cNvPr id="20" name="Afbeelding 19">
-            <a:extLst>
-              <a:ext uri="{FF2B5EF4-FFF2-40B4-BE49-F238E27FC236}">
-                <a16:creationId xmlns:a16="http://schemas.microsoft.com/office/drawing/2014/main" id="{28E9F2D1-5409-44A3-8CA2-449374425D85}"/>
-              </a:ext>
-            </a:extLst>
-          </p:cNvPr>
-          <p:cNvPicPr/>
-          <p:nvPr/>
-        </p:nvPicPr>
-        <p:blipFill>
-          <a:blip r:embed="rId2"/>
-          <a:stretch>
-            <a:fillRect/>
-          </a:stretch>
-        </p:blipFill>
-        <p:spPr>
-          <a:xfrm>
-            <a:off x="6250597" y="1207920"/>
-            <a:ext cx="5760000" cy="3988800"/>
-          </a:xfrm>
-          <a:prstGeom prst="rect">
-            <a:avLst/>
-          </a:prstGeom>
-        </p:spPr>
-      </p:pic>
-      <p:pic>
-        <p:nvPicPr>
-          <p:cNvPr id="18" name="Afbeelding 17">
-            <a:extLst>
-              <a:ext uri="{FF2B5EF4-FFF2-40B4-BE49-F238E27FC236}">
-                <a16:creationId xmlns:a16="http://schemas.microsoft.com/office/drawing/2014/main" id="{7600410A-5D56-4841-8991-9A64AEB73E5A}"/>
-              </a:ext>
-            </a:extLst>
-          </p:cNvPr>
-          <p:cNvPicPr/>
-          <p:nvPr/>
-        </p:nvPicPr>
-        <p:blipFill>
-          <a:blip r:embed="rId3"/>
-          <a:stretch>
-            <a:fillRect/>
-          </a:stretch>
-        </p:blipFill>
-        <p:spPr>
-          <a:xfrm>
-            <a:off x="475584" y="1346921"/>
-            <a:ext cx="5760000" cy="3852000"/>
-          </a:xfrm>
-          <a:prstGeom prst="rect">
-            <a:avLst/>
-          </a:prstGeom>
-        </p:spPr>
-      </p:pic>
       <p:sp>
         <p:nvSpPr>
           <p:cNvPr id="2" name="Titel 1">
@@ -10684,20 +10714,20 @@
             <p:ph type="title"/>
           </p:nvPr>
         </p:nvSpPr>
-        <p:spPr/>
+        <p:spPr>
+          <a:xfrm>
+            <a:off x="846433" y="-62415"/>
+            <a:ext cx="10515600" cy="1325563"/>
+          </a:xfrm>
+        </p:spPr>
         <p:txBody>
           <a:bodyPr/>
           <a:lstStyle/>
           <a:p>
             <a:r>
               <a:rPr lang="nl-NL" dirty="0"/>
-              <a:t>No </a:t>
-            </a:r>
-            <a:r>
-              <a:rPr lang="nl-NL" dirty="0" err="1"/>
-              <a:t>entrainment</a:t>
-            </a:r>
-            <a:endParaRPr lang="nl-NL" dirty="0"/>
+              <a:t>No entrainment</a:t>
+            </a:r>
           </a:p>
         </p:txBody>
       </p:sp>
@@ -10717,548 +10747,662 @@
             <p:ph idx="1"/>
           </p:nvPr>
         </p:nvSpPr>
-        <p:spPr/>
-        <p:txBody>
-          <a:bodyPr/>
-          <a:lstStyle/>
-          <a:p>
-            <a:endParaRPr lang="nl-NL" dirty="0"/>
-          </a:p>
-          <a:p>
-            <a:endParaRPr lang="nl-NL" dirty="0"/>
-          </a:p>
-          <a:p>
-            <a:endParaRPr lang="nl-NL" dirty="0"/>
-          </a:p>
-          <a:p>
-            <a:endParaRPr lang="nl-NL" dirty="0"/>
-          </a:p>
-          <a:p>
-            <a:endParaRPr lang="nl-NL" dirty="0"/>
-          </a:p>
-          <a:p>
-            <a:endParaRPr lang="nl-NL" dirty="0"/>
-          </a:p>
-          <a:p>
-            <a:endParaRPr lang="nl-NL" dirty="0"/>
-          </a:p>
-          <a:p>
-            <a:r>
-              <a:rPr lang="nl-NL" dirty="0" err="1"/>
-              <a:t>Mean</a:t>
-            </a:r>
-            <a:r>
-              <a:rPr lang="nl-NL" dirty="0"/>
-              <a:t> </a:t>
-            </a:r>
-            <a:r>
-              <a:rPr lang="nl-NL" dirty="0" err="1"/>
-              <a:t>precipitation</a:t>
-            </a:r>
-            <a:r>
-              <a:rPr lang="nl-NL" dirty="0"/>
-              <a:t> over </a:t>
-            </a:r>
-            <a:r>
-              <a:rPr lang="nl-NL" dirty="0" err="1"/>
-              <a:t>the</a:t>
-            </a:r>
-            <a:r>
-              <a:rPr lang="nl-NL" dirty="0"/>
-              <a:t> </a:t>
-            </a:r>
-            <a:r>
-              <a:rPr lang="nl-NL" dirty="0" err="1"/>
-              <a:t>final</a:t>
-            </a:r>
-            <a:r>
-              <a:rPr lang="nl-NL" dirty="0"/>
-              <a:t> area of </a:t>
-            </a:r>
-            <a:r>
-              <a:rPr lang="nl-NL" dirty="0" err="1"/>
-              <a:t>the</a:t>
-            </a:r>
-            <a:r>
-              <a:rPr lang="nl-NL" dirty="0"/>
-              <a:t> </a:t>
-            </a:r>
-            <a:r>
-              <a:rPr lang="nl-NL" dirty="0" err="1"/>
-              <a:t>parcel</a:t>
-            </a:r>
-            <a:r>
-              <a:rPr lang="nl-NL" dirty="0"/>
-              <a:t>: 6.9 mm</a:t>
-            </a:r>
-          </a:p>
-        </p:txBody>
-      </p:sp>
-      <p:cxnSp>
-        <p:nvCxnSpPr>
-          <p:cNvPr id="7" name="Rechte verbindingslijn met pijl 6">
-            <a:extLst>
-              <a:ext uri="{FF2B5EF4-FFF2-40B4-BE49-F238E27FC236}">
-                <a16:creationId xmlns:a16="http://schemas.microsoft.com/office/drawing/2014/main" id="{D4C08364-174B-44CC-86D6-42AB72A82B14}"/>
-              </a:ext>
-            </a:extLst>
-          </p:cNvPr>
-          <p:cNvCxnSpPr>
-            <a:cxnSpLocks/>
-          </p:cNvCxnSpPr>
-          <p:nvPr/>
-        </p:nvCxnSpPr>
         <p:spPr>
-          <a:xfrm flipV="1">
-            <a:off x="1657425" y="3229761"/>
-            <a:ext cx="1337445" cy="440167"/>
+          <a:xfrm>
+            <a:off x="799375" y="5660406"/>
+            <a:ext cx="10515600" cy="855603"/>
           </a:xfrm>
-          <a:prstGeom prst="straightConnector1">
-            <a:avLst/>
-          </a:prstGeom>
-          <a:ln w="57150">
-            <a:tailEnd type="triangle"/>
-          </a:ln>
         </p:spPr>
-        <p:style>
-          <a:lnRef idx="1">
-            <a:schemeClr val="accent1"/>
-          </a:lnRef>
-          <a:fillRef idx="0">
-            <a:schemeClr val="accent1"/>
-          </a:fillRef>
-          <a:effectRef idx="0">
-            <a:schemeClr val="accent1"/>
-          </a:effectRef>
-          <a:fontRef idx="minor">
-            <a:schemeClr val="tx1"/>
-          </a:fontRef>
-        </p:style>
-      </p:cxnSp>
-      <p:sp>
-        <p:nvSpPr>
-          <p:cNvPr id="10" name="Tekstvak 9">
-            <a:extLst>
-              <a:ext uri="{FF2B5EF4-FFF2-40B4-BE49-F238E27FC236}">
-                <a16:creationId xmlns:a16="http://schemas.microsoft.com/office/drawing/2014/main" id="{5DB66DD8-E646-45B4-A504-92053FBAA8E0}"/>
-              </a:ext>
-            </a:extLst>
-          </p:cNvPr>
-          <p:cNvSpPr txBox="1"/>
-          <p:nvPr/>
-        </p:nvSpPr>
-        <p:spPr>
-          <a:xfrm rot="20536432">
-            <a:off x="1614231" y="3088255"/>
-            <a:ext cx="1117614" cy="369332"/>
-          </a:xfrm>
-          <a:prstGeom prst="rect">
-            <a:avLst/>
-          </a:prstGeom>
-          <a:noFill/>
-        </p:spPr>
-        <p:txBody>
-          <a:bodyPr wrap="none" rtlCol="0">
-            <a:spAutoFit/>
+        <p:txBody>
+          <a:bodyPr>
+            <a:normAutofit fontScale="92500" lnSpcReduction="20000"/>
           </a:bodyPr>
           <a:lstStyle/>
           <a:p>
-            <a:r>
-              <a:rPr lang="nl-NL" dirty="0" err="1"/>
-              <a:t>isotherms</a:t>
-            </a:r>
+            <a:pPr marL="0" indent="0">
+              <a:buNone/>
+            </a:pPr>
             <a:endParaRPr lang="nl-NL" dirty="0"/>
           </a:p>
-        </p:txBody>
-      </p:sp>
-      <p:cxnSp>
-        <p:nvCxnSpPr>
-          <p:cNvPr id="12" name="Rechte verbindingslijn met pijl 11">
-            <a:extLst>
-              <a:ext uri="{FF2B5EF4-FFF2-40B4-BE49-F238E27FC236}">
-                <a16:creationId xmlns:a16="http://schemas.microsoft.com/office/drawing/2014/main" id="{E1F51107-6225-416E-881B-B4B75B3F9ACD}"/>
-              </a:ext>
-            </a:extLst>
-          </p:cNvPr>
-          <p:cNvCxnSpPr/>
+          <a:p>
+            <a:r>
+              <a:rPr lang="nl-NL" dirty="0"/>
+              <a:t>Mean precipitation over the final area of the parcel: 4.40 mm</a:t>
+            </a:r>
+          </a:p>
+        </p:txBody>
+      </p:sp>
+      <p:grpSp>
+        <p:nvGrpSpPr>
+          <p:cNvPr id="67" name="Group 66">
+            <a:extLst>
+              <a:ext uri="{FF2B5EF4-FFF2-40B4-BE49-F238E27FC236}">
+                <a16:creationId xmlns:a16="http://schemas.microsoft.com/office/drawing/2014/main" id="{16229D51-2C4E-4161-A300-B95E17C4B09C}"/>
+              </a:ext>
+            </a:extLst>
+          </p:cNvPr>
+          <p:cNvGrpSpPr/>
           <p:nvPr/>
-        </p:nvCxnSpPr>
-        <p:spPr>
-          <a:xfrm flipV="1">
-            <a:off x="1291905" y="2600587"/>
-            <a:ext cx="0" cy="1069341"/>
+        </p:nvGrpSpPr>
+        <p:grpSpPr>
+          <a:xfrm>
+            <a:off x="6174465" y="1513969"/>
+            <a:ext cx="5878673" cy="3931597"/>
+            <a:chOff x="6027073" y="1087104"/>
+            <a:chExt cx="5878666" cy="4071635"/>
           </a:xfrm>
-          <a:prstGeom prst="straightConnector1">
-            <a:avLst/>
-          </a:prstGeom>
-          <a:ln w="38100">
-            <a:tailEnd type="triangle"/>
-          </a:ln>
-        </p:spPr>
-        <p:style>
-          <a:lnRef idx="1">
-            <a:schemeClr val="accent1"/>
-          </a:lnRef>
-          <a:fillRef idx="0">
-            <a:schemeClr val="accent1"/>
-          </a:fillRef>
-          <a:effectRef idx="0">
-            <a:schemeClr val="accent1"/>
-          </a:effectRef>
-          <a:fontRef idx="minor">
-            <a:schemeClr val="tx1"/>
-          </a:fontRef>
-        </p:style>
-      </p:cxnSp>
-      <p:sp>
-        <p:nvSpPr>
-          <p:cNvPr id="13" name="Tekstvak 12">
-            <a:extLst>
-              <a:ext uri="{FF2B5EF4-FFF2-40B4-BE49-F238E27FC236}">
-                <a16:creationId xmlns:a16="http://schemas.microsoft.com/office/drawing/2014/main" id="{90AE1338-8324-4FE0-B499-55F66D4BF283}"/>
-              </a:ext>
-            </a:extLst>
-          </p:cNvPr>
-          <p:cNvSpPr txBox="1"/>
+        </p:grpSpPr>
+        <p:pic>
+          <p:nvPicPr>
+            <p:cNvPr id="11" name="Picture 10">
+              <a:extLst>
+                <a:ext uri="{FF2B5EF4-FFF2-40B4-BE49-F238E27FC236}">
+                  <a16:creationId xmlns:a16="http://schemas.microsoft.com/office/drawing/2014/main" id="{AFD3BEEF-0A05-4A7B-862F-1A2FD92B9B4F}"/>
+                </a:ext>
+              </a:extLst>
+            </p:cNvPr>
+            <p:cNvPicPr>
+              <a:picLocks noChangeAspect="1"/>
+            </p:cNvPicPr>
+            <p:nvPr/>
+          </p:nvPicPr>
+          <p:blipFill>
+            <a:blip r:embed="rId2">
+              <a:extLst>
+                <a:ext uri="{28A0092B-C50C-407E-A947-70E740481C1C}">
+                  <a14:useLocalDpi xmlns:a14="http://schemas.microsoft.com/office/drawing/2010/main" val="0"/>
+                </a:ext>
+              </a:extLst>
+            </a:blip>
+            <a:stretch>
+              <a:fillRect/>
+            </a:stretch>
+          </p:blipFill>
+          <p:spPr>
+            <a:xfrm>
+              <a:off x="6027073" y="1087104"/>
+              <a:ext cx="5878666" cy="4071635"/>
+            </a:xfrm>
+            <a:prstGeom prst="rect">
+              <a:avLst/>
+            </a:prstGeom>
+          </p:spPr>
+        </p:pic>
+        <p:cxnSp>
+          <p:nvCxnSpPr>
+            <p:cNvPr id="21" name="Rechte verbindingslijn met pijl 20">
+              <a:extLst>
+                <a:ext uri="{FF2B5EF4-FFF2-40B4-BE49-F238E27FC236}">
+                  <a16:creationId xmlns:a16="http://schemas.microsoft.com/office/drawing/2014/main" id="{FCD07487-9DB9-490A-BDFF-6BA641D59E0B}"/>
+                </a:ext>
+              </a:extLst>
+            </p:cNvPr>
+            <p:cNvCxnSpPr>
+              <a:cxnSpLocks/>
+            </p:cNvCxnSpPr>
+            <p:nvPr/>
+          </p:nvCxnSpPr>
+          <p:spPr>
+            <a:xfrm>
+              <a:off x="7180976" y="1699261"/>
+              <a:ext cx="1141930" cy="286749"/>
+            </a:xfrm>
+            <a:prstGeom prst="straightConnector1">
+              <a:avLst/>
+            </a:prstGeom>
+            <a:ln w="38100">
+              <a:tailEnd type="triangle"/>
+            </a:ln>
+          </p:spPr>
+          <p:style>
+            <a:lnRef idx="1">
+              <a:schemeClr val="accent1"/>
+            </a:lnRef>
+            <a:fillRef idx="0">
+              <a:schemeClr val="accent1"/>
+            </a:fillRef>
+            <a:effectRef idx="0">
+              <a:schemeClr val="accent1"/>
+            </a:effectRef>
+            <a:fontRef idx="minor">
+              <a:schemeClr val="tx1"/>
+            </a:fontRef>
+          </p:style>
+        </p:cxnSp>
+        <p:sp>
+          <p:nvSpPr>
+            <p:cNvPr id="23" name="Tekstvak 22">
+              <a:extLst>
+                <a:ext uri="{FF2B5EF4-FFF2-40B4-BE49-F238E27FC236}">
+                  <a16:creationId xmlns:a16="http://schemas.microsoft.com/office/drawing/2014/main" id="{EEA09009-03DE-4775-8EC4-2A99CA15D182}"/>
+                </a:ext>
+              </a:extLst>
+            </p:cNvPr>
+            <p:cNvSpPr txBox="1"/>
+            <p:nvPr/>
+          </p:nvSpPr>
+          <p:spPr>
+            <a:xfrm>
+              <a:off x="7304240" y="2197533"/>
+              <a:ext cx="614271" cy="369332"/>
+            </a:xfrm>
+            <a:prstGeom prst="rect">
+              <a:avLst/>
+            </a:prstGeom>
+            <a:noFill/>
+          </p:spPr>
+          <p:txBody>
+            <a:bodyPr wrap="none" rtlCol="0">
+              <a:spAutoFit/>
+            </a:bodyPr>
+            <a:lstStyle/>
+            <a:p>
+              <a:r>
+                <a:rPr lang="nl-NL" dirty="0"/>
+                <a:t>time</a:t>
+              </a:r>
+            </a:p>
+          </p:txBody>
+        </p:sp>
+        <p:cxnSp>
+          <p:nvCxnSpPr>
+            <p:cNvPr id="31" name="Rechte verbindingslijn met pijl 30">
+              <a:extLst>
+                <a:ext uri="{FF2B5EF4-FFF2-40B4-BE49-F238E27FC236}">
+                  <a16:creationId xmlns:a16="http://schemas.microsoft.com/office/drawing/2014/main" id="{F2FE7503-3AFE-4A4F-9041-6B539030A169}"/>
+                </a:ext>
+              </a:extLst>
+            </p:cNvPr>
+            <p:cNvCxnSpPr>
+              <a:cxnSpLocks/>
+            </p:cNvCxnSpPr>
+            <p:nvPr/>
+          </p:nvCxnSpPr>
+          <p:spPr>
+            <a:xfrm flipH="1">
+              <a:off x="9975916" y="3336286"/>
+              <a:ext cx="654052" cy="681842"/>
+            </a:xfrm>
+            <a:prstGeom prst="straightConnector1">
+              <a:avLst/>
+            </a:prstGeom>
+            <a:ln w="38100">
+              <a:tailEnd type="triangle"/>
+            </a:ln>
+          </p:spPr>
+          <p:style>
+            <a:lnRef idx="1">
+              <a:schemeClr val="accent2"/>
+            </a:lnRef>
+            <a:fillRef idx="0">
+              <a:schemeClr val="accent2"/>
+            </a:fillRef>
+            <a:effectRef idx="0">
+              <a:schemeClr val="accent2"/>
+            </a:effectRef>
+            <a:fontRef idx="minor">
+              <a:schemeClr val="tx1"/>
+            </a:fontRef>
+          </p:style>
+        </p:cxnSp>
+        <p:cxnSp>
+          <p:nvCxnSpPr>
+            <p:cNvPr id="36" name="Connector: Curved 35">
+              <a:extLst>
+                <a:ext uri="{FF2B5EF4-FFF2-40B4-BE49-F238E27FC236}">
+                  <a16:creationId xmlns:a16="http://schemas.microsoft.com/office/drawing/2014/main" id="{37A11698-88E0-489C-9C4D-BA7D673D7540}"/>
+                </a:ext>
+              </a:extLst>
+            </p:cNvPr>
+            <p:cNvCxnSpPr>
+              <a:cxnSpLocks/>
+            </p:cNvCxnSpPr>
+            <p:nvPr/>
+          </p:nvCxnSpPr>
+          <p:spPr>
+            <a:xfrm rot="10800000" flipV="1">
+              <a:off x="9071334" y="2601819"/>
+              <a:ext cx="934996" cy="483861"/>
+            </a:xfrm>
+            <a:prstGeom prst="curvedConnector3">
+              <a:avLst>
+                <a:gd name="adj1" fmla="val -39910"/>
+              </a:avLst>
+            </a:prstGeom>
+            <a:ln w="38100">
+              <a:tailEnd type="triangle"/>
+            </a:ln>
+          </p:spPr>
+          <p:style>
+            <a:lnRef idx="3">
+              <a:schemeClr val="accent1"/>
+            </a:lnRef>
+            <a:fillRef idx="0">
+              <a:schemeClr val="accent1"/>
+            </a:fillRef>
+            <a:effectRef idx="2">
+              <a:schemeClr val="accent1"/>
+            </a:effectRef>
+            <a:fontRef idx="minor">
+              <a:schemeClr val="tx1"/>
+            </a:fontRef>
+          </p:style>
+        </p:cxnSp>
+        <p:cxnSp>
+          <p:nvCxnSpPr>
+            <p:cNvPr id="52" name="Connector: Curved 51">
+              <a:extLst>
+                <a:ext uri="{FF2B5EF4-FFF2-40B4-BE49-F238E27FC236}">
+                  <a16:creationId xmlns:a16="http://schemas.microsoft.com/office/drawing/2014/main" id="{14989A34-F50F-48E1-9E4D-3BF32D1B597D}"/>
+                </a:ext>
+              </a:extLst>
+            </p:cNvPr>
+            <p:cNvCxnSpPr>
+              <a:cxnSpLocks/>
+            </p:cNvCxnSpPr>
+            <p:nvPr/>
+          </p:nvCxnSpPr>
+          <p:spPr>
+            <a:xfrm>
+              <a:off x="6980502" y="2778389"/>
+              <a:ext cx="1137403" cy="259473"/>
+            </a:xfrm>
+            <a:prstGeom prst="curvedConnector3">
+              <a:avLst>
+                <a:gd name="adj1" fmla="val 727"/>
+              </a:avLst>
+            </a:prstGeom>
+            <a:ln w="38100">
+              <a:tailEnd type="triangle"/>
+            </a:ln>
+          </p:spPr>
+          <p:style>
+            <a:lnRef idx="1">
+              <a:schemeClr val="accent2"/>
+            </a:lnRef>
+            <a:fillRef idx="0">
+              <a:schemeClr val="accent2"/>
+            </a:fillRef>
+            <a:effectRef idx="0">
+              <a:schemeClr val="accent2"/>
+            </a:effectRef>
+            <a:fontRef idx="minor">
+              <a:schemeClr val="tx1"/>
+            </a:fontRef>
+          </p:style>
+        </p:cxnSp>
+      </p:grpSp>
+      <p:grpSp>
+        <p:nvGrpSpPr>
+          <p:cNvPr id="74" name="Group 73">
+            <a:extLst>
+              <a:ext uri="{FF2B5EF4-FFF2-40B4-BE49-F238E27FC236}">
+                <a16:creationId xmlns:a16="http://schemas.microsoft.com/office/drawing/2014/main" id="{3B2F80E8-0B7B-4EE6-A305-DF8175BD5C20}"/>
+              </a:ext>
+            </a:extLst>
+          </p:cNvPr>
+          <p:cNvGrpSpPr/>
           <p:nvPr/>
-        </p:nvSpPr>
-        <p:spPr>
-          <a:xfrm rot="16200000">
-            <a:off x="1064682" y="3175559"/>
-            <a:ext cx="670376" cy="369332"/>
+        </p:nvGrpSpPr>
+        <p:grpSpPr>
+          <a:xfrm>
+            <a:off x="178501" y="1513969"/>
+            <a:ext cx="5878674" cy="3931597"/>
+            <a:chOff x="178501" y="1513969"/>
+            <a:chExt cx="5878674" cy="3931597"/>
           </a:xfrm>
-          <a:prstGeom prst="rect">
-            <a:avLst/>
-          </a:prstGeom>
-          <a:noFill/>
-        </p:spPr>
-        <p:txBody>
-          <a:bodyPr wrap="none" rtlCol="0">
-            <a:spAutoFit/>
-          </a:bodyPr>
-          <a:lstStyle/>
-          <a:p>
-            <a:r>
-              <a:rPr lang="nl-NL" dirty="0"/>
-              <a:t>Z (m)</a:t>
-            </a:r>
-          </a:p>
-        </p:txBody>
-      </p:sp>
-      <p:cxnSp>
-        <p:nvCxnSpPr>
-          <p:cNvPr id="16" name="Rechte verbindingslijn met pijl 15">
-            <a:extLst>
-              <a:ext uri="{FF2B5EF4-FFF2-40B4-BE49-F238E27FC236}">
-                <a16:creationId xmlns:a16="http://schemas.microsoft.com/office/drawing/2014/main" id="{4516B7C9-70F2-44C0-99FB-9B50B4ED2D65}"/>
-              </a:ext>
-            </a:extLst>
-          </p:cNvPr>
-          <p:cNvCxnSpPr>
-            <a:cxnSpLocks/>
-          </p:cNvCxnSpPr>
-          <p:nvPr/>
-        </p:nvCxnSpPr>
-        <p:spPr>
-          <a:xfrm flipV="1">
-            <a:off x="2902591" y="4471333"/>
-            <a:ext cx="880844" cy="276836"/>
-          </a:xfrm>
-          <a:prstGeom prst="straightConnector1">
-            <a:avLst/>
-          </a:prstGeom>
-          <a:ln w="38100">
-            <a:tailEnd type="triangle"/>
-          </a:ln>
-        </p:spPr>
-        <p:style>
-          <a:lnRef idx="1">
-            <a:schemeClr val="accent1"/>
-          </a:lnRef>
-          <a:fillRef idx="0">
-            <a:schemeClr val="accent1"/>
-          </a:fillRef>
-          <a:effectRef idx="0">
-            <a:schemeClr val="accent1"/>
-          </a:effectRef>
-          <a:fontRef idx="minor">
-            <a:schemeClr val="tx1"/>
-          </a:fontRef>
-        </p:style>
-      </p:cxnSp>
-      <p:sp>
-        <p:nvSpPr>
-          <p:cNvPr id="19" name="Tekstvak 18">
-            <a:extLst>
-              <a:ext uri="{FF2B5EF4-FFF2-40B4-BE49-F238E27FC236}">
-                <a16:creationId xmlns:a16="http://schemas.microsoft.com/office/drawing/2014/main" id="{8F930C24-6994-45E2-8199-4B6439C5D1B8}"/>
-              </a:ext>
-            </a:extLst>
-          </p:cNvPr>
-          <p:cNvSpPr txBox="1"/>
-          <p:nvPr/>
-        </p:nvSpPr>
-        <p:spPr>
-          <a:xfrm rot="20453860">
-            <a:off x="3028249" y="4425084"/>
-            <a:ext cx="556563" cy="369332"/>
-          </a:xfrm>
-          <a:prstGeom prst="rect">
-            <a:avLst/>
-          </a:prstGeom>
-          <a:noFill/>
-        </p:spPr>
-        <p:txBody>
-          <a:bodyPr wrap="none" rtlCol="0">
-            <a:spAutoFit/>
-          </a:bodyPr>
-          <a:lstStyle/>
-          <a:p>
-            <a:r>
-              <a:rPr lang="nl-NL" dirty="0"/>
-              <a:t>0 °C</a:t>
-            </a:r>
-          </a:p>
-        </p:txBody>
-      </p:sp>
-      <p:cxnSp>
-        <p:nvCxnSpPr>
-          <p:cNvPr id="21" name="Rechte verbindingslijn met pijl 20">
-            <a:extLst>
-              <a:ext uri="{FF2B5EF4-FFF2-40B4-BE49-F238E27FC236}">
-                <a16:creationId xmlns:a16="http://schemas.microsoft.com/office/drawing/2014/main" id="{FCD07487-9DB9-490A-BDFF-6BA641D59E0B}"/>
-              </a:ext>
-            </a:extLst>
-          </p:cNvPr>
-          <p:cNvCxnSpPr>
-            <a:cxnSpLocks/>
-          </p:cNvCxnSpPr>
-          <p:nvPr/>
-        </p:nvCxnSpPr>
-        <p:spPr>
-          <a:xfrm>
-            <a:off x="7180976" y="1699261"/>
-            <a:ext cx="1141930" cy="286749"/>
-          </a:xfrm>
-          <a:prstGeom prst="straightConnector1">
-            <a:avLst/>
-          </a:prstGeom>
-          <a:ln w="38100">
-            <a:tailEnd type="triangle"/>
-          </a:ln>
-        </p:spPr>
-        <p:style>
-          <a:lnRef idx="1">
-            <a:schemeClr val="accent1"/>
-          </a:lnRef>
-          <a:fillRef idx="0">
-            <a:schemeClr val="accent1"/>
-          </a:fillRef>
-          <a:effectRef idx="0">
-            <a:schemeClr val="accent1"/>
-          </a:effectRef>
-          <a:fontRef idx="minor">
-            <a:schemeClr val="tx1"/>
-          </a:fontRef>
-        </p:style>
-      </p:cxnSp>
-      <p:sp>
-        <p:nvSpPr>
-          <p:cNvPr id="23" name="Tekstvak 22">
-            <a:extLst>
-              <a:ext uri="{FF2B5EF4-FFF2-40B4-BE49-F238E27FC236}">
-                <a16:creationId xmlns:a16="http://schemas.microsoft.com/office/drawing/2014/main" id="{EEA09009-03DE-4775-8EC4-2A99CA15D182}"/>
-              </a:ext>
-            </a:extLst>
-          </p:cNvPr>
-          <p:cNvSpPr txBox="1"/>
-          <p:nvPr/>
-        </p:nvSpPr>
-        <p:spPr>
-          <a:xfrm rot="806772">
-            <a:off x="7634873" y="1564590"/>
-            <a:ext cx="614271" cy="369332"/>
-          </a:xfrm>
-          <a:prstGeom prst="rect">
-            <a:avLst/>
-          </a:prstGeom>
-          <a:noFill/>
-        </p:spPr>
-        <p:txBody>
-          <a:bodyPr wrap="none" rtlCol="0">
-            <a:spAutoFit/>
-          </a:bodyPr>
-          <a:lstStyle/>
-          <a:p>
-            <a:r>
-              <a:rPr lang="nl-NL" dirty="0"/>
-              <a:t>time</a:t>
-            </a:r>
-          </a:p>
-        </p:txBody>
-      </p:sp>
-      <p:cxnSp>
-        <p:nvCxnSpPr>
-          <p:cNvPr id="26" name="Rechte verbindingslijn met pijl 25">
-            <a:extLst>
-              <a:ext uri="{FF2B5EF4-FFF2-40B4-BE49-F238E27FC236}">
-                <a16:creationId xmlns:a16="http://schemas.microsoft.com/office/drawing/2014/main" id="{0FB85C4A-D1D6-42BD-B9F1-9B2FE89F2432}"/>
-              </a:ext>
-            </a:extLst>
-          </p:cNvPr>
-          <p:cNvCxnSpPr>
-            <a:cxnSpLocks/>
-          </p:cNvCxnSpPr>
-          <p:nvPr/>
-        </p:nvCxnSpPr>
-        <p:spPr>
-          <a:xfrm>
-            <a:off x="10403633" y="2533483"/>
-            <a:ext cx="496462" cy="219048"/>
-          </a:xfrm>
-          <a:prstGeom prst="straightConnector1">
-            <a:avLst/>
-          </a:prstGeom>
-          <a:ln w="38100">
-            <a:tailEnd type="triangle"/>
-          </a:ln>
-        </p:spPr>
-        <p:style>
-          <a:lnRef idx="1">
-            <a:schemeClr val="accent1"/>
-          </a:lnRef>
-          <a:fillRef idx="0">
-            <a:schemeClr val="accent1"/>
-          </a:fillRef>
-          <a:effectRef idx="0">
-            <a:schemeClr val="accent1"/>
-          </a:effectRef>
-          <a:fontRef idx="minor">
-            <a:schemeClr val="tx1"/>
-          </a:fontRef>
-        </p:style>
-      </p:cxnSp>
-      <p:cxnSp>
-        <p:nvCxnSpPr>
-          <p:cNvPr id="28" name="Rechte verbindingslijn met pijl 27">
-            <a:extLst>
-              <a:ext uri="{FF2B5EF4-FFF2-40B4-BE49-F238E27FC236}">
-                <a16:creationId xmlns:a16="http://schemas.microsoft.com/office/drawing/2014/main" id="{65BDB741-4717-49A8-A230-F18F74E7905F}"/>
-              </a:ext>
-            </a:extLst>
-          </p:cNvPr>
-          <p:cNvCxnSpPr>
-            <a:cxnSpLocks/>
-          </p:cNvCxnSpPr>
-          <p:nvPr/>
-        </p:nvCxnSpPr>
-        <p:spPr>
-          <a:xfrm flipH="1">
-            <a:off x="8850385" y="3135257"/>
-            <a:ext cx="1684190" cy="15931"/>
-          </a:xfrm>
-          <a:prstGeom prst="straightConnector1">
-            <a:avLst/>
-          </a:prstGeom>
-          <a:ln w="38100">
-            <a:tailEnd type="triangle"/>
-          </a:ln>
-        </p:spPr>
-        <p:style>
-          <a:lnRef idx="1">
-            <a:schemeClr val="accent1"/>
-          </a:lnRef>
-          <a:fillRef idx="0">
-            <a:schemeClr val="accent1"/>
-          </a:fillRef>
-          <a:effectRef idx="0">
-            <a:schemeClr val="accent1"/>
-          </a:effectRef>
-          <a:fontRef idx="minor">
-            <a:schemeClr val="tx1"/>
-          </a:fontRef>
-        </p:style>
-      </p:cxnSp>
-      <p:cxnSp>
-        <p:nvCxnSpPr>
-          <p:cNvPr id="30" name="Rechte verbindingslijn met pijl 29">
-            <a:extLst>
-              <a:ext uri="{FF2B5EF4-FFF2-40B4-BE49-F238E27FC236}">
-                <a16:creationId xmlns:a16="http://schemas.microsoft.com/office/drawing/2014/main" id="{2CAFA677-30B3-4909-846E-1B9ECF7B1BFB}"/>
-              </a:ext>
-            </a:extLst>
-          </p:cNvPr>
-          <p:cNvCxnSpPr/>
-          <p:nvPr/>
-        </p:nvCxnSpPr>
-        <p:spPr>
-          <a:xfrm>
-            <a:off x="6883682" y="2827263"/>
-            <a:ext cx="226503" cy="199239"/>
-          </a:xfrm>
-          <a:prstGeom prst="straightConnector1">
-            <a:avLst/>
-          </a:prstGeom>
-          <a:ln w="38100">
-            <a:tailEnd type="triangle"/>
-          </a:ln>
-        </p:spPr>
-        <p:style>
-          <a:lnRef idx="1">
-            <a:schemeClr val="accent2"/>
-          </a:lnRef>
-          <a:fillRef idx="0">
-            <a:schemeClr val="accent2"/>
-          </a:fillRef>
-          <a:effectRef idx="0">
-            <a:schemeClr val="accent2"/>
-          </a:effectRef>
-          <a:fontRef idx="minor">
-            <a:schemeClr val="tx1"/>
-          </a:fontRef>
-        </p:style>
-      </p:cxnSp>
-      <p:cxnSp>
-        <p:nvCxnSpPr>
-          <p:cNvPr id="31" name="Rechte verbindingslijn met pijl 30">
-            <a:extLst>
-              <a:ext uri="{FF2B5EF4-FFF2-40B4-BE49-F238E27FC236}">
-                <a16:creationId xmlns:a16="http://schemas.microsoft.com/office/drawing/2014/main" id="{F2FE7503-3AFE-4A4F-9041-6B539030A169}"/>
-              </a:ext>
-            </a:extLst>
-          </p:cNvPr>
-          <p:cNvCxnSpPr>
-            <a:cxnSpLocks/>
-          </p:cNvCxnSpPr>
-          <p:nvPr/>
-        </p:nvCxnSpPr>
-        <p:spPr>
-          <a:xfrm flipH="1">
-            <a:off x="9825135" y="3533914"/>
-            <a:ext cx="429208" cy="467380"/>
-          </a:xfrm>
-          <a:prstGeom prst="straightConnector1">
-            <a:avLst/>
-          </a:prstGeom>
-          <a:ln w="38100">
-            <a:tailEnd type="triangle"/>
-          </a:ln>
-        </p:spPr>
-        <p:style>
-          <a:lnRef idx="1">
-            <a:schemeClr val="accent2"/>
-          </a:lnRef>
-          <a:fillRef idx="0">
-            <a:schemeClr val="accent2"/>
-          </a:fillRef>
-          <a:effectRef idx="0">
-            <a:schemeClr val="accent2"/>
-          </a:effectRef>
-          <a:fontRef idx="minor">
-            <a:schemeClr val="tx1"/>
-          </a:fontRef>
-        </p:style>
-      </p:cxnSp>
+        </p:grpSpPr>
+        <p:pic>
+          <p:nvPicPr>
+            <p:cNvPr id="5" name="Picture 4">
+              <a:extLst>
+                <a:ext uri="{FF2B5EF4-FFF2-40B4-BE49-F238E27FC236}">
+                  <a16:creationId xmlns:a16="http://schemas.microsoft.com/office/drawing/2014/main" id="{2D775819-6A4D-4E9B-A743-E7B3A6BDC17B}"/>
+                </a:ext>
+              </a:extLst>
+            </p:cNvPr>
+            <p:cNvPicPr>
+              <a:picLocks noChangeAspect="1"/>
+            </p:cNvPicPr>
+            <p:nvPr/>
+          </p:nvPicPr>
+          <p:blipFill>
+            <a:blip r:embed="rId3">
+              <a:extLst>
+                <a:ext uri="{28A0092B-C50C-407E-A947-70E740481C1C}">
+                  <a14:useLocalDpi xmlns:a14="http://schemas.microsoft.com/office/drawing/2010/main" val="0"/>
+                </a:ext>
+              </a:extLst>
+            </a:blip>
+            <a:stretch>
+              <a:fillRect/>
+            </a:stretch>
+          </p:blipFill>
+          <p:spPr>
+            <a:xfrm>
+              <a:off x="178501" y="1513969"/>
+              <a:ext cx="5878674" cy="3931597"/>
+            </a:xfrm>
+            <a:prstGeom prst="rect">
+              <a:avLst/>
+            </a:prstGeom>
+          </p:spPr>
+        </p:pic>
+        <p:cxnSp>
+          <p:nvCxnSpPr>
+            <p:cNvPr id="7" name="Rechte verbindingslijn met pijl 6">
+              <a:extLst>
+                <a:ext uri="{FF2B5EF4-FFF2-40B4-BE49-F238E27FC236}">
+                  <a16:creationId xmlns:a16="http://schemas.microsoft.com/office/drawing/2014/main" id="{D4C08364-174B-44CC-86D6-42AB72A82B14}"/>
+                </a:ext>
+              </a:extLst>
+            </p:cNvPr>
+            <p:cNvCxnSpPr>
+              <a:cxnSpLocks/>
+            </p:cNvCxnSpPr>
+            <p:nvPr/>
+          </p:nvCxnSpPr>
+          <p:spPr>
+            <a:xfrm flipV="1">
+              <a:off x="1810482" y="3652726"/>
+              <a:ext cx="1129922" cy="371869"/>
+            </a:xfrm>
+            <a:prstGeom prst="straightConnector1">
+              <a:avLst/>
+            </a:prstGeom>
+            <a:ln w="57150">
+              <a:solidFill>
+                <a:srgbClr val="FFFF00"/>
+              </a:solidFill>
+              <a:tailEnd type="triangle"/>
+            </a:ln>
+          </p:spPr>
+          <p:style>
+            <a:lnRef idx="1">
+              <a:schemeClr val="accent1"/>
+            </a:lnRef>
+            <a:fillRef idx="0">
+              <a:schemeClr val="accent1"/>
+            </a:fillRef>
+            <a:effectRef idx="0">
+              <a:schemeClr val="accent1"/>
+            </a:effectRef>
+            <a:fontRef idx="minor">
+              <a:schemeClr val="tx1"/>
+            </a:fontRef>
+          </p:style>
+        </p:cxnSp>
+        <p:sp>
+          <p:nvSpPr>
+            <p:cNvPr id="10" name="Tekstvak 9">
+              <a:extLst>
+                <a:ext uri="{FF2B5EF4-FFF2-40B4-BE49-F238E27FC236}">
+                  <a16:creationId xmlns:a16="http://schemas.microsoft.com/office/drawing/2014/main" id="{5DB66DD8-E646-45B4-A504-92053FBAA8E0}"/>
+                </a:ext>
+              </a:extLst>
+            </p:cNvPr>
+            <p:cNvSpPr txBox="1"/>
+            <p:nvPr/>
+          </p:nvSpPr>
+          <p:spPr>
+            <a:xfrm rot="20536432">
+              <a:off x="1773991" y="3533176"/>
+              <a:ext cx="944201" cy="312025"/>
+            </a:xfrm>
+            <a:prstGeom prst="rect">
+              <a:avLst/>
+            </a:prstGeom>
+            <a:noFill/>
+          </p:spPr>
+          <p:txBody>
+            <a:bodyPr wrap="none" rtlCol="0">
+              <a:spAutoFit/>
+            </a:bodyPr>
+            <a:lstStyle/>
+            <a:p>
+              <a:r>
+                <a:rPr lang="nl-NL" dirty="0"/>
+                <a:t>isotherms</a:t>
+              </a:r>
+            </a:p>
+          </p:txBody>
+        </p:sp>
+        <p:cxnSp>
+          <p:nvCxnSpPr>
+            <p:cNvPr id="12" name="Rechte verbindingslijn met pijl 11">
+              <a:extLst>
+                <a:ext uri="{FF2B5EF4-FFF2-40B4-BE49-F238E27FC236}">
+                  <a16:creationId xmlns:a16="http://schemas.microsoft.com/office/drawing/2014/main" id="{E1F51107-6225-416E-881B-B4B75B3F9ACD}"/>
+                </a:ext>
+              </a:extLst>
+            </p:cNvPr>
+            <p:cNvCxnSpPr/>
+            <p:nvPr/>
+          </p:nvCxnSpPr>
+          <p:spPr>
+            <a:xfrm flipV="1">
+              <a:off x="1125801" y="3480482"/>
+              <a:ext cx="0" cy="903418"/>
+            </a:xfrm>
+            <a:prstGeom prst="straightConnector1">
+              <a:avLst/>
+            </a:prstGeom>
+            <a:ln w="38100">
+              <a:solidFill>
+                <a:srgbClr val="FFFF00"/>
+              </a:solidFill>
+              <a:tailEnd type="triangle"/>
+            </a:ln>
+          </p:spPr>
+          <p:style>
+            <a:lnRef idx="1">
+              <a:schemeClr val="accent1"/>
+            </a:lnRef>
+            <a:fillRef idx="0">
+              <a:schemeClr val="accent1"/>
+            </a:fillRef>
+            <a:effectRef idx="0">
+              <a:schemeClr val="accent1"/>
+            </a:effectRef>
+            <a:fontRef idx="minor">
+              <a:schemeClr val="tx1"/>
+            </a:fontRef>
+          </p:style>
+        </p:cxnSp>
+        <p:sp>
+          <p:nvSpPr>
+            <p:cNvPr id="13" name="Tekstvak 12">
+              <a:extLst>
+                <a:ext uri="{FF2B5EF4-FFF2-40B4-BE49-F238E27FC236}">
+                  <a16:creationId xmlns:a16="http://schemas.microsoft.com/office/drawing/2014/main" id="{90AE1338-8324-4FE0-B499-55F66D4BF283}"/>
+                </a:ext>
+              </a:extLst>
+            </p:cNvPr>
+            <p:cNvSpPr txBox="1"/>
+            <p:nvPr/>
+          </p:nvSpPr>
+          <p:spPr>
+            <a:xfrm rot="16200000">
+              <a:off x="998161" y="3932134"/>
+              <a:ext cx="566358" cy="312025"/>
+            </a:xfrm>
+            <a:prstGeom prst="rect">
+              <a:avLst/>
+            </a:prstGeom>
+            <a:noFill/>
+          </p:spPr>
+          <p:txBody>
+            <a:bodyPr wrap="none" rtlCol="0">
+              <a:spAutoFit/>
+            </a:bodyPr>
+            <a:lstStyle/>
+            <a:p>
+              <a:r>
+                <a:rPr lang="nl-NL" dirty="0"/>
+                <a:t>Z (m)</a:t>
+              </a:r>
+            </a:p>
+          </p:txBody>
+        </p:sp>
+        <p:cxnSp>
+          <p:nvCxnSpPr>
+            <p:cNvPr id="16" name="Rechte verbindingslijn met pijl 15">
+              <a:extLst>
+                <a:ext uri="{FF2B5EF4-FFF2-40B4-BE49-F238E27FC236}">
+                  <a16:creationId xmlns:a16="http://schemas.microsoft.com/office/drawing/2014/main" id="{4516B7C9-70F2-44C0-99FB-9B50B4ED2D65}"/>
+                </a:ext>
+              </a:extLst>
+            </p:cNvPr>
+            <p:cNvCxnSpPr>
+              <a:cxnSpLocks/>
+            </p:cNvCxnSpPr>
+            <p:nvPr/>
+          </p:nvCxnSpPr>
+          <p:spPr>
+            <a:xfrm flipV="1">
+              <a:off x="2831621" y="4701650"/>
+              <a:ext cx="744169" cy="233881"/>
+            </a:xfrm>
+            <a:prstGeom prst="straightConnector1">
+              <a:avLst/>
+            </a:prstGeom>
+            <a:ln w="38100">
+              <a:solidFill>
+                <a:srgbClr val="FFFF00"/>
+              </a:solidFill>
+              <a:tailEnd type="triangle"/>
+            </a:ln>
+          </p:spPr>
+          <p:style>
+            <a:lnRef idx="1">
+              <a:schemeClr val="accent1"/>
+            </a:lnRef>
+            <a:fillRef idx="0">
+              <a:schemeClr val="accent1"/>
+            </a:fillRef>
+            <a:effectRef idx="0">
+              <a:schemeClr val="accent1"/>
+            </a:effectRef>
+            <a:fontRef idx="minor">
+              <a:schemeClr val="tx1"/>
+            </a:fontRef>
+          </p:style>
+        </p:cxnSp>
+        <p:sp>
+          <p:nvSpPr>
+            <p:cNvPr id="19" name="Tekstvak 18">
+              <a:extLst>
+                <a:ext uri="{FF2B5EF4-FFF2-40B4-BE49-F238E27FC236}">
+                  <a16:creationId xmlns:a16="http://schemas.microsoft.com/office/drawing/2014/main" id="{8F930C24-6994-45E2-8199-4B6439C5D1B8}"/>
+                </a:ext>
+              </a:extLst>
+            </p:cNvPr>
+            <p:cNvSpPr txBox="1"/>
+            <p:nvPr/>
+          </p:nvSpPr>
+          <p:spPr>
+            <a:xfrm rot="20453860">
+              <a:off x="2882735" y="4555158"/>
+              <a:ext cx="470205" cy="312025"/>
+            </a:xfrm>
+            <a:prstGeom prst="rect">
+              <a:avLst/>
+            </a:prstGeom>
+            <a:noFill/>
+          </p:spPr>
+          <p:txBody>
+            <a:bodyPr wrap="none" rtlCol="0">
+              <a:spAutoFit/>
+            </a:bodyPr>
+            <a:lstStyle/>
+            <a:p>
+              <a:r>
+                <a:rPr lang="nl-NL" dirty="0"/>
+                <a:t>0 °C</a:t>
+              </a:r>
+            </a:p>
+          </p:txBody>
+        </p:sp>
+        <p:cxnSp>
+          <p:nvCxnSpPr>
+            <p:cNvPr id="70" name="Connector: Curved 69">
+              <a:extLst>
+                <a:ext uri="{FF2B5EF4-FFF2-40B4-BE49-F238E27FC236}">
+                  <a16:creationId xmlns:a16="http://schemas.microsoft.com/office/drawing/2014/main" id="{B16D4925-91BC-4307-8C05-4D0707AA5200}"/>
+                </a:ext>
+              </a:extLst>
+            </p:cNvPr>
+            <p:cNvCxnSpPr/>
+            <p:nvPr/>
+          </p:nvCxnSpPr>
+          <p:spPr>
+            <a:xfrm rot="16200000" flipV="1">
+              <a:off x="5129378" y="4485558"/>
+              <a:ext cx="513635" cy="152429"/>
+            </a:xfrm>
+            <a:prstGeom prst="curvedConnector3">
+              <a:avLst>
+                <a:gd name="adj1" fmla="val 1186"/>
+              </a:avLst>
+            </a:prstGeom>
+            <a:ln w="38100">
+              <a:solidFill>
+                <a:srgbClr val="FFFF00"/>
+              </a:solidFill>
+              <a:tailEnd type="triangle"/>
+            </a:ln>
+          </p:spPr>
+          <p:style>
+            <a:lnRef idx="1">
+              <a:schemeClr val="accent1"/>
+            </a:lnRef>
+            <a:fillRef idx="0">
+              <a:schemeClr val="accent1"/>
+            </a:fillRef>
+            <a:effectRef idx="0">
+              <a:schemeClr val="accent1"/>
+            </a:effectRef>
+            <a:fontRef idx="minor">
+              <a:schemeClr val="tx1"/>
+            </a:fontRef>
+          </p:style>
+        </p:cxnSp>
+        <p:sp>
+          <p:nvSpPr>
+            <p:cNvPr id="73" name="Tekstvak 22">
+              <a:extLst>
+                <a:ext uri="{FF2B5EF4-FFF2-40B4-BE49-F238E27FC236}">
+                  <a16:creationId xmlns:a16="http://schemas.microsoft.com/office/drawing/2014/main" id="{AAE333A6-A813-42BE-B347-427D7959BCF9}"/>
+                </a:ext>
+              </a:extLst>
+            </p:cNvPr>
+            <p:cNvSpPr txBox="1"/>
+            <p:nvPr/>
+          </p:nvSpPr>
+          <p:spPr>
+            <a:xfrm>
+              <a:off x="5324604" y="4377106"/>
+              <a:ext cx="614271" cy="369332"/>
+            </a:xfrm>
+            <a:prstGeom prst="rect">
+              <a:avLst/>
+            </a:prstGeom>
+            <a:noFill/>
+          </p:spPr>
+          <p:txBody>
+            <a:bodyPr wrap="none" rtlCol="0">
+              <a:spAutoFit/>
+            </a:bodyPr>
+            <a:lstStyle/>
+            <a:p>
+              <a:r>
+                <a:rPr lang="nl-NL" dirty="0"/>
+                <a:t>time</a:t>
+              </a:r>
+            </a:p>
+          </p:txBody>
+        </p:sp>
+      </p:grpSp>
     </p:spTree>
     <p:extLst>
       <p:ext uri="{BB962C8B-B14F-4D97-AF65-F5344CB8AC3E}">
@@ -11289,79 +11433,145 @@
           <a:chExt cx="0" cy="0"/>
         </a:xfrm>
       </p:grpSpPr>
-      <p:pic>
-        <p:nvPicPr>
-          <p:cNvPr id="35" name="Afbeelding 34">
-            <a:extLst>
-              <a:ext uri="{FF2B5EF4-FFF2-40B4-BE49-F238E27FC236}">
-                <a16:creationId xmlns:a16="http://schemas.microsoft.com/office/drawing/2014/main" id="{793871C7-6CBD-47AA-958C-FD0F33D4F7A1}"/>
-              </a:ext>
-            </a:extLst>
-          </p:cNvPr>
-          <p:cNvPicPr/>
-          <p:nvPr/>
-        </p:nvPicPr>
-        <p:blipFill>
-          <a:blip r:embed="rId2"/>
-          <a:stretch>
-            <a:fillRect/>
-          </a:stretch>
-        </p:blipFill>
-        <p:spPr>
-          <a:xfrm>
-            <a:off x="458943" y="1332057"/>
-            <a:ext cx="5760000" cy="3852000"/>
-          </a:xfrm>
-          <a:prstGeom prst="rect">
-            <a:avLst/>
-          </a:prstGeom>
-        </p:spPr>
-      </p:pic>
-      <p:sp>
-        <p:nvSpPr>
-          <p:cNvPr id="2" name="Titel 1">
-            <a:extLst>
-              <a:ext uri="{FF2B5EF4-FFF2-40B4-BE49-F238E27FC236}">
-                <a16:creationId xmlns:a16="http://schemas.microsoft.com/office/drawing/2014/main" id="{161AFC62-FD0A-4F8D-A092-71BC83987BE7}"/>
-              </a:ext>
-            </a:extLst>
-          </p:cNvPr>
-          <p:cNvSpPr>
-            <a:spLocks noGrp="1"/>
-          </p:cNvSpPr>
-          <p:nvPr>
-            <p:ph type="title"/>
-          </p:nvPr>
-        </p:nvSpPr>
-        <p:spPr/>
-        <p:txBody>
-          <a:bodyPr/>
-          <a:lstStyle/>
-          <a:p>
-            <a:r>
-              <a:rPr lang="nl-NL" dirty="0"/>
-              <a:t>Constant </a:t>
-            </a:r>
-            <a:r>
-              <a:rPr lang="nl-NL" dirty="0" err="1"/>
-              <a:t>entrainment</a:t>
-            </a:r>
-            <a:r>
-              <a:rPr lang="nl-NL" dirty="0"/>
-              <a:t>, </a:t>
-            </a:r>
-            <a:r>
-              <a:rPr lang="el-GR" dirty="0"/>
-              <a:t>μ</a:t>
-            </a:r>
-            <a:r>
-              <a:rPr lang="nl-NL" sz="2600" dirty="0"/>
-              <a:t>0</a:t>
-            </a:r>
-            <a:endParaRPr lang="nl-NL" dirty="0"/>
-          </a:p>
-        </p:txBody>
-      </p:sp>
+      <mc:AlternateContent xmlns:mc="http://schemas.openxmlformats.org/markup-compatibility/2006">
+        <mc:Choice xmlns:a14="http://schemas.microsoft.com/office/drawing/2010/main" Requires="a14">
+          <p:sp>
+            <p:nvSpPr>
+              <p:cNvPr id="2" name="Titel 1">
+                <a:extLst>
+                  <a:ext uri="{FF2B5EF4-FFF2-40B4-BE49-F238E27FC236}">
+                    <a16:creationId xmlns:a16="http://schemas.microsoft.com/office/drawing/2014/main" id="{161AFC62-FD0A-4F8D-A092-71BC83987BE7}"/>
+                  </a:ext>
+                </a:extLst>
+              </p:cNvPr>
+              <p:cNvSpPr>
+                <a:spLocks noGrp="1"/>
+              </p:cNvSpPr>
+              <p:nvPr>
+                <p:ph type="title"/>
+              </p:nvPr>
+            </p:nvSpPr>
+            <p:spPr/>
+            <p:txBody>
+              <a:bodyPr/>
+              <a:lstStyle/>
+              <a:p>
+                <a:r>
+                  <a:rPr lang="nl-NL" dirty="0"/>
+                  <a:t>Constant entrainment </a:t>
+                </a:r>
+                <a14:m>
+                  <m:oMath xmlns:m="http://schemas.openxmlformats.org/officeDocument/2006/math">
+                    <m:sSub>
+                      <m:sSubPr>
+                        <m:ctrlPr>
+                          <a:rPr lang="nl-NL" i="1">
+                            <a:latin typeface="Cambria Math" panose="02040503050406030204" pitchFamily="18" charset="0"/>
+                            <a:ea typeface="Cambria Math" panose="02040503050406030204" pitchFamily="18" charset="0"/>
+                          </a:rPr>
+                        </m:ctrlPr>
+                      </m:sSubPr>
+                      <m:e>
+                        <m:r>
+                          <a:rPr lang="nl-NL" i="1">
+                            <a:latin typeface="Cambria Math" panose="02040503050406030204" pitchFamily="18" charset="0"/>
+                            <a:ea typeface="Cambria Math" panose="02040503050406030204" pitchFamily="18" charset="0"/>
+                          </a:rPr>
+                          <m:t>𝜇</m:t>
+                        </m:r>
+                      </m:e>
+                      <m:sub>
+                        <m:r>
+                          <a:rPr lang="en-US" i="1">
+                            <a:latin typeface="Cambria Math" panose="02040503050406030204" pitchFamily="18" charset="0"/>
+                            <a:ea typeface="Cambria Math" panose="02040503050406030204" pitchFamily="18" charset="0"/>
+                          </a:rPr>
+                          <m:t>0</m:t>
+                        </m:r>
+                      </m:sub>
+                    </m:sSub>
+                    <m:r>
+                      <a:rPr lang="en-US" b="0" i="1" smtClean="0">
+                        <a:latin typeface="Cambria Math" panose="02040503050406030204" pitchFamily="18" charset="0"/>
+                        <a:ea typeface="Cambria Math" panose="02040503050406030204" pitchFamily="18" charset="0"/>
+                      </a:rPr>
+                      <m:t>=5×</m:t>
+                    </m:r>
+                    <m:sSup>
+                      <m:sSupPr>
+                        <m:ctrlPr>
+                          <a:rPr lang="en-US" b="0" i="1" smtClean="0">
+                            <a:latin typeface="Cambria Math" panose="02040503050406030204" pitchFamily="18" charset="0"/>
+                            <a:ea typeface="Cambria Math" panose="02040503050406030204" pitchFamily="18" charset="0"/>
+                          </a:rPr>
+                        </m:ctrlPr>
+                      </m:sSupPr>
+                      <m:e>
+                        <m:r>
+                          <a:rPr lang="en-US" b="0" i="1" smtClean="0">
+                            <a:latin typeface="Cambria Math" panose="02040503050406030204" pitchFamily="18" charset="0"/>
+                            <a:ea typeface="Cambria Math" panose="02040503050406030204" pitchFamily="18" charset="0"/>
+                          </a:rPr>
+                          <m:t>10</m:t>
+                        </m:r>
+                      </m:e>
+                      <m:sup>
+                        <m:r>
+                          <a:rPr lang="en-US" b="0" i="1" smtClean="0">
+                            <a:latin typeface="Cambria Math" panose="02040503050406030204" pitchFamily="18" charset="0"/>
+                            <a:ea typeface="Cambria Math" panose="02040503050406030204" pitchFamily="18" charset="0"/>
+                          </a:rPr>
+                          <m:t>−5</m:t>
+                        </m:r>
+                      </m:sup>
+                    </m:sSup>
+                  </m:oMath>
+                </a14:m>
+                <a:endParaRPr lang="nl-NL" dirty="0"/>
+              </a:p>
+            </p:txBody>
+          </p:sp>
+        </mc:Choice>
+        <mc:Fallback>
+          <p:sp>
+            <p:nvSpPr>
+              <p:cNvPr id="2" name="Titel 1">
+                <a:extLst>
+                  <a:ext uri="{FF2B5EF4-FFF2-40B4-BE49-F238E27FC236}">
+                    <a16:creationId xmlns:a16="http://schemas.microsoft.com/office/drawing/2014/main" id="{161AFC62-FD0A-4F8D-A092-71BC83987BE7}"/>
+                  </a:ext>
+                </a:extLst>
+              </p:cNvPr>
+              <p:cNvSpPr>
+                <a:spLocks noGrp="1" noRot="1" noChangeAspect="1" noMove="1" noResize="1" noEditPoints="1" noAdjustHandles="1" noChangeArrowheads="1" noChangeShapeType="1" noTextEdit="1"/>
+              </p:cNvSpPr>
+              <p:nvPr>
+                <p:ph type="title"/>
+              </p:nvPr>
+            </p:nvSpPr>
+            <p:spPr>
+              <a:blipFill>
+                <a:blip r:embed="rId2"/>
+                <a:stretch>
+                  <a:fillRect l="-2377"/>
+                </a:stretch>
+              </a:blipFill>
+            </p:spPr>
+            <p:txBody>
+              <a:bodyPr/>
+              <a:lstStyle/>
+              <a:p>
+                <a:r>
+                  <a:rPr lang="en-GB">
+                    <a:noFill/>
+                  </a:rPr>
+                  <a:t> </a:t>
+                </a:r>
+              </a:p>
+            </p:txBody>
+          </p:sp>
+        </mc:Fallback>
+      </mc:AlternateContent>
       <p:sp>
         <p:nvSpPr>
           <p:cNvPr id="3" name="Tijdelijke aanduiding voor inhoud 2">
@@ -11378,572 +11588,668 @@
             <p:ph idx="1"/>
           </p:nvPr>
         </p:nvSpPr>
-        <p:spPr/>
-        <p:txBody>
-          <a:bodyPr/>
-          <a:lstStyle/>
-          <a:p>
-            <a:endParaRPr lang="nl-NL" dirty="0"/>
-          </a:p>
-          <a:p>
-            <a:endParaRPr lang="nl-NL" dirty="0"/>
-          </a:p>
-          <a:p>
-            <a:endParaRPr lang="nl-NL" dirty="0"/>
-          </a:p>
-          <a:p>
-            <a:endParaRPr lang="nl-NL" dirty="0"/>
-          </a:p>
-          <a:p>
-            <a:endParaRPr lang="nl-NL" dirty="0"/>
-          </a:p>
-          <a:p>
-            <a:endParaRPr lang="nl-NL" dirty="0"/>
-          </a:p>
-          <a:p>
-            <a:endParaRPr lang="nl-NL" dirty="0"/>
-          </a:p>
-          <a:p>
-            <a:r>
-              <a:rPr lang="nl-NL" dirty="0" err="1"/>
-              <a:t>Mean</a:t>
-            </a:r>
-            <a:r>
-              <a:rPr lang="nl-NL" dirty="0"/>
-              <a:t> </a:t>
-            </a:r>
-            <a:r>
-              <a:rPr lang="nl-NL" dirty="0" err="1"/>
-              <a:t>precipitation</a:t>
-            </a:r>
-            <a:r>
-              <a:rPr lang="nl-NL" dirty="0"/>
-              <a:t> over </a:t>
-            </a:r>
-            <a:r>
-              <a:rPr lang="nl-NL" dirty="0" err="1"/>
-              <a:t>the</a:t>
-            </a:r>
-            <a:r>
-              <a:rPr lang="nl-NL" dirty="0"/>
-              <a:t> </a:t>
-            </a:r>
-            <a:r>
-              <a:rPr lang="nl-NL" dirty="0" err="1"/>
-              <a:t>final</a:t>
-            </a:r>
-            <a:r>
-              <a:rPr lang="nl-NL" dirty="0"/>
-              <a:t> area of </a:t>
-            </a:r>
-            <a:r>
-              <a:rPr lang="nl-NL" dirty="0" err="1"/>
-              <a:t>the</a:t>
-            </a:r>
-            <a:r>
-              <a:rPr lang="nl-NL" dirty="0"/>
-              <a:t> </a:t>
-            </a:r>
-            <a:r>
-              <a:rPr lang="nl-NL" dirty="0" err="1"/>
-              <a:t>parcel</a:t>
-            </a:r>
-            <a:r>
-              <a:rPr lang="nl-NL" dirty="0"/>
-              <a:t>: 3.6 mm</a:t>
-            </a:r>
-          </a:p>
-        </p:txBody>
-      </p:sp>
-      <p:pic>
-        <p:nvPicPr>
-          <p:cNvPr id="5" name="Afbeelding 4">
-            <a:extLst>
-              <a:ext uri="{FF2B5EF4-FFF2-40B4-BE49-F238E27FC236}">
-                <a16:creationId xmlns:a16="http://schemas.microsoft.com/office/drawing/2014/main" id="{35C2A99D-3E03-4580-AD6D-B6FB9FDFC581}"/>
-              </a:ext>
-            </a:extLst>
-          </p:cNvPr>
-          <p:cNvPicPr/>
-          <p:nvPr/>
-        </p:nvPicPr>
-        <p:blipFill>
-          <a:blip r:embed="rId3"/>
-          <a:stretch>
-            <a:fillRect/>
-          </a:stretch>
-        </p:blipFill>
         <p:spPr>
           <a:xfrm>
-            <a:off x="6292006" y="1305813"/>
-            <a:ext cx="5760000" cy="3988800"/>
+            <a:off x="838200" y="5495645"/>
+            <a:ext cx="10515600" cy="681318"/>
           </a:xfrm>
-          <a:prstGeom prst="rect">
-            <a:avLst/>
-          </a:prstGeom>
         </p:spPr>
-      </p:pic>
-      <p:cxnSp>
-        <p:nvCxnSpPr>
-          <p:cNvPr id="7" name="Rechte verbindingslijn met pijl 6">
-            <a:extLst>
-              <a:ext uri="{FF2B5EF4-FFF2-40B4-BE49-F238E27FC236}">
-                <a16:creationId xmlns:a16="http://schemas.microsoft.com/office/drawing/2014/main" id="{D4C08364-174B-44CC-86D6-42AB72A82B14}"/>
-              </a:ext>
-            </a:extLst>
-          </p:cNvPr>
-          <p:cNvCxnSpPr>
-            <a:cxnSpLocks/>
-          </p:cNvCxnSpPr>
-          <p:nvPr/>
-        </p:nvCxnSpPr>
-        <p:spPr>
-          <a:xfrm flipV="1">
-            <a:off x="1657425" y="3229761"/>
-            <a:ext cx="1337445" cy="440167"/>
-          </a:xfrm>
-          <a:prstGeom prst="straightConnector1">
-            <a:avLst/>
-          </a:prstGeom>
-          <a:ln w="57150">
-            <a:tailEnd type="triangle"/>
-          </a:ln>
-        </p:spPr>
-        <p:style>
-          <a:lnRef idx="1">
-            <a:schemeClr val="accent1"/>
-          </a:lnRef>
-          <a:fillRef idx="0">
-            <a:schemeClr val="accent1"/>
-          </a:fillRef>
-          <a:effectRef idx="0">
-            <a:schemeClr val="accent1"/>
-          </a:effectRef>
-          <a:fontRef idx="minor">
-            <a:schemeClr val="tx1"/>
-          </a:fontRef>
-        </p:style>
-      </p:cxnSp>
-      <p:sp>
-        <p:nvSpPr>
-          <p:cNvPr id="10" name="Tekstvak 9">
-            <a:extLst>
-              <a:ext uri="{FF2B5EF4-FFF2-40B4-BE49-F238E27FC236}">
-                <a16:creationId xmlns:a16="http://schemas.microsoft.com/office/drawing/2014/main" id="{5DB66DD8-E646-45B4-A504-92053FBAA8E0}"/>
-              </a:ext>
-            </a:extLst>
-          </p:cNvPr>
-          <p:cNvSpPr txBox="1"/>
-          <p:nvPr/>
-        </p:nvSpPr>
-        <p:spPr>
-          <a:xfrm rot="20536432">
-            <a:off x="1614231" y="3088255"/>
-            <a:ext cx="1117614" cy="369332"/>
-          </a:xfrm>
-          <a:prstGeom prst="rect">
-            <a:avLst/>
-          </a:prstGeom>
-          <a:noFill/>
-        </p:spPr>
-        <p:txBody>
-          <a:bodyPr wrap="none" rtlCol="0">
-            <a:spAutoFit/>
+        <p:txBody>
+          <a:bodyPr>
+            <a:normAutofit fontScale="70000" lnSpcReduction="20000"/>
           </a:bodyPr>
           <a:lstStyle/>
           <a:p>
-            <a:r>
-              <a:rPr lang="nl-NL" dirty="0" err="1"/>
-              <a:t>isotherms</a:t>
-            </a:r>
             <a:endParaRPr lang="nl-NL" dirty="0"/>
           </a:p>
-        </p:txBody>
-      </p:sp>
-      <p:cxnSp>
-        <p:nvCxnSpPr>
-          <p:cNvPr id="12" name="Rechte verbindingslijn met pijl 11">
-            <a:extLst>
-              <a:ext uri="{FF2B5EF4-FFF2-40B4-BE49-F238E27FC236}">
-                <a16:creationId xmlns:a16="http://schemas.microsoft.com/office/drawing/2014/main" id="{E1F51107-6225-416E-881B-B4B75B3F9ACD}"/>
-              </a:ext>
-            </a:extLst>
-          </p:cNvPr>
-          <p:cNvCxnSpPr/>
+          <a:p>
+            <a:pPr marL="0" indent="0">
+              <a:buNone/>
+            </a:pPr>
+            <a:r>
+              <a:rPr lang="nl-NL" dirty="0"/>
+              <a:t>Cinvr = 0.00, Mean precipitation over the final area of the parcel: 3.97 mm</a:t>
+            </a:r>
+          </a:p>
+        </p:txBody>
+      </p:sp>
+      <p:grpSp>
+        <p:nvGrpSpPr>
+          <p:cNvPr id="8" name="Group 7">
+            <a:extLst>
+              <a:ext uri="{FF2B5EF4-FFF2-40B4-BE49-F238E27FC236}">
+                <a16:creationId xmlns:a16="http://schemas.microsoft.com/office/drawing/2014/main" id="{7DC85FB0-8517-4390-80A9-6B0E346DE8D6}"/>
+              </a:ext>
+            </a:extLst>
+          </p:cNvPr>
+          <p:cNvGrpSpPr/>
           <p:nvPr/>
-        </p:nvCxnSpPr>
-        <p:spPr>
-          <a:xfrm flipV="1">
-            <a:off x="1291905" y="2600587"/>
-            <a:ext cx="0" cy="1069341"/>
+        </p:nvGrpSpPr>
+        <p:grpSpPr>
+          <a:xfrm>
+            <a:off x="178501" y="1506199"/>
+            <a:ext cx="5878671" cy="3931595"/>
+            <a:chOff x="178501" y="1506199"/>
+            <a:chExt cx="5878671" cy="3931595"/>
           </a:xfrm>
-          <a:prstGeom prst="straightConnector1">
-            <a:avLst/>
-          </a:prstGeom>
-          <a:ln w="38100">
-            <a:tailEnd type="triangle"/>
-          </a:ln>
-        </p:spPr>
-        <p:style>
-          <a:lnRef idx="1">
-            <a:schemeClr val="accent1"/>
-          </a:lnRef>
-          <a:fillRef idx="0">
-            <a:schemeClr val="accent1"/>
-          </a:fillRef>
-          <a:effectRef idx="0">
-            <a:schemeClr val="accent1"/>
-          </a:effectRef>
-          <a:fontRef idx="minor">
-            <a:schemeClr val="tx1"/>
-          </a:fontRef>
-        </p:style>
-      </p:cxnSp>
-      <p:sp>
-        <p:nvSpPr>
-          <p:cNvPr id="13" name="Tekstvak 12">
-            <a:extLst>
-              <a:ext uri="{FF2B5EF4-FFF2-40B4-BE49-F238E27FC236}">
-                <a16:creationId xmlns:a16="http://schemas.microsoft.com/office/drawing/2014/main" id="{90AE1338-8324-4FE0-B499-55F66D4BF283}"/>
-              </a:ext>
-            </a:extLst>
-          </p:cNvPr>
-          <p:cNvSpPr txBox="1"/>
+        </p:grpSpPr>
+        <p:pic>
+          <p:nvPicPr>
+            <p:cNvPr id="34" name="Picture 33">
+              <a:extLst>
+                <a:ext uri="{FF2B5EF4-FFF2-40B4-BE49-F238E27FC236}">
+                  <a16:creationId xmlns:a16="http://schemas.microsoft.com/office/drawing/2014/main" id="{C835B1D7-88E6-4F40-876F-458937772E65}"/>
+                </a:ext>
+              </a:extLst>
+            </p:cNvPr>
+            <p:cNvPicPr>
+              <a:picLocks noChangeAspect="1"/>
+            </p:cNvPicPr>
+            <p:nvPr/>
+          </p:nvPicPr>
+          <p:blipFill>
+            <a:blip r:embed="rId3">
+              <a:extLst>
+                <a:ext uri="{28A0092B-C50C-407E-A947-70E740481C1C}">
+                  <a14:useLocalDpi xmlns:a14="http://schemas.microsoft.com/office/drawing/2010/main" val="0"/>
+                </a:ext>
+              </a:extLst>
+            </a:blip>
+            <a:stretch>
+              <a:fillRect/>
+            </a:stretch>
+          </p:blipFill>
+          <p:spPr>
+            <a:xfrm>
+              <a:off x="178501" y="1506199"/>
+              <a:ext cx="5878671" cy="3931595"/>
+            </a:xfrm>
+            <a:prstGeom prst="rect">
+              <a:avLst/>
+            </a:prstGeom>
+          </p:spPr>
+        </p:pic>
+        <p:cxnSp>
+          <p:nvCxnSpPr>
+            <p:cNvPr id="20" name="Rechte verbindingslijn met pijl 6">
+              <a:extLst>
+                <a:ext uri="{FF2B5EF4-FFF2-40B4-BE49-F238E27FC236}">
+                  <a16:creationId xmlns:a16="http://schemas.microsoft.com/office/drawing/2014/main" id="{40187047-7278-40B1-9F39-91976BA4768A}"/>
+                </a:ext>
+              </a:extLst>
+            </p:cNvPr>
+            <p:cNvCxnSpPr>
+              <a:cxnSpLocks/>
+            </p:cNvCxnSpPr>
+            <p:nvPr/>
+          </p:nvCxnSpPr>
+          <p:spPr>
+            <a:xfrm flipV="1">
+              <a:off x="1810482" y="3652726"/>
+              <a:ext cx="1129922" cy="371869"/>
+            </a:xfrm>
+            <a:prstGeom prst="straightConnector1">
+              <a:avLst/>
+            </a:prstGeom>
+            <a:ln w="57150">
+              <a:solidFill>
+                <a:srgbClr val="FFFF00"/>
+              </a:solidFill>
+              <a:tailEnd type="triangle"/>
+            </a:ln>
+          </p:spPr>
+          <p:style>
+            <a:lnRef idx="1">
+              <a:schemeClr val="accent1"/>
+            </a:lnRef>
+            <a:fillRef idx="0">
+              <a:schemeClr val="accent1"/>
+            </a:fillRef>
+            <a:effectRef idx="0">
+              <a:schemeClr val="accent1"/>
+            </a:effectRef>
+            <a:fontRef idx="minor">
+              <a:schemeClr val="tx1"/>
+            </a:fontRef>
+          </p:style>
+        </p:cxnSp>
+        <p:sp>
+          <p:nvSpPr>
+            <p:cNvPr id="22" name="Tekstvak 9">
+              <a:extLst>
+                <a:ext uri="{FF2B5EF4-FFF2-40B4-BE49-F238E27FC236}">
+                  <a16:creationId xmlns:a16="http://schemas.microsoft.com/office/drawing/2014/main" id="{A8755A24-E690-41C3-BC25-1EA129E354FF}"/>
+                </a:ext>
+              </a:extLst>
+            </p:cNvPr>
+            <p:cNvSpPr txBox="1"/>
+            <p:nvPr/>
+          </p:nvSpPr>
+          <p:spPr>
+            <a:xfrm rot="20536432">
+              <a:off x="1773991" y="3533176"/>
+              <a:ext cx="944201" cy="312025"/>
+            </a:xfrm>
+            <a:prstGeom prst="rect">
+              <a:avLst/>
+            </a:prstGeom>
+            <a:noFill/>
+          </p:spPr>
+          <p:txBody>
+            <a:bodyPr wrap="none" rtlCol="0">
+              <a:spAutoFit/>
+            </a:bodyPr>
+            <a:lstStyle/>
+            <a:p>
+              <a:r>
+                <a:rPr lang="nl-NL" dirty="0"/>
+                <a:t>isotherms</a:t>
+              </a:r>
+            </a:p>
+          </p:txBody>
+        </p:sp>
+        <p:cxnSp>
+          <p:nvCxnSpPr>
+            <p:cNvPr id="24" name="Rechte verbindingslijn met pijl 11">
+              <a:extLst>
+                <a:ext uri="{FF2B5EF4-FFF2-40B4-BE49-F238E27FC236}">
+                  <a16:creationId xmlns:a16="http://schemas.microsoft.com/office/drawing/2014/main" id="{B381922A-309C-41C9-8A8F-4781BEE3CDF3}"/>
+                </a:ext>
+              </a:extLst>
+            </p:cNvPr>
+            <p:cNvCxnSpPr/>
+            <p:nvPr/>
+          </p:nvCxnSpPr>
+          <p:spPr>
+            <a:xfrm flipV="1">
+              <a:off x="1125801" y="3480482"/>
+              <a:ext cx="0" cy="903418"/>
+            </a:xfrm>
+            <a:prstGeom prst="straightConnector1">
+              <a:avLst/>
+            </a:prstGeom>
+            <a:ln w="38100">
+              <a:solidFill>
+                <a:srgbClr val="FFFF00"/>
+              </a:solidFill>
+              <a:tailEnd type="triangle"/>
+            </a:ln>
+          </p:spPr>
+          <p:style>
+            <a:lnRef idx="1">
+              <a:schemeClr val="accent1"/>
+            </a:lnRef>
+            <a:fillRef idx="0">
+              <a:schemeClr val="accent1"/>
+            </a:fillRef>
+            <a:effectRef idx="0">
+              <a:schemeClr val="accent1"/>
+            </a:effectRef>
+            <a:fontRef idx="minor">
+              <a:schemeClr val="tx1"/>
+            </a:fontRef>
+          </p:style>
+        </p:cxnSp>
+        <p:sp>
+          <p:nvSpPr>
+            <p:cNvPr id="25" name="Tekstvak 12">
+              <a:extLst>
+                <a:ext uri="{FF2B5EF4-FFF2-40B4-BE49-F238E27FC236}">
+                  <a16:creationId xmlns:a16="http://schemas.microsoft.com/office/drawing/2014/main" id="{3A6D3F98-3179-4520-982F-3E27A91FA11A}"/>
+                </a:ext>
+              </a:extLst>
+            </p:cNvPr>
+            <p:cNvSpPr txBox="1"/>
+            <p:nvPr/>
+          </p:nvSpPr>
+          <p:spPr>
+            <a:xfrm rot="16200000">
+              <a:off x="998161" y="3932134"/>
+              <a:ext cx="566358" cy="312025"/>
+            </a:xfrm>
+            <a:prstGeom prst="rect">
+              <a:avLst/>
+            </a:prstGeom>
+            <a:noFill/>
+          </p:spPr>
+          <p:txBody>
+            <a:bodyPr wrap="none" rtlCol="0">
+              <a:spAutoFit/>
+            </a:bodyPr>
+            <a:lstStyle/>
+            <a:p>
+              <a:r>
+                <a:rPr lang="nl-NL" dirty="0"/>
+                <a:t>Z (m)</a:t>
+              </a:r>
+            </a:p>
+          </p:txBody>
+        </p:sp>
+        <p:cxnSp>
+          <p:nvCxnSpPr>
+            <p:cNvPr id="27" name="Rechte verbindingslijn met pijl 15">
+              <a:extLst>
+                <a:ext uri="{FF2B5EF4-FFF2-40B4-BE49-F238E27FC236}">
+                  <a16:creationId xmlns:a16="http://schemas.microsoft.com/office/drawing/2014/main" id="{6473D6C3-D527-4235-A746-D37EFDF61EEB}"/>
+                </a:ext>
+              </a:extLst>
+            </p:cNvPr>
+            <p:cNvCxnSpPr>
+              <a:cxnSpLocks/>
+            </p:cNvCxnSpPr>
+            <p:nvPr/>
+          </p:nvCxnSpPr>
+          <p:spPr>
+            <a:xfrm flipV="1">
+              <a:off x="2831621" y="4701650"/>
+              <a:ext cx="744169" cy="233881"/>
+            </a:xfrm>
+            <a:prstGeom prst="straightConnector1">
+              <a:avLst/>
+            </a:prstGeom>
+            <a:ln w="38100">
+              <a:solidFill>
+                <a:srgbClr val="FFFF00"/>
+              </a:solidFill>
+              <a:tailEnd type="triangle"/>
+            </a:ln>
+          </p:spPr>
+          <p:style>
+            <a:lnRef idx="1">
+              <a:schemeClr val="accent1"/>
+            </a:lnRef>
+            <a:fillRef idx="0">
+              <a:schemeClr val="accent1"/>
+            </a:fillRef>
+            <a:effectRef idx="0">
+              <a:schemeClr val="accent1"/>
+            </a:effectRef>
+            <a:fontRef idx="minor">
+              <a:schemeClr val="tx1"/>
+            </a:fontRef>
+          </p:style>
+        </p:cxnSp>
+        <p:sp>
+          <p:nvSpPr>
+            <p:cNvPr id="29" name="Tekstvak 18">
+              <a:extLst>
+                <a:ext uri="{FF2B5EF4-FFF2-40B4-BE49-F238E27FC236}">
+                  <a16:creationId xmlns:a16="http://schemas.microsoft.com/office/drawing/2014/main" id="{66EAF2E5-7F3C-4F51-B779-28BD0194A517}"/>
+                </a:ext>
+              </a:extLst>
+            </p:cNvPr>
+            <p:cNvSpPr txBox="1"/>
+            <p:nvPr/>
+          </p:nvSpPr>
+          <p:spPr>
+            <a:xfrm rot="20453860">
+              <a:off x="2882735" y="4555158"/>
+              <a:ext cx="470205" cy="312025"/>
+            </a:xfrm>
+            <a:prstGeom prst="rect">
+              <a:avLst/>
+            </a:prstGeom>
+            <a:noFill/>
+          </p:spPr>
+          <p:txBody>
+            <a:bodyPr wrap="none" rtlCol="0">
+              <a:spAutoFit/>
+            </a:bodyPr>
+            <a:lstStyle/>
+            <a:p>
+              <a:r>
+                <a:rPr lang="nl-NL" dirty="0"/>
+                <a:t>0 °C</a:t>
+              </a:r>
+            </a:p>
+          </p:txBody>
+        </p:sp>
+        <p:cxnSp>
+          <p:nvCxnSpPr>
+            <p:cNvPr id="32" name="Connector: Curved 31">
+              <a:extLst>
+                <a:ext uri="{FF2B5EF4-FFF2-40B4-BE49-F238E27FC236}">
+                  <a16:creationId xmlns:a16="http://schemas.microsoft.com/office/drawing/2014/main" id="{6C26E812-4CCF-4853-9B60-AB5F6E45195A}"/>
+                </a:ext>
+              </a:extLst>
+            </p:cNvPr>
+            <p:cNvCxnSpPr/>
+            <p:nvPr/>
+          </p:nvCxnSpPr>
+          <p:spPr>
+            <a:xfrm rot="16200000" flipV="1">
+              <a:off x="5129378" y="4485558"/>
+              <a:ext cx="513635" cy="152429"/>
+            </a:xfrm>
+            <a:prstGeom prst="curvedConnector3">
+              <a:avLst>
+                <a:gd name="adj1" fmla="val 1186"/>
+              </a:avLst>
+            </a:prstGeom>
+            <a:ln w="38100">
+              <a:solidFill>
+                <a:srgbClr val="FFFF00"/>
+              </a:solidFill>
+              <a:tailEnd type="triangle"/>
+            </a:ln>
+          </p:spPr>
+          <p:style>
+            <a:lnRef idx="1">
+              <a:schemeClr val="accent1"/>
+            </a:lnRef>
+            <a:fillRef idx="0">
+              <a:schemeClr val="accent1"/>
+            </a:fillRef>
+            <a:effectRef idx="0">
+              <a:schemeClr val="accent1"/>
+            </a:effectRef>
+            <a:fontRef idx="minor">
+              <a:schemeClr val="tx1"/>
+            </a:fontRef>
+          </p:style>
+        </p:cxnSp>
+        <p:sp>
+          <p:nvSpPr>
+            <p:cNvPr id="33" name="Tekstvak 22">
+              <a:extLst>
+                <a:ext uri="{FF2B5EF4-FFF2-40B4-BE49-F238E27FC236}">
+                  <a16:creationId xmlns:a16="http://schemas.microsoft.com/office/drawing/2014/main" id="{DAEC76ED-C257-46F4-A12C-1CA110B33871}"/>
+                </a:ext>
+              </a:extLst>
+            </p:cNvPr>
+            <p:cNvSpPr txBox="1"/>
+            <p:nvPr/>
+          </p:nvSpPr>
+          <p:spPr>
+            <a:xfrm>
+              <a:off x="5324604" y="4377106"/>
+              <a:ext cx="614271" cy="369332"/>
+            </a:xfrm>
+            <a:prstGeom prst="rect">
+              <a:avLst/>
+            </a:prstGeom>
+            <a:noFill/>
+          </p:spPr>
+          <p:txBody>
+            <a:bodyPr wrap="none" rtlCol="0">
+              <a:spAutoFit/>
+            </a:bodyPr>
+            <a:lstStyle/>
+            <a:p>
+              <a:r>
+                <a:rPr lang="nl-NL" dirty="0"/>
+                <a:t>time</a:t>
+              </a:r>
+            </a:p>
+          </p:txBody>
+        </p:sp>
+      </p:grpSp>
+      <p:grpSp>
+        <p:nvGrpSpPr>
+          <p:cNvPr id="113" name="Group 112">
+            <a:extLst>
+              <a:ext uri="{FF2B5EF4-FFF2-40B4-BE49-F238E27FC236}">
+                <a16:creationId xmlns:a16="http://schemas.microsoft.com/office/drawing/2014/main" id="{4BB982A7-F587-42CD-B968-727D64679ED5}"/>
+              </a:ext>
+            </a:extLst>
+          </p:cNvPr>
+          <p:cNvGrpSpPr/>
           <p:nvPr/>
-        </p:nvSpPr>
-        <p:spPr>
-          <a:xfrm rot="16200000">
-            <a:off x="1064682" y="3175559"/>
-            <a:ext cx="670376" cy="369332"/>
+        </p:nvGrpSpPr>
+        <p:grpSpPr>
+          <a:xfrm>
+            <a:off x="6070175" y="1505874"/>
+            <a:ext cx="5676945" cy="3931920"/>
+            <a:chOff x="6070175" y="1505874"/>
+            <a:chExt cx="5676945" cy="3931920"/>
           </a:xfrm>
-          <a:prstGeom prst="rect">
-            <a:avLst/>
-          </a:prstGeom>
-          <a:noFill/>
-        </p:spPr>
-        <p:txBody>
-          <a:bodyPr wrap="none" rtlCol="0">
-            <a:spAutoFit/>
-          </a:bodyPr>
-          <a:lstStyle/>
-          <a:p>
-            <a:r>
-              <a:rPr lang="nl-NL" dirty="0"/>
-              <a:t>Z (m)</a:t>
-            </a:r>
-          </a:p>
-        </p:txBody>
-      </p:sp>
-      <p:cxnSp>
-        <p:nvCxnSpPr>
-          <p:cNvPr id="16" name="Rechte verbindingslijn met pijl 15">
-            <a:extLst>
-              <a:ext uri="{FF2B5EF4-FFF2-40B4-BE49-F238E27FC236}">
-                <a16:creationId xmlns:a16="http://schemas.microsoft.com/office/drawing/2014/main" id="{4516B7C9-70F2-44C0-99FB-9B50B4ED2D65}"/>
-              </a:ext>
-            </a:extLst>
-          </p:cNvPr>
-          <p:cNvCxnSpPr>
-            <a:cxnSpLocks/>
-          </p:cNvCxnSpPr>
-          <p:nvPr/>
-        </p:nvCxnSpPr>
-        <p:spPr>
-          <a:xfrm flipV="1">
-            <a:off x="2902591" y="4471333"/>
-            <a:ext cx="880844" cy="276836"/>
-          </a:xfrm>
-          <a:prstGeom prst="straightConnector1">
-            <a:avLst/>
-          </a:prstGeom>
-          <a:ln w="38100">
-            <a:tailEnd type="triangle"/>
-          </a:ln>
-        </p:spPr>
-        <p:style>
-          <a:lnRef idx="1">
-            <a:schemeClr val="accent1"/>
-          </a:lnRef>
-          <a:fillRef idx="0">
-            <a:schemeClr val="accent1"/>
-          </a:fillRef>
-          <a:effectRef idx="0">
-            <a:schemeClr val="accent1"/>
-          </a:effectRef>
-          <a:fontRef idx="minor">
-            <a:schemeClr val="tx1"/>
-          </a:fontRef>
-        </p:style>
-      </p:cxnSp>
-      <p:sp>
-        <p:nvSpPr>
-          <p:cNvPr id="19" name="Tekstvak 18">
-            <a:extLst>
-              <a:ext uri="{FF2B5EF4-FFF2-40B4-BE49-F238E27FC236}">
-                <a16:creationId xmlns:a16="http://schemas.microsoft.com/office/drawing/2014/main" id="{8F930C24-6994-45E2-8199-4B6439C5D1B8}"/>
-              </a:ext>
-            </a:extLst>
-          </p:cNvPr>
-          <p:cNvSpPr txBox="1"/>
-          <p:nvPr/>
-        </p:nvSpPr>
-        <p:spPr>
-          <a:xfrm rot="20453860">
-            <a:off x="3028249" y="4425084"/>
-            <a:ext cx="556563" cy="369332"/>
-          </a:xfrm>
-          <a:prstGeom prst="rect">
-            <a:avLst/>
-          </a:prstGeom>
-          <a:noFill/>
-        </p:spPr>
-        <p:txBody>
-          <a:bodyPr wrap="none" rtlCol="0">
-            <a:spAutoFit/>
-          </a:bodyPr>
-          <a:lstStyle/>
-          <a:p>
-            <a:r>
-              <a:rPr lang="nl-NL" dirty="0"/>
-              <a:t>0 °C</a:t>
-            </a:r>
-          </a:p>
-        </p:txBody>
-      </p:sp>
-      <p:cxnSp>
-        <p:nvCxnSpPr>
-          <p:cNvPr id="21" name="Rechte verbindingslijn met pijl 20">
-            <a:extLst>
-              <a:ext uri="{FF2B5EF4-FFF2-40B4-BE49-F238E27FC236}">
-                <a16:creationId xmlns:a16="http://schemas.microsoft.com/office/drawing/2014/main" id="{FCD07487-9DB9-490A-BDFF-6BA641D59E0B}"/>
-              </a:ext>
-            </a:extLst>
-          </p:cNvPr>
-          <p:cNvCxnSpPr>
-            <a:cxnSpLocks/>
-          </p:cNvCxnSpPr>
-          <p:nvPr/>
-        </p:nvCxnSpPr>
-        <p:spPr>
-          <a:xfrm>
-            <a:off x="7180976" y="1699261"/>
-            <a:ext cx="1107347" cy="389598"/>
-          </a:xfrm>
-          <a:prstGeom prst="straightConnector1">
-            <a:avLst/>
-          </a:prstGeom>
-          <a:ln w="38100">
-            <a:tailEnd type="triangle"/>
-          </a:ln>
-        </p:spPr>
-        <p:style>
-          <a:lnRef idx="1">
-            <a:schemeClr val="accent1"/>
-          </a:lnRef>
-          <a:fillRef idx="0">
-            <a:schemeClr val="accent1"/>
-          </a:fillRef>
-          <a:effectRef idx="0">
-            <a:schemeClr val="accent1"/>
-          </a:effectRef>
-          <a:fontRef idx="minor">
-            <a:schemeClr val="tx1"/>
-          </a:fontRef>
-        </p:style>
-      </p:cxnSp>
-      <p:sp>
-        <p:nvSpPr>
-          <p:cNvPr id="23" name="Tekstvak 22">
-            <a:extLst>
-              <a:ext uri="{FF2B5EF4-FFF2-40B4-BE49-F238E27FC236}">
-                <a16:creationId xmlns:a16="http://schemas.microsoft.com/office/drawing/2014/main" id="{EEA09009-03DE-4775-8EC4-2A99CA15D182}"/>
-              </a:ext>
-            </a:extLst>
-          </p:cNvPr>
-          <p:cNvSpPr txBox="1"/>
-          <p:nvPr/>
-        </p:nvSpPr>
-        <p:spPr>
-          <a:xfrm rot="1364707">
-            <a:off x="7541703" y="1632386"/>
-            <a:ext cx="614271" cy="369332"/>
-          </a:xfrm>
-          <a:prstGeom prst="rect">
-            <a:avLst/>
-          </a:prstGeom>
-          <a:noFill/>
-        </p:spPr>
-        <p:txBody>
-          <a:bodyPr wrap="none" rtlCol="0">
-            <a:spAutoFit/>
-          </a:bodyPr>
-          <a:lstStyle/>
-          <a:p>
-            <a:r>
-              <a:rPr lang="nl-NL" dirty="0"/>
-              <a:t>time</a:t>
-            </a:r>
-          </a:p>
-        </p:txBody>
-      </p:sp>
-      <p:cxnSp>
-        <p:nvCxnSpPr>
-          <p:cNvPr id="26" name="Rechte verbindingslijn met pijl 25">
-            <a:extLst>
-              <a:ext uri="{FF2B5EF4-FFF2-40B4-BE49-F238E27FC236}">
-                <a16:creationId xmlns:a16="http://schemas.microsoft.com/office/drawing/2014/main" id="{0FB85C4A-D1D6-42BD-B9F1-9B2FE89F2432}"/>
-              </a:ext>
-            </a:extLst>
-          </p:cNvPr>
-          <p:cNvCxnSpPr/>
-          <p:nvPr/>
-        </p:nvCxnSpPr>
-        <p:spPr>
-          <a:xfrm>
-            <a:off x="9815119" y="2801923"/>
-            <a:ext cx="461395" cy="427838"/>
-          </a:xfrm>
-          <a:prstGeom prst="straightConnector1">
-            <a:avLst/>
-          </a:prstGeom>
-          <a:ln w="38100">
-            <a:tailEnd type="triangle"/>
-          </a:ln>
-        </p:spPr>
-        <p:style>
-          <a:lnRef idx="1">
-            <a:schemeClr val="accent1"/>
-          </a:lnRef>
-          <a:fillRef idx="0">
-            <a:schemeClr val="accent1"/>
-          </a:fillRef>
-          <a:effectRef idx="0">
-            <a:schemeClr val="accent1"/>
-          </a:effectRef>
-          <a:fontRef idx="minor">
-            <a:schemeClr val="tx1"/>
-          </a:fontRef>
-        </p:style>
-      </p:cxnSp>
-      <p:cxnSp>
-        <p:nvCxnSpPr>
-          <p:cNvPr id="28" name="Rechte verbindingslijn met pijl 27">
-            <a:extLst>
-              <a:ext uri="{FF2B5EF4-FFF2-40B4-BE49-F238E27FC236}">
-                <a16:creationId xmlns:a16="http://schemas.microsoft.com/office/drawing/2014/main" id="{65BDB741-4717-49A8-A230-F18F74E7905F}"/>
-              </a:ext>
-            </a:extLst>
-          </p:cNvPr>
-          <p:cNvCxnSpPr/>
-          <p:nvPr/>
-        </p:nvCxnSpPr>
-        <p:spPr>
-          <a:xfrm flipH="1" flipV="1">
-            <a:off x="8850385" y="3151188"/>
-            <a:ext cx="553674" cy="204408"/>
-          </a:xfrm>
-          <a:prstGeom prst="straightConnector1">
-            <a:avLst/>
-          </a:prstGeom>
-          <a:ln w="38100">
-            <a:tailEnd type="triangle"/>
-          </a:ln>
-        </p:spPr>
-        <p:style>
-          <a:lnRef idx="1">
-            <a:schemeClr val="accent1"/>
-          </a:lnRef>
-          <a:fillRef idx="0">
-            <a:schemeClr val="accent1"/>
-          </a:fillRef>
-          <a:effectRef idx="0">
-            <a:schemeClr val="accent1"/>
-          </a:effectRef>
-          <a:fontRef idx="minor">
-            <a:schemeClr val="tx1"/>
-          </a:fontRef>
-        </p:style>
-      </p:cxnSp>
-      <p:cxnSp>
-        <p:nvCxnSpPr>
-          <p:cNvPr id="30" name="Rechte verbindingslijn met pijl 29">
-            <a:extLst>
-              <a:ext uri="{FF2B5EF4-FFF2-40B4-BE49-F238E27FC236}">
-                <a16:creationId xmlns:a16="http://schemas.microsoft.com/office/drawing/2014/main" id="{2CAFA677-30B3-4909-846E-1B9ECF7B1BFB}"/>
-              </a:ext>
-            </a:extLst>
-          </p:cNvPr>
-          <p:cNvCxnSpPr/>
-          <p:nvPr/>
-        </p:nvCxnSpPr>
-        <p:spPr>
-          <a:xfrm>
-            <a:off x="6954473" y="3229761"/>
-            <a:ext cx="226503" cy="199239"/>
-          </a:xfrm>
-          <a:prstGeom prst="straightConnector1">
-            <a:avLst/>
-          </a:prstGeom>
-          <a:ln w="38100">
-            <a:tailEnd type="triangle"/>
-          </a:ln>
-        </p:spPr>
-        <p:style>
-          <a:lnRef idx="1">
-            <a:schemeClr val="accent2"/>
-          </a:lnRef>
-          <a:fillRef idx="0">
-            <a:schemeClr val="accent2"/>
-          </a:fillRef>
-          <a:effectRef idx="0">
-            <a:schemeClr val="accent2"/>
-          </a:effectRef>
-          <a:fontRef idx="minor">
-            <a:schemeClr val="tx1"/>
-          </a:fontRef>
-        </p:style>
-      </p:cxnSp>
-      <p:cxnSp>
-        <p:nvCxnSpPr>
-          <p:cNvPr id="31" name="Rechte verbindingslijn met pijl 30">
-            <a:extLst>
-              <a:ext uri="{FF2B5EF4-FFF2-40B4-BE49-F238E27FC236}">
-                <a16:creationId xmlns:a16="http://schemas.microsoft.com/office/drawing/2014/main" id="{F2FE7503-3AFE-4A4F-9041-6B539030A169}"/>
-              </a:ext>
-            </a:extLst>
-          </p:cNvPr>
-          <p:cNvCxnSpPr>
-            <a:cxnSpLocks/>
-          </p:cNvCxnSpPr>
-          <p:nvPr/>
-        </p:nvCxnSpPr>
-        <p:spPr>
-          <a:xfrm>
-            <a:off x="8816829" y="3490642"/>
-            <a:ext cx="151002" cy="510652"/>
-          </a:xfrm>
-          <a:prstGeom prst="straightConnector1">
-            <a:avLst/>
-          </a:prstGeom>
-          <a:ln w="38100">
-            <a:tailEnd type="triangle"/>
-          </a:ln>
-        </p:spPr>
-        <p:style>
-          <a:lnRef idx="1">
-            <a:schemeClr val="accent2"/>
-          </a:lnRef>
-          <a:fillRef idx="0">
-            <a:schemeClr val="accent2"/>
-          </a:fillRef>
-          <a:effectRef idx="0">
-            <a:schemeClr val="accent2"/>
-          </a:effectRef>
-          <a:fontRef idx="minor">
-            <a:schemeClr val="tx1"/>
-          </a:fontRef>
-        </p:style>
-      </p:cxnSp>
+        </p:grpSpPr>
+        <p:pic>
+          <p:nvPicPr>
+            <p:cNvPr id="18" name="Picture 17">
+              <a:extLst>
+                <a:ext uri="{FF2B5EF4-FFF2-40B4-BE49-F238E27FC236}">
+                  <a16:creationId xmlns:a16="http://schemas.microsoft.com/office/drawing/2014/main" id="{24ACB82E-A22D-4F0B-B987-2B3F4A9B4259}"/>
+                </a:ext>
+              </a:extLst>
+            </p:cNvPr>
+            <p:cNvPicPr>
+              <a:picLocks noChangeAspect="1"/>
+            </p:cNvPicPr>
+            <p:nvPr/>
+          </p:nvPicPr>
+          <p:blipFill>
+            <a:blip r:embed="rId4">
+              <a:extLst>
+                <a:ext uri="{28A0092B-C50C-407E-A947-70E740481C1C}">
+                  <a14:useLocalDpi xmlns:a14="http://schemas.microsoft.com/office/drawing/2010/main" val="0"/>
+                </a:ext>
+              </a:extLst>
+            </a:blip>
+            <a:stretch>
+              <a:fillRect/>
+            </a:stretch>
+          </p:blipFill>
+          <p:spPr>
+            <a:xfrm>
+              <a:off x="6070175" y="1505874"/>
+              <a:ext cx="5676945" cy="3931920"/>
+            </a:xfrm>
+            <a:prstGeom prst="rect">
+              <a:avLst/>
+            </a:prstGeom>
+          </p:spPr>
+        </p:pic>
+        <p:cxnSp>
+          <p:nvCxnSpPr>
+            <p:cNvPr id="36" name="Rechte verbindingslijn met pijl 20">
+              <a:extLst>
+                <a:ext uri="{FF2B5EF4-FFF2-40B4-BE49-F238E27FC236}">
+                  <a16:creationId xmlns:a16="http://schemas.microsoft.com/office/drawing/2014/main" id="{CB454E6C-6E8D-4710-89E6-8F8F7C209877}"/>
+                </a:ext>
+              </a:extLst>
+            </p:cNvPr>
+            <p:cNvCxnSpPr>
+              <a:cxnSpLocks/>
+            </p:cNvCxnSpPr>
+            <p:nvPr/>
+          </p:nvCxnSpPr>
+          <p:spPr>
+            <a:xfrm>
+              <a:off x="7184310" y="2005217"/>
+              <a:ext cx="609192" cy="248901"/>
+            </a:xfrm>
+            <a:prstGeom prst="straightConnector1">
+              <a:avLst/>
+            </a:prstGeom>
+            <a:ln w="38100">
+              <a:tailEnd type="triangle"/>
+            </a:ln>
+          </p:spPr>
+          <p:style>
+            <a:lnRef idx="1">
+              <a:schemeClr val="accent1"/>
+            </a:lnRef>
+            <a:fillRef idx="0">
+              <a:schemeClr val="accent1"/>
+            </a:fillRef>
+            <a:effectRef idx="0">
+              <a:schemeClr val="accent1"/>
+            </a:effectRef>
+            <a:fontRef idx="minor">
+              <a:schemeClr val="tx1"/>
+            </a:fontRef>
+          </p:style>
+        </p:cxnSp>
+        <p:cxnSp>
+          <p:nvCxnSpPr>
+            <p:cNvPr id="79" name="Connector: Curved 78">
+              <a:extLst>
+                <a:ext uri="{FF2B5EF4-FFF2-40B4-BE49-F238E27FC236}">
+                  <a16:creationId xmlns:a16="http://schemas.microsoft.com/office/drawing/2014/main" id="{FEC93E9A-7556-48C1-A690-EBD69E0BF942}"/>
+                </a:ext>
+              </a:extLst>
+            </p:cNvPr>
+            <p:cNvCxnSpPr>
+              <a:cxnSpLocks/>
+            </p:cNvCxnSpPr>
+            <p:nvPr/>
+          </p:nvCxnSpPr>
+          <p:spPr>
+            <a:xfrm rot="10800000">
+              <a:off x="7398478" y="2944120"/>
+              <a:ext cx="1153552" cy="649046"/>
+            </a:xfrm>
+            <a:prstGeom prst="curvedConnector3">
+              <a:avLst>
+                <a:gd name="adj1" fmla="val 36586"/>
+              </a:avLst>
+            </a:prstGeom>
+            <a:ln w="38100">
+              <a:tailEnd type="triangle"/>
+            </a:ln>
+          </p:spPr>
+          <p:style>
+            <a:lnRef idx="1">
+              <a:schemeClr val="accent1"/>
+            </a:lnRef>
+            <a:fillRef idx="0">
+              <a:schemeClr val="accent1"/>
+            </a:fillRef>
+            <a:effectRef idx="0">
+              <a:schemeClr val="accent1"/>
+            </a:effectRef>
+            <a:fontRef idx="minor">
+              <a:schemeClr val="tx1"/>
+            </a:fontRef>
+          </p:style>
+        </p:cxnSp>
+        <p:sp>
+          <p:nvSpPr>
+            <p:cNvPr id="87" name="Tekstvak 22">
+              <a:extLst>
+                <a:ext uri="{FF2B5EF4-FFF2-40B4-BE49-F238E27FC236}">
+                  <a16:creationId xmlns:a16="http://schemas.microsoft.com/office/drawing/2014/main" id="{3BB2442A-2C13-4D41-8B09-D4DA19D0CC66}"/>
+                </a:ext>
+              </a:extLst>
+            </p:cNvPr>
+            <p:cNvSpPr txBox="1"/>
+            <p:nvPr/>
+          </p:nvSpPr>
+          <p:spPr>
+            <a:xfrm>
+              <a:off x="6877174" y="2414453"/>
+              <a:ext cx="614271" cy="369332"/>
+            </a:xfrm>
+            <a:prstGeom prst="rect">
+              <a:avLst/>
+            </a:prstGeom>
+            <a:noFill/>
+          </p:spPr>
+          <p:txBody>
+            <a:bodyPr wrap="none" rtlCol="0">
+              <a:spAutoFit/>
+            </a:bodyPr>
+            <a:lstStyle/>
+            <a:p>
+              <a:r>
+                <a:rPr lang="nl-NL" dirty="0"/>
+                <a:t>time</a:t>
+              </a:r>
+            </a:p>
+          </p:txBody>
+        </p:sp>
+        <p:cxnSp>
+          <p:nvCxnSpPr>
+            <p:cNvPr id="96" name="Connector: Curved 95">
+              <a:extLst>
+                <a:ext uri="{FF2B5EF4-FFF2-40B4-BE49-F238E27FC236}">
+                  <a16:creationId xmlns:a16="http://schemas.microsoft.com/office/drawing/2014/main" id="{04A8276E-8981-4801-8143-F423E2C61EAD}"/>
+                </a:ext>
+              </a:extLst>
+            </p:cNvPr>
+            <p:cNvCxnSpPr>
+              <a:cxnSpLocks/>
+            </p:cNvCxnSpPr>
+            <p:nvPr/>
+          </p:nvCxnSpPr>
+          <p:spPr>
+            <a:xfrm rot="16200000" flipH="1">
+              <a:off x="6556590" y="3449451"/>
+              <a:ext cx="494702" cy="146467"/>
+            </a:xfrm>
+            <a:prstGeom prst="curvedConnector3">
+              <a:avLst>
+                <a:gd name="adj1" fmla="val 104030"/>
+              </a:avLst>
+            </a:prstGeom>
+            <a:ln w="38100">
+              <a:solidFill>
+                <a:schemeClr val="accent2"/>
+              </a:solidFill>
+              <a:tailEnd type="triangle"/>
+            </a:ln>
+          </p:spPr>
+          <p:style>
+            <a:lnRef idx="1">
+              <a:schemeClr val="accent1"/>
+            </a:lnRef>
+            <a:fillRef idx="0">
+              <a:schemeClr val="accent1"/>
+            </a:fillRef>
+            <a:effectRef idx="0">
+              <a:schemeClr val="accent1"/>
+            </a:effectRef>
+            <a:fontRef idx="minor">
+              <a:schemeClr val="tx1"/>
+            </a:fontRef>
+          </p:style>
+        </p:cxnSp>
+        <p:cxnSp>
+          <p:nvCxnSpPr>
+            <p:cNvPr id="111" name="Connector: Curved 110">
+              <a:extLst>
+                <a:ext uri="{FF2B5EF4-FFF2-40B4-BE49-F238E27FC236}">
+                  <a16:creationId xmlns:a16="http://schemas.microsoft.com/office/drawing/2014/main" id="{83312DA9-D86E-4994-8C9B-F647741E14B1}"/>
+                </a:ext>
+              </a:extLst>
+            </p:cNvPr>
+            <p:cNvCxnSpPr/>
+            <p:nvPr/>
+          </p:nvCxnSpPr>
+          <p:spPr>
+            <a:xfrm rot="5400000">
+              <a:off x="7766425" y="4343044"/>
+              <a:ext cx="626418" cy="154745"/>
+            </a:xfrm>
+            <a:prstGeom prst="curvedConnector3">
+              <a:avLst>
+                <a:gd name="adj1" fmla="val 90423"/>
+              </a:avLst>
+            </a:prstGeom>
+            <a:ln w="38100">
+              <a:solidFill>
+                <a:schemeClr val="accent2"/>
+              </a:solidFill>
+              <a:tailEnd type="triangle"/>
+            </a:ln>
+          </p:spPr>
+          <p:style>
+            <a:lnRef idx="1">
+              <a:schemeClr val="accent1"/>
+            </a:lnRef>
+            <a:fillRef idx="0">
+              <a:schemeClr val="accent1"/>
+            </a:fillRef>
+            <a:effectRef idx="0">
+              <a:schemeClr val="accent1"/>
+            </a:effectRef>
+            <a:fontRef idx="minor">
+              <a:schemeClr val="tx1"/>
+            </a:fontRef>
+          </p:style>
+        </p:cxnSp>
+      </p:grpSp>
     </p:spTree>
     <p:extLst>
       <p:ext uri="{BB962C8B-B14F-4D97-AF65-F5344CB8AC3E}">
@@ -11974,8 +12280,8 @@
           <a:chExt cx="0" cy="0"/>
         </a:xfrm>
       </p:grpSpPr>
-      <mc:AlternateContent xmlns:mc="http://schemas.openxmlformats.org/markup-compatibility/2006" xmlns:a14="http://schemas.microsoft.com/office/drawing/2010/main">
-        <mc:Choice Requires="a14">
+      <mc:AlternateContent xmlns:mc="http://schemas.openxmlformats.org/markup-compatibility/2006">
+        <mc:Choice xmlns:a14="http://schemas.microsoft.com/office/drawing/2010/main" Requires="a14">
           <p:sp>
             <p:nvSpPr>
               <p:cNvPr id="2" name="Titel 1">
@@ -11999,15 +12305,7 @@
               <a:p>
                 <a:r>
                   <a:rPr lang="nl-NL" dirty="0"/>
-                  <a:t>Full </a:t>
-                </a:r>
-                <a:r>
-                  <a:rPr lang="nl-NL" dirty="0" err="1"/>
-                  <a:t>entrainment</a:t>
-                </a:r>
-                <a:r>
-                  <a:rPr lang="nl-NL" dirty="0"/>
-                  <a:t>, </a:t>
+                  <a:t>Full entrainment </a:t>
                 </a:r>
                 <a14:m>
                   <m:oMath xmlns:m="http://schemas.openxmlformats.org/officeDocument/2006/math">
@@ -12151,7 +12449,7 @@
             </p:txBody>
           </p:sp>
         </mc:Choice>
-        <mc:Fallback xmlns="">
+        <mc:Fallback>
           <p:sp>
             <p:nvSpPr>
               <p:cNvPr id="2" name="Titel 1">
@@ -12170,7 +12468,7 @@
             </p:nvSpPr>
             <p:spPr>
               <a:blipFill>
-                <a:blip r:embed="rId2"/>
+                <a:blip r:embed="rId3"/>
                 <a:stretch>
                   <a:fillRect l="-2377"/>
                 </a:stretch>
@@ -12181,7 +12479,7 @@
               <a:lstStyle/>
               <a:p>
                 <a:r>
-                  <a:rPr lang="nl-NL">
+                  <a:rPr lang="en-GB">
                     <a:noFill/>
                   </a:rPr>
                   <a:t> </a:t>
@@ -12191,68 +12489,8 @@
           </p:sp>
         </mc:Fallback>
       </mc:AlternateContent>
-      <p:pic>
-        <p:nvPicPr>
-          <p:cNvPr id="5" name="Afbeelding 4">
-            <a:extLst>
-              <a:ext uri="{FF2B5EF4-FFF2-40B4-BE49-F238E27FC236}">
-                <a16:creationId xmlns:a16="http://schemas.microsoft.com/office/drawing/2014/main" id="{4E943FAC-E543-45DB-8A1C-D2B46CF4C697}"/>
-              </a:ext>
-            </a:extLst>
-          </p:cNvPr>
-          <p:cNvPicPr/>
-          <p:nvPr/>
-        </p:nvPicPr>
-        <p:blipFill>
-          <a:blip r:embed="rId3"/>
-          <a:stretch>
-            <a:fillRect/>
-          </a:stretch>
-        </p:blipFill>
-        <p:spPr>
-          <a:xfrm>
-            <a:off x="336000" y="1604465"/>
-            <a:ext cx="5760000" cy="3852000"/>
-          </a:xfrm>
-          <a:prstGeom prst="rect">
-            <a:avLst/>
-          </a:prstGeom>
-        </p:spPr>
-      </p:pic>
-      <p:pic>
-        <p:nvPicPr>
-          <p:cNvPr id="6" name="Tijdelijke aanduiding voor inhoud 5">
-            <a:extLst>
-              <a:ext uri="{FF2B5EF4-FFF2-40B4-BE49-F238E27FC236}">
-                <a16:creationId xmlns:a16="http://schemas.microsoft.com/office/drawing/2014/main" id="{38CDDC82-3F49-473A-9F15-F393257083B7}"/>
-              </a:ext>
-            </a:extLst>
-          </p:cNvPr>
-          <p:cNvPicPr>
-            <a:picLocks noGrp="1"/>
-          </p:cNvPicPr>
-          <p:nvPr>
-            <p:ph idx="1"/>
-          </p:nvPr>
-        </p:nvPicPr>
-        <p:blipFill>
-          <a:blip r:embed="rId4"/>
-          <a:stretch>
-            <a:fillRect/>
-          </a:stretch>
-        </p:blipFill>
-        <p:spPr>
-          <a:xfrm>
-            <a:off x="6218756" y="1604465"/>
-            <a:ext cx="5760000" cy="3960000"/>
-          </a:xfrm>
-          <a:prstGeom prst="rect">
-            <a:avLst/>
-          </a:prstGeom>
-        </p:spPr>
-      </p:pic>
-      <mc:AlternateContent xmlns:mc="http://schemas.openxmlformats.org/markup-compatibility/2006" xmlns:a14="http://schemas.microsoft.com/office/drawing/2010/main">
-        <mc:Choice Requires="a14">
+      <mc:AlternateContent xmlns:mc="http://schemas.openxmlformats.org/markup-compatibility/2006">
+        <mc:Choice xmlns:a14="http://schemas.microsoft.com/office/drawing/2010/main" Requires="a14">
           <p:sp>
             <p:nvSpPr>
               <p:cNvPr id="7" name="Tekstvak 6">
@@ -12268,7 +12506,7 @@
             <p:spPr>
               <a:xfrm>
                 <a:off x="838200" y="5728995"/>
-                <a:ext cx="11140556" cy="542136"/>
+                <a:ext cx="11140556" cy="973023"/>
               </a:xfrm>
               <a:prstGeom prst="rect">
                 <a:avLst/>
@@ -12369,37 +12607,13 @@
                 </a14:m>
                 <a:r>
                   <a:rPr lang="nl-NL" sz="2800" dirty="0"/>
-                  <a:t> = 0.16:  1.8 mm </a:t>
-                </a:r>
-                <a:r>
-                  <a:rPr lang="nl-NL" sz="2800" dirty="0" err="1"/>
-                  <a:t>areal</a:t>
-                </a:r>
-                <a:r>
-                  <a:rPr lang="nl-NL" sz="2800" dirty="0"/>
-                  <a:t> </a:t>
-                </a:r>
-                <a:r>
-                  <a:rPr lang="nl-NL" sz="2800" dirty="0" err="1"/>
-                  <a:t>mean</a:t>
-                </a:r>
-                <a:r>
-                  <a:rPr lang="nl-NL" sz="2800" dirty="0"/>
-                  <a:t> </a:t>
-                </a:r>
-                <a:r>
-                  <a:rPr lang="nl-NL" sz="2800" dirty="0" err="1"/>
-                  <a:t>precipitation</a:t>
-                </a:r>
-                <a:r>
-                  <a:rPr lang="nl-NL" sz="2800" dirty="0"/>
-                  <a:t> </a:t>
+                  <a:t> = 0.16:  4.99 mm areal mean precipitation</a:t>
                 </a:r>
               </a:p>
             </p:txBody>
           </p:sp>
         </mc:Choice>
-        <mc:Fallback xmlns="">
+        <mc:Fallback>
           <p:sp>
             <p:nvSpPr>
               <p:cNvPr id="7" name="Tekstvak 6">
@@ -12417,15 +12631,15 @@
             <p:spPr>
               <a:xfrm>
                 <a:off x="838200" y="5728995"/>
-                <a:ext cx="11140556" cy="542136"/>
+                <a:ext cx="11140556" cy="973023"/>
               </a:xfrm>
               <a:prstGeom prst="rect">
                 <a:avLst/>
               </a:prstGeom>
               <a:blipFill>
-                <a:blip r:embed="rId5"/>
+                <a:blip r:embed="rId4"/>
                 <a:stretch>
-                  <a:fillRect l="-1149" t="-11236" b="-28090"/>
+                  <a:fillRect l="-1149" t="-6289" b="-17610"/>
                 </a:stretch>
               </a:blipFill>
             </p:spPr>
@@ -12434,7 +12648,7 @@
               <a:lstStyle/>
               <a:p>
                 <a:r>
-                  <a:rPr lang="nl-NL">
+                  <a:rPr lang="en-GB">
                     <a:noFill/>
                   </a:rPr>
                   <a:t> </a:t>
@@ -12444,6 +12658,519 @@
           </p:sp>
         </mc:Fallback>
       </mc:AlternateContent>
+      <p:pic>
+        <p:nvPicPr>
+          <p:cNvPr id="12" name="Afbeelding 74">
+            <a:extLst>
+              <a:ext uri="{FF2B5EF4-FFF2-40B4-BE49-F238E27FC236}">
+                <a16:creationId xmlns:a16="http://schemas.microsoft.com/office/drawing/2014/main" id="{DCF8C37B-87DC-4536-9CC8-561B44197EEA}"/>
+              </a:ext>
+            </a:extLst>
+          </p:cNvPr>
+          <p:cNvPicPr/>
+          <p:nvPr/>
+        </p:nvPicPr>
+        <p:blipFill>
+          <a:blip r:embed="rId5"/>
+          <a:stretch>
+            <a:fillRect/>
+          </a:stretch>
+        </p:blipFill>
+        <p:spPr>
+          <a:xfrm>
+            <a:off x="6218756" y="1661754"/>
+            <a:ext cx="5663932" cy="3922913"/>
+          </a:xfrm>
+          <a:prstGeom prst="rect">
+            <a:avLst/>
+          </a:prstGeom>
+        </p:spPr>
+      </p:pic>
+      <p:grpSp>
+        <p:nvGrpSpPr>
+          <p:cNvPr id="22" name="Group 21">
+            <a:extLst>
+              <a:ext uri="{FF2B5EF4-FFF2-40B4-BE49-F238E27FC236}">
+                <a16:creationId xmlns:a16="http://schemas.microsoft.com/office/drawing/2014/main" id="{890A0B42-7210-4BF3-B24D-09399A03F9B9}"/>
+              </a:ext>
+            </a:extLst>
+          </p:cNvPr>
+          <p:cNvGrpSpPr/>
+          <p:nvPr/>
+        </p:nvGrpSpPr>
+        <p:grpSpPr>
+          <a:xfrm>
+            <a:off x="178501" y="1514659"/>
+            <a:ext cx="5878671" cy="3931645"/>
+            <a:chOff x="178501" y="1514659"/>
+            <a:chExt cx="5878671" cy="3931645"/>
+          </a:xfrm>
+        </p:grpSpPr>
+        <p:pic>
+          <p:nvPicPr>
+            <p:cNvPr id="11" name="Afbeelding 1">
+              <a:extLst>
+                <a:ext uri="{FF2B5EF4-FFF2-40B4-BE49-F238E27FC236}">
+                  <a16:creationId xmlns:a16="http://schemas.microsoft.com/office/drawing/2014/main" id="{A896D4D3-9D3B-459A-8532-26228A2F8530}"/>
+                </a:ext>
+              </a:extLst>
+            </p:cNvPr>
+            <p:cNvPicPr/>
+            <p:nvPr/>
+          </p:nvPicPr>
+          <p:blipFill>
+            <a:blip r:embed="rId6"/>
+            <a:stretch>
+              <a:fillRect/>
+            </a:stretch>
+          </p:blipFill>
+          <p:spPr>
+            <a:xfrm>
+              <a:off x="178501" y="1514659"/>
+              <a:ext cx="5878671" cy="3931645"/>
+            </a:xfrm>
+            <a:prstGeom prst="rect">
+              <a:avLst/>
+            </a:prstGeom>
+          </p:spPr>
+        </p:pic>
+        <p:cxnSp>
+          <p:nvCxnSpPr>
+            <p:cNvPr id="14" name="Rechte verbindingslijn met pijl 6">
+              <a:extLst>
+                <a:ext uri="{FF2B5EF4-FFF2-40B4-BE49-F238E27FC236}">
+                  <a16:creationId xmlns:a16="http://schemas.microsoft.com/office/drawing/2014/main" id="{CA3DB65B-28F1-43CA-BA32-04A865E4CCA6}"/>
+                </a:ext>
+              </a:extLst>
+            </p:cNvPr>
+            <p:cNvCxnSpPr>
+              <a:cxnSpLocks/>
+            </p:cNvCxnSpPr>
+            <p:nvPr/>
+          </p:nvCxnSpPr>
+          <p:spPr>
+            <a:xfrm flipV="1">
+              <a:off x="1810482" y="3652726"/>
+              <a:ext cx="1129922" cy="371869"/>
+            </a:xfrm>
+            <a:prstGeom prst="straightConnector1">
+              <a:avLst/>
+            </a:prstGeom>
+            <a:ln w="57150">
+              <a:solidFill>
+                <a:srgbClr val="FFFF00"/>
+              </a:solidFill>
+              <a:tailEnd type="triangle"/>
+            </a:ln>
+          </p:spPr>
+          <p:style>
+            <a:lnRef idx="1">
+              <a:schemeClr val="accent1"/>
+            </a:lnRef>
+            <a:fillRef idx="0">
+              <a:schemeClr val="accent1"/>
+            </a:fillRef>
+            <a:effectRef idx="0">
+              <a:schemeClr val="accent1"/>
+            </a:effectRef>
+            <a:fontRef idx="minor">
+              <a:schemeClr val="tx1"/>
+            </a:fontRef>
+          </p:style>
+        </p:cxnSp>
+        <p:sp>
+          <p:nvSpPr>
+            <p:cNvPr id="15" name="Tekstvak 9">
+              <a:extLst>
+                <a:ext uri="{FF2B5EF4-FFF2-40B4-BE49-F238E27FC236}">
+                  <a16:creationId xmlns:a16="http://schemas.microsoft.com/office/drawing/2014/main" id="{E274B901-F649-4B54-9246-4568106A303C}"/>
+                </a:ext>
+              </a:extLst>
+            </p:cNvPr>
+            <p:cNvSpPr txBox="1"/>
+            <p:nvPr/>
+          </p:nvSpPr>
+          <p:spPr>
+            <a:xfrm rot="20536432">
+              <a:off x="1773991" y="3533176"/>
+              <a:ext cx="944201" cy="312025"/>
+            </a:xfrm>
+            <a:prstGeom prst="rect">
+              <a:avLst/>
+            </a:prstGeom>
+            <a:noFill/>
+          </p:spPr>
+          <p:txBody>
+            <a:bodyPr wrap="none" rtlCol="0">
+              <a:spAutoFit/>
+            </a:bodyPr>
+            <a:lstStyle/>
+            <a:p>
+              <a:r>
+                <a:rPr lang="nl-NL" dirty="0"/>
+                <a:t>isotherms</a:t>
+              </a:r>
+            </a:p>
+          </p:txBody>
+        </p:sp>
+        <p:cxnSp>
+          <p:nvCxnSpPr>
+            <p:cNvPr id="16" name="Rechte verbindingslijn met pijl 11">
+              <a:extLst>
+                <a:ext uri="{FF2B5EF4-FFF2-40B4-BE49-F238E27FC236}">
+                  <a16:creationId xmlns:a16="http://schemas.microsoft.com/office/drawing/2014/main" id="{01D9A768-25A9-41DB-8D76-83FA8761EDDF}"/>
+                </a:ext>
+              </a:extLst>
+            </p:cNvPr>
+            <p:cNvCxnSpPr/>
+            <p:nvPr/>
+          </p:nvCxnSpPr>
+          <p:spPr>
+            <a:xfrm flipV="1">
+              <a:off x="1125801" y="3480482"/>
+              <a:ext cx="0" cy="903418"/>
+            </a:xfrm>
+            <a:prstGeom prst="straightConnector1">
+              <a:avLst/>
+            </a:prstGeom>
+            <a:ln w="38100">
+              <a:solidFill>
+                <a:srgbClr val="FFFF00"/>
+              </a:solidFill>
+              <a:tailEnd type="triangle"/>
+            </a:ln>
+          </p:spPr>
+          <p:style>
+            <a:lnRef idx="1">
+              <a:schemeClr val="accent1"/>
+            </a:lnRef>
+            <a:fillRef idx="0">
+              <a:schemeClr val="accent1"/>
+            </a:fillRef>
+            <a:effectRef idx="0">
+              <a:schemeClr val="accent1"/>
+            </a:effectRef>
+            <a:fontRef idx="minor">
+              <a:schemeClr val="tx1"/>
+            </a:fontRef>
+          </p:style>
+        </p:cxnSp>
+        <p:sp>
+          <p:nvSpPr>
+            <p:cNvPr id="17" name="Tekstvak 12">
+              <a:extLst>
+                <a:ext uri="{FF2B5EF4-FFF2-40B4-BE49-F238E27FC236}">
+                  <a16:creationId xmlns:a16="http://schemas.microsoft.com/office/drawing/2014/main" id="{5BCABCFE-CE8F-4F7F-B886-B1BF9D5DB10F}"/>
+                </a:ext>
+              </a:extLst>
+            </p:cNvPr>
+            <p:cNvSpPr txBox="1"/>
+            <p:nvPr/>
+          </p:nvSpPr>
+          <p:spPr>
+            <a:xfrm rot="16200000">
+              <a:off x="998161" y="3932134"/>
+              <a:ext cx="566358" cy="312025"/>
+            </a:xfrm>
+            <a:prstGeom prst="rect">
+              <a:avLst/>
+            </a:prstGeom>
+            <a:noFill/>
+          </p:spPr>
+          <p:txBody>
+            <a:bodyPr wrap="none" rtlCol="0">
+              <a:spAutoFit/>
+            </a:bodyPr>
+            <a:lstStyle/>
+            <a:p>
+              <a:r>
+                <a:rPr lang="nl-NL" dirty="0"/>
+                <a:t>Z (m)</a:t>
+              </a:r>
+            </a:p>
+          </p:txBody>
+        </p:sp>
+        <p:cxnSp>
+          <p:nvCxnSpPr>
+            <p:cNvPr id="18" name="Rechte verbindingslijn met pijl 15">
+              <a:extLst>
+                <a:ext uri="{FF2B5EF4-FFF2-40B4-BE49-F238E27FC236}">
+                  <a16:creationId xmlns:a16="http://schemas.microsoft.com/office/drawing/2014/main" id="{98287909-C9ED-4BE1-83CF-1B67A60643CC}"/>
+                </a:ext>
+              </a:extLst>
+            </p:cNvPr>
+            <p:cNvCxnSpPr>
+              <a:cxnSpLocks/>
+            </p:cNvCxnSpPr>
+            <p:nvPr/>
+          </p:nvCxnSpPr>
+          <p:spPr>
+            <a:xfrm flipV="1">
+              <a:off x="2831621" y="4701650"/>
+              <a:ext cx="744169" cy="233881"/>
+            </a:xfrm>
+            <a:prstGeom prst="straightConnector1">
+              <a:avLst/>
+            </a:prstGeom>
+            <a:ln w="38100">
+              <a:solidFill>
+                <a:srgbClr val="FFFF00"/>
+              </a:solidFill>
+              <a:tailEnd type="triangle"/>
+            </a:ln>
+          </p:spPr>
+          <p:style>
+            <a:lnRef idx="1">
+              <a:schemeClr val="accent1"/>
+            </a:lnRef>
+            <a:fillRef idx="0">
+              <a:schemeClr val="accent1"/>
+            </a:fillRef>
+            <a:effectRef idx="0">
+              <a:schemeClr val="accent1"/>
+            </a:effectRef>
+            <a:fontRef idx="minor">
+              <a:schemeClr val="tx1"/>
+            </a:fontRef>
+          </p:style>
+        </p:cxnSp>
+        <p:sp>
+          <p:nvSpPr>
+            <p:cNvPr id="19" name="Tekstvak 18">
+              <a:extLst>
+                <a:ext uri="{FF2B5EF4-FFF2-40B4-BE49-F238E27FC236}">
+                  <a16:creationId xmlns:a16="http://schemas.microsoft.com/office/drawing/2014/main" id="{FBCC7F10-7205-4392-BAAA-64D2DA80CF92}"/>
+                </a:ext>
+              </a:extLst>
+            </p:cNvPr>
+            <p:cNvSpPr txBox="1"/>
+            <p:nvPr/>
+          </p:nvSpPr>
+          <p:spPr>
+            <a:xfrm rot="20453860">
+              <a:off x="2882735" y="4555158"/>
+              <a:ext cx="470205" cy="312025"/>
+            </a:xfrm>
+            <a:prstGeom prst="rect">
+              <a:avLst/>
+            </a:prstGeom>
+            <a:noFill/>
+          </p:spPr>
+          <p:txBody>
+            <a:bodyPr wrap="none" rtlCol="0">
+              <a:spAutoFit/>
+            </a:bodyPr>
+            <a:lstStyle/>
+            <a:p>
+              <a:r>
+                <a:rPr lang="nl-NL" dirty="0"/>
+                <a:t>0 °C</a:t>
+              </a:r>
+            </a:p>
+          </p:txBody>
+        </p:sp>
+        <p:cxnSp>
+          <p:nvCxnSpPr>
+            <p:cNvPr id="20" name="Connector: Curved 19">
+              <a:extLst>
+                <a:ext uri="{FF2B5EF4-FFF2-40B4-BE49-F238E27FC236}">
+                  <a16:creationId xmlns:a16="http://schemas.microsoft.com/office/drawing/2014/main" id="{09D9E556-F6DC-4D0B-A4D2-B7401A1BB820}"/>
+                </a:ext>
+              </a:extLst>
+            </p:cNvPr>
+            <p:cNvCxnSpPr/>
+            <p:nvPr/>
+          </p:nvCxnSpPr>
+          <p:spPr>
+            <a:xfrm rot="16200000" flipV="1">
+              <a:off x="5129378" y="4485558"/>
+              <a:ext cx="513635" cy="152429"/>
+            </a:xfrm>
+            <a:prstGeom prst="curvedConnector3">
+              <a:avLst>
+                <a:gd name="adj1" fmla="val 1186"/>
+              </a:avLst>
+            </a:prstGeom>
+            <a:ln w="38100">
+              <a:solidFill>
+                <a:srgbClr val="FFFF00"/>
+              </a:solidFill>
+              <a:tailEnd type="triangle"/>
+            </a:ln>
+          </p:spPr>
+          <p:style>
+            <a:lnRef idx="1">
+              <a:schemeClr val="accent1"/>
+            </a:lnRef>
+            <a:fillRef idx="0">
+              <a:schemeClr val="accent1"/>
+            </a:fillRef>
+            <a:effectRef idx="0">
+              <a:schemeClr val="accent1"/>
+            </a:effectRef>
+            <a:fontRef idx="minor">
+              <a:schemeClr val="tx1"/>
+            </a:fontRef>
+          </p:style>
+        </p:cxnSp>
+        <p:sp>
+          <p:nvSpPr>
+            <p:cNvPr id="21" name="Tekstvak 22">
+              <a:extLst>
+                <a:ext uri="{FF2B5EF4-FFF2-40B4-BE49-F238E27FC236}">
+                  <a16:creationId xmlns:a16="http://schemas.microsoft.com/office/drawing/2014/main" id="{46F80D53-984E-4B6D-A06A-2FEF5FC48A21}"/>
+                </a:ext>
+              </a:extLst>
+            </p:cNvPr>
+            <p:cNvSpPr txBox="1"/>
+            <p:nvPr/>
+          </p:nvSpPr>
+          <p:spPr>
+            <a:xfrm>
+              <a:off x="5324604" y="4377106"/>
+              <a:ext cx="614271" cy="369332"/>
+            </a:xfrm>
+            <a:prstGeom prst="rect">
+              <a:avLst/>
+            </a:prstGeom>
+            <a:noFill/>
+          </p:spPr>
+          <p:txBody>
+            <a:bodyPr wrap="none" rtlCol="0">
+              <a:spAutoFit/>
+            </a:bodyPr>
+            <a:lstStyle/>
+            <a:p>
+              <a:r>
+                <a:rPr lang="nl-NL" dirty="0"/>
+                <a:t>time</a:t>
+              </a:r>
+            </a:p>
+          </p:txBody>
+        </p:sp>
+      </p:grpSp>
+      <p:sp>
+        <p:nvSpPr>
+          <p:cNvPr id="23" name="Tekstvak 22">
+            <a:extLst>
+              <a:ext uri="{FF2B5EF4-FFF2-40B4-BE49-F238E27FC236}">
+                <a16:creationId xmlns:a16="http://schemas.microsoft.com/office/drawing/2014/main" id="{75935E53-0758-41BE-A82B-E39F69C94AF0}"/>
+              </a:ext>
+            </a:extLst>
+          </p:cNvPr>
+          <p:cNvSpPr txBox="1"/>
+          <p:nvPr/>
+        </p:nvSpPr>
+        <p:spPr>
+          <a:xfrm>
+            <a:off x="7099847" y="3056560"/>
+            <a:ext cx="614271" cy="369332"/>
+          </a:xfrm>
+          <a:prstGeom prst="rect">
+            <a:avLst/>
+          </a:prstGeom>
+          <a:noFill/>
+        </p:spPr>
+        <p:txBody>
+          <a:bodyPr wrap="none" rtlCol="0">
+            <a:spAutoFit/>
+          </a:bodyPr>
+          <a:lstStyle/>
+          <a:p>
+            <a:r>
+              <a:rPr lang="nl-NL" dirty="0"/>
+              <a:t>time</a:t>
+            </a:r>
+          </a:p>
+        </p:txBody>
+      </p:sp>
+      <p:cxnSp>
+        <p:nvCxnSpPr>
+          <p:cNvPr id="24" name="Rechte verbindingslijn met pijl 20">
+            <a:extLst>
+              <a:ext uri="{FF2B5EF4-FFF2-40B4-BE49-F238E27FC236}">
+                <a16:creationId xmlns:a16="http://schemas.microsoft.com/office/drawing/2014/main" id="{2C1D50CA-ADB3-4468-B0AB-1D0DB249A43E}"/>
+              </a:ext>
+            </a:extLst>
+          </p:cNvPr>
+          <p:cNvCxnSpPr>
+            <a:cxnSpLocks/>
+          </p:cNvCxnSpPr>
+          <p:nvPr/>
+        </p:nvCxnSpPr>
+        <p:spPr>
+          <a:xfrm>
+            <a:off x="7147073" y="2513055"/>
+            <a:ext cx="688632" cy="474262"/>
+          </a:xfrm>
+          <a:prstGeom prst="straightConnector1">
+            <a:avLst/>
+          </a:prstGeom>
+          <a:ln w="38100">
+            <a:tailEnd type="triangle"/>
+          </a:ln>
+        </p:spPr>
+        <p:style>
+          <a:lnRef idx="1">
+            <a:schemeClr val="accent1"/>
+          </a:lnRef>
+          <a:fillRef idx="0">
+            <a:schemeClr val="accent1"/>
+          </a:fillRef>
+          <a:effectRef idx="0">
+            <a:schemeClr val="accent1"/>
+          </a:effectRef>
+          <a:fontRef idx="minor">
+            <a:schemeClr val="tx1"/>
+          </a:fontRef>
+        </p:style>
+      </p:cxnSp>
+      <p:cxnSp>
+        <p:nvCxnSpPr>
+          <p:cNvPr id="28" name="Connector: Curved 27">
+            <a:extLst>
+              <a:ext uri="{FF2B5EF4-FFF2-40B4-BE49-F238E27FC236}">
+                <a16:creationId xmlns:a16="http://schemas.microsoft.com/office/drawing/2014/main" id="{DFA2229A-C462-4826-BEB2-02C9C3780FF3}"/>
+              </a:ext>
+            </a:extLst>
+          </p:cNvPr>
+          <p:cNvCxnSpPr>
+            <a:cxnSpLocks/>
+          </p:cNvCxnSpPr>
+          <p:nvPr/>
+        </p:nvCxnSpPr>
+        <p:spPr>
+          <a:xfrm rot="5400000">
+            <a:off x="6471885" y="4310454"/>
+            <a:ext cx="543104" cy="3"/>
+          </a:xfrm>
+          <a:prstGeom prst="curvedConnector3">
+            <a:avLst>
+              <a:gd name="adj1" fmla="val 62951"/>
+            </a:avLst>
+          </a:prstGeom>
+          <a:ln w="38100">
+            <a:solidFill>
+              <a:schemeClr val="accent2"/>
+            </a:solidFill>
+            <a:tailEnd type="triangle"/>
+          </a:ln>
+        </p:spPr>
+        <p:style>
+          <a:lnRef idx="1">
+            <a:schemeClr val="accent1"/>
+          </a:lnRef>
+          <a:fillRef idx="0">
+            <a:schemeClr val="accent1"/>
+          </a:fillRef>
+          <a:effectRef idx="0">
+            <a:schemeClr val="accent1"/>
+          </a:effectRef>
+          <a:fontRef idx="minor">
+            <a:schemeClr val="tx1"/>
+          </a:fontRef>
+        </p:style>
+      </p:cxnSp>
     </p:spTree>
     <p:extLst>
       <p:ext uri="{BB962C8B-B14F-4D97-AF65-F5344CB8AC3E}">

--- a/model_representation.pptx
+++ b/model_representation.pptx
@@ -4068,8 +4068,8 @@
           </a:p>
         </p:txBody>
       </p:sp>
-      <mc:AlternateContent xmlns:mc="http://schemas.openxmlformats.org/markup-compatibility/2006">
-        <mc:Choice xmlns:a14="http://schemas.microsoft.com/office/drawing/2010/main" Requires="a14">
+      <mc:AlternateContent xmlns:mc="http://schemas.openxmlformats.org/markup-compatibility/2006" xmlns:a14="http://schemas.microsoft.com/office/drawing/2010/main">
+        <mc:Choice Requires="a14">
           <p:sp>
             <p:nvSpPr>
               <p:cNvPr id="3" name="Tijdelijke aanduiding voor inhoud 2">
@@ -4494,7 +4494,7 @@
             </p:txBody>
           </p:sp>
         </mc:Choice>
-        <mc:Fallback>
+        <mc:Fallback xmlns="">
           <p:sp>
             <p:nvSpPr>
               <p:cNvPr id="3" name="Tijdelijke aanduiding voor inhoud 2">
@@ -5025,38 +5025,18 @@
           </a:p>
           <a:p>
             <a:r>
-              <a:rPr lang="nl-NL" dirty="0" err="1"/>
-              <a:t>Mean</a:t>
-            </a:r>
-            <a:r>
-              <a:rPr lang="nl-NL" dirty="0"/>
-              <a:t> </a:t>
-            </a:r>
-            <a:r>
-              <a:rPr lang="nl-NL" dirty="0" err="1"/>
-              <a:t>areal</a:t>
-            </a:r>
-            <a:r>
-              <a:rPr lang="nl-NL" dirty="0"/>
-              <a:t> </a:t>
-            </a:r>
-            <a:r>
-              <a:rPr lang="nl-NL" dirty="0" err="1"/>
-              <a:t>precipitation</a:t>
-            </a:r>
-            <a:r>
-              <a:rPr lang="nl-NL" dirty="0"/>
-              <a:t> of 4.6 mm</a:t>
+              <a:rPr lang="nl-NL" dirty="0"/>
+              <a:t>Mean areal precipitation of 4.40 mm</a:t>
             </a:r>
           </a:p>
         </p:txBody>
       </p:sp>
       <p:pic>
         <p:nvPicPr>
-          <p:cNvPr id="4" name="Afbeelding 3">
-            <a:extLst>
-              <a:ext uri="{FF2B5EF4-FFF2-40B4-BE49-F238E27FC236}">
-                <a16:creationId xmlns:a16="http://schemas.microsoft.com/office/drawing/2014/main" id="{EAF75F50-8052-4A06-B831-EAE9BC2E0E73}"/>
+          <p:cNvPr id="9" name="Afbeelding 76">
+            <a:extLst>
+              <a:ext uri="{FF2B5EF4-FFF2-40B4-BE49-F238E27FC236}">
+                <a16:creationId xmlns:a16="http://schemas.microsoft.com/office/drawing/2014/main" id="{0800ED32-DCB1-486E-B18C-DB06263A3141}"/>
               </a:ext>
             </a:extLst>
           </p:cNvPr>
@@ -5072,7 +5052,7 @@
         <p:spPr>
           <a:xfrm>
             <a:off x="336000" y="1690688"/>
-            <a:ext cx="5760000" cy="3852000"/>
+            <a:ext cx="5760000" cy="3852278"/>
           </a:xfrm>
           <a:prstGeom prst="rect">
             <a:avLst/>
@@ -5081,10 +5061,10 @@
       </p:pic>
       <p:pic>
         <p:nvPicPr>
-          <p:cNvPr id="5" name="Afbeelding 4">
-            <a:extLst>
-              <a:ext uri="{FF2B5EF4-FFF2-40B4-BE49-F238E27FC236}">
-                <a16:creationId xmlns:a16="http://schemas.microsoft.com/office/drawing/2014/main" id="{9656B44B-CD01-484A-B085-1BA94A3D220C}"/>
+          <p:cNvPr id="10" name="Afbeelding 78">
+            <a:extLst>
+              <a:ext uri="{FF2B5EF4-FFF2-40B4-BE49-F238E27FC236}">
+                <a16:creationId xmlns:a16="http://schemas.microsoft.com/office/drawing/2014/main" id="{29BCFAB7-6899-4B82-9521-32F322AEA47E}"/>
               </a:ext>
             </a:extLst>
           </p:cNvPr>
@@ -5099,8 +5079,8 @@
         </p:blipFill>
         <p:spPr>
           <a:xfrm>
-            <a:off x="6319997" y="1553888"/>
-            <a:ext cx="5760000" cy="3988800"/>
+            <a:off x="6326673" y="1690688"/>
+            <a:ext cx="5593992" cy="3874472"/>
           </a:xfrm>
           <a:prstGeom prst="rect">
             <a:avLst/>
@@ -5109,10 +5089,10 @@
       </p:pic>
       <p:pic>
         <p:nvPicPr>
-          <p:cNvPr id="7" name="Afbeelding 6">
-            <a:extLst>
-              <a:ext uri="{FF2B5EF4-FFF2-40B4-BE49-F238E27FC236}">
-                <a16:creationId xmlns:a16="http://schemas.microsoft.com/office/drawing/2014/main" id="{15B7FC0C-1D58-4D22-8E79-9C15B5F7D890}"/>
+          <p:cNvPr id="11" name="Afbeelding 1">
+            <a:extLst>
+              <a:ext uri="{FF2B5EF4-FFF2-40B4-BE49-F238E27FC236}">
+                <a16:creationId xmlns:a16="http://schemas.microsoft.com/office/drawing/2014/main" id="{DF85EB97-5F82-4ABC-BB6E-8A7297030761}"/>
               </a:ext>
             </a:extLst>
           </p:cNvPr>
@@ -5127,8 +5107,8 @@
         </p:blipFill>
         <p:spPr>
           <a:xfrm>
-            <a:off x="-160606" y="3429000"/>
-            <a:ext cx="2880000" cy="1926000"/>
+            <a:off x="105327" y="4566920"/>
+            <a:ext cx="2879725" cy="1925955"/>
           </a:xfrm>
           <a:prstGeom prst="rect">
             <a:avLst/>
@@ -5137,16 +5117,14 @@
       </p:pic>
       <p:pic>
         <p:nvPicPr>
-          <p:cNvPr id="8" name="Tijdelijke aanduiding voor inhoud 5">
-            <a:extLst>
-              <a:ext uri="{FF2B5EF4-FFF2-40B4-BE49-F238E27FC236}">
-                <a16:creationId xmlns:a16="http://schemas.microsoft.com/office/drawing/2014/main" id="{76DF2B51-21B8-4617-8842-6B24391A03A8}"/>
-              </a:ext>
-            </a:extLst>
-          </p:cNvPr>
-          <p:cNvPicPr>
-            <a:picLocks/>
-          </p:cNvPicPr>
+          <p:cNvPr id="12" name="Afbeelding 74">
+            <a:extLst>
+              <a:ext uri="{FF2B5EF4-FFF2-40B4-BE49-F238E27FC236}">
+                <a16:creationId xmlns:a16="http://schemas.microsoft.com/office/drawing/2014/main" id="{4FFBAA79-BBAF-4E9D-AB80-8C83C40F36ED}"/>
+              </a:ext>
+            </a:extLst>
+          </p:cNvPr>
+          <p:cNvPicPr/>
           <p:nvPr/>
         </p:nvPicPr>
         <p:blipFill>
@@ -5157,8 +5135,8 @@
         </p:blipFill>
         <p:spPr>
           <a:xfrm>
-            <a:off x="6487594" y="3429000"/>
-            <a:ext cx="2880000" cy="1980000"/>
+            <a:off x="8976275" y="4532629"/>
+            <a:ext cx="2879725" cy="1994535"/>
           </a:xfrm>
           <a:prstGeom prst="rect">
             <a:avLst/>
@@ -5230,15 +5208,7 @@
             </a:r>
             <a:r>
               <a:rPr lang="nl-NL" dirty="0"/>
-              <a:t> </a:t>
-            </a:r>
-            <a:r>
-              <a:rPr lang="nl-NL" dirty="0" err="1"/>
-              <a:t>to</a:t>
-            </a:r>
-            <a:r>
-              <a:rPr lang="nl-NL" dirty="0"/>
-              <a:t> 1e-5</a:t>
+              <a:t> to 2e-5</a:t>
             </a:r>
           </a:p>
         </p:txBody>
@@ -5296,28 +5266,8 @@
           </a:p>
           <a:p>
             <a:r>
-              <a:rPr lang="nl-NL" dirty="0" err="1"/>
-              <a:t>Mean</a:t>
-            </a:r>
-            <a:r>
-              <a:rPr lang="nl-NL" dirty="0"/>
-              <a:t> </a:t>
-            </a:r>
-            <a:r>
-              <a:rPr lang="nl-NL" dirty="0" err="1"/>
-              <a:t>areal</a:t>
-            </a:r>
-            <a:r>
-              <a:rPr lang="nl-NL" dirty="0"/>
-              <a:t> </a:t>
-            </a:r>
-            <a:r>
-              <a:rPr lang="nl-NL" dirty="0" err="1"/>
-              <a:t>precipitation</a:t>
-            </a:r>
-            <a:r>
-              <a:rPr lang="nl-NL" dirty="0"/>
-              <a:t> of 7.2 mm</a:t>
+              <a:rPr lang="nl-NL" dirty="0"/>
+              <a:t>Mean areal precipitation of 4.29 mm</a:t>
             </a:r>
           </a:p>
           <a:p>
@@ -5343,10 +5293,10 @@
       </p:sp>
       <p:pic>
         <p:nvPicPr>
-          <p:cNvPr id="4" name="Afbeelding 3">
-            <a:extLst>
-              <a:ext uri="{FF2B5EF4-FFF2-40B4-BE49-F238E27FC236}">
-                <a16:creationId xmlns:a16="http://schemas.microsoft.com/office/drawing/2014/main" id="{CE255F90-22ED-4731-B51A-39AB676CF850}"/>
+          <p:cNvPr id="10" name="Afbeelding 109">
+            <a:extLst>
+              <a:ext uri="{FF2B5EF4-FFF2-40B4-BE49-F238E27FC236}">
+                <a16:creationId xmlns:a16="http://schemas.microsoft.com/office/drawing/2014/main" id="{CF5516CD-B4C7-4258-A456-D74DB67F4251}"/>
               </a:ext>
             </a:extLst>
           </p:cNvPr>
@@ -5361,8 +5311,8 @@
         </p:blipFill>
         <p:spPr>
           <a:xfrm>
-            <a:off x="270686" y="1503000"/>
-            <a:ext cx="5760000" cy="3852000"/>
+            <a:off x="407936" y="1690688"/>
+            <a:ext cx="5511296" cy="3685945"/>
           </a:xfrm>
           <a:prstGeom prst="rect">
             <a:avLst/>
@@ -5371,10 +5321,10 @@
       </p:pic>
       <p:pic>
         <p:nvPicPr>
-          <p:cNvPr id="5" name="Afbeelding 4">
-            <a:extLst>
-              <a:ext uri="{FF2B5EF4-FFF2-40B4-BE49-F238E27FC236}">
-                <a16:creationId xmlns:a16="http://schemas.microsoft.com/office/drawing/2014/main" id="{15C02C3D-37EB-4870-8951-6C6DEABFE7B4}"/>
+          <p:cNvPr id="8" name="Afbeelding 1">
+            <a:extLst>
+              <a:ext uri="{FF2B5EF4-FFF2-40B4-BE49-F238E27FC236}">
+                <a16:creationId xmlns:a16="http://schemas.microsoft.com/office/drawing/2014/main" id="{104F789D-6E53-4832-B9B2-8ABEAE9FAE44}"/>
               </a:ext>
             </a:extLst>
           </p:cNvPr>
@@ -5389,8 +5339,8 @@
         </p:blipFill>
         <p:spPr>
           <a:xfrm>
-            <a:off x="6161316" y="1169396"/>
-            <a:ext cx="5760000" cy="3988800"/>
+            <a:off x="105327" y="3823970"/>
+            <a:ext cx="2879725" cy="1925955"/>
           </a:xfrm>
           <a:prstGeom prst="rect">
             <a:avLst/>
@@ -5399,10 +5349,10 @@
       </p:pic>
       <p:pic>
         <p:nvPicPr>
-          <p:cNvPr id="6" name="Afbeelding 5">
-            <a:extLst>
-              <a:ext uri="{FF2B5EF4-FFF2-40B4-BE49-F238E27FC236}">
-                <a16:creationId xmlns:a16="http://schemas.microsoft.com/office/drawing/2014/main" id="{3020E1D4-FA2F-47FC-9FD7-0841AC71101D}"/>
+          <p:cNvPr id="11" name="Afbeelding 111">
+            <a:extLst>
+              <a:ext uri="{FF2B5EF4-FFF2-40B4-BE49-F238E27FC236}">
+                <a16:creationId xmlns:a16="http://schemas.microsoft.com/office/drawing/2014/main" id="{E0BA8CF6-AB2A-46EA-9DBB-47D065DA96FE}"/>
               </a:ext>
             </a:extLst>
           </p:cNvPr>
@@ -5417,8 +5367,8 @@
         </p:blipFill>
         <p:spPr>
           <a:xfrm>
-            <a:off x="503952" y="3278320"/>
-            <a:ext cx="2880000" cy="1926000"/>
+            <a:off x="6221841" y="1742770"/>
+            <a:ext cx="5126039" cy="3550361"/>
           </a:xfrm>
           <a:prstGeom prst="rect">
             <a:avLst/>
@@ -5427,16 +5377,14 @@
       </p:pic>
       <p:pic>
         <p:nvPicPr>
-          <p:cNvPr id="7" name="Tijdelijke aanduiding voor inhoud 5">
-            <a:extLst>
-              <a:ext uri="{FF2B5EF4-FFF2-40B4-BE49-F238E27FC236}">
-                <a16:creationId xmlns:a16="http://schemas.microsoft.com/office/drawing/2014/main" id="{D37410DD-007F-41F2-96AE-001F6420FF09}"/>
-              </a:ext>
-            </a:extLst>
-          </p:cNvPr>
-          <p:cNvPicPr>
-            <a:picLocks/>
-          </p:cNvPicPr>
+          <p:cNvPr id="9" name="Afbeelding 74">
+            <a:extLst>
+              <a:ext uri="{FF2B5EF4-FFF2-40B4-BE49-F238E27FC236}">
+                <a16:creationId xmlns:a16="http://schemas.microsoft.com/office/drawing/2014/main" id="{15602D78-24EE-4698-82B1-ED6A9C712EBC}"/>
+              </a:ext>
+            </a:extLst>
+          </p:cNvPr>
+          <p:cNvPicPr/>
           <p:nvPr/>
         </p:nvPicPr>
         <p:blipFill>
@@ -5447,8 +5395,8 @@
         </p:blipFill>
         <p:spPr>
           <a:xfrm>
-            <a:off x="9312000" y="4214320"/>
-            <a:ext cx="2880000" cy="1980000"/>
+            <a:off x="9206948" y="4430799"/>
+            <a:ext cx="2879725" cy="1994535"/>
           </a:xfrm>
           <a:prstGeom prst="rect">
             <a:avLst/>
@@ -5843,17 +5791,56 @@
           </a:p>
         </p:txBody>
       </p:sp>
+      <p:sp>
+        <p:nvSpPr>
+          <p:cNvPr id="8" name="Tekstvak 7">
+            <a:extLst>
+              <a:ext uri="{FF2B5EF4-FFF2-40B4-BE49-F238E27FC236}">
+                <a16:creationId xmlns:a16="http://schemas.microsoft.com/office/drawing/2014/main" id="{F34F0CB6-650B-4FD5-ACDE-568F38B132F9}"/>
+              </a:ext>
+            </a:extLst>
+          </p:cNvPr>
+          <p:cNvSpPr txBox="1"/>
+          <p:nvPr/>
+        </p:nvSpPr>
+        <p:spPr>
+          <a:xfrm>
+            <a:off x="838200" y="5701004"/>
+            <a:ext cx="5238998" cy="492443"/>
+          </a:xfrm>
+          <a:prstGeom prst="rect">
+            <a:avLst/>
+          </a:prstGeom>
+          <a:noFill/>
+        </p:spPr>
+        <p:txBody>
+          <a:bodyPr wrap="none" rtlCol="0">
+            <a:spAutoFit/>
+          </a:bodyPr>
+          <a:lstStyle/>
+          <a:p>
+            <a:r>
+              <a:rPr lang="nl-NL" sz="2600" dirty="0"/>
+              <a:t>Mean areal precipitation is 9.22 mm. </a:t>
+            </a:r>
+          </a:p>
+        </p:txBody>
+      </p:sp>
       <p:pic>
         <p:nvPicPr>
-          <p:cNvPr id="4" name="Picture 82">
-            <a:extLst>
-              <a:ext uri="{FF2B5EF4-FFF2-40B4-BE49-F238E27FC236}">
-                <a16:creationId xmlns:a16="http://schemas.microsoft.com/office/drawing/2014/main" id="{64930577-2CA1-45A5-BB69-23BC06EA2413}"/>
-              </a:ext>
-            </a:extLst>
-          </p:cNvPr>
-          <p:cNvPicPr/>
-          <p:nvPr/>
+          <p:cNvPr id="10" name="Content Placeholder 9">
+            <a:extLst>
+              <a:ext uri="{FF2B5EF4-FFF2-40B4-BE49-F238E27FC236}">
+                <a16:creationId xmlns:a16="http://schemas.microsoft.com/office/drawing/2014/main" id="{5AECCF60-71B5-44ED-BD41-5C36A6392B09}"/>
+              </a:ext>
+            </a:extLst>
+          </p:cNvPr>
+          <p:cNvPicPr>
+            <a:picLocks noGrp="1"/>
+          </p:cNvPicPr>
+          <p:nvPr>
+            <p:ph idx="1"/>
+          </p:nvPr>
         </p:nvPicPr>
         <p:blipFill>
           <a:blip r:embed="rId2"/>
@@ -5863,8 +5850,8 @@
         </p:blipFill>
         <p:spPr>
           <a:xfrm>
-            <a:off x="336000" y="1564981"/>
-            <a:ext cx="5760000" cy="3852000"/>
+            <a:off x="711591" y="1690688"/>
+            <a:ext cx="5238998" cy="3503789"/>
           </a:xfrm>
           <a:prstGeom prst="rect">
             <a:avLst/>
@@ -5873,19 +5860,15 @@
       </p:pic>
       <p:pic>
         <p:nvPicPr>
-          <p:cNvPr id="5" name="Picture 84">
-            <a:extLst>
-              <a:ext uri="{FF2B5EF4-FFF2-40B4-BE49-F238E27FC236}">
-                <a16:creationId xmlns:a16="http://schemas.microsoft.com/office/drawing/2014/main" id="{473A4B01-D491-45C3-909F-B4DA547666B2}"/>
-              </a:ext>
-            </a:extLst>
-          </p:cNvPr>
-          <p:cNvPicPr>
-            <a:picLocks noGrp="1"/>
-          </p:cNvPicPr>
-          <p:nvPr>
-            <p:ph idx="1"/>
-          </p:nvPr>
+          <p:cNvPr id="11" name="Picture 10">
+            <a:extLst>
+              <a:ext uri="{FF2B5EF4-FFF2-40B4-BE49-F238E27FC236}">
+                <a16:creationId xmlns:a16="http://schemas.microsoft.com/office/drawing/2014/main" id="{F8092930-2273-4496-AF1F-A07CAEA4D680}"/>
+              </a:ext>
+            </a:extLst>
+          </p:cNvPr>
+          <p:cNvPicPr/>
+          <p:nvPr/>
         </p:nvPicPr>
         <p:blipFill>
           <a:blip r:embed="rId3"/>
@@ -5895,8 +5878,8 @@
         </p:blipFill>
         <p:spPr>
           <a:xfrm>
-            <a:off x="6096000" y="1441019"/>
-            <a:ext cx="5760000" cy="3988800"/>
+            <a:off x="6624710" y="1690688"/>
+            <a:ext cx="5058946" cy="3503789"/>
           </a:xfrm>
           <a:prstGeom prst="rect">
             <a:avLst/>
@@ -5905,10 +5888,10 @@
       </p:pic>
       <p:pic>
         <p:nvPicPr>
-          <p:cNvPr id="6" name="Afbeelding 5">
-            <a:extLst>
-              <a:ext uri="{FF2B5EF4-FFF2-40B4-BE49-F238E27FC236}">
-                <a16:creationId xmlns:a16="http://schemas.microsoft.com/office/drawing/2014/main" id="{D3154F41-6541-4B02-960E-4149A5AE443B}"/>
+          <p:cNvPr id="12" name="Afbeelding 1">
+            <a:extLst>
+              <a:ext uri="{FF2B5EF4-FFF2-40B4-BE49-F238E27FC236}">
+                <a16:creationId xmlns:a16="http://schemas.microsoft.com/office/drawing/2014/main" id="{B5C2268E-8D92-4163-973F-432C17F50593}"/>
               </a:ext>
             </a:extLst>
           </p:cNvPr>
@@ -5923,8 +5906,8 @@
         </p:blipFill>
         <p:spPr>
           <a:xfrm>
-            <a:off x="606588" y="3548288"/>
-            <a:ext cx="2880000" cy="1926000"/>
+            <a:off x="572821" y="3429000"/>
+            <a:ext cx="2879725" cy="1925955"/>
           </a:xfrm>
           <a:prstGeom prst="rect">
             <a:avLst/>
@@ -5933,16 +5916,14 @@
       </p:pic>
       <p:pic>
         <p:nvPicPr>
-          <p:cNvPr id="7" name="Tijdelijke aanduiding voor inhoud 5">
-            <a:extLst>
-              <a:ext uri="{FF2B5EF4-FFF2-40B4-BE49-F238E27FC236}">
-                <a16:creationId xmlns:a16="http://schemas.microsoft.com/office/drawing/2014/main" id="{9ED4FBC5-F708-484E-8F47-D287F81ED8CA}"/>
-              </a:ext>
-            </a:extLst>
-          </p:cNvPr>
-          <p:cNvPicPr>
-            <a:picLocks/>
-          </p:cNvPicPr>
+          <p:cNvPr id="13" name="Afbeelding 74">
+            <a:extLst>
+              <a:ext uri="{FF2B5EF4-FFF2-40B4-BE49-F238E27FC236}">
+                <a16:creationId xmlns:a16="http://schemas.microsoft.com/office/drawing/2014/main" id="{85BDE278-9FCE-4759-8AE5-181C9D229D75}"/>
+              </a:ext>
+            </a:extLst>
+          </p:cNvPr>
+          <p:cNvPicPr/>
           <p:nvPr/>
         </p:nvPicPr>
         <p:blipFill>
@@ -5953,69 +5934,14 @@
         </p:blipFill>
         <p:spPr>
           <a:xfrm>
-            <a:off x="9745728" y="3021579"/>
-            <a:ext cx="2880000" cy="1980000"/>
+            <a:off x="8803931" y="4170044"/>
+            <a:ext cx="2879725" cy="1994535"/>
           </a:xfrm>
           <a:prstGeom prst="rect">
             <a:avLst/>
           </a:prstGeom>
         </p:spPr>
       </p:pic>
-      <p:sp>
-        <p:nvSpPr>
-          <p:cNvPr id="8" name="Tekstvak 7">
-            <a:extLst>
-              <a:ext uri="{FF2B5EF4-FFF2-40B4-BE49-F238E27FC236}">
-                <a16:creationId xmlns:a16="http://schemas.microsoft.com/office/drawing/2014/main" id="{F34F0CB6-650B-4FD5-ACDE-568F38B132F9}"/>
-              </a:ext>
-            </a:extLst>
-          </p:cNvPr>
-          <p:cNvSpPr txBox="1"/>
-          <p:nvPr/>
-        </p:nvSpPr>
-        <p:spPr>
-          <a:xfrm>
-            <a:off x="838200" y="5701004"/>
-            <a:ext cx="5238998" cy="492443"/>
-          </a:xfrm>
-          <a:prstGeom prst="rect">
-            <a:avLst/>
-          </a:prstGeom>
-          <a:noFill/>
-        </p:spPr>
-        <p:txBody>
-          <a:bodyPr wrap="none" rtlCol="0">
-            <a:spAutoFit/>
-          </a:bodyPr>
-          <a:lstStyle/>
-          <a:p>
-            <a:r>
-              <a:rPr lang="nl-NL" sz="2600" dirty="0" err="1"/>
-              <a:t>Mean</a:t>
-            </a:r>
-            <a:r>
-              <a:rPr lang="nl-NL" sz="2600" dirty="0"/>
-              <a:t> </a:t>
-            </a:r>
-            <a:r>
-              <a:rPr lang="nl-NL" sz="2600" dirty="0" err="1"/>
-              <a:t>areal</a:t>
-            </a:r>
-            <a:r>
-              <a:rPr lang="nl-NL" sz="2600" dirty="0"/>
-              <a:t> </a:t>
-            </a:r>
-            <a:r>
-              <a:rPr lang="nl-NL" sz="2600" dirty="0" err="1"/>
-              <a:t>precipitation</a:t>
-            </a:r>
-            <a:r>
-              <a:rPr lang="nl-NL" sz="2600" dirty="0"/>
-              <a:t> is 13.5 mm. </a:t>
-            </a:r>
-          </a:p>
-        </p:txBody>
-      </p:sp>
     </p:spTree>
     <p:extLst>
       <p:ext uri="{BB962C8B-B14F-4D97-AF65-F5344CB8AC3E}">
@@ -6121,98 +6047,9 @@
           <a:lstStyle/>
           <a:p>
             <a:r>
-              <a:rPr lang="nl-NL" dirty="0" err="1"/>
-              <a:t>If</a:t>
-            </a:r>
-            <a:r>
-              <a:rPr lang="nl-NL" dirty="0"/>
-              <a:t> we set </a:t>
-            </a:r>
-            <a:r>
-              <a:rPr lang="nl-NL" dirty="0" err="1"/>
-              <a:t>the</a:t>
-            </a:r>
-            <a:r>
-              <a:rPr lang="nl-NL" dirty="0"/>
-              <a:t> ice </a:t>
-            </a:r>
-            <a:r>
-              <a:rPr lang="nl-NL" dirty="0" err="1"/>
-              <a:t>initiation</a:t>
-            </a:r>
-            <a:r>
-              <a:rPr lang="nl-NL" dirty="0"/>
-              <a:t> </a:t>
-            </a:r>
-            <a:r>
-              <a:rPr lang="nl-NL" dirty="0" err="1"/>
-              <a:t>lower</a:t>
-            </a:r>
-            <a:r>
-              <a:rPr lang="nl-NL" dirty="0"/>
-              <a:t>, no ice is </a:t>
-            </a:r>
-            <a:r>
-              <a:rPr lang="nl-NL" dirty="0" err="1"/>
-              <a:t>initiated</a:t>
-            </a:r>
-            <a:r>
-              <a:rPr lang="nl-NL" dirty="0"/>
-              <a:t> </a:t>
-            </a:r>
-            <a:r>
-              <a:rPr lang="nl-NL" dirty="0" err="1"/>
-              <a:t>and</a:t>
-            </a:r>
-            <a:r>
-              <a:rPr lang="nl-NL" dirty="0"/>
-              <a:t> </a:t>
-            </a:r>
-            <a:r>
-              <a:rPr lang="nl-NL" dirty="0" err="1"/>
-              <a:t>less</a:t>
-            </a:r>
-            <a:r>
-              <a:rPr lang="nl-NL" dirty="0"/>
-              <a:t> (</a:t>
-            </a:r>
-            <a:r>
-              <a:rPr lang="nl-NL" dirty="0" err="1"/>
-              <a:t>only</a:t>
-            </a:r>
-            <a:r>
-              <a:rPr lang="nl-NL" dirty="0"/>
-              <a:t> “warm”) </a:t>
-            </a:r>
-            <a:r>
-              <a:rPr lang="nl-NL" dirty="0" err="1"/>
-              <a:t>precipitation</a:t>
-            </a:r>
-            <a:r>
-              <a:rPr lang="nl-NL" dirty="0"/>
-              <a:t> </a:t>
-            </a:r>
-            <a:r>
-              <a:rPr lang="nl-NL" dirty="0" err="1"/>
-              <a:t>can</a:t>
-            </a:r>
-            <a:r>
-              <a:rPr lang="nl-NL" dirty="0"/>
-              <a:t> </a:t>
-            </a:r>
-            <a:r>
-              <a:rPr lang="nl-NL" dirty="0" err="1"/>
-              <a:t>be</a:t>
-            </a:r>
-            <a:r>
-              <a:rPr lang="nl-NL" dirty="0"/>
-              <a:t> </a:t>
-            </a:r>
-            <a:r>
-              <a:rPr lang="nl-NL" dirty="0" err="1"/>
-              <a:t>produced</a:t>
-            </a:r>
-            <a:endParaRPr lang="nl-NL" dirty="0"/>
+              <a:rPr lang="nl-NL" dirty="0"/>
+              <a:t>If we set the ice initiation lower, little ice is initiated and less (mostly “warm”) precipitation can be produced</a:t>
+            </a:r>
           </a:p>
           <a:p>
             <a:r>
@@ -6302,7 +6139,10 @@
             <a:pPr marL="0" indent="0">
               <a:buNone/>
             </a:pPr>
-            <a:endParaRPr lang="nl-NL" dirty="0"/>
+            <a:r>
+              <a:rPr lang="nl-NL" dirty="0"/>
+              <a:t>Cconv=50                                                 Cconv=1</a:t>
+            </a:r>
           </a:p>
           <a:p>
             <a:endParaRPr lang="nl-NL" dirty="0"/>
@@ -6311,10 +6151,10 @@
       </p:sp>
       <p:pic>
         <p:nvPicPr>
-          <p:cNvPr id="4" name="Picture 118">
-            <a:extLst>
-              <a:ext uri="{FF2B5EF4-FFF2-40B4-BE49-F238E27FC236}">
-                <a16:creationId xmlns:a16="http://schemas.microsoft.com/office/drawing/2014/main" id="{EAD8210E-6AB0-408E-B09D-BED60AB86C02}"/>
+          <p:cNvPr id="6" name="Picture 5">
+            <a:extLst>
+              <a:ext uri="{FF2B5EF4-FFF2-40B4-BE49-F238E27FC236}">
+                <a16:creationId xmlns:a16="http://schemas.microsoft.com/office/drawing/2014/main" id="{6AC421C8-A074-4657-B1E7-69E695750B2B}"/>
               </a:ext>
             </a:extLst>
           </p:cNvPr>
@@ -6329,8 +6169,8 @@
         </p:blipFill>
         <p:spPr>
           <a:xfrm>
-            <a:off x="838200" y="4001294"/>
-            <a:ext cx="4320000" cy="2880000"/>
+            <a:off x="586521" y="4658360"/>
+            <a:ext cx="2743200" cy="1834515"/>
           </a:xfrm>
           <a:prstGeom prst="rect">
             <a:avLst/>
@@ -6339,10 +6179,10 @@
       </p:pic>
       <p:pic>
         <p:nvPicPr>
-          <p:cNvPr id="5" name="Picture 120">
-            <a:extLst>
-              <a:ext uri="{FF2B5EF4-FFF2-40B4-BE49-F238E27FC236}">
-                <a16:creationId xmlns:a16="http://schemas.microsoft.com/office/drawing/2014/main" id="{B073DEED-F9BB-4776-8C12-8CF2F439DE00}"/>
+          <p:cNvPr id="7" name="Picture 6">
+            <a:extLst>
+              <a:ext uri="{FF2B5EF4-FFF2-40B4-BE49-F238E27FC236}">
+                <a16:creationId xmlns:a16="http://schemas.microsoft.com/office/drawing/2014/main" id="{28F4C643-7EA6-4442-9A02-EAB02814334E}"/>
               </a:ext>
             </a:extLst>
           </p:cNvPr>
@@ -6357,8 +6197,64 @@
         </p:blipFill>
         <p:spPr>
           <a:xfrm>
-            <a:off x="6189307" y="3978000"/>
-            <a:ext cx="4320000" cy="2880000"/>
+            <a:off x="3352800" y="4658360"/>
+            <a:ext cx="2743200" cy="1899920"/>
+          </a:xfrm>
+          <a:prstGeom prst="rect">
+            <a:avLst/>
+          </a:prstGeom>
+        </p:spPr>
+      </p:pic>
+      <p:pic>
+        <p:nvPicPr>
+          <p:cNvPr id="8" name="Picture 7">
+            <a:extLst>
+              <a:ext uri="{FF2B5EF4-FFF2-40B4-BE49-F238E27FC236}">
+                <a16:creationId xmlns:a16="http://schemas.microsoft.com/office/drawing/2014/main" id="{F4ADB074-BC38-4F30-AA71-0EE97D9A52FD}"/>
+              </a:ext>
+            </a:extLst>
+          </p:cNvPr>
+          <p:cNvPicPr/>
+          <p:nvPr/>
+        </p:nvPicPr>
+        <p:blipFill>
+          <a:blip r:embed="rId4"/>
+          <a:stretch>
+            <a:fillRect/>
+          </a:stretch>
+        </p:blipFill>
+        <p:spPr>
+          <a:xfrm>
+            <a:off x="6538913" y="4723765"/>
+            <a:ext cx="2743200" cy="1834515"/>
+          </a:xfrm>
+          <a:prstGeom prst="rect">
+            <a:avLst/>
+          </a:prstGeom>
+        </p:spPr>
+      </p:pic>
+      <p:pic>
+        <p:nvPicPr>
+          <p:cNvPr id="9" name="Picture 8">
+            <a:extLst>
+              <a:ext uri="{FF2B5EF4-FFF2-40B4-BE49-F238E27FC236}">
+                <a16:creationId xmlns:a16="http://schemas.microsoft.com/office/drawing/2014/main" id="{4D2B14E7-4C4E-4C5A-B883-8D6485BE4F75}"/>
+              </a:ext>
+            </a:extLst>
+          </p:cNvPr>
+          <p:cNvPicPr/>
+          <p:nvPr/>
+        </p:nvPicPr>
+        <p:blipFill>
+          <a:blip r:embed="rId5"/>
+          <a:stretch>
+            <a:fillRect/>
+          </a:stretch>
+        </p:blipFill>
+        <p:spPr>
+          <a:xfrm>
+            <a:off x="9282113" y="4723765"/>
+            <a:ext cx="2743200" cy="1899920"/>
           </a:xfrm>
           <a:prstGeom prst="rect">
             <a:avLst/>
@@ -6503,14 +6399,14 @@
           <p:nvPr>
             <p:extLst>
               <p:ext uri="{D42A27DB-BD31-4B8C-83A1-F6EECF244321}">
-                <p14:modId xmlns:p14="http://schemas.microsoft.com/office/powerpoint/2010/main" val="984786309"/>
+                <p14:modId xmlns:p14="http://schemas.microsoft.com/office/powerpoint/2010/main" val="604655352"/>
               </p:ext>
             </p:extLst>
           </p:nvPr>
         </p:nvGraphicFramePr>
         <p:xfrm>
-          <a:off x="1135356" y="2646120"/>
-          <a:ext cx="4430944" cy="1764894"/>
+          <a:off x="1402642" y="2660188"/>
+          <a:ext cx="4430944" cy="1874690"/>
         </p:xfrm>
         <a:graphic>
           <a:graphicData uri="http://schemas.openxmlformats.org/drawingml/2006/table">
@@ -6555,18 +6451,9 @@
                     <a:lstStyle/>
                     <a:p>
                       <a:r>
-                        <a:rPr lang="nl-NL" dirty="0" err="1"/>
+                        <a:rPr lang="nl-NL" dirty="0"/>
                         <a:t>Precipitation</a:t>
                       </a:r>
-                      <a:r>
-                        <a:rPr lang="nl-NL" dirty="0"/>
-                        <a:t> </a:t>
-                      </a:r>
-                      <a:r>
-                        <a:rPr lang="nl-NL" dirty="0" err="1"/>
-                        <a:t>reduction</a:t>
-                      </a:r>
-                      <a:endParaRPr lang="nl-NL" dirty="0"/>
                     </a:p>
                   </a:txBody>
                   <a:tcPr/>
@@ -6598,7 +6485,7 @@
                     <a:p>
                       <a:r>
                         <a:rPr lang="nl-NL" dirty="0"/>
-                        <a:t>49%</a:t>
+                        <a:t>2.34</a:t>
                       </a:r>
                     </a:p>
                   </a:txBody>
@@ -6631,7 +6518,7 @@
                     <a:p>
                       <a:r>
                         <a:rPr lang="nl-NL" dirty="0"/>
-                        <a:t>83%</a:t>
+                        <a:t>0.34</a:t>
                       </a:r>
                     </a:p>
                   </a:txBody>
@@ -6664,7 +6551,7 @@
                     <a:p>
                       <a:r>
                         <a:rPr lang="nl-NL" dirty="0"/>
-                        <a:t>90%</a:t>
+                        <a:t>0.18</a:t>
                       </a:r>
                     </a:p>
                   </a:txBody>
@@ -6673,6 +6560,39 @@
                 <a:extLst>
                   <a:ext uri="{0D108BD9-81ED-4DB2-BD59-A6C34878D82A}">
                     <a16:rowId xmlns:a16="http://schemas.microsoft.com/office/drawing/2014/main" val="3431542153"/>
+                  </a:ext>
+                </a:extLst>
+              </a:tr>
+              <a:tr h="374938">
+                <a:tc>
+                  <a:txBody>
+                    <a:bodyPr/>
+                    <a:lstStyle/>
+                    <a:p>
+                      <a:r>
+                        <a:rPr lang="nl-NL" dirty="0"/>
+                        <a:t>99%</a:t>
+                      </a:r>
+                    </a:p>
+                  </a:txBody>
+                  <a:tcPr/>
+                </a:tc>
+                <a:tc>
+                  <a:txBody>
+                    <a:bodyPr/>
+                    <a:lstStyle/>
+                    <a:p>
+                      <a:r>
+                        <a:rPr lang="nl-NL" dirty="0"/>
+                        <a:t>0.11</a:t>
+                      </a:r>
+                    </a:p>
+                  </a:txBody>
+                  <a:tcPr/>
+                </a:tc>
+                <a:extLst>
+                  <a:ext uri="{0D108BD9-81ED-4DB2-BD59-A6C34878D82A}">
+                    <a16:rowId xmlns:a16="http://schemas.microsoft.com/office/drawing/2014/main" val="3951138971"/>
                   </a:ext>
                 </a:extLst>
               </a:tr>
@@ -7840,7 +7760,7 @@
         </p:nvSpPr>
         <p:spPr>
           <a:xfrm>
-            <a:off x="3070368" y="5025009"/>
+            <a:off x="2859667" y="4060275"/>
             <a:ext cx="2332139" cy="1442906"/>
           </a:xfrm>
           <a:prstGeom prst="roundRect">
@@ -7890,7 +7810,7 @@
         </p:nvSpPr>
         <p:spPr>
           <a:xfrm>
-            <a:off x="5402507" y="5146650"/>
+            <a:off x="5242030" y="4071249"/>
             <a:ext cx="2776755" cy="478172"/>
           </a:xfrm>
           <a:prstGeom prst="rightArrow">
@@ -7939,8 +7859,8 @@
         </p:nvSpPr>
         <p:spPr>
           <a:xfrm>
-            <a:off x="293613" y="5746462"/>
-            <a:ext cx="2776755" cy="478172"/>
+            <a:off x="450385" y="4785923"/>
+            <a:ext cx="2332139" cy="478172"/>
           </a:xfrm>
           <a:prstGeom prst="rightArrow">
             <a:avLst/>
@@ -7988,8 +7908,8 @@
         </p:nvSpPr>
         <p:spPr>
           <a:xfrm>
-            <a:off x="293613" y="5146650"/>
-            <a:ext cx="2776755" cy="478172"/>
+            <a:off x="565061" y="4052860"/>
+            <a:ext cx="2140321" cy="478172"/>
           </a:xfrm>
           <a:prstGeom prst="leftArrow">
             <a:avLst/>
@@ -8037,7 +7957,7 @@
         </p:nvSpPr>
         <p:spPr>
           <a:xfrm>
-            <a:off x="5402507" y="5746462"/>
+            <a:off x="5322645" y="4785923"/>
             <a:ext cx="2737607" cy="478172"/>
           </a:xfrm>
           <a:prstGeom prst="leftArrow">
@@ -8086,7 +8006,7 @@
         </p:nvSpPr>
         <p:spPr>
           <a:xfrm>
-            <a:off x="3921850" y="3347211"/>
+            <a:off x="3527363" y="2035309"/>
             <a:ext cx="526582" cy="1677798"/>
           </a:xfrm>
           <a:prstGeom prst="upDownArrow">
@@ -10399,18 +10319,16 @@
           <a:lstStyle/>
           <a:p>
             <a:r>
-              <a:rPr lang="nl-NL" dirty="0" err="1"/>
-              <a:t>Environmental</a:t>
-            </a:r>
-            <a:r>
-              <a:rPr lang="nl-NL" dirty="0"/>
-              <a:t> profile + </a:t>
-            </a:r>
-            <a:r>
-              <a:rPr lang="nl-NL" dirty="0" err="1"/>
-              <a:t>assumptions</a:t>
-            </a:r>
-            <a:endParaRPr lang="nl-NL" dirty="0"/>
+              <a:rPr lang="nl-NL" dirty="0"/>
+              <a:t>Environmental profile</a:t>
+            </a:r>
+            <a:br>
+              <a:rPr lang="nl-NL" dirty="0"/>
+            </a:br>
+            <a:r>
+              <a:rPr lang="nl-NL" dirty="0"/>
+              <a:t> + assumptions</a:t>
+            </a:r>
           </a:p>
         </p:txBody>
       </p:sp>
@@ -11433,8 +11351,8 @@
           <a:chExt cx="0" cy="0"/>
         </a:xfrm>
       </p:grpSpPr>
-      <mc:AlternateContent xmlns:mc="http://schemas.openxmlformats.org/markup-compatibility/2006">
-        <mc:Choice xmlns:a14="http://schemas.microsoft.com/office/drawing/2010/main" Requires="a14">
+      <mc:AlternateContent xmlns:mc="http://schemas.openxmlformats.org/markup-compatibility/2006" xmlns:a14="http://schemas.microsoft.com/office/drawing/2010/main">
+        <mc:Choice Requires="a14">
           <p:sp>
             <p:nvSpPr>
               <p:cNvPr id="2" name="Titel 1">
@@ -11532,7 +11450,7 @@
             </p:txBody>
           </p:sp>
         </mc:Choice>
-        <mc:Fallback>
+        <mc:Fallback xmlns="">
           <p:sp>
             <p:nvSpPr>
               <p:cNvPr id="2" name="Titel 1">
@@ -12280,8 +12198,8 @@
           <a:chExt cx="0" cy="0"/>
         </a:xfrm>
       </p:grpSpPr>
-      <mc:AlternateContent xmlns:mc="http://schemas.openxmlformats.org/markup-compatibility/2006">
-        <mc:Choice xmlns:a14="http://schemas.microsoft.com/office/drawing/2010/main" Requires="a14">
+      <mc:AlternateContent xmlns:mc="http://schemas.openxmlformats.org/markup-compatibility/2006" xmlns:a14="http://schemas.microsoft.com/office/drawing/2010/main">
+        <mc:Choice Requires="a14">
           <p:sp>
             <p:nvSpPr>
               <p:cNvPr id="2" name="Titel 1">
@@ -12449,7 +12367,7 @@
             </p:txBody>
           </p:sp>
         </mc:Choice>
-        <mc:Fallback>
+        <mc:Fallback xmlns="">
           <p:sp>
             <p:nvSpPr>
               <p:cNvPr id="2" name="Titel 1">
@@ -12489,8 +12407,8 @@
           </p:sp>
         </mc:Fallback>
       </mc:AlternateContent>
-      <mc:AlternateContent xmlns:mc="http://schemas.openxmlformats.org/markup-compatibility/2006">
-        <mc:Choice xmlns:a14="http://schemas.microsoft.com/office/drawing/2010/main" Requires="a14">
+      <mc:AlternateContent xmlns:mc="http://schemas.openxmlformats.org/markup-compatibility/2006" xmlns:a14="http://schemas.microsoft.com/office/drawing/2010/main">
+        <mc:Choice Requires="a14">
           <p:sp>
             <p:nvSpPr>
               <p:cNvPr id="7" name="Tekstvak 6">
@@ -12613,7 +12531,7 @@
             </p:txBody>
           </p:sp>
         </mc:Choice>
-        <mc:Fallback>
+        <mc:Fallback xmlns="">
           <p:sp>
             <p:nvSpPr>
               <p:cNvPr id="7" name="Tekstvak 6">

--- a/model_representation.pptx
+++ b/model_representation.pptx
@@ -426,7 +426,7 @@
           <a:p>
             <a:fld id="{98E3D734-B365-4FFE-9B0E-36405F1FAB16}" type="slidenum">
               <a:rPr lang="nl-NL" smtClean="0"/>
-              <a:t>‹#›</a:t>
+              <a:t>‹nr.›</a:t>
             </a:fld>
             <a:endParaRPr lang="nl-NL"/>
           </a:p>
@@ -684,6 +684,90 @@
           <a:p>
             <a:fld id="{98E3D734-B365-4FFE-9B0E-36405F1FAB16}" type="slidenum">
               <a:rPr lang="nl-NL" smtClean="0"/>
+              <a:t>15</a:t>
+            </a:fld>
+            <a:endParaRPr lang="nl-NL"/>
+          </a:p>
+        </p:txBody>
+      </p:sp>
+    </p:spTree>
+    <p:extLst>
+      <p:ext uri="{BB962C8B-B14F-4D97-AF65-F5344CB8AC3E}">
+        <p14:creationId xmlns:p14="http://schemas.microsoft.com/office/powerpoint/2010/main" val="1203796465"/>
+      </p:ext>
+    </p:extLst>
+  </p:cSld>
+  <p:clrMapOvr>
+    <a:masterClrMapping/>
+  </p:clrMapOvr>
+</p:notes>
+</file>
+
+<file path=ppt/notesSlides/notesSlide3.xml><?xml version="1.0" encoding="utf-8"?>
+<p:notes xmlns:a="http://schemas.openxmlformats.org/drawingml/2006/main" xmlns:r="http://schemas.openxmlformats.org/officeDocument/2006/relationships" xmlns:p="http://schemas.openxmlformats.org/presentationml/2006/main">
+  <p:cSld>
+    <p:spTree>
+      <p:nvGrpSpPr>
+        <p:cNvPr id="1" name=""/>
+        <p:cNvGrpSpPr/>
+        <p:nvPr/>
+      </p:nvGrpSpPr>
+      <p:grpSpPr>
+        <a:xfrm>
+          <a:off x="0" y="0"/>
+          <a:ext cx="0" cy="0"/>
+          <a:chOff x="0" y="0"/>
+          <a:chExt cx="0" cy="0"/>
+        </a:xfrm>
+      </p:grpSpPr>
+      <p:sp>
+        <p:nvSpPr>
+          <p:cNvPr id="2" name="Tijdelijke aanduiding voor dia-afbeelding 1"/>
+          <p:cNvSpPr>
+            <a:spLocks noGrp="1" noRot="1" noChangeAspect="1"/>
+          </p:cNvSpPr>
+          <p:nvPr>
+            <p:ph type="sldImg"/>
+          </p:nvPr>
+        </p:nvSpPr>
+        <p:spPr/>
+      </p:sp>
+      <p:sp>
+        <p:nvSpPr>
+          <p:cNvPr id="3" name="Tijdelijke aanduiding voor notities 2"/>
+          <p:cNvSpPr>
+            <a:spLocks noGrp="1"/>
+          </p:cNvSpPr>
+          <p:nvPr>
+            <p:ph type="body" idx="1"/>
+          </p:nvPr>
+        </p:nvSpPr>
+        <p:spPr/>
+        <p:txBody>
+          <a:bodyPr/>
+          <a:lstStyle/>
+          <a:p>
+            <a:endParaRPr lang="nl-NL" dirty="0"/>
+          </a:p>
+        </p:txBody>
+      </p:sp>
+      <p:sp>
+        <p:nvSpPr>
+          <p:cNvPr id="4" name="Tijdelijke aanduiding voor dianummer 3"/>
+          <p:cNvSpPr>
+            <a:spLocks noGrp="1"/>
+          </p:cNvSpPr>
+          <p:nvPr>
+            <p:ph type="sldNum" sz="quarter" idx="5"/>
+          </p:nvPr>
+        </p:nvSpPr>
+        <p:spPr/>
+        <p:txBody>
+          <a:bodyPr/>
+          <a:lstStyle/>
+          <a:p>
+            <a:fld id="{98E3D734-B365-4FFE-9B0E-36405F1FAB16}" type="slidenum">
+              <a:rPr lang="nl-NL" smtClean="0"/>
               <a:t>18</a:t>
             </a:fld>
             <a:endParaRPr lang="nl-NL"/>
@@ -904,7 +988,7 @@
           <a:p>
             <a:fld id="{D7A273E9-B73F-4071-BCEA-AD3C272F9352}" type="slidenum">
               <a:rPr lang="nl-NL" smtClean="0"/>
-              <a:t>‹#›</a:t>
+              <a:t>‹nr.›</a:t>
             </a:fld>
             <a:endParaRPr lang="nl-NL"/>
           </a:p>
@@ -1102,7 +1186,7 @@
           <a:p>
             <a:fld id="{D7A273E9-B73F-4071-BCEA-AD3C272F9352}" type="slidenum">
               <a:rPr lang="nl-NL" smtClean="0"/>
-              <a:t>‹#›</a:t>
+              <a:t>‹nr.›</a:t>
             </a:fld>
             <a:endParaRPr lang="nl-NL"/>
           </a:p>
@@ -1310,7 +1394,7 @@
           <a:p>
             <a:fld id="{D7A273E9-B73F-4071-BCEA-AD3C272F9352}" type="slidenum">
               <a:rPr lang="nl-NL" smtClean="0"/>
-              <a:t>‹#›</a:t>
+              <a:t>‹nr.›</a:t>
             </a:fld>
             <a:endParaRPr lang="nl-NL"/>
           </a:p>
@@ -1508,7 +1592,7 @@
           <a:p>
             <a:fld id="{D7A273E9-B73F-4071-BCEA-AD3C272F9352}" type="slidenum">
               <a:rPr lang="nl-NL" smtClean="0"/>
-              <a:t>‹#›</a:t>
+              <a:t>‹nr.›</a:t>
             </a:fld>
             <a:endParaRPr lang="nl-NL"/>
           </a:p>
@@ -1783,7 +1867,7 @@
           <a:p>
             <a:fld id="{D7A273E9-B73F-4071-BCEA-AD3C272F9352}" type="slidenum">
               <a:rPr lang="nl-NL" smtClean="0"/>
-              <a:t>‹#›</a:t>
+              <a:t>‹nr.›</a:t>
             </a:fld>
             <a:endParaRPr lang="nl-NL"/>
           </a:p>
@@ -2048,7 +2132,7 @@
           <a:p>
             <a:fld id="{D7A273E9-B73F-4071-BCEA-AD3C272F9352}" type="slidenum">
               <a:rPr lang="nl-NL" smtClean="0"/>
-              <a:t>‹#›</a:t>
+              <a:t>‹nr.›</a:t>
             </a:fld>
             <a:endParaRPr lang="nl-NL"/>
           </a:p>
@@ -2460,7 +2544,7 @@
           <a:p>
             <a:fld id="{D7A273E9-B73F-4071-BCEA-AD3C272F9352}" type="slidenum">
               <a:rPr lang="nl-NL" smtClean="0"/>
-              <a:t>‹#›</a:t>
+              <a:t>‹nr.›</a:t>
             </a:fld>
             <a:endParaRPr lang="nl-NL"/>
           </a:p>
@@ -2601,7 +2685,7 @@
           <a:p>
             <a:fld id="{D7A273E9-B73F-4071-BCEA-AD3C272F9352}" type="slidenum">
               <a:rPr lang="nl-NL" smtClean="0"/>
-              <a:t>‹#›</a:t>
+              <a:t>‹nr.›</a:t>
             </a:fld>
             <a:endParaRPr lang="nl-NL"/>
           </a:p>
@@ -2714,7 +2798,7 @@
           <a:p>
             <a:fld id="{D7A273E9-B73F-4071-BCEA-AD3C272F9352}" type="slidenum">
               <a:rPr lang="nl-NL" smtClean="0"/>
-              <a:t>‹#›</a:t>
+              <a:t>‹nr.›</a:t>
             </a:fld>
             <a:endParaRPr lang="nl-NL"/>
           </a:p>
@@ -3025,7 +3109,7 @@
           <a:p>
             <a:fld id="{D7A273E9-B73F-4071-BCEA-AD3C272F9352}" type="slidenum">
               <a:rPr lang="nl-NL" smtClean="0"/>
-              <a:t>‹#›</a:t>
+              <a:t>‹nr.›</a:t>
             </a:fld>
             <a:endParaRPr lang="nl-NL"/>
           </a:p>
@@ -3313,7 +3397,7 @@
           <a:p>
             <a:fld id="{D7A273E9-B73F-4071-BCEA-AD3C272F9352}" type="slidenum">
               <a:rPr lang="nl-NL" smtClean="0"/>
-              <a:t>‹#›</a:t>
+              <a:t>‹nr.›</a:t>
             </a:fld>
             <a:endParaRPr lang="nl-NL"/>
           </a:p>
@@ -3590,7 +3674,7 @@
           <a:p>
             <a:fld id="{D7A273E9-B73F-4071-BCEA-AD3C272F9352}" type="slidenum">
               <a:rPr lang="nl-NL" smtClean="0"/>
-              <a:t>‹#›</a:t>
+              <a:t>‹nr.›</a:t>
             </a:fld>
             <a:endParaRPr lang="nl-NL"/>
           </a:p>
@@ -4031,6 +4115,60 @@
           <a:chExt cx="0" cy="0"/>
         </a:xfrm>
       </p:grpSpPr>
+      <p:pic>
+        <p:nvPicPr>
+          <p:cNvPr id="15" name="Afbeelding 14">
+            <a:extLst>
+              <a:ext uri="{FF2B5EF4-FFF2-40B4-BE49-F238E27FC236}">
+                <a16:creationId xmlns:a16="http://schemas.microsoft.com/office/drawing/2014/main" id="{8C20A91F-23D9-40B0-9623-5E8413AFEE20}"/>
+              </a:ext>
+            </a:extLst>
+          </p:cNvPr>
+          <p:cNvPicPr/>
+          <p:nvPr/>
+        </p:nvPicPr>
+        <p:blipFill rotWithShape="1">
+          <a:blip r:embed="rId2"/>
+          <a:srcRect l="71700" t="51909" r="11874" b="11161"/>
+          <a:stretch/>
+        </p:blipFill>
+        <p:spPr>
+          <a:xfrm>
+            <a:off x="1990814" y="3479585"/>
+            <a:ext cx="1872000" cy="2880000"/>
+          </a:xfrm>
+          <a:prstGeom prst="rect">
+            <a:avLst/>
+          </a:prstGeom>
+        </p:spPr>
+      </p:pic>
+      <p:pic>
+        <p:nvPicPr>
+          <p:cNvPr id="14" name="Afbeelding 13">
+            <a:extLst>
+              <a:ext uri="{FF2B5EF4-FFF2-40B4-BE49-F238E27FC236}">
+                <a16:creationId xmlns:a16="http://schemas.microsoft.com/office/drawing/2014/main" id="{FBDE143B-482B-487D-B5A1-970CE1F999EE}"/>
+              </a:ext>
+            </a:extLst>
+          </p:cNvPr>
+          <p:cNvPicPr/>
+          <p:nvPr/>
+        </p:nvPicPr>
+        <p:blipFill rotWithShape="1">
+          <a:blip r:embed="rId3"/>
+          <a:srcRect l="3000" t="45752" r="42760" b="5731"/>
+          <a:stretch/>
+        </p:blipFill>
+        <p:spPr>
+          <a:xfrm>
+            <a:off x="4138520" y="3395900"/>
+            <a:ext cx="4697997" cy="2916000"/>
+          </a:xfrm>
+          <a:prstGeom prst="rect">
+            <a:avLst/>
+          </a:prstGeom>
+        </p:spPr>
+      </p:pic>
       <p:sp>
         <p:nvSpPr>
           <p:cNvPr id="2" name="Titel 1">
@@ -4093,7 +4231,47 @@
               <a:p>
                 <a:r>
                   <a:rPr lang="nl-NL" dirty="0"/>
-                  <a:t>Both momentum eq.</a:t>
+                  <a:t>Both momentum </a:t>
+                </a:r>
+                <a:r>
+                  <a:rPr lang="nl-NL" dirty="0" err="1"/>
+                  <a:t>eq</a:t>
+                </a:r>
+                <a:r>
+                  <a:rPr lang="nl-NL" dirty="0"/>
+                  <a:t>. </a:t>
+                </a:r>
+                <a:r>
+                  <a:rPr lang="nl-NL" dirty="0" err="1"/>
+                  <a:t>and</a:t>
+                </a:r>
+                <a:r>
+                  <a:rPr lang="nl-NL" dirty="0"/>
+                  <a:t> </a:t>
+                </a:r>
+                <a:r>
+                  <a:rPr lang="nl-NL" dirty="0" err="1"/>
+                  <a:t>phase</a:t>
+                </a:r>
+                <a:r>
+                  <a:rPr lang="nl-NL" dirty="0"/>
+                  <a:t> of </a:t>
+                </a:r>
+                <a:r>
+                  <a:rPr lang="nl-NL" dirty="0" err="1"/>
+                  <a:t>the</a:t>
+                </a:r>
+                <a:r>
+                  <a:rPr lang="nl-NL" dirty="0"/>
+                  <a:t> </a:t>
+                </a:r>
+                <a:r>
+                  <a:rPr lang="nl-NL" dirty="0" err="1"/>
+                  <a:t>cloud</a:t>
+                </a:r>
+                <a:r>
+                  <a:rPr lang="nl-NL" dirty="0"/>
+                  <a:t> content</a:t>
                 </a:r>
               </a:p>
               <a:p>
@@ -4412,85 +4590,6 @@
                 </a14:m>
                 <a:endParaRPr lang="nl-NL" dirty="0"/>
               </a:p>
-              <a:p>
-                <a:r>
-                  <a:rPr lang="nl-NL" dirty="0" err="1"/>
-                  <a:t>And</a:t>
-                </a:r>
-                <a:r>
-                  <a:rPr lang="nl-NL" dirty="0"/>
-                  <a:t> </a:t>
-                </a:r>
-                <a:r>
-                  <a:rPr lang="nl-NL" dirty="0" err="1"/>
-                  <a:t>phase</a:t>
-                </a:r>
-                <a:r>
-                  <a:rPr lang="nl-NL" dirty="0"/>
-                  <a:t> of </a:t>
-                </a:r>
-                <a:r>
-                  <a:rPr lang="nl-NL" dirty="0" err="1"/>
-                  <a:t>cloud</a:t>
-                </a:r>
-                <a:r>
-                  <a:rPr lang="nl-NL" dirty="0"/>
-                  <a:t> content</a:t>
-                </a:r>
-              </a:p>
-              <a:p>
-                <a:r>
-                  <a:rPr lang="nl-NL" dirty="0"/>
-                  <a:t>Minor changes </a:t>
-                </a:r>
-              </a:p>
-              <a:p>
-                <a:pPr marL="0" indent="0">
-                  <a:buNone/>
-                </a:pPr>
-                <a:r>
-                  <a:rPr lang="nl-NL" dirty="0"/>
-                  <a:t>(</a:t>
-                </a:r>
-                <a:r>
-                  <a:rPr lang="nl-NL" dirty="0" err="1"/>
-                  <a:t>including</a:t>
-                </a:r>
-                <a:r>
-                  <a:rPr lang="nl-NL" dirty="0"/>
-                  <a:t> time step)</a:t>
-                </a:r>
-              </a:p>
-              <a:p>
-                <a:pPr marL="0" indent="0">
-                  <a:buNone/>
-                </a:pPr>
-                <a:r>
-                  <a:rPr lang="nl-NL" dirty="0"/>
-                  <a:t>lead </a:t>
-                </a:r>
-                <a:r>
-                  <a:rPr lang="nl-NL" dirty="0" err="1"/>
-                  <a:t>to</a:t>
-                </a:r>
-                <a:r>
-                  <a:rPr lang="nl-NL" dirty="0"/>
-                  <a:t> </a:t>
-                </a:r>
-                <a:r>
-                  <a:rPr lang="nl-NL" dirty="0" err="1"/>
-                  <a:t>very</a:t>
-                </a:r>
-                <a:r>
-                  <a:rPr lang="nl-NL" dirty="0"/>
-                  <a:t> different </a:t>
-                </a:r>
-                <a:r>
-                  <a:rPr lang="nl-NL" dirty="0" err="1"/>
-                  <a:t>results</a:t>
-                </a:r>
-                <a:endParaRPr lang="nl-NL" dirty="0"/>
-              </a:p>
             </p:txBody>
           </p:sp>
         </mc:Choice>
@@ -4513,9 +4612,9 @@
             </p:nvSpPr>
             <p:spPr>
               <a:blipFill>
-                <a:blip r:embed="rId2"/>
+                <a:blip r:embed="rId4"/>
                 <a:stretch>
-                  <a:fillRect l="-1217" t="-2241"/>
+                  <a:fillRect l="-1043" t="-2241"/>
                 </a:stretch>
               </a:blipFill>
             </p:spPr>
@@ -4524,7 +4623,7 @@
               <a:lstStyle/>
               <a:p>
                 <a:r>
-                  <a:rPr lang="en-GB">
+                  <a:rPr lang="nl-NL">
                     <a:noFill/>
                   </a:rPr>
                   <a:t> </a:t>
@@ -4534,33 +4633,6 @@
           </p:sp>
         </mc:Fallback>
       </mc:AlternateContent>
-      <p:pic>
-        <p:nvPicPr>
-          <p:cNvPr id="5" name="Afbeelding 4">
-            <a:extLst>
-              <a:ext uri="{FF2B5EF4-FFF2-40B4-BE49-F238E27FC236}">
-                <a16:creationId xmlns:a16="http://schemas.microsoft.com/office/drawing/2014/main" id="{992710F3-33ED-48D1-AF48-34B4C379076F}"/>
-              </a:ext>
-            </a:extLst>
-          </p:cNvPr>
-          <p:cNvPicPr/>
-          <p:nvPr/>
-        </p:nvPicPr>
-        <p:blipFill rotWithShape="1">
-          <a:blip r:embed="rId3"/>
-          <a:srcRect l="72796" t="47366" r="12309" b="9396"/>
-          <a:stretch/>
-        </p:blipFill>
-        <p:spPr>
-          <a:xfrm>
-            <a:off x="5759384" y="3836709"/>
-            <a:ext cx="1812023" cy="2593910"/>
-          </a:xfrm>
-          <a:prstGeom prst="rect">
-            <a:avLst/>
-          </a:prstGeom>
-        </p:spPr>
-      </p:pic>
       <p:sp>
         <p:nvSpPr>
           <p:cNvPr id="6" name="Pijl: omhoog 5">
@@ -4575,7 +4647,7 @@
         </p:nvSpPr>
         <p:spPr>
           <a:xfrm rot="10800000">
-            <a:off x="6630256" y="4311941"/>
+            <a:off x="3050355" y="3121095"/>
             <a:ext cx="363894" cy="680119"/>
           </a:xfrm>
           <a:prstGeom prst="upArrow">
@@ -4616,13 +4688,15 @@
               </a:ext>
             </a:extLst>
           </p:cNvPr>
-          <p:cNvCxnSpPr/>
+          <p:cNvCxnSpPr>
+            <a:cxnSpLocks/>
+          </p:cNvCxnSpPr>
           <p:nvPr/>
         </p:nvCxnSpPr>
         <p:spPr>
           <a:xfrm>
-            <a:off x="6665396" y="4555222"/>
-            <a:ext cx="293615" cy="0"/>
+            <a:off x="2926814" y="5171042"/>
+            <a:ext cx="385553" cy="0"/>
           </a:xfrm>
           <a:prstGeom prst="straightConnector1">
             <a:avLst/>
@@ -4647,35 +4721,6 @@
           </a:fontRef>
         </p:style>
       </p:cxnSp>
-      <p:pic>
-        <p:nvPicPr>
-          <p:cNvPr id="9" name="Tijdelijke aanduiding voor inhoud 5">
-            <a:extLst>
-              <a:ext uri="{FF2B5EF4-FFF2-40B4-BE49-F238E27FC236}">
-                <a16:creationId xmlns:a16="http://schemas.microsoft.com/office/drawing/2014/main" id="{C0156D51-3251-4ADF-9B69-56DBA67AD654}"/>
-              </a:ext>
-            </a:extLst>
-          </p:cNvPr>
-          <p:cNvPicPr>
-            <a:picLocks/>
-          </p:cNvPicPr>
-          <p:nvPr/>
-        </p:nvPicPr>
-        <p:blipFill rotWithShape="1">
-          <a:blip r:embed="rId4"/>
-          <a:srcRect l="9239" t="46073" r="33178" b="794"/>
-          <a:stretch/>
-        </p:blipFill>
-        <p:spPr>
-          <a:xfrm>
-            <a:off x="7865023" y="4731360"/>
-            <a:ext cx="3316812" cy="2104054"/>
-          </a:xfrm>
-          <a:prstGeom prst="rect">
-            <a:avLst/>
-          </a:prstGeom>
-        </p:spPr>
-      </p:pic>
       <p:sp>
         <p:nvSpPr>
           <p:cNvPr id="10" name="Pijl: omhoog 9">
@@ -4690,8 +4735,8 @@
         </p:nvSpPr>
         <p:spPr>
           <a:xfrm rot="7557376">
-            <a:off x="8696877" y="3354347"/>
-            <a:ext cx="363895" cy="1253238"/>
+            <a:off x="4813309" y="2723550"/>
+            <a:ext cx="363895" cy="1319488"/>
           </a:xfrm>
           <a:prstGeom prst="upArrow">
             <a:avLst/>
@@ -4735,8 +4780,8 @@
           <p:nvPr/>
         </p:nvSpPr>
         <p:spPr>
-          <a:xfrm rot="11769117">
-            <a:off x="8696876" y="3629464"/>
+          <a:xfrm rot="10800000">
+            <a:off x="4757560" y="2967029"/>
             <a:ext cx="363895" cy="832529"/>
           </a:xfrm>
           <a:prstGeom prst="upArrow">
@@ -4784,7 +4829,7 @@
         </p:nvCxnSpPr>
         <p:spPr>
           <a:xfrm>
-            <a:off x="8201242" y="4219662"/>
+            <a:off x="4608956" y="4001294"/>
             <a:ext cx="3514473" cy="0"/>
           </a:xfrm>
           <a:prstGeom prst="line">
@@ -4821,7 +4866,7 @@
         </p:nvSpPr>
         <p:spPr>
           <a:xfrm>
-            <a:off x="11327628" y="3344266"/>
+            <a:off x="8060342" y="3757513"/>
             <a:ext cx="776175" cy="492443"/>
           </a:xfrm>
           <a:prstGeom prst="rect">
@@ -4844,58 +4889,6 @@
               <a:t>melt</a:t>
             </a:r>
             <a:endParaRPr lang="nl-NL" dirty="0"/>
-          </a:p>
-        </p:txBody>
-      </p:sp>
-      <p:sp>
-        <p:nvSpPr>
-          <p:cNvPr id="17" name="Ovaal 16">
-            <a:extLst>
-              <a:ext uri="{FF2B5EF4-FFF2-40B4-BE49-F238E27FC236}">
-                <a16:creationId xmlns:a16="http://schemas.microsoft.com/office/drawing/2014/main" id="{1028F5FC-AA39-4E73-9E44-79550EC3C9FD}"/>
-              </a:ext>
-            </a:extLst>
-          </p:cNvPr>
-          <p:cNvSpPr/>
-          <p:nvPr/>
-        </p:nvSpPr>
-        <p:spPr>
-          <a:xfrm>
-            <a:off x="6241409" y="4127383"/>
-            <a:ext cx="234892" cy="184558"/>
-          </a:xfrm>
-          <a:prstGeom prst="ellipse">
-            <a:avLst/>
-          </a:prstGeom>
-          <a:noFill/>
-          <a:ln>
-            <a:solidFill>
-              <a:srgbClr val="C00000"/>
-            </a:solidFill>
-          </a:ln>
-        </p:spPr>
-        <p:style>
-          <a:lnRef idx="2">
-            <a:schemeClr val="accent1">
-              <a:shade val="50000"/>
-            </a:schemeClr>
-          </a:lnRef>
-          <a:fillRef idx="1">
-            <a:schemeClr val="accent1"/>
-          </a:fillRef>
-          <a:effectRef idx="0">
-            <a:schemeClr val="accent1"/>
-          </a:effectRef>
-          <a:fontRef idx="minor">
-            <a:schemeClr val="lt1"/>
-          </a:fontRef>
-        </p:style>
-        <p:txBody>
-          <a:bodyPr rtlCol="0" anchor="ctr"/>
-          <a:lstStyle/>
-          <a:p>
-            <a:pPr algn="ctr"/>
-            <a:endParaRPr lang="nl-NL"/>
           </a:p>
         </p:txBody>
       </p:sp>
@@ -5107,7 +5100,7 @@
         </p:blipFill>
         <p:spPr>
           <a:xfrm>
-            <a:off x="105327" y="4566920"/>
+            <a:off x="587650" y="3569651"/>
             <a:ext cx="2879725" cy="1925955"/>
           </a:xfrm>
           <a:prstGeom prst="rect">
@@ -5135,7 +5128,7 @@
         </p:blipFill>
         <p:spPr>
           <a:xfrm>
-            <a:off x="8976275" y="4532629"/>
+            <a:off x="9312275" y="4084760"/>
             <a:ext cx="2879725" cy="1994535"/>
           </a:xfrm>
           <a:prstGeom prst="rect">
@@ -6041,9 +6034,16 @@
             <p:ph idx="1"/>
           </p:nvPr>
         </p:nvSpPr>
-        <p:spPr/>
-        <p:txBody>
-          <a:bodyPr/>
+        <p:spPr>
+          <a:xfrm>
+            <a:off x="838200" y="1825625"/>
+            <a:ext cx="10515600" cy="1738669"/>
+          </a:xfrm>
+        </p:spPr>
+        <p:txBody>
+          <a:bodyPr>
+            <a:normAutofit fontScale="77500" lnSpcReduction="20000"/>
+          </a:bodyPr>
           <a:lstStyle/>
           <a:p>
             <a:r>
@@ -6070,23 +6070,7 @@
             </a:r>
             <a:r>
               <a:rPr lang="nl-NL" dirty="0"/>
-              <a:t> (</a:t>
-            </a:r>
-            <a:r>
-              <a:rPr lang="nl-NL" dirty="0" err="1"/>
-              <a:t>mean</a:t>
-            </a:r>
-            <a:r>
-              <a:rPr lang="nl-NL" dirty="0"/>
-              <a:t> </a:t>
-            </a:r>
-            <a:r>
-              <a:rPr lang="nl-NL" dirty="0" err="1"/>
-              <a:t>precipitation</a:t>
-            </a:r>
-            <a:r>
-              <a:rPr lang="nl-NL" dirty="0"/>
-              <a:t> 3.7 mm): 100% ice at 260 K</a:t>
+              <a:t>: 100% ice at ±260 K</a:t>
             </a:r>
           </a:p>
           <a:p>
@@ -6140,8 +6124,12 @@
               <a:buNone/>
             </a:pPr>
             <a:r>
-              <a:rPr lang="nl-NL" dirty="0"/>
-              <a:t>Cconv=50                                                 Cconv=1</a:t>
+              <a:rPr lang="nl-NL" dirty="0" err="1"/>
+              <a:t>Cconv</a:t>
+            </a:r>
+            <a:r>
+              <a:rPr lang="nl-NL" dirty="0"/>
+              <a:t>=25		                                                 Cconv=1</a:t>
             </a:r>
           </a:p>
           <a:p>
@@ -6151,38 +6139,10 @@
       </p:sp>
       <p:pic>
         <p:nvPicPr>
-          <p:cNvPr id="6" name="Picture 5">
-            <a:extLst>
-              <a:ext uri="{FF2B5EF4-FFF2-40B4-BE49-F238E27FC236}">
-                <a16:creationId xmlns:a16="http://schemas.microsoft.com/office/drawing/2014/main" id="{6AC421C8-A074-4657-B1E7-69E695750B2B}"/>
-              </a:ext>
-            </a:extLst>
-          </p:cNvPr>
-          <p:cNvPicPr/>
-          <p:nvPr/>
-        </p:nvPicPr>
-        <p:blipFill>
-          <a:blip r:embed="rId2"/>
-          <a:stretch>
-            <a:fillRect/>
-          </a:stretch>
-        </p:blipFill>
-        <p:spPr>
-          <a:xfrm>
-            <a:off x="586521" y="4658360"/>
-            <a:ext cx="2743200" cy="1834515"/>
-          </a:xfrm>
-          <a:prstGeom prst="rect">
-            <a:avLst/>
-          </a:prstGeom>
-        </p:spPr>
-      </p:pic>
-      <p:pic>
-        <p:nvPicPr>
-          <p:cNvPr id="7" name="Picture 6">
-            <a:extLst>
-              <a:ext uri="{FF2B5EF4-FFF2-40B4-BE49-F238E27FC236}">
-                <a16:creationId xmlns:a16="http://schemas.microsoft.com/office/drawing/2014/main" id="{28F4C643-7EA6-4442-9A02-EAB02814334E}"/>
+          <p:cNvPr id="8" name="Picture 7">
+            <a:extLst>
+              <a:ext uri="{FF2B5EF4-FFF2-40B4-BE49-F238E27FC236}">
+                <a16:creationId xmlns:a16="http://schemas.microsoft.com/office/drawing/2014/main" id="{F4ADB074-BC38-4F30-AA71-0EE97D9A52FD}"/>
               </a:ext>
             </a:extLst>
           </p:cNvPr>
@@ -6197,8 +6157,8 @@
         </p:blipFill>
         <p:spPr>
           <a:xfrm>
-            <a:off x="3352800" y="4658360"/>
-            <a:ext cx="2743200" cy="1899920"/>
+            <a:off x="7728602" y="3809364"/>
+            <a:ext cx="4320000" cy="2880000"/>
           </a:xfrm>
           <a:prstGeom prst="rect">
             <a:avLst/>
@@ -6207,10 +6167,10 @@
       </p:pic>
       <p:pic>
         <p:nvPicPr>
-          <p:cNvPr id="8" name="Picture 7">
-            <a:extLst>
-              <a:ext uri="{FF2B5EF4-FFF2-40B4-BE49-F238E27FC236}">
-                <a16:creationId xmlns:a16="http://schemas.microsoft.com/office/drawing/2014/main" id="{F4ADB074-BC38-4F30-AA71-0EE97D9A52FD}"/>
+          <p:cNvPr id="9" name="Picture 8">
+            <a:extLst>
+              <a:ext uri="{FF2B5EF4-FFF2-40B4-BE49-F238E27FC236}">
+                <a16:creationId xmlns:a16="http://schemas.microsoft.com/office/drawing/2014/main" id="{4D2B14E7-4C4E-4C5A-B883-8D6485BE4F75}"/>
               </a:ext>
             </a:extLst>
           </p:cNvPr>
@@ -6225,8 +6185,8 @@
         </p:blipFill>
         <p:spPr>
           <a:xfrm>
-            <a:off x="6538913" y="4723765"/>
-            <a:ext cx="2743200" cy="1834515"/>
+            <a:off x="6390129" y="3799671"/>
+            <a:ext cx="4320000" cy="2880000"/>
           </a:xfrm>
           <a:prstGeom prst="rect">
             <a:avLst/>
@@ -6235,10 +6195,10 @@
       </p:pic>
       <p:pic>
         <p:nvPicPr>
-          <p:cNvPr id="9" name="Picture 8">
-            <a:extLst>
-              <a:ext uri="{FF2B5EF4-FFF2-40B4-BE49-F238E27FC236}">
-                <a16:creationId xmlns:a16="http://schemas.microsoft.com/office/drawing/2014/main" id="{4D2B14E7-4C4E-4C5A-B883-8D6485BE4F75}"/>
+          <p:cNvPr id="10" name="Picture 132">
+            <a:extLst>
+              <a:ext uri="{FF2B5EF4-FFF2-40B4-BE49-F238E27FC236}">
+                <a16:creationId xmlns:a16="http://schemas.microsoft.com/office/drawing/2014/main" id="{B1266E8F-21E5-4E57-8769-FEE923CFA4DB}"/>
               </a:ext>
             </a:extLst>
           </p:cNvPr>
@@ -6253,8 +6213,36 @@
         </p:blipFill>
         <p:spPr>
           <a:xfrm>
-            <a:off x="9282113" y="4723765"/>
-            <a:ext cx="2743200" cy="1899920"/>
+            <a:off x="2060798" y="3743685"/>
+            <a:ext cx="4320000" cy="2880000"/>
+          </a:xfrm>
+          <a:prstGeom prst="rect">
+            <a:avLst/>
+          </a:prstGeom>
+        </p:spPr>
+      </p:pic>
+      <p:pic>
+        <p:nvPicPr>
+          <p:cNvPr id="11" name="Picture 137">
+            <a:extLst>
+              <a:ext uri="{FF2B5EF4-FFF2-40B4-BE49-F238E27FC236}">
+                <a16:creationId xmlns:a16="http://schemas.microsoft.com/office/drawing/2014/main" id="{57840C2A-D953-459B-B3C3-C0A545A7E09F}"/>
+              </a:ext>
+            </a:extLst>
+          </p:cNvPr>
+          <p:cNvPicPr/>
+          <p:nvPr/>
+        </p:nvPicPr>
+        <p:blipFill>
+          <a:blip r:embed="rId6"/>
+          <a:stretch>
+            <a:fillRect/>
+          </a:stretch>
+        </p:blipFill>
+        <p:spPr>
+          <a:xfrm>
+            <a:off x="152726" y="3743685"/>
+            <a:ext cx="4320000" cy="2880000"/>
           </a:xfrm>
           <a:prstGeom prst="rect">
             <a:avLst/>
@@ -6399,14 +6387,14 @@
           <p:nvPr>
             <p:extLst>
               <p:ext uri="{D42A27DB-BD31-4B8C-83A1-F6EECF244321}">
-                <p14:modId xmlns:p14="http://schemas.microsoft.com/office/powerpoint/2010/main" val="604655352"/>
+                <p14:modId xmlns:p14="http://schemas.microsoft.com/office/powerpoint/2010/main" val="3970446487"/>
               </p:ext>
             </p:extLst>
           </p:nvPr>
         </p:nvGraphicFramePr>
         <p:xfrm>
           <a:off x="1402642" y="2660188"/>
-          <a:ext cx="4430944" cy="1874690"/>
+          <a:ext cx="8549226" cy="1874690"/>
         </p:xfrm>
         <a:graphic>
           <a:graphicData uri="http://schemas.openxmlformats.org/drawingml/2006/table">
@@ -6415,14 +6403,21 @@
                 <a:tableStyleId>{5C22544A-7EE6-4342-B048-85BDC9FD1C3A}</a:tableStyleId>
               </a:tblPr>
               <a:tblGrid>
-                <a:gridCol w="2215472">
+                <a:gridCol w="1476981">
                   <a:extLst>
                     <a:ext uri="{9D8B030D-6E8A-4147-A177-3AD203B41FA5}">
                       <a16:colId xmlns:a16="http://schemas.microsoft.com/office/drawing/2014/main" val="2606592587"/>
                     </a:ext>
                   </a:extLst>
                 </a:gridCol>
-                <a:gridCol w="2215472">
+                <a:gridCol w="2713309">
+                  <a:extLst>
+                    <a:ext uri="{9D8B030D-6E8A-4147-A177-3AD203B41FA5}">
+                      <a16:colId xmlns:a16="http://schemas.microsoft.com/office/drawing/2014/main" val="1914926846"/>
+                    </a:ext>
+                  </a:extLst>
+                </a:gridCol>
+                <a:gridCol w="4358936">
                   <a:extLst>
                     <a:ext uri="{9D8B030D-6E8A-4147-A177-3AD203B41FA5}">
                       <a16:colId xmlns:a16="http://schemas.microsoft.com/office/drawing/2014/main" val="3718566810"/>
@@ -6451,8 +6446,41 @@
                     <a:lstStyle/>
                     <a:p>
                       <a:r>
+                        <a:rPr lang="nl-NL" dirty="0" err="1"/>
+                        <a:t>Mean</a:t>
+                      </a:r>
+                      <a:r>
                         <a:rPr lang="nl-NL" dirty="0"/>
-                        <a:t>Precipitation</a:t>
+                        <a:t> </a:t>
+                      </a:r>
+                      <a:r>
+                        <a:rPr lang="nl-NL" dirty="0" err="1"/>
+                        <a:t>precipitation</a:t>
+                      </a:r>
+                      <a:r>
+                        <a:rPr lang="nl-NL" dirty="0"/>
+                        <a:t> (mm)</a:t>
+                      </a:r>
+                    </a:p>
+                  </a:txBody>
+                  <a:tcPr/>
+                </a:tc>
+                <a:tc>
+                  <a:txBody>
+                    <a:bodyPr/>
+                    <a:lstStyle/>
+                    <a:p>
+                      <a:r>
+                        <a:rPr lang="nl-NL" dirty="0"/>
+                        <a:t>Cloud equilibrium </a:t>
+                      </a:r>
+                      <a:r>
+                        <a:rPr lang="nl-NL" dirty="0" err="1"/>
+                        <a:t>temperature</a:t>
+                      </a:r>
+                      <a:r>
+                        <a:rPr lang="nl-NL" dirty="0"/>
+                        <a:t> (K)</a:t>
                       </a:r>
                     </a:p>
                   </a:txBody>
@@ -6472,7 +6500,7 @@
                     <a:p>
                       <a:r>
                         <a:rPr lang="nl-NL" dirty="0"/>
-                        <a:t>5%</a:t>
+                        <a:t>0%</a:t>
                       </a:r>
                     </a:p>
                   </a:txBody>
@@ -6485,7 +6513,20 @@
                     <a:p>
                       <a:r>
                         <a:rPr lang="nl-NL" dirty="0"/>
-                        <a:t>2.34</a:t>
+                        <a:t>4.99</a:t>
+                      </a:r>
+                    </a:p>
+                  </a:txBody>
+                  <a:tcPr/>
+                </a:tc>
+                <a:tc>
+                  <a:txBody>
+                    <a:bodyPr/>
+                    <a:lstStyle/>
+                    <a:p>
+                      <a:r>
+                        <a:rPr lang="nl-NL" dirty="0"/>
+                        <a:t>260</a:t>
                       </a:r>
                     </a:p>
                   </a:txBody>
@@ -6494,6 +6535,98 @@
                 <a:extLst>
                   <a:ext uri="{0D108BD9-81ED-4DB2-BD59-A6C34878D82A}">
                     <a16:rowId xmlns:a16="http://schemas.microsoft.com/office/drawing/2014/main" val="2944857273"/>
+                  </a:ext>
+                </a:extLst>
+              </a:tr>
+              <a:tr h="374938">
+                <a:tc>
+                  <a:txBody>
+                    <a:bodyPr/>
+                    <a:lstStyle/>
+                    <a:p>
+                      <a:r>
+                        <a:rPr lang="nl-NL" dirty="0"/>
+                        <a:t>2%</a:t>
+                      </a:r>
+                    </a:p>
+                  </a:txBody>
+                  <a:tcPr/>
+                </a:tc>
+                <a:tc>
+                  <a:txBody>
+                    <a:bodyPr/>
+                    <a:lstStyle/>
+                    <a:p>
+                      <a:r>
+                        <a:rPr lang="nl-NL" dirty="0"/>
+                        <a:t>4.02</a:t>
+                      </a:r>
+                    </a:p>
+                  </a:txBody>
+                  <a:tcPr/>
+                </a:tc>
+                <a:tc>
+                  <a:txBody>
+                    <a:bodyPr/>
+                    <a:lstStyle/>
+                    <a:p>
+                      <a:r>
+                        <a:rPr lang="nl-NL" dirty="0"/>
+                        <a:t>264</a:t>
+                      </a:r>
+                    </a:p>
+                  </a:txBody>
+                  <a:tcPr/>
+                </a:tc>
+                <a:extLst>
+                  <a:ext uri="{0D108BD9-81ED-4DB2-BD59-A6C34878D82A}">
+                    <a16:rowId xmlns:a16="http://schemas.microsoft.com/office/drawing/2014/main" val="1125544013"/>
+                  </a:ext>
+                </a:extLst>
+              </a:tr>
+              <a:tr h="374938">
+                <a:tc>
+                  <a:txBody>
+                    <a:bodyPr/>
+                    <a:lstStyle/>
+                    <a:p>
+                      <a:r>
+                        <a:rPr lang="nl-NL" dirty="0"/>
+                        <a:t>4%</a:t>
+                      </a:r>
+                    </a:p>
+                  </a:txBody>
+                  <a:tcPr/>
+                </a:tc>
+                <a:tc>
+                  <a:txBody>
+                    <a:bodyPr/>
+                    <a:lstStyle/>
+                    <a:p>
+                      <a:r>
+                        <a:rPr lang="nl-NL" dirty="0"/>
+                        <a:t>2.50</a:t>
+                      </a:r>
+                    </a:p>
+                  </a:txBody>
+                  <a:tcPr/>
+                </a:tc>
+                <a:tc>
+                  <a:txBody>
+                    <a:bodyPr/>
+                    <a:lstStyle/>
+                    <a:p>
+                      <a:r>
+                        <a:rPr lang="nl-NL" dirty="0"/>
+                        <a:t>267</a:t>
+                      </a:r>
+                    </a:p>
+                  </a:txBody>
+                  <a:tcPr/>
+                </a:tc>
+                <a:extLst>
+                  <a:ext uri="{0D108BD9-81ED-4DB2-BD59-A6C34878D82A}">
+                    <a16:rowId xmlns:a16="http://schemas.microsoft.com/office/drawing/2014/main" val="3431542153"/>
                   </a:ext>
                 </a:extLst>
               </a:tr>
@@ -6524,13 +6657,6 @@
                   </a:txBody>
                   <a:tcPr/>
                 </a:tc>
-                <a:extLst>
-                  <a:ext uri="{0D108BD9-81ED-4DB2-BD59-A6C34878D82A}">
-                    <a16:rowId xmlns:a16="http://schemas.microsoft.com/office/drawing/2014/main" val="1125544013"/>
-                  </a:ext>
-                </a:extLst>
-              </a:tr>
-              <a:tr h="374938">
                 <a:tc>
                   <a:txBody>
                     <a:bodyPr/>
@@ -6538,53 +6664,7 @@
                     <a:p>
                       <a:r>
                         <a:rPr lang="nl-NL" dirty="0"/>
-                        <a:t>50%</a:t>
-                      </a:r>
-                    </a:p>
-                  </a:txBody>
-                  <a:tcPr/>
-                </a:tc>
-                <a:tc>
-                  <a:txBody>
-                    <a:bodyPr/>
-                    <a:lstStyle/>
-                    <a:p>
-                      <a:r>
-                        <a:rPr lang="nl-NL" dirty="0"/>
-                        <a:t>0.18</a:t>
-                      </a:r>
-                    </a:p>
-                  </a:txBody>
-                  <a:tcPr/>
-                </a:tc>
-                <a:extLst>
-                  <a:ext uri="{0D108BD9-81ED-4DB2-BD59-A6C34878D82A}">
-                    <a16:rowId xmlns:a16="http://schemas.microsoft.com/office/drawing/2014/main" val="3431542153"/>
-                  </a:ext>
-                </a:extLst>
-              </a:tr>
-              <a:tr h="374938">
-                <a:tc>
-                  <a:txBody>
-                    <a:bodyPr/>
-                    <a:lstStyle/>
-                    <a:p>
-                      <a:r>
-                        <a:rPr lang="nl-NL" dirty="0"/>
-                        <a:t>99%</a:t>
-                      </a:r>
-                    </a:p>
-                  </a:txBody>
-                  <a:tcPr/>
-                </a:tc>
-                <a:tc>
-                  <a:txBody>
-                    <a:bodyPr/>
-                    <a:lstStyle/>
-                    <a:p>
-                      <a:r>
-                        <a:rPr lang="nl-NL" dirty="0"/>
-                        <a:t>0.11</a:t>
+                        <a:t>277</a:t>
                       </a:r>
                     </a:p>
                   </a:txBody>
@@ -7022,7 +7102,7 @@
         <p:spPr/>
         <p:txBody>
           <a:bodyPr>
-            <a:normAutofit fontScale="92500" lnSpcReduction="20000"/>
+            <a:normAutofit fontScale="92500" lnSpcReduction="10000"/>
           </a:bodyPr>
           <a:lstStyle/>
           <a:p>
@@ -7242,44 +7322,6 @@
           <a:p>
             <a:r>
               <a:rPr lang="nl-NL" dirty="0"/>
-              <a:t>Over-</a:t>
-            </a:r>
-            <a:r>
-              <a:rPr lang="nl-NL" dirty="0" err="1"/>
-              <a:t>sensitivity</a:t>
-            </a:r>
-            <a:r>
-              <a:rPr lang="nl-NL" dirty="0"/>
-              <a:t> of mixed </a:t>
-            </a:r>
-            <a:r>
-              <a:rPr lang="nl-NL" dirty="0" err="1"/>
-              <a:t>clouds</a:t>
-            </a:r>
-            <a:r>
-              <a:rPr lang="nl-NL" dirty="0"/>
-              <a:t> </a:t>
-            </a:r>
-            <a:r>
-              <a:rPr lang="nl-NL" dirty="0" err="1"/>
-              <a:t>for</a:t>
-            </a:r>
-            <a:r>
-              <a:rPr lang="nl-NL" dirty="0"/>
-              <a:t> 260-273 K </a:t>
-            </a:r>
-            <a:r>
-              <a:rPr lang="nl-NL" dirty="0" err="1"/>
-              <a:t>temperature</a:t>
-            </a:r>
-            <a:r>
-              <a:rPr lang="nl-NL" dirty="0"/>
-              <a:t>?</a:t>
-            </a:r>
-          </a:p>
-          <a:p>
-            <a:r>
-              <a:rPr lang="nl-NL" dirty="0"/>
               <a:t>But in </a:t>
             </a:r>
             <a:r>
@@ -7379,10 +7421,10 @@
       </p:sp>
       <p:pic>
         <p:nvPicPr>
-          <p:cNvPr id="4" name="Afbeelding 3">
-            <a:extLst>
-              <a:ext uri="{FF2B5EF4-FFF2-40B4-BE49-F238E27FC236}">
-                <a16:creationId xmlns:a16="http://schemas.microsoft.com/office/drawing/2014/main" id="{A06AA666-8894-44D4-A001-C0B322650B46}"/>
+          <p:cNvPr id="11" name="Afbeelding 10">
+            <a:extLst>
+              <a:ext uri="{FF2B5EF4-FFF2-40B4-BE49-F238E27FC236}">
+                <a16:creationId xmlns:a16="http://schemas.microsoft.com/office/drawing/2014/main" id="{EB731639-ED07-4680-9DF7-7C12EB41D58A}"/>
               </a:ext>
             </a:extLst>
           </p:cNvPr>
@@ -7393,35 +7435,6 @@
         </p:nvPicPr>
         <p:blipFill rotWithShape="1">
           <a:blip r:embed="rId3"/>
-          <a:srcRect l="9458" t="42583" r="53131" b="12679"/>
-          <a:stretch/>
-        </p:blipFill>
-        <p:spPr>
-          <a:xfrm>
-            <a:off x="9506082" y="4720058"/>
-            <a:ext cx="2155372" cy="1772817"/>
-          </a:xfrm>
-          <a:prstGeom prst="rect">
-            <a:avLst/>
-          </a:prstGeom>
-        </p:spPr>
-      </p:pic>
-      <p:pic>
-        <p:nvPicPr>
-          <p:cNvPr id="11" name="Afbeelding 10">
-            <a:extLst>
-              <a:ext uri="{FF2B5EF4-FFF2-40B4-BE49-F238E27FC236}">
-                <a16:creationId xmlns:a16="http://schemas.microsoft.com/office/drawing/2014/main" id="{EB731639-ED07-4680-9DF7-7C12EB41D58A}"/>
-              </a:ext>
-            </a:extLst>
-          </p:cNvPr>
-          <p:cNvPicPr>
-            <a:picLocks noChangeAspect="1"/>
-          </p:cNvPicPr>
-          <p:nvPr/>
-        </p:nvPicPr>
-        <p:blipFill rotWithShape="1">
-          <a:blip r:embed="rId4"/>
           <a:srcRect l="27291" t="3372" r="30328" b="-800"/>
           <a:stretch/>
         </p:blipFill>
@@ -8006,7 +8019,7 @@
         </p:nvSpPr>
         <p:spPr>
           <a:xfrm>
-            <a:off x="3527363" y="2035309"/>
+            <a:off x="3671746" y="2375062"/>
             <a:ext cx="526582" cy="1677798"/>
           </a:xfrm>
           <a:prstGeom prst="upDownArrow">
@@ -8485,7 +8498,7 @@
         </p:nvSpPr>
         <p:spPr>
           <a:xfrm>
-            <a:off x="3472563" y="830249"/>
+            <a:off x="4340310" y="830249"/>
             <a:ext cx="2191326" cy="912761"/>
           </a:xfrm>
           <a:prstGeom prst="roundRect">
@@ -8548,7 +8561,7 @@
         </p:blipFill>
         <p:spPr>
           <a:xfrm>
-            <a:off x="3674378" y="4896820"/>
+            <a:off x="4542125" y="4896820"/>
             <a:ext cx="1953144" cy="2219482"/>
           </a:xfrm>
           <a:prstGeom prst="rect">
@@ -8584,7 +8597,7 @@
         </p:blipFill>
         <p:spPr>
           <a:xfrm>
-            <a:off x="7535610" y="2993257"/>
+            <a:off x="8403357" y="2993257"/>
             <a:ext cx="1769243" cy="2358991"/>
           </a:xfrm>
           <a:prstGeom prst="rect">
@@ -8619,7 +8632,7 @@
         </p:blipFill>
         <p:spPr>
           <a:xfrm>
-            <a:off x="3674378" y="2768432"/>
+            <a:off x="4542125" y="2768432"/>
             <a:ext cx="1953144" cy="1431367"/>
           </a:xfrm>
           <a:prstGeom prst="rect">
@@ -8641,7 +8654,7 @@
         </p:nvSpPr>
         <p:spPr>
           <a:xfrm>
-            <a:off x="3450038" y="4228134"/>
+            <a:off x="4317785" y="4228134"/>
             <a:ext cx="1023456" cy="978408"/>
           </a:xfrm>
           <a:prstGeom prst="upArrow">
@@ -8705,7 +8718,7 @@
         </p:nvSpPr>
         <p:spPr>
           <a:xfrm>
-            <a:off x="5036559" y="4228134"/>
+            <a:off x="5904306" y="4228134"/>
             <a:ext cx="994094" cy="978408"/>
           </a:xfrm>
           <a:prstGeom prst="downArrow">
@@ -8769,7 +8782,7 @@
         </p:nvSpPr>
         <p:spPr>
           <a:xfrm>
-            <a:off x="3990975" y="1761689"/>
+            <a:off x="4858722" y="1761689"/>
             <a:ext cx="1039390" cy="6184499"/>
           </a:xfrm>
           <a:prstGeom prst="circularArrow">
@@ -8825,7 +8838,7 @@
         </p:nvSpPr>
         <p:spPr>
           <a:xfrm>
-            <a:off x="4739550" y="4348006"/>
+            <a:off x="5607297" y="4348006"/>
             <a:ext cx="307120" cy="369332"/>
           </a:xfrm>
           <a:prstGeom prst="rect">
@@ -8864,7 +8877,7 @@
         </p:nvSpPr>
         <p:spPr>
           <a:xfrm>
-            <a:off x="6700007" y="5361976"/>
+            <a:off x="7567754" y="5361976"/>
             <a:ext cx="662730" cy="457432"/>
           </a:xfrm>
           <a:prstGeom prst="rightArrow">
@@ -8910,7 +8923,7 @@
         </p:nvSpPr>
         <p:spPr>
           <a:xfrm>
-            <a:off x="6711846" y="5886319"/>
+            <a:off x="7579593" y="5886319"/>
             <a:ext cx="662730" cy="457432"/>
           </a:xfrm>
           <a:prstGeom prst="rightArrow">
@@ -8956,7 +8969,7 @@
         </p:nvSpPr>
         <p:spPr>
           <a:xfrm>
-            <a:off x="7471794" y="5361976"/>
+            <a:off x="8339541" y="5361976"/>
             <a:ext cx="1319015" cy="1754326"/>
           </a:xfrm>
           <a:prstGeom prst="rect">
@@ -9012,7 +9025,7 @@
         </p:nvSpPr>
         <p:spPr>
           <a:xfrm>
-            <a:off x="6711846" y="6433617"/>
+            <a:off x="7579593" y="6433617"/>
             <a:ext cx="662730" cy="457432"/>
           </a:xfrm>
           <a:prstGeom prst="rightArrow">
@@ -9058,7 +9071,7 @@
         </p:nvSpPr>
         <p:spPr>
           <a:xfrm>
-            <a:off x="5754849" y="3647114"/>
+            <a:off x="6622596" y="3647114"/>
             <a:ext cx="1710698" cy="396380"/>
           </a:xfrm>
           <a:prstGeom prst="rightArrow">
@@ -9120,7 +9133,7 @@
         </p:nvSpPr>
         <p:spPr>
           <a:xfrm>
-            <a:off x="5754847" y="4855094"/>
+            <a:off x="6622594" y="4855094"/>
             <a:ext cx="1710699" cy="396380"/>
           </a:xfrm>
           <a:prstGeom prst="rightArrow">
@@ -9184,7 +9197,7 @@
         </p:nvCxnSpPr>
         <p:spPr>
           <a:xfrm>
-            <a:off x="4729348" y="2411696"/>
+            <a:off x="5597095" y="2411696"/>
             <a:ext cx="1788568" cy="24307"/>
           </a:xfrm>
           <a:prstGeom prst="line">
@@ -9221,7 +9234,7 @@
         </p:nvSpPr>
         <p:spPr>
           <a:xfrm>
-            <a:off x="4730229" y="1761689"/>
+            <a:off x="5597976" y="1761689"/>
             <a:ext cx="980479" cy="1006325"/>
           </a:xfrm>
           <a:prstGeom prst="downArrow">
@@ -9281,7 +9294,7 @@
         </p:nvSpPr>
         <p:spPr>
           <a:xfrm>
-            <a:off x="6568808" y="1986155"/>
+            <a:off x="7436555" y="1986155"/>
             <a:ext cx="2834645" cy="923330"/>
           </a:xfrm>
           <a:prstGeom prst="rect">
@@ -9316,7 +9329,7 @@
         </p:nvSpPr>
         <p:spPr>
           <a:xfrm>
-            <a:off x="6292461" y="3387607"/>
+            <a:off x="7160208" y="3387607"/>
             <a:ext cx="644279" cy="369332"/>
           </a:xfrm>
           <a:prstGeom prst="rect">
@@ -9351,7 +9364,7 @@
         </p:nvSpPr>
         <p:spPr>
           <a:xfrm>
-            <a:off x="6327662" y="4603517"/>
+            <a:off x="7195409" y="4603517"/>
             <a:ext cx="566950" cy="369332"/>
           </a:xfrm>
           <a:prstGeom prst="rect">
@@ -9386,7 +9399,7 @@
         </p:nvSpPr>
         <p:spPr>
           <a:xfrm>
-            <a:off x="6517916" y="1962520"/>
+            <a:off x="7385663" y="1962520"/>
             <a:ext cx="2675511" cy="946965"/>
           </a:xfrm>
           <a:prstGeom prst="rect">
@@ -9438,7 +9451,7 @@
         </p:nvSpPr>
         <p:spPr>
           <a:xfrm>
-            <a:off x="3372465" y="1762098"/>
+            <a:off x="4240212" y="1762098"/>
             <a:ext cx="1023456" cy="1006334"/>
           </a:xfrm>
           <a:prstGeom prst="upArrow">
@@ -9494,7 +9507,7 @@
         </p:nvSpPr>
         <p:spPr>
           <a:xfrm>
-            <a:off x="2221180" y="243209"/>
+            <a:off x="358054" y="229661"/>
             <a:ext cx="6838930" cy="646331"/>
           </a:xfrm>
           <a:prstGeom prst="rect">
@@ -9549,7 +9562,7 @@
         </p:nvSpPr>
         <p:spPr>
           <a:xfrm>
-            <a:off x="5944119" y="3019986"/>
+            <a:off x="6811866" y="3019986"/>
             <a:ext cx="5271963" cy="2341989"/>
           </a:xfrm>
           <a:prstGeom prst="rect">
@@ -9604,7 +9617,7 @@
         </p:nvSpPr>
         <p:spPr>
           <a:xfrm>
-            <a:off x="9193427" y="3606777"/>
+            <a:off x="10061174" y="3606777"/>
             <a:ext cx="2035301" cy="477054"/>
           </a:xfrm>
           <a:prstGeom prst="rect">
@@ -9637,6 +9650,42 @@
           </a:p>
         </p:txBody>
       </p:sp>
+      <p:pic>
+        <p:nvPicPr>
+          <p:cNvPr id="14" name="Afbeelding 13">
+            <a:extLst>
+              <a:ext uri="{FF2B5EF4-FFF2-40B4-BE49-F238E27FC236}">
+                <a16:creationId xmlns:a16="http://schemas.microsoft.com/office/drawing/2014/main" id="{61A2FCDB-3BC2-4971-9B5A-61BCC386971A}"/>
+              </a:ext>
+            </a:extLst>
+          </p:cNvPr>
+          <p:cNvPicPr>
+            <a:picLocks noChangeAspect="1"/>
+          </p:cNvPicPr>
+          <p:nvPr/>
+        </p:nvPicPr>
+        <p:blipFill>
+          <a:blip r:embed="rId5">
+            <a:extLst>
+              <a:ext uri="{28A0092B-C50C-407E-A947-70E740481C1C}">
+                <a14:useLocalDpi xmlns:a14="http://schemas.microsoft.com/office/drawing/2010/main" val="0"/>
+              </a:ext>
+            </a:extLst>
+          </a:blip>
+          <a:stretch>
+            <a:fillRect/>
+          </a:stretch>
+        </p:blipFill>
+        <p:spPr>
+          <a:xfrm>
+            <a:off x="-26558" y="2423849"/>
+            <a:ext cx="4444912" cy="3277181"/>
+          </a:xfrm>
+          <a:prstGeom prst="rect">
+            <a:avLst/>
+          </a:prstGeom>
+        </p:spPr>
+      </p:pic>
     </p:spTree>
     <p:extLst>
       <p:ext uri="{BB962C8B-B14F-4D97-AF65-F5344CB8AC3E}">

--- a/model_representation.pptx
+++ b/model_representation.pptx
@@ -7612,9 +7612,10 @@
           <a:lstStyle/>
           <a:p>
             <a:r>
-              <a:rPr lang="nl-NL" dirty="0"/>
-              <a:t>The content</a:t>
-            </a:r>
+              <a:rPr lang="nl-NL"/>
+              <a:t>The content </a:t>
+            </a:r>
+            <a:endParaRPr lang="nl-NL" dirty="0"/>
           </a:p>
         </p:txBody>
       </p:sp>
